--- a/卒業制作_風船わりゲーム（仮）.pptx
+++ b/卒業制作_風船わりゲーム（仮）.pptx
@@ -5,7 +5,7 @@
     <p:sldMasterId id="2147483648" r:id="rId1"/>
   </p:sldMasterIdLst>
   <p:notesMasterIdLst>
-    <p:notesMasterId r:id="rId27"/>
+    <p:notesMasterId r:id="rId28"/>
   </p:notesMasterIdLst>
   <p:sldIdLst>
     <p:sldId id="256" r:id="rId2"/>
@@ -26,13 +26,14 @@
     <p:sldId id="276" r:id="rId17"/>
     <p:sldId id="281" r:id="rId18"/>
     <p:sldId id="279" r:id="rId19"/>
-    <p:sldId id="280" r:id="rId20"/>
-    <p:sldId id="270" r:id="rId21"/>
-    <p:sldId id="268" r:id="rId22"/>
-    <p:sldId id="269" r:id="rId23"/>
-    <p:sldId id="272" r:id="rId24"/>
-    <p:sldId id="273" r:id="rId25"/>
-    <p:sldId id="283" r:id="rId26"/>
+    <p:sldId id="284" r:id="rId20"/>
+    <p:sldId id="280" r:id="rId21"/>
+    <p:sldId id="270" r:id="rId22"/>
+    <p:sldId id="268" r:id="rId23"/>
+    <p:sldId id="269" r:id="rId24"/>
+    <p:sldId id="272" r:id="rId25"/>
+    <p:sldId id="273" r:id="rId26"/>
+    <p:sldId id="283" r:id="rId27"/>
   </p:sldIdLst>
   <p:sldSz cx="12192000" cy="6858000"/>
   <p:notesSz cx="6858000" cy="9144000"/>
@@ -3830,6 +3831,13 @@
   <p:clrMapOvr>
     <a:masterClrMapping/>
   </p:clrMapOvr>
+  <p:timing>
+    <p:tnLst>
+      <p:par>
+        <p:cTn id="1" dur="indefinite" restart="never" nodeType="tmRoot"/>
+      </p:par>
+    </p:tnLst>
+  </p:timing>
 </p:sld>
 </file>
 
@@ -10786,85 +10794,6 @@
       </p:grpSpPr>
       <p:sp>
         <p:nvSpPr>
-          <p:cNvPr id="4" name="楕円 3"/>
-          <p:cNvSpPr/>
-          <p:nvPr/>
-        </p:nvSpPr>
-        <p:spPr>
-          <a:xfrm>
-            <a:off x="7415590" y="2896435"/>
-            <a:ext cx="2778531" cy="1060173"/>
-          </a:xfrm>
-          <a:prstGeom prst="ellipse">
-            <a:avLst/>
-          </a:prstGeom>
-          <a:solidFill>
-            <a:schemeClr val="bg1"/>
-          </a:solidFill>
-          <a:ln w="57150" cap="flat" cmpd="sng" algn="ctr">
-            <a:solidFill>
-              <a:srgbClr val="7030A0"/>
-            </a:solidFill>
-            <a:prstDash val="solid"/>
-            <a:round/>
-            <a:headEnd type="none" w="med" len="med"/>
-            <a:tailEnd type="none" w="med" len="med"/>
-          </a:ln>
-        </p:spPr>
-        <p:style>
-          <a:lnRef idx="0">
-            <a:scrgbClr r="0" g="0" b="0"/>
-          </a:lnRef>
-          <a:fillRef idx="0">
-            <a:scrgbClr r="0" g="0" b="0"/>
-          </a:fillRef>
-          <a:effectRef idx="0">
-            <a:scrgbClr r="0" g="0" b="0"/>
-          </a:effectRef>
-          <a:fontRef idx="minor">
-            <a:schemeClr val="accent5"/>
-          </a:fontRef>
-        </p:style>
-        <p:txBody>
-          <a:bodyPr rtlCol="0" anchor="ctr"/>
-          <a:lstStyle/>
-          <a:p>
-            <a:pPr algn="ctr"/>
-            <a:endParaRPr kumimoji="1" lang="ja-JP" altLang="en-US"/>
-          </a:p>
-        </p:txBody>
-      </p:sp>
-      <p:sp>
-        <p:nvSpPr>
-          <p:cNvPr id="5" name="テキスト ボックス 4"/>
-          <p:cNvSpPr txBox="1"/>
-          <p:nvPr/>
-        </p:nvSpPr>
-        <p:spPr>
-          <a:xfrm>
-            <a:off x="7495522" y="3241855"/>
-            <a:ext cx="2784149" cy="369332"/>
-          </a:xfrm>
-          <a:prstGeom prst="rect">
-            <a:avLst/>
-          </a:prstGeom>
-          <a:noFill/>
-        </p:spPr>
-        <p:txBody>
-          <a:bodyPr wrap="square" rtlCol="0">
-            <a:spAutoFit/>
-          </a:bodyPr>
-          <a:lstStyle/>
-          <a:p>
-            <a:r>
-              <a:rPr lang="ja-JP" altLang="en-US" b="1" u="sng" dirty="0"/>
-              <a:t>タイマーが０になったら</a:t>
-            </a:r>
-          </a:p>
-        </p:txBody>
-      </p:sp>
-      <p:sp>
-        <p:nvSpPr>
           <p:cNvPr id="7" name="正方形/長方形 6"/>
           <p:cNvSpPr/>
           <p:nvPr/>
@@ -10905,51 +10834,6 @@
       </p:sp>
       <p:sp>
         <p:nvSpPr>
-          <p:cNvPr id="9" name="円形吹き出し 8"/>
-          <p:cNvSpPr/>
-          <p:nvPr/>
-        </p:nvSpPr>
-        <p:spPr>
-          <a:xfrm rot="5400000">
-            <a:off x="9535598" y="2656361"/>
-            <a:ext cx="2385196" cy="858663"/>
-          </a:xfrm>
-          <a:prstGeom prst="wedgeEllipseCallout">
-            <a:avLst>
-              <a:gd name="adj1" fmla="val 6274"/>
-              <a:gd name="adj2" fmla="val 63081"/>
-            </a:avLst>
-          </a:prstGeom>
-          <a:ln w="38100">
-            <a:headEnd type="none" w="med" len="med"/>
-            <a:tailEnd type="none" w="med" len="med"/>
-          </a:ln>
-        </p:spPr>
-        <p:style>
-          <a:lnRef idx="2">
-            <a:schemeClr val="accent2"/>
-          </a:lnRef>
-          <a:fillRef idx="1">
-            <a:schemeClr val="lt1"/>
-          </a:fillRef>
-          <a:effectRef idx="0">
-            <a:schemeClr val="accent2"/>
-          </a:effectRef>
-          <a:fontRef idx="minor">
-            <a:schemeClr val="dk1"/>
-          </a:fontRef>
-        </p:style>
-        <p:txBody>
-          <a:bodyPr rtlCol="0" anchor="ctr"/>
-          <a:lstStyle/>
-          <a:p>
-            <a:pPr algn="ctr"/>
-            <a:endParaRPr kumimoji="1" lang="ja-JP" altLang="en-US"/>
-          </a:p>
-        </p:txBody>
-      </p:sp>
-      <p:sp>
-        <p:nvSpPr>
           <p:cNvPr id="2" name="正方形/長方形 1"/>
           <p:cNvSpPr/>
           <p:nvPr/>
@@ -10957,7 +10841,7 @@
         <p:spPr>
           <a:xfrm>
             <a:off x="651778" y="568448"/>
-            <a:ext cx="4493538" cy="523220"/>
+            <a:ext cx="5570756" cy="523220"/>
           </a:xfrm>
           <a:prstGeom prst="rect">
             <a:avLst/>
@@ -10979,11 +10863,11 @@
           <a:p>
             <a:r>
               <a:rPr lang="ja-JP" altLang="en-US" sz="2800" b="1" dirty="0"/>
-              <a:t>タイマーが０に</a:t>
+              <a:t>タイマー</a:t>
             </a:r>
             <a:r>
               <a:rPr lang="ja-JP" altLang="en-US" sz="2800" b="1" dirty="0" smtClean="0"/>
-              <a:t>なった場合</a:t>
+              <a:t>が１０以下になった場合</a:t>
             </a:r>
             <a:endParaRPr lang="ja-JP" altLang="en-US" sz="2800" b="1" dirty="0"/>
           </a:p>
@@ -10991,24 +10875,19 @@
       </p:sp>
       <p:sp>
         <p:nvSpPr>
-          <p:cNvPr id="16" name="テキスト ボックス 15"/>
+          <p:cNvPr id="3" name="テキスト ボックス 2"/>
           <p:cNvSpPr txBox="1"/>
           <p:nvPr/>
         </p:nvSpPr>
         <p:spPr>
           <a:xfrm>
-            <a:off x="7070851" y="1729723"/>
-            <a:ext cx="3310822" cy="461665"/>
+            <a:off x="990482" y="1662263"/>
+            <a:ext cx="4154834" cy="461665"/>
           </a:xfrm>
           <a:prstGeom prst="rect">
             <a:avLst/>
           </a:prstGeom>
           <a:noFill/>
-          <a:ln>
-            <a:solidFill>
-              <a:schemeClr val="tx1"/>
-            </a:solidFill>
-          </a:ln>
         </p:spPr>
         <p:txBody>
           <a:bodyPr wrap="square" rtlCol="0">
@@ -11016,160 +10895,21 @@
           </a:bodyPr>
           <a:lstStyle/>
           <a:p>
-            <a:pPr algn="ctr"/>
-            <a:r>
-              <a:rPr lang="ja-JP" altLang="en-US" sz="2400" b="1" dirty="0" smtClean="0"/>
-              <a:t>フィニッシュ</a:t>
-            </a:r>
-            <a:r>
-              <a:rPr kumimoji="1" lang="ja-JP" altLang="en-US" sz="2400" b="1" dirty="0" smtClean="0"/>
-              <a:t>の</a:t>
-            </a:r>
-            <a:r>
-              <a:rPr kumimoji="1" lang="en-US" altLang="ja-JP" sz="2400" b="1" dirty="0" smtClean="0"/>
-              <a:t>UI</a:t>
-            </a:r>
-            <a:r>
-              <a:rPr kumimoji="1" lang="ja-JP" altLang="en-US" sz="2400" b="1" dirty="0" smtClean="0"/>
-              <a:t>出す</a:t>
-            </a:r>
-            <a:endParaRPr kumimoji="1" lang="ja-JP" altLang="en-US" sz="2400" b="1" dirty="0"/>
-          </a:p>
-        </p:txBody>
-      </p:sp>
-      <p:sp>
-        <p:nvSpPr>
-          <p:cNvPr id="3" name="テキスト ボックス 2"/>
-          <p:cNvSpPr txBox="1"/>
-          <p:nvPr/>
-        </p:nvSpPr>
-        <p:spPr>
-          <a:xfrm>
-            <a:off x="990482" y="1662263"/>
-            <a:ext cx="4154834" cy="461665"/>
-          </a:xfrm>
-          <a:prstGeom prst="rect">
-            <a:avLst/>
-          </a:prstGeom>
-          <a:noFill/>
-        </p:spPr>
-        <p:txBody>
-          <a:bodyPr wrap="square" rtlCol="0">
-            <a:spAutoFit/>
-          </a:bodyPr>
-          <a:lstStyle/>
-          <a:p>
             <a:r>
               <a:rPr lang="ja-JP" altLang="en-US" dirty="0" smtClean="0"/>
               <a:t>・</a:t>
             </a:r>
             <a:r>
+              <a:rPr lang="ja-JP" altLang="en-US" sz="2400" b="1" dirty="0" smtClean="0">
+                <a:solidFill>
+                  <a:srgbClr val="FF0000"/>
+                </a:solidFill>
+              </a:rPr>
+              <a:t>赤色</a:t>
+            </a:r>
+            <a:r>
               <a:rPr lang="ja-JP" altLang="en-US" sz="2400" b="1" dirty="0" smtClean="0"/>
-              <a:t>プレイヤーを動かなくする</a:t>
-            </a:r>
-            <a:endParaRPr lang="en-US" altLang="ja-JP" sz="2400" b="1" dirty="0" smtClean="0"/>
-          </a:p>
-        </p:txBody>
-      </p:sp>
-      <p:sp>
-        <p:nvSpPr>
-          <p:cNvPr id="8" name="下矢印 7"/>
-          <p:cNvSpPr/>
-          <p:nvPr/>
-        </p:nvSpPr>
-        <p:spPr>
-          <a:xfrm rot="10800000">
-            <a:off x="8393835" y="2210351"/>
-            <a:ext cx="674255" cy="781709"/>
-          </a:xfrm>
-          <a:prstGeom prst="downArrow">
-            <a:avLst/>
-          </a:prstGeom>
-        </p:spPr>
-        <p:style>
-          <a:lnRef idx="2">
-            <a:schemeClr val="accent1">
-              <a:shade val="50000"/>
-            </a:schemeClr>
-          </a:lnRef>
-          <a:fillRef idx="1">
-            <a:schemeClr val="accent1"/>
-          </a:fillRef>
-          <a:effectRef idx="0">
-            <a:schemeClr val="accent1"/>
-          </a:effectRef>
-          <a:fontRef idx="minor">
-            <a:schemeClr val="lt1"/>
-          </a:fontRef>
-        </p:style>
-        <p:txBody>
-          <a:bodyPr rtlCol="0" anchor="ctr"/>
-          <a:lstStyle/>
-          <a:p>
-            <a:pPr algn="ctr"/>
-            <a:endParaRPr kumimoji="1" lang="ja-JP" altLang="en-US"/>
-          </a:p>
-        </p:txBody>
-      </p:sp>
-      <p:sp>
-        <p:nvSpPr>
-          <p:cNvPr id="10" name="テキスト ボックス 9"/>
-          <p:cNvSpPr txBox="1"/>
-          <p:nvPr/>
-        </p:nvSpPr>
-        <p:spPr>
-          <a:xfrm>
-            <a:off x="10530328" y="2284242"/>
-            <a:ext cx="461665" cy="1746257"/>
-          </a:xfrm>
-          <a:prstGeom prst="rect">
-            <a:avLst/>
-          </a:prstGeom>
-          <a:noFill/>
-        </p:spPr>
-        <p:txBody>
-          <a:bodyPr vert="eaVert" wrap="square" rtlCol="0">
-            <a:spAutoFit/>
-          </a:bodyPr>
-          <a:lstStyle/>
-          <a:p>
-            <a:r>
-              <a:rPr lang="ja-JP" altLang="en-US" dirty="0" smtClean="0"/>
-              <a:t>があるところに</a:t>
-            </a:r>
-            <a:endParaRPr kumimoji="1" lang="ja-JP" altLang="en-US" dirty="0"/>
-          </a:p>
-        </p:txBody>
-      </p:sp>
-      <p:sp>
-        <p:nvSpPr>
-          <p:cNvPr id="13" name="テキスト ボックス 12"/>
-          <p:cNvSpPr txBox="1"/>
-          <p:nvPr/>
-        </p:nvSpPr>
-        <p:spPr>
-          <a:xfrm>
-            <a:off x="990482" y="2491213"/>
-            <a:ext cx="4154834" cy="461665"/>
-          </a:xfrm>
-          <a:prstGeom prst="rect">
-            <a:avLst/>
-          </a:prstGeom>
-          <a:noFill/>
-        </p:spPr>
-        <p:txBody>
-          <a:bodyPr wrap="square" rtlCol="0">
-            <a:spAutoFit/>
-          </a:bodyPr>
-          <a:lstStyle/>
-          <a:p>
-            <a:r>
-              <a:rPr lang="ja-JP" altLang="en-US" dirty="0" smtClean="0"/>
-              <a:t>・</a:t>
-            </a:r>
-            <a:r>
-              <a:rPr lang="ja-JP" altLang="en-US" sz="2400" b="1" dirty="0" smtClean="0"/>
-              <a:t>プレイヤーを動かなくする</a:t>
+              <a:t>にして拡大させる</a:t>
             </a:r>
             <a:endParaRPr lang="en-US" altLang="ja-JP" sz="2400" b="1" dirty="0" smtClean="0"/>
           </a:p>
@@ -11178,7 +10918,7 @@
     </p:spTree>
     <p:extLst>
       <p:ext uri="{BB962C8B-B14F-4D97-AF65-F5344CB8AC3E}">
-        <p14:creationId xmlns:p14="http://schemas.microsoft.com/office/powerpoint/2010/main" val="365879860"/>
+        <p14:creationId xmlns:p14="http://schemas.microsoft.com/office/powerpoint/2010/main" val="3651198302"/>
       </p:ext>
     </p:extLst>
   </p:cSld>
@@ -12138,39 +11878,399 @@
       </p:grpSpPr>
       <p:sp>
         <p:nvSpPr>
-          <p:cNvPr id="2" name="タイトル 1"/>
-          <p:cNvSpPr>
-            <a:spLocks noGrp="1"/>
-          </p:cNvSpPr>
-          <p:nvPr>
-            <p:ph type="title"/>
-          </p:nvPr>
-        </p:nvSpPr>
-        <p:spPr>
-          <a:xfrm>
-            <a:off x="732692" y="2545617"/>
-            <a:ext cx="10515600" cy="1325563"/>
-          </a:xfrm>
-        </p:spPr>
-        <p:txBody>
-          <a:bodyPr>
-            <a:normAutofit/>
+          <p:cNvPr id="4" name="楕円 3"/>
+          <p:cNvSpPr/>
+          <p:nvPr/>
+        </p:nvSpPr>
+        <p:spPr>
+          <a:xfrm>
+            <a:off x="7415590" y="2896435"/>
+            <a:ext cx="2778531" cy="1060173"/>
+          </a:xfrm>
+          <a:prstGeom prst="ellipse">
+            <a:avLst/>
+          </a:prstGeom>
+          <a:solidFill>
+            <a:schemeClr val="bg1"/>
+          </a:solidFill>
+          <a:ln w="57150" cap="flat" cmpd="sng" algn="ctr">
+            <a:solidFill>
+              <a:srgbClr val="7030A0"/>
+            </a:solidFill>
+            <a:prstDash val="solid"/>
+            <a:round/>
+            <a:headEnd type="none" w="med" len="med"/>
+            <a:tailEnd type="none" w="med" len="med"/>
+          </a:ln>
+        </p:spPr>
+        <p:style>
+          <a:lnRef idx="0">
+            <a:scrgbClr r="0" g="0" b="0"/>
+          </a:lnRef>
+          <a:fillRef idx="0">
+            <a:scrgbClr r="0" g="0" b="0"/>
+          </a:fillRef>
+          <a:effectRef idx="0">
+            <a:scrgbClr r="0" g="0" b="0"/>
+          </a:effectRef>
+          <a:fontRef idx="minor">
+            <a:schemeClr val="accent5"/>
+          </a:fontRef>
+        </p:style>
+        <p:txBody>
+          <a:bodyPr rtlCol="0" anchor="ctr"/>
+          <a:lstStyle/>
+          <a:p>
+            <a:pPr algn="ctr"/>
+            <a:endParaRPr kumimoji="1" lang="ja-JP" altLang="en-US"/>
+          </a:p>
+        </p:txBody>
+      </p:sp>
+      <p:sp>
+        <p:nvSpPr>
+          <p:cNvPr id="5" name="テキスト ボックス 4"/>
+          <p:cNvSpPr txBox="1"/>
+          <p:nvPr/>
+        </p:nvSpPr>
+        <p:spPr>
+          <a:xfrm>
+            <a:off x="7495522" y="3241855"/>
+            <a:ext cx="2784149" cy="369332"/>
+          </a:xfrm>
+          <a:prstGeom prst="rect">
+            <a:avLst/>
+          </a:prstGeom>
+          <a:noFill/>
+        </p:spPr>
+        <p:txBody>
+          <a:bodyPr wrap="square" rtlCol="0">
+            <a:spAutoFit/>
           </a:bodyPr>
           <a:lstStyle/>
           <a:p>
-            <a:pPr algn="ctr"/>
-            <a:r>
-              <a:rPr kumimoji="1" lang="ja-JP" altLang="en-US" sz="7200" dirty="0" smtClean="0"/>
-              <a:t>リザルト画面</a:t>
-            </a:r>
-            <a:endParaRPr kumimoji="1" lang="ja-JP" altLang="en-US" sz="7200" dirty="0"/>
+            <a:r>
+              <a:rPr lang="ja-JP" altLang="en-US" b="1" u="sng" dirty="0"/>
+              <a:t>タイマーが０になったら</a:t>
+            </a:r>
+          </a:p>
+        </p:txBody>
+      </p:sp>
+      <p:sp>
+        <p:nvSpPr>
+          <p:cNvPr id="7" name="正方形/長方形 6"/>
+          <p:cNvSpPr/>
+          <p:nvPr/>
+        </p:nvSpPr>
+        <p:spPr>
+          <a:xfrm>
+            <a:off x="817185" y="942109"/>
+            <a:ext cx="10155615" cy="5409363"/>
+          </a:xfrm>
+          <a:prstGeom prst="rect">
+            <a:avLst/>
+          </a:prstGeom>
+          <a:noFill/>
+          <a:ln w="38100"/>
+        </p:spPr>
+        <p:style>
+          <a:lnRef idx="2">
+            <a:schemeClr val="dk1"/>
+          </a:lnRef>
+          <a:fillRef idx="1">
+            <a:schemeClr val="lt1"/>
+          </a:fillRef>
+          <a:effectRef idx="0">
+            <a:schemeClr val="dk1"/>
+          </a:effectRef>
+          <a:fontRef idx="minor">
+            <a:schemeClr val="dk1"/>
+          </a:fontRef>
+        </p:style>
+        <p:txBody>
+          <a:bodyPr rtlCol="0" anchor="ctr"/>
+          <a:lstStyle/>
+          <a:p>
+            <a:pPr algn="ctr"/>
+            <a:endParaRPr kumimoji="1" lang="ja-JP" altLang="en-US"/>
+          </a:p>
+        </p:txBody>
+      </p:sp>
+      <p:sp>
+        <p:nvSpPr>
+          <p:cNvPr id="9" name="円形吹き出し 8"/>
+          <p:cNvSpPr/>
+          <p:nvPr/>
+        </p:nvSpPr>
+        <p:spPr>
+          <a:xfrm rot="5400000">
+            <a:off x="9535598" y="2656361"/>
+            <a:ext cx="2385196" cy="858663"/>
+          </a:xfrm>
+          <a:prstGeom prst="wedgeEllipseCallout">
+            <a:avLst>
+              <a:gd name="adj1" fmla="val 6274"/>
+              <a:gd name="adj2" fmla="val 63081"/>
+            </a:avLst>
+          </a:prstGeom>
+          <a:ln w="38100">
+            <a:headEnd type="none" w="med" len="med"/>
+            <a:tailEnd type="none" w="med" len="med"/>
+          </a:ln>
+        </p:spPr>
+        <p:style>
+          <a:lnRef idx="2">
+            <a:schemeClr val="accent2"/>
+          </a:lnRef>
+          <a:fillRef idx="1">
+            <a:schemeClr val="lt1"/>
+          </a:fillRef>
+          <a:effectRef idx="0">
+            <a:schemeClr val="accent2"/>
+          </a:effectRef>
+          <a:fontRef idx="minor">
+            <a:schemeClr val="dk1"/>
+          </a:fontRef>
+        </p:style>
+        <p:txBody>
+          <a:bodyPr rtlCol="0" anchor="ctr"/>
+          <a:lstStyle/>
+          <a:p>
+            <a:pPr algn="ctr"/>
+            <a:endParaRPr kumimoji="1" lang="ja-JP" altLang="en-US"/>
+          </a:p>
+        </p:txBody>
+      </p:sp>
+      <p:sp>
+        <p:nvSpPr>
+          <p:cNvPr id="2" name="正方形/長方形 1"/>
+          <p:cNvSpPr/>
+          <p:nvPr/>
+        </p:nvSpPr>
+        <p:spPr>
+          <a:xfrm>
+            <a:off x="651778" y="568448"/>
+            <a:ext cx="4493538" cy="523220"/>
+          </a:xfrm>
+          <a:prstGeom prst="rect">
+            <a:avLst/>
+          </a:prstGeom>
+          <a:solidFill>
+            <a:schemeClr val="bg1"/>
+          </a:solidFill>
+          <a:ln w="19050">
+            <a:solidFill>
+              <a:schemeClr val="tx1"/>
+            </a:solidFill>
+          </a:ln>
+        </p:spPr>
+        <p:txBody>
+          <a:bodyPr wrap="none">
+            <a:spAutoFit/>
+          </a:bodyPr>
+          <a:lstStyle/>
+          <a:p>
+            <a:r>
+              <a:rPr lang="ja-JP" altLang="en-US" sz="2800" b="1" dirty="0"/>
+              <a:t>タイマーが０に</a:t>
+            </a:r>
+            <a:r>
+              <a:rPr lang="ja-JP" altLang="en-US" sz="2800" b="1" dirty="0" smtClean="0"/>
+              <a:t>なった場合</a:t>
+            </a:r>
+            <a:endParaRPr lang="ja-JP" altLang="en-US" sz="2800" b="1" dirty="0"/>
+          </a:p>
+        </p:txBody>
+      </p:sp>
+      <p:sp>
+        <p:nvSpPr>
+          <p:cNvPr id="16" name="テキスト ボックス 15"/>
+          <p:cNvSpPr txBox="1"/>
+          <p:nvPr/>
+        </p:nvSpPr>
+        <p:spPr>
+          <a:xfrm>
+            <a:off x="7070851" y="1729723"/>
+            <a:ext cx="3310822" cy="461665"/>
+          </a:xfrm>
+          <a:prstGeom prst="rect">
+            <a:avLst/>
+          </a:prstGeom>
+          <a:noFill/>
+          <a:ln>
+            <a:solidFill>
+              <a:schemeClr val="tx1"/>
+            </a:solidFill>
+          </a:ln>
+        </p:spPr>
+        <p:txBody>
+          <a:bodyPr wrap="square" rtlCol="0">
+            <a:spAutoFit/>
+          </a:bodyPr>
+          <a:lstStyle/>
+          <a:p>
+            <a:pPr algn="ctr"/>
+            <a:r>
+              <a:rPr lang="ja-JP" altLang="en-US" sz="2400" b="1" dirty="0" smtClean="0"/>
+              <a:t>フィニッシュ</a:t>
+            </a:r>
+            <a:r>
+              <a:rPr kumimoji="1" lang="ja-JP" altLang="en-US" sz="2400" b="1" dirty="0" smtClean="0"/>
+              <a:t>の</a:t>
+            </a:r>
+            <a:r>
+              <a:rPr kumimoji="1" lang="en-US" altLang="ja-JP" sz="2400" b="1" dirty="0" smtClean="0"/>
+              <a:t>UI</a:t>
+            </a:r>
+            <a:r>
+              <a:rPr kumimoji="1" lang="ja-JP" altLang="en-US" sz="2400" b="1" dirty="0" smtClean="0"/>
+              <a:t>出す</a:t>
+            </a:r>
+            <a:endParaRPr kumimoji="1" lang="ja-JP" altLang="en-US" sz="2400" b="1" dirty="0"/>
+          </a:p>
+        </p:txBody>
+      </p:sp>
+      <p:sp>
+        <p:nvSpPr>
+          <p:cNvPr id="3" name="テキスト ボックス 2"/>
+          <p:cNvSpPr txBox="1"/>
+          <p:nvPr/>
+        </p:nvSpPr>
+        <p:spPr>
+          <a:xfrm>
+            <a:off x="990482" y="1662263"/>
+            <a:ext cx="4154834" cy="461665"/>
+          </a:xfrm>
+          <a:prstGeom prst="rect">
+            <a:avLst/>
+          </a:prstGeom>
+          <a:noFill/>
+        </p:spPr>
+        <p:txBody>
+          <a:bodyPr wrap="square" rtlCol="0">
+            <a:spAutoFit/>
+          </a:bodyPr>
+          <a:lstStyle/>
+          <a:p>
+            <a:r>
+              <a:rPr lang="ja-JP" altLang="en-US" dirty="0" smtClean="0"/>
+              <a:t>・</a:t>
+            </a:r>
+            <a:r>
+              <a:rPr lang="ja-JP" altLang="en-US" sz="2400" b="1" dirty="0" smtClean="0"/>
+              <a:t>プレイヤーを動かなくする</a:t>
+            </a:r>
+            <a:endParaRPr lang="en-US" altLang="ja-JP" sz="2400" b="1" dirty="0" smtClean="0"/>
+          </a:p>
+        </p:txBody>
+      </p:sp>
+      <p:sp>
+        <p:nvSpPr>
+          <p:cNvPr id="8" name="下矢印 7"/>
+          <p:cNvSpPr/>
+          <p:nvPr/>
+        </p:nvSpPr>
+        <p:spPr>
+          <a:xfrm rot="10800000">
+            <a:off x="8393835" y="2210351"/>
+            <a:ext cx="674255" cy="781709"/>
+          </a:xfrm>
+          <a:prstGeom prst="downArrow">
+            <a:avLst/>
+          </a:prstGeom>
+        </p:spPr>
+        <p:style>
+          <a:lnRef idx="2">
+            <a:schemeClr val="accent1">
+              <a:shade val="50000"/>
+            </a:schemeClr>
+          </a:lnRef>
+          <a:fillRef idx="1">
+            <a:schemeClr val="accent1"/>
+          </a:fillRef>
+          <a:effectRef idx="0">
+            <a:schemeClr val="accent1"/>
+          </a:effectRef>
+          <a:fontRef idx="minor">
+            <a:schemeClr val="lt1"/>
+          </a:fontRef>
+        </p:style>
+        <p:txBody>
+          <a:bodyPr rtlCol="0" anchor="ctr"/>
+          <a:lstStyle/>
+          <a:p>
+            <a:pPr algn="ctr"/>
+            <a:endParaRPr kumimoji="1" lang="ja-JP" altLang="en-US"/>
+          </a:p>
+        </p:txBody>
+      </p:sp>
+      <p:sp>
+        <p:nvSpPr>
+          <p:cNvPr id="10" name="テキスト ボックス 9"/>
+          <p:cNvSpPr txBox="1"/>
+          <p:nvPr/>
+        </p:nvSpPr>
+        <p:spPr>
+          <a:xfrm>
+            <a:off x="10530328" y="2284242"/>
+            <a:ext cx="461665" cy="1746257"/>
+          </a:xfrm>
+          <a:prstGeom prst="rect">
+            <a:avLst/>
+          </a:prstGeom>
+          <a:noFill/>
+        </p:spPr>
+        <p:txBody>
+          <a:bodyPr vert="eaVert" wrap="square" rtlCol="0">
+            <a:spAutoFit/>
+          </a:bodyPr>
+          <a:lstStyle/>
+          <a:p>
+            <a:r>
+              <a:rPr lang="ja-JP" altLang="en-US" dirty="0" smtClean="0"/>
+              <a:t>があるところに</a:t>
+            </a:r>
+            <a:endParaRPr kumimoji="1" lang="ja-JP" altLang="en-US" dirty="0"/>
+          </a:p>
+        </p:txBody>
+      </p:sp>
+      <p:sp>
+        <p:nvSpPr>
+          <p:cNvPr id="13" name="テキスト ボックス 12"/>
+          <p:cNvSpPr txBox="1"/>
+          <p:nvPr/>
+        </p:nvSpPr>
+        <p:spPr>
+          <a:xfrm>
+            <a:off x="990482" y="2491213"/>
+            <a:ext cx="4154834" cy="461665"/>
+          </a:xfrm>
+          <a:prstGeom prst="rect">
+            <a:avLst/>
+          </a:prstGeom>
+          <a:noFill/>
+        </p:spPr>
+        <p:txBody>
+          <a:bodyPr wrap="square" rtlCol="0">
+            <a:spAutoFit/>
+          </a:bodyPr>
+          <a:lstStyle/>
+          <a:p>
+            <a:r>
+              <a:rPr lang="ja-JP" altLang="en-US" dirty="0" smtClean="0"/>
+              <a:t>・</a:t>
+            </a:r>
+            <a:r>
+              <a:rPr lang="ja-JP" altLang="en-US" sz="2400" b="1" dirty="0" smtClean="0"/>
+              <a:t>タイマーを０以下にしない</a:t>
+            </a:r>
+            <a:endParaRPr lang="en-US" altLang="ja-JP" sz="2400" b="1" dirty="0" smtClean="0"/>
           </a:p>
         </p:txBody>
       </p:sp>
     </p:spTree>
     <p:extLst>
       <p:ext uri="{BB962C8B-B14F-4D97-AF65-F5344CB8AC3E}">
-        <p14:creationId xmlns:p14="http://schemas.microsoft.com/office/powerpoint/2010/main" val="2744418924"/>
+        <p14:creationId xmlns:p14="http://schemas.microsoft.com/office/powerpoint/2010/main" val="365879860"/>
       </p:ext>
     </p:extLst>
   </p:cSld>
@@ -12199,1202 +12299,39 @@
       </p:grpSpPr>
       <p:sp>
         <p:nvSpPr>
-          <p:cNvPr id="5" name="正方形/長方形 4"/>
-          <p:cNvSpPr/>
-          <p:nvPr/>
-        </p:nvSpPr>
-        <p:spPr>
-          <a:xfrm>
-            <a:off x="650631" y="901211"/>
-            <a:ext cx="10955215" cy="5653454"/>
-          </a:xfrm>
-          <a:prstGeom prst="rect">
-            <a:avLst/>
-          </a:prstGeom>
-          <a:noFill/>
-          <a:ln w="38100" cap="flat" cmpd="sng" algn="ctr">
-            <a:solidFill>
-              <a:schemeClr val="dk1"/>
-            </a:solidFill>
-            <a:prstDash val="solid"/>
-            <a:round/>
-            <a:headEnd type="none" w="med" len="med"/>
-            <a:tailEnd type="none" w="med" len="med"/>
-          </a:ln>
-        </p:spPr>
-        <p:style>
-          <a:lnRef idx="0">
-            <a:scrgbClr r="0" g="0" b="0"/>
-          </a:lnRef>
-          <a:fillRef idx="0">
-            <a:scrgbClr r="0" g="0" b="0"/>
-          </a:fillRef>
-          <a:effectRef idx="0">
-            <a:scrgbClr r="0" g="0" b="0"/>
-          </a:effectRef>
-          <a:fontRef idx="minor">
-            <a:schemeClr val="dk1"/>
-          </a:fontRef>
-        </p:style>
-        <p:txBody>
-          <a:bodyPr rtlCol="0" anchor="ctr"/>
-          <a:lstStyle/>
-          <a:p>
-            <a:pPr algn="ctr"/>
-            <a:endParaRPr kumimoji="1" lang="ja-JP" altLang="en-US"/>
-          </a:p>
-        </p:txBody>
-      </p:sp>
-      <p:sp>
-        <p:nvSpPr>
-          <p:cNvPr id="18" name="片側の 2 つの角を切り取った四角形 17"/>
-          <p:cNvSpPr/>
-          <p:nvPr/>
-        </p:nvSpPr>
-        <p:spPr>
-          <a:xfrm>
-            <a:off x="919487" y="575896"/>
-            <a:ext cx="2949128" cy="650630"/>
-          </a:xfrm>
-          <a:prstGeom prst="snip2SameRect">
-            <a:avLst/>
-          </a:prstGeom>
-        </p:spPr>
-        <p:style>
-          <a:lnRef idx="2">
-            <a:schemeClr val="accent2">
-              <a:shade val="50000"/>
-            </a:schemeClr>
-          </a:lnRef>
-          <a:fillRef idx="1">
-            <a:schemeClr val="accent2"/>
-          </a:fillRef>
-          <a:effectRef idx="0">
-            <a:schemeClr val="accent2"/>
-          </a:effectRef>
-          <a:fontRef idx="minor">
-            <a:schemeClr val="lt1"/>
-          </a:fontRef>
-        </p:style>
-        <p:txBody>
-          <a:bodyPr rtlCol="0" anchor="ctr"/>
-          <a:lstStyle/>
-          <a:p>
-            <a:pPr algn="ctr"/>
-            <a:endParaRPr kumimoji="1" lang="ja-JP" altLang="en-US"/>
-          </a:p>
-        </p:txBody>
-      </p:sp>
-      <p:sp>
-        <p:nvSpPr>
-          <p:cNvPr id="19" name="テキスト ボックス 18"/>
-          <p:cNvSpPr txBox="1"/>
-          <p:nvPr/>
-        </p:nvSpPr>
-        <p:spPr>
-          <a:xfrm>
-            <a:off x="1017598" y="685876"/>
-            <a:ext cx="2622417" cy="523220"/>
-          </a:xfrm>
-          <a:prstGeom prst="rect">
-            <a:avLst/>
-          </a:prstGeom>
-          <a:noFill/>
-        </p:spPr>
-        <p:txBody>
-          <a:bodyPr wrap="square" rtlCol="0">
-            <a:spAutoFit/>
+          <p:cNvPr id="2" name="タイトル 1"/>
+          <p:cNvSpPr>
+            <a:spLocks noGrp="1"/>
+          </p:cNvSpPr>
+          <p:nvPr>
+            <p:ph type="title"/>
+          </p:nvPr>
+        </p:nvSpPr>
+        <p:spPr>
+          <a:xfrm>
+            <a:off x="732692" y="2545617"/>
+            <a:ext cx="10515600" cy="1325563"/>
+          </a:xfrm>
+        </p:spPr>
+        <p:txBody>
+          <a:bodyPr>
+            <a:normAutofit/>
           </a:bodyPr>
           <a:lstStyle/>
           <a:p>
             <a:pPr algn="ctr"/>
             <a:r>
-              <a:rPr kumimoji="1" lang="ja-JP" altLang="en-US" sz="2800" b="1" dirty="0" smtClean="0">
-                <a:solidFill>
-                  <a:schemeClr val="bg2"/>
-                </a:solidFill>
-              </a:rPr>
-              <a:t>１つの場合</a:t>
-            </a:r>
-            <a:endParaRPr kumimoji="1" lang="ja-JP" altLang="en-US" sz="2800" b="1" dirty="0">
-              <a:solidFill>
-                <a:schemeClr val="bg2"/>
-              </a:solidFill>
-            </a:endParaRPr>
-          </a:p>
-        </p:txBody>
-      </p:sp>
-      <p:sp>
-        <p:nvSpPr>
-          <p:cNvPr id="22" name="正方形/長方形 21"/>
-          <p:cNvSpPr/>
-          <p:nvPr/>
-        </p:nvSpPr>
-        <p:spPr>
-          <a:xfrm>
-            <a:off x="4571382" y="480564"/>
-            <a:ext cx="3605463" cy="699047"/>
-          </a:xfrm>
-          <a:prstGeom prst="rect">
-            <a:avLst/>
-          </a:prstGeom>
-        </p:spPr>
-        <p:style>
-          <a:lnRef idx="2">
-            <a:schemeClr val="dk1"/>
-          </a:lnRef>
-          <a:fillRef idx="1">
-            <a:schemeClr val="lt1"/>
-          </a:fillRef>
-          <a:effectRef idx="0">
-            <a:schemeClr val="dk1"/>
-          </a:effectRef>
-          <a:fontRef idx="minor">
-            <a:schemeClr val="dk1"/>
-          </a:fontRef>
-        </p:style>
-        <p:txBody>
-          <a:bodyPr rtlCol="0" anchor="ctr"/>
-          <a:lstStyle/>
-          <a:p>
-            <a:pPr algn="ctr"/>
-            <a:endParaRPr kumimoji="1" lang="ja-JP" altLang="en-US"/>
-          </a:p>
-        </p:txBody>
-      </p:sp>
-      <p:sp>
-        <p:nvSpPr>
-          <p:cNvPr id="23" name="正方形/長方形 22"/>
-          <p:cNvSpPr/>
-          <p:nvPr/>
-        </p:nvSpPr>
-        <p:spPr>
-          <a:xfrm>
-            <a:off x="5102751" y="565467"/>
-            <a:ext cx="2634479" cy="584775"/>
-          </a:xfrm>
-          <a:prstGeom prst="rect">
-            <a:avLst/>
-          </a:prstGeom>
-        </p:spPr>
-        <p:txBody>
-          <a:bodyPr wrap="square">
-            <a:spAutoFit/>
-          </a:bodyPr>
-          <a:lstStyle/>
-          <a:p>
-            <a:r>
-              <a:rPr lang="ja-JP" altLang="en-US" sz="3200" b="1" dirty="0" smtClean="0"/>
+              <a:rPr kumimoji="1" lang="ja-JP" altLang="en-US" sz="7200" dirty="0" smtClean="0"/>
               <a:t>リザルト画面</a:t>
             </a:r>
-            <a:endParaRPr lang="ja-JP" altLang="en-US" sz="3200" b="1" dirty="0"/>
-          </a:p>
-        </p:txBody>
-      </p:sp>
-      <p:sp>
-        <p:nvSpPr>
-          <p:cNvPr id="3" name="テキスト ボックス 2"/>
-          <p:cNvSpPr txBox="1"/>
-          <p:nvPr/>
-        </p:nvSpPr>
-        <p:spPr>
-          <a:xfrm>
-            <a:off x="1635370" y="5046785"/>
-            <a:ext cx="1802422" cy="707886"/>
-          </a:xfrm>
-          <a:prstGeom prst="rect">
-            <a:avLst/>
-          </a:prstGeom>
-          <a:noFill/>
-        </p:spPr>
-        <p:txBody>
-          <a:bodyPr wrap="square" rtlCol="0">
-            <a:spAutoFit/>
-          </a:bodyPr>
-          <a:lstStyle/>
-          <a:p>
-            <a:pPr algn="ctr"/>
-            <a:r>
-              <a:rPr kumimoji="1" lang="ja-JP" altLang="en-US" sz="4000" b="1" dirty="0" smtClean="0">
-                <a:ln w="9525">
-                  <a:solidFill>
-                    <a:schemeClr val="bg1"/>
-                  </a:solidFill>
-                  <a:prstDash val="solid"/>
-                </a:ln>
-                <a:solidFill>
-                  <a:srgbClr val="C3C361"/>
-                </a:solidFill>
-                <a:effectLst>
-                  <a:outerShdw blurRad="12700" dist="38100" dir="2700000" algn="tl" rotWithShape="0">
-                    <a:schemeClr val="bg1">
-                      <a:lumMod val="50000"/>
-                    </a:schemeClr>
-                  </a:outerShdw>
-                </a:effectLst>
-              </a:rPr>
-              <a:t>１</a:t>
-            </a:r>
-            <a:r>
-              <a:rPr lang="ja-JP" altLang="en-US" sz="4000" b="1" dirty="0">
-                <a:ln w="9525">
-                  <a:solidFill>
-                    <a:schemeClr val="bg1"/>
-                  </a:solidFill>
-                  <a:prstDash val="solid"/>
-                </a:ln>
-                <a:solidFill>
-                  <a:srgbClr val="C3C361"/>
-                </a:solidFill>
-                <a:effectLst>
-                  <a:outerShdw blurRad="12700" dist="38100" dir="2700000" algn="tl" rotWithShape="0">
-                    <a:schemeClr val="bg1">
-                      <a:lumMod val="50000"/>
-                    </a:schemeClr>
-                  </a:outerShdw>
-                </a:effectLst>
-              </a:rPr>
-              <a:t>位</a:t>
-            </a:r>
-            <a:endParaRPr kumimoji="1" lang="ja-JP" altLang="en-US" sz="4000" b="1" dirty="0">
-              <a:ln w="9525">
-                <a:solidFill>
-                  <a:schemeClr val="bg1"/>
-                </a:solidFill>
-                <a:prstDash val="solid"/>
-              </a:ln>
-              <a:solidFill>
-                <a:srgbClr val="C3C361"/>
-              </a:solidFill>
-              <a:effectLst>
-                <a:outerShdw blurRad="12700" dist="38100" dir="2700000" algn="tl" rotWithShape="0">
-                  <a:schemeClr val="bg1">
-                    <a:lumMod val="50000"/>
-                  </a:schemeClr>
-                </a:outerShdw>
-              </a:effectLst>
-            </a:endParaRPr>
-          </a:p>
-        </p:txBody>
-      </p:sp>
-      <p:sp>
-        <p:nvSpPr>
-          <p:cNvPr id="20" name="テキスト ボックス 19"/>
-          <p:cNvSpPr txBox="1"/>
-          <p:nvPr/>
-        </p:nvSpPr>
-        <p:spPr>
-          <a:xfrm>
-            <a:off x="3868615" y="5046785"/>
-            <a:ext cx="1802422" cy="707886"/>
-          </a:xfrm>
-          <a:prstGeom prst="rect">
-            <a:avLst/>
-          </a:prstGeom>
-          <a:noFill/>
-        </p:spPr>
-        <p:txBody>
-          <a:bodyPr wrap="square" rtlCol="0">
-            <a:spAutoFit/>
-          </a:bodyPr>
-          <a:lstStyle/>
-          <a:p>
-            <a:pPr algn="ctr"/>
-            <a:r>
-              <a:rPr kumimoji="1" lang="ja-JP" altLang="en-US" sz="4000" b="1" dirty="0" smtClean="0">
-                <a:ln w="9525">
-                  <a:solidFill>
-                    <a:schemeClr val="tx1">
-                      <a:lumMod val="50000"/>
-                      <a:lumOff val="50000"/>
-                    </a:schemeClr>
-                  </a:solidFill>
-                  <a:prstDash val="solid"/>
-                </a:ln>
-                <a:solidFill>
-                  <a:schemeClr val="bg2">
-                    <a:lumMod val="75000"/>
-                  </a:schemeClr>
-                </a:solidFill>
-                <a:effectLst>
-                  <a:outerShdw blurRad="12700" dist="38100" dir="2700000" algn="tl" rotWithShape="0">
-                    <a:schemeClr val="bg1">
-                      <a:lumMod val="50000"/>
-                    </a:schemeClr>
-                  </a:outerShdw>
-                </a:effectLst>
-              </a:rPr>
-              <a:t>２</a:t>
-            </a:r>
-            <a:r>
-              <a:rPr lang="ja-JP" altLang="en-US" sz="4000" b="1" dirty="0" smtClean="0">
-                <a:ln w="9525">
-                  <a:solidFill>
-                    <a:schemeClr val="tx1">
-                      <a:lumMod val="50000"/>
-                      <a:lumOff val="50000"/>
-                    </a:schemeClr>
-                  </a:solidFill>
-                  <a:prstDash val="solid"/>
-                </a:ln>
-                <a:solidFill>
-                  <a:schemeClr val="bg2">
-                    <a:lumMod val="75000"/>
-                  </a:schemeClr>
-                </a:solidFill>
-                <a:effectLst>
-                  <a:outerShdw blurRad="12700" dist="38100" dir="2700000" algn="tl" rotWithShape="0">
-                    <a:schemeClr val="bg1">
-                      <a:lumMod val="50000"/>
-                    </a:schemeClr>
-                  </a:outerShdw>
-                </a:effectLst>
-              </a:rPr>
-              <a:t>位</a:t>
-            </a:r>
-            <a:endParaRPr kumimoji="1" lang="ja-JP" altLang="en-US" sz="4000" b="1" dirty="0">
-              <a:ln w="9525">
-                <a:solidFill>
-                  <a:schemeClr val="tx1">
-                    <a:lumMod val="50000"/>
-                    <a:lumOff val="50000"/>
-                  </a:schemeClr>
-                </a:solidFill>
-                <a:prstDash val="solid"/>
-              </a:ln>
-              <a:solidFill>
-                <a:schemeClr val="bg2">
-                  <a:lumMod val="75000"/>
-                </a:schemeClr>
-              </a:solidFill>
-              <a:effectLst>
-                <a:outerShdw blurRad="12700" dist="38100" dir="2700000" algn="tl" rotWithShape="0">
-                  <a:schemeClr val="bg1">
-                    <a:lumMod val="50000"/>
-                  </a:schemeClr>
-                </a:outerShdw>
-              </a:effectLst>
-            </a:endParaRPr>
-          </a:p>
-        </p:txBody>
-      </p:sp>
-      <p:sp>
-        <p:nvSpPr>
-          <p:cNvPr id="21" name="テキスト ボックス 20"/>
-          <p:cNvSpPr txBox="1"/>
-          <p:nvPr/>
-        </p:nvSpPr>
-        <p:spPr>
-          <a:xfrm>
-            <a:off x="6227884" y="5046785"/>
-            <a:ext cx="1802422" cy="707886"/>
-          </a:xfrm>
-          <a:prstGeom prst="rect">
-            <a:avLst/>
-          </a:prstGeom>
-          <a:noFill/>
-        </p:spPr>
-        <p:txBody>
-          <a:bodyPr wrap="square" rtlCol="0">
-            <a:spAutoFit/>
-          </a:bodyPr>
-          <a:lstStyle/>
-          <a:p>
-            <a:pPr algn="ctr"/>
-            <a:r>
-              <a:rPr kumimoji="1" lang="ja-JP" altLang="en-US" sz="4000" b="1" dirty="0" smtClean="0">
-                <a:ln w="9525">
-                  <a:solidFill>
-                    <a:schemeClr val="tx2">
-                      <a:lumMod val="20000"/>
-                      <a:lumOff val="80000"/>
-                    </a:schemeClr>
-                  </a:solidFill>
-                  <a:prstDash val="solid"/>
-                </a:ln>
-                <a:solidFill>
-                  <a:schemeClr val="accent2">
-                    <a:lumMod val="75000"/>
-                  </a:schemeClr>
-                </a:solidFill>
-                <a:effectLst>
-                  <a:outerShdw blurRad="12700" dist="38100" dir="2700000" algn="tl" rotWithShape="0">
-                    <a:schemeClr val="bg1">
-                      <a:lumMod val="50000"/>
-                    </a:schemeClr>
-                  </a:outerShdw>
-                </a:effectLst>
-              </a:rPr>
-              <a:t>３</a:t>
-            </a:r>
-            <a:r>
-              <a:rPr lang="ja-JP" altLang="en-US" sz="4000" b="1" dirty="0" smtClean="0">
-                <a:ln w="9525">
-                  <a:solidFill>
-                    <a:schemeClr val="tx2">
-                      <a:lumMod val="20000"/>
-                      <a:lumOff val="80000"/>
-                    </a:schemeClr>
-                  </a:solidFill>
-                  <a:prstDash val="solid"/>
-                </a:ln>
-                <a:solidFill>
-                  <a:schemeClr val="accent2">
-                    <a:lumMod val="75000"/>
-                  </a:schemeClr>
-                </a:solidFill>
-                <a:effectLst>
-                  <a:outerShdw blurRad="12700" dist="38100" dir="2700000" algn="tl" rotWithShape="0">
-                    <a:schemeClr val="bg1">
-                      <a:lumMod val="50000"/>
-                    </a:schemeClr>
-                  </a:outerShdw>
-                </a:effectLst>
-              </a:rPr>
-              <a:t>位</a:t>
-            </a:r>
-            <a:endParaRPr kumimoji="1" lang="ja-JP" altLang="en-US" sz="4000" b="1" dirty="0">
-              <a:ln w="9525">
-                <a:solidFill>
-                  <a:schemeClr val="tx2">
-                    <a:lumMod val="20000"/>
-                    <a:lumOff val="80000"/>
-                  </a:schemeClr>
-                </a:solidFill>
-                <a:prstDash val="solid"/>
-              </a:ln>
-              <a:solidFill>
-                <a:schemeClr val="accent2">
-                  <a:lumMod val="75000"/>
-                </a:schemeClr>
-              </a:solidFill>
-              <a:effectLst>
-                <a:outerShdw blurRad="12700" dist="38100" dir="2700000" algn="tl" rotWithShape="0">
-                  <a:schemeClr val="bg1">
-                    <a:lumMod val="50000"/>
-                  </a:schemeClr>
-                </a:outerShdw>
-              </a:effectLst>
-            </a:endParaRPr>
-          </a:p>
-        </p:txBody>
-      </p:sp>
-      <p:sp>
-        <p:nvSpPr>
-          <p:cNvPr id="24" name="テキスト ボックス 23"/>
-          <p:cNvSpPr txBox="1"/>
-          <p:nvPr/>
-        </p:nvSpPr>
-        <p:spPr>
-          <a:xfrm>
-            <a:off x="8508022" y="5046785"/>
-            <a:ext cx="1802422" cy="707886"/>
-          </a:xfrm>
-          <a:prstGeom prst="rect">
-            <a:avLst/>
-          </a:prstGeom>
-          <a:noFill/>
-        </p:spPr>
-        <p:txBody>
-          <a:bodyPr wrap="square" rtlCol="0">
-            <a:spAutoFit/>
-          </a:bodyPr>
-          <a:lstStyle/>
-          <a:p>
-            <a:pPr algn="ctr"/>
-            <a:r>
-              <a:rPr kumimoji="1" lang="ja-JP" altLang="en-US" sz="4000" b="1" dirty="0" smtClean="0">
-                <a:ln w="9525">
-                  <a:solidFill>
-                    <a:srgbClr val="0070C0"/>
-                  </a:solidFill>
-                  <a:prstDash val="solid"/>
-                </a:ln>
-                <a:solidFill>
-                  <a:srgbClr val="9231A5"/>
-                </a:solidFill>
-                <a:effectLst>
-                  <a:outerShdw blurRad="12700" dist="38100" dir="2700000" algn="tl" rotWithShape="0">
-                    <a:schemeClr val="bg1">
-                      <a:lumMod val="50000"/>
-                    </a:schemeClr>
-                  </a:outerShdw>
-                </a:effectLst>
-              </a:rPr>
-              <a:t>４</a:t>
-            </a:r>
-            <a:r>
-              <a:rPr lang="ja-JP" altLang="en-US" sz="4000" b="1" dirty="0" smtClean="0">
-                <a:ln w="9525">
-                  <a:solidFill>
-                    <a:srgbClr val="0070C0"/>
-                  </a:solidFill>
-                  <a:prstDash val="solid"/>
-                </a:ln>
-                <a:solidFill>
-                  <a:srgbClr val="9231A5"/>
-                </a:solidFill>
-                <a:effectLst>
-                  <a:outerShdw blurRad="12700" dist="38100" dir="2700000" algn="tl" rotWithShape="0">
-                    <a:schemeClr val="bg1">
-                      <a:lumMod val="50000"/>
-                    </a:schemeClr>
-                  </a:outerShdw>
-                </a:effectLst>
-              </a:rPr>
-              <a:t>位</a:t>
-            </a:r>
-            <a:endParaRPr kumimoji="1" lang="ja-JP" altLang="en-US" sz="4000" b="1" dirty="0">
-              <a:ln w="9525">
-                <a:solidFill>
-                  <a:srgbClr val="0070C0"/>
-                </a:solidFill>
-                <a:prstDash val="solid"/>
-              </a:ln>
-              <a:solidFill>
-                <a:srgbClr val="9231A5"/>
-              </a:solidFill>
-              <a:effectLst>
-                <a:outerShdw blurRad="12700" dist="38100" dir="2700000" algn="tl" rotWithShape="0">
-                  <a:schemeClr val="bg1">
-                    <a:lumMod val="50000"/>
-                  </a:schemeClr>
-                </a:outerShdw>
-              </a:effectLst>
-            </a:endParaRPr>
-          </a:p>
-        </p:txBody>
-      </p:sp>
-      <p:sp>
-        <p:nvSpPr>
-          <p:cNvPr id="10" name="テキスト ボックス 9"/>
-          <p:cNvSpPr txBox="1"/>
-          <p:nvPr/>
-        </p:nvSpPr>
-        <p:spPr>
-          <a:xfrm>
-            <a:off x="1644162" y="1951891"/>
-            <a:ext cx="1793630" cy="461665"/>
-          </a:xfrm>
-          <a:prstGeom prst="rect">
-            <a:avLst/>
-          </a:prstGeom>
-          <a:noFill/>
-        </p:spPr>
-        <p:txBody>
-          <a:bodyPr wrap="square" rtlCol="0">
-            <a:spAutoFit/>
-          </a:bodyPr>
-          <a:lstStyle/>
-          <a:p>
-            <a:pPr algn="ctr"/>
-            <a:r>
-              <a:rPr lang="ja-JP" altLang="en-US" sz="2400" b="1" dirty="0" smtClean="0">
-                <a:ln w="9525">
-                  <a:solidFill>
-                    <a:schemeClr val="bg1"/>
-                  </a:solidFill>
-                  <a:prstDash val="solid"/>
-                </a:ln>
-                <a:solidFill>
-                  <a:srgbClr val="C3C361"/>
-                </a:solidFill>
-                <a:effectLst>
-                  <a:outerShdw blurRad="12700" dist="38100" dir="2700000" algn="tl" rotWithShape="0">
-                    <a:schemeClr val="bg1">
-                      <a:lumMod val="50000"/>
-                    </a:schemeClr>
-                  </a:outerShdw>
-                </a:effectLst>
-              </a:rPr>
-              <a:t>１位</a:t>
-            </a:r>
-            <a:r>
-              <a:rPr kumimoji="1" lang="ja-JP" altLang="en-US" sz="2400" b="1" dirty="0" smtClean="0"/>
-              <a:t>の</a:t>
-            </a:r>
-            <a:r>
-              <a:rPr kumimoji="1" lang="ja-JP" altLang="en-US" sz="2400" b="1" dirty="0" smtClean="0">
-                <a:solidFill>
-                  <a:srgbClr val="FF0000"/>
-                </a:solidFill>
-              </a:rPr>
-              <a:t>点数</a:t>
-            </a:r>
-            <a:endParaRPr kumimoji="1" lang="ja-JP" altLang="en-US" sz="2400" b="1" dirty="0">
-              <a:solidFill>
-                <a:srgbClr val="FF0000"/>
-              </a:solidFill>
-            </a:endParaRPr>
-          </a:p>
-        </p:txBody>
-      </p:sp>
-      <p:sp>
-        <p:nvSpPr>
-          <p:cNvPr id="25" name="テキスト ボックス 24"/>
-          <p:cNvSpPr txBox="1"/>
-          <p:nvPr/>
-        </p:nvSpPr>
-        <p:spPr>
-          <a:xfrm>
-            <a:off x="3877407" y="1951891"/>
-            <a:ext cx="1793630" cy="461665"/>
-          </a:xfrm>
-          <a:prstGeom prst="rect">
-            <a:avLst/>
-          </a:prstGeom>
-          <a:noFill/>
-        </p:spPr>
-        <p:txBody>
-          <a:bodyPr wrap="square" rtlCol="0">
-            <a:spAutoFit/>
-          </a:bodyPr>
-          <a:lstStyle/>
-          <a:p>
-            <a:pPr algn="ctr"/>
-            <a:r>
-              <a:rPr lang="ja-JP" altLang="en-US" sz="2400" b="1" dirty="0" smtClean="0">
-                <a:ln w="9525">
-                  <a:solidFill>
-                    <a:schemeClr val="tx1">
-                      <a:lumMod val="50000"/>
-                      <a:lumOff val="50000"/>
-                    </a:schemeClr>
-                  </a:solidFill>
-                  <a:prstDash val="solid"/>
-                </a:ln>
-                <a:solidFill>
-                  <a:schemeClr val="bg2">
-                    <a:lumMod val="75000"/>
-                  </a:schemeClr>
-                </a:solidFill>
-                <a:effectLst>
-                  <a:outerShdw blurRad="12700" dist="38100" dir="2700000" algn="tl" rotWithShape="0">
-                    <a:schemeClr val="bg1">
-                      <a:lumMod val="50000"/>
-                    </a:schemeClr>
-                  </a:outerShdw>
-                </a:effectLst>
-              </a:rPr>
-              <a:t>２位</a:t>
-            </a:r>
-            <a:r>
-              <a:rPr kumimoji="1" lang="ja-JP" altLang="en-US" sz="2400" b="1" dirty="0" smtClean="0"/>
-              <a:t>の</a:t>
-            </a:r>
-            <a:r>
-              <a:rPr kumimoji="1" lang="ja-JP" altLang="en-US" sz="2400" b="1" dirty="0" smtClean="0">
-                <a:solidFill>
-                  <a:srgbClr val="FF0000"/>
-                </a:solidFill>
-              </a:rPr>
-              <a:t>点数</a:t>
-            </a:r>
-            <a:endParaRPr kumimoji="1" lang="ja-JP" altLang="en-US" sz="2400" b="1" dirty="0">
-              <a:solidFill>
-                <a:srgbClr val="FF0000"/>
-              </a:solidFill>
-            </a:endParaRPr>
-          </a:p>
-        </p:txBody>
-      </p:sp>
-      <p:sp>
-        <p:nvSpPr>
-          <p:cNvPr id="26" name="テキスト ボックス 25"/>
-          <p:cNvSpPr txBox="1"/>
-          <p:nvPr/>
-        </p:nvSpPr>
-        <p:spPr>
-          <a:xfrm>
-            <a:off x="6371489" y="1951890"/>
-            <a:ext cx="1793630" cy="461665"/>
-          </a:xfrm>
-          <a:prstGeom prst="rect">
-            <a:avLst/>
-          </a:prstGeom>
-          <a:noFill/>
-        </p:spPr>
-        <p:txBody>
-          <a:bodyPr wrap="square" rtlCol="0">
-            <a:spAutoFit/>
-          </a:bodyPr>
-          <a:lstStyle/>
-          <a:p>
-            <a:pPr algn="ctr"/>
-            <a:r>
-              <a:rPr lang="ja-JP" altLang="en-US" sz="2400" b="1" dirty="0" smtClean="0">
-                <a:ln w="9525">
-                  <a:solidFill>
-                    <a:schemeClr val="tx2">
-                      <a:lumMod val="20000"/>
-                      <a:lumOff val="80000"/>
-                    </a:schemeClr>
-                  </a:solidFill>
-                  <a:prstDash val="solid"/>
-                </a:ln>
-                <a:solidFill>
-                  <a:schemeClr val="accent2">
-                    <a:lumMod val="75000"/>
-                  </a:schemeClr>
-                </a:solidFill>
-                <a:effectLst>
-                  <a:outerShdw blurRad="12700" dist="38100" dir="2700000" algn="tl" rotWithShape="0">
-                    <a:schemeClr val="bg1">
-                      <a:lumMod val="50000"/>
-                    </a:schemeClr>
-                  </a:outerShdw>
-                </a:effectLst>
-              </a:rPr>
-              <a:t>３位</a:t>
-            </a:r>
-            <a:r>
-              <a:rPr kumimoji="1" lang="ja-JP" altLang="en-US" sz="2400" b="1" dirty="0" smtClean="0"/>
-              <a:t>の</a:t>
-            </a:r>
-            <a:r>
-              <a:rPr kumimoji="1" lang="ja-JP" altLang="en-US" sz="2400" b="1" dirty="0" smtClean="0">
-                <a:solidFill>
-                  <a:srgbClr val="FF0000"/>
-                </a:solidFill>
-              </a:rPr>
-              <a:t>点数</a:t>
-            </a:r>
-            <a:endParaRPr kumimoji="1" lang="ja-JP" altLang="en-US" sz="2400" b="1" dirty="0">
-              <a:solidFill>
-                <a:srgbClr val="FF0000"/>
-              </a:solidFill>
-            </a:endParaRPr>
-          </a:p>
-        </p:txBody>
-      </p:sp>
-      <p:sp>
-        <p:nvSpPr>
-          <p:cNvPr id="27" name="テキスト ボックス 26"/>
-          <p:cNvSpPr txBox="1"/>
-          <p:nvPr/>
-        </p:nvSpPr>
-        <p:spPr>
-          <a:xfrm>
-            <a:off x="8604734" y="1951890"/>
-            <a:ext cx="1793630" cy="461665"/>
-          </a:xfrm>
-          <a:prstGeom prst="rect">
-            <a:avLst/>
-          </a:prstGeom>
-          <a:noFill/>
-        </p:spPr>
-        <p:txBody>
-          <a:bodyPr wrap="square" rtlCol="0">
-            <a:spAutoFit/>
-          </a:bodyPr>
-          <a:lstStyle/>
-          <a:p>
-            <a:pPr algn="ctr"/>
-            <a:r>
-              <a:rPr lang="ja-JP" altLang="en-US" sz="2400" b="1" dirty="0" smtClean="0">
-                <a:ln w="9525">
-                  <a:solidFill>
-                    <a:srgbClr val="0070C0"/>
-                  </a:solidFill>
-                  <a:prstDash val="solid"/>
-                </a:ln>
-                <a:solidFill>
-                  <a:srgbClr val="9231A5"/>
-                </a:solidFill>
-                <a:effectLst>
-                  <a:outerShdw blurRad="12700" dist="38100" dir="2700000" algn="tl" rotWithShape="0">
-                    <a:schemeClr val="bg1">
-                      <a:lumMod val="50000"/>
-                    </a:schemeClr>
-                  </a:outerShdw>
-                </a:effectLst>
-              </a:rPr>
-              <a:t>４位</a:t>
-            </a:r>
-            <a:r>
-              <a:rPr kumimoji="1" lang="ja-JP" altLang="en-US" sz="2400" b="1" dirty="0" smtClean="0"/>
-              <a:t>の</a:t>
-            </a:r>
-            <a:r>
-              <a:rPr kumimoji="1" lang="ja-JP" altLang="en-US" sz="2400" b="1" dirty="0" smtClean="0">
-                <a:solidFill>
-                  <a:srgbClr val="FF0000"/>
-                </a:solidFill>
-              </a:rPr>
-              <a:t>点数</a:t>
-            </a:r>
-            <a:endParaRPr kumimoji="1" lang="ja-JP" altLang="en-US" sz="2400" b="1" dirty="0">
-              <a:solidFill>
-                <a:srgbClr val="FF0000"/>
-              </a:solidFill>
-            </a:endParaRPr>
-          </a:p>
-        </p:txBody>
-      </p:sp>
-      <p:sp>
-        <p:nvSpPr>
-          <p:cNvPr id="11" name="正方形/長方形 10"/>
-          <p:cNvSpPr/>
-          <p:nvPr/>
-        </p:nvSpPr>
-        <p:spPr>
-          <a:xfrm rot="1124844">
-            <a:off x="4290646" y="2844598"/>
-            <a:ext cx="958362" cy="1820007"/>
-          </a:xfrm>
-          <a:prstGeom prst="rect">
-            <a:avLst/>
-          </a:prstGeom>
-          <a:solidFill>
-            <a:srgbClr val="FF0000"/>
-          </a:solidFill>
-        </p:spPr>
-        <p:style>
-          <a:lnRef idx="2">
-            <a:schemeClr val="accent1">
-              <a:shade val="50000"/>
-            </a:schemeClr>
-          </a:lnRef>
-          <a:fillRef idx="1">
-            <a:schemeClr val="accent1"/>
-          </a:fillRef>
-          <a:effectRef idx="0">
-            <a:schemeClr val="accent1"/>
-          </a:effectRef>
-          <a:fontRef idx="minor">
-            <a:schemeClr val="lt1"/>
-          </a:fontRef>
-        </p:style>
-        <p:txBody>
-          <a:bodyPr rtlCol="0" anchor="ctr"/>
-          <a:lstStyle/>
-          <a:p>
-            <a:pPr algn="ctr"/>
-            <a:endParaRPr kumimoji="1" lang="ja-JP" altLang="en-US"/>
-          </a:p>
-        </p:txBody>
-      </p:sp>
-      <p:sp>
-        <p:nvSpPr>
-          <p:cNvPr id="28" name="正方形/長方形 27"/>
-          <p:cNvSpPr/>
-          <p:nvPr/>
-        </p:nvSpPr>
-        <p:spPr>
-          <a:xfrm rot="1480039">
-            <a:off x="1914870" y="2817936"/>
-            <a:ext cx="958362" cy="1820007"/>
-          </a:xfrm>
-          <a:prstGeom prst="rect">
-            <a:avLst/>
-          </a:prstGeom>
-        </p:spPr>
-        <p:style>
-          <a:lnRef idx="2">
-            <a:schemeClr val="accent1">
-              <a:shade val="50000"/>
-            </a:schemeClr>
-          </a:lnRef>
-          <a:fillRef idx="1">
-            <a:schemeClr val="accent1"/>
-          </a:fillRef>
-          <a:effectRef idx="0">
-            <a:schemeClr val="accent1"/>
-          </a:effectRef>
-          <a:fontRef idx="minor">
-            <a:schemeClr val="lt1"/>
-          </a:fontRef>
-        </p:style>
-        <p:txBody>
-          <a:bodyPr rtlCol="0" anchor="ctr"/>
-          <a:lstStyle/>
-          <a:p>
-            <a:pPr algn="ctr"/>
-            <a:endParaRPr kumimoji="1" lang="ja-JP" altLang="en-US"/>
-          </a:p>
-        </p:txBody>
-      </p:sp>
-      <p:sp>
-        <p:nvSpPr>
-          <p:cNvPr id="29" name="正方形/長方形 28"/>
-          <p:cNvSpPr/>
-          <p:nvPr/>
-        </p:nvSpPr>
-        <p:spPr>
-          <a:xfrm rot="316070">
-            <a:off x="6697343" y="2789449"/>
-            <a:ext cx="958362" cy="1820007"/>
-          </a:xfrm>
-          <a:prstGeom prst="rect">
-            <a:avLst/>
-          </a:prstGeom>
-          <a:solidFill>
-            <a:srgbClr val="00B050"/>
-          </a:solidFill>
-        </p:spPr>
-        <p:style>
-          <a:lnRef idx="2">
-            <a:schemeClr val="accent1">
-              <a:shade val="50000"/>
-            </a:schemeClr>
-          </a:lnRef>
-          <a:fillRef idx="1">
-            <a:schemeClr val="accent1"/>
-          </a:fillRef>
-          <a:effectRef idx="0">
-            <a:schemeClr val="accent1"/>
-          </a:effectRef>
-          <a:fontRef idx="minor">
-            <a:schemeClr val="lt1"/>
-          </a:fontRef>
-        </p:style>
-        <p:txBody>
-          <a:bodyPr rtlCol="0" anchor="ctr"/>
-          <a:lstStyle/>
-          <a:p>
-            <a:pPr algn="ctr"/>
-            <a:endParaRPr kumimoji="1" lang="ja-JP" altLang="en-US"/>
-          </a:p>
-        </p:txBody>
-      </p:sp>
-      <p:sp>
-        <p:nvSpPr>
-          <p:cNvPr id="30" name="正方形/長方形 29"/>
-          <p:cNvSpPr/>
-          <p:nvPr/>
-        </p:nvSpPr>
-        <p:spPr>
-          <a:xfrm>
-            <a:off x="9022368" y="2844597"/>
-            <a:ext cx="958362" cy="1820007"/>
-          </a:xfrm>
-          <a:prstGeom prst="rect">
-            <a:avLst/>
-          </a:prstGeom>
-          <a:solidFill>
-            <a:srgbClr val="FFFF00"/>
-          </a:solidFill>
-        </p:spPr>
-        <p:style>
-          <a:lnRef idx="2">
-            <a:schemeClr val="accent1">
-              <a:shade val="50000"/>
-            </a:schemeClr>
-          </a:lnRef>
-          <a:fillRef idx="1">
-            <a:schemeClr val="accent1"/>
-          </a:fillRef>
-          <a:effectRef idx="0">
-            <a:schemeClr val="accent1"/>
-          </a:effectRef>
-          <a:fontRef idx="minor">
-            <a:schemeClr val="lt1"/>
-          </a:fontRef>
-        </p:style>
-        <p:txBody>
-          <a:bodyPr rtlCol="0" anchor="ctr"/>
-          <a:lstStyle/>
-          <a:p>
-            <a:pPr algn="ctr"/>
-            <a:endParaRPr kumimoji="1" lang="ja-JP" altLang="en-US"/>
-          </a:p>
-        </p:txBody>
-      </p:sp>
-      <p:sp>
-        <p:nvSpPr>
-          <p:cNvPr id="13" name="テキスト ボックス 12"/>
-          <p:cNvSpPr txBox="1"/>
-          <p:nvPr/>
-        </p:nvSpPr>
-        <p:spPr>
-          <a:xfrm>
-            <a:off x="1960832" y="3523767"/>
-            <a:ext cx="963003" cy="523220"/>
-          </a:xfrm>
-          <a:prstGeom prst="rect">
-            <a:avLst/>
-          </a:prstGeom>
-          <a:noFill/>
-        </p:spPr>
-        <p:txBody>
-          <a:bodyPr wrap="square" rtlCol="0">
-            <a:spAutoFit/>
-          </a:bodyPr>
-          <a:lstStyle/>
-          <a:p>
-            <a:pPr algn="ctr"/>
-            <a:r>
-              <a:rPr kumimoji="1" lang="ja-JP" altLang="en-US" sz="2800" b="1" dirty="0" smtClean="0">
-                <a:solidFill>
-                  <a:schemeClr val="bg1"/>
-                </a:solidFill>
-              </a:rPr>
-              <a:t>１Ｐ</a:t>
-            </a:r>
-            <a:endParaRPr kumimoji="1" lang="ja-JP" altLang="en-US" sz="2800" b="1" dirty="0">
-              <a:solidFill>
-                <a:schemeClr val="bg1"/>
-              </a:solidFill>
-            </a:endParaRPr>
-          </a:p>
-        </p:txBody>
-      </p:sp>
-      <p:sp>
-        <p:nvSpPr>
-          <p:cNvPr id="32" name="テキスト ボックス 31"/>
-          <p:cNvSpPr txBox="1"/>
-          <p:nvPr/>
-        </p:nvSpPr>
-        <p:spPr>
-          <a:xfrm>
-            <a:off x="4309055" y="3492990"/>
-            <a:ext cx="963003" cy="523220"/>
-          </a:xfrm>
-          <a:prstGeom prst="rect">
-            <a:avLst/>
-          </a:prstGeom>
-          <a:noFill/>
-        </p:spPr>
-        <p:txBody>
-          <a:bodyPr wrap="square" rtlCol="0">
-            <a:spAutoFit/>
-          </a:bodyPr>
-          <a:lstStyle/>
-          <a:p>
-            <a:pPr algn="ctr"/>
-            <a:r>
-              <a:rPr kumimoji="1" lang="ja-JP" altLang="en-US" sz="2800" b="1" dirty="0" smtClean="0">
-                <a:solidFill>
-                  <a:schemeClr val="bg1"/>
-                </a:solidFill>
-              </a:rPr>
-              <a:t>２Ｐ</a:t>
-            </a:r>
-            <a:endParaRPr kumimoji="1" lang="ja-JP" altLang="en-US" sz="2800" b="1" dirty="0">
-              <a:solidFill>
-                <a:schemeClr val="bg1"/>
-              </a:solidFill>
-            </a:endParaRPr>
-          </a:p>
-        </p:txBody>
-      </p:sp>
-      <p:sp>
-        <p:nvSpPr>
-          <p:cNvPr id="33" name="テキスト ボックス 32"/>
-          <p:cNvSpPr txBox="1"/>
-          <p:nvPr/>
-        </p:nvSpPr>
-        <p:spPr>
-          <a:xfrm>
-            <a:off x="6743320" y="3437842"/>
-            <a:ext cx="963003" cy="523220"/>
-          </a:xfrm>
-          <a:prstGeom prst="rect">
-            <a:avLst/>
-          </a:prstGeom>
-          <a:noFill/>
-        </p:spPr>
-        <p:txBody>
-          <a:bodyPr wrap="square" rtlCol="0">
-            <a:spAutoFit/>
-          </a:bodyPr>
-          <a:lstStyle/>
-          <a:p>
-            <a:pPr algn="ctr"/>
-            <a:r>
-              <a:rPr kumimoji="1" lang="ja-JP" altLang="en-US" sz="2800" b="1" dirty="0" smtClean="0">
-                <a:solidFill>
-                  <a:schemeClr val="bg1"/>
-                </a:solidFill>
-              </a:rPr>
-              <a:t>３Ｐ</a:t>
-            </a:r>
-            <a:endParaRPr kumimoji="1" lang="ja-JP" altLang="en-US" sz="2800" b="1" dirty="0">
-              <a:solidFill>
-                <a:schemeClr val="bg1"/>
-              </a:solidFill>
-            </a:endParaRPr>
-          </a:p>
-        </p:txBody>
-      </p:sp>
-      <p:sp>
-        <p:nvSpPr>
-          <p:cNvPr id="34" name="テキスト ボックス 33"/>
-          <p:cNvSpPr txBox="1"/>
-          <p:nvPr/>
-        </p:nvSpPr>
-        <p:spPr>
-          <a:xfrm>
-            <a:off x="9022368" y="3475260"/>
-            <a:ext cx="963003" cy="523220"/>
-          </a:xfrm>
-          <a:prstGeom prst="rect">
-            <a:avLst/>
-          </a:prstGeom>
-          <a:noFill/>
-        </p:spPr>
-        <p:txBody>
-          <a:bodyPr wrap="square" rtlCol="0">
-            <a:spAutoFit/>
-          </a:bodyPr>
-          <a:lstStyle/>
-          <a:p>
-            <a:pPr algn="ctr"/>
-            <a:r>
-              <a:rPr kumimoji="1" lang="ja-JP" altLang="en-US" sz="2800" b="1" dirty="0" smtClean="0"/>
-              <a:t>４Ｐ</a:t>
-            </a:r>
-            <a:endParaRPr kumimoji="1" lang="ja-JP" altLang="en-US" sz="2800" b="1" dirty="0"/>
-          </a:p>
-        </p:txBody>
-      </p:sp>
-      <p:sp>
-        <p:nvSpPr>
-          <p:cNvPr id="35" name="テキスト ボックス 34"/>
-          <p:cNvSpPr txBox="1"/>
-          <p:nvPr/>
-        </p:nvSpPr>
-        <p:spPr>
-          <a:xfrm>
-            <a:off x="2697772" y="5832037"/>
-            <a:ext cx="7060223" cy="523220"/>
-          </a:xfrm>
-          <a:prstGeom prst="rect">
-            <a:avLst/>
-          </a:prstGeom>
-          <a:noFill/>
-        </p:spPr>
-        <p:txBody>
-          <a:bodyPr wrap="square" rtlCol="0">
-            <a:spAutoFit/>
-          </a:bodyPr>
-          <a:lstStyle/>
-          <a:p>
-            <a:pPr algn="ctr"/>
-            <a:r>
-              <a:rPr kumimoji="1" lang="ja-JP" altLang="en-US" sz="2800" b="1" dirty="0" smtClean="0"/>
-              <a:t>それぞれの</a:t>
-            </a:r>
-            <a:r>
-              <a:rPr kumimoji="1" lang="ja-JP" altLang="en-US" sz="2800" b="1" dirty="0" smtClean="0">
-                <a:solidFill>
-                  <a:srgbClr val="FF0000"/>
-                </a:solidFill>
-              </a:rPr>
-              <a:t>点数</a:t>
-            </a:r>
-            <a:r>
-              <a:rPr kumimoji="1" lang="ja-JP" altLang="en-US" sz="2800" b="1" dirty="0" smtClean="0"/>
-              <a:t>と順位のプレイヤーを出す</a:t>
-            </a:r>
-            <a:endParaRPr kumimoji="1" lang="ja-JP" altLang="en-US" sz="2800" b="1" dirty="0"/>
+            <a:endParaRPr kumimoji="1" lang="ja-JP" altLang="en-US" sz="7200" dirty="0"/>
           </a:p>
         </p:txBody>
       </p:sp>
     </p:spTree>
     <p:extLst>
       <p:ext uri="{BB962C8B-B14F-4D97-AF65-F5344CB8AC3E}">
-        <p14:creationId xmlns:p14="http://schemas.microsoft.com/office/powerpoint/2010/main" val="4217526710"/>
+        <p14:creationId xmlns:p14="http://schemas.microsoft.com/office/powerpoint/2010/main" val="2744418924"/>
       </p:ext>
     </p:extLst>
   </p:cSld>
@@ -13826,7 +12763,7 @@
           <a:p>
             <a:pPr algn="ctr"/>
             <a:r>
-              <a:rPr lang="ja-JP" altLang="en-US" sz="4000" b="1" dirty="0">
+              <a:rPr kumimoji="1" lang="ja-JP" altLang="en-US" sz="4000" b="1" dirty="0" smtClean="0">
                 <a:ln w="9525">
                   <a:solidFill>
                     <a:schemeClr val="tx2">
@@ -13849,36 +12786,10 @@
                   </a:outerShdw>
                 </a:effectLst>
               </a:rPr>
-              <a:t>３位</a:t>
-            </a:r>
-          </a:p>
-        </p:txBody>
-      </p:sp>
-      <p:sp>
-        <p:nvSpPr>
-          <p:cNvPr id="24" name="テキスト ボックス 23"/>
-          <p:cNvSpPr txBox="1"/>
-          <p:nvPr/>
-        </p:nvSpPr>
-        <p:spPr>
-          <a:xfrm>
-            <a:off x="8508022" y="5046785"/>
-            <a:ext cx="1802422" cy="707886"/>
-          </a:xfrm>
-          <a:prstGeom prst="rect">
-            <a:avLst/>
-          </a:prstGeom>
-          <a:noFill/>
-        </p:spPr>
-        <p:txBody>
-          <a:bodyPr wrap="square" rtlCol="0">
-            <a:spAutoFit/>
-          </a:bodyPr>
-          <a:lstStyle/>
-          <a:p>
-            <a:pPr algn="ctr"/>
-            <a:r>
-              <a:rPr lang="ja-JP" altLang="en-US" sz="4000" b="1" dirty="0">
+              <a:t>３</a:t>
+            </a:r>
+            <a:r>
+              <a:rPr lang="ja-JP" altLang="en-US" sz="4000" b="1" dirty="0" smtClean="0">
                 <a:ln w="9525">
                   <a:solidFill>
                     <a:schemeClr val="tx2">
@@ -13901,8 +12812,117 @@
                   </a:outerShdw>
                 </a:effectLst>
               </a:rPr>
-              <a:t>３位</a:t>
-            </a:r>
+              <a:t>位</a:t>
+            </a:r>
+            <a:endParaRPr kumimoji="1" lang="ja-JP" altLang="en-US" sz="4000" b="1" dirty="0">
+              <a:ln w="9525">
+                <a:solidFill>
+                  <a:schemeClr val="tx2">
+                    <a:lumMod val="20000"/>
+                    <a:lumOff val="80000"/>
+                  </a:schemeClr>
+                </a:solidFill>
+                <a:prstDash val="solid"/>
+              </a:ln>
+              <a:solidFill>
+                <a:schemeClr val="accent2">
+                  <a:lumMod val="75000"/>
+                </a:schemeClr>
+              </a:solidFill>
+              <a:effectLst>
+                <a:outerShdw blurRad="12700" dist="38100" dir="2700000" algn="tl" rotWithShape="0">
+                  <a:schemeClr val="bg1">
+                    <a:lumMod val="50000"/>
+                  </a:schemeClr>
+                </a:outerShdw>
+              </a:effectLst>
+            </a:endParaRPr>
+          </a:p>
+        </p:txBody>
+      </p:sp>
+      <p:sp>
+        <p:nvSpPr>
+          <p:cNvPr id="24" name="テキスト ボックス 23"/>
+          <p:cNvSpPr txBox="1"/>
+          <p:nvPr/>
+        </p:nvSpPr>
+        <p:spPr>
+          <a:xfrm>
+            <a:off x="8508022" y="5046785"/>
+            <a:ext cx="1802422" cy="707886"/>
+          </a:xfrm>
+          <a:prstGeom prst="rect">
+            <a:avLst/>
+          </a:prstGeom>
+          <a:noFill/>
+        </p:spPr>
+        <p:txBody>
+          <a:bodyPr wrap="square" rtlCol="0">
+            <a:spAutoFit/>
+          </a:bodyPr>
+          <a:lstStyle/>
+          <a:p>
+            <a:pPr algn="ctr"/>
+            <a:r>
+              <a:rPr kumimoji="1" lang="ja-JP" altLang="en-US" sz="4000" b="1" dirty="0" smtClean="0">
+                <a:ln w="9525">
+                  <a:solidFill>
+                    <a:srgbClr val="0070C0"/>
+                  </a:solidFill>
+                  <a:prstDash val="solid"/>
+                </a:ln>
+                <a:solidFill>
+                  <a:srgbClr val="9231A5"/>
+                </a:solidFill>
+                <a:effectLst>
+                  <a:outerShdw blurRad="12700" dist="38100" dir="2700000" algn="tl" rotWithShape="0">
+                    <a:schemeClr val="bg1">
+                      <a:lumMod val="50000"/>
+                    </a:schemeClr>
+                  </a:outerShdw>
+                </a:effectLst>
+              </a:rPr>
+              <a:t>４</a:t>
+            </a:r>
+            <a:r>
+              <a:rPr lang="ja-JP" altLang="en-US" sz="4000" b="1" dirty="0" smtClean="0">
+                <a:ln w="9525">
+                  <a:solidFill>
+                    <a:srgbClr val="0070C0"/>
+                  </a:solidFill>
+                  <a:prstDash val="solid"/>
+                </a:ln>
+                <a:solidFill>
+                  <a:srgbClr val="9231A5"/>
+                </a:solidFill>
+                <a:effectLst>
+                  <a:outerShdw blurRad="12700" dist="38100" dir="2700000" algn="tl" rotWithShape="0">
+                    <a:schemeClr val="bg1">
+                      <a:lumMod val="50000"/>
+                    </a:schemeClr>
+                  </a:outerShdw>
+                </a:effectLst>
+              </a:rPr>
+              <a:t>位</a:t>
+            </a:r>
+            <a:endParaRPr kumimoji="1" lang="ja-JP" altLang="en-US" sz="4000" b="1" dirty="0">
+              <a:ln w="9525">
+                <a:solidFill>
+                  <a:srgbClr val="0070C0"/>
+                </a:solidFill>
+                <a:prstDash val="solid"/>
+              </a:ln>
+              <a:solidFill>
+                <a:srgbClr val="9231A5"/>
+              </a:solidFill>
+              <a:effectLst>
+                <a:outerShdw blurRad="12700" dist="38100" dir="2700000" algn="tl" rotWithShape="0">
+                  <a:schemeClr val="bg1">
+                    <a:lumMod val="50000"/>
+                  </a:schemeClr>
+                </a:outerShdw>
+              </a:effectLst>
+            </a:endParaRPr>
           </a:p>
         </p:txBody>
       </p:sp>
@@ -14135,17 +13155,12 @@
               <a:rPr lang="ja-JP" altLang="en-US" sz="2400" b="1" dirty="0" smtClean="0">
                 <a:ln w="9525">
                   <a:solidFill>
-                    <a:schemeClr val="tx2">
-                      <a:lumMod val="20000"/>
-                      <a:lumOff val="80000"/>
-                    </a:schemeClr>
+                    <a:srgbClr val="0070C0"/>
                   </a:solidFill>
                   <a:prstDash val="solid"/>
                 </a:ln>
                 <a:solidFill>
-                  <a:schemeClr val="accent2">
-                    <a:lumMod val="75000"/>
-                  </a:schemeClr>
+                  <a:srgbClr val="9231A5"/>
                 </a:solidFill>
                 <a:effectLst>
                   <a:outerShdw blurRad="12700" dist="38100" dir="2700000" algn="tl" rotWithShape="0">
@@ -14155,7 +13170,7 @@
                   </a:outerShdw>
                 </a:effectLst>
               </a:rPr>
-              <a:t>３位</a:t>
+              <a:t>４位</a:t>
             </a:r>
             <a:r>
               <a:rPr kumimoji="1" lang="ja-JP" altLang="en-US" sz="2400" b="1" dirty="0" smtClean="0"/>
@@ -14310,8 +13325,8 @@
           <p:nvPr/>
         </p:nvSpPr>
         <p:spPr>
-          <a:xfrm rot="321307">
-            <a:off x="8971861" y="2894132"/>
+          <a:xfrm>
+            <a:off x="9022368" y="2844597"/>
             <a:ext cx="958362" cy="1820007"/>
           </a:xfrm>
           <a:prstGeom prst="rect">
@@ -14537,106 +13552,10 @@
           </a:p>
         </p:txBody>
       </p:sp>
-      <p:sp>
-        <p:nvSpPr>
-          <p:cNvPr id="2" name="角丸四角形吹き出し 1"/>
-          <p:cNvSpPr/>
-          <p:nvPr/>
-        </p:nvSpPr>
-        <p:spPr>
-          <a:xfrm>
-            <a:off x="9066148" y="216015"/>
-            <a:ext cx="2808554" cy="1283677"/>
-          </a:xfrm>
-          <a:prstGeom prst="wedgeRoundRectCallout">
-            <a:avLst/>
-          </a:prstGeom>
-          <a:solidFill>
-            <a:schemeClr val="bg1"/>
-          </a:solidFill>
-          <a:ln w="57150">
-            <a:solidFill>
-              <a:srgbClr val="002060"/>
-            </a:solidFill>
-          </a:ln>
-        </p:spPr>
-        <p:style>
-          <a:lnRef idx="2">
-            <a:schemeClr val="accent1">
-              <a:shade val="50000"/>
-            </a:schemeClr>
-          </a:lnRef>
-          <a:fillRef idx="1">
-            <a:schemeClr val="accent1"/>
-          </a:fillRef>
-          <a:effectRef idx="0">
-            <a:schemeClr val="accent1"/>
-          </a:effectRef>
-          <a:fontRef idx="minor">
-            <a:schemeClr val="lt1"/>
-          </a:fontRef>
-        </p:style>
-        <p:txBody>
-          <a:bodyPr rtlCol="0" anchor="ctr"/>
-          <a:lstStyle/>
-          <a:p>
-            <a:pPr algn="ctr"/>
-            <a:endParaRPr kumimoji="1" lang="ja-JP" altLang="en-US"/>
-          </a:p>
-        </p:txBody>
-      </p:sp>
-      <p:sp>
-        <p:nvSpPr>
-          <p:cNvPr id="31" name="テキスト ボックス 30"/>
-          <p:cNvSpPr txBox="1"/>
-          <p:nvPr/>
-        </p:nvSpPr>
-        <p:spPr>
-          <a:xfrm>
-            <a:off x="9224284" y="514304"/>
-            <a:ext cx="2381562" cy="830997"/>
-          </a:xfrm>
-          <a:prstGeom prst="rect">
-            <a:avLst/>
-          </a:prstGeom>
-          <a:noFill/>
-        </p:spPr>
-        <p:txBody>
-          <a:bodyPr wrap="square" rtlCol="0">
-            <a:spAutoFit/>
-          </a:bodyPr>
-          <a:lstStyle/>
-          <a:p>
-            <a:pPr algn="ctr"/>
-            <a:r>
-              <a:rPr lang="ja-JP" altLang="en-US" sz="2400" b="1" dirty="0" smtClean="0">
-                <a:ln w="9525">
-                  <a:solidFill>
-                    <a:schemeClr val="tx2">
-                      <a:lumMod val="20000"/>
-                      <a:lumOff val="80000"/>
-                    </a:schemeClr>
-                  </a:solidFill>
-                  <a:prstDash val="solid"/>
-                </a:ln>
-                <a:effectLst>
-                  <a:outerShdw blurRad="12700" dist="38100" dir="2700000" algn="tl" rotWithShape="0">
-                    <a:schemeClr val="bg1">
-                      <a:lumMod val="50000"/>
-                    </a:schemeClr>
-                  </a:outerShdw>
-                </a:effectLst>
-              </a:rPr>
-              <a:t>同じ順位の人がいる場合</a:t>
-            </a:r>
-            <a:endParaRPr kumimoji="1" lang="ja-JP" altLang="en-US" sz="2400" b="1" dirty="0"/>
-          </a:p>
-        </p:txBody>
-      </p:sp>
     </p:spTree>
     <p:extLst>
       <p:ext uri="{BB962C8B-B14F-4D97-AF65-F5344CB8AC3E}">
-        <p14:creationId xmlns:p14="http://schemas.microsoft.com/office/powerpoint/2010/main" val="1352856656"/>
+        <p14:creationId xmlns:p14="http://schemas.microsoft.com/office/powerpoint/2010/main" val="4217526710"/>
       </p:ext>
     </p:extLst>
   </p:cSld>
@@ -14665,39 +13584,1220 @@
       </p:grpSpPr>
       <p:sp>
         <p:nvSpPr>
-          <p:cNvPr id="2" name="タイトル 1"/>
-          <p:cNvSpPr>
-            <a:spLocks noGrp="1"/>
-          </p:cNvSpPr>
-          <p:nvPr>
-            <p:ph type="title"/>
-          </p:nvPr>
-        </p:nvSpPr>
-        <p:spPr>
-          <a:xfrm>
-            <a:off x="732692" y="2545617"/>
-            <a:ext cx="10515600" cy="1325563"/>
-          </a:xfrm>
-        </p:spPr>
-        <p:txBody>
-          <a:bodyPr>
-            <a:normAutofit/>
+          <p:cNvPr id="5" name="正方形/長方形 4"/>
+          <p:cNvSpPr/>
+          <p:nvPr/>
+        </p:nvSpPr>
+        <p:spPr>
+          <a:xfrm>
+            <a:off x="650631" y="901211"/>
+            <a:ext cx="10955215" cy="5653454"/>
+          </a:xfrm>
+          <a:prstGeom prst="rect">
+            <a:avLst/>
+          </a:prstGeom>
+          <a:noFill/>
+          <a:ln w="38100" cap="flat" cmpd="sng" algn="ctr">
+            <a:solidFill>
+              <a:schemeClr val="dk1"/>
+            </a:solidFill>
+            <a:prstDash val="solid"/>
+            <a:round/>
+            <a:headEnd type="none" w="med" len="med"/>
+            <a:tailEnd type="none" w="med" len="med"/>
+          </a:ln>
+        </p:spPr>
+        <p:style>
+          <a:lnRef idx="0">
+            <a:scrgbClr r="0" g="0" b="0"/>
+          </a:lnRef>
+          <a:fillRef idx="0">
+            <a:scrgbClr r="0" g="0" b="0"/>
+          </a:fillRef>
+          <a:effectRef idx="0">
+            <a:scrgbClr r="0" g="0" b="0"/>
+          </a:effectRef>
+          <a:fontRef idx="minor">
+            <a:schemeClr val="dk1"/>
+          </a:fontRef>
+        </p:style>
+        <p:txBody>
+          <a:bodyPr rtlCol="0" anchor="ctr"/>
+          <a:lstStyle/>
+          <a:p>
+            <a:pPr algn="ctr"/>
+            <a:endParaRPr kumimoji="1" lang="ja-JP" altLang="en-US"/>
+          </a:p>
+        </p:txBody>
+      </p:sp>
+      <p:sp>
+        <p:nvSpPr>
+          <p:cNvPr id="18" name="片側の 2 つの角を切り取った四角形 17"/>
+          <p:cNvSpPr/>
+          <p:nvPr/>
+        </p:nvSpPr>
+        <p:spPr>
+          <a:xfrm>
+            <a:off x="919487" y="575896"/>
+            <a:ext cx="2949128" cy="650630"/>
+          </a:xfrm>
+          <a:prstGeom prst="snip2SameRect">
+            <a:avLst/>
+          </a:prstGeom>
+        </p:spPr>
+        <p:style>
+          <a:lnRef idx="2">
+            <a:schemeClr val="accent2">
+              <a:shade val="50000"/>
+            </a:schemeClr>
+          </a:lnRef>
+          <a:fillRef idx="1">
+            <a:schemeClr val="accent2"/>
+          </a:fillRef>
+          <a:effectRef idx="0">
+            <a:schemeClr val="accent2"/>
+          </a:effectRef>
+          <a:fontRef idx="minor">
+            <a:schemeClr val="lt1"/>
+          </a:fontRef>
+        </p:style>
+        <p:txBody>
+          <a:bodyPr rtlCol="0" anchor="ctr"/>
+          <a:lstStyle/>
+          <a:p>
+            <a:pPr algn="ctr"/>
+            <a:endParaRPr kumimoji="1" lang="ja-JP" altLang="en-US"/>
+          </a:p>
+        </p:txBody>
+      </p:sp>
+      <p:sp>
+        <p:nvSpPr>
+          <p:cNvPr id="19" name="テキスト ボックス 18"/>
+          <p:cNvSpPr txBox="1"/>
+          <p:nvPr/>
+        </p:nvSpPr>
+        <p:spPr>
+          <a:xfrm>
+            <a:off x="1017598" y="685876"/>
+            <a:ext cx="2622417" cy="523220"/>
+          </a:xfrm>
+          <a:prstGeom prst="rect">
+            <a:avLst/>
+          </a:prstGeom>
+          <a:noFill/>
+        </p:spPr>
+        <p:txBody>
+          <a:bodyPr wrap="square" rtlCol="0">
+            <a:spAutoFit/>
           </a:bodyPr>
           <a:lstStyle/>
           <a:p>
             <a:pPr algn="ctr"/>
             <a:r>
-              <a:rPr kumimoji="1" lang="ja-JP" altLang="en-US" sz="7200" dirty="0" smtClean="0"/>
-              <a:t>メニュー画面</a:t>
-            </a:r>
-            <a:endParaRPr kumimoji="1" lang="ja-JP" altLang="en-US" sz="7200" dirty="0"/>
+              <a:rPr kumimoji="1" lang="ja-JP" altLang="en-US" sz="2800" b="1" dirty="0" smtClean="0">
+                <a:solidFill>
+                  <a:schemeClr val="bg2"/>
+                </a:solidFill>
+              </a:rPr>
+              <a:t>１つの場合</a:t>
+            </a:r>
+            <a:endParaRPr kumimoji="1" lang="ja-JP" altLang="en-US" sz="2800" b="1" dirty="0">
+              <a:solidFill>
+                <a:schemeClr val="bg2"/>
+              </a:solidFill>
+            </a:endParaRPr>
+          </a:p>
+        </p:txBody>
+      </p:sp>
+      <p:sp>
+        <p:nvSpPr>
+          <p:cNvPr id="22" name="正方形/長方形 21"/>
+          <p:cNvSpPr/>
+          <p:nvPr/>
+        </p:nvSpPr>
+        <p:spPr>
+          <a:xfrm>
+            <a:off x="4571382" y="480564"/>
+            <a:ext cx="3605463" cy="699047"/>
+          </a:xfrm>
+          <a:prstGeom prst="rect">
+            <a:avLst/>
+          </a:prstGeom>
+        </p:spPr>
+        <p:style>
+          <a:lnRef idx="2">
+            <a:schemeClr val="dk1"/>
+          </a:lnRef>
+          <a:fillRef idx="1">
+            <a:schemeClr val="lt1"/>
+          </a:fillRef>
+          <a:effectRef idx="0">
+            <a:schemeClr val="dk1"/>
+          </a:effectRef>
+          <a:fontRef idx="minor">
+            <a:schemeClr val="dk1"/>
+          </a:fontRef>
+        </p:style>
+        <p:txBody>
+          <a:bodyPr rtlCol="0" anchor="ctr"/>
+          <a:lstStyle/>
+          <a:p>
+            <a:pPr algn="ctr"/>
+            <a:endParaRPr kumimoji="1" lang="ja-JP" altLang="en-US"/>
+          </a:p>
+        </p:txBody>
+      </p:sp>
+      <p:sp>
+        <p:nvSpPr>
+          <p:cNvPr id="23" name="正方形/長方形 22"/>
+          <p:cNvSpPr/>
+          <p:nvPr/>
+        </p:nvSpPr>
+        <p:spPr>
+          <a:xfrm>
+            <a:off x="5102751" y="565467"/>
+            <a:ext cx="2634479" cy="584775"/>
+          </a:xfrm>
+          <a:prstGeom prst="rect">
+            <a:avLst/>
+          </a:prstGeom>
+        </p:spPr>
+        <p:txBody>
+          <a:bodyPr wrap="square">
+            <a:spAutoFit/>
+          </a:bodyPr>
+          <a:lstStyle/>
+          <a:p>
+            <a:r>
+              <a:rPr lang="ja-JP" altLang="en-US" sz="3200" b="1" dirty="0" smtClean="0"/>
+              <a:t>リザルト画面</a:t>
+            </a:r>
+            <a:endParaRPr lang="ja-JP" altLang="en-US" sz="3200" b="1" dirty="0"/>
+          </a:p>
+        </p:txBody>
+      </p:sp>
+      <p:sp>
+        <p:nvSpPr>
+          <p:cNvPr id="3" name="テキスト ボックス 2"/>
+          <p:cNvSpPr txBox="1"/>
+          <p:nvPr/>
+        </p:nvSpPr>
+        <p:spPr>
+          <a:xfrm>
+            <a:off x="1635370" y="5046785"/>
+            <a:ext cx="1802422" cy="707886"/>
+          </a:xfrm>
+          <a:prstGeom prst="rect">
+            <a:avLst/>
+          </a:prstGeom>
+          <a:noFill/>
+        </p:spPr>
+        <p:txBody>
+          <a:bodyPr wrap="square" rtlCol="0">
+            <a:spAutoFit/>
+          </a:bodyPr>
+          <a:lstStyle/>
+          <a:p>
+            <a:pPr algn="ctr"/>
+            <a:r>
+              <a:rPr kumimoji="1" lang="ja-JP" altLang="en-US" sz="4000" b="1" dirty="0" smtClean="0">
+                <a:ln w="9525">
+                  <a:solidFill>
+                    <a:schemeClr val="bg1"/>
+                  </a:solidFill>
+                  <a:prstDash val="solid"/>
+                </a:ln>
+                <a:solidFill>
+                  <a:srgbClr val="C3C361"/>
+                </a:solidFill>
+                <a:effectLst>
+                  <a:outerShdw blurRad="12700" dist="38100" dir="2700000" algn="tl" rotWithShape="0">
+                    <a:schemeClr val="bg1">
+                      <a:lumMod val="50000"/>
+                    </a:schemeClr>
+                  </a:outerShdw>
+                </a:effectLst>
+              </a:rPr>
+              <a:t>１</a:t>
+            </a:r>
+            <a:r>
+              <a:rPr lang="ja-JP" altLang="en-US" sz="4000" b="1" dirty="0">
+                <a:ln w="9525">
+                  <a:solidFill>
+                    <a:schemeClr val="bg1"/>
+                  </a:solidFill>
+                  <a:prstDash val="solid"/>
+                </a:ln>
+                <a:solidFill>
+                  <a:srgbClr val="C3C361"/>
+                </a:solidFill>
+                <a:effectLst>
+                  <a:outerShdw blurRad="12700" dist="38100" dir="2700000" algn="tl" rotWithShape="0">
+                    <a:schemeClr val="bg1">
+                      <a:lumMod val="50000"/>
+                    </a:schemeClr>
+                  </a:outerShdw>
+                </a:effectLst>
+              </a:rPr>
+              <a:t>位</a:t>
+            </a:r>
+            <a:endParaRPr kumimoji="1" lang="ja-JP" altLang="en-US" sz="4000" b="1" dirty="0">
+              <a:ln w="9525">
+                <a:solidFill>
+                  <a:schemeClr val="bg1"/>
+                </a:solidFill>
+                <a:prstDash val="solid"/>
+              </a:ln>
+              <a:solidFill>
+                <a:srgbClr val="C3C361"/>
+              </a:solidFill>
+              <a:effectLst>
+                <a:outerShdw blurRad="12700" dist="38100" dir="2700000" algn="tl" rotWithShape="0">
+                  <a:schemeClr val="bg1">
+                    <a:lumMod val="50000"/>
+                  </a:schemeClr>
+                </a:outerShdw>
+              </a:effectLst>
+            </a:endParaRPr>
+          </a:p>
+        </p:txBody>
+      </p:sp>
+      <p:sp>
+        <p:nvSpPr>
+          <p:cNvPr id="20" name="テキスト ボックス 19"/>
+          <p:cNvSpPr txBox="1"/>
+          <p:nvPr/>
+        </p:nvSpPr>
+        <p:spPr>
+          <a:xfrm>
+            <a:off x="3868615" y="5046785"/>
+            <a:ext cx="1802422" cy="707886"/>
+          </a:xfrm>
+          <a:prstGeom prst="rect">
+            <a:avLst/>
+          </a:prstGeom>
+          <a:noFill/>
+        </p:spPr>
+        <p:txBody>
+          <a:bodyPr wrap="square" rtlCol="0">
+            <a:spAutoFit/>
+          </a:bodyPr>
+          <a:lstStyle/>
+          <a:p>
+            <a:pPr algn="ctr"/>
+            <a:r>
+              <a:rPr kumimoji="1" lang="ja-JP" altLang="en-US" sz="4000" b="1" dirty="0" smtClean="0">
+                <a:ln w="9525">
+                  <a:solidFill>
+                    <a:schemeClr val="tx1">
+                      <a:lumMod val="50000"/>
+                      <a:lumOff val="50000"/>
+                    </a:schemeClr>
+                  </a:solidFill>
+                  <a:prstDash val="solid"/>
+                </a:ln>
+                <a:solidFill>
+                  <a:schemeClr val="bg2">
+                    <a:lumMod val="75000"/>
+                  </a:schemeClr>
+                </a:solidFill>
+                <a:effectLst>
+                  <a:outerShdw blurRad="12700" dist="38100" dir="2700000" algn="tl" rotWithShape="0">
+                    <a:schemeClr val="bg1">
+                      <a:lumMod val="50000"/>
+                    </a:schemeClr>
+                  </a:outerShdw>
+                </a:effectLst>
+              </a:rPr>
+              <a:t>２</a:t>
+            </a:r>
+            <a:r>
+              <a:rPr lang="ja-JP" altLang="en-US" sz="4000" b="1" dirty="0" smtClean="0">
+                <a:ln w="9525">
+                  <a:solidFill>
+                    <a:schemeClr val="tx1">
+                      <a:lumMod val="50000"/>
+                      <a:lumOff val="50000"/>
+                    </a:schemeClr>
+                  </a:solidFill>
+                  <a:prstDash val="solid"/>
+                </a:ln>
+                <a:solidFill>
+                  <a:schemeClr val="bg2">
+                    <a:lumMod val="75000"/>
+                  </a:schemeClr>
+                </a:solidFill>
+                <a:effectLst>
+                  <a:outerShdw blurRad="12700" dist="38100" dir="2700000" algn="tl" rotWithShape="0">
+                    <a:schemeClr val="bg1">
+                      <a:lumMod val="50000"/>
+                    </a:schemeClr>
+                  </a:outerShdw>
+                </a:effectLst>
+              </a:rPr>
+              <a:t>位</a:t>
+            </a:r>
+            <a:endParaRPr kumimoji="1" lang="ja-JP" altLang="en-US" sz="4000" b="1" dirty="0">
+              <a:ln w="9525">
+                <a:solidFill>
+                  <a:schemeClr val="tx1">
+                    <a:lumMod val="50000"/>
+                    <a:lumOff val="50000"/>
+                  </a:schemeClr>
+                </a:solidFill>
+                <a:prstDash val="solid"/>
+              </a:ln>
+              <a:solidFill>
+                <a:schemeClr val="bg2">
+                  <a:lumMod val="75000"/>
+                </a:schemeClr>
+              </a:solidFill>
+              <a:effectLst>
+                <a:outerShdw blurRad="12700" dist="38100" dir="2700000" algn="tl" rotWithShape="0">
+                  <a:schemeClr val="bg1">
+                    <a:lumMod val="50000"/>
+                  </a:schemeClr>
+                </a:outerShdw>
+              </a:effectLst>
+            </a:endParaRPr>
+          </a:p>
+        </p:txBody>
+      </p:sp>
+      <p:sp>
+        <p:nvSpPr>
+          <p:cNvPr id="21" name="テキスト ボックス 20"/>
+          <p:cNvSpPr txBox="1"/>
+          <p:nvPr/>
+        </p:nvSpPr>
+        <p:spPr>
+          <a:xfrm>
+            <a:off x="6227884" y="5046785"/>
+            <a:ext cx="1802422" cy="707886"/>
+          </a:xfrm>
+          <a:prstGeom prst="rect">
+            <a:avLst/>
+          </a:prstGeom>
+          <a:noFill/>
+        </p:spPr>
+        <p:txBody>
+          <a:bodyPr wrap="square" rtlCol="0">
+            <a:spAutoFit/>
+          </a:bodyPr>
+          <a:lstStyle/>
+          <a:p>
+            <a:pPr algn="ctr"/>
+            <a:r>
+              <a:rPr lang="ja-JP" altLang="en-US" sz="4000" b="1" dirty="0">
+                <a:ln w="9525">
+                  <a:solidFill>
+                    <a:schemeClr val="tx2">
+                      <a:lumMod val="20000"/>
+                      <a:lumOff val="80000"/>
+                    </a:schemeClr>
+                  </a:solidFill>
+                  <a:prstDash val="solid"/>
+                </a:ln>
+                <a:solidFill>
+                  <a:schemeClr val="accent2">
+                    <a:lumMod val="75000"/>
+                  </a:schemeClr>
+                </a:solidFill>
+                <a:effectLst>
+                  <a:outerShdw blurRad="12700" dist="38100" dir="2700000" algn="tl" rotWithShape="0">
+                    <a:schemeClr val="bg1">
+                      <a:lumMod val="50000"/>
+                    </a:schemeClr>
+                  </a:outerShdw>
+                </a:effectLst>
+              </a:rPr>
+              <a:t>３位</a:t>
+            </a:r>
+          </a:p>
+        </p:txBody>
+      </p:sp>
+      <p:sp>
+        <p:nvSpPr>
+          <p:cNvPr id="24" name="テキスト ボックス 23"/>
+          <p:cNvSpPr txBox="1"/>
+          <p:nvPr/>
+        </p:nvSpPr>
+        <p:spPr>
+          <a:xfrm>
+            <a:off x="8508022" y="5046785"/>
+            <a:ext cx="1802422" cy="707886"/>
+          </a:xfrm>
+          <a:prstGeom prst="rect">
+            <a:avLst/>
+          </a:prstGeom>
+          <a:noFill/>
+        </p:spPr>
+        <p:txBody>
+          <a:bodyPr wrap="square" rtlCol="0">
+            <a:spAutoFit/>
+          </a:bodyPr>
+          <a:lstStyle/>
+          <a:p>
+            <a:pPr algn="ctr"/>
+            <a:r>
+              <a:rPr lang="ja-JP" altLang="en-US" sz="4000" b="1" dirty="0">
+                <a:ln w="9525">
+                  <a:solidFill>
+                    <a:schemeClr val="tx2">
+                      <a:lumMod val="20000"/>
+                      <a:lumOff val="80000"/>
+                    </a:schemeClr>
+                  </a:solidFill>
+                  <a:prstDash val="solid"/>
+                </a:ln>
+                <a:solidFill>
+                  <a:schemeClr val="accent2">
+                    <a:lumMod val="75000"/>
+                  </a:schemeClr>
+                </a:solidFill>
+                <a:effectLst>
+                  <a:outerShdw blurRad="12700" dist="38100" dir="2700000" algn="tl" rotWithShape="0">
+                    <a:schemeClr val="bg1">
+                      <a:lumMod val="50000"/>
+                    </a:schemeClr>
+                  </a:outerShdw>
+                </a:effectLst>
+              </a:rPr>
+              <a:t>３位</a:t>
+            </a:r>
+          </a:p>
+        </p:txBody>
+      </p:sp>
+      <p:sp>
+        <p:nvSpPr>
+          <p:cNvPr id="10" name="テキスト ボックス 9"/>
+          <p:cNvSpPr txBox="1"/>
+          <p:nvPr/>
+        </p:nvSpPr>
+        <p:spPr>
+          <a:xfrm>
+            <a:off x="1644162" y="1951891"/>
+            <a:ext cx="1793630" cy="461665"/>
+          </a:xfrm>
+          <a:prstGeom prst="rect">
+            <a:avLst/>
+          </a:prstGeom>
+          <a:noFill/>
+        </p:spPr>
+        <p:txBody>
+          <a:bodyPr wrap="square" rtlCol="0">
+            <a:spAutoFit/>
+          </a:bodyPr>
+          <a:lstStyle/>
+          <a:p>
+            <a:pPr algn="ctr"/>
+            <a:r>
+              <a:rPr lang="ja-JP" altLang="en-US" sz="2400" b="1" dirty="0" smtClean="0">
+                <a:ln w="9525">
+                  <a:solidFill>
+                    <a:schemeClr val="bg1"/>
+                  </a:solidFill>
+                  <a:prstDash val="solid"/>
+                </a:ln>
+                <a:solidFill>
+                  <a:srgbClr val="C3C361"/>
+                </a:solidFill>
+                <a:effectLst>
+                  <a:outerShdw blurRad="12700" dist="38100" dir="2700000" algn="tl" rotWithShape="0">
+                    <a:schemeClr val="bg1">
+                      <a:lumMod val="50000"/>
+                    </a:schemeClr>
+                  </a:outerShdw>
+                </a:effectLst>
+              </a:rPr>
+              <a:t>１位</a:t>
+            </a:r>
+            <a:r>
+              <a:rPr kumimoji="1" lang="ja-JP" altLang="en-US" sz="2400" b="1" dirty="0" smtClean="0"/>
+              <a:t>の</a:t>
+            </a:r>
+            <a:r>
+              <a:rPr kumimoji="1" lang="ja-JP" altLang="en-US" sz="2400" b="1" dirty="0" smtClean="0">
+                <a:solidFill>
+                  <a:srgbClr val="FF0000"/>
+                </a:solidFill>
+              </a:rPr>
+              <a:t>点数</a:t>
+            </a:r>
+            <a:endParaRPr kumimoji="1" lang="ja-JP" altLang="en-US" sz="2400" b="1" dirty="0">
+              <a:solidFill>
+                <a:srgbClr val="FF0000"/>
+              </a:solidFill>
+            </a:endParaRPr>
+          </a:p>
+        </p:txBody>
+      </p:sp>
+      <p:sp>
+        <p:nvSpPr>
+          <p:cNvPr id="25" name="テキスト ボックス 24"/>
+          <p:cNvSpPr txBox="1"/>
+          <p:nvPr/>
+        </p:nvSpPr>
+        <p:spPr>
+          <a:xfrm>
+            <a:off x="3877407" y="1951891"/>
+            <a:ext cx="1793630" cy="461665"/>
+          </a:xfrm>
+          <a:prstGeom prst="rect">
+            <a:avLst/>
+          </a:prstGeom>
+          <a:noFill/>
+        </p:spPr>
+        <p:txBody>
+          <a:bodyPr wrap="square" rtlCol="0">
+            <a:spAutoFit/>
+          </a:bodyPr>
+          <a:lstStyle/>
+          <a:p>
+            <a:pPr algn="ctr"/>
+            <a:r>
+              <a:rPr lang="ja-JP" altLang="en-US" sz="2400" b="1" dirty="0" smtClean="0">
+                <a:ln w="9525">
+                  <a:solidFill>
+                    <a:schemeClr val="tx1">
+                      <a:lumMod val="50000"/>
+                      <a:lumOff val="50000"/>
+                    </a:schemeClr>
+                  </a:solidFill>
+                  <a:prstDash val="solid"/>
+                </a:ln>
+                <a:solidFill>
+                  <a:schemeClr val="bg2">
+                    <a:lumMod val="75000"/>
+                  </a:schemeClr>
+                </a:solidFill>
+                <a:effectLst>
+                  <a:outerShdw blurRad="12700" dist="38100" dir="2700000" algn="tl" rotWithShape="0">
+                    <a:schemeClr val="bg1">
+                      <a:lumMod val="50000"/>
+                    </a:schemeClr>
+                  </a:outerShdw>
+                </a:effectLst>
+              </a:rPr>
+              <a:t>２位</a:t>
+            </a:r>
+            <a:r>
+              <a:rPr kumimoji="1" lang="ja-JP" altLang="en-US" sz="2400" b="1" dirty="0" smtClean="0"/>
+              <a:t>の</a:t>
+            </a:r>
+            <a:r>
+              <a:rPr kumimoji="1" lang="ja-JP" altLang="en-US" sz="2400" b="1" dirty="0" smtClean="0">
+                <a:solidFill>
+                  <a:srgbClr val="FF0000"/>
+                </a:solidFill>
+              </a:rPr>
+              <a:t>点数</a:t>
+            </a:r>
+            <a:endParaRPr kumimoji="1" lang="ja-JP" altLang="en-US" sz="2400" b="1" dirty="0">
+              <a:solidFill>
+                <a:srgbClr val="FF0000"/>
+              </a:solidFill>
+            </a:endParaRPr>
+          </a:p>
+        </p:txBody>
+      </p:sp>
+      <p:sp>
+        <p:nvSpPr>
+          <p:cNvPr id="26" name="テキスト ボックス 25"/>
+          <p:cNvSpPr txBox="1"/>
+          <p:nvPr/>
+        </p:nvSpPr>
+        <p:spPr>
+          <a:xfrm>
+            <a:off x="6371489" y="1951890"/>
+            <a:ext cx="1793630" cy="461665"/>
+          </a:xfrm>
+          <a:prstGeom prst="rect">
+            <a:avLst/>
+          </a:prstGeom>
+          <a:noFill/>
+        </p:spPr>
+        <p:txBody>
+          <a:bodyPr wrap="square" rtlCol="0">
+            <a:spAutoFit/>
+          </a:bodyPr>
+          <a:lstStyle/>
+          <a:p>
+            <a:pPr algn="ctr"/>
+            <a:r>
+              <a:rPr lang="ja-JP" altLang="en-US" sz="2400" b="1" dirty="0" smtClean="0">
+                <a:ln w="9525">
+                  <a:solidFill>
+                    <a:schemeClr val="tx2">
+                      <a:lumMod val="20000"/>
+                      <a:lumOff val="80000"/>
+                    </a:schemeClr>
+                  </a:solidFill>
+                  <a:prstDash val="solid"/>
+                </a:ln>
+                <a:solidFill>
+                  <a:schemeClr val="accent2">
+                    <a:lumMod val="75000"/>
+                  </a:schemeClr>
+                </a:solidFill>
+                <a:effectLst>
+                  <a:outerShdw blurRad="12700" dist="38100" dir="2700000" algn="tl" rotWithShape="0">
+                    <a:schemeClr val="bg1">
+                      <a:lumMod val="50000"/>
+                    </a:schemeClr>
+                  </a:outerShdw>
+                </a:effectLst>
+              </a:rPr>
+              <a:t>３位</a:t>
+            </a:r>
+            <a:r>
+              <a:rPr kumimoji="1" lang="ja-JP" altLang="en-US" sz="2400" b="1" dirty="0" smtClean="0"/>
+              <a:t>の</a:t>
+            </a:r>
+            <a:r>
+              <a:rPr kumimoji="1" lang="ja-JP" altLang="en-US" sz="2400" b="1" dirty="0" smtClean="0">
+                <a:solidFill>
+                  <a:srgbClr val="FF0000"/>
+                </a:solidFill>
+              </a:rPr>
+              <a:t>点数</a:t>
+            </a:r>
+            <a:endParaRPr kumimoji="1" lang="ja-JP" altLang="en-US" sz="2400" b="1" dirty="0">
+              <a:solidFill>
+                <a:srgbClr val="FF0000"/>
+              </a:solidFill>
+            </a:endParaRPr>
+          </a:p>
+        </p:txBody>
+      </p:sp>
+      <p:sp>
+        <p:nvSpPr>
+          <p:cNvPr id="27" name="テキスト ボックス 26"/>
+          <p:cNvSpPr txBox="1"/>
+          <p:nvPr/>
+        </p:nvSpPr>
+        <p:spPr>
+          <a:xfrm>
+            <a:off x="8604734" y="1951890"/>
+            <a:ext cx="1793630" cy="461665"/>
+          </a:xfrm>
+          <a:prstGeom prst="rect">
+            <a:avLst/>
+          </a:prstGeom>
+          <a:noFill/>
+        </p:spPr>
+        <p:txBody>
+          <a:bodyPr wrap="square" rtlCol="0">
+            <a:spAutoFit/>
+          </a:bodyPr>
+          <a:lstStyle/>
+          <a:p>
+            <a:pPr algn="ctr"/>
+            <a:r>
+              <a:rPr lang="ja-JP" altLang="en-US" sz="2400" b="1" dirty="0" smtClean="0">
+                <a:ln w="9525">
+                  <a:solidFill>
+                    <a:schemeClr val="tx2">
+                      <a:lumMod val="20000"/>
+                      <a:lumOff val="80000"/>
+                    </a:schemeClr>
+                  </a:solidFill>
+                  <a:prstDash val="solid"/>
+                </a:ln>
+                <a:solidFill>
+                  <a:schemeClr val="accent2">
+                    <a:lumMod val="75000"/>
+                  </a:schemeClr>
+                </a:solidFill>
+                <a:effectLst>
+                  <a:outerShdw blurRad="12700" dist="38100" dir="2700000" algn="tl" rotWithShape="0">
+                    <a:schemeClr val="bg1">
+                      <a:lumMod val="50000"/>
+                    </a:schemeClr>
+                  </a:outerShdw>
+                </a:effectLst>
+              </a:rPr>
+              <a:t>３位</a:t>
+            </a:r>
+            <a:r>
+              <a:rPr kumimoji="1" lang="ja-JP" altLang="en-US" sz="2400" b="1" dirty="0" smtClean="0"/>
+              <a:t>の</a:t>
+            </a:r>
+            <a:r>
+              <a:rPr kumimoji="1" lang="ja-JP" altLang="en-US" sz="2400" b="1" dirty="0" smtClean="0">
+                <a:solidFill>
+                  <a:srgbClr val="FF0000"/>
+                </a:solidFill>
+              </a:rPr>
+              <a:t>点数</a:t>
+            </a:r>
+            <a:endParaRPr kumimoji="1" lang="ja-JP" altLang="en-US" sz="2400" b="1" dirty="0">
+              <a:solidFill>
+                <a:srgbClr val="FF0000"/>
+              </a:solidFill>
+            </a:endParaRPr>
+          </a:p>
+        </p:txBody>
+      </p:sp>
+      <p:sp>
+        <p:nvSpPr>
+          <p:cNvPr id="11" name="正方形/長方形 10"/>
+          <p:cNvSpPr/>
+          <p:nvPr/>
+        </p:nvSpPr>
+        <p:spPr>
+          <a:xfrm rot="1124844">
+            <a:off x="4290646" y="2844598"/>
+            <a:ext cx="958362" cy="1820007"/>
+          </a:xfrm>
+          <a:prstGeom prst="rect">
+            <a:avLst/>
+          </a:prstGeom>
+          <a:solidFill>
+            <a:srgbClr val="FF0000"/>
+          </a:solidFill>
+        </p:spPr>
+        <p:style>
+          <a:lnRef idx="2">
+            <a:schemeClr val="accent1">
+              <a:shade val="50000"/>
+            </a:schemeClr>
+          </a:lnRef>
+          <a:fillRef idx="1">
+            <a:schemeClr val="accent1"/>
+          </a:fillRef>
+          <a:effectRef idx="0">
+            <a:schemeClr val="accent1"/>
+          </a:effectRef>
+          <a:fontRef idx="minor">
+            <a:schemeClr val="lt1"/>
+          </a:fontRef>
+        </p:style>
+        <p:txBody>
+          <a:bodyPr rtlCol="0" anchor="ctr"/>
+          <a:lstStyle/>
+          <a:p>
+            <a:pPr algn="ctr"/>
+            <a:endParaRPr kumimoji="1" lang="ja-JP" altLang="en-US"/>
+          </a:p>
+        </p:txBody>
+      </p:sp>
+      <p:sp>
+        <p:nvSpPr>
+          <p:cNvPr id="28" name="正方形/長方形 27"/>
+          <p:cNvSpPr/>
+          <p:nvPr/>
+        </p:nvSpPr>
+        <p:spPr>
+          <a:xfrm rot="1480039">
+            <a:off x="1914870" y="2817936"/>
+            <a:ext cx="958362" cy="1820007"/>
+          </a:xfrm>
+          <a:prstGeom prst="rect">
+            <a:avLst/>
+          </a:prstGeom>
+        </p:spPr>
+        <p:style>
+          <a:lnRef idx="2">
+            <a:schemeClr val="accent1">
+              <a:shade val="50000"/>
+            </a:schemeClr>
+          </a:lnRef>
+          <a:fillRef idx="1">
+            <a:schemeClr val="accent1"/>
+          </a:fillRef>
+          <a:effectRef idx="0">
+            <a:schemeClr val="accent1"/>
+          </a:effectRef>
+          <a:fontRef idx="minor">
+            <a:schemeClr val="lt1"/>
+          </a:fontRef>
+        </p:style>
+        <p:txBody>
+          <a:bodyPr rtlCol="0" anchor="ctr"/>
+          <a:lstStyle/>
+          <a:p>
+            <a:pPr algn="ctr"/>
+            <a:endParaRPr kumimoji="1" lang="ja-JP" altLang="en-US"/>
+          </a:p>
+        </p:txBody>
+      </p:sp>
+      <p:sp>
+        <p:nvSpPr>
+          <p:cNvPr id="29" name="正方形/長方形 28"/>
+          <p:cNvSpPr/>
+          <p:nvPr/>
+        </p:nvSpPr>
+        <p:spPr>
+          <a:xfrm rot="316070">
+            <a:off x="6697343" y="2789449"/>
+            <a:ext cx="958362" cy="1820007"/>
+          </a:xfrm>
+          <a:prstGeom prst="rect">
+            <a:avLst/>
+          </a:prstGeom>
+          <a:solidFill>
+            <a:srgbClr val="00B050"/>
+          </a:solidFill>
+        </p:spPr>
+        <p:style>
+          <a:lnRef idx="2">
+            <a:schemeClr val="accent1">
+              <a:shade val="50000"/>
+            </a:schemeClr>
+          </a:lnRef>
+          <a:fillRef idx="1">
+            <a:schemeClr val="accent1"/>
+          </a:fillRef>
+          <a:effectRef idx="0">
+            <a:schemeClr val="accent1"/>
+          </a:effectRef>
+          <a:fontRef idx="minor">
+            <a:schemeClr val="lt1"/>
+          </a:fontRef>
+        </p:style>
+        <p:txBody>
+          <a:bodyPr rtlCol="0" anchor="ctr"/>
+          <a:lstStyle/>
+          <a:p>
+            <a:pPr algn="ctr"/>
+            <a:endParaRPr kumimoji="1" lang="ja-JP" altLang="en-US"/>
+          </a:p>
+        </p:txBody>
+      </p:sp>
+      <p:sp>
+        <p:nvSpPr>
+          <p:cNvPr id="30" name="正方形/長方形 29"/>
+          <p:cNvSpPr/>
+          <p:nvPr/>
+        </p:nvSpPr>
+        <p:spPr>
+          <a:xfrm rot="321307">
+            <a:off x="8971861" y="2894132"/>
+            <a:ext cx="958362" cy="1820007"/>
+          </a:xfrm>
+          <a:prstGeom prst="rect">
+            <a:avLst/>
+          </a:prstGeom>
+          <a:solidFill>
+            <a:srgbClr val="FFFF00"/>
+          </a:solidFill>
+        </p:spPr>
+        <p:style>
+          <a:lnRef idx="2">
+            <a:schemeClr val="accent1">
+              <a:shade val="50000"/>
+            </a:schemeClr>
+          </a:lnRef>
+          <a:fillRef idx="1">
+            <a:schemeClr val="accent1"/>
+          </a:fillRef>
+          <a:effectRef idx="0">
+            <a:schemeClr val="accent1"/>
+          </a:effectRef>
+          <a:fontRef idx="minor">
+            <a:schemeClr val="lt1"/>
+          </a:fontRef>
+        </p:style>
+        <p:txBody>
+          <a:bodyPr rtlCol="0" anchor="ctr"/>
+          <a:lstStyle/>
+          <a:p>
+            <a:pPr algn="ctr"/>
+            <a:endParaRPr kumimoji="1" lang="ja-JP" altLang="en-US"/>
+          </a:p>
+        </p:txBody>
+      </p:sp>
+      <p:sp>
+        <p:nvSpPr>
+          <p:cNvPr id="13" name="テキスト ボックス 12"/>
+          <p:cNvSpPr txBox="1"/>
+          <p:nvPr/>
+        </p:nvSpPr>
+        <p:spPr>
+          <a:xfrm>
+            <a:off x="1960832" y="3523767"/>
+            <a:ext cx="963003" cy="523220"/>
+          </a:xfrm>
+          <a:prstGeom prst="rect">
+            <a:avLst/>
+          </a:prstGeom>
+          <a:noFill/>
+        </p:spPr>
+        <p:txBody>
+          <a:bodyPr wrap="square" rtlCol="0">
+            <a:spAutoFit/>
+          </a:bodyPr>
+          <a:lstStyle/>
+          <a:p>
+            <a:pPr algn="ctr"/>
+            <a:r>
+              <a:rPr kumimoji="1" lang="ja-JP" altLang="en-US" sz="2800" b="1" dirty="0" smtClean="0">
+                <a:solidFill>
+                  <a:schemeClr val="bg1"/>
+                </a:solidFill>
+              </a:rPr>
+              <a:t>１Ｐ</a:t>
+            </a:r>
+            <a:endParaRPr kumimoji="1" lang="ja-JP" altLang="en-US" sz="2800" b="1" dirty="0">
+              <a:solidFill>
+                <a:schemeClr val="bg1"/>
+              </a:solidFill>
+            </a:endParaRPr>
+          </a:p>
+        </p:txBody>
+      </p:sp>
+      <p:sp>
+        <p:nvSpPr>
+          <p:cNvPr id="32" name="テキスト ボックス 31"/>
+          <p:cNvSpPr txBox="1"/>
+          <p:nvPr/>
+        </p:nvSpPr>
+        <p:spPr>
+          <a:xfrm>
+            <a:off x="4309055" y="3492990"/>
+            <a:ext cx="963003" cy="523220"/>
+          </a:xfrm>
+          <a:prstGeom prst="rect">
+            <a:avLst/>
+          </a:prstGeom>
+          <a:noFill/>
+        </p:spPr>
+        <p:txBody>
+          <a:bodyPr wrap="square" rtlCol="0">
+            <a:spAutoFit/>
+          </a:bodyPr>
+          <a:lstStyle/>
+          <a:p>
+            <a:pPr algn="ctr"/>
+            <a:r>
+              <a:rPr kumimoji="1" lang="ja-JP" altLang="en-US" sz="2800" b="1" dirty="0" smtClean="0">
+                <a:solidFill>
+                  <a:schemeClr val="bg1"/>
+                </a:solidFill>
+              </a:rPr>
+              <a:t>２Ｐ</a:t>
+            </a:r>
+            <a:endParaRPr kumimoji="1" lang="ja-JP" altLang="en-US" sz="2800" b="1" dirty="0">
+              <a:solidFill>
+                <a:schemeClr val="bg1"/>
+              </a:solidFill>
+            </a:endParaRPr>
+          </a:p>
+        </p:txBody>
+      </p:sp>
+      <p:sp>
+        <p:nvSpPr>
+          <p:cNvPr id="33" name="テキスト ボックス 32"/>
+          <p:cNvSpPr txBox="1"/>
+          <p:nvPr/>
+        </p:nvSpPr>
+        <p:spPr>
+          <a:xfrm>
+            <a:off x="6743320" y="3437842"/>
+            <a:ext cx="963003" cy="523220"/>
+          </a:xfrm>
+          <a:prstGeom prst="rect">
+            <a:avLst/>
+          </a:prstGeom>
+          <a:noFill/>
+        </p:spPr>
+        <p:txBody>
+          <a:bodyPr wrap="square" rtlCol="0">
+            <a:spAutoFit/>
+          </a:bodyPr>
+          <a:lstStyle/>
+          <a:p>
+            <a:pPr algn="ctr"/>
+            <a:r>
+              <a:rPr kumimoji="1" lang="ja-JP" altLang="en-US" sz="2800" b="1" dirty="0" smtClean="0">
+                <a:solidFill>
+                  <a:schemeClr val="bg1"/>
+                </a:solidFill>
+              </a:rPr>
+              <a:t>３Ｐ</a:t>
+            </a:r>
+            <a:endParaRPr kumimoji="1" lang="ja-JP" altLang="en-US" sz="2800" b="1" dirty="0">
+              <a:solidFill>
+                <a:schemeClr val="bg1"/>
+              </a:solidFill>
+            </a:endParaRPr>
+          </a:p>
+        </p:txBody>
+      </p:sp>
+      <p:sp>
+        <p:nvSpPr>
+          <p:cNvPr id="34" name="テキスト ボックス 33"/>
+          <p:cNvSpPr txBox="1"/>
+          <p:nvPr/>
+        </p:nvSpPr>
+        <p:spPr>
+          <a:xfrm>
+            <a:off x="9022368" y="3475260"/>
+            <a:ext cx="963003" cy="523220"/>
+          </a:xfrm>
+          <a:prstGeom prst="rect">
+            <a:avLst/>
+          </a:prstGeom>
+          <a:noFill/>
+        </p:spPr>
+        <p:txBody>
+          <a:bodyPr wrap="square" rtlCol="0">
+            <a:spAutoFit/>
+          </a:bodyPr>
+          <a:lstStyle/>
+          <a:p>
+            <a:pPr algn="ctr"/>
+            <a:r>
+              <a:rPr kumimoji="1" lang="ja-JP" altLang="en-US" sz="2800" b="1" dirty="0" smtClean="0"/>
+              <a:t>４Ｐ</a:t>
+            </a:r>
+            <a:endParaRPr kumimoji="1" lang="ja-JP" altLang="en-US" sz="2800" b="1" dirty="0"/>
+          </a:p>
+        </p:txBody>
+      </p:sp>
+      <p:sp>
+        <p:nvSpPr>
+          <p:cNvPr id="35" name="テキスト ボックス 34"/>
+          <p:cNvSpPr txBox="1"/>
+          <p:nvPr/>
+        </p:nvSpPr>
+        <p:spPr>
+          <a:xfrm>
+            <a:off x="2697772" y="5832037"/>
+            <a:ext cx="7060223" cy="523220"/>
+          </a:xfrm>
+          <a:prstGeom prst="rect">
+            <a:avLst/>
+          </a:prstGeom>
+          <a:noFill/>
+        </p:spPr>
+        <p:txBody>
+          <a:bodyPr wrap="square" rtlCol="0">
+            <a:spAutoFit/>
+          </a:bodyPr>
+          <a:lstStyle/>
+          <a:p>
+            <a:pPr algn="ctr"/>
+            <a:r>
+              <a:rPr kumimoji="1" lang="ja-JP" altLang="en-US" sz="2800" b="1" dirty="0" smtClean="0"/>
+              <a:t>それぞれの</a:t>
+            </a:r>
+            <a:r>
+              <a:rPr kumimoji="1" lang="ja-JP" altLang="en-US" sz="2800" b="1" dirty="0" smtClean="0">
+                <a:solidFill>
+                  <a:srgbClr val="FF0000"/>
+                </a:solidFill>
+              </a:rPr>
+              <a:t>点数</a:t>
+            </a:r>
+            <a:r>
+              <a:rPr kumimoji="1" lang="ja-JP" altLang="en-US" sz="2800" b="1" dirty="0" smtClean="0"/>
+              <a:t>と順位のプレイヤーを出す</a:t>
+            </a:r>
+            <a:endParaRPr kumimoji="1" lang="ja-JP" altLang="en-US" sz="2800" b="1" dirty="0"/>
+          </a:p>
+        </p:txBody>
+      </p:sp>
+      <p:sp>
+        <p:nvSpPr>
+          <p:cNvPr id="2" name="角丸四角形吹き出し 1"/>
+          <p:cNvSpPr/>
+          <p:nvPr/>
+        </p:nvSpPr>
+        <p:spPr>
+          <a:xfrm>
+            <a:off x="9066148" y="216015"/>
+            <a:ext cx="2808554" cy="1283677"/>
+          </a:xfrm>
+          <a:prstGeom prst="wedgeRoundRectCallout">
+            <a:avLst/>
+          </a:prstGeom>
+          <a:solidFill>
+            <a:schemeClr val="bg1"/>
+          </a:solidFill>
+          <a:ln w="57150">
+            <a:solidFill>
+              <a:srgbClr val="002060"/>
+            </a:solidFill>
+          </a:ln>
+        </p:spPr>
+        <p:style>
+          <a:lnRef idx="2">
+            <a:schemeClr val="accent1">
+              <a:shade val="50000"/>
+            </a:schemeClr>
+          </a:lnRef>
+          <a:fillRef idx="1">
+            <a:schemeClr val="accent1"/>
+          </a:fillRef>
+          <a:effectRef idx="0">
+            <a:schemeClr val="accent1"/>
+          </a:effectRef>
+          <a:fontRef idx="minor">
+            <a:schemeClr val="lt1"/>
+          </a:fontRef>
+        </p:style>
+        <p:txBody>
+          <a:bodyPr rtlCol="0" anchor="ctr"/>
+          <a:lstStyle/>
+          <a:p>
+            <a:pPr algn="ctr"/>
+            <a:endParaRPr kumimoji="1" lang="ja-JP" altLang="en-US"/>
+          </a:p>
+        </p:txBody>
+      </p:sp>
+      <p:sp>
+        <p:nvSpPr>
+          <p:cNvPr id="31" name="テキスト ボックス 30"/>
+          <p:cNvSpPr txBox="1"/>
+          <p:nvPr/>
+        </p:nvSpPr>
+        <p:spPr>
+          <a:xfrm>
+            <a:off x="9224284" y="514304"/>
+            <a:ext cx="2381562" cy="830997"/>
+          </a:xfrm>
+          <a:prstGeom prst="rect">
+            <a:avLst/>
+          </a:prstGeom>
+          <a:noFill/>
+        </p:spPr>
+        <p:txBody>
+          <a:bodyPr wrap="square" rtlCol="0">
+            <a:spAutoFit/>
+          </a:bodyPr>
+          <a:lstStyle/>
+          <a:p>
+            <a:pPr algn="ctr"/>
+            <a:r>
+              <a:rPr lang="ja-JP" altLang="en-US" sz="2400" b="1" dirty="0" smtClean="0">
+                <a:ln w="9525">
+                  <a:solidFill>
+                    <a:schemeClr val="tx2">
+                      <a:lumMod val="20000"/>
+                      <a:lumOff val="80000"/>
+                    </a:schemeClr>
+                  </a:solidFill>
+                  <a:prstDash val="solid"/>
+                </a:ln>
+                <a:effectLst>
+                  <a:outerShdw blurRad="12700" dist="38100" dir="2700000" algn="tl" rotWithShape="0">
+                    <a:schemeClr val="bg1">
+                      <a:lumMod val="50000"/>
+                    </a:schemeClr>
+                  </a:outerShdw>
+                </a:effectLst>
+              </a:rPr>
+              <a:t>同じ順位の人がいる場合</a:t>
+            </a:r>
+            <a:endParaRPr kumimoji="1" lang="ja-JP" altLang="en-US" sz="2400" b="1" dirty="0"/>
           </a:p>
         </p:txBody>
       </p:sp>
     </p:spTree>
     <p:extLst>
       <p:ext uri="{BB962C8B-B14F-4D97-AF65-F5344CB8AC3E}">
-        <p14:creationId xmlns:p14="http://schemas.microsoft.com/office/powerpoint/2010/main" val="3616873287"/>
+        <p14:creationId xmlns:p14="http://schemas.microsoft.com/office/powerpoint/2010/main" val="1352856656"/>
       </p:ext>
     </p:extLst>
   </p:cSld>
@@ -14726,6 +14826,67 @@
       </p:grpSpPr>
       <p:sp>
         <p:nvSpPr>
+          <p:cNvPr id="2" name="タイトル 1"/>
+          <p:cNvSpPr>
+            <a:spLocks noGrp="1"/>
+          </p:cNvSpPr>
+          <p:nvPr>
+            <p:ph type="title"/>
+          </p:nvPr>
+        </p:nvSpPr>
+        <p:spPr>
+          <a:xfrm>
+            <a:off x="732692" y="2545617"/>
+            <a:ext cx="10515600" cy="1325563"/>
+          </a:xfrm>
+        </p:spPr>
+        <p:txBody>
+          <a:bodyPr>
+            <a:normAutofit/>
+          </a:bodyPr>
+          <a:lstStyle/>
+          <a:p>
+            <a:pPr algn="ctr"/>
+            <a:r>
+              <a:rPr kumimoji="1" lang="ja-JP" altLang="en-US" sz="7200" dirty="0" smtClean="0"/>
+              <a:t>メニュー画面</a:t>
+            </a:r>
+            <a:endParaRPr kumimoji="1" lang="ja-JP" altLang="en-US" sz="7200" dirty="0"/>
+          </a:p>
+        </p:txBody>
+      </p:sp>
+    </p:spTree>
+    <p:extLst>
+      <p:ext uri="{BB962C8B-B14F-4D97-AF65-F5344CB8AC3E}">
+        <p14:creationId xmlns:p14="http://schemas.microsoft.com/office/powerpoint/2010/main" val="3616873287"/>
+      </p:ext>
+    </p:extLst>
+  </p:cSld>
+  <p:clrMapOvr>
+    <a:masterClrMapping/>
+  </p:clrMapOvr>
+</p:sld>
+</file>
+
+<file path=ppt/slides/slide25.xml><?xml version="1.0" encoding="utf-8"?>
+<p:sld xmlns:a="http://schemas.openxmlformats.org/drawingml/2006/main" xmlns:r="http://schemas.openxmlformats.org/officeDocument/2006/relationships" xmlns:p="http://schemas.openxmlformats.org/presentationml/2006/main">
+  <p:cSld>
+    <p:spTree>
+      <p:nvGrpSpPr>
+        <p:cNvPr id="1" name=""/>
+        <p:cNvGrpSpPr/>
+        <p:nvPr/>
+      </p:nvGrpSpPr>
+      <p:grpSpPr>
+        <a:xfrm>
+          <a:off x="0" y="0"/>
+          <a:ext cx="0" cy="0"/>
+          <a:chOff x="0" y="0"/>
+          <a:chExt cx="0" cy="0"/>
+        </a:xfrm>
+      </p:grpSpPr>
+      <p:sp>
+        <p:nvSpPr>
           <p:cNvPr id="5" name="正方形/長方形 4"/>
           <p:cNvSpPr/>
           <p:nvPr/>
@@ -15060,7 +15221,7 @@
 </p:sld>
 </file>
 
-<file path=ppt/slides/slide25.xml><?xml version="1.0" encoding="utf-8"?>
+<file path=ppt/slides/slide26.xml><?xml version="1.0" encoding="utf-8"?>
 <p:sld xmlns:a="http://schemas.openxmlformats.org/drawingml/2006/main" xmlns:r="http://schemas.openxmlformats.org/officeDocument/2006/relationships" xmlns:p="http://schemas.openxmlformats.org/presentationml/2006/main" show="0">
   <p:cSld>
     <p:spTree>
@@ -15483,11 +15644,11 @@
   <p:clrMapOvr>
     <a:masterClrMapping/>
   </p:clrMapOvr>
-  <mc:AlternateContent xmlns:mc="http://schemas.openxmlformats.org/markup-compatibility/2006">
-    <mc:Choice xmlns:p14="http://schemas.microsoft.com/office/powerpoint/2010/main" Requires="p14">
+  <mc:AlternateContent xmlns:mc="http://schemas.openxmlformats.org/markup-compatibility/2006" xmlns:p14="http://schemas.microsoft.com/office/powerpoint/2010/main">
+    <mc:Choice Requires="p14">
       <p:transition spd="slow" p14:dur="2000"/>
     </mc:Choice>
-    <mc:Fallback>
+    <mc:Fallback xmlns="">
       <p:transition spd="slow"/>
     </mc:Fallback>
   </mc:AlternateContent>

--- a/卒業制作_風船わりゲーム（仮）.pptx
+++ b/卒業制作_風船わりゲーム（仮）.pptx
@@ -222,7 +222,7 @@
           <a:p>
             <a:fld id="{1CCC9455-7354-4C37-A185-6358437DC9AF}" type="datetimeFigureOut">
               <a:rPr kumimoji="1" lang="ja-JP" altLang="en-US" smtClean="0"/>
-              <a:t>2022/10/6</a:t>
+              <a:t>2022/10/7</a:t>
             </a:fld>
             <a:endParaRPr kumimoji="1" lang="ja-JP" altLang="en-US"/>
           </a:p>
@@ -737,7 +737,7 @@
           <a:p>
             <a:fld id="{CACB02CB-C9C4-4FCF-9953-72CF80A58512}" type="datetimeFigureOut">
               <a:rPr kumimoji="1" lang="ja-JP" altLang="en-US" smtClean="0"/>
-              <a:t>2022/10/6</a:t>
+              <a:t>2022/10/7</a:t>
             </a:fld>
             <a:endParaRPr kumimoji="1" lang="ja-JP" altLang="en-US"/>
           </a:p>
@@ -939,7 +939,7 @@
           <a:p>
             <a:fld id="{CACB02CB-C9C4-4FCF-9953-72CF80A58512}" type="datetimeFigureOut">
               <a:rPr kumimoji="1" lang="ja-JP" altLang="en-US" smtClean="0"/>
-              <a:t>2022/10/6</a:t>
+              <a:t>2022/10/7</a:t>
             </a:fld>
             <a:endParaRPr kumimoji="1" lang="ja-JP" altLang="en-US"/>
           </a:p>
@@ -1151,7 +1151,7 @@
           <a:p>
             <a:fld id="{CACB02CB-C9C4-4FCF-9953-72CF80A58512}" type="datetimeFigureOut">
               <a:rPr kumimoji="1" lang="ja-JP" altLang="en-US" smtClean="0"/>
-              <a:t>2022/10/6</a:t>
+              <a:t>2022/10/7</a:t>
             </a:fld>
             <a:endParaRPr kumimoji="1" lang="ja-JP" altLang="en-US"/>
           </a:p>
@@ -1353,7 +1353,7 @@
           <a:p>
             <a:fld id="{CACB02CB-C9C4-4FCF-9953-72CF80A58512}" type="datetimeFigureOut">
               <a:rPr kumimoji="1" lang="ja-JP" altLang="en-US" smtClean="0"/>
-              <a:t>2022/10/6</a:t>
+              <a:t>2022/10/7</a:t>
             </a:fld>
             <a:endParaRPr kumimoji="1" lang="ja-JP" altLang="en-US"/>
           </a:p>
@@ -1599,7 +1599,7 @@
           <a:p>
             <a:fld id="{CACB02CB-C9C4-4FCF-9953-72CF80A58512}" type="datetimeFigureOut">
               <a:rPr kumimoji="1" lang="ja-JP" altLang="en-US" smtClean="0"/>
-              <a:t>2022/10/6</a:t>
+              <a:t>2022/10/7</a:t>
             </a:fld>
             <a:endParaRPr kumimoji="1" lang="ja-JP" altLang="en-US"/>
           </a:p>
@@ -1895,7 +1895,7 @@
           <a:p>
             <a:fld id="{CACB02CB-C9C4-4FCF-9953-72CF80A58512}" type="datetimeFigureOut">
               <a:rPr kumimoji="1" lang="ja-JP" altLang="en-US" smtClean="0"/>
-              <a:t>2022/10/6</a:t>
+              <a:t>2022/10/7</a:t>
             </a:fld>
             <a:endParaRPr kumimoji="1" lang="ja-JP" altLang="en-US"/>
           </a:p>
@@ -2326,7 +2326,7 @@
           <a:p>
             <a:fld id="{CACB02CB-C9C4-4FCF-9953-72CF80A58512}" type="datetimeFigureOut">
               <a:rPr kumimoji="1" lang="ja-JP" altLang="en-US" smtClean="0"/>
-              <a:t>2022/10/6</a:t>
+              <a:t>2022/10/7</a:t>
             </a:fld>
             <a:endParaRPr kumimoji="1" lang="ja-JP" altLang="en-US"/>
           </a:p>
@@ -2444,7 +2444,7 @@
           <a:p>
             <a:fld id="{CACB02CB-C9C4-4FCF-9953-72CF80A58512}" type="datetimeFigureOut">
               <a:rPr kumimoji="1" lang="ja-JP" altLang="en-US" smtClean="0"/>
-              <a:t>2022/10/6</a:t>
+              <a:t>2022/10/7</a:t>
             </a:fld>
             <a:endParaRPr kumimoji="1" lang="ja-JP" altLang="en-US"/>
           </a:p>
@@ -2539,7 +2539,7 @@
           <a:p>
             <a:fld id="{CACB02CB-C9C4-4FCF-9953-72CF80A58512}" type="datetimeFigureOut">
               <a:rPr kumimoji="1" lang="ja-JP" altLang="en-US" smtClean="0"/>
-              <a:t>2022/10/6</a:t>
+              <a:t>2022/10/7</a:t>
             </a:fld>
             <a:endParaRPr kumimoji="1" lang="ja-JP" altLang="en-US"/>
           </a:p>
@@ -2848,7 +2848,7 @@
           <a:p>
             <a:fld id="{CACB02CB-C9C4-4FCF-9953-72CF80A58512}" type="datetimeFigureOut">
               <a:rPr kumimoji="1" lang="ja-JP" altLang="en-US" smtClean="0"/>
-              <a:t>2022/10/6</a:t>
+              <a:t>2022/10/7</a:t>
             </a:fld>
             <a:endParaRPr kumimoji="1" lang="ja-JP" altLang="en-US"/>
           </a:p>
@@ -3101,7 +3101,7 @@
           <a:p>
             <a:fld id="{CACB02CB-C9C4-4FCF-9953-72CF80A58512}" type="datetimeFigureOut">
               <a:rPr kumimoji="1" lang="ja-JP" altLang="en-US" smtClean="0"/>
-              <a:t>2022/10/6</a:t>
+              <a:t>2022/10/7</a:t>
             </a:fld>
             <a:endParaRPr kumimoji="1" lang="ja-JP" altLang="en-US"/>
           </a:p>
@@ -3346,7 +3346,7 @@
           <a:p>
             <a:fld id="{CACB02CB-C9C4-4FCF-9953-72CF80A58512}" type="datetimeFigureOut">
               <a:rPr kumimoji="1" lang="ja-JP" altLang="en-US" smtClean="0"/>
-              <a:t>2022/10/6</a:t>
+              <a:t>2022/10/7</a:t>
             </a:fld>
             <a:endParaRPr kumimoji="1" lang="ja-JP" altLang="en-US"/>
           </a:p>
@@ -8698,6 +8698,84 @@
             <a:r>
               <a:rPr lang="ja-JP" altLang="en-US" dirty="0" smtClean="0"/>
               <a:t>円内で戦う</a:t>
+            </a:r>
+            <a:endParaRPr kumimoji="1" lang="ja-JP" altLang="en-US" dirty="0"/>
+          </a:p>
+        </p:txBody>
+      </p:sp>
+      <p:sp>
+        <p:nvSpPr>
+          <p:cNvPr id="2" name="円形吹き出し 1"/>
+          <p:cNvSpPr/>
+          <p:nvPr/>
+        </p:nvSpPr>
+        <p:spPr>
+          <a:xfrm rot="10800000">
+            <a:off x="2360026" y="2664393"/>
+            <a:ext cx="1976582" cy="1346573"/>
+          </a:xfrm>
+          <a:prstGeom prst="wedgeEllipseCallout">
+            <a:avLst/>
+          </a:prstGeom>
+          <a:noFill/>
+          <a:ln w="28575" cap="flat" cmpd="sng" algn="ctr">
+            <a:solidFill>
+              <a:srgbClr val="FF3399"/>
+            </a:solidFill>
+            <a:prstDash val="solid"/>
+            <a:round/>
+            <a:headEnd type="none" w="med" len="med"/>
+            <a:tailEnd type="none" w="med" len="med"/>
+          </a:ln>
+        </p:spPr>
+        <p:style>
+          <a:lnRef idx="0">
+            <a:scrgbClr r="0" g="0" b="0"/>
+          </a:lnRef>
+          <a:fillRef idx="0">
+            <a:scrgbClr r="0" g="0" b="0"/>
+          </a:fillRef>
+          <a:effectRef idx="0">
+            <a:scrgbClr r="0" g="0" b="0"/>
+          </a:effectRef>
+          <a:fontRef idx="minor">
+            <a:schemeClr val="accent2"/>
+          </a:fontRef>
+        </p:style>
+        <p:txBody>
+          <a:bodyPr rtlCol="0" anchor="ctr"/>
+          <a:lstStyle/>
+          <a:p>
+            <a:pPr algn="ctr"/>
+            <a:endParaRPr kumimoji="1" lang="ja-JP" altLang="en-US"/>
+          </a:p>
+        </p:txBody>
+      </p:sp>
+      <p:sp>
+        <p:nvSpPr>
+          <p:cNvPr id="3" name="テキスト ボックス 2"/>
+          <p:cNvSpPr txBox="1"/>
+          <p:nvPr/>
+        </p:nvSpPr>
+        <p:spPr>
+          <a:xfrm>
+            <a:off x="2580177" y="3014514"/>
+            <a:ext cx="1682038" cy="646331"/>
+          </a:xfrm>
+          <a:prstGeom prst="rect">
+            <a:avLst/>
+          </a:prstGeom>
+          <a:noFill/>
+        </p:spPr>
+        <p:txBody>
+          <a:bodyPr wrap="square" rtlCol="0">
+            <a:spAutoFit/>
+          </a:bodyPr>
+          <a:lstStyle/>
+          <a:p>
+            <a:r>
+              <a:rPr kumimoji="1" lang="ja-JP" altLang="en-US" dirty="0" smtClean="0"/>
+              <a:t>風船は円内に出てくる</a:t>
             </a:r>
             <a:endParaRPr kumimoji="1" lang="ja-JP" altLang="en-US" dirty="0"/>
           </a:p>

--- a/卒業制作_風船わりゲーム（仮）.pptx
+++ b/卒業制作_風船わりゲーム（仮）.pptx
@@ -5,7 +5,7 @@
     <p:sldMasterId id="2147483648" r:id="rId1"/>
   </p:sldMasterIdLst>
   <p:notesMasterIdLst>
-    <p:notesMasterId r:id="rId28"/>
+    <p:notesMasterId r:id="rId29"/>
   </p:notesMasterIdLst>
   <p:sldIdLst>
     <p:sldId id="256" r:id="rId2"/>
@@ -25,15 +25,16 @@
     <p:sldId id="274" r:id="rId16"/>
     <p:sldId id="276" r:id="rId17"/>
     <p:sldId id="281" r:id="rId18"/>
-    <p:sldId id="279" r:id="rId19"/>
-    <p:sldId id="284" r:id="rId20"/>
-    <p:sldId id="280" r:id="rId21"/>
-    <p:sldId id="270" r:id="rId22"/>
-    <p:sldId id="268" r:id="rId23"/>
-    <p:sldId id="269" r:id="rId24"/>
-    <p:sldId id="272" r:id="rId25"/>
-    <p:sldId id="273" r:id="rId26"/>
-    <p:sldId id="283" r:id="rId27"/>
+    <p:sldId id="285" r:id="rId19"/>
+    <p:sldId id="279" r:id="rId20"/>
+    <p:sldId id="284" r:id="rId21"/>
+    <p:sldId id="280" r:id="rId22"/>
+    <p:sldId id="270" r:id="rId23"/>
+    <p:sldId id="268" r:id="rId24"/>
+    <p:sldId id="269" r:id="rId25"/>
+    <p:sldId id="272" r:id="rId26"/>
+    <p:sldId id="273" r:id="rId27"/>
+    <p:sldId id="283" r:id="rId28"/>
   </p:sldIdLst>
   <p:sldSz cx="12192000" cy="6858000"/>
   <p:notesSz cx="6858000" cy="9144000"/>
@@ -597,6 +598,90 @@
     <p:extLst>
       <p:ext uri="{BB962C8B-B14F-4D97-AF65-F5344CB8AC3E}">
         <p14:creationId xmlns:p14="http://schemas.microsoft.com/office/powerpoint/2010/main" val="28145232"/>
+      </p:ext>
+    </p:extLst>
+  </p:cSld>
+  <p:clrMapOvr>
+    <a:masterClrMapping/>
+  </p:clrMapOvr>
+</p:notes>
+</file>
+
+<file path=ppt/notesSlides/notesSlide2.xml><?xml version="1.0" encoding="utf-8"?>
+<p:notes xmlns:a="http://schemas.openxmlformats.org/drawingml/2006/main" xmlns:r="http://schemas.openxmlformats.org/officeDocument/2006/relationships" xmlns:p="http://schemas.openxmlformats.org/presentationml/2006/main">
+  <p:cSld>
+    <p:spTree>
+      <p:nvGrpSpPr>
+        <p:cNvPr id="1" name=""/>
+        <p:cNvGrpSpPr/>
+        <p:nvPr/>
+      </p:nvGrpSpPr>
+      <p:grpSpPr>
+        <a:xfrm>
+          <a:off x="0" y="0"/>
+          <a:ext cx="0" cy="0"/>
+          <a:chOff x="0" y="0"/>
+          <a:chExt cx="0" cy="0"/>
+        </a:xfrm>
+      </p:grpSpPr>
+      <p:sp>
+        <p:nvSpPr>
+          <p:cNvPr id="2" name="スライド イメージ プレースホルダー 1"/>
+          <p:cNvSpPr>
+            <a:spLocks noGrp="1" noRot="1" noChangeAspect="1"/>
+          </p:cNvSpPr>
+          <p:nvPr>
+            <p:ph type="sldImg"/>
+          </p:nvPr>
+        </p:nvSpPr>
+        <p:spPr/>
+      </p:sp>
+      <p:sp>
+        <p:nvSpPr>
+          <p:cNvPr id="3" name="ノート プレースホルダー 2"/>
+          <p:cNvSpPr>
+            <a:spLocks noGrp="1"/>
+          </p:cNvSpPr>
+          <p:nvPr>
+            <p:ph type="body" idx="1"/>
+          </p:nvPr>
+        </p:nvSpPr>
+        <p:spPr/>
+        <p:txBody>
+          <a:bodyPr/>
+          <a:lstStyle/>
+          <a:p>
+            <a:endParaRPr kumimoji="1" lang="ja-JP" altLang="en-US" dirty="0"/>
+          </a:p>
+        </p:txBody>
+      </p:sp>
+      <p:sp>
+        <p:nvSpPr>
+          <p:cNvPr id="4" name="スライド番号プレースホルダー 3"/>
+          <p:cNvSpPr>
+            <a:spLocks noGrp="1"/>
+          </p:cNvSpPr>
+          <p:nvPr>
+            <p:ph type="sldNum" sz="quarter" idx="10"/>
+          </p:nvPr>
+        </p:nvSpPr>
+        <p:spPr/>
+        <p:txBody>
+          <a:bodyPr/>
+          <a:lstStyle/>
+          <a:p>
+            <a:fld id="{0CE132E9-7DC1-45B7-9235-E08A2307EA51}" type="slidenum">
+              <a:rPr kumimoji="1" lang="ja-JP" altLang="en-US" smtClean="0"/>
+              <a:t>18</a:t>
+            </a:fld>
+            <a:endParaRPr kumimoji="1" lang="ja-JP" altLang="en-US"/>
+          </a:p>
+        </p:txBody>
+      </p:sp>
+    </p:spTree>
+    <p:extLst>
+      <p:ext uri="{BB962C8B-B14F-4D97-AF65-F5344CB8AC3E}">
+        <p14:creationId xmlns:p14="http://schemas.microsoft.com/office/powerpoint/2010/main" val="3170471845"/>
       </p:ext>
     </p:extLst>
   </p:cSld>
@@ -9205,7 +9290,7 @@
             <a:avLst/>
           </a:prstGeom>
           <a:noFill/>
-          <a:ln w="9525" cap="flat" cmpd="sng" algn="ctr">
+          <a:ln w="28575" cap="flat" cmpd="sng" algn="ctr">
             <a:solidFill>
               <a:schemeClr val="accent2"/>
             </a:solidFill>
@@ -9262,7 +9347,19 @@
           <a:p>
             <a:r>
               <a:rPr kumimoji="1" lang="ja-JP" altLang="en-US" dirty="0" smtClean="0"/>
-              <a:t>当たったプレイヤーの点数を１加算をする</a:t>
+              <a:t>当たったプレイヤーの</a:t>
+            </a:r>
+            <a:r>
+              <a:rPr kumimoji="1" lang="ja-JP" altLang="en-US" dirty="0" smtClean="0">
+                <a:solidFill>
+                  <a:srgbClr val="FF0000"/>
+                </a:solidFill>
+              </a:rPr>
+              <a:t>点数</a:t>
+            </a:r>
+            <a:r>
+              <a:rPr kumimoji="1" lang="ja-JP" altLang="en-US" dirty="0" smtClean="0"/>
+              <a:t>を１加算をする</a:t>
             </a:r>
             <a:endParaRPr kumimoji="1" lang="ja-JP" altLang="en-US" dirty="0"/>
           </a:p>
@@ -9329,10 +9426,10 @@
           <a:p>
             <a:pPr algn="ctr"/>
             <a:r>
-              <a:rPr kumimoji="1" lang="ja-JP" altLang="en-US" sz="2800" dirty="0" smtClean="0"/>
+              <a:rPr kumimoji="1" lang="ja-JP" altLang="en-US" sz="2800" b="1" dirty="0" smtClean="0"/>
               <a:t>アイテム</a:t>
             </a:r>
-            <a:endParaRPr kumimoji="1" lang="ja-JP" altLang="en-US" sz="2800" dirty="0"/>
+            <a:endParaRPr kumimoji="1" lang="ja-JP" altLang="en-US" sz="2800" b="1" dirty="0"/>
           </a:p>
         </p:txBody>
       </p:sp>
@@ -9601,99 +9698,26 @@
       </p:grpSpPr>
       <p:sp>
         <p:nvSpPr>
-          <p:cNvPr id="4" name="正方形/長方形 3"/>
-          <p:cNvSpPr/>
-          <p:nvPr/>
-        </p:nvSpPr>
-        <p:spPr>
-          <a:xfrm>
-            <a:off x="970087" y="901211"/>
-            <a:ext cx="10635760" cy="5653454"/>
-          </a:xfrm>
-          <a:prstGeom prst="rect">
-            <a:avLst/>
-          </a:prstGeom>
-          <a:noFill/>
-          <a:ln w="38100"/>
-        </p:spPr>
-        <p:style>
-          <a:lnRef idx="2">
-            <a:schemeClr val="dk1"/>
-          </a:lnRef>
-          <a:fillRef idx="1">
-            <a:schemeClr val="lt1"/>
-          </a:fillRef>
-          <a:effectRef idx="0">
-            <a:schemeClr val="dk1"/>
-          </a:effectRef>
-          <a:fontRef idx="minor">
-            <a:schemeClr val="dk1"/>
-          </a:fontRef>
-        </p:style>
-        <p:txBody>
-          <a:bodyPr rtlCol="0" anchor="ctr"/>
-          <a:lstStyle/>
-          <a:p>
-            <a:pPr algn="ctr"/>
-            <a:endParaRPr kumimoji="1" lang="ja-JP" altLang="en-US"/>
-          </a:p>
-        </p:txBody>
-      </p:sp>
-      <p:sp>
-        <p:nvSpPr>
-          <p:cNvPr id="5" name="片側の 2 つの角を切り取った四角形 4"/>
-          <p:cNvSpPr/>
-          <p:nvPr/>
-        </p:nvSpPr>
-        <p:spPr>
-          <a:xfrm>
-            <a:off x="905607" y="575896"/>
-            <a:ext cx="2963008" cy="650630"/>
-          </a:xfrm>
-          <a:prstGeom prst="snip2SameRect">
-            <a:avLst/>
-          </a:prstGeom>
-        </p:spPr>
-        <p:style>
-          <a:lnRef idx="2">
-            <a:schemeClr val="accent2">
-              <a:shade val="50000"/>
-            </a:schemeClr>
-          </a:lnRef>
-          <a:fillRef idx="1">
-            <a:schemeClr val="accent2"/>
-          </a:fillRef>
-          <a:effectRef idx="0">
-            <a:schemeClr val="accent2"/>
-          </a:effectRef>
-          <a:fontRef idx="minor">
-            <a:schemeClr val="lt1"/>
-          </a:fontRef>
-        </p:style>
-        <p:txBody>
-          <a:bodyPr rtlCol="0" anchor="ctr"/>
-          <a:lstStyle/>
-          <a:p>
-            <a:pPr algn="ctr"/>
-            <a:endParaRPr kumimoji="1" lang="ja-JP" altLang="en-US"/>
-          </a:p>
-        </p:txBody>
-      </p:sp>
-      <p:sp>
-        <p:nvSpPr>
-          <p:cNvPr id="6" name="テキスト ボックス 5"/>
+          <p:cNvPr id="4" name="テキスト ボックス 3"/>
           <p:cNvSpPr txBox="1"/>
           <p:nvPr/>
         </p:nvSpPr>
         <p:spPr>
           <a:xfrm>
-            <a:off x="1005256" y="685876"/>
-            <a:ext cx="2634759" cy="523220"/>
-          </a:xfrm>
-          <a:prstGeom prst="rect">
-            <a:avLst/>
-          </a:prstGeom>
-          <a:noFill/>
+            <a:off x="224205" y="364803"/>
+            <a:ext cx="2417885" cy="523220"/>
+          </a:xfrm>
+          <a:prstGeom prst="rect">
+            <a:avLst/>
+          </a:prstGeom>
+          <a:solidFill>
+            <a:schemeClr val="bg1"/>
+          </a:solidFill>
+          <a:ln w="19050">
+            <a:solidFill>
+              <a:schemeClr val="tx1"/>
+            </a:solidFill>
+          </a:ln>
         </p:spPr>
         <p:txBody>
           <a:bodyPr wrap="square" rtlCol="0">
@@ -9703,108 +9727,36 @@
           <a:p>
             <a:pPr algn="ctr"/>
             <a:r>
-              <a:rPr kumimoji="1" lang="ja-JP" altLang="en-US" sz="2800" b="1" dirty="0" smtClean="0">
-                <a:solidFill>
-                  <a:schemeClr val="bg2"/>
-                </a:solidFill>
-              </a:rPr>
-              <a:t>１つの場合</a:t>
-            </a:r>
-            <a:endParaRPr kumimoji="1" lang="ja-JP" altLang="en-US" sz="2800" b="1" dirty="0">
-              <a:solidFill>
-                <a:schemeClr val="bg2"/>
-              </a:solidFill>
-            </a:endParaRPr>
-          </a:p>
-        </p:txBody>
-      </p:sp>
-      <p:sp>
-        <p:nvSpPr>
-          <p:cNvPr id="7" name="正方形/長方形 6"/>
+              <a:rPr kumimoji="1" lang="ja-JP" altLang="en-US" sz="2800" b="1" dirty="0" smtClean="0"/>
+              <a:t>アイテム</a:t>
+            </a:r>
+            <a:endParaRPr kumimoji="1" lang="ja-JP" altLang="en-US" sz="2800" b="1" dirty="0"/>
+          </a:p>
+        </p:txBody>
+      </p:sp>
+      <p:sp>
+        <p:nvSpPr>
+          <p:cNvPr id="2" name="正方形/長方形 1"/>
           <p:cNvSpPr/>
           <p:nvPr/>
         </p:nvSpPr>
         <p:spPr>
           <a:xfrm>
-            <a:off x="4554414" y="480564"/>
-            <a:ext cx="3622432" cy="699047"/>
-          </a:xfrm>
-          <a:prstGeom prst="rect">
-            <a:avLst/>
-          </a:prstGeom>
-        </p:spPr>
-        <p:style>
-          <a:lnRef idx="2">
-            <a:schemeClr val="dk1"/>
-          </a:lnRef>
-          <a:fillRef idx="1">
-            <a:schemeClr val="lt1"/>
-          </a:fillRef>
-          <a:effectRef idx="0">
-            <a:schemeClr val="dk1"/>
-          </a:effectRef>
-          <a:fontRef idx="minor">
-            <a:schemeClr val="dk1"/>
-          </a:fontRef>
-        </p:style>
-        <p:txBody>
-          <a:bodyPr rtlCol="0" anchor="ctr"/>
-          <a:lstStyle/>
-          <a:p>
-            <a:pPr algn="ctr"/>
-            <a:endParaRPr kumimoji="1" lang="ja-JP" altLang="en-US"/>
-          </a:p>
-        </p:txBody>
-      </p:sp>
-      <p:sp>
-        <p:nvSpPr>
-          <p:cNvPr id="9" name="テキスト ボックス 8"/>
-          <p:cNvSpPr txBox="1"/>
-          <p:nvPr/>
-        </p:nvSpPr>
-        <p:spPr>
-          <a:xfrm>
-            <a:off x="4503128" y="625618"/>
-            <a:ext cx="3569677" cy="523220"/>
-          </a:xfrm>
-          <a:prstGeom prst="rect">
-            <a:avLst/>
-          </a:prstGeom>
-          <a:noFill/>
-        </p:spPr>
-        <p:txBody>
-          <a:bodyPr wrap="square" rtlCol="0">
-            <a:spAutoFit/>
-          </a:bodyPr>
-          <a:lstStyle/>
-          <a:p>
-            <a:pPr algn="ctr"/>
-            <a:r>
-              <a:rPr lang="ja-JP" altLang="en-US" sz="2800" b="1" dirty="0" smtClean="0"/>
-              <a:t>ゲーム画面</a:t>
-            </a:r>
-            <a:endParaRPr kumimoji="1" lang="ja-JP" altLang="en-US" sz="2800" b="1" dirty="0"/>
-          </a:p>
-        </p:txBody>
-      </p:sp>
-      <p:sp>
-        <p:nvSpPr>
-          <p:cNvPr id="12" name="フローチャート: 処理 11"/>
-          <p:cNvSpPr/>
-          <p:nvPr/>
-        </p:nvSpPr>
-        <p:spPr>
-          <a:xfrm>
-            <a:off x="4503128" y="1504926"/>
-            <a:ext cx="3050931" cy="852854"/>
-          </a:xfrm>
-          <a:prstGeom prst="flowChartProcess">
-            <a:avLst/>
-          </a:prstGeom>
-          <a:noFill/>
+            <a:off x="2733966" y="1690256"/>
+            <a:ext cx="1948872" cy="1727199"/>
+          </a:xfrm>
+          <a:prstGeom prst="rect">
+            <a:avLst/>
+          </a:prstGeom>
+          <a:solidFill>
+            <a:schemeClr val="accent1">
+              <a:lumMod val="40000"/>
+              <a:lumOff val="60000"/>
+            </a:schemeClr>
+          </a:solidFill>
           <a:ln w="38100" cap="flat" cmpd="sng" algn="ctr">
             <a:solidFill>
-              <a:schemeClr val="dk1"/>
+              <a:schemeClr val="accent2"/>
             </a:solidFill>
             <a:prstDash val="solid"/>
             <a:round/>
@@ -9837,22 +9789,22 @@
       </p:sp>
       <p:sp>
         <p:nvSpPr>
-          <p:cNvPr id="13" name="フローチャート: 処理 12"/>
+          <p:cNvPr id="10" name="フローチャート: 処理 9"/>
           <p:cNvSpPr/>
           <p:nvPr/>
         </p:nvSpPr>
         <p:spPr>
           <a:xfrm>
-            <a:off x="1789234" y="5323719"/>
-            <a:ext cx="1727689" cy="866066"/>
+            <a:off x="1865718" y="1386226"/>
+            <a:ext cx="3362064" cy="3259666"/>
           </a:xfrm>
           <a:prstGeom prst="flowChartProcess">
             <a:avLst/>
           </a:prstGeom>
           <a:noFill/>
-          <a:ln w="28575" cap="flat" cmpd="sng" algn="ctr">
+          <a:ln w="57150" cap="flat" cmpd="sng" algn="ctr">
             <a:solidFill>
-              <a:schemeClr val="accent1"/>
+              <a:schemeClr val="dk1"/>
             </a:solidFill>
             <a:prstDash val="solid"/>
             <a:round/>
@@ -9871,7 +9823,7 @@
             <a:scrgbClr r="0" g="0" b="0"/>
           </a:effectRef>
           <a:fontRef idx="minor">
-            <a:schemeClr val="accent1"/>
+            <a:schemeClr val="dk1"/>
           </a:fontRef>
         </p:style>
         <p:txBody>
@@ -9879,160 +9831,20 @@
           <a:lstStyle/>
           <a:p>
             <a:pPr algn="ctr"/>
-            <a:endParaRPr kumimoji="1" lang="ja-JP" altLang="en-US" b="1" dirty="0"/>
-          </a:p>
-        </p:txBody>
-      </p:sp>
-      <p:sp>
-        <p:nvSpPr>
-          <p:cNvPr id="14" name="フローチャート: 処理 13"/>
-          <p:cNvSpPr/>
-          <p:nvPr/>
-        </p:nvSpPr>
-        <p:spPr>
-          <a:xfrm>
-            <a:off x="4336070" y="5323719"/>
-            <a:ext cx="1727689" cy="866066"/>
-          </a:xfrm>
-          <a:prstGeom prst="flowChartProcess">
-            <a:avLst/>
-          </a:prstGeom>
-          <a:noFill/>
-          <a:ln w="38100">
-            <a:solidFill>
-              <a:srgbClr val="FF0000"/>
-            </a:solidFill>
-          </a:ln>
-        </p:spPr>
-        <p:style>
-          <a:lnRef idx="2">
-            <a:schemeClr val="accent1">
-              <a:shade val="50000"/>
-            </a:schemeClr>
-          </a:lnRef>
-          <a:fillRef idx="1">
-            <a:schemeClr val="accent1"/>
-          </a:fillRef>
-          <a:effectRef idx="0">
-            <a:schemeClr val="accent1"/>
-          </a:effectRef>
-          <a:fontRef idx="minor">
-            <a:schemeClr val="lt1"/>
-          </a:fontRef>
-        </p:style>
-        <p:txBody>
-          <a:bodyPr rtlCol="0" anchor="ctr"/>
-          <a:lstStyle/>
-          <a:p>
-            <a:pPr algn="ctr"/>
-            <a:endParaRPr kumimoji="1" lang="ja-JP" altLang="en-US" b="1" dirty="0"/>
-          </a:p>
-        </p:txBody>
-      </p:sp>
-      <p:sp>
-        <p:nvSpPr>
-          <p:cNvPr id="15" name="フローチャート: 処理 14"/>
-          <p:cNvSpPr/>
-          <p:nvPr/>
-        </p:nvSpPr>
-        <p:spPr>
-          <a:xfrm>
-            <a:off x="6882906" y="5312324"/>
-            <a:ext cx="1727689" cy="866066"/>
-          </a:xfrm>
-          <a:prstGeom prst="flowChartProcess">
-            <a:avLst/>
-          </a:prstGeom>
-          <a:noFill/>
-          <a:ln w="38100" cap="flat" cmpd="sng" algn="ctr">
-            <a:solidFill>
-              <a:schemeClr val="accent6"/>
-            </a:solidFill>
-            <a:prstDash val="solid"/>
-            <a:round/>
-            <a:headEnd type="none" w="med" len="med"/>
-            <a:tailEnd type="none" w="med" len="med"/>
-          </a:ln>
-        </p:spPr>
-        <p:style>
-          <a:lnRef idx="0">
-            <a:scrgbClr r="0" g="0" b="0"/>
-          </a:lnRef>
-          <a:fillRef idx="0">
-            <a:scrgbClr r="0" g="0" b="0"/>
-          </a:fillRef>
-          <a:effectRef idx="0">
-            <a:scrgbClr r="0" g="0" b="0"/>
-          </a:effectRef>
-          <a:fontRef idx="minor">
-            <a:schemeClr val="accent6"/>
-          </a:fontRef>
-        </p:style>
-        <p:txBody>
-          <a:bodyPr rtlCol="0" anchor="ctr"/>
-          <a:lstStyle/>
-          <a:p>
-            <a:pPr algn="ctr"/>
-            <a:endParaRPr kumimoji="1" lang="ja-JP" altLang="en-US" b="1" dirty="0"/>
-          </a:p>
-        </p:txBody>
-      </p:sp>
-      <p:sp>
-        <p:nvSpPr>
-          <p:cNvPr id="16" name="フローチャート: 処理 15"/>
-          <p:cNvSpPr/>
-          <p:nvPr/>
-        </p:nvSpPr>
-        <p:spPr>
-          <a:xfrm>
-            <a:off x="9107365" y="5323719"/>
-            <a:ext cx="1727689" cy="866066"/>
-          </a:xfrm>
-          <a:prstGeom prst="flowChartProcess">
-            <a:avLst/>
-          </a:prstGeom>
-          <a:noFill/>
-          <a:ln w="38100">
-            <a:solidFill>
-              <a:schemeClr val="accent4"/>
-            </a:solidFill>
-          </a:ln>
-        </p:spPr>
-        <p:style>
-          <a:lnRef idx="2">
-            <a:schemeClr val="accent1">
-              <a:shade val="50000"/>
-            </a:schemeClr>
-          </a:lnRef>
-          <a:fillRef idx="1">
-            <a:schemeClr val="accent1"/>
-          </a:fillRef>
-          <a:effectRef idx="0">
-            <a:schemeClr val="accent1"/>
-          </a:effectRef>
-          <a:fontRef idx="minor">
-            <a:schemeClr val="lt1"/>
-          </a:fontRef>
-        </p:style>
-        <p:txBody>
-          <a:bodyPr rtlCol="0" anchor="ctr"/>
-          <a:lstStyle/>
-          <a:p>
-            <a:pPr algn="ctr"/>
-            <a:endParaRPr kumimoji="1" lang="ja-JP" altLang="en-US" b="1" dirty="0"/>
-          </a:p>
-        </p:txBody>
-      </p:sp>
-      <p:sp>
-        <p:nvSpPr>
-          <p:cNvPr id="17" name="テキスト ボックス 16"/>
+            <a:endParaRPr kumimoji="1" lang="ja-JP" altLang="en-US"/>
+          </a:p>
+        </p:txBody>
+      </p:sp>
+      <p:sp>
+        <p:nvSpPr>
+          <p:cNvPr id="3" name="テキスト ボックス 2"/>
           <p:cNvSpPr txBox="1"/>
           <p:nvPr/>
         </p:nvSpPr>
         <p:spPr>
           <a:xfrm>
-            <a:off x="5476137" y="1746687"/>
-            <a:ext cx="1406769" cy="369332"/>
+            <a:off x="3126511" y="2230689"/>
+            <a:ext cx="1163782" cy="646331"/>
           </a:xfrm>
           <a:prstGeom prst="rect">
             <a:avLst/>
@@ -10045,50 +9857,42 @@
           </a:bodyPr>
           <a:lstStyle/>
           <a:p>
-            <a:pPr algn="ctr"/>
-            <a:r>
-              <a:rPr kumimoji="1" lang="ja-JP" altLang="en-US" dirty="0" smtClean="0"/>
-              <a:t>タイマー</a:t>
-            </a:r>
-            <a:endParaRPr kumimoji="1" lang="ja-JP" altLang="en-US" dirty="0"/>
-          </a:p>
-        </p:txBody>
-      </p:sp>
-      <p:sp>
-        <p:nvSpPr>
-          <p:cNvPr id="18" name="楕円 17"/>
+            <a:r>
+              <a:rPr kumimoji="1" lang="ja-JP" altLang="en-US" b="1" dirty="0" smtClean="0"/>
+              <a:t>アイテムボックス</a:t>
+            </a:r>
+            <a:endParaRPr kumimoji="1" lang="ja-JP" altLang="en-US" b="1" dirty="0"/>
+          </a:p>
+        </p:txBody>
+      </p:sp>
+      <p:sp>
+        <p:nvSpPr>
+          <p:cNvPr id="13" name="正方形/長方形 12"/>
           <p:cNvSpPr/>
           <p:nvPr/>
         </p:nvSpPr>
         <p:spPr>
-          <a:xfrm>
-            <a:off x="4744907" y="1600258"/>
-            <a:ext cx="731230" cy="629276"/>
-          </a:xfrm>
-          <a:prstGeom prst="ellipse">
-            <a:avLst/>
-          </a:prstGeom>
-          <a:noFill/>
-          <a:ln w="57150">
-            <a:solidFill>
-              <a:schemeClr val="tx1"/>
-            </a:solidFill>
-          </a:ln>
+          <a:xfrm rot="16200000">
+            <a:off x="1865441" y="3403122"/>
+            <a:ext cx="1295395" cy="762424"/>
+          </a:xfrm>
+          <a:prstGeom prst="rect">
+            <a:avLst/>
+          </a:prstGeom>
+          <a:ln w="38100"/>
         </p:spPr>
         <p:style>
           <a:lnRef idx="2">
-            <a:schemeClr val="accent1">
-              <a:shade val="50000"/>
-            </a:schemeClr>
+            <a:schemeClr val="accent5"/>
           </a:lnRef>
           <a:fillRef idx="1">
-            <a:schemeClr val="accent1"/>
+            <a:schemeClr val="lt1"/>
           </a:fillRef>
           <a:effectRef idx="0">
-            <a:schemeClr val="accent1"/>
+            <a:schemeClr val="accent5"/>
           </a:effectRef>
           <a:fontRef idx="minor">
-            <a:schemeClr val="lt1"/>
+            <a:schemeClr val="dk1"/>
           </a:fontRef>
         </p:style>
         <p:txBody>
@@ -10102,17 +9906,89 @@
       </p:sp>
       <p:sp>
         <p:nvSpPr>
-          <p:cNvPr id="19" name="正方形/長方形 18"/>
+          <p:cNvPr id="14" name="テキスト ボックス 13"/>
+          <p:cNvSpPr txBox="1"/>
+          <p:nvPr/>
+        </p:nvSpPr>
+        <p:spPr>
+          <a:xfrm>
+            <a:off x="2220006" y="3599668"/>
+            <a:ext cx="586263" cy="369332"/>
+          </a:xfrm>
+          <a:prstGeom prst="rect">
+            <a:avLst/>
+          </a:prstGeom>
+          <a:noFill/>
+        </p:spPr>
+        <p:txBody>
+          <a:bodyPr wrap="square" rtlCol="0">
+            <a:spAutoFit/>
+          </a:bodyPr>
+          <a:lstStyle/>
+          <a:p>
+            <a:pPr algn="ctr"/>
+            <a:r>
+              <a:rPr kumimoji="1" lang="ja-JP" altLang="en-US" b="1" dirty="0" smtClean="0"/>
+              <a:t>車</a:t>
+            </a:r>
+            <a:endParaRPr kumimoji="1" lang="ja-JP" altLang="en-US" b="1" dirty="0"/>
+          </a:p>
+        </p:txBody>
+      </p:sp>
+      <p:sp>
+        <p:nvSpPr>
+          <p:cNvPr id="15" name="テキスト ボックス 14"/>
+          <p:cNvSpPr txBox="1"/>
+          <p:nvPr/>
+        </p:nvSpPr>
+        <p:spPr>
+          <a:xfrm>
+            <a:off x="6096030" y="1386225"/>
+            <a:ext cx="3886200" cy="646331"/>
+          </a:xfrm>
+          <a:prstGeom prst="rect">
+            <a:avLst/>
+          </a:prstGeom>
+          <a:noFill/>
+        </p:spPr>
+        <p:txBody>
+          <a:bodyPr wrap="square" rtlCol="0">
+            <a:spAutoFit/>
+          </a:bodyPr>
+          <a:lstStyle/>
+          <a:p>
+            <a:r>
+              <a:rPr kumimoji="1" lang="ja-JP" altLang="en-US" dirty="0" smtClean="0"/>
+              <a:t>車が</a:t>
+            </a:r>
+            <a:r>
+              <a:rPr lang="ja-JP" altLang="en-US" b="1" dirty="0" smtClean="0"/>
+              <a:t>アイテムボックス</a:t>
+            </a:r>
+            <a:r>
+              <a:rPr kumimoji="1" lang="ja-JP" altLang="en-US" dirty="0" smtClean="0"/>
+              <a:t>に当たったら割れる</a:t>
+            </a:r>
+            <a:endParaRPr kumimoji="1" lang="ja-JP" altLang="en-US" dirty="0"/>
+          </a:p>
+        </p:txBody>
+      </p:sp>
+      <p:sp>
+        <p:nvSpPr>
+          <p:cNvPr id="16" name="右矢印 15"/>
           <p:cNvSpPr/>
           <p:nvPr/>
         </p:nvSpPr>
         <p:spPr>
-          <a:xfrm rot="5400000">
-            <a:off x="4961966" y="1707304"/>
-            <a:ext cx="243259" cy="78766"/>
-          </a:xfrm>
-          <a:prstGeom prst="rect">
-            <a:avLst/>
+          <a:xfrm rot="1566627">
+            <a:off x="4839826" y="3967496"/>
+            <a:ext cx="1644161" cy="858611"/>
+          </a:xfrm>
+          <a:prstGeom prst="rightArrow">
+            <a:avLst>
+              <a:gd name="adj1" fmla="val 50000"/>
+              <a:gd name="adj2" fmla="val 78819"/>
+            </a:avLst>
           </a:prstGeom>
         </p:spPr>
         <p:style>
@@ -10142,54 +10018,14 @@
       </p:sp>
       <p:sp>
         <p:nvSpPr>
-          <p:cNvPr id="20" name="正方形/長方形 19"/>
-          <p:cNvSpPr/>
-          <p:nvPr/>
-        </p:nvSpPr>
-        <p:spPr>
-          <a:xfrm rot="10800000">
-            <a:off x="5122978" y="1868317"/>
-            <a:ext cx="320918" cy="78594"/>
-          </a:xfrm>
-          <a:prstGeom prst="rect">
-            <a:avLst/>
-          </a:prstGeom>
-        </p:spPr>
-        <p:style>
-          <a:lnRef idx="2">
-            <a:schemeClr val="dk1">
-              <a:shade val="50000"/>
-            </a:schemeClr>
-          </a:lnRef>
-          <a:fillRef idx="1">
-            <a:schemeClr val="dk1"/>
-          </a:fillRef>
-          <a:effectRef idx="0">
-            <a:schemeClr val="dk1"/>
-          </a:effectRef>
-          <a:fontRef idx="minor">
-            <a:schemeClr val="lt1"/>
-          </a:fontRef>
-        </p:style>
-        <p:txBody>
-          <a:bodyPr rtlCol="0" anchor="ctr"/>
-          <a:lstStyle/>
-          <a:p>
-            <a:pPr algn="ctr"/>
-            <a:endParaRPr kumimoji="1" lang="ja-JP" altLang="en-US"/>
-          </a:p>
-        </p:txBody>
-      </p:sp>
-      <p:sp>
-        <p:nvSpPr>
-          <p:cNvPr id="21" name="テキスト ボックス 20"/>
+          <p:cNvPr id="17" name="テキスト ボックス 16"/>
           <p:cNvSpPr txBox="1"/>
           <p:nvPr/>
         </p:nvSpPr>
         <p:spPr>
           <a:xfrm>
-            <a:off x="1836859" y="5525919"/>
-            <a:ext cx="1632438" cy="461665"/>
+            <a:off x="6798081" y="4404324"/>
+            <a:ext cx="4562645" cy="830997"/>
           </a:xfrm>
           <a:prstGeom prst="rect">
             <a:avLst/>
@@ -10203,7 +10039,7 @@
           <a:lstStyle/>
           <a:p>
             <a:r>
-              <a:rPr kumimoji="1" lang="ja-JP" altLang="en-US" sz="2400" b="1" dirty="0" smtClean="0">
+              <a:rPr kumimoji="1" lang="en-US" altLang="ja-JP" sz="2400" b="1" dirty="0" smtClean="0">
                 <a:ln w="9525">
                   <a:solidFill>
                     <a:schemeClr val="tx1"/>
@@ -10211,7 +10047,7 @@
                   <a:prstDash val="solid"/>
                 </a:ln>
                 <a:solidFill>
-                  <a:srgbClr val="00B0F0"/>
+                  <a:srgbClr val="7030A0"/>
                 </a:solidFill>
                 <a:effectLst>
                   <a:outerShdw blurRad="12700" dist="38100" dir="2700000" algn="tl" rotWithShape="0">
@@ -10221,28 +10057,7 @@
                   </a:outerShdw>
                 </a:effectLst>
               </a:rPr>
-              <a:t>１</a:t>
-            </a:r>
-            <a:r>
-              <a:rPr kumimoji="1" lang="en-US" altLang="ja-JP" sz="2400" b="1" dirty="0" smtClean="0">
-                <a:ln w="9525">
-                  <a:solidFill>
-                    <a:schemeClr val="tx1"/>
-                  </a:solidFill>
-                  <a:prstDash val="solid"/>
-                </a:ln>
-                <a:solidFill>
-                  <a:srgbClr val="00B0F0"/>
-                </a:solidFill>
-                <a:effectLst>
-                  <a:outerShdw blurRad="12700" dist="38100" dir="2700000" algn="tl" rotWithShape="0">
-                    <a:schemeClr val="bg1">
-                      <a:lumMod val="50000"/>
-                    </a:schemeClr>
-                  </a:outerShdw>
-                </a:effectLst>
-              </a:rPr>
-              <a:t>P</a:t>
+              <a:t>NP</a:t>
             </a:r>
             <a:r>
               <a:rPr kumimoji="1" lang="ja-JP" altLang="en-US" sz="2400" b="1" dirty="0" smtClean="0">
@@ -10263,10 +10078,10 @@
               <a:t>の</a:t>
             </a:r>
             <a:r>
-              <a:rPr kumimoji="1" lang="ja-JP" altLang="en-US" sz="2400" b="1" dirty="0" smtClean="0">
+              <a:rPr lang="ja-JP" altLang="en-US" sz="2400" b="1" dirty="0" smtClean="0">
                 <a:ln w="9525">
                   <a:solidFill>
-                    <a:srgbClr val="FF0000"/>
+                    <a:schemeClr val="tx1"/>
                   </a:solidFill>
                   <a:prstDash val="solid"/>
                 </a:ln>
@@ -10281,7 +10096,99 @@
                   </a:outerShdw>
                 </a:effectLst>
               </a:rPr>
-              <a:t>点数</a:t>
+              <a:t>アイテム欄</a:t>
+            </a:r>
+            <a:r>
+              <a:rPr lang="ja-JP" altLang="en-US" sz="2400" b="1" dirty="0" smtClean="0">
+                <a:ln w="9525">
+                  <a:solidFill>
+                    <a:schemeClr val="tx1"/>
+                  </a:solidFill>
+                  <a:prstDash val="solid"/>
+                </a:ln>
+                <a:effectLst>
+                  <a:outerShdw blurRad="12700" dist="38100" dir="2700000" algn="tl" rotWithShape="0">
+                    <a:schemeClr val="bg1">
+                      <a:lumMod val="50000"/>
+                    </a:schemeClr>
+                  </a:outerShdw>
+                </a:effectLst>
+              </a:rPr>
+              <a:t>に</a:t>
+            </a:r>
+            <a:endParaRPr lang="en-US" altLang="ja-JP" sz="2400" b="1" dirty="0" smtClean="0">
+              <a:ln w="9525">
+                <a:solidFill>
+                  <a:schemeClr val="tx1"/>
+                </a:solidFill>
+                <a:prstDash val="solid"/>
+              </a:ln>
+              <a:effectLst>
+                <a:outerShdw blurRad="12700" dist="38100" dir="2700000" algn="tl" rotWithShape="0">
+                  <a:schemeClr val="bg1">
+                    <a:lumMod val="50000"/>
+                  </a:schemeClr>
+                </a:outerShdw>
+              </a:effectLst>
+            </a:endParaRPr>
+          </a:p>
+          <a:p>
+            <a:r>
+              <a:rPr lang="ja-JP" altLang="en-US" sz="2400" b="1" dirty="0" smtClean="0">
+                <a:ln w="9525">
+                  <a:solidFill>
+                    <a:schemeClr val="tx1"/>
+                  </a:solidFill>
+                  <a:prstDash val="solid"/>
+                </a:ln>
+                <a:effectLst>
+                  <a:outerShdw blurRad="12700" dist="38100" dir="2700000" algn="tl" rotWithShape="0">
+                    <a:schemeClr val="bg1">
+                      <a:lumMod val="50000"/>
+                    </a:schemeClr>
+                  </a:outerShdw>
+                </a:effectLst>
+              </a:rPr>
+              <a:t>生成された</a:t>
+            </a:r>
+            <a:r>
+              <a:rPr lang="ja-JP" altLang="en-US" sz="2400" b="1" dirty="0" smtClean="0">
+                <a:ln w="9525">
+                  <a:solidFill>
+                    <a:schemeClr val="tx1"/>
+                  </a:solidFill>
+                  <a:prstDash val="solid"/>
+                </a:ln>
+                <a:solidFill>
+                  <a:schemeClr val="accent2"/>
+                </a:solidFill>
+                <a:effectLst>
+                  <a:outerShdw blurRad="12700" dist="38100" dir="2700000" algn="tl" rotWithShape="0">
+                    <a:schemeClr val="bg1">
+                      <a:lumMod val="50000"/>
+                    </a:schemeClr>
+                  </a:outerShdw>
+                </a:effectLst>
+              </a:rPr>
+              <a:t>アイテム</a:t>
+            </a:r>
+            <a:r>
+              <a:rPr lang="ja-JP" altLang="en-US" sz="2400" b="1" dirty="0" smtClean="0">
+                <a:ln w="9525">
+                  <a:solidFill>
+                    <a:schemeClr val="tx1"/>
+                  </a:solidFill>
+                  <a:prstDash val="solid"/>
+                </a:ln>
+                <a:effectLst>
+                  <a:outerShdw blurRad="12700" dist="38100" dir="2700000" algn="tl" rotWithShape="0">
+                    <a:schemeClr val="bg1">
+                      <a:lumMod val="50000"/>
+                    </a:schemeClr>
+                  </a:outerShdw>
+                </a:effectLst>
+              </a:rPr>
+              <a:t>を追加する</a:t>
             </a:r>
             <a:endParaRPr kumimoji="1" lang="ja-JP" altLang="en-US" sz="2400" b="1" dirty="0">
               <a:ln w="9525">
@@ -10306,396 +10213,22 @@
       </p:sp>
       <p:sp>
         <p:nvSpPr>
-          <p:cNvPr id="23" name="テキスト ボックス 22"/>
-          <p:cNvSpPr txBox="1"/>
-          <p:nvPr/>
-        </p:nvSpPr>
-        <p:spPr>
-          <a:xfrm>
-            <a:off x="4383695" y="5525919"/>
-            <a:ext cx="1632438" cy="461665"/>
-          </a:xfrm>
-          <a:prstGeom prst="rect">
+          <p:cNvPr id="18" name="円形吹き出し 17"/>
+          <p:cNvSpPr/>
+          <p:nvPr/>
+        </p:nvSpPr>
+        <p:spPr>
+          <a:xfrm rot="10800000">
+            <a:off x="2806267" y="5089165"/>
+            <a:ext cx="4625739" cy="1440944"/>
+          </a:xfrm>
+          <a:prstGeom prst="wedgeEllipseCallout">
             <a:avLst/>
           </a:prstGeom>
           <a:noFill/>
-        </p:spPr>
-        <p:txBody>
-          <a:bodyPr wrap="square" rtlCol="0">
-            <a:spAutoFit/>
-          </a:bodyPr>
-          <a:lstStyle/>
-          <a:p>
-            <a:r>
-              <a:rPr kumimoji="1" lang="ja-JP" altLang="en-US" sz="2400" b="1" dirty="0" smtClean="0">
-                <a:ln w="9525">
-                  <a:solidFill>
-                    <a:schemeClr val="tx1"/>
-                  </a:solidFill>
-                  <a:prstDash val="solid"/>
-                </a:ln>
-                <a:solidFill>
-                  <a:srgbClr val="FF0000"/>
-                </a:solidFill>
-                <a:effectLst>
-                  <a:outerShdw blurRad="12700" dist="38100" dir="2700000" algn="tl" rotWithShape="0">
-                    <a:schemeClr val="bg1">
-                      <a:lumMod val="50000"/>
-                    </a:schemeClr>
-                  </a:outerShdw>
-                </a:effectLst>
-              </a:rPr>
-              <a:t>２</a:t>
-            </a:r>
-            <a:r>
-              <a:rPr kumimoji="1" lang="en-US" altLang="ja-JP" sz="2400" b="1" dirty="0" smtClean="0">
-                <a:ln w="9525">
-                  <a:solidFill>
-                    <a:schemeClr val="tx1"/>
-                  </a:solidFill>
-                  <a:prstDash val="solid"/>
-                </a:ln>
-                <a:solidFill>
-                  <a:srgbClr val="FF0000"/>
-                </a:solidFill>
-                <a:effectLst>
-                  <a:outerShdw blurRad="12700" dist="38100" dir="2700000" algn="tl" rotWithShape="0">
-                    <a:schemeClr val="bg1">
-                      <a:lumMod val="50000"/>
-                    </a:schemeClr>
-                  </a:outerShdw>
-                </a:effectLst>
-              </a:rPr>
-              <a:t>P</a:t>
-            </a:r>
-            <a:r>
-              <a:rPr kumimoji="1" lang="ja-JP" altLang="en-US" sz="2400" b="1" dirty="0" smtClean="0">
-                <a:ln w="9525">
-                  <a:solidFill>
-                    <a:schemeClr val="tx1"/>
-                  </a:solidFill>
-                  <a:prstDash val="solid"/>
-                </a:ln>
-                <a:effectLst>
-                  <a:outerShdw blurRad="12700" dist="38100" dir="2700000" algn="tl" rotWithShape="0">
-                    <a:schemeClr val="bg1">
-                      <a:lumMod val="50000"/>
-                    </a:schemeClr>
-                  </a:outerShdw>
-                </a:effectLst>
-              </a:rPr>
-              <a:t>の</a:t>
-            </a:r>
-            <a:r>
-              <a:rPr kumimoji="1" lang="ja-JP" altLang="en-US" sz="2400" b="1" dirty="0" smtClean="0">
-                <a:ln w="9525">
-                  <a:solidFill>
-                    <a:srgbClr val="FF0000"/>
-                  </a:solidFill>
-                  <a:prstDash val="solid"/>
-                </a:ln>
-                <a:solidFill>
-                  <a:srgbClr val="FF0000"/>
-                </a:solidFill>
-                <a:effectLst>
-                  <a:outerShdw blurRad="12700" dist="38100" dir="2700000" algn="tl" rotWithShape="0">
-                    <a:schemeClr val="bg1">
-                      <a:lumMod val="50000"/>
-                    </a:schemeClr>
-                  </a:outerShdw>
-                </a:effectLst>
-              </a:rPr>
-              <a:t>点数</a:t>
-            </a:r>
-            <a:endParaRPr kumimoji="1" lang="ja-JP" altLang="en-US" sz="2400" b="1" dirty="0">
-              <a:ln w="9525">
-                <a:solidFill>
-                  <a:srgbClr val="FF0000"/>
-                </a:solidFill>
-                <a:prstDash val="solid"/>
-              </a:ln>
-              <a:solidFill>
-                <a:srgbClr val="FF0000"/>
-              </a:solidFill>
-              <a:effectLst>
-                <a:outerShdw blurRad="12700" dist="38100" dir="2700000" algn="tl" rotWithShape="0">
-                  <a:schemeClr val="bg1">
-                    <a:lumMod val="50000"/>
-                  </a:schemeClr>
-                </a:outerShdw>
-              </a:effectLst>
-            </a:endParaRPr>
-          </a:p>
-        </p:txBody>
-      </p:sp>
-      <p:sp>
-        <p:nvSpPr>
-          <p:cNvPr id="24" name="テキスト ボックス 23"/>
-          <p:cNvSpPr txBox="1"/>
-          <p:nvPr/>
-        </p:nvSpPr>
-        <p:spPr>
-          <a:xfrm>
-            <a:off x="6920271" y="5514524"/>
-            <a:ext cx="1632438" cy="461665"/>
-          </a:xfrm>
-          <a:prstGeom prst="rect">
-            <a:avLst/>
-          </a:prstGeom>
-          <a:noFill/>
-        </p:spPr>
-        <p:txBody>
-          <a:bodyPr wrap="square" rtlCol="0">
-            <a:spAutoFit/>
-          </a:bodyPr>
-          <a:lstStyle/>
-          <a:p>
-            <a:r>
-              <a:rPr kumimoji="1" lang="ja-JP" altLang="en-US" sz="2400" b="1" dirty="0" smtClean="0">
-                <a:ln w="9525">
-                  <a:solidFill>
-                    <a:schemeClr val="tx1"/>
-                  </a:solidFill>
-                  <a:prstDash val="solid"/>
-                </a:ln>
-                <a:solidFill>
-                  <a:srgbClr val="00B050"/>
-                </a:solidFill>
-                <a:effectLst>
-                  <a:outerShdw blurRad="12700" dist="38100" dir="2700000" algn="tl" rotWithShape="0">
-                    <a:schemeClr val="bg1">
-                      <a:lumMod val="50000"/>
-                    </a:schemeClr>
-                  </a:outerShdw>
-                </a:effectLst>
-              </a:rPr>
-              <a:t>３</a:t>
-            </a:r>
-            <a:r>
-              <a:rPr kumimoji="1" lang="en-US" altLang="ja-JP" sz="2400" b="1" dirty="0" smtClean="0">
-                <a:ln w="9525">
-                  <a:solidFill>
-                    <a:schemeClr val="tx1"/>
-                  </a:solidFill>
-                  <a:prstDash val="solid"/>
-                </a:ln>
-                <a:solidFill>
-                  <a:srgbClr val="00B050"/>
-                </a:solidFill>
-                <a:effectLst>
-                  <a:outerShdw blurRad="12700" dist="38100" dir="2700000" algn="tl" rotWithShape="0">
-                    <a:schemeClr val="bg1">
-                      <a:lumMod val="50000"/>
-                    </a:schemeClr>
-                  </a:outerShdw>
-                </a:effectLst>
-              </a:rPr>
-              <a:t>P</a:t>
-            </a:r>
-            <a:r>
-              <a:rPr kumimoji="1" lang="ja-JP" altLang="en-US" sz="2400" b="1" dirty="0" smtClean="0">
-                <a:ln w="9525">
-                  <a:solidFill>
-                    <a:schemeClr val="tx1"/>
-                  </a:solidFill>
-                  <a:prstDash val="solid"/>
-                </a:ln>
-                <a:effectLst>
-                  <a:outerShdw blurRad="12700" dist="38100" dir="2700000" algn="tl" rotWithShape="0">
-                    <a:schemeClr val="bg1">
-                      <a:lumMod val="50000"/>
-                    </a:schemeClr>
-                  </a:outerShdw>
-                </a:effectLst>
-              </a:rPr>
-              <a:t>の</a:t>
-            </a:r>
-            <a:r>
-              <a:rPr kumimoji="1" lang="ja-JP" altLang="en-US" sz="2400" b="1" dirty="0" smtClean="0">
-                <a:ln w="9525">
-                  <a:solidFill>
-                    <a:srgbClr val="FF0000"/>
-                  </a:solidFill>
-                  <a:prstDash val="solid"/>
-                </a:ln>
-                <a:solidFill>
-                  <a:srgbClr val="FF0000"/>
-                </a:solidFill>
-                <a:effectLst>
-                  <a:outerShdw blurRad="12700" dist="38100" dir="2700000" algn="tl" rotWithShape="0">
-                    <a:schemeClr val="bg1">
-                      <a:lumMod val="50000"/>
-                    </a:schemeClr>
-                  </a:outerShdw>
-                </a:effectLst>
-              </a:rPr>
-              <a:t>点数</a:t>
-            </a:r>
-            <a:endParaRPr kumimoji="1" lang="ja-JP" altLang="en-US" sz="2400" b="1" dirty="0">
-              <a:ln w="9525">
-                <a:solidFill>
-                  <a:srgbClr val="FF0000"/>
-                </a:solidFill>
-                <a:prstDash val="solid"/>
-              </a:ln>
-              <a:solidFill>
-                <a:srgbClr val="FF0000"/>
-              </a:solidFill>
-              <a:effectLst>
-                <a:outerShdw blurRad="12700" dist="38100" dir="2700000" algn="tl" rotWithShape="0">
-                  <a:schemeClr val="bg1">
-                    <a:lumMod val="50000"/>
-                  </a:schemeClr>
-                </a:outerShdw>
-              </a:effectLst>
-            </a:endParaRPr>
-          </a:p>
-        </p:txBody>
-      </p:sp>
-      <p:sp>
-        <p:nvSpPr>
-          <p:cNvPr id="26" name="テキスト ボックス 25"/>
-          <p:cNvSpPr txBox="1"/>
-          <p:nvPr/>
-        </p:nvSpPr>
-        <p:spPr>
-          <a:xfrm>
-            <a:off x="9170376" y="5525919"/>
-            <a:ext cx="1632438" cy="461665"/>
-          </a:xfrm>
-          <a:prstGeom prst="rect">
-            <a:avLst/>
-          </a:prstGeom>
-          <a:noFill/>
-        </p:spPr>
-        <p:txBody>
-          <a:bodyPr wrap="square" rtlCol="0">
-            <a:spAutoFit/>
-          </a:bodyPr>
-          <a:lstStyle/>
-          <a:p>
-            <a:r>
-              <a:rPr kumimoji="1" lang="ja-JP" altLang="en-US" sz="2400" b="1" dirty="0" smtClean="0">
-                <a:ln w="9525">
-                  <a:solidFill>
-                    <a:schemeClr val="tx1"/>
-                  </a:solidFill>
-                  <a:prstDash val="solid"/>
-                </a:ln>
-                <a:solidFill>
-                  <a:srgbClr val="FFFF00"/>
-                </a:solidFill>
-                <a:effectLst>
-                  <a:outerShdw blurRad="12700" dist="38100" dir="2700000" algn="tl" rotWithShape="0">
-                    <a:schemeClr val="bg1">
-                      <a:lumMod val="50000"/>
-                    </a:schemeClr>
-                  </a:outerShdw>
-                </a:effectLst>
-              </a:rPr>
-              <a:t>４</a:t>
-            </a:r>
-            <a:r>
-              <a:rPr kumimoji="1" lang="en-US" altLang="ja-JP" sz="2400" b="1" dirty="0" smtClean="0">
-                <a:ln w="9525">
-                  <a:solidFill>
-                    <a:schemeClr val="tx1"/>
-                  </a:solidFill>
-                  <a:prstDash val="solid"/>
-                </a:ln>
-                <a:solidFill>
-                  <a:srgbClr val="FFFF00"/>
-                </a:solidFill>
-                <a:effectLst>
-                  <a:outerShdw blurRad="12700" dist="38100" dir="2700000" algn="tl" rotWithShape="0">
-                    <a:schemeClr val="bg1">
-                      <a:lumMod val="50000"/>
-                    </a:schemeClr>
-                  </a:outerShdw>
-                </a:effectLst>
-              </a:rPr>
-              <a:t>P</a:t>
-            </a:r>
-            <a:r>
-              <a:rPr kumimoji="1" lang="ja-JP" altLang="en-US" sz="2400" b="1" dirty="0" smtClean="0">
-                <a:ln w="9525">
-                  <a:solidFill>
-                    <a:schemeClr val="tx1"/>
-                  </a:solidFill>
-                  <a:prstDash val="solid"/>
-                </a:ln>
-                <a:effectLst>
-                  <a:outerShdw blurRad="12700" dist="38100" dir="2700000" algn="tl" rotWithShape="0">
-                    <a:schemeClr val="bg1">
-                      <a:lumMod val="50000"/>
-                    </a:schemeClr>
-                  </a:outerShdw>
-                </a:effectLst>
-              </a:rPr>
-              <a:t>の</a:t>
-            </a:r>
-            <a:r>
-              <a:rPr kumimoji="1" lang="ja-JP" altLang="en-US" sz="2400" b="1" dirty="0" smtClean="0">
-                <a:ln w="9525">
-                  <a:solidFill>
-                    <a:srgbClr val="FF0000"/>
-                  </a:solidFill>
-                  <a:prstDash val="solid"/>
-                </a:ln>
-                <a:solidFill>
-                  <a:srgbClr val="FF0000"/>
-                </a:solidFill>
-                <a:effectLst>
-                  <a:outerShdw blurRad="12700" dist="38100" dir="2700000" algn="tl" rotWithShape="0">
-                    <a:schemeClr val="bg1">
-                      <a:lumMod val="50000"/>
-                    </a:schemeClr>
-                  </a:outerShdw>
-                </a:effectLst>
-              </a:rPr>
-              <a:t>点数</a:t>
-            </a:r>
-            <a:endParaRPr kumimoji="1" lang="ja-JP" altLang="en-US" sz="2400" b="1" dirty="0">
-              <a:ln w="9525">
-                <a:solidFill>
-                  <a:srgbClr val="FF0000"/>
-                </a:solidFill>
-                <a:prstDash val="solid"/>
-              </a:ln>
-              <a:solidFill>
-                <a:srgbClr val="FF0000"/>
-              </a:solidFill>
-              <a:effectLst>
-                <a:outerShdw blurRad="12700" dist="38100" dir="2700000" algn="tl" rotWithShape="0">
-                  <a:schemeClr val="bg1">
-                    <a:lumMod val="50000"/>
-                  </a:schemeClr>
-                </a:outerShdw>
-              </a:effectLst>
-            </a:endParaRPr>
-          </a:p>
-        </p:txBody>
-      </p:sp>
-      <p:sp>
-        <p:nvSpPr>
-          <p:cNvPr id="27" name="円形吹き出し 26"/>
-          <p:cNvSpPr/>
-          <p:nvPr/>
-        </p:nvSpPr>
-        <p:spPr>
-          <a:xfrm rot="1596153">
-            <a:off x="9257494" y="401886"/>
-            <a:ext cx="2898528" cy="1493900"/>
-          </a:xfrm>
-          <a:prstGeom prst="wedgeEllipseCallout">
-            <a:avLst/>
-          </a:prstGeom>
-          <a:solidFill>
-            <a:schemeClr val="bg1"/>
-          </a:solidFill>
-          <a:ln w="38100" cap="flat" cmpd="sng" algn="ctr">
+          <a:ln w="28575" cap="flat" cmpd="sng" algn="ctr">
             <a:solidFill>
-              <a:srgbClr val="FF0000"/>
+              <a:schemeClr val="accent2"/>
             </a:solidFill>
             <a:prstDash val="solid"/>
             <a:round/>
@@ -10714,7 +10247,7 @@
             <a:scrgbClr r="0" g="0" b="0"/>
           </a:effectRef>
           <a:fontRef idx="minor">
-            <a:schemeClr val="dk1"/>
+            <a:schemeClr val="accent2"/>
           </a:fontRef>
         </p:style>
         <p:txBody>
@@ -10728,21 +10261,19 @@
       </p:sp>
       <p:sp>
         <p:nvSpPr>
-          <p:cNvPr id="28" name="テキスト ボックス 27"/>
+          <p:cNvPr id="19" name="テキスト ボックス 18"/>
           <p:cNvSpPr txBox="1"/>
           <p:nvPr/>
         </p:nvSpPr>
         <p:spPr>
           <a:xfrm>
-            <a:off x="10082928" y="979550"/>
-            <a:ext cx="1512277" cy="461665"/>
-          </a:xfrm>
-          <a:prstGeom prst="rect">
-            <a:avLst/>
-          </a:prstGeom>
-          <a:solidFill>
-            <a:schemeClr val="bg1"/>
-          </a:solidFill>
+            <a:off x="3322201" y="5412427"/>
+            <a:ext cx="3811161" cy="923330"/>
+          </a:xfrm>
+          <a:prstGeom prst="rect">
+            <a:avLst/>
+          </a:prstGeom>
+          <a:noFill/>
         </p:spPr>
         <p:txBody>
           <a:bodyPr wrap="square" rtlCol="0">
@@ -10751,99 +10282,65 @@
           <a:lstStyle/>
           <a:p>
             <a:r>
-              <a:rPr kumimoji="1" lang="en-US" altLang="ja-JP" sz="2400" b="1" dirty="0" smtClean="0"/>
-              <a:t>UI</a:t>
-            </a:r>
-            <a:r>
-              <a:rPr kumimoji="1" lang="ja-JP" altLang="en-US" sz="2400" b="1" dirty="0" smtClean="0"/>
-              <a:t>の構成</a:t>
-            </a:r>
-            <a:endParaRPr kumimoji="1" lang="ja-JP" altLang="en-US" sz="2400" b="1" dirty="0"/>
-          </a:p>
-        </p:txBody>
-      </p:sp>
-      <p:sp>
-        <p:nvSpPr>
-          <p:cNvPr id="30" name="楕円 29"/>
-          <p:cNvSpPr/>
-          <p:nvPr/>
-        </p:nvSpPr>
-        <p:spPr>
-          <a:xfrm>
-            <a:off x="4626867" y="3185247"/>
-            <a:ext cx="2778531" cy="1051264"/>
-          </a:xfrm>
-          <a:prstGeom prst="ellipse">
-            <a:avLst/>
-          </a:prstGeom>
-          <a:noFill/>
-          <a:ln w="57150" cap="flat" cmpd="sng" algn="ctr">
-            <a:solidFill>
-              <a:srgbClr val="7030A0"/>
-            </a:solidFill>
-            <a:prstDash val="solid"/>
-            <a:round/>
-            <a:headEnd type="none" w="med" len="med"/>
-            <a:tailEnd type="none" w="med" len="med"/>
-          </a:ln>
-        </p:spPr>
-        <p:style>
-          <a:lnRef idx="0">
-            <a:scrgbClr r="0" g="0" b="0"/>
-          </a:lnRef>
-          <a:fillRef idx="0">
-            <a:scrgbClr r="0" g="0" b="0"/>
-          </a:fillRef>
-          <a:effectRef idx="0">
-            <a:scrgbClr r="0" g="0" b="0"/>
-          </a:effectRef>
-          <a:fontRef idx="minor">
-            <a:schemeClr val="accent5"/>
-          </a:fontRef>
-        </p:style>
-        <p:txBody>
-          <a:bodyPr rtlCol="0" anchor="ctr"/>
-          <a:lstStyle/>
-          <a:p>
-            <a:pPr algn="ctr"/>
-            <a:endParaRPr kumimoji="1" lang="ja-JP" altLang="en-US"/>
-          </a:p>
-        </p:txBody>
-      </p:sp>
-      <p:sp>
-        <p:nvSpPr>
-          <p:cNvPr id="31" name="テキスト ボックス 30"/>
-          <p:cNvSpPr txBox="1"/>
-          <p:nvPr/>
-        </p:nvSpPr>
-        <p:spPr>
-          <a:xfrm>
-            <a:off x="4639403" y="3503666"/>
-            <a:ext cx="2753458" cy="369332"/>
-          </a:xfrm>
-          <a:prstGeom prst="rect">
-            <a:avLst/>
-          </a:prstGeom>
-          <a:noFill/>
-        </p:spPr>
-        <p:txBody>
-          <a:bodyPr wrap="square" rtlCol="0">
-            <a:spAutoFit/>
-          </a:bodyPr>
-          <a:lstStyle/>
-          <a:p>
-            <a:r>
-              <a:rPr kumimoji="1" lang="ja-JP" altLang="en-US" b="1" u="sng" dirty="0" smtClean="0"/>
-              <a:t>タイマーが０になったら</a:t>
-            </a:r>
-            <a:endParaRPr kumimoji="1" lang="ja-JP" altLang="en-US" b="1" u="sng" dirty="0"/>
+              <a:rPr kumimoji="1" lang="ja-JP" altLang="en-US" dirty="0" smtClean="0"/>
+              <a:t>当たったプレイヤーの</a:t>
+            </a:r>
+            <a:r>
+              <a:rPr kumimoji="1" lang="ja-JP" altLang="en-US" dirty="0" smtClean="0">
+                <a:solidFill>
+                  <a:srgbClr val="FF0000"/>
+                </a:solidFill>
+              </a:rPr>
+              <a:t>アイテム</a:t>
+            </a:r>
+            <a:r>
+              <a:rPr lang="ja-JP" altLang="en-US" dirty="0">
+                <a:solidFill>
+                  <a:srgbClr val="FF0000"/>
+                </a:solidFill>
+              </a:rPr>
+              <a:t>欄</a:t>
+            </a:r>
+            <a:r>
+              <a:rPr lang="ja-JP" altLang="en-US" dirty="0" smtClean="0"/>
+              <a:t>に</a:t>
+            </a:r>
+            <a:r>
+              <a:rPr lang="ja-JP" altLang="en-US" dirty="0" smtClean="0">
+                <a:solidFill>
+                  <a:srgbClr val="00B050"/>
+                </a:solidFill>
+              </a:rPr>
+              <a:t>ランダム</a:t>
+            </a:r>
+            <a:r>
+              <a:rPr lang="ja-JP" altLang="en-US" dirty="0" smtClean="0"/>
+              <a:t>で生成した</a:t>
+            </a:r>
+            <a:r>
+              <a:rPr lang="ja-JP" altLang="en-US" dirty="0" smtClean="0">
+                <a:solidFill>
+                  <a:srgbClr val="FFC000"/>
+                </a:solidFill>
+              </a:rPr>
+              <a:t>アイテム</a:t>
+            </a:r>
+            <a:r>
+              <a:rPr lang="ja-JP" altLang="en-US" dirty="0" smtClean="0"/>
+              <a:t>を追加</a:t>
+            </a:r>
+            <a:r>
+              <a:rPr kumimoji="1" lang="ja-JP" altLang="en-US" dirty="0" smtClean="0"/>
+              <a:t>する</a:t>
+            </a:r>
+            <a:endParaRPr kumimoji="1" lang="ja-JP" altLang="en-US" dirty="0"/>
           </a:p>
         </p:txBody>
       </p:sp>
     </p:spTree>
     <p:extLst>
       <p:ext uri="{BB962C8B-B14F-4D97-AF65-F5344CB8AC3E}">
-        <p14:creationId xmlns:p14="http://schemas.microsoft.com/office/powerpoint/2010/main" val="656129118"/>
+        <p14:creationId xmlns:p14="http://schemas.microsoft.com/office/powerpoint/2010/main" val="1088521708"/>
       </p:ext>
     </p:extLst>
   </p:cSld>
@@ -10872,14 +10369,14 @@
       </p:grpSpPr>
       <p:sp>
         <p:nvSpPr>
-          <p:cNvPr id="7" name="正方形/長方形 6"/>
+          <p:cNvPr id="4" name="正方形/長方形 3"/>
           <p:cNvSpPr/>
           <p:nvPr/>
         </p:nvSpPr>
         <p:spPr>
           <a:xfrm>
-            <a:off x="817185" y="942109"/>
-            <a:ext cx="10155615" cy="5409363"/>
+            <a:off x="970087" y="901211"/>
+            <a:ext cx="10635760" cy="5653454"/>
           </a:xfrm>
           <a:prstGeom prst="rect">
             <a:avLst/>
@@ -10912,55 +10409,555 @@
       </p:sp>
       <p:sp>
         <p:nvSpPr>
-          <p:cNvPr id="2" name="正方形/長方形 1"/>
+          <p:cNvPr id="5" name="片側の 2 つの角を切り取った四角形 4"/>
           <p:cNvSpPr/>
           <p:nvPr/>
         </p:nvSpPr>
         <p:spPr>
           <a:xfrm>
-            <a:off x="651778" y="568448"/>
-            <a:ext cx="5570756" cy="523220"/>
-          </a:xfrm>
-          <a:prstGeom prst="rect">
-            <a:avLst/>
-          </a:prstGeom>
-          <a:solidFill>
-            <a:schemeClr val="bg1"/>
-          </a:solidFill>
-          <a:ln w="19050">
+            <a:off x="905607" y="575896"/>
+            <a:ext cx="2963008" cy="650630"/>
+          </a:xfrm>
+          <a:prstGeom prst="snip2SameRect">
+            <a:avLst/>
+          </a:prstGeom>
+        </p:spPr>
+        <p:style>
+          <a:lnRef idx="2">
+            <a:schemeClr val="accent2">
+              <a:shade val="50000"/>
+            </a:schemeClr>
+          </a:lnRef>
+          <a:fillRef idx="1">
+            <a:schemeClr val="accent2"/>
+          </a:fillRef>
+          <a:effectRef idx="0">
+            <a:schemeClr val="accent2"/>
+          </a:effectRef>
+          <a:fontRef idx="minor">
+            <a:schemeClr val="lt1"/>
+          </a:fontRef>
+        </p:style>
+        <p:txBody>
+          <a:bodyPr rtlCol="0" anchor="ctr"/>
+          <a:lstStyle/>
+          <a:p>
+            <a:pPr algn="ctr"/>
+            <a:endParaRPr kumimoji="1" lang="ja-JP" altLang="en-US"/>
+          </a:p>
+        </p:txBody>
+      </p:sp>
+      <p:sp>
+        <p:nvSpPr>
+          <p:cNvPr id="6" name="テキスト ボックス 5"/>
+          <p:cNvSpPr txBox="1"/>
+          <p:nvPr/>
+        </p:nvSpPr>
+        <p:spPr>
+          <a:xfrm>
+            <a:off x="1005256" y="685876"/>
+            <a:ext cx="2634759" cy="523220"/>
+          </a:xfrm>
+          <a:prstGeom prst="rect">
+            <a:avLst/>
+          </a:prstGeom>
+          <a:noFill/>
+        </p:spPr>
+        <p:txBody>
+          <a:bodyPr wrap="square" rtlCol="0">
+            <a:spAutoFit/>
+          </a:bodyPr>
+          <a:lstStyle/>
+          <a:p>
+            <a:pPr algn="ctr"/>
+            <a:r>
+              <a:rPr kumimoji="1" lang="ja-JP" altLang="en-US" sz="2800" b="1" dirty="0" smtClean="0">
+                <a:solidFill>
+                  <a:schemeClr val="bg2"/>
+                </a:solidFill>
+              </a:rPr>
+              <a:t>１つの場合</a:t>
+            </a:r>
+            <a:endParaRPr kumimoji="1" lang="ja-JP" altLang="en-US" sz="2800" b="1" dirty="0">
+              <a:solidFill>
+                <a:schemeClr val="bg2"/>
+              </a:solidFill>
+            </a:endParaRPr>
+          </a:p>
+        </p:txBody>
+      </p:sp>
+      <p:sp>
+        <p:nvSpPr>
+          <p:cNvPr id="7" name="正方形/長方形 6"/>
+          <p:cNvSpPr/>
+          <p:nvPr/>
+        </p:nvSpPr>
+        <p:spPr>
+          <a:xfrm>
+            <a:off x="4554414" y="480564"/>
+            <a:ext cx="3622432" cy="699047"/>
+          </a:xfrm>
+          <a:prstGeom prst="rect">
+            <a:avLst/>
+          </a:prstGeom>
+        </p:spPr>
+        <p:style>
+          <a:lnRef idx="2">
+            <a:schemeClr val="dk1"/>
+          </a:lnRef>
+          <a:fillRef idx="1">
+            <a:schemeClr val="lt1"/>
+          </a:fillRef>
+          <a:effectRef idx="0">
+            <a:schemeClr val="dk1"/>
+          </a:effectRef>
+          <a:fontRef idx="minor">
+            <a:schemeClr val="dk1"/>
+          </a:fontRef>
+        </p:style>
+        <p:txBody>
+          <a:bodyPr rtlCol="0" anchor="ctr"/>
+          <a:lstStyle/>
+          <a:p>
+            <a:pPr algn="ctr"/>
+            <a:endParaRPr kumimoji="1" lang="ja-JP" altLang="en-US"/>
+          </a:p>
+        </p:txBody>
+      </p:sp>
+      <p:sp>
+        <p:nvSpPr>
+          <p:cNvPr id="9" name="テキスト ボックス 8"/>
+          <p:cNvSpPr txBox="1"/>
+          <p:nvPr/>
+        </p:nvSpPr>
+        <p:spPr>
+          <a:xfrm>
+            <a:off x="4503128" y="625618"/>
+            <a:ext cx="3569677" cy="523220"/>
+          </a:xfrm>
+          <a:prstGeom prst="rect">
+            <a:avLst/>
+          </a:prstGeom>
+          <a:noFill/>
+        </p:spPr>
+        <p:txBody>
+          <a:bodyPr wrap="square" rtlCol="0">
+            <a:spAutoFit/>
+          </a:bodyPr>
+          <a:lstStyle/>
+          <a:p>
+            <a:pPr algn="ctr"/>
+            <a:r>
+              <a:rPr lang="ja-JP" altLang="en-US" sz="2800" b="1" dirty="0" smtClean="0"/>
+              <a:t>ゲーム画面</a:t>
+            </a:r>
+            <a:endParaRPr kumimoji="1" lang="ja-JP" altLang="en-US" sz="2800" b="1" dirty="0"/>
+          </a:p>
+        </p:txBody>
+      </p:sp>
+      <p:sp>
+        <p:nvSpPr>
+          <p:cNvPr id="12" name="フローチャート: 処理 11"/>
+          <p:cNvSpPr/>
+          <p:nvPr/>
+        </p:nvSpPr>
+        <p:spPr>
+          <a:xfrm>
+            <a:off x="4503128" y="1504926"/>
+            <a:ext cx="3050931" cy="852854"/>
+          </a:xfrm>
+          <a:prstGeom prst="flowChartProcess">
+            <a:avLst/>
+          </a:prstGeom>
+          <a:noFill/>
+          <a:ln w="38100" cap="flat" cmpd="sng" algn="ctr">
+            <a:solidFill>
+              <a:schemeClr val="dk1"/>
+            </a:solidFill>
+            <a:prstDash val="solid"/>
+            <a:round/>
+            <a:headEnd type="none" w="med" len="med"/>
+            <a:tailEnd type="none" w="med" len="med"/>
+          </a:ln>
+        </p:spPr>
+        <p:style>
+          <a:lnRef idx="0">
+            <a:scrgbClr r="0" g="0" b="0"/>
+          </a:lnRef>
+          <a:fillRef idx="0">
+            <a:scrgbClr r="0" g="0" b="0"/>
+          </a:fillRef>
+          <a:effectRef idx="0">
+            <a:scrgbClr r="0" g="0" b="0"/>
+          </a:effectRef>
+          <a:fontRef idx="minor">
+            <a:schemeClr val="dk1"/>
+          </a:fontRef>
+        </p:style>
+        <p:txBody>
+          <a:bodyPr rtlCol="0" anchor="ctr"/>
+          <a:lstStyle/>
+          <a:p>
+            <a:pPr algn="ctr"/>
+            <a:endParaRPr kumimoji="1" lang="ja-JP" altLang="en-US"/>
+          </a:p>
+        </p:txBody>
+      </p:sp>
+      <p:sp>
+        <p:nvSpPr>
+          <p:cNvPr id="13" name="フローチャート: 処理 12"/>
+          <p:cNvSpPr/>
+          <p:nvPr/>
+        </p:nvSpPr>
+        <p:spPr>
+          <a:xfrm>
+            <a:off x="1789234" y="5323719"/>
+            <a:ext cx="1727689" cy="866066"/>
+          </a:xfrm>
+          <a:prstGeom prst="flowChartProcess">
+            <a:avLst/>
+          </a:prstGeom>
+          <a:noFill/>
+          <a:ln w="28575" cap="flat" cmpd="sng" algn="ctr">
+            <a:solidFill>
+              <a:schemeClr val="accent1"/>
+            </a:solidFill>
+            <a:prstDash val="solid"/>
+            <a:round/>
+            <a:headEnd type="none" w="med" len="med"/>
+            <a:tailEnd type="none" w="med" len="med"/>
+          </a:ln>
+        </p:spPr>
+        <p:style>
+          <a:lnRef idx="0">
+            <a:scrgbClr r="0" g="0" b="0"/>
+          </a:lnRef>
+          <a:fillRef idx="0">
+            <a:scrgbClr r="0" g="0" b="0"/>
+          </a:fillRef>
+          <a:effectRef idx="0">
+            <a:scrgbClr r="0" g="0" b="0"/>
+          </a:effectRef>
+          <a:fontRef idx="minor">
+            <a:schemeClr val="accent1"/>
+          </a:fontRef>
+        </p:style>
+        <p:txBody>
+          <a:bodyPr rtlCol="0" anchor="ctr"/>
+          <a:lstStyle/>
+          <a:p>
+            <a:pPr algn="ctr"/>
+            <a:endParaRPr kumimoji="1" lang="ja-JP" altLang="en-US" b="1" dirty="0"/>
+          </a:p>
+        </p:txBody>
+      </p:sp>
+      <p:sp>
+        <p:nvSpPr>
+          <p:cNvPr id="14" name="フローチャート: 処理 13"/>
+          <p:cNvSpPr/>
+          <p:nvPr/>
+        </p:nvSpPr>
+        <p:spPr>
+          <a:xfrm>
+            <a:off x="4336070" y="5323719"/>
+            <a:ext cx="1727689" cy="866066"/>
+          </a:xfrm>
+          <a:prstGeom prst="flowChartProcess">
+            <a:avLst/>
+          </a:prstGeom>
+          <a:noFill/>
+          <a:ln w="38100">
+            <a:solidFill>
+              <a:srgbClr val="FF0000"/>
+            </a:solidFill>
+          </a:ln>
+        </p:spPr>
+        <p:style>
+          <a:lnRef idx="2">
+            <a:schemeClr val="accent1">
+              <a:shade val="50000"/>
+            </a:schemeClr>
+          </a:lnRef>
+          <a:fillRef idx="1">
+            <a:schemeClr val="accent1"/>
+          </a:fillRef>
+          <a:effectRef idx="0">
+            <a:schemeClr val="accent1"/>
+          </a:effectRef>
+          <a:fontRef idx="minor">
+            <a:schemeClr val="lt1"/>
+          </a:fontRef>
+        </p:style>
+        <p:txBody>
+          <a:bodyPr rtlCol="0" anchor="ctr"/>
+          <a:lstStyle/>
+          <a:p>
+            <a:pPr algn="ctr"/>
+            <a:endParaRPr kumimoji="1" lang="ja-JP" altLang="en-US" b="1" dirty="0"/>
+          </a:p>
+        </p:txBody>
+      </p:sp>
+      <p:sp>
+        <p:nvSpPr>
+          <p:cNvPr id="15" name="フローチャート: 処理 14"/>
+          <p:cNvSpPr/>
+          <p:nvPr/>
+        </p:nvSpPr>
+        <p:spPr>
+          <a:xfrm>
+            <a:off x="6882906" y="5312324"/>
+            <a:ext cx="1727689" cy="866066"/>
+          </a:xfrm>
+          <a:prstGeom prst="flowChartProcess">
+            <a:avLst/>
+          </a:prstGeom>
+          <a:noFill/>
+          <a:ln w="38100" cap="flat" cmpd="sng" algn="ctr">
+            <a:solidFill>
+              <a:schemeClr val="accent6"/>
+            </a:solidFill>
+            <a:prstDash val="solid"/>
+            <a:round/>
+            <a:headEnd type="none" w="med" len="med"/>
+            <a:tailEnd type="none" w="med" len="med"/>
+          </a:ln>
+        </p:spPr>
+        <p:style>
+          <a:lnRef idx="0">
+            <a:scrgbClr r="0" g="0" b="0"/>
+          </a:lnRef>
+          <a:fillRef idx="0">
+            <a:scrgbClr r="0" g="0" b="0"/>
+          </a:fillRef>
+          <a:effectRef idx="0">
+            <a:scrgbClr r="0" g="0" b="0"/>
+          </a:effectRef>
+          <a:fontRef idx="minor">
+            <a:schemeClr val="accent6"/>
+          </a:fontRef>
+        </p:style>
+        <p:txBody>
+          <a:bodyPr rtlCol="0" anchor="ctr"/>
+          <a:lstStyle/>
+          <a:p>
+            <a:pPr algn="ctr"/>
+            <a:endParaRPr kumimoji="1" lang="ja-JP" altLang="en-US" b="1" dirty="0"/>
+          </a:p>
+        </p:txBody>
+      </p:sp>
+      <p:sp>
+        <p:nvSpPr>
+          <p:cNvPr id="16" name="フローチャート: 処理 15"/>
+          <p:cNvSpPr/>
+          <p:nvPr/>
+        </p:nvSpPr>
+        <p:spPr>
+          <a:xfrm>
+            <a:off x="9107365" y="5323719"/>
+            <a:ext cx="1727689" cy="866066"/>
+          </a:xfrm>
+          <a:prstGeom prst="flowChartProcess">
+            <a:avLst/>
+          </a:prstGeom>
+          <a:noFill/>
+          <a:ln w="38100">
+            <a:solidFill>
+              <a:schemeClr val="accent4"/>
+            </a:solidFill>
+          </a:ln>
+        </p:spPr>
+        <p:style>
+          <a:lnRef idx="2">
+            <a:schemeClr val="accent1">
+              <a:shade val="50000"/>
+            </a:schemeClr>
+          </a:lnRef>
+          <a:fillRef idx="1">
+            <a:schemeClr val="accent1"/>
+          </a:fillRef>
+          <a:effectRef idx="0">
+            <a:schemeClr val="accent1"/>
+          </a:effectRef>
+          <a:fontRef idx="minor">
+            <a:schemeClr val="lt1"/>
+          </a:fontRef>
+        </p:style>
+        <p:txBody>
+          <a:bodyPr rtlCol="0" anchor="ctr"/>
+          <a:lstStyle/>
+          <a:p>
+            <a:pPr algn="ctr"/>
+            <a:endParaRPr kumimoji="1" lang="ja-JP" altLang="en-US" b="1" dirty="0"/>
+          </a:p>
+        </p:txBody>
+      </p:sp>
+      <p:sp>
+        <p:nvSpPr>
+          <p:cNvPr id="17" name="テキスト ボックス 16"/>
+          <p:cNvSpPr txBox="1"/>
+          <p:nvPr/>
+        </p:nvSpPr>
+        <p:spPr>
+          <a:xfrm>
+            <a:off x="5476137" y="1746687"/>
+            <a:ext cx="1406769" cy="369332"/>
+          </a:xfrm>
+          <a:prstGeom prst="rect">
+            <a:avLst/>
+          </a:prstGeom>
+          <a:noFill/>
+        </p:spPr>
+        <p:txBody>
+          <a:bodyPr wrap="square" rtlCol="0">
+            <a:spAutoFit/>
+          </a:bodyPr>
+          <a:lstStyle/>
+          <a:p>
+            <a:pPr algn="ctr"/>
+            <a:r>
+              <a:rPr kumimoji="1" lang="ja-JP" altLang="en-US" dirty="0" smtClean="0"/>
+              <a:t>タイマー</a:t>
+            </a:r>
+            <a:endParaRPr kumimoji="1" lang="ja-JP" altLang="en-US" dirty="0"/>
+          </a:p>
+        </p:txBody>
+      </p:sp>
+      <p:sp>
+        <p:nvSpPr>
+          <p:cNvPr id="18" name="楕円 17"/>
+          <p:cNvSpPr/>
+          <p:nvPr/>
+        </p:nvSpPr>
+        <p:spPr>
+          <a:xfrm>
+            <a:off x="4744907" y="1600258"/>
+            <a:ext cx="731230" cy="629276"/>
+          </a:xfrm>
+          <a:prstGeom prst="ellipse">
+            <a:avLst/>
+          </a:prstGeom>
+          <a:noFill/>
+          <a:ln w="57150">
             <a:solidFill>
               <a:schemeClr val="tx1"/>
             </a:solidFill>
           </a:ln>
         </p:spPr>
-        <p:txBody>
-          <a:bodyPr wrap="none">
-            <a:spAutoFit/>
-          </a:bodyPr>
-          <a:lstStyle/>
-          <a:p>
-            <a:r>
-              <a:rPr lang="ja-JP" altLang="en-US" sz="2800" b="1" dirty="0"/>
-              <a:t>タイマー</a:t>
-            </a:r>
-            <a:r>
-              <a:rPr lang="ja-JP" altLang="en-US" sz="2800" b="1" dirty="0" smtClean="0"/>
-              <a:t>が１０以下になった場合</a:t>
-            </a:r>
-            <a:endParaRPr lang="ja-JP" altLang="en-US" sz="2800" b="1" dirty="0"/>
-          </a:p>
-        </p:txBody>
-      </p:sp>
-      <p:sp>
-        <p:nvSpPr>
-          <p:cNvPr id="3" name="テキスト ボックス 2"/>
+        <p:style>
+          <a:lnRef idx="2">
+            <a:schemeClr val="accent1">
+              <a:shade val="50000"/>
+            </a:schemeClr>
+          </a:lnRef>
+          <a:fillRef idx="1">
+            <a:schemeClr val="accent1"/>
+          </a:fillRef>
+          <a:effectRef idx="0">
+            <a:schemeClr val="accent1"/>
+          </a:effectRef>
+          <a:fontRef idx="minor">
+            <a:schemeClr val="lt1"/>
+          </a:fontRef>
+        </p:style>
+        <p:txBody>
+          <a:bodyPr rtlCol="0" anchor="ctr"/>
+          <a:lstStyle/>
+          <a:p>
+            <a:pPr algn="ctr"/>
+            <a:endParaRPr kumimoji="1" lang="ja-JP" altLang="en-US"/>
+          </a:p>
+        </p:txBody>
+      </p:sp>
+      <p:sp>
+        <p:nvSpPr>
+          <p:cNvPr id="19" name="正方形/長方形 18"/>
+          <p:cNvSpPr/>
+          <p:nvPr/>
+        </p:nvSpPr>
+        <p:spPr>
+          <a:xfrm rot="5400000">
+            <a:off x="4961966" y="1707304"/>
+            <a:ext cx="243259" cy="78766"/>
+          </a:xfrm>
+          <a:prstGeom prst="rect">
+            <a:avLst/>
+          </a:prstGeom>
+        </p:spPr>
+        <p:style>
+          <a:lnRef idx="2">
+            <a:schemeClr val="dk1">
+              <a:shade val="50000"/>
+            </a:schemeClr>
+          </a:lnRef>
+          <a:fillRef idx="1">
+            <a:schemeClr val="dk1"/>
+          </a:fillRef>
+          <a:effectRef idx="0">
+            <a:schemeClr val="dk1"/>
+          </a:effectRef>
+          <a:fontRef idx="minor">
+            <a:schemeClr val="lt1"/>
+          </a:fontRef>
+        </p:style>
+        <p:txBody>
+          <a:bodyPr rtlCol="0" anchor="ctr"/>
+          <a:lstStyle/>
+          <a:p>
+            <a:pPr algn="ctr"/>
+            <a:endParaRPr kumimoji="1" lang="ja-JP" altLang="en-US"/>
+          </a:p>
+        </p:txBody>
+      </p:sp>
+      <p:sp>
+        <p:nvSpPr>
+          <p:cNvPr id="20" name="正方形/長方形 19"/>
+          <p:cNvSpPr/>
+          <p:nvPr/>
+        </p:nvSpPr>
+        <p:spPr>
+          <a:xfrm rot="10800000">
+            <a:off x="5122978" y="1868317"/>
+            <a:ext cx="320918" cy="78594"/>
+          </a:xfrm>
+          <a:prstGeom prst="rect">
+            <a:avLst/>
+          </a:prstGeom>
+        </p:spPr>
+        <p:style>
+          <a:lnRef idx="2">
+            <a:schemeClr val="dk1">
+              <a:shade val="50000"/>
+            </a:schemeClr>
+          </a:lnRef>
+          <a:fillRef idx="1">
+            <a:schemeClr val="dk1"/>
+          </a:fillRef>
+          <a:effectRef idx="0">
+            <a:schemeClr val="dk1"/>
+          </a:effectRef>
+          <a:fontRef idx="minor">
+            <a:schemeClr val="lt1"/>
+          </a:fontRef>
+        </p:style>
+        <p:txBody>
+          <a:bodyPr rtlCol="0" anchor="ctr"/>
+          <a:lstStyle/>
+          <a:p>
+            <a:pPr algn="ctr"/>
+            <a:endParaRPr kumimoji="1" lang="ja-JP" altLang="en-US"/>
+          </a:p>
+        </p:txBody>
+      </p:sp>
+      <p:sp>
+        <p:nvSpPr>
+          <p:cNvPr id="21" name="テキスト ボックス 20"/>
           <p:cNvSpPr txBox="1"/>
           <p:nvPr/>
         </p:nvSpPr>
         <p:spPr>
           <a:xfrm>
-            <a:off x="990482" y="1662263"/>
-            <a:ext cx="4154834" cy="461665"/>
+            <a:off x="1836859" y="5525919"/>
+            <a:ext cx="1632438" cy="461665"/>
           </a:xfrm>
           <a:prstGeom prst="rect">
             <a:avLst/>
@@ -10974,29 +10971,647 @@
           <a:lstStyle/>
           <a:p>
             <a:r>
-              <a:rPr lang="ja-JP" altLang="en-US" dirty="0" smtClean="0"/>
-              <a:t>・</a:t>
-            </a:r>
-            <a:r>
-              <a:rPr lang="ja-JP" altLang="en-US" sz="2400" b="1" dirty="0" smtClean="0">
+              <a:rPr kumimoji="1" lang="ja-JP" altLang="en-US" sz="2400" b="1" dirty="0" smtClean="0">
+                <a:ln w="9525">
+                  <a:solidFill>
+                    <a:schemeClr val="tx1"/>
+                  </a:solidFill>
+                  <a:prstDash val="solid"/>
+                </a:ln>
+                <a:solidFill>
+                  <a:srgbClr val="00B0F0"/>
+                </a:solidFill>
+                <a:effectLst>
+                  <a:outerShdw blurRad="12700" dist="38100" dir="2700000" algn="tl" rotWithShape="0">
+                    <a:schemeClr val="bg1">
+                      <a:lumMod val="50000"/>
+                    </a:schemeClr>
+                  </a:outerShdw>
+                </a:effectLst>
+              </a:rPr>
+              <a:t>１</a:t>
+            </a:r>
+            <a:r>
+              <a:rPr kumimoji="1" lang="en-US" altLang="ja-JP" sz="2400" b="1" dirty="0" smtClean="0">
+                <a:ln w="9525">
+                  <a:solidFill>
+                    <a:schemeClr val="tx1"/>
+                  </a:solidFill>
+                  <a:prstDash val="solid"/>
+                </a:ln>
+                <a:solidFill>
+                  <a:srgbClr val="00B0F0"/>
+                </a:solidFill>
+                <a:effectLst>
+                  <a:outerShdw blurRad="12700" dist="38100" dir="2700000" algn="tl" rotWithShape="0">
+                    <a:schemeClr val="bg1">
+                      <a:lumMod val="50000"/>
+                    </a:schemeClr>
+                  </a:outerShdw>
+                </a:effectLst>
+              </a:rPr>
+              <a:t>P</a:t>
+            </a:r>
+            <a:r>
+              <a:rPr kumimoji="1" lang="ja-JP" altLang="en-US" sz="2400" b="1" dirty="0" smtClean="0">
+                <a:ln w="9525">
+                  <a:solidFill>
+                    <a:schemeClr val="tx1"/>
+                  </a:solidFill>
+                  <a:prstDash val="solid"/>
+                </a:ln>
+                <a:effectLst>
+                  <a:outerShdw blurRad="12700" dist="38100" dir="2700000" algn="tl" rotWithShape="0">
+                    <a:schemeClr val="bg1">
+                      <a:lumMod val="50000"/>
+                    </a:schemeClr>
+                  </a:outerShdw>
+                </a:effectLst>
+              </a:rPr>
+              <a:t>の</a:t>
+            </a:r>
+            <a:r>
+              <a:rPr kumimoji="1" lang="ja-JP" altLang="en-US" sz="2400" b="1" dirty="0" smtClean="0">
+                <a:ln w="9525">
+                  <a:solidFill>
+                    <a:srgbClr val="FF0000"/>
+                  </a:solidFill>
+                  <a:prstDash val="solid"/>
+                </a:ln>
                 <a:solidFill>
                   <a:srgbClr val="FF0000"/>
                 </a:solidFill>
+                <a:effectLst>
+                  <a:outerShdw blurRad="12700" dist="38100" dir="2700000" algn="tl" rotWithShape="0">
+                    <a:schemeClr val="bg1">
+                      <a:lumMod val="50000"/>
+                    </a:schemeClr>
+                  </a:outerShdw>
+                </a:effectLst>
               </a:rPr>
-              <a:t>赤色</a:t>
-            </a:r>
-            <a:r>
-              <a:rPr lang="ja-JP" altLang="en-US" sz="2400" b="1" dirty="0" smtClean="0"/>
-              <a:t>にして拡大させる</a:t>
-            </a:r>
-            <a:endParaRPr lang="en-US" altLang="ja-JP" sz="2400" b="1" dirty="0" smtClean="0"/>
+              <a:t>点数</a:t>
+            </a:r>
+            <a:endParaRPr kumimoji="1" lang="ja-JP" altLang="en-US" sz="2400" b="1" dirty="0">
+              <a:ln w="9525">
+                <a:solidFill>
+                  <a:srgbClr val="FF0000"/>
+                </a:solidFill>
+                <a:prstDash val="solid"/>
+              </a:ln>
+              <a:solidFill>
+                <a:srgbClr val="FF0000"/>
+              </a:solidFill>
+              <a:effectLst>
+                <a:outerShdw blurRad="12700" dist="38100" dir="2700000" algn="tl" rotWithShape="0">
+                  <a:schemeClr val="bg1">
+                    <a:lumMod val="50000"/>
+                  </a:schemeClr>
+                </a:outerShdw>
+              </a:effectLst>
+            </a:endParaRPr>
+          </a:p>
+        </p:txBody>
+      </p:sp>
+      <p:sp>
+        <p:nvSpPr>
+          <p:cNvPr id="23" name="テキスト ボックス 22"/>
+          <p:cNvSpPr txBox="1"/>
+          <p:nvPr/>
+        </p:nvSpPr>
+        <p:spPr>
+          <a:xfrm>
+            <a:off x="4383695" y="5525919"/>
+            <a:ext cx="1632438" cy="461665"/>
+          </a:xfrm>
+          <a:prstGeom prst="rect">
+            <a:avLst/>
+          </a:prstGeom>
+          <a:noFill/>
+        </p:spPr>
+        <p:txBody>
+          <a:bodyPr wrap="square" rtlCol="0">
+            <a:spAutoFit/>
+          </a:bodyPr>
+          <a:lstStyle/>
+          <a:p>
+            <a:r>
+              <a:rPr kumimoji="1" lang="ja-JP" altLang="en-US" sz="2400" b="1" dirty="0" smtClean="0">
+                <a:ln w="9525">
+                  <a:solidFill>
+                    <a:schemeClr val="tx1"/>
+                  </a:solidFill>
+                  <a:prstDash val="solid"/>
+                </a:ln>
+                <a:solidFill>
+                  <a:srgbClr val="FF0000"/>
+                </a:solidFill>
+                <a:effectLst>
+                  <a:outerShdw blurRad="12700" dist="38100" dir="2700000" algn="tl" rotWithShape="0">
+                    <a:schemeClr val="bg1">
+                      <a:lumMod val="50000"/>
+                    </a:schemeClr>
+                  </a:outerShdw>
+                </a:effectLst>
+              </a:rPr>
+              <a:t>２</a:t>
+            </a:r>
+            <a:r>
+              <a:rPr kumimoji="1" lang="en-US" altLang="ja-JP" sz="2400" b="1" dirty="0" smtClean="0">
+                <a:ln w="9525">
+                  <a:solidFill>
+                    <a:schemeClr val="tx1"/>
+                  </a:solidFill>
+                  <a:prstDash val="solid"/>
+                </a:ln>
+                <a:solidFill>
+                  <a:srgbClr val="FF0000"/>
+                </a:solidFill>
+                <a:effectLst>
+                  <a:outerShdw blurRad="12700" dist="38100" dir="2700000" algn="tl" rotWithShape="0">
+                    <a:schemeClr val="bg1">
+                      <a:lumMod val="50000"/>
+                    </a:schemeClr>
+                  </a:outerShdw>
+                </a:effectLst>
+              </a:rPr>
+              <a:t>P</a:t>
+            </a:r>
+            <a:r>
+              <a:rPr kumimoji="1" lang="ja-JP" altLang="en-US" sz="2400" b="1" dirty="0" smtClean="0">
+                <a:ln w="9525">
+                  <a:solidFill>
+                    <a:schemeClr val="tx1"/>
+                  </a:solidFill>
+                  <a:prstDash val="solid"/>
+                </a:ln>
+                <a:effectLst>
+                  <a:outerShdw blurRad="12700" dist="38100" dir="2700000" algn="tl" rotWithShape="0">
+                    <a:schemeClr val="bg1">
+                      <a:lumMod val="50000"/>
+                    </a:schemeClr>
+                  </a:outerShdw>
+                </a:effectLst>
+              </a:rPr>
+              <a:t>の</a:t>
+            </a:r>
+            <a:r>
+              <a:rPr kumimoji="1" lang="ja-JP" altLang="en-US" sz="2400" b="1" dirty="0" smtClean="0">
+                <a:ln w="9525">
+                  <a:solidFill>
+                    <a:srgbClr val="FF0000"/>
+                  </a:solidFill>
+                  <a:prstDash val="solid"/>
+                </a:ln>
+                <a:solidFill>
+                  <a:srgbClr val="FF0000"/>
+                </a:solidFill>
+                <a:effectLst>
+                  <a:outerShdw blurRad="12700" dist="38100" dir="2700000" algn="tl" rotWithShape="0">
+                    <a:schemeClr val="bg1">
+                      <a:lumMod val="50000"/>
+                    </a:schemeClr>
+                  </a:outerShdw>
+                </a:effectLst>
+              </a:rPr>
+              <a:t>点数</a:t>
+            </a:r>
+            <a:endParaRPr kumimoji="1" lang="ja-JP" altLang="en-US" sz="2400" b="1" dirty="0">
+              <a:ln w="9525">
+                <a:solidFill>
+                  <a:srgbClr val="FF0000"/>
+                </a:solidFill>
+                <a:prstDash val="solid"/>
+              </a:ln>
+              <a:solidFill>
+                <a:srgbClr val="FF0000"/>
+              </a:solidFill>
+              <a:effectLst>
+                <a:outerShdw blurRad="12700" dist="38100" dir="2700000" algn="tl" rotWithShape="0">
+                  <a:schemeClr val="bg1">
+                    <a:lumMod val="50000"/>
+                  </a:schemeClr>
+                </a:outerShdw>
+              </a:effectLst>
+            </a:endParaRPr>
+          </a:p>
+        </p:txBody>
+      </p:sp>
+      <p:sp>
+        <p:nvSpPr>
+          <p:cNvPr id="24" name="テキスト ボックス 23"/>
+          <p:cNvSpPr txBox="1"/>
+          <p:nvPr/>
+        </p:nvSpPr>
+        <p:spPr>
+          <a:xfrm>
+            <a:off x="6920271" y="5514524"/>
+            <a:ext cx="1632438" cy="461665"/>
+          </a:xfrm>
+          <a:prstGeom prst="rect">
+            <a:avLst/>
+          </a:prstGeom>
+          <a:noFill/>
+        </p:spPr>
+        <p:txBody>
+          <a:bodyPr wrap="square" rtlCol="0">
+            <a:spAutoFit/>
+          </a:bodyPr>
+          <a:lstStyle/>
+          <a:p>
+            <a:r>
+              <a:rPr kumimoji="1" lang="ja-JP" altLang="en-US" sz="2400" b="1" dirty="0" smtClean="0">
+                <a:ln w="9525">
+                  <a:solidFill>
+                    <a:schemeClr val="tx1"/>
+                  </a:solidFill>
+                  <a:prstDash val="solid"/>
+                </a:ln>
+                <a:solidFill>
+                  <a:srgbClr val="00B050"/>
+                </a:solidFill>
+                <a:effectLst>
+                  <a:outerShdw blurRad="12700" dist="38100" dir="2700000" algn="tl" rotWithShape="0">
+                    <a:schemeClr val="bg1">
+                      <a:lumMod val="50000"/>
+                    </a:schemeClr>
+                  </a:outerShdw>
+                </a:effectLst>
+              </a:rPr>
+              <a:t>３</a:t>
+            </a:r>
+            <a:r>
+              <a:rPr kumimoji="1" lang="en-US" altLang="ja-JP" sz="2400" b="1" dirty="0" smtClean="0">
+                <a:ln w="9525">
+                  <a:solidFill>
+                    <a:schemeClr val="tx1"/>
+                  </a:solidFill>
+                  <a:prstDash val="solid"/>
+                </a:ln>
+                <a:solidFill>
+                  <a:srgbClr val="00B050"/>
+                </a:solidFill>
+                <a:effectLst>
+                  <a:outerShdw blurRad="12700" dist="38100" dir="2700000" algn="tl" rotWithShape="0">
+                    <a:schemeClr val="bg1">
+                      <a:lumMod val="50000"/>
+                    </a:schemeClr>
+                  </a:outerShdw>
+                </a:effectLst>
+              </a:rPr>
+              <a:t>P</a:t>
+            </a:r>
+            <a:r>
+              <a:rPr kumimoji="1" lang="ja-JP" altLang="en-US" sz="2400" b="1" dirty="0" smtClean="0">
+                <a:ln w="9525">
+                  <a:solidFill>
+                    <a:schemeClr val="tx1"/>
+                  </a:solidFill>
+                  <a:prstDash val="solid"/>
+                </a:ln>
+                <a:effectLst>
+                  <a:outerShdw blurRad="12700" dist="38100" dir="2700000" algn="tl" rotWithShape="0">
+                    <a:schemeClr val="bg1">
+                      <a:lumMod val="50000"/>
+                    </a:schemeClr>
+                  </a:outerShdw>
+                </a:effectLst>
+              </a:rPr>
+              <a:t>の</a:t>
+            </a:r>
+            <a:r>
+              <a:rPr kumimoji="1" lang="ja-JP" altLang="en-US" sz="2400" b="1" dirty="0" smtClean="0">
+                <a:ln w="9525">
+                  <a:solidFill>
+                    <a:srgbClr val="FF0000"/>
+                  </a:solidFill>
+                  <a:prstDash val="solid"/>
+                </a:ln>
+                <a:solidFill>
+                  <a:srgbClr val="FF0000"/>
+                </a:solidFill>
+                <a:effectLst>
+                  <a:outerShdw blurRad="12700" dist="38100" dir="2700000" algn="tl" rotWithShape="0">
+                    <a:schemeClr val="bg1">
+                      <a:lumMod val="50000"/>
+                    </a:schemeClr>
+                  </a:outerShdw>
+                </a:effectLst>
+              </a:rPr>
+              <a:t>点数</a:t>
+            </a:r>
+            <a:endParaRPr kumimoji="1" lang="ja-JP" altLang="en-US" sz="2400" b="1" dirty="0">
+              <a:ln w="9525">
+                <a:solidFill>
+                  <a:srgbClr val="FF0000"/>
+                </a:solidFill>
+                <a:prstDash val="solid"/>
+              </a:ln>
+              <a:solidFill>
+                <a:srgbClr val="FF0000"/>
+              </a:solidFill>
+              <a:effectLst>
+                <a:outerShdw blurRad="12700" dist="38100" dir="2700000" algn="tl" rotWithShape="0">
+                  <a:schemeClr val="bg1">
+                    <a:lumMod val="50000"/>
+                  </a:schemeClr>
+                </a:outerShdw>
+              </a:effectLst>
+            </a:endParaRPr>
+          </a:p>
+        </p:txBody>
+      </p:sp>
+      <p:sp>
+        <p:nvSpPr>
+          <p:cNvPr id="26" name="テキスト ボックス 25"/>
+          <p:cNvSpPr txBox="1"/>
+          <p:nvPr/>
+        </p:nvSpPr>
+        <p:spPr>
+          <a:xfrm>
+            <a:off x="9170376" y="5525919"/>
+            <a:ext cx="1632438" cy="461665"/>
+          </a:xfrm>
+          <a:prstGeom prst="rect">
+            <a:avLst/>
+          </a:prstGeom>
+          <a:noFill/>
+        </p:spPr>
+        <p:txBody>
+          <a:bodyPr wrap="square" rtlCol="0">
+            <a:spAutoFit/>
+          </a:bodyPr>
+          <a:lstStyle/>
+          <a:p>
+            <a:r>
+              <a:rPr kumimoji="1" lang="ja-JP" altLang="en-US" sz="2400" b="1" dirty="0" smtClean="0">
+                <a:ln w="9525">
+                  <a:solidFill>
+                    <a:schemeClr val="tx1"/>
+                  </a:solidFill>
+                  <a:prstDash val="solid"/>
+                </a:ln>
+                <a:solidFill>
+                  <a:srgbClr val="FFFF00"/>
+                </a:solidFill>
+                <a:effectLst>
+                  <a:outerShdw blurRad="12700" dist="38100" dir="2700000" algn="tl" rotWithShape="0">
+                    <a:schemeClr val="bg1">
+                      <a:lumMod val="50000"/>
+                    </a:schemeClr>
+                  </a:outerShdw>
+                </a:effectLst>
+              </a:rPr>
+              <a:t>４</a:t>
+            </a:r>
+            <a:r>
+              <a:rPr kumimoji="1" lang="en-US" altLang="ja-JP" sz="2400" b="1" dirty="0" smtClean="0">
+                <a:ln w="9525">
+                  <a:solidFill>
+                    <a:schemeClr val="tx1"/>
+                  </a:solidFill>
+                  <a:prstDash val="solid"/>
+                </a:ln>
+                <a:solidFill>
+                  <a:srgbClr val="FFFF00"/>
+                </a:solidFill>
+                <a:effectLst>
+                  <a:outerShdw blurRad="12700" dist="38100" dir="2700000" algn="tl" rotWithShape="0">
+                    <a:schemeClr val="bg1">
+                      <a:lumMod val="50000"/>
+                    </a:schemeClr>
+                  </a:outerShdw>
+                </a:effectLst>
+              </a:rPr>
+              <a:t>P</a:t>
+            </a:r>
+            <a:r>
+              <a:rPr kumimoji="1" lang="ja-JP" altLang="en-US" sz="2400" b="1" dirty="0" smtClean="0">
+                <a:ln w="9525">
+                  <a:solidFill>
+                    <a:schemeClr val="tx1"/>
+                  </a:solidFill>
+                  <a:prstDash val="solid"/>
+                </a:ln>
+                <a:effectLst>
+                  <a:outerShdw blurRad="12700" dist="38100" dir="2700000" algn="tl" rotWithShape="0">
+                    <a:schemeClr val="bg1">
+                      <a:lumMod val="50000"/>
+                    </a:schemeClr>
+                  </a:outerShdw>
+                </a:effectLst>
+              </a:rPr>
+              <a:t>の</a:t>
+            </a:r>
+            <a:r>
+              <a:rPr kumimoji="1" lang="ja-JP" altLang="en-US" sz="2400" b="1" dirty="0" smtClean="0">
+                <a:ln w="9525">
+                  <a:solidFill>
+                    <a:srgbClr val="FF0000"/>
+                  </a:solidFill>
+                  <a:prstDash val="solid"/>
+                </a:ln>
+                <a:solidFill>
+                  <a:srgbClr val="FF0000"/>
+                </a:solidFill>
+                <a:effectLst>
+                  <a:outerShdw blurRad="12700" dist="38100" dir="2700000" algn="tl" rotWithShape="0">
+                    <a:schemeClr val="bg1">
+                      <a:lumMod val="50000"/>
+                    </a:schemeClr>
+                  </a:outerShdw>
+                </a:effectLst>
+              </a:rPr>
+              <a:t>点数</a:t>
+            </a:r>
+            <a:endParaRPr kumimoji="1" lang="ja-JP" altLang="en-US" sz="2400" b="1" dirty="0">
+              <a:ln w="9525">
+                <a:solidFill>
+                  <a:srgbClr val="FF0000"/>
+                </a:solidFill>
+                <a:prstDash val="solid"/>
+              </a:ln>
+              <a:solidFill>
+                <a:srgbClr val="FF0000"/>
+              </a:solidFill>
+              <a:effectLst>
+                <a:outerShdw blurRad="12700" dist="38100" dir="2700000" algn="tl" rotWithShape="0">
+                  <a:schemeClr val="bg1">
+                    <a:lumMod val="50000"/>
+                  </a:schemeClr>
+                </a:outerShdw>
+              </a:effectLst>
+            </a:endParaRPr>
+          </a:p>
+        </p:txBody>
+      </p:sp>
+      <p:sp>
+        <p:nvSpPr>
+          <p:cNvPr id="27" name="円形吹き出し 26"/>
+          <p:cNvSpPr/>
+          <p:nvPr/>
+        </p:nvSpPr>
+        <p:spPr>
+          <a:xfrm rot="1596153">
+            <a:off x="9257494" y="401886"/>
+            <a:ext cx="2898528" cy="1493900"/>
+          </a:xfrm>
+          <a:prstGeom prst="wedgeEllipseCallout">
+            <a:avLst/>
+          </a:prstGeom>
+          <a:solidFill>
+            <a:schemeClr val="bg1"/>
+          </a:solidFill>
+          <a:ln w="38100" cap="flat" cmpd="sng" algn="ctr">
+            <a:solidFill>
+              <a:srgbClr val="FF0000"/>
+            </a:solidFill>
+            <a:prstDash val="solid"/>
+            <a:round/>
+            <a:headEnd type="none" w="med" len="med"/>
+            <a:tailEnd type="none" w="med" len="med"/>
+          </a:ln>
+        </p:spPr>
+        <p:style>
+          <a:lnRef idx="0">
+            <a:scrgbClr r="0" g="0" b="0"/>
+          </a:lnRef>
+          <a:fillRef idx="0">
+            <a:scrgbClr r="0" g="0" b="0"/>
+          </a:fillRef>
+          <a:effectRef idx="0">
+            <a:scrgbClr r="0" g="0" b="0"/>
+          </a:effectRef>
+          <a:fontRef idx="minor">
+            <a:schemeClr val="dk1"/>
+          </a:fontRef>
+        </p:style>
+        <p:txBody>
+          <a:bodyPr rtlCol="0" anchor="ctr"/>
+          <a:lstStyle/>
+          <a:p>
+            <a:pPr algn="ctr"/>
+            <a:endParaRPr kumimoji="1" lang="ja-JP" altLang="en-US"/>
+          </a:p>
+        </p:txBody>
+      </p:sp>
+      <p:sp>
+        <p:nvSpPr>
+          <p:cNvPr id="28" name="テキスト ボックス 27"/>
+          <p:cNvSpPr txBox="1"/>
+          <p:nvPr/>
+        </p:nvSpPr>
+        <p:spPr>
+          <a:xfrm>
+            <a:off x="10082928" y="979550"/>
+            <a:ext cx="1512277" cy="461665"/>
+          </a:xfrm>
+          <a:prstGeom prst="rect">
+            <a:avLst/>
+          </a:prstGeom>
+          <a:solidFill>
+            <a:schemeClr val="bg1"/>
+          </a:solidFill>
+        </p:spPr>
+        <p:txBody>
+          <a:bodyPr wrap="square" rtlCol="0">
+            <a:spAutoFit/>
+          </a:bodyPr>
+          <a:lstStyle/>
+          <a:p>
+            <a:r>
+              <a:rPr kumimoji="1" lang="en-US" altLang="ja-JP" sz="2400" b="1" dirty="0" smtClean="0"/>
+              <a:t>UI</a:t>
+            </a:r>
+            <a:r>
+              <a:rPr kumimoji="1" lang="ja-JP" altLang="en-US" sz="2400" b="1" dirty="0" smtClean="0"/>
+              <a:t>の構成</a:t>
+            </a:r>
+            <a:endParaRPr kumimoji="1" lang="ja-JP" altLang="en-US" sz="2400" b="1" dirty="0"/>
+          </a:p>
+        </p:txBody>
+      </p:sp>
+      <p:sp>
+        <p:nvSpPr>
+          <p:cNvPr id="30" name="楕円 29"/>
+          <p:cNvSpPr/>
+          <p:nvPr/>
+        </p:nvSpPr>
+        <p:spPr>
+          <a:xfrm>
+            <a:off x="4626867" y="3185247"/>
+            <a:ext cx="2778531" cy="1051264"/>
+          </a:xfrm>
+          <a:prstGeom prst="ellipse">
+            <a:avLst/>
+          </a:prstGeom>
+          <a:noFill/>
+          <a:ln w="57150" cap="flat" cmpd="sng" algn="ctr">
+            <a:solidFill>
+              <a:srgbClr val="7030A0"/>
+            </a:solidFill>
+            <a:prstDash val="solid"/>
+            <a:round/>
+            <a:headEnd type="none" w="med" len="med"/>
+            <a:tailEnd type="none" w="med" len="med"/>
+          </a:ln>
+        </p:spPr>
+        <p:style>
+          <a:lnRef idx="0">
+            <a:scrgbClr r="0" g="0" b="0"/>
+          </a:lnRef>
+          <a:fillRef idx="0">
+            <a:scrgbClr r="0" g="0" b="0"/>
+          </a:fillRef>
+          <a:effectRef idx="0">
+            <a:scrgbClr r="0" g="0" b="0"/>
+          </a:effectRef>
+          <a:fontRef idx="minor">
+            <a:schemeClr val="accent5"/>
+          </a:fontRef>
+        </p:style>
+        <p:txBody>
+          <a:bodyPr rtlCol="0" anchor="ctr"/>
+          <a:lstStyle/>
+          <a:p>
+            <a:pPr algn="ctr"/>
+            <a:endParaRPr kumimoji="1" lang="ja-JP" altLang="en-US"/>
+          </a:p>
+        </p:txBody>
+      </p:sp>
+      <p:sp>
+        <p:nvSpPr>
+          <p:cNvPr id="31" name="テキスト ボックス 30"/>
+          <p:cNvSpPr txBox="1"/>
+          <p:nvPr/>
+        </p:nvSpPr>
+        <p:spPr>
+          <a:xfrm>
+            <a:off x="4639403" y="3503666"/>
+            <a:ext cx="2753458" cy="369332"/>
+          </a:xfrm>
+          <a:prstGeom prst="rect">
+            <a:avLst/>
+          </a:prstGeom>
+          <a:noFill/>
+        </p:spPr>
+        <p:txBody>
+          <a:bodyPr wrap="square" rtlCol="0">
+            <a:spAutoFit/>
+          </a:bodyPr>
+          <a:lstStyle/>
+          <a:p>
+            <a:r>
+              <a:rPr kumimoji="1" lang="ja-JP" altLang="en-US" b="1" u="sng" dirty="0" smtClean="0"/>
+              <a:t>タイマーが０になったら</a:t>
+            </a:r>
+            <a:endParaRPr kumimoji="1" lang="ja-JP" altLang="en-US" b="1" u="sng" dirty="0"/>
           </a:p>
         </p:txBody>
       </p:sp>
     </p:spTree>
     <p:extLst>
       <p:ext uri="{BB962C8B-B14F-4D97-AF65-F5344CB8AC3E}">
-        <p14:creationId xmlns:p14="http://schemas.microsoft.com/office/powerpoint/2010/main" val="3651198302"/>
+        <p14:creationId xmlns:p14="http://schemas.microsoft.com/office/powerpoint/2010/main" val="656129118"/>
       </p:ext>
     </p:extLst>
   </p:cSld>
@@ -11956,85 +12571,6 @@
       </p:grpSpPr>
       <p:sp>
         <p:nvSpPr>
-          <p:cNvPr id="4" name="楕円 3"/>
-          <p:cNvSpPr/>
-          <p:nvPr/>
-        </p:nvSpPr>
-        <p:spPr>
-          <a:xfrm>
-            <a:off x="7415590" y="2896435"/>
-            <a:ext cx="2778531" cy="1060173"/>
-          </a:xfrm>
-          <a:prstGeom prst="ellipse">
-            <a:avLst/>
-          </a:prstGeom>
-          <a:solidFill>
-            <a:schemeClr val="bg1"/>
-          </a:solidFill>
-          <a:ln w="57150" cap="flat" cmpd="sng" algn="ctr">
-            <a:solidFill>
-              <a:srgbClr val="7030A0"/>
-            </a:solidFill>
-            <a:prstDash val="solid"/>
-            <a:round/>
-            <a:headEnd type="none" w="med" len="med"/>
-            <a:tailEnd type="none" w="med" len="med"/>
-          </a:ln>
-        </p:spPr>
-        <p:style>
-          <a:lnRef idx="0">
-            <a:scrgbClr r="0" g="0" b="0"/>
-          </a:lnRef>
-          <a:fillRef idx="0">
-            <a:scrgbClr r="0" g="0" b="0"/>
-          </a:fillRef>
-          <a:effectRef idx="0">
-            <a:scrgbClr r="0" g="0" b="0"/>
-          </a:effectRef>
-          <a:fontRef idx="minor">
-            <a:schemeClr val="accent5"/>
-          </a:fontRef>
-        </p:style>
-        <p:txBody>
-          <a:bodyPr rtlCol="0" anchor="ctr"/>
-          <a:lstStyle/>
-          <a:p>
-            <a:pPr algn="ctr"/>
-            <a:endParaRPr kumimoji="1" lang="ja-JP" altLang="en-US"/>
-          </a:p>
-        </p:txBody>
-      </p:sp>
-      <p:sp>
-        <p:nvSpPr>
-          <p:cNvPr id="5" name="テキスト ボックス 4"/>
-          <p:cNvSpPr txBox="1"/>
-          <p:nvPr/>
-        </p:nvSpPr>
-        <p:spPr>
-          <a:xfrm>
-            <a:off x="7495522" y="3241855"/>
-            <a:ext cx="2784149" cy="369332"/>
-          </a:xfrm>
-          <a:prstGeom prst="rect">
-            <a:avLst/>
-          </a:prstGeom>
-          <a:noFill/>
-        </p:spPr>
-        <p:txBody>
-          <a:bodyPr wrap="square" rtlCol="0">
-            <a:spAutoFit/>
-          </a:bodyPr>
-          <a:lstStyle/>
-          <a:p>
-            <a:r>
-              <a:rPr lang="ja-JP" altLang="en-US" b="1" u="sng" dirty="0"/>
-              <a:t>タイマーが０になったら</a:t>
-            </a:r>
-          </a:p>
-        </p:txBody>
-      </p:sp>
-      <p:sp>
-        <p:nvSpPr>
           <p:cNvPr id="7" name="正方形/長方形 6"/>
           <p:cNvSpPr/>
           <p:nvPr/>
@@ -12075,51 +12611,6 @@
       </p:sp>
       <p:sp>
         <p:nvSpPr>
-          <p:cNvPr id="9" name="円形吹き出し 8"/>
-          <p:cNvSpPr/>
-          <p:nvPr/>
-        </p:nvSpPr>
-        <p:spPr>
-          <a:xfrm rot="5400000">
-            <a:off x="9535598" y="2656361"/>
-            <a:ext cx="2385196" cy="858663"/>
-          </a:xfrm>
-          <a:prstGeom prst="wedgeEllipseCallout">
-            <a:avLst>
-              <a:gd name="adj1" fmla="val 6274"/>
-              <a:gd name="adj2" fmla="val 63081"/>
-            </a:avLst>
-          </a:prstGeom>
-          <a:ln w="38100">
-            <a:headEnd type="none" w="med" len="med"/>
-            <a:tailEnd type="none" w="med" len="med"/>
-          </a:ln>
-        </p:spPr>
-        <p:style>
-          <a:lnRef idx="2">
-            <a:schemeClr val="accent2"/>
-          </a:lnRef>
-          <a:fillRef idx="1">
-            <a:schemeClr val="lt1"/>
-          </a:fillRef>
-          <a:effectRef idx="0">
-            <a:schemeClr val="accent2"/>
-          </a:effectRef>
-          <a:fontRef idx="minor">
-            <a:schemeClr val="dk1"/>
-          </a:fontRef>
-        </p:style>
-        <p:txBody>
-          <a:bodyPr rtlCol="0" anchor="ctr"/>
-          <a:lstStyle/>
-          <a:p>
-            <a:pPr algn="ctr"/>
-            <a:endParaRPr kumimoji="1" lang="ja-JP" altLang="en-US"/>
-          </a:p>
-        </p:txBody>
-      </p:sp>
-      <p:sp>
-        <p:nvSpPr>
           <p:cNvPr id="2" name="正方形/長方形 1"/>
           <p:cNvSpPr/>
           <p:nvPr/>
@@ -12127,7 +12618,7 @@
         <p:spPr>
           <a:xfrm>
             <a:off x="651778" y="568448"/>
-            <a:ext cx="4493538" cy="523220"/>
+            <a:ext cx="5570756" cy="523220"/>
           </a:xfrm>
           <a:prstGeom prst="rect">
             <a:avLst/>
@@ -12149,11 +12640,11 @@
           <a:p>
             <a:r>
               <a:rPr lang="ja-JP" altLang="en-US" sz="2800" b="1" dirty="0"/>
-              <a:t>タイマーが０に</a:t>
+              <a:t>タイマー</a:t>
             </a:r>
             <a:r>
               <a:rPr lang="ja-JP" altLang="en-US" sz="2800" b="1" dirty="0" smtClean="0"/>
-              <a:t>なった場合</a:t>
+              <a:t>が１０以下になった場合</a:t>
             </a:r>
             <a:endParaRPr lang="ja-JP" altLang="en-US" sz="2800" b="1" dirty="0"/>
           </a:p>
@@ -12161,24 +12652,19 @@
       </p:sp>
       <p:sp>
         <p:nvSpPr>
-          <p:cNvPr id="16" name="テキスト ボックス 15"/>
+          <p:cNvPr id="3" name="テキスト ボックス 2"/>
           <p:cNvSpPr txBox="1"/>
           <p:nvPr/>
         </p:nvSpPr>
         <p:spPr>
           <a:xfrm>
-            <a:off x="7070851" y="1729723"/>
-            <a:ext cx="3310822" cy="461665"/>
+            <a:off x="990482" y="1662263"/>
+            <a:ext cx="4154834" cy="523220"/>
           </a:xfrm>
           <a:prstGeom prst="rect">
             <a:avLst/>
           </a:prstGeom>
           <a:noFill/>
-          <a:ln>
-            <a:solidFill>
-              <a:schemeClr val="tx1"/>
-            </a:solidFill>
-          </a:ln>
         </p:spPr>
         <p:txBody>
           <a:bodyPr wrap="square" rtlCol="0">
@@ -12186,37 +12672,36 @@
           </a:bodyPr>
           <a:lstStyle/>
           <a:p>
-            <a:pPr algn="ctr"/>
-            <a:r>
-              <a:rPr lang="ja-JP" altLang="en-US" sz="2400" b="1" dirty="0" smtClean="0"/>
-              <a:t>フィニッシュ</a:t>
-            </a:r>
-            <a:r>
-              <a:rPr kumimoji="1" lang="ja-JP" altLang="en-US" sz="2400" b="1" dirty="0" smtClean="0"/>
-              <a:t>の</a:t>
-            </a:r>
-            <a:r>
-              <a:rPr kumimoji="1" lang="en-US" altLang="ja-JP" sz="2400" b="1" dirty="0" smtClean="0"/>
-              <a:t>UI</a:t>
-            </a:r>
-            <a:r>
-              <a:rPr kumimoji="1" lang="ja-JP" altLang="en-US" sz="2400" b="1" dirty="0" smtClean="0"/>
-              <a:t>出す</a:t>
-            </a:r>
-            <a:endParaRPr kumimoji="1" lang="ja-JP" altLang="en-US" sz="2400" b="1" dirty="0"/>
-          </a:p>
-        </p:txBody>
-      </p:sp>
-      <p:sp>
-        <p:nvSpPr>
-          <p:cNvPr id="3" name="テキスト ボックス 2"/>
+            <a:r>
+              <a:rPr lang="ja-JP" altLang="en-US" dirty="0" smtClean="0"/>
+              <a:t>・</a:t>
+            </a:r>
+            <a:r>
+              <a:rPr lang="ja-JP" altLang="en-US" sz="2800" b="1" dirty="0" smtClean="0">
+                <a:solidFill>
+                  <a:srgbClr val="FF0000"/>
+                </a:solidFill>
+              </a:rPr>
+              <a:t>赤色</a:t>
+            </a:r>
+            <a:r>
+              <a:rPr lang="ja-JP" altLang="en-US" sz="2800" b="1" dirty="0" smtClean="0"/>
+              <a:t>にする</a:t>
+            </a:r>
+            <a:endParaRPr lang="en-US" altLang="ja-JP" sz="2800" b="1" dirty="0" smtClean="0"/>
+          </a:p>
+        </p:txBody>
+      </p:sp>
+      <p:sp>
+        <p:nvSpPr>
+          <p:cNvPr id="8" name="テキスト ボックス 7"/>
           <p:cNvSpPr txBox="1"/>
           <p:nvPr/>
         </p:nvSpPr>
         <p:spPr>
           <a:xfrm>
-            <a:off x="990482" y="1662263"/>
-            <a:ext cx="4154834" cy="461665"/>
+            <a:off x="990481" y="2420610"/>
+            <a:ext cx="9335773" cy="892552"/>
           </a:xfrm>
           <a:prstGeom prst="rect">
             <a:avLst/>
@@ -12230,43 +12715,114 @@
           <a:lstStyle/>
           <a:p>
             <a:r>
-              <a:rPr lang="ja-JP" altLang="en-US" dirty="0" smtClean="0"/>
+              <a:rPr lang="ja-JP" altLang="en-US" sz="2400" dirty="0" smtClean="0"/>
               <a:t>・</a:t>
             </a:r>
             <a:r>
+              <a:rPr lang="en-US" altLang="ja-JP" sz="2400" b="1" dirty="0"/>
+              <a:t> </a:t>
+            </a:r>
+            <a:r>
+              <a:rPr lang="en-US" altLang="ja-JP" sz="2400" b="1" dirty="0" smtClean="0"/>
+              <a:t>UI</a:t>
+            </a:r>
+            <a:r>
               <a:rPr lang="ja-JP" altLang="en-US" sz="2400" b="1" dirty="0" smtClean="0"/>
-              <a:t>プレイヤーを動かなくする</a:t>
-            </a:r>
-            <a:endParaRPr lang="en-US" altLang="ja-JP" sz="2400" b="1" dirty="0" smtClean="0"/>
-          </a:p>
-        </p:txBody>
-      </p:sp>
-      <p:sp>
-        <p:nvSpPr>
-          <p:cNvPr id="8" name="下矢印 7"/>
+              <a:t>と数値を拡大させるもとに戻す（</a:t>
+            </a:r>
+            <a:r>
+              <a:rPr lang="ja-JP" altLang="en-US" sz="2800" b="1" dirty="0" smtClean="0"/>
+              <a:t>タイマーが</a:t>
+            </a:r>
+            <a:r>
+              <a:rPr lang="ja-JP" altLang="en-US" sz="2400" b="1" dirty="0" smtClean="0"/>
+              <a:t>０になるまで繰り返す</a:t>
+            </a:r>
+            <a:r>
+              <a:rPr lang="ja-JP" altLang="en-US" sz="2200" b="1" dirty="0" smtClean="0"/>
+              <a:t>）</a:t>
+            </a:r>
+            <a:endParaRPr lang="en-US" altLang="ja-JP" sz="2200" b="1" dirty="0" smtClean="0"/>
+          </a:p>
+        </p:txBody>
+      </p:sp>
+      <p:pic>
+        <p:nvPicPr>
+          <p:cNvPr id="10" name="図 9"/>
+          <p:cNvPicPr>
+            <a:picLocks noChangeAspect="1"/>
+          </p:cNvPicPr>
+          <p:nvPr/>
+        </p:nvPicPr>
+        <p:blipFill>
+          <a:blip r:embed="rId2"/>
+          <a:stretch>
+            <a:fillRect/>
+          </a:stretch>
+        </p:blipFill>
+        <p:spPr>
+          <a:xfrm>
+            <a:off x="1092081" y="3554631"/>
+            <a:ext cx="2454682" cy="999755"/>
+          </a:xfrm>
+          <a:prstGeom prst="rect">
+            <a:avLst/>
+          </a:prstGeom>
+        </p:spPr>
+      </p:pic>
+      <p:pic>
+        <p:nvPicPr>
+          <p:cNvPr id="11" name="図 10"/>
+          <p:cNvPicPr>
+            <a:picLocks noChangeAspect="1"/>
+          </p:cNvPicPr>
+          <p:nvPr/>
+        </p:nvPicPr>
+        <p:blipFill>
+          <a:blip r:embed="rId3"/>
+          <a:stretch>
+            <a:fillRect/>
+          </a:stretch>
+        </p:blipFill>
+        <p:spPr>
+          <a:xfrm>
+            <a:off x="4620142" y="3663984"/>
+            <a:ext cx="2076450" cy="781050"/>
+          </a:xfrm>
+          <a:prstGeom prst="rect">
+            <a:avLst/>
+          </a:prstGeom>
+        </p:spPr>
+      </p:pic>
+      <p:sp>
+        <p:nvSpPr>
+          <p:cNvPr id="12" name="右矢印 11"/>
           <p:cNvSpPr/>
           <p:nvPr/>
         </p:nvSpPr>
         <p:spPr>
-          <a:xfrm rot="10800000">
-            <a:off x="8393835" y="2210351"/>
-            <a:ext cx="674255" cy="781709"/>
-          </a:xfrm>
-          <a:prstGeom prst="downArrow">
-            <a:avLst/>
+          <a:xfrm>
+            <a:off x="3712170" y="3851308"/>
+            <a:ext cx="727482" cy="406400"/>
+          </a:xfrm>
+          <a:prstGeom prst="rightArrow">
+            <a:avLst>
+              <a:gd name="adj1" fmla="val 50000"/>
+              <a:gd name="adj2" fmla="val 72727"/>
+            </a:avLst>
           </a:prstGeom>
         </p:spPr>
         <p:style>
           <a:lnRef idx="2">
-            <a:schemeClr val="accent1">
+            <a:schemeClr val="dk1">
               <a:shade val="50000"/>
             </a:schemeClr>
           </a:lnRef>
           <a:fillRef idx="1">
-            <a:schemeClr val="accent1"/>
+            <a:schemeClr val="dk1"/>
           </a:fillRef>
           <a:effectRef idx="0">
-            <a:schemeClr val="accent1"/>
+            <a:schemeClr val="dk1"/>
           </a:effectRef>
           <a:fontRef idx="minor">
             <a:schemeClr val="lt1"/>
@@ -12283,44 +12839,14 @@
       </p:sp>
       <p:sp>
         <p:nvSpPr>
-          <p:cNvPr id="10" name="テキスト ボックス 9"/>
-          <p:cNvSpPr txBox="1"/>
-          <p:nvPr/>
-        </p:nvSpPr>
-        <p:spPr>
-          <a:xfrm>
-            <a:off x="10530328" y="2284242"/>
-            <a:ext cx="461665" cy="1746257"/>
-          </a:xfrm>
-          <a:prstGeom prst="rect">
-            <a:avLst/>
-          </a:prstGeom>
-          <a:noFill/>
-        </p:spPr>
-        <p:txBody>
-          <a:bodyPr vert="eaVert" wrap="square" rtlCol="0">
-            <a:spAutoFit/>
-          </a:bodyPr>
-          <a:lstStyle/>
-          <a:p>
-            <a:r>
-              <a:rPr lang="ja-JP" altLang="en-US" dirty="0" smtClean="0"/>
-              <a:t>があるところに</a:t>
-            </a:r>
-            <a:endParaRPr kumimoji="1" lang="ja-JP" altLang="en-US" dirty="0"/>
-          </a:p>
-        </p:txBody>
-      </p:sp>
-      <p:sp>
-        <p:nvSpPr>
           <p:cNvPr id="13" name="テキスト ボックス 12"/>
           <p:cNvSpPr txBox="1"/>
           <p:nvPr/>
         </p:nvSpPr>
         <p:spPr>
           <a:xfrm>
-            <a:off x="990482" y="2491213"/>
-            <a:ext cx="4154834" cy="461665"/>
+            <a:off x="1036662" y="4642104"/>
+            <a:ext cx="2620089" cy="400110"/>
           </a:xfrm>
           <a:prstGeom prst="rect">
             <a:avLst/>
@@ -12333,22 +12859,50 @@
           </a:bodyPr>
           <a:lstStyle/>
           <a:p>
-            <a:r>
-              <a:rPr lang="ja-JP" altLang="en-US" dirty="0" smtClean="0"/>
-              <a:t>・</a:t>
-            </a:r>
-            <a:r>
-              <a:rPr lang="ja-JP" altLang="en-US" sz="2400" b="1" dirty="0" smtClean="0"/>
-              <a:t>タイマーを０以下にしない</a:t>
-            </a:r>
-            <a:endParaRPr lang="en-US" altLang="ja-JP" sz="2400" b="1" dirty="0" smtClean="0"/>
+            <a:pPr algn="ctr"/>
+            <a:r>
+              <a:rPr kumimoji="1" lang="ja-JP" altLang="en-US" sz="2000" dirty="0" smtClean="0"/>
+              <a:t>大きくなっている図</a:t>
+            </a:r>
+            <a:endParaRPr kumimoji="1" lang="ja-JP" altLang="en-US" sz="2000" dirty="0"/>
+          </a:p>
+        </p:txBody>
+      </p:sp>
+      <p:sp>
+        <p:nvSpPr>
+          <p:cNvPr id="14" name="テキスト ボックス 13"/>
+          <p:cNvSpPr txBox="1"/>
+          <p:nvPr/>
+        </p:nvSpPr>
+        <p:spPr>
+          <a:xfrm>
+            <a:off x="4431026" y="4518122"/>
+            <a:ext cx="2454682" cy="369332"/>
+          </a:xfrm>
+          <a:prstGeom prst="rect">
+            <a:avLst/>
+          </a:prstGeom>
+          <a:noFill/>
+        </p:spPr>
+        <p:txBody>
+          <a:bodyPr wrap="square" rtlCol="0">
+            <a:spAutoFit/>
+          </a:bodyPr>
+          <a:lstStyle/>
+          <a:p>
+            <a:pPr algn="ctr"/>
+            <a:r>
+              <a:rPr kumimoji="1" lang="ja-JP" altLang="en-US" dirty="0" smtClean="0"/>
+              <a:t>小さくなっている図</a:t>
+            </a:r>
+            <a:endParaRPr kumimoji="1" lang="ja-JP" altLang="en-US" dirty="0"/>
           </a:p>
         </p:txBody>
       </p:sp>
     </p:spTree>
     <p:extLst>
       <p:ext uri="{BB962C8B-B14F-4D97-AF65-F5344CB8AC3E}">
-        <p14:creationId xmlns:p14="http://schemas.microsoft.com/office/powerpoint/2010/main" val="365879860"/>
+        <p14:creationId xmlns:p14="http://schemas.microsoft.com/office/powerpoint/2010/main" val="3651198302"/>
       </p:ext>
     </p:extLst>
   </p:cSld>
@@ -12377,39 +12931,472 @@
       </p:grpSpPr>
       <p:sp>
         <p:nvSpPr>
-          <p:cNvPr id="2" name="タイトル 1"/>
-          <p:cNvSpPr>
-            <a:spLocks noGrp="1"/>
-          </p:cNvSpPr>
-          <p:nvPr>
-            <p:ph type="title"/>
-          </p:nvPr>
-        </p:nvSpPr>
-        <p:spPr>
-          <a:xfrm>
-            <a:off x="732692" y="2545617"/>
-            <a:ext cx="10515600" cy="1325563"/>
-          </a:xfrm>
-        </p:spPr>
-        <p:txBody>
-          <a:bodyPr>
-            <a:normAutofit/>
+          <p:cNvPr id="4" name="楕円 3"/>
+          <p:cNvSpPr/>
+          <p:nvPr/>
+        </p:nvSpPr>
+        <p:spPr>
+          <a:xfrm>
+            <a:off x="7415590" y="2896435"/>
+            <a:ext cx="2778531" cy="1060173"/>
+          </a:xfrm>
+          <a:prstGeom prst="ellipse">
+            <a:avLst/>
+          </a:prstGeom>
+          <a:solidFill>
+            <a:schemeClr val="bg1"/>
+          </a:solidFill>
+          <a:ln w="57150" cap="flat" cmpd="sng" algn="ctr">
+            <a:solidFill>
+              <a:srgbClr val="7030A0"/>
+            </a:solidFill>
+            <a:prstDash val="solid"/>
+            <a:round/>
+            <a:headEnd type="none" w="med" len="med"/>
+            <a:tailEnd type="none" w="med" len="med"/>
+          </a:ln>
+        </p:spPr>
+        <p:style>
+          <a:lnRef idx="0">
+            <a:scrgbClr r="0" g="0" b="0"/>
+          </a:lnRef>
+          <a:fillRef idx="0">
+            <a:scrgbClr r="0" g="0" b="0"/>
+          </a:fillRef>
+          <a:effectRef idx="0">
+            <a:scrgbClr r="0" g="0" b="0"/>
+          </a:effectRef>
+          <a:fontRef idx="minor">
+            <a:schemeClr val="accent5"/>
+          </a:fontRef>
+        </p:style>
+        <p:txBody>
+          <a:bodyPr rtlCol="0" anchor="ctr"/>
+          <a:lstStyle/>
+          <a:p>
+            <a:pPr algn="ctr"/>
+            <a:endParaRPr kumimoji="1" lang="ja-JP" altLang="en-US"/>
+          </a:p>
+        </p:txBody>
+      </p:sp>
+      <p:sp>
+        <p:nvSpPr>
+          <p:cNvPr id="5" name="テキスト ボックス 4"/>
+          <p:cNvSpPr txBox="1"/>
+          <p:nvPr/>
+        </p:nvSpPr>
+        <p:spPr>
+          <a:xfrm>
+            <a:off x="7495522" y="3241855"/>
+            <a:ext cx="2784149" cy="369332"/>
+          </a:xfrm>
+          <a:prstGeom prst="rect">
+            <a:avLst/>
+          </a:prstGeom>
+          <a:noFill/>
+        </p:spPr>
+        <p:txBody>
+          <a:bodyPr wrap="square" rtlCol="0">
+            <a:spAutoFit/>
           </a:bodyPr>
           <a:lstStyle/>
           <a:p>
-            <a:pPr algn="ctr"/>
-            <a:r>
-              <a:rPr kumimoji="1" lang="ja-JP" altLang="en-US" sz="7200" dirty="0" smtClean="0"/>
-              <a:t>リザルト画面</a:t>
-            </a:r>
-            <a:endParaRPr kumimoji="1" lang="ja-JP" altLang="en-US" sz="7200" dirty="0"/>
+            <a:r>
+              <a:rPr lang="ja-JP" altLang="en-US" b="1" u="sng" dirty="0"/>
+              <a:t>タイマーが０になったら</a:t>
+            </a:r>
+          </a:p>
+        </p:txBody>
+      </p:sp>
+      <p:sp>
+        <p:nvSpPr>
+          <p:cNvPr id="7" name="正方形/長方形 6"/>
+          <p:cNvSpPr/>
+          <p:nvPr/>
+        </p:nvSpPr>
+        <p:spPr>
+          <a:xfrm>
+            <a:off x="817185" y="942109"/>
+            <a:ext cx="10155615" cy="5409363"/>
+          </a:xfrm>
+          <a:prstGeom prst="rect">
+            <a:avLst/>
+          </a:prstGeom>
+          <a:noFill/>
+          <a:ln w="38100"/>
+        </p:spPr>
+        <p:style>
+          <a:lnRef idx="2">
+            <a:schemeClr val="dk1"/>
+          </a:lnRef>
+          <a:fillRef idx="1">
+            <a:schemeClr val="lt1"/>
+          </a:fillRef>
+          <a:effectRef idx="0">
+            <a:schemeClr val="dk1"/>
+          </a:effectRef>
+          <a:fontRef idx="minor">
+            <a:schemeClr val="dk1"/>
+          </a:fontRef>
+        </p:style>
+        <p:txBody>
+          <a:bodyPr rtlCol="0" anchor="ctr"/>
+          <a:lstStyle/>
+          <a:p>
+            <a:pPr algn="ctr"/>
+            <a:endParaRPr kumimoji="1" lang="ja-JP" altLang="en-US"/>
+          </a:p>
+        </p:txBody>
+      </p:sp>
+      <p:sp>
+        <p:nvSpPr>
+          <p:cNvPr id="9" name="円形吹き出し 8"/>
+          <p:cNvSpPr/>
+          <p:nvPr/>
+        </p:nvSpPr>
+        <p:spPr>
+          <a:xfrm rot="5400000">
+            <a:off x="9535598" y="2656361"/>
+            <a:ext cx="2385196" cy="858663"/>
+          </a:xfrm>
+          <a:prstGeom prst="wedgeEllipseCallout">
+            <a:avLst>
+              <a:gd name="adj1" fmla="val 6274"/>
+              <a:gd name="adj2" fmla="val 63081"/>
+            </a:avLst>
+          </a:prstGeom>
+          <a:ln w="38100">
+            <a:headEnd type="none" w="med" len="med"/>
+            <a:tailEnd type="none" w="med" len="med"/>
+          </a:ln>
+        </p:spPr>
+        <p:style>
+          <a:lnRef idx="2">
+            <a:schemeClr val="accent2"/>
+          </a:lnRef>
+          <a:fillRef idx="1">
+            <a:schemeClr val="lt1"/>
+          </a:fillRef>
+          <a:effectRef idx="0">
+            <a:schemeClr val="accent2"/>
+          </a:effectRef>
+          <a:fontRef idx="minor">
+            <a:schemeClr val="dk1"/>
+          </a:fontRef>
+        </p:style>
+        <p:txBody>
+          <a:bodyPr rtlCol="0" anchor="ctr"/>
+          <a:lstStyle/>
+          <a:p>
+            <a:pPr algn="ctr"/>
+            <a:endParaRPr kumimoji="1" lang="ja-JP" altLang="en-US"/>
+          </a:p>
+        </p:txBody>
+      </p:sp>
+      <p:sp>
+        <p:nvSpPr>
+          <p:cNvPr id="2" name="正方形/長方形 1"/>
+          <p:cNvSpPr/>
+          <p:nvPr/>
+        </p:nvSpPr>
+        <p:spPr>
+          <a:xfrm>
+            <a:off x="651778" y="568448"/>
+            <a:ext cx="4493538" cy="523220"/>
+          </a:xfrm>
+          <a:prstGeom prst="rect">
+            <a:avLst/>
+          </a:prstGeom>
+          <a:solidFill>
+            <a:schemeClr val="bg1"/>
+          </a:solidFill>
+          <a:ln w="19050">
+            <a:solidFill>
+              <a:schemeClr val="tx1"/>
+            </a:solidFill>
+          </a:ln>
+        </p:spPr>
+        <p:txBody>
+          <a:bodyPr wrap="none">
+            <a:spAutoFit/>
+          </a:bodyPr>
+          <a:lstStyle/>
+          <a:p>
+            <a:r>
+              <a:rPr lang="ja-JP" altLang="en-US" sz="2800" b="1" dirty="0"/>
+              <a:t>タイマーが０に</a:t>
+            </a:r>
+            <a:r>
+              <a:rPr lang="ja-JP" altLang="en-US" sz="2800" b="1" dirty="0" smtClean="0"/>
+              <a:t>なった場合</a:t>
+            </a:r>
+            <a:endParaRPr lang="ja-JP" altLang="en-US" sz="2800" b="1" dirty="0"/>
+          </a:p>
+        </p:txBody>
+      </p:sp>
+      <p:sp>
+        <p:nvSpPr>
+          <p:cNvPr id="16" name="テキスト ボックス 15"/>
+          <p:cNvSpPr txBox="1"/>
+          <p:nvPr/>
+        </p:nvSpPr>
+        <p:spPr>
+          <a:xfrm>
+            <a:off x="7070851" y="1729723"/>
+            <a:ext cx="3310822" cy="461665"/>
+          </a:xfrm>
+          <a:prstGeom prst="rect">
+            <a:avLst/>
+          </a:prstGeom>
+          <a:noFill/>
+          <a:ln>
+            <a:solidFill>
+              <a:schemeClr val="tx1"/>
+            </a:solidFill>
+          </a:ln>
+        </p:spPr>
+        <p:txBody>
+          <a:bodyPr wrap="square" rtlCol="0">
+            <a:spAutoFit/>
+          </a:bodyPr>
+          <a:lstStyle/>
+          <a:p>
+            <a:pPr algn="ctr"/>
+            <a:r>
+              <a:rPr lang="ja-JP" altLang="en-US" sz="2400" b="1" dirty="0" smtClean="0"/>
+              <a:t>フィニッシュ</a:t>
+            </a:r>
+            <a:r>
+              <a:rPr kumimoji="1" lang="ja-JP" altLang="en-US" sz="2400" b="1" dirty="0" smtClean="0"/>
+              <a:t>の</a:t>
+            </a:r>
+            <a:r>
+              <a:rPr kumimoji="1" lang="en-US" altLang="ja-JP" sz="2400" b="1" dirty="0" smtClean="0"/>
+              <a:t>UI</a:t>
+            </a:r>
+            <a:r>
+              <a:rPr kumimoji="1" lang="ja-JP" altLang="en-US" sz="2400" b="1" dirty="0" smtClean="0"/>
+              <a:t>出す</a:t>
+            </a:r>
+            <a:endParaRPr kumimoji="1" lang="ja-JP" altLang="en-US" sz="2400" b="1" dirty="0"/>
+          </a:p>
+        </p:txBody>
+      </p:sp>
+      <p:sp>
+        <p:nvSpPr>
+          <p:cNvPr id="3" name="テキスト ボックス 2"/>
+          <p:cNvSpPr txBox="1"/>
+          <p:nvPr/>
+        </p:nvSpPr>
+        <p:spPr>
+          <a:xfrm>
+            <a:off x="990482" y="1662263"/>
+            <a:ext cx="4154834" cy="461665"/>
+          </a:xfrm>
+          <a:prstGeom prst="rect">
+            <a:avLst/>
+          </a:prstGeom>
+          <a:noFill/>
+        </p:spPr>
+        <p:txBody>
+          <a:bodyPr wrap="square" rtlCol="0">
+            <a:spAutoFit/>
+          </a:bodyPr>
+          <a:lstStyle/>
+          <a:p>
+            <a:r>
+              <a:rPr lang="ja-JP" altLang="en-US" dirty="0" smtClean="0"/>
+              <a:t>・</a:t>
+            </a:r>
+            <a:r>
+              <a:rPr lang="ja-JP" altLang="en-US" sz="2400" b="1" dirty="0" smtClean="0"/>
+              <a:t>プレイヤーを動かなくする</a:t>
+            </a:r>
+            <a:endParaRPr lang="en-US" altLang="ja-JP" sz="2400" b="1" dirty="0" smtClean="0"/>
+          </a:p>
+        </p:txBody>
+      </p:sp>
+      <p:sp>
+        <p:nvSpPr>
+          <p:cNvPr id="8" name="下矢印 7"/>
+          <p:cNvSpPr/>
+          <p:nvPr/>
+        </p:nvSpPr>
+        <p:spPr>
+          <a:xfrm rot="10800000">
+            <a:off x="8393835" y="2210351"/>
+            <a:ext cx="674255" cy="781709"/>
+          </a:xfrm>
+          <a:prstGeom prst="downArrow">
+            <a:avLst/>
+          </a:prstGeom>
+        </p:spPr>
+        <p:style>
+          <a:lnRef idx="2">
+            <a:schemeClr val="accent1">
+              <a:shade val="50000"/>
+            </a:schemeClr>
+          </a:lnRef>
+          <a:fillRef idx="1">
+            <a:schemeClr val="accent1"/>
+          </a:fillRef>
+          <a:effectRef idx="0">
+            <a:schemeClr val="accent1"/>
+          </a:effectRef>
+          <a:fontRef idx="minor">
+            <a:schemeClr val="lt1"/>
+          </a:fontRef>
+        </p:style>
+        <p:txBody>
+          <a:bodyPr rtlCol="0" anchor="ctr"/>
+          <a:lstStyle/>
+          <a:p>
+            <a:pPr algn="ctr"/>
+            <a:endParaRPr kumimoji="1" lang="ja-JP" altLang="en-US"/>
+          </a:p>
+        </p:txBody>
+      </p:sp>
+      <p:sp>
+        <p:nvSpPr>
+          <p:cNvPr id="10" name="テキスト ボックス 9"/>
+          <p:cNvSpPr txBox="1"/>
+          <p:nvPr/>
+        </p:nvSpPr>
+        <p:spPr>
+          <a:xfrm>
+            <a:off x="10530328" y="2284242"/>
+            <a:ext cx="461665" cy="1746257"/>
+          </a:xfrm>
+          <a:prstGeom prst="rect">
+            <a:avLst/>
+          </a:prstGeom>
+          <a:noFill/>
+        </p:spPr>
+        <p:txBody>
+          <a:bodyPr vert="eaVert" wrap="square" rtlCol="0">
+            <a:spAutoFit/>
+          </a:bodyPr>
+          <a:lstStyle/>
+          <a:p>
+            <a:r>
+              <a:rPr lang="ja-JP" altLang="en-US" dirty="0" smtClean="0"/>
+              <a:t>があるところに</a:t>
+            </a:r>
+            <a:endParaRPr kumimoji="1" lang="ja-JP" altLang="en-US" dirty="0"/>
+          </a:p>
+        </p:txBody>
+      </p:sp>
+      <p:sp>
+        <p:nvSpPr>
+          <p:cNvPr id="13" name="テキスト ボックス 12"/>
+          <p:cNvSpPr txBox="1"/>
+          <p:nvPr/>
+        </p:nvSpPr>
+        <p:spPr>
+          <a:xfrm>
+            <a:off x="990482" y="3184603"/>
+            <a:ext cx="4154834" cy="461665"/>
+          </a:xfrm>
+          <a:prstGeom prst="rect">
+            <a:avLst/>
+          </a:prstGeom>
+          <a:noFill/>
+        </p:spPr>
+        <p:txBody>
+          <a:bodyPr wrap="square" rtlCol="0">
+            <a:spAutoFit/>
+          </a:bodyPr>
+          <a:lstStyle/>
+          <a:p>
+            <a:r>
+              <a:rPr lang="ja-JP" altLang="en-US" dirty="0" smtClean="0"/>
+              <a:t>・</a:t>
+            </a:r>
+            <a:r>
+              <a:rPr lang="ja-JP" altLang="en-US" sz="2400" b="1" dirty="0" smtClean="0"/>
+              <a:t>タイマーを０以下にしない</a:t>
+            </a:r>
+            <a:endParaRPr lang="en-US" altLang="ja-JP" sz="2400" b="1" dirty="0" smtClean="0"/>
+          </a:p>
+        </p:txBody>
+      </p:sp>
+      <p:sp>
+        <p:nvSpPr>
+          <p:cNvPr id="6" name="右矢印 5"/>
+          <p:cNvSpPr/>
+          <p:nvPr/>
+        </p:nvSpPr>
+        <p:spPr>
+          <a:xfrm>
+            <a:off x="990482" y="2241070"/>
+            <a:ext cx="727482" cy="406400"/>
+          </a:xfrm>
+          <a:prstGeom prst="rightArrow">
+            <a:avLst>
+              <a:gd name="adj1" fmla="val 50000"/>
+              <a:gd name="adj2" fmla="val 72727"/>
+            </a:avLst>
+          </a:prstGeom>
+        </p:spPr>
+        <p:style>
+          <a:lnRef idx="2">
+            <a:schemeClr val="dk1">
+              <a:shade val="50000"/>
+            </a:schemeClr>
+          </a:lnRef>
+          <a:fillRef idx="1">
+            <a:schemeClr val="dk1"/>
+          </a:fillRef>
+          <a:effectRef idx="0">
+            <a:schemeClr val="dk1"/>
+          </a:effectRef>
+          <a:fontRef idx="minor">
+            <a:schemeClr val="lt1"/>
+          </a:fontRef>
+        </p:style>
+        <p:txBody>
+          <a:bodyPr rtlCol="0" anchor="ctr"/>
+          <a:lstStyle/>
+          <a:p>
+            <a:pPr algn="ctr"/>
+            <a:endParaRPr kumimoji="1" lang="ja-JP" altLang="en-US"/>
+          </a:p>
+        </p:txBody>
+      </p:sp>
+      <p:sp>
+        <p:nvSpPr>
+          <p:cNvPr id="11" name="テキスト ボックス 10"/>
+          <p:cNvSpPr txBox="1"/>
+          <p:nvPr/>
+        </p:nvSpPr>
+        <p:spPr>
+          <a:xfrm>
+            <a:off x="1717964" y="2271037"/>
+            <a:ext cx="3602182" cy="461665"/>
+          </a:xfrm>
+          <a:prstGeom prst="rect">
+            <a:avLst/>
+          </a:prstGeom>
+          <a:noFill/>
+        </p:spPr>
+        <p:txBody>
+          <a:bodyPr wrap="square" rtlCol="0">
+            <a:spAutoFit/>
+          </a:bodyPr>
+          <a:lstStyle/>
+          <a:p>
+            <a:r>
+              <a:rPr kumimoji="1" lang="ja-JP" altLang="en-US" sz="2400" b="1" dirty="0" smtClean="0"/>
+              <a:t>操作をできなくする</a:t>
+            </a:r>
+            <a:endParaRPr kumimoji="1" lang="ja-JP" altLang="en-US" sz="2400" b="1" dirty="0"/>
           </a:p>
         </p:txBody>
       </p:sp>
     </p:spTree>
     <p:extLst>
       <p:ext uri="{BB962C8B-B14F-4D97-AF65-F5344CB8AC3E}">
-        <p14:creationId xmlns:p14="http://schemas.microsoft.com/office/powerpoint/2010/main" val="2744418924"/>
+        <p14:creationId xmlns:p14="http://schemas.microsoft.com/office/powerpoint/2010/main" val="365879860"/>
       </p:ext>
     </p:extLst>
   </p:cSld>
@@ -12438,1202 +13425,39 @@
       </p:grpSpPr>
       <p:sp>
         <p:nvSpPr>
-          <p:cNvPr id="5" name="正方形/長方形 4"/>
-          <p:cNvSpPr/>
-          <p:nvPr/>
-        </p:nvSpPr>
-        <p:spPr>
-          <a:xfrm>
-            <a:off x="650631" y="901211"/>
-            <a:ext cx="10955215" cy="5653454"/>
-          </a:xfrm>
-          <a:prstGeom prst="rect">
-            <a:avLst/>
-          </a:prstGeom>
-          <a:noFill/>
-          <a:ln w="38100" cap="flat" cmpd="sng" algn="ctr">
-            <a:solidFill>
-              <a:schemeClr val="dk1"/>
-            </a:solidFill>
-            <a:prstDash val="solid"/>
-            <a:round/>
-            <a:headEnd type="none" w="med" len="med"/>
-            <a:tailEnd type="none" w="med" len="med"/>
-          </a:ln>
-        </p:spPr>
-        <p:style>
-          <a:lnRef idx="0">
-            <a:scrgbClr r="0" g="0" b="0"/>
-          </a:lnRef>
-          <a:fillRef idx="0">
-            <a:scrgbClr r="0" g="0" b="0"/>
-          </a:fillRef>
-          <a:effectRef idx="0">
-            <a:scrgbClr r="0" g="0" b="0"/>
-          </a:effectRef>
-          <a:fontRef idx="minor">
-            <a:schemeClr val="dk1"/>
-          </a:fontRef>
-        </p:style>
-        <p:txBody>
-          <a:bodyPr rtlCol="0" anchor="ctr"/>
-          <a:lstStyle/>
-          <a:p>
-            <a:pPr algn="ctr"/>
-            <a:endParaRPr kumimoji="1" lang="ja-JP" altLang="en-US"/>
-          </a:p>
-        </p:txBody>
-      </p:sp>
-      <p:sp>
-        <p:nvSpPr>
-          <p:cNvPr id="18" name="片側の 2 つの角を切り取った四角形 17"/>
-          <p:cNvSpPr/>
-          <p:nvPr/>
-        </p:nvSpPr>
-        <p:spPr>
-          <a:xfrm>
-            <a:off x="919487" y="575896"/>
-            <a:ext cx="2949128" cy="650630"/>
-          </a:xfrm>
-          <a:prstGeom prst="snip2SameRect">
-            <a:avLst/>
-          </a:prstGeom>
-        </p:spPr>
-        <p:style>
-          <a:lnRef idx="2">
-            <a:schemeClr val="accent2">
-              <a:shade val="50000"/>
-            </a:schemeClr>
-          </a:lnRef>
-          <a:fillRef idx="1">
-            <a:schemeClr val="accent2"/>
-          </a:fillRef>
-          <a:effectRef idx="0">
-            <a:schemeClr val="accent2"/>
-          </a:effectRef>
-          <a:fontRef idx="minor">
-            <a:schemeClr val="lt1"/>
-          </a:fontRef>
-        </p:style>
-        <p:txBody>
-          <a:bodyPr rtlCol="0" anchor="ctr"/>
-          <a:lstStyle/>
-          <a:p>
-            <a:pPr algn="ctr"/>
-            <a:endParaRPr kumimoji="1" lang="ja-JP" altLang="en-US"/>
-          </a:p>
-        </p:txBody>
-      </p:sp>
-      <p:sp>
-        <p:nvSpPr>
-          <p:cNvPr id="19" name="テキスト ボックス 18"/>
-          <p:cNvSpPr txBox="1"/>
-          <p:nvPr/>
-        </p:nvSpPr>
-        <p:spPr>
-          <a:xfrm>
-            <a:off x="1017598" y="685876"/>
-            <a:ext cx="2622417" cy="523220"/>
-          </a:xfrm>
-          <a:prstGeom prst="rect">
-            <a:avLst/>
-          </a:prstGeom>
-          <a:noFill/>
-        </p:spPr>
-        <p:txBody>
-          <a:bodyPr wrap="square" rtlCol="0">
-            <a:spAutoFit/>
+          <p:cNvPr id="2" name="タイトル 1"/>
+          <p:cNvSpPr>
+            <a:spLocks noGrp="1"/>
+          </p:cNvSpPr>
+          <p:nvPr>
+            <p:ph type="title"/>
+          </p:nvPr>
+        </p:nvSpPr>
+        <p:spPr>
+          <a:xfrm>
+            <a:off x="732692" y="2545617"/>
+            <a:ext cx="10515600" cy="1325563"/>
+          </a:xfrm>
+        </p:spPr>
+        <p:txBody>
+          <a:bodyPr>
+            <a:normAutofit/>
           </a:bodyPr>
           <a:lstStyle/>
           <a:p>
             <a:pPr algn="ctr"/>
             <a:r>
-              <a:rPr kumimoji="1" lang="ja-JP" altLang="en-US" sz="2800" b="1" dirty="0" smtClean="0">
-                <a:solidFill>
-                  <a:schemeClr val="bg2"/>
-                </a:solidFill>
-              </a:rPr>
-              <a:t>１つの場合</a:t>
-            </a:r>
-            <a:endParaRPr kumimoji="1" lang="ja-JP" altLang="en-US" sz="2800" b="1" dirty="0">
-              <a:solidFill>
-                <a:schemeClr val="bg2"/>
-              </a:solidFill>
-            </a:endParaRPr>
-          </a:p>
-        </p:txBody>
-      </p:sp>
-      <p:sp>
-        <p:nvSpPr>
-          <p:cNvPr id="22" name="正方形/長方形 21"/>
-          <p:cNvSpPr/>
-          <p:nvPr/>
-        </p:nvSpPr>
-        <p:spPr>
-          <a:xfrm>
-            <a:off x="4571382" y="480564"/>
-            <a:ext cx="3605463" cy="699047"/>
-          </a:xfrm>
-          <a:prstGeom prst="rect">
-            <a:avLst/>
-          </a:prstGeom>
-        </p:spPr>
-        <p:style>
-          <a:lnRef idx="2">
-            <a:schemeClr val="dk1"/>
-          </a:lnRef>
-          <a:fillRef idx="1">
-            <a:schemeClr val="lt1"/>
-          </a:fillRef>
-          <a:effectRef idx="0">
-            <a:schemeClr val="dk1"/>
-          </a:effectRef>
-          <a:fontRef idx="minor">
-            <a:schemeClr val="dk1"/>
-          </a:fontRef>
-        </p:style>
-        <p:txBody>
-          <a:bodyPr rtlCol="0" anchor="ctr"/>
-          <a:lstStyle/>
-          <a:p>
-            <a:pPr algn="ctr"/>
-            <a:endParaRPr kumimoji="1" lang="ja-JP" altLang="en-US"/>
-          </a:p>
-        </p:txBody>
-      </p:sp>
-      <p:sp>
-        <p:nvSpPr>
-          <p:cNvPr id="23" name="正方形/長方形 22"/>
-          <p:cNvSpPr/>
-          <p:nvPr/>
-        </p:nvSpPr>
-        <p:spPr>
-          <a:xfrm>
-            <a:off x="5102751" y="565467"/>
-            <a:ext cx="2634479" cy="584775"/>
-          </a:xfrm>
-          <a:prstGeom prst="rect">
-            <a:avLst/>
-          </a:prstGeom>
-        </p:spPr>
-        <p:txBody>
-          <a:bodyPr wrap="square">
-            <a:spAutoFit/>
-          </a:bodyPr>
-          <a:lstStyle/>
-          <a:p>
-            <a:r>
-              <a:rPr lang="ja-JP" altLang="en-US" sz="3200" b="1" dirty="0" smtClean="0"/>
+              <a:rPr kumimoji="1" lang="ja-JP" altLang="en-US" sz="7200" dirty="0" smtClean="0"/>
               <a:t>リザルト画面</a:t>
             </a:r>
-            <a:endParaRPr lang="ja-JP" altLang="en-US" sz="3200" b="1" dirty="0"/>
-          </a:p>
-        </p:txBody>
-      </p:sp>
-      <p:sp>
-        <p:nvSpPr>
-          <p:cNvPr id="3" name="テキスト ボックス 2"/>
-          <p:cNvSpPr txBox="1"/>
-          <p:nvPr/>
-        </p:nvSpPr>
-        <p:spPr>
-          <a:xfrm>
-            <a:off x="1635370" y="5046785"/>
-            <a:ext cx="1802422" cy="707886"/>
-          </a:xfrm>
-          <a:prstGeom prst="rect">
-            <a:avLst/>
-          </a:prstGeom>
-          <a:noFill/>
-        </p:spPr>
-        <p:txBody>
-          <a:bodyPr wrap="square" rtlCol="0">
-            <a:spAutoFit/>
-          </a:bodyPr>
-          <a:lstStyle/>
-          <a:p>
-            <a:pPr algn="ctr"/>
-            <a:r>
-              <a:rPr kumimoji="1" lang="ja-JP" altLang="en-US" sz="4000" b="1" dirty="0" smtClean="0">
-                <a:ln w="9525">
-                  <a:solidFill>
-                    <a:schemeClr val="bg1"/>
-                  </a:solidFill>
-                  <a:prstDash val="solid"/>
-                </a:ln>
-                <a:solidFill>
-                  <a:srgbClr val="C3C361"/>
-                </a:solidFill>
-                <a:effectLst>
-                  <a:outerShdw blurRad="12700" dist="38100" dir="2700000" algn="tl" rotWithShape="0">
-                    <a:schemeClr val="bg1">
-                      <a:lumMod val="50000"/>
-                    </a:schemeClr>
-                  </a:outerShdw>
-                </a:effectLst>
-              </a:rPr>
-              <a:t>１</a:t>
-            </a:r>
-            <a:r>
-              <a:rPr lang="ja-JP" altLang="en-US" sz="4000" b="1" dirty="0">
-                <a:ln w="9525">
-                  <a:solidFill>
-                    <a:schemeClr val="bg1"/>
-                  </a:solidFill>
-                  <a:prstDash val="solid"/>
-                </a:ln>
-                <a:solidFill>
-                  <a:srgbClr val="C3C361"/>
-                </a:solidFill>
-                <a:effectLst>
-                  <a:outerShdw blurRad="12700" dist="38100" dir="2700000" algn="tl" rotWithShape="0">
-                    <a:schemeClr val="bg1">
-                      <a:lumMod val="50000"/>
-                    </a:schemeClr>
-                  </a:outerShdw>
-                </a:effectLst>
-              </a:rPr>
-              <a:t>位</a:t>
-            </a:r>
-            <a:endParaRPr kumimoji="1" lang="ja-JP" altLang="en-US" sz="4000" b="1" dirty="0">
-              <a:ln w="9525">
-                <a:solidFill>
-                  <a:schemeClr val="bg1"/>
-                </a:solidFill>
-                <a:prstDash val="solid"/>
-              </a:ln>
-              <a:solidFill>
-                <a:srgbClr val="C3C361"/>
-              </a:solidFill>
-              <a:effectLst>
-                <a:outerShdw blurRad="12700" dist="38100" dir="2700000" algn="tl" rotWithShape="0">
-                  <a:schemeClr val="bg1">
-                    <a:lumMod val="50000"/>
-                  </a:schemeClr>
-                </a:outerShdw>
-              </a:effectLst>
-            </a:endParaRPr>
-          </a:p>
-        </p:txBody>
-      </p:sp>
-      <p:sp>
-        <p:nvSpPr>
-          <p:cNvPr id="20" name="テキスト ボックス 19"/>
-          <p:cNvSpPr txBox="1"/>
-          <p:nvPr/>
-        </p:nvSpPr>
-        <p:spPr>
-          <a:xfrm>
-            <a:off x="3868615" y="5046785"/>
-            <a:ext cx="1802422" cy="707886"/>
-          </a:xfrm>
-          <a:prstGeom prst="rect">
-            <a:avLst/>
-          </a:prstGeom>
-          <a:noFill/>
-        </p:spPr>
-        <p:txBody>
-          <a:bodyPr wrap="square" rtlCol="0">
-            <a:spAutoFit/>
-          </a:bodyPr>
-          <a:lstStyle/>
-          <a:p>
-            <a:pPr algn="ctr"/>
-            <a:r>
-              <a:rPr kumimoji="1" lang="ja-JP" altLang="en-US" sz="4000" b="1" dirty="0" smtClean="0">
-                <a:ln w="9525">
-                  <a:solidFill>
-                    <a:schemeClr val="tx1">
-                      <a:lumMod val="50000"/>
-                      <a:lumOff val="50000"/>
-                    </a:schemeClr>
-                  </a:solidFill>
-                  <a:prstDash val="solid"/>
-                </a:ln>
-                <a:solidFill>
-                  <a:schemeClr val="bg2">
-                    <a:lumMod val="75000"/>
-                  </a:schemeClr>
-                </a:solidFill>
-                <a:effectLst>
-                  <a:outerShdw blurRad="12700" dist="38100" dir="2700000" algn="tl" rotWithShape="0">
-                    <a:schemeClr val="bg1">
-                      <a:lumMod val="50000"/>
-                    </a:schemeClr>
-                  </a:outerShdw>
-                </a:effectLst>
-              </a:rPr>
-              <a:t>２</a:t>
-            </a:r>
-            <a:r>
-              <a:rPr lang="ja-JP" altLang="en-US" sz="4000" b="1" dirty="0" smtClean="0">
-                <a:ln w="9525">
-                  <a:solidFill>
-                    <a:schemeClr val="tx1">
-                      <a:lumMod val="50000"/>
-                      <a:lumOff val="50000"/>
-                    </a:schemeClr>
-                  </a:solidFill>
-                  <a:prstDash val="solid"/>
-                </a:ln>
-                <a:solidFill>
-                  <a:schemeClr val="bg2">
-                    <a:lumMod val="75000"/>
-                  </a:schemeClr>
-                </a:solidFill>
-                <a:effectLst>
-                  <a:outerShdw blurRad="12700" dist="38100" dir="2700000" algn="tl" rotWithShape="0">
-                    <a:schemeClr val="bg1">
-                      <a:lumMod val="50000"/>
-                    </a:schemeClr>
-                  </a:outerShdw>
-                </a:effectLst>
-              </a:rPr>
-              <a:t>位</a:t>
-            </a:r>
-            <a:endParaRPr kumimoji="1" lang="ja-JP" altLang="en-US" sz="4000" b="1" dirty="0">
-              <a:ln w="9525">
-                <a:solidFill>
-                  <a:schemeClr val="tx1">
-                    <a:lumMod val="50000"/>
-                    <a:lumOff val="50000"/>
-                  </a:schemeClr>
-                </a:solidFill>
-                <a:prstDash val="solid"/>
-              </a:ln>
-              <a:solidFill>
-                <a:schemeClr val="bg2">
-                  <a:lumMod val="75000"/>
-                </a:schemeClr>
-              </a:solidFill>
-              <a:effectLst>
-                <a:outerShdw blurRad="12700" dist="38100" dir="2700000" algn="tl" rotWithShape="0">
-                  <a:schemeClr val="bg1">
-                    <a:lumMod val="50000"/>
-                  </a:schemeClr>
-                </a:outerShdw>
-              </a:effectLst>
-            </a:endParaRPr>
-          </a:p>
-        </p:txBody>
-      </p:sp>
-      <p:sp>
-        <p:nvSpPr>
-          <p:cNvPr id="21" name="テキスト ボックス 20"/>
-          <p:cNvSpPr txBox="1"/>
-          <p:nvPr/>
-        </p:nvSpPr>
-        <p:spPr>
-          <a:xfrm>
-            <a:off x="6227884" y="5046785"/>
-            <a:ext cx="1802422" cy="707886"/>
-          </a:xfrm>
-          <a:prstGeom prst="rect">
-            <a:avLst/>
-          </a:prstGeom>
-          <a:noFill/>
-        </p:spPr>
-        <p:txBody>
-          <a:bodyPr wrap="square" rtlCol="0">
-            <a:spAutoFit/>
-          </a:bodyPr>
-          <a:lstStyle/>
-          <a:p>
-            <a:pPr algn="ctr"/>
-            <a:r>
-              <a:rPr kumimoji="1" lang="ja-JP" altLang="en-US" sz="4000" b="1" dirty="0" smtClean="0">
-                <a:ln w="9525">
-                  <a:solidFill>
-                    <a:schemeClr val="tx2">
-                      <a:lumMod val="20000"/>
-                      <a:lumOff val="80000"/>
-                    </a:schemeClr>
-                  </a:solidFill>
-                  <a:prstDash val="solid"/>
-                </a:ln>
-                <a:solidFill>
-                  <a:schemeClr val="accent2">
-                    <a:lumMod val="75000"/>
-                  </a:schemeClr>
-                </a:solidFill>
-                <a:effectLst>
-                  <a:outerShdw blurRad="12700" dist="38100" dir="2700000" algn="tl" rotWithShape="0">
-                    <a:schemeClr val="bg1">
-                      <a:lumMod val="50000"/>
-                    </a:schemeClr>
-                  </a:outerShdw>
-                </a:effectLst>
-              </a:rPr>
-              <a:t>３</a:t>
-            </a:r>
-            <a:r>
-              <a:rPr lang="ja-JP" altLang="en-US" sz="4000" b="1" dirty="0" smtClean="0">
-                <a:ln w="9525">
-                  <a:solidFill>
-                    <a:schemeClr val="tx2">
-                      <a:lumMod val="20000"/>
-                      <a:lumOff val="80000"/>
-                    </a:schemeClr>
-                  </a:solidFill>
-                  <a:prstDash val="solid"/>
-                </a:ln>
-                <a:solidFill>
-                  <a:schemeClr val="accent2">
-                    <a:lumMod val="75000"/>
-                  </a:schemeClr>
-                </a:solidFill>
-                <a:effectLst>
-                  <a:outerShdw blurRad="12700" dist="38100" dir="2700000" algn="tl" rotWithShape="0">
-                    <a:schemeClr val="bg1">
-                      <a:lumMod val="50000"/>
-                    </a:schemeClr>
-                  </a:outerShdw>
-                </a:effectLst>
-              </a:rPr>
-              <a:t>位</a:t>
-            </a:r>
-            <a:endParaRPr kumimoji="1" lang="ja-JP" altLang="en-US" sz="4000" b="1" dirty="0">
-              <a:ln w="9525">
-                <a:solidFill>
-                  <a:schemeClr val="tx2">
-                    <a:lumMod val="20000"/>
-                    <a:lumOff val="80000"/>
-                  </a:schemeClr>
-                </a:solidFill>
-                <a:prstDash val="solid"/>
-              </a:ln>
-              <a:solidFill>
-                <a:schemeClr val="accent2">
-                  <a:lumMod val="75000"/>
-                </a:schemeClr>
-              </a:solidFill>
-              <a:effectLst>
-                <a:outerShdw blurRad="12700" dist="38100" dir="2700000" algn="tl" rotWithShape="0">
-                  <a:schemeClr val="bg1">
-                    <a:lumMod val="50000"/>
-                  </a:schemeClr>
-                </a:outerShdw>
-              </a:effectLst>
-            </a:endParaRPr>
-          </a:p>
-        </p:txBody>
-      </p:sp>
-      <p:sp>
-        <p:nvSpPr>
-          <p:cNvPr id="24" name="テキスト ボックス 23"/>
-          <p:cNvSpPr txBox="1"/>
-          <p:nvPr/>
-        </p:nvSpPr>
-        <p:spPr>
-          <a:xfrm>
-            <a:off x="8508022" y="5046785"/>
-            <a:ext cx="1802422" cy="707886"/>
-          </a:xfrm>
-          <a:prstGeom prst="rect">
-            <a:avLst/>
-          </a:prstGeom>
-          <a:noFill/>
-        </p:spPr>
-        <p:txBody>
-          <a:bodyPr wrap="square" rtlCol="0">
-            <a:spAutoFit/>
-          </a:bodyPr>
-          <a:lstStyle/>
-          <a:p>
-            <a:pPr algn="ctr"/>
-            <a:r>
-              <a:rPr kumimoji="1" lang="ja-JP" altLang="en-US" sz="4000" b="1" dirty="0" smtClean="0">
-                <a:ln w="9525">
-                  <a:solidFill>
-                    <a:srgbClr val="0070C0"/>
-                  </a:solidFill>
-                  <a:prstDash val="solid"/>
-                </a:ln>
-                <a:solidFill>
-                  <a:srgbClr val="9231A5"/>
-                </a:solidFill>
-                <a:effectLst>
-                  <a:outerShdw blurRad="12700" dist="38100" dir="2700000" algn="tl" rotWithShape="0">
-                    <a:schemeClr val="bg1">
-                      <a:lumMod val="50000"/>
-                    </a:schemeClr>
-                  </a:outerShdw>
-                </a:effectLst>
-              </a:rPr>
-              <a:t>４</a:t>
-            </a:r>
-            <a:r>
-              <a:rPr lang="ja-JP" altLang="en-US" sz="4000" b="1" dirty="0" smtClean="0">
-                <a:ln w="9525">
-                  <a:solidFill>
-                    <a:srgbClr val="0070C0"/>
-                  </a:solidFill>
-                  <a:prstDash val="solid"/>
-                </a:ln>
-                <a:solidFill>
-                  <a:srgbClr val="9231A5"/>
-                </a:solidFill>
-                <a:effectLst>
-                  <a:outerShdw blurRad="12700" dist="38100" dir="2700000" algn="tl" rotWithShape="0">
-                    <a:schemeClr val="bg1">
-                      <a:lumMod val="50000"/>
-                    </a:schemeClr>
-                  </a:outerShdw>
-                </a:effectLst>
-              </a:rPr>
-              <a:t>位</a:t>
-            </a:r>
-            <a:endParaRPr kumimoji="1" lang="ja-JP" altLang="en-US" sz="4000" b="1" dirty="0">
-              <a:ln w="9525">
-                <a:solidFill>
-                  <a:srgbClr val="0070C0"/>
-                </a:solidFill>
-                <a:prstDash val="solid"/>
-              </a:ln>
-              <a:solidFill>
-                <a:srgbClr val="9231A5"/>
-              </a:solidFill>
-              <a:effectLst>
-                <a:outerShdw blurRad="12700" dist="38100" dir="2700000" algn="tl" rotWithShape="0">
-                  <a:schemeClr val="bg1">
-                    <a:lumMod val="50000"/>
-                  </a:schemeClr>
-                </a:outerShdw>
-              </a:effectLst>
-            </a:endParaRPr>
-          </a:p>
-        </p:txBody>
-      </p:sp>
-      <p:sp>
-        <p:nvSpPr>
-          <p:cNvPr id="10" name="テキスト ボックス 9"/>
-          <p:cNvSpPr txBox="1"/>
-          <p:nvPr/>
-        </p:nvSpPr>
-        <p:spPr>
-          <a:xfrm>
-            <a:off x="1644162" y="1951891"/>
-            <a:ext cx="1793630" cy="461665"/>
-          </a:xfrm>
-          <a:prstGeom prst="rect">
-            <a:avLst/>
-          </a:prstGeom>
-          <a:noFill/>
-        </p:spPr>
-        <p:txBody>
-          <a:bodyPr wrap="square" rtlCol="0">
-            <a:spAutoFit/>
-          </a:bodyPr>
-          <a:lstStyle/>
-          <a:p>
-            <a:pPr algn="ctr"/>
-            <a:r>
-              <a:rPr lang="ja-JP" altLang="en-US" sz="2400" b="1" dirty="0" smtClean="0">
-                <a:ln w="9525">
-                  <a:solidFill>
-                    <a:schemeClr val="bg1"/>
-                  </a:solidFill>
-                  <a:prstDash val="solid"/>
-                </a:ln>
-                <a:solidFill>
-                  <a:srgbClr val="C3C361"/>
-                </a:solidFill>
-                <a:effectLst>
-                  <a:outerShdw blurRad="12700" dist="38100" dir="2700000" algn="tl" rotWithShape="0">
-                    <a:schemeClr val="bg1">
-                      <a:lumMod val="50000"/>
-                    </a:schemeClr>
-                  </a:outerShdw>
-                </a:effectLst>
-              </a:rPr>
-              <a:t>１位</a:t>
-            </a:r>
-            <a:r>
-              <a:rPr kumimoji="1" lang="ja-JP" altLang="en-US" sz="2400" b="1" dirty="0" smtClean="0"/>
-              <a:t>の</a:t>
-            </a:r>
-            <a:r>
-              <a:rPr kumimoji="1" lang="ja-JP" altLang="en-US" sz="2400" b="1" dirty="0" smtClean="0">
-                <a:solidFill>
-                  <a:srgbClr val="FF0000"/>
-                </a:solidFill>
-              </a:rPr>
-              <a:t>点数</a:t>
-            </a:r>
-            <a:endParaRPr kumimoji="1" lang="ja-JP" altLang="en-US" sz="2400" b="1" dirty="0">
-              <a:solidFill>
-                <a:srgbClr val="FF0000"/>
-              </a:solidFill>
-            </a:endParaRPr>
-          </a:p>
-        </p:txBody>
-      </p:sp>
-      <p:sp>
-        <p:nvSpPr>
-          <p:cNvPr id="25" name="テキスト ボックス 24"/>
-          <p:cNvSpPr txBox="1"/>
-          <p:nvPr/>
-        </p:nvSpPr>
-        <p:spPr>
-          <a:xfrm>
-            <a:off x="3877407" y="1951891"/>
-            <a:ext cx="1793630" cy="461665"/>
-          </a:xfrm>
-          <a:prstGeom prst="rect">
-            <a:avLst/>
-          </a:prstGeom>
-          <a:noFill/>
-        </p:spPr>
-        <p:txBody>
-          <a:bodyPr wrap="square" rtlCol="0">
-            <a:spAutoFit/>
-          </a:bodyPr>
-          <a:lstStyle/>
-          <a:p>
-            <a:pPr algn="ctr"/>
-            <a:r>
-              <a:rPr lang="ja-JP" altLang="en-US" sz="2400" b="1" dirty="0" smtClean="0">
-                <a:ln w="9525">
-                  <a:solidFill>
-                    <a:schemeClr val="tx1">
-                      <a:lumMod val="50000"/>
-                      <a:lumOff val="50000"/>
-                    </a:schemeClr>
-                  </a:solidFill>
-                  <a:prstDash val="solid"/>
-                </a:ln>
-                <a:solidFill>
-                  <a:schemeClr val="bg2">
-                    <a:lumMod val="75000"/>
-                  </a:schemeClr>
-                </a:solidFill>
-                <a:effectLst>
-                  <a:outerShdw blurRad="12700" dist="38100" dir="2700000" algn="tl" rotWithShape="0">
-                    <a:schemeClr val="bg1">
-                      <a:lumMod val="50000"/>
-                    </a:schemeClr>
-                  </a:outerShdw>
-                </a:effectLst>
-              </a:rPr>
-              <a:t>２位</a:t>
-            </a:r>
-            <a:r>
-              <a:rPr kumimoji="1" lang="ja-JP" altLang="en-US" sz="2400" b="1" dirty="0" smtClean="0"/>
-              <a:t>の</a:t>
-            </a:r>
-            <a:r>
-              <a:rPr kumimoji="1" lang="ja-JP" altLang="en-US" sz="2400" b="1" dirty="0" smtClean="0">
-                <a:solidFill>
-                  <a:srgbClr val="FF0000"/>
-                </a:solidFill>
-              </a:rPr>
-              <a:t>点数</a:t>
-            </a:r>
-            <a:endParaRPr kumimoji="1" lang="ja-JP" altLang="en-US" sz="2400" b="1" dirty="0">
-              <a:solidFill>
-                <a:srgbClr val="FF0000"/>
-              </a:solidFill>
-            </a:endParaRPr>
-          </a:p>
-        </p:txBody>
-      </p:sp>
-      <p:sp>
-        <p:nvSpPr>
-          <p:cNvPr id="26" name="テキスト ボックス 25"/>
-          <p:cNvSpPr txBox="1"/>
-          <p:nvPr/>
-        </p:nvSpPr>
-        <p:spPr>
-          <a:xfrm>
-            <a:off x="6371489" y="1951890"/>
-            <a:ext cx="1793630" cy="461665"/>
-          </a:xfrm>
-          <a:prstGeom prst="rect">
-            <a:avLst/>
-          </a:prstGeom>
-          <a:noFill/>
-        </p:spPr>
-        <p:txBody>
-          <a:bodyPr wrap="square" rtlCol="0">
-            <a:spAutoFit/>
-          </a:bodyPr>
-          <a:lstStyle/>
-          <a:p>
-            <a:pPr algn="ctr"/>
-            <a:r>
-              <a:rPr lang="ja-JP" altLang="en-US" sz="2400" b="1" dirty="0" smtClean="0">
-                <a:ln w="9525">
-                  <a:solidFill>
-                    <a:schemeClr val="tx2">
-                      <a:lumMod val="20000"/>
-                      <a:lumOff val="80000"/>
-                    </a:schemeClr>
-                  </a:solidFill>
-                  <a:prstDash val="solid"/>
-                </a:ln>
-                <a:solidFill>
-                  <a:schemeClr val="accent2">
-                    <a:lumMod val="75000"/>
-                  </a:schemeClr>
-                </a:solidFill>
-                <a:effectLst>
-                  <a:outerShdw blurRad="12700" dist="38100" dir="2700000" algn="tl" rotWithShape="0">
-                    <a:schemeClr val="bg1">
-                      <a:lumMod val="50000"/>
-                    </a:schemeClr>
-                  </a:outerShdw>
-                </a:effectLst>
-              </a:rPr>
-              <a:t>３位</a:t>
-            </a:r>
-            <a:r>
-              <a:rPr kumimoji="1" lang="ja-JP" altLang="en-US" sz="2400" b="1" dirty="0" smtClean="0"/>
-              <a:t>の</a:t>
-            </a:r>
-            <a:r>
-              <a:rPr kumimoji="1" lang="ja-JP" altLang="en-US" sz="2400" b="1" dirty="0" smtClean="0">
-                <a:solidFill>
-                  <a:srgbClr val="FF0000"/>
-                </a:solidFill>
-              </a:rPr>
-              <a:t>点数</a:t>
-            </a:r>
-            <a:endParaRPr kumimoji="1" lang="ja-JP" altLang="en-US" sz="2400" b="1" dirty="0">
-              <a:solidFill>
-                <a:srgbClr val="FF0000"/>
-              </a:solidFill>
-            </a:endParaRPr>
-          </a:p>
-        </p:txBody>
-      </p:sp>
-      <p:sp>
-        <p:nvSpPr>
-          <p:cNvPr id="27" name="テキスト ボックス 26"/>
-          <p:cNvSpPr txBox="1"/>
-          <p:nvPr/>
-        </p:nvSpPr>
-        <p:spPr>
-          <a:xfrm>
-            <a:off x="8604734" y="1951890"/>
-            <a:ext cx="1793630" cy="461665"/>
-          </a:xfrm>
-          <a:prstGeom prst="rect">
-            <a:avLst/>
-          </a:prstGeom>
-          <a:noFill/>
-        </p:spPr>
-        <p:txBody>
-          <a:bodyPr wrap="square" rtlCol="0">
-            <a:spAutoFit/>
-          </a:bodyPr>
-          <a:lstStyle/>
-          <a:p>
-            <a:pPr algn="ctr"/>
-            <a:r>
-              <a:rPr lang="ja-JP" altLang="en-US" sz="2400" b="1" dirty="0" smtClean="0">
-                <a:ln w="9525">
-                  <a:solidFill>
-                    <a:srgbClr val="0070C0"/>
-                  </a:solidFill>
-                  <a:prstDash val="solid"/>
-                </a:ln>
-                <a:solidFill>
-                  <a:srgbClr val="9231A5"/>
-                </a:solidFill>
-                <a:effectLst>
-                  <a:outerShdw blurRad="12700" dist="38100" dir="2700000" algn="tl" rotWithShape="0">
-                    <a:schemeClr val="bg1">
-                      <a:lumMod val="50000"/>
-                    </a:schemeClr>
-                  </a:outerShdw>
-                </a:effectLst>
-              </a:rPr>
-              <a:t>４位</a:t>
-            </a:r>
-            <a:r>
-              <a:rPr kumimoji="1" lang="ja-JP" altLang="en-US" sz="2400" b="1" dirty="0" smtClean="0"/>
-              <a:t>の</a:t>
-            </a:r>
-            <a:r>
-              <a:rPr kumimoji="1" lang="ja-JP" altLang="en-US" sz="2400" b="1" dirty="0" smtClean="0">
-                <a:solidFill>
-                  <a:srgbClr val="FF0000"/>
-                </a:solidFill>
-              </a:rPr>
-              <a:t>点数</a:t>
-            </a:r>
-            <a:endParaRPr kumimoji="1" lang="ja-JP" altLang="en-US" sz="2400" b="1" dirty="0">
-              <a:solidFill>
-                <a:srgbClr val="FF0000"/>
-              </a:solidFill>
-            </a:endParaRPr>
-          </a:p>
-        </p:txBody>
-      </p:sp>
-      <p:sp>
-        <p:nvSpPr>
-          <p:cNvPr id="11" name="正方形/長方形 10"/>
-          <p:cNvSpPr/>
-          <p:nvPr/>
-        </p:nvSpPr>
-        <p:spPr>
-          <a:xfrm rot="1124844">
-            <a:off x="4290646" y="2844598"/>
-            <a:ext cx="958362" cy="1820007"/>
-          </a:xfrm>
-          <a:prstGeom prst="rect">
-            <a:avLst/>
-          </a:prstGeom>
-          <a:solidFill>
-            <a:srgbClr val="FF0000"/>
-          </a:solidFill>
-        </p:spPr>
-        <p:style>
-          <a:lnRef idx="2">
-            <a:schemeClr val="accent1">
-              <a:shade val="50000"/>
-            </a:schemeClr>
-          </a:lnRef>
-          <a:fillRef idx="1">
-            <a:schemeClr val="accent1"/>
-          </a:fillRef>
-          <a:effectRef idx="0">
-            <a:schemeClr val="accent1"/>
-          </a:effectRef>
-          <a:fontRef idx="minor">
-            <a:schemeClr val="lt1"/>
-          </a:fontRef>
-        </p:style>
-        <p:txBody>
-          <a:bodyPr rtlCol="0" anchor="ctr"/>
-          <a:lstStyle/>
-          <a:p>
-            <a:pPr algn="ctr"/>
-            <a:endParaRPr kumimoji="1" lang="ja-JP" altLang="en-US"/>
-          </a:p>
-        </p:txBody>
-      </p:sp>
-      <p:sp>
-        <p:nvSpPr>
-          <p:cNvPr id="28" name="正方形/長方形 27"/>
-          <p:cNvSpPr/>
-          <p:nvPr/>
-        </p:nvSpPr>
-        <p:spPr>
-          <a:xfrm rot="1480039">
-            <a:off x="1914870" y="2817936"/>
-            <a:ext cx="958362" cy="1820007"/>
-          </a:xfrm>
-          <a:prstGeom prst="rect">
-            <a:avLst/>
-          </a:prstGeom>
-        </p:spPr>
-        <p:style>
-          <a:lnRef idx="2">
-            <a:schemeClr val="accent1">
-              <a:shade val="50000"/>
-            </a:schemeClr>
-          </a:lnRef>
-          <a:fillRef idx="1">
-            <a:schemeClr val="accent1"/>
-          </a:fillRef>
-          <a:effectRef idx="0">
-            <a:schemeClr val="accent1"/>
-          </a:effectRef>
-          <a:fontRef idx="minor">
-            <a:schemeClr val="lt1"/>
-          </a:fontRef>
-        </p:style>
-        <p:txBody>
-          <a:bodyPr rtlCol="0" anchor="ctr"/>
-          <a:lstStyle/>
-          <a:p>
-            <a:pPr algn="ctr"/>
-            <a:endParaRPr kumimoji="1" lang="ja-JP" altLang="en-US"/>
-          </a:p>
-        </p:txBody>
-      </p:sp>
-      <p:sp>
-        <p:nvSpPr>
-          <p:cNvPr id="29" name="正方形/長方形 28"/>
-          <p:cNvSpPr/>
-          <p:nvPr/>
-        </p:nvSpPr>
-        <p:spPr>
-          <a:xfrm rot="316070">
-            <a:off x="6697343" y="2789449"/>
-            <a:ext cx="958362" cy="1820007"/>
-          </a:xfrm>
-          <a:prstGeom prst="rect">
-            <a:avLst/>
-          </a:prstGeom>
-          <a:solidFill>
-            <a:srgbClr val="00B050"/>
-          </a:solidFill>
-        </p:spPr>
-        <p:style>
-          <a:lnRef idx="2">
-            <a:schemeClr val="accent1">
-              <a:shade val="50000"/>
-            </a:schemeClr>
-          </a:lnRef>
-          <a:fillRef idx="1">
-            <a:schemeClr val="accent1"/>
-          </a:fillRef>
-          <a:effectRef idx="0">
-            <a:schemeClr val="accent1"/>
-          </a:effectRef>
-          <a:fontRef idx="minor">
-            <a:schemeClr val="lt1"/>
-          </a:fontRef>
-        </p:style>
-        <p:txBody>
-          <a:bodyPr rtlCol="0" anchor="ctr"/>
-          <a:lstStyle/>
-          <a:p>
-            <a:pPr algn="ctr"/>
-            <a:endParaRPr kumimoji="1" lang="ja-JP" altLang="en-US"/>
-          </a:p>
-        </p:txBody>
-      </p:sp>
-      <p:sp>
-        <p:nvSpPr>
-          <p:cNvPr id="30" name="正方形/長方形 29"/>
-          <p:cNvSpPr/>
-          <p:nvPr/>
-        </p:nvSpPr>
-        <p:spPr>
-          <a:xfrm>
-            <a:off x="9022368" y="2844597"/>
-            <a:ext cx="958362" cy="1820007"/>
-          </a:xfrm>
-          <a:prstGeom prst="rect">
-            <a:avLst/>
-          </a:prstGeom>
-          <a:solidFill>
-            <a:srgbClr val="FFFF00"/>
-          </a:solidFill>
-        </p:spPr>
-        <p:style>
-          <a:lnRef idx="2">
-            <a:schemeClr val="accent1">
-              <a:shade val="50000"/>
-            </a:schemeClr>
-          </a:lnRef>
-          <a:fillRef idx="1">
-            <a:schemeClr val="accent1"/>
-          </a:fillRef>
-          <a:effectRef idx="0">
-            <a:schemeClr val="accent1"/>
-          </a:effectRef>
-          <a:fontRef idx="minor">
-            <a:schemeClr val="lt1"/>
-          </a:fontRef>
-        </p:style>
-        <p:txBody>
-          <a:bodyPr rtlCol="0" anchor="ctr"/>
-          <a:lstStyle/>
-          <a:p>
-            <a:pPr algn="ctr"/>
-            <a:endParaRPr kumimoji="1" lang="ja-JP" altLang="en-US"/>
-          </a:p>
-        </p:txBody>
-      </p:sp>
-      <p:sp>
-        <p:nvSpPr>
-          <p:cNvPr id="13" name="テキスト ボックス 12"/>
-          <p:cNvSpPr txBox="1"/>
-          <p:nvPr/>
-        </p:nvSpPr>
-        <p:spPr>
-          <a:xfrm>
-            <a:off x="1960832" y="3523767"/>
-            <a:ext cx="963003" cy="523220"/>
-          </a:xfrm>
-          <a:prstGeom prst="rect">
-            <a:avLst/>
-          </a:prstGeom>
-          <a:noFill/>
-        </p:spPr>
-        <p:txBody>
-          <a:bodyPr wrap="square" rtlCol="0">
-            <a:spAutoFit/>
-          </a:bodyPr>
-          <a:lstStyle/>
-          <a:p>
-            <a:pPr algn="ctr"/>
-            <a:r>
-              <a:rPr kumimoji="1" lang="ja-JP" altLang="en-US" sz="2800" b="1" dirty="0" smtClean="0">
-                <a:solidFill>
-                  <a:schemeClr val="bg1"/>
-                </a:solidFill>
-              </a:rPr>
-              <a:t>１Ｐ</a:t>
-            </a:r>
-            <a:endParaRPr kumimoji="1" lang="ja-JP" altLang="en-US" sz="2800" b="1" dirty="0">
-              <a:solidFill>
-                <a:schemeClr val="bg1"/>
-              </a:solidFill>
-            </a:endParaRPr>
-          </a:p>
-        </p:txBody>
-      </p:sp>
-      <p:sp>
-        <p:nvSpPr>
-          <p:cNvPr id="32" name="テキスト ボックス 31"/>
-          <p:cNvSpPr txBox="1"/>
-          <p:nvPr/>
-        </p:nvSpPr>
-        <p:spPr>
-          <a:xfrm>
-            <a:off x="4309055" y="3492990"/>
-            <a:ext cx="963003" cy="523220"/>
-          </a:xfrm>
-          <a:prstGeom prst="rect">
-            <a:avLst/>
-          </a:prstGeom>
-          <a:noFill/>
-        </p:spPr>
-        <p:txBody>
-          <a:bodyPr wrap="square" rtlCol="0">
-            <a:spAutoFit/>
-          </a:bodyPr>
-          <a:lstStyle/>
-          <a:p>
-            <a:pPr algn="ctr"/>
-            <a:r>
-              <a:rPr kumimoji="1" lang="ja-JP" altLang="en-US" sz="2800" b="1" dirty="0" smtClean="0">
-                <a:solidFill>
-                  <a:schemeClr val="bg1"/>
-                </a:solidFill>
-              </a:rPr>
-              <a:t>２Ｐ</a:t>
-            </a:r>
-            <a:endParaRPr kumimoji="1" lang="ja-JP" altLang="en-US" sz="2800" b="1" dirty="0">
-              <a:solidFill>
-                <a:schemeClr val="bg1"/>
-              </a:solidFill>
-            </a:endParaRPr>
-          </a:p>
-        </p:txBody>
-      </p:sp>
-      <p:sp>
-        <p:nvSpPr>
-          <p:cNvPr id="33" name="テキスト ボックス 32"/>
-          <p:cNvSpPr txBox="1"/>
-          <p:nvPr/>
-        </p:nvSpPr>
-        <p:spPr>
-          <a:xfrm>
-            <a:off x="6743320" y="3437842"/>
-            <a:ext cx="963003" cy="523220"/>
-          </a:xfrm>
-          <a:prstGeom prst="rect">
-            <a:avLst/>
-          </a:prstGeom>
-          <a:noFill/>
-        </p:spPr>
-        <p:txBody>
-          <a:bodyPr wrap="square" rtlCol="0">
-            <a:spAutoFit/>
-          </a:bodyPr>
-          <a:lstStyle/>
-          <a:p>
-            <a:pPr algn="ctr"/>
-            <a:r>
-              <a:rPr kumimoji="1" lang="ja-JP" altLang="en-US" sz="2800" b="1" dirty="0" smtClean="0">
-                <a:solidFill>
-                  <a:schemeClr val="bg1"/>
-                </a:solidFill>
-              </a:rPr>
-              <a:t>３Ｐ</a:t>
-            </a:r>
-            <a:endParaRPr kumimoji="1" lang="ja-JP" altLang="en-US" sz="2800" b="1" dirty="0">
-              <a:solidFill>
-                <a:schemeClr val="bg1"/>
-              </a:solidFill>
-            </a:endParaRPr>
-          </a:p>
-        </p:txBody>
-      </p:sp>
-      <p:sp>
-        <p:nvSpPr>
-          <p:cNvPr id="34" name="テキスト ボックス 33"/>
-          <p:cNvSpPr txBox="1"/>
-          <p:nvPr/>
-        </p:nvSpPr>
-        <p:spPr>
-          <a:xfrm>
-            <a:off x="9022368" y="3475260"/>
-            <a:ext cx="963003" cy="523220"/>
-          </a:xfrm>
-          <a:prstGeom prst="rect">
-            <a:avLst/>
-          </a:prstGeom>
-          <a:noFill/>
-        </p:spPr>
-        <p:txBody>
-          <a:bodyPr wrap="square" rtlCol="0">
-            <a:spAutoFit/>
-          </a:bodyPr>
-          <a:lstStyle/>
-          <a:p>
-            <a:pPr algn="ctr"/>
-            <a:r>
-              <a:rPr kumimoji="1" lang="ja-JP" altLang="en-US" sz="2800" b="1" dirty="0" smtClean="0"/>
-              <a:t>４Ｐ</a:t>
-            </a:r>
-            <a:endParaRPr kumimoji="1" lang="ja-JP" altLang="en-US" sz="2800" b="1" dirty="0"/>
-          </a:p>
-        </p:txBody>
-      </p:sp>
-      <p:sp>
-        <p:nvSpPr>
-          <p:cNvPr id="35" name="テキスト ボックス 34"/>
-          <p:cNvSpPr txBox="1"/>
-          <p:nvPr/>
-        </p:nvSpPr>
-        <p:spPr>
-          <a:xfrm>
-            <a:off x="2697772" y="5832037"/>
-            <a:ext cx="7060223" cy="523220"/>
-          </a:xfrm>
-          <a:prstGeom prst="rect">
-            <a:avLst/>
-          </a:prstGeom>
-          <a:noFill/>
-        </p:spPr>
-        <p:txBody>
-          <a:bodyPr wrap="square" rtlCol="0">
-            <a:spAutoFit/>
-          </a:bodyPr>
-          <a:lstStyle/>
-          <a:p>
-            <a:pPr algn="ctr"/>
-            <a:r>
-              <a:rPr kumimoji="1" lang="ja-JP" altLang="en-US" sz="2800" b="1" dirty="0" smtClean="0"/>
-              <a:t>それぞれの</a:t>
-            </a:r>
-            <a:r>
-              <a:rPr kumimoji="1" lang="ja-JP" altLang="en-US" sz="2800" b="1" dirty="0" smtClean="0">
-                <a:solidFill>
-                  <a:srgbClr val="FF0000"/>
-                </a:solidFill>
-              </a:rPr>
-              <a:t>点数</a:t>
-            </a:r>
-            <a:r>
-              <a:rPr kumimoji="1" lang="ja-JP" altLang="en-US" sz="2800" b="1" dirty="0" smtClean="0"/>
-              <a:t>と順位のプレイヤーを出す</a:t>
-            </a:r>
-            <a:endParaRPr kumimoji="1" lang="ja-JP" altLang="en-US" sz="2800" b="1" dirty="0"/>
+            <a:endParaRPr kumimoji="1" lang="ja-JP" altLang="en-US" sz="7200" dirty="0"/>
           </a:p>
         </p:txBody>
       </p:sp>
     </p:spTree>
     <p:extLst>
       <p:ext uri="{BB962C8B-B14F-4D97-AF65-F5344CB8AC3E}">
-        <p14:creationId xmlns:p14="http://schemas.microsoft.com/office/powerpoint/2010/main" val="4217526710"/>
+        <p14:creationId xmlns:p14="http://schemas.microsoft.com/office/powerpoint/2010/main" val="2744418924"/>
       </p:ext>
     </p:extLst>
   </p:cSld>
@@ -14065,7 +13889,7 @@
           <a:p>
             <a:pPr algn="ctr"/>
             <a:r>
-              <a:rPr lang="ja-JP" altLang="en-US" sz="4000" b="1" dirty="0">
+              <a:rPr kumimoji="1" lang="ja-JP" altLang="en-US" sz="4000" b="1" dirty="0" smtClean="0">
                 <a:ln w="9525">
                   <a:solidFill>
                     <a:schemeClr val="tx2">
@@ -14088,36 +13912,10 @@
                   </a:outerShdw>
                 </a:effectLst>
               </a:rPr>
-              <a:t>３位</a:t>
-            </a:r>
-          </a:p>
-        </p:txBody>
-      </p:sp>
-      <p:sp>
-        <p:nvSpPr>
-          <p:cNvPr id="24" name="テキスト ボックス 23"/>
-          <p:cNvSpPr txBox="1"/>
-          <p:nvPr/>
-        </p:nvSpPr>
-        <p:spPr>
-          <a:xfrm>
-            <a:off x="8508022" y="5046785"/>
-            <a:ext cx="1802422" cy="707886"/>
-          </a:xfrm>
-          <a:prstGeom prst="rect">
-            <a:avLst/>
-          </a:prstGeom>
-          <a:noFill/>
-        </p:spPr>
-        <p:txBody>
-          <a:bodyPr wrap="square" rtlCol="0">
-            <a:spAutoFit/>
-          </a:bodyPr>
-          <a:lstStyle/>
-          <a:p>
-            <a:pPr algn="ctr"/>
-            <a:r>
-              <a:rPr lang="ja-JP" altLang="en-US" sz="4000" b="1" dirty="0">
+              <a:t>３</a:t>
+            </a:r>
+            <a:r>
+              <a:rPr lang="ja-JP" altLang="en-US" sz="4000" b="1" dirty="0" smtClean="0">
                 <a:ln w="9525">
                   <a:solidFill>
                     <a:schemeClr val="tx2">
@@ -14140,8 +13938,117 @@
                   </a:outerShdw>
                 </a:effectLst>
               </a:rPr>
-              <a:t>３位</a:t>
-            </a:r>
+              <a:t>位</a:t>
+            </a:r>
+            <a:endParaRPr kumimoji="1" lang="ja-JP" altLang="en-US" sz="4000" b="1" dirty="0">
+              <a:ln w="9525">
+                <a:solidFill>
+                  <a:schemeClr val="tx2">
+                    <a:lumMod val="20000"/>
+                    <a:lumOff val="80000"/>
+                  </a:schemeClr>
+                </a:solidFill>
+                <a:prstDash val="solid"/>
+              </a:ln>
+              <a:solidFill>
+                <a:schemeClr val="accent2">
+                  <a:lumMod val="75000"/>
+                </a:schemeClr>
+              </a:solidFill>
+              <a:effectLst>
+                <a:outerShdw blurRad="12700" dist="38100" dir="2700000" algn="tl" rotWithShape="0">
+                  <a:schemeClr val="bg1">
+                    <a:lumMod val="50000"/>
+                  </a:schemeClr>
+                </a:outerShdw>
+              </a:effectLst>
+            </a:endParaRPr>
+          </a:p>
+        </p:txBody>
+      </p:sp>
+      <p:sp>
+        <p:nvSpPr>
+          <p:cNvPr id="24" name="テキスト ボックス 23"/>
+          <p:cNvSpPr txBox="1"/>
+          <p:nvPr/>
+        </p:nvSpPr>
+        <p:spPr>
+          <a:xfrm>
+            <a:off x="8508022" y="5046785"/>
+            <a:ext cx="1802422" cy="707886"/>
+          </a:xfrm>
+          <a:prstGeom prst="rect">
+            <a:avLst/>
+          </a:prstGeom>
+          <a:noFill/>
+        </p:spPr>
+        <p:txBody>
+          <a:bodyPr wrap="square" rtlCol="0">
+            <a:spAutoFit/>
+          </a:bodyPr>
+          <a:lstStyle/>
+          <a:p>
+            <a:pPr algn="ctr"/>
+            <a:r>
+              <a:rPr kumimoji="1" lang="ja-JP" altLang="en-US" sz="4000" b="1" dirty="0" smtClean="0">
+                <a:ln w="9525">
+                  <a:solidFill>
+                    <a:srgbClr val="0070C0"/>
+                  </a:solidFill>
+                  <a:prstDash val="solid"/>
+                </a:ln>
+                <a:solidFill>
+                  <a:srgbClr val="9231A5"/>
+                </a:solidFill>
+                <a:effectLst>
+                  <a:outerShdw blurRad="12700" dist="38100" dir="2700000" algn="tl" rotWithShape="0">
+                    <a:schemeClr val="bg1">
+                      <a:lumMod val="50000"/>
+                    </a:schemeClr>
+                  </a:outerShdw>
+                </a:effectLst>
+              </a:rPr>
+              <a:t>４</a:t>
+            </a:r>
+            <a:r>
+              <a:rPr lang="ja-JP" altLang="en-US" sz="4000" b="1" dirty="0" smtClean="0">
+                <a:ln w="9525">
+                  <a:solidFill>
+                    <a:srgbClr val="0070C0"/>
+                  </a:solidFill>
+                  <a:prstDash val="solid"/>
+                </a:ln>
+                <a:solidFill>
+                  <a:srgbClr val="9231A5"/>
+                </a:solidFill>
+                <a:effectLst>
+                  <a:outerShdw blurRad="12700" dist="38100" dir="2700000" algn="tl" rotWithShape="0">
+                    <a:schemeClr val="bg1">
+                      <a:lumMod val="50000"/>
+                    </a:schemeClr>
+                  </a:outerShdw>
+                </a:effectLst>
+              </a:rPr>
+              <a:t>位</a:t>
+            </a:r>
+            <a:endParaRPr kumimoji="1" lang="ja-JP" altLang="en-US" sz="4000" b="1" dirty="0">
+              <a:ln w="9525">
+                <a:solidFill>
+                  <a:srgbClr val="0070C0"/>
+                </a:solidFill>
+                <a:prstDash val="solid"/>
+              </a:ln>
+              <a:solidFill>
+                <a:srgbClr val="9231A5"/>
+              </a:solidFill>
+              <a:effectLst>
+                <a:outerShdw blurRad="12700" dist="38100" dir="2700000" algn="tl" rotWithShape="0">
+                  <a:schemeClr val="bg1">
+                    <a:lumMod val="50000"/>
+                  </a:schemeClr>
+                </a:outerShdw>
+              </a:effectLst>
+            </a:endParaRPr>
           </a:p>
         </p:txBody>
       </p:sp>
@@ -14374,17 +14281,12 @@
               <a:rPr lang="ja-JP" altLang="en-US" sz="2400" b="1" dirty="0" smtClean="0">
                 <a:ln w="9525">
                   <a:solidFill>
-                    <a:schemeClr val="tx2">
-                      <a:lumMod val="20000"/>
-                      <a:lumOff val="80000"/>
-                    </a:schemeClr>
+                    <a:srgbClr val="0070C0"/>
                   </a:solidFill>
                   <a:prstDash val="solid"/>
                 </a:ln>
                 <a:solidFill>
-                  <a:schemeClr val="accent2">
-                    <a:lumMod val="75000"/>
-                  </a:schemeClr>
+                  <a:srgbClr val="9231A5"/>
                 </a:solidFill>
                 <a:effectLst>
                   <a:outerShdw blurRad="12700" dist="38100" dir="2700000" algn="tl" rotWithShape="0">
@@ -14394,7 +14296,7 @@
                   </a:outerShdw>
                 </a:effectLst>
               </a:rPr>
-              <a:t>３位</a:t>
+              <a:t>４位</a:t>
             </a:r>
             <a:r>
               <a:rPr kumimoji="1" lang="ja-JP" altLang="en-US" sz="2400" b="1" dirty="0" smtClean="0"/>
@@ -14549,8 +14451,8 @@
           <p:nvPr/>
         </p:nvSpPr>
         <p:spPr>
-          <a:xfrm rot="321307">
-            <a:off x="8971861" y="2894132"/>
+          <a:xfrm>
+            <a:off x="9022368" y="2844597"/>
             <a:ext cx="958362" cy="1820007"/>
           </a:xfrm>
           <a:prstGeom prst="rect">
@@ -14776,106 +14678,10 @@
           </a:p>
         </p:txBody>
       </p:sp>
-      <p:sp>
-        <p:nvSpPr>
-          <p:cNvPr id="2" name="角丸四角形吹き出し 1"/>
-          <p:cNvSpPr/>
-          <p:nvPr/>
-        </p:nvSpPr>
-        <p:spPr>
-          <a:xfrm>
-            <a:off x="9066148" y="216015"/>
-            <a:ext cx="2808554" cy="1283677"/>
-          </a:xfrm>
-          <a:prstGeom prst="wedgeRoundRectCallout">
-            <a:avLst/>
-          </a:prstGeom>
-          <a:solidFill>
-            <a:schemeClr val="bg1"/>
-          </a:solidFill>
-          <a:ln w="57150">
-            <a:solidFill>
-              <a:srgbClr val="002060"/>
-            </a:solidFill>
-          </a:ln>
-        </p:spPr>
-        <p:style>
-          <a:lnRef idx="2">
-            <a:schemeClr val="accent1">
-              <a:shade val="50000"/>
-            </a:schemeClr>
-          </a:lnRef>
-          <a:fillRef idx="1">
-            <a:schemeClr val="accent1"/>
-          </a:fillRef>
-          <a:effectRef idx="0">
-            <a:schemeClr val="accent1"/>
-          </a:effectRef>
-          <a:fontRef idx="minor">
-            <a:schemeClr val="lt1"/>
-          </a:fontRef>
-        </p:style>
-        <p:txBody>
-          <a:bodyPr rtlCol="0" anchor="ctr"/>
-          <a:lstStyle/>
-          <a:p>
-            <a:pPr algn="ctr"/>
-            <a:endParaRPr kumimoji="1" lang="ja-JP" altLang="en-US"/>
-          </a:p>
-        </p:txBody>
-      </p:sp>
-      <p:sp>
-        <p:nvSpPr>
-          <p:cNvPr id="31" name="テキスト ボックス 30"/>
-          <p:cNvSpPr txBox="1"/>
-          <p:nvPr/>
-        </p:nvSpPr>
-        <p:spPr>
-          <a:xfrm>
-            <a:off x="9224284" y="514304"/>
-            <a:ext cx="2381562" cy="830997"/>
-          </a:xfrm>
-          <a:prstGeom prst="rect">
-            <a:avLst/>
-          </a:prstGeom>
-          <a:noFill/>
-        </p:spPr>
-        <p:txBody>
-          <a:bodyPr wrap="square" rtlCol="0">
-            <a:spAutoFit/>
-          </a:bodyPr>
-          <a:lstStyle/>
-          <a:p>
-            <a:pPr algn="ctr"/>
-            <a:r>
-              <a:rPr lang="ja-JP" altLang="en-US" sz="2400" b="1" dirty="0" smtClean="0">
-                <a:ln w="9525">
-                  <a:solidFill>
-                    <a:schemeClr val="tx2">
-                      <a:lumMod val="20000"/>
-                      <a:lumOff val="80000"/>
-                    </a:schemeClr>
-                  </a:solidFill>
-                  <a:prstDash val="solid"/>
-                </a:ln>
-                <a:effectLst>
-                  <a:outerShdw blurRad="12700" dist="38100" dir="2700000" algn="tl" rotWithShape="0">
-                    <a:schemeClr val="bg1">
-                      <a:lumMod val="50000"/>
-                    </a:schemeClr>
-                  </a:outerShdw>
-                </a:effectLst>
-              </a:rPr>
-              <a:t>同じ順位の人がいる場合</a:t>
-            </a:r>
-            <a:endParaRPr kumimoji="1" lang="ja-JP" altLang="en-US" sz="2400" b="1" dirty="0"/>
-          </a:p>
-        </p:txBody>
-      </p:sp>
     </p:spTree>
     <p:extLst>
       <p:ext uri="{BB962C8B-B14F-4D97-AF65-F5344CB8AC3E}">
-        <p14:creationId xmlns:p14="http://schemas.microsoft.com/office/powerpoint/2010/main" val="1352856656"/>
+        <p14:creationId xmlns:p14="http://schemas.microsoft.com/office/powerpoint/2010/main" val="4217526710"/>
       </p:ext>
     </p:extLst>
   </p:cSld>
@@ -14904,39 +14710,1220 @@
       </p:grpSpPr>
       <p:sp>
         <p:nvSpPr>
-          <p:cNvPr id="2" name="タイトル 1"/>
-          <p:cNvSpPr>
-            <a:spLocks noGrp="1"/>
-          </p:cNvSpPr>
-          <p:nvPr>
-            <p:ph type="title"/>
-          </p:nvPr>
-        </p:nvSpPr>
-        <p:spPr>
-          <a:xfrm>
-            <a:off x="732692" y="2545617"/>
-            <a:ext cx="10515600" cy="1325563"/>
-          </a:xfrm>
-        </p:spPr>
-        <p:txBody>
-          <a:bodyPr>
-            <a:normAutofit/>
+          <p:cNvPr id="5" name="正方形/長方形 4"/>
+          <p:cNvSpPr/>
+          <p:nvPr/>
+        </p:nvSpPr>
+        <p:spPr>
+          <a:xfrm>
+            <a:off x="650631" y="901211"/>
+            <a:ext cx="10955215" cy="5653454"/>
+          </a:xfrm>
+          <a:prstGeom prst="rect">
+            <a:avLst/>
+          </a:prstGeom>
+          <a:noFill/>
+          <a:ln w="38100" cap="flat" cmpd="sng" algn="ctr">
+            <a:solidFill>
+              <a:schemeClr val="dk1"/>
+            </a:solidFill>
+            <a:prstDash val="solid"/>
+            <a:round/>
+            <a:headEnd type="none" w="med" len="med"/>
+            <a:tailEnd type="none" w="med" len="med"/>
+          </a:ln>
+        </p:spPr>
+        <p:style>
+          <a:lnRef idx="0">
+            <a:scrgbClr r="0" g="0" b="0"/>
+          </a:lnRef>
+          <a:fillRef idx="0">
+            <a:scrgbClr r="0" g="0" b="0"/>
+          </a:fillRef>
+          <a:effectRef idx="0">
+            <a:scrgbClr r="0" g="0" b="0"/>
+          </a:effectRef>
+          <a:fontRef idx="minor">
+            <a:schemeClr val="dk1"/>
+          </a:fontRef>
+        </p:style>
+        <p:txBody>
+          <a:bodyPr rtlCol="0" anchor="ctr"/>
+          <a:lstStyle/>
+          <a:p>
+            <a:pPr algn="ctr"/>
+            <a:endParaRPr kumimoji="1" lang="ja-JP" altLang="en-US"/>
+          </a:p>
+        </p:txBody>
+      </p:sp>
+      <p:sp>
+        <p:nvSpPr>
+          <p:cNvPr id="18" name="片側の 2 つの角を切り取った四角形 17"/>
+          <p:cNvSpPr/>
+          <p:nvPr/>
+        </p:nvSpPr>
+        <p:spPr>
+          <a:xfrm>
+            <a:off x="919487" y="575896"/>
+            <a:ext cx="2949128" cy="650630"/>
+          </a:xfrm>
+          <a:prstGeom prst="snip2SameRect">
+            <a:avLst/>
+          </a:prstGeom>
+        </p:spPr>
+        <p:style>
+          <a:lnRef idx="2">
+            <a:schemeClr val="accent2">
+              <a:shade val="50000"/>
+            </a:schemeClr>
+          </a:lnRef>
+          <a:fillRef idx="1">
+            <a:schemeClr val="accent2"/>
+          </a:fillRef>
+          <a:effectRef idx="0">
+            <a:schemeClr val="accent2"/>
+          </a:effectRef>
+          <a:fontRef idx="minor">
+            <a:schemeClr val="lt1"/>
+          </a:fontRef>
+        </p:style>
+        <p:txBody>
+          <a:bodyPr rtlCol="0" anchor="ctr"/>
+          <a:lstStyle/>
+          <a:p>
+            <a:pPr algn="ctr"/>
+            <a:endParaRPr kumimoji="1" lang="ja-JP" altLang="en-US"/>
+          </a:p>
+        </p:txBody>
+      </p:sp>
+      <p:sp>
+        <p:nvSpPr>
+          <p:cNvPr id="19" name="テキスト ボックス 18"/>
+          <p:cNvSpPr txBox="1"/>
+          <p:nvPr/>
+        </p:nvSpPr>
+        <p:spPr>
+          <a:xfrm>
+            <a:off x="1017598" y="685876"/>
+            <a:ext cx="2622417" cy="523220"/>
+          </a:xfrm>
+          <a:prstGeom prst="rect">
+            <a:avLst/>
+          </a:prstGeom>
+          <a:noFill/>
+        </p:spPr>
+        <p:txBody>
+          <a:bodyPr wrap="square" rtlCol="0">
+            <a:spAutoFit/>
           </a:bodyPr>
           <a:lstStyle/>
           <a:p>
             <a:pPr algn="ctr"/>
             <a:r>
-              <a:rPr kumimoji="1" lang="ja-JP" altLang="en-US" sz="7200" dirty="0" smtClean="0"/>
-              <a:t>メニュー画面</a:t>
-            </a:r>
-            <a:endParaRPr kumimoji="1" lang="ja-JP" altLang="en-US" sz="7200" dirty="0"/>
+              <a:rPr kumimoji="1" lang="ja-JP" altLang="en-US" sz="2800" b="1" dirty="0" smtClean="0">
+                <a:solidFill>
+                  <a:schemeClr val="bg2"/>
+                </a:solidFill>
+              </a:rPr>
+              <a:t>１つの場合</a:t>
+            </a:r>
+            <a:endParaRPr kumimoji="1" lang="ja-JP" altLang="en-US" sz="2800" b="1" dirty="0">
+              <a:solidFill>
+                <a:schemeClr val="bg2"/>
+              </a:solidFill>
+            </a:endParaRPr>
+          </a:p>
+        </p:txBody>
+      </p:sp>
+      <p:sp>
+        <p:nvSpPr>
+          <p:cNvPr id="22" name="正方形/長方形 21"/>
+          <p:cNvSpPr/>
+          <p:nvPr/>
+        </p:nvSpPr>
+        <p:spPr>
+          <a:xfrm>
+            <a:off x="4571382" y="480564"/>
+            <a:ext cx="3605463" cy="699047"/>
+          </a:xfrm>
+          <a:prstGeom prst="rect">
+            <a:avLst/>
+          </a:prstGeom>
+        </p:spPr>
+        <p:style>
+          <a:lnRef idx="2">
+            <a:schemeClr val="dk1"/>
+          </a:lnRef>
+          <a:fillRef idx="1">
+            <a:schemeClr val="lt1"/>
+          </a:fillRef>
+          <a:effectRef idx="0">
+            <a:schemeClr val="dk1"/>
+          </a:effectRef>
+          <a:fontRef idx="minor">
+            <a:schemeClr val="dk1"/>
+          </a:fontRef>
+        </p:style>
+        <p:txBody>
+          <a:bodyPr rtlCol="0" anchor="ctr"/>
+          <a:lstStyle/>
+          <a:p>
+            <a:pPr algn="ctr"/>
+            <a:endParaRPr kumimoji="1" lang="ja-JP" altLang="en-US"/>
+          </a:p>
+        </p:txBody>
+      </p:sp>
+      <p:sp>
+        <p:nvSpPr>
+          <p:cNvPr id="23" name="正方形/長方形 22"/>
+          <p:cNvSpPr/>
+          <p:nvPr/>
+        </p:nvSpPr>
+        <p:spPr>
+          <a:xfrm>
+            <a:off x="5102751" y="565467"/>
+            <a:ext cx="2634479" cy="584775"/>
+          </a:xfrm>
+          <a:prstGeom prst="rect">
+            <a:avLst/>
+          </a:prstGeom>
+        </p:spPr>
+        <p:txBody>
+          <a:bodyPr wrap="square">
+            <a:spAutoFit/>
+          </a:bodyPr>
+          <a:lstStyle/>
+          <a:p>
+            <a:r>
+              <a:rPr lang="ja-JP" altLang="en-US" sz="3200" b="1" dirty="0" smtClean="0"/>
+              <a:t>リザルト画面</a:t>
+            </a:r>
+            <a:endParaRPr lang="ja-JP" altLang="en-US" sz="3200" b="1" dirty="0"/>
+          </a:p>
+        </p:txBody>
+      </p:sp>
+      <p:sp>
+        <p:nvSpPr>
+          <p:cNvPr id="3" name="テキスト ボックス 2"/>
+          <p:cNvSpPr txBox="1"/>
+          <p:nvPr/>
+        </p:nvSpPr>
+        <p:spPr>
+          <a:xfrm>
+            <a:off x="1635370" y="5046785"/>
+            <a:ext cx="1802422" cy="707886"/>
+          </a:xfrm>
+          <a:prstGeom prst="rect">
+            <a:avLst/>
+          </a:prstGeom>
+          <a:noFill/>
+        </p:spPr>
+        <p:txBody>
+          <a:bodyPr wrap="square" rtlCol="0">
+            <a:spAutoFit/>
+          </a:bodyPr>
+          <a:lstStyle/>
+          <a:p>
+            <a:pPr algn="ctr"/>
+            <a:r>
+              <a:rPr kumimoji="1" lang="ja-JP" altLang="en-US" sz="4000" b="1" dirty="0" smtClean="0">
+                <a:ln w="9525">
+                  <a:solidFill>
+                    <a:schemeClr val="bg1"/>
+                  </a:solidFill>
+                  <a:prstDash val="solid"/>
+                </a:ln>
+                <a:solidFill>
+                  <a:srgbClr val="C3C361"/>
+                </a:solidFill>
+                <a:effectLst>
+                  <a:outerShdw blurRad="12700" dist="38100" dir="2700000" algn="tl" rotWithShape="0">
+                    <a:schemeClr val="bg1">
+                      <a:lumMod val="50000"/>
+                    </a:schemeClr>
+                  </a:outerShdw>
+                </a:effectLst>
+              </a:rPr>
+              <a:t>１</a:t>
+            </a:r>
+            <a:r>
+              <a:rPr lang="ja-JP" altLang="en-US" sz="4000" b="1" dirty="0">
+                <a:ln w="9525">
+                  <a:solidFill>
+                    <a:schemeClr val="bg1"/>
+                  </a:solidFill>
+                  <a:prstDash val="solid"/>
+                </a:ln>
+                <a:solidFill>
+                  <a:srgbClr val="C3C361"/>
+                </a:solidFill>
+                <a:effectLst>
+                  <a:outerShdw blurRad="12700" dist="38100" dir="2700000" algn="tl" rotWithShape="0">
+                    <a:schemeClr val="bg1">
+                      <a:lumMod val="50000"/>
+                    </a:schemeClr>
+                  </a:outerShdw>
+                </a:effectLst>
+              </a:rPr>
+              <a:t>位</a:t>
+            </a:r>
+            <a:endParaRPr kumimoji="1" lang="ja-JP" altLang="en-US" sz="4000" b="1" dirty="0">
+              <a:ln w="9525">
+                <a:solidFill>
+                  <a:schemeClr val="bg1"/>
+                </a:solidFill>
+                <a:prstDash val="solid"/>
+              </a:ln>
+              <a:solidFill>
+                <a:srgbClr val="C3C361"/>
+              </a:solidFill>
+              <a:effectLst>
+                <a:outerShdw blurRad="12700" dist="38100" dir="2700000" algn="tl" rotWithShape="0">
+                  <a:schemeClr val="bg1">
+                    <a:lumMod val="50000"/>
+                  </a:schemeClr>
+                </a:outerShdw>
+              </a:effectLst>
+            </a:endParaRPr>
+          </a:p>
+        </p:txBody>
+      </p:sp>
+      <p:sp>
+        <p:nvSpPr>
+          <p:cNvPr id="20" name="テキスト ボックス 19"/>
+          <p:cNvSpPr txBox="1"/>
+          <p:nvPr/>
+        </p:nvSpPr>
+        <p:spPr>
+          <a:xfrm>
+            <a:off x="3868615" y="5046785"/>
+            <a:ext cx="1802422" cy="707886"/>
+          </a:xfrm>
+          <a:prstGeom prst="rect">
+            <a:avLst/>
+          </a:prstGeom>
+          <a:noFill/>
+        </p:spPr>
+        <p:txBody>
+          <a:bodyPr wrap="square" rtlCol="0">
+            <a:spAutoFit/>
+          </a:bodyPr>
+          <a:lstStyle/>
+          <a:p>
+            <a:pPr algn="ctr"/>
+            <a:r>
+              <a:rPr kumimoji="1" lang="ja-JP" altLang="en-US" sz="4000" b="1" dirty="0" smtClean="0">
+                <a:ln w="9525">
+                  <a:solidFill>
+                    <a:schemeClr val="tx1">
+                      <a:lumMod val="50000"/>
+                      <a:lumOff val="50000"/>
+                    </a:schemeClr>
+                  </a:solidFill>
+                  <a:prstDash val="solid"/>
+                </a:ln>
+                <a:solidFill>
+                  <a:schemeClr val="bg2">
+                    <a:lumMod val="75000"/>
+                  </a:schemeClr>
+                </a:solidFill>
+                <a:effectLst>
+                  <a:outerShdw blurRad="12700" dist="38100" dir="2700000" algn="tl" rotWithShape="0">
+                    <a:schemeClr val="bg1">
+                      <a:lumMod val="50000"/>
+                    </a:schemeClr>
+                  </a:outerShdw>
+                </a:effectLst>
+              </a:rPr>
+              <a:t>２</a:t>
+            </a:r>
+            <a:r>
+              <a:rPr lang="ja-JP" altLang="en-US" sz="4000" b="1" dirty="0" smtClean="0">
+                <a:ln w="9525">
+                  <a:solidFill>
+                    <a:schemeClr val="tx1">
+                      <a:lumMod val="50000"/>
+                      <a:lumOff val="50000"/>
+                    </a:schemeClr>
+                  </a:solidFill>
+                  <a:prstDash val="solid"/>
+                </a:ln>
+                <a:solidFill>
+                  <a:schemeClr val="bg2">
+                    <a:lumMod val="75000"/>
+                  </a:schemeClr>
+                </a:solidFill>
+                <a:effectLst>
+                  <a:outerShdw blurRad="12700" dist="38100" dir="2700000" algn="tl" rotWithShape="0">
+                    <a:schemeClr val="bg1">
+                      <a:lumMod val="50000"/>
+                    </a:schemeClr>
+                  </a:outerShdw>
+                </a:effectLst>
+              </a:rPr>
+              <a:t>位</a:t>
+            </a:r>
+            <a:endParaRPr kumimoji="1" lang="ja-JP" altLang="en-US" sz="4000" b="1" dirty="0">
+              <a:ln w="9525">
+                <a:solidFill>
+                  <a:schemeClr val="tx1">
+                    <a:lumMod val="50000"/>
+                    <a:lumOff val="50000"/>
+                  </a:schemeClr>
+                </a:solidFill>
+                <a:prstDash val="solid"/>
+              </a:ln>
+              <a:solidFill>
+                <a:schemeClr val="bg2">
+                  <a:lumMod val="75000"/>
+                </a:schemeClr>
+              </a:solidFill>
+              <a:effectLst>
+                <a:outerShdw blurRad="12700" dist="38100" dir="2700000" algn="tl" rotWithShape="0">
+                  <a:schemeClr val="bg1">
+                    <a:lumMod val="50000"/>
+                  </a:schemeClr>
+                </a:outerShdw>
+              </a:effectLst>
+            </a:endParaRPr>
+          </a:p>
+        </p:txBody>
+      </p:sp>
+      <p:sp>
+        <p:nvSpPr>
+          <p:cNvPr id="21" name="テキスト ボックス 20"/>
+          <p:cNvSpPr txBox="1"/>
+          <p:nvPr/>
+        </p:nvSpPr>
+        <p:spPr>
+          <a:xfrm>
+            <a:off x="6227884" y="5046785"/>
+            <a:ext cx="1802422" cy="707886"/>
+          </a:xfrm>
+          <a:prstGeom prst="rect">
+            <a:avLst/>
+          </a:prstGeom>
+          <a:noFill/>
+        </p:spPr>
+        <p:txBody>
+          <a:bodyPr wrap="square" rtlCol="0">
+            <a:spAutoFit/>
+          </a:bodyPr>
+          <a:lstStyle/>
+          <a:p>
+            <a:pPr algn="ctr"/>
+            <a:r>
+              <a:rPr lang="ja-JP" altLang="en-US" sz="4000" b="1" dirty="0">
+                <a:ln w="9525">
+                  <a:solidFill>
+                    <a:schemeClr val="tx2">
+                      <a:lumMod val="20000"/>
+                      <a:lumOff val="80000"/>
+                    </a:schemeClr>
+                  </a:solidFill>
+                  <a:prstDash val="solid"/>
+                </a:ln>
+                <a:solidFill>
+                  <a:schemeClr val="accent2">
+                    <a:lumMod val="75000"/>
+                  </a:schemeClr>
+                </a:solidFill>
+                <a:effectLst>
+                  <a:outerShdw blurRad="12700" dist="38100" dir="2700000" algn="tl" rotWithShape="0">
+                    <a:schemeClr val="bg1">
+                      <a:lumMod val="50000"/>
+                    </a:schemeClr>
+                  </a:outerShdw>
+                </a:effectLst>
+              </a:rPr>
+              <a:t>３位</a:t>
+            </a:r>
+          </a:p>
+        </p:txBody>
+      </p:sp>
+      <p:sp>
+        <p:nvSpPr>
+          <p:cNvPr id="24" name="テキスト ボックス 23"/>
+          <p:cNvSpPr txBox="1"/>
+          <p:nvPr/>
+        </p:nvSpPr>
+        <p:spPr>
+          <a:xfrm>
+            <a:off x="8508022" y="5046785"/>
+            <a:ext cx="1802422" cy="707886"/>
+          </a:xfrm>
+          <a:prstGeom prst="rect">
+            <a:avLst/>
+          </a:prstGeom>
+          <a:noFill/>
+        </p:spPr>
+        <p:txBody>
+          <a:bodyPr wrap="square" rtlCol="0">
+            <a:spAutoFit/>
+          </a:bodyPr>
+          <a:lstStyle/>
+          <a:p>
+            <a:pPr algn="ctr"/>
+            <a:r>
+              <a:rPr lang="ja-JP" altLang="en-US" sz="4000" b="1" dirty="0">
+                <a:ln w="9525">
+                  <a:solidFill>
+                    <a:schemeClr val="tx2">
+                      <a:lumMod val="20000"/>
+                      <a:lumOff val="80000"/>
+                    </a:schemeClr>
+                  </a:solidFill>
+                  <a:prstDash val="solid"/>
+                </a:ln>
+                <a:solidFill>
+                  <a:schemeClr val="accent2">
+                    <a:lumMod val="75000"/>
+                  </a:schemeClr>
+                </a:solidFill>
+                <a:effectLst>
+                  <a:outerShdw blurRad="12700" dist="38100" dir="2700000" algn="tl" rotWithShape="0">
+                    <a:schemeClr val="bg1">
+                      <a:lumMod val="50000"/>
+                    </a:schemeClr>
+                  </a:outerShdw>
+                </a:effectLst>
+              </a:rPr>
+              <a:t>３位</a:t>
+            </a:r>
+          </a:p>
+        </p:txBody>
+      </p:sp>
+      <p:sp>
+        <p:nvSpPr>
+          <p:cNvPr id="10" name="テキスト ボックス 9"/>
+          <p:cNvSpPr txBox="1"/>
+          <p:nvPr/>
+        </p:nvSpPr>
+        <p:spPr>
+          <a:xfrm>
+            <a:off x="1644162" y="1951891"/>
+            <a:ext cx="1793630" cy="461665"/>
+          </a:xfrm>
+          <a:prstGeom prst="rect">
+            <a:avLst/>
+          </a:prstGeom>
+          <a:noFill/>
+        </p:spPr>
+        <p:txBody>
+          <a:bodyPr wrap="square" rtlCol="0">
+            <a:spAutoFit/>
+          </a:bodyPr>
+          <a:lstStyle/>
+          <a:p>
+            <a:pPr algn="ctr"/>
+            <a:r>
+              <a:rPr lang="ja-JP" altLang="en-US" sz="2400" b="1" dirty="0" smtClean="0">
+                <a:ln w="9525">
+                  <a:solidFill>
+                    <a:schemeClr val="bg1"/>
+                  </a:solidFill>
+                  <a:prstDash val="solid"/>
+                </a:ln>
+                <a:solidFill>
+                  <a:srgbClr val="C3C361"/>
+                </a:solidFill>
+                <a:effectLst>
+                  <a:outerShdw blurRad="12700" dist="38100" dir="2700000" algn="tl" rotWithShape="0">
+                    <a:schemeClr val="bg1">
+                      <a:lumMod val="50000"/>
+                    </a:schemeClr>
+                  </a:outerShdw>
+                </a:effectLst>
+              </a:rPr>
+              <a:t>１位</a:t>
+            </a:r>
+            <a:r>
+              <a:rPr kumimoji="1" lang="ja-JP" altLang="en-US" sz="2400" b="1" dirty="0" smtClean="0"/>
+              <a:t>の</a:t>
+            </a:r>
+            <a:r>
+              <a:rPr kumimoji="1" lang="ja-JP" altLang="en-US" sz="2400" b="1" dirty="0" smtClean="0">
+                <a:solidFill>
+                  <a:srgbClr val="FF0000"/>
+                </a:solidFill>
+              </a:rPr>
+              <a:t>点数</a:t>
+            </a:r>
+            <a:endParaRPr kumimoji="1" lang="ja-JP" altLang="en-US" sz="2400" b="1" dirty="0">
+              <a:solidFill>
+                <a:srgbClr val="FF0000"/>
+              </a:solidFill>
+            </a:endParaRPr>
+          </a:p>
+        </p:txBody>
+      </p:sp>
+      <p:sp>
+        <p:nvSpPr>
+          <p:cNvPr id="25" name="テキスト ボックス 24"/>
+          <p:cNvSpPr txBox="1"/>
+          <p:nvPr/>
+        </p:nvSpPr>
+        <p:spPr>
+          <a:xfrm>
+            <a:off x="3877407" y="1951891"/>
+            <a:ext cx="1793630" cy="461665"/>
+          </a:xfrm>
+          <a:prstGeom prst="rect">
+            <a:avLst/>
+          </a:prstGeom>
+          <a:noFill/>
+        </p:spPr>
+        <p:txBody>
+          <a:bodyPr wrap="square" rtlCol="0">
+            <a:spAutoFit/>
+          </a:bodyPr>
+          <a:lstStyle/>
+          <a:p>
+            <a:pPr algn="ctr"/>
+            <a:r>
+              <a:rPr lang="ja-JP" altLang="en-US" sz="2400" b="1" dirty="0" smtClean="0">
+                <a:ln w="9525">
+                  <a:solidFill>
+                    <a:schemeClr val="tx1">
+                      <a:lumMod val="50000"/>
+                      <a:lumOff val="50000"/>
+                    </a:schemeClr>
+                  </a:solidFill>
+                  <a:prstDash val="solid"/>
+                </a:ln>
+                <a:solidFill>
+                  <a:schemeClr val="bg2">
+                    <a:lumMod val="75000"/>
+                  </a:schemeClr>
+                </a:solidFill>
+                <a:effectLst>
+                  <a:outerShdw blurRad="12700" dist="38100" dir="2700000" algn="tl" rotWithShape="0">
+                    <a:schemeClr val="bg1">
+                      <a:lumMod val="50000"/>
+                    </a:schemeClr>
+                  </a:outerShdw>
+                </a:effectLst>
+              </a:rPr>
+              <a:t>２位</a:t>
+            </a:r>
+            <a:r>
+              <a:rPr kumimoji="1" lang="ja-JP" altLang="en-US" sz="2400" b="1" dirty="0" smtClean="0"/>
+              <a:t>の</a:t>
+            </a:r>
+            <a:r>
+              <a:rPr kumimoji="1" lang="ja-JP" altLang="en-US" sz="2400" b="1" dirty="0" smtClean="0">
+                <a:solidFill>
+                  <a:srgbClr val="FF0000"/>
+                </a:solidFill>
+              </a:rPr>
+              <a:t>点数</a:t>
+            </a:r>
+            <a:endParaRPr kumimoji="1" lang="ja-JP" altLang="en-US" sz="2400" b="1" dirty="0">
+              <a:solidFill>
+                <a:srgbClr val="FF0000"/>
+              </a:solidFill>
+            </a:endParaRPr>
+          </a:p>
+        </p:txBody>
+      </p:sp>
+      <p:sp>
+        <p:nvSpPr>
+          <p:cNvPr id="26" name="テキスト ボックス 25"/>
+          <p:cNvSpPr txBox="1"/>
+          <p:nvPr/>
+        </p:nvSpPr>
+        <p:spPr>
+          <a:xfrm>
+            <a:off x="6371489" y="1951890"/>
+            <a:ext cx="1793630" cy="461665"/>
+          </a:xfrm>
+          <a:prstGeom prst="rect">
+            <a:avLst/>
+          </a:prstGeom>
+          <a:noFill/>
+        </p:spPr>
+        <p:txBody>
+          <a:bodyPr wrap="square" rtlCol="0">
+            <a:spAutoFit/>
+          </a:bodyPr>
+          <a:lstStyle/>
+          <a:p>
+            <a:pPr algn="ctr"/>
+            <a:r>
+              <a:rPr lang="ja-JP" altLang="en-US" sz="2400" b="1" dirty="0" smtClean="0">
+                <a:ln w="9525">
+                  <a:solidFill>
+                    <a:schemeClr val="tx2">
+                      <a:lumMod val="20000"/>
+                      <a:lumOff val="80000"/>
+                    </a:schemeClr>
+                  </a:solidFill>
+                  <a:prstDash val="solid"/>
+                </a:ln>
+                <a:solidFill>
+                  <a:schemeClr val="accent2">
+                    <a:lumMod val="75000"/>
+                  </a:schemeClr>
+                </a:solidFill>
+                <a:effectLst>
+                  <a:outerShdw blurRad="12700" dist="38100" dir="2700000" algn="tl" rotWithShape="0">
+                    <a:schemeClr val="bg1">
+                      <a:lumMod val="50000"/>
+                    </a:schemeClr>
+                  </a:outerShdw>
+                </a:effectLst>
+              </a:rPr>
+              <a:t>３位</a:t>
+            </a:r>
+            <a:r>
+              <a:rPr kumimoji="1" lang="ja-JP" altLang="en-US" sz="2400" b="1" dirty="0" smtClean="0"/>
+              <a:t>の</a:t>
+            </a:r>
+            <a:r>
+              <a:rPr kumimoji="1" lang="ja-JP" altLang="en-US" sz="2400" b="1" dirty="0" smtClean="0">
+                <a:solidFill>
+                  <a:srgbClr val="FF0000"/>
+                </a:solidFill>
+              </a:rPr>
+              <a:t>点数</a:t>
+            </a:r>
+            <a:endParaRPr kumimoji="1" lang="ja-JP" altLang="en-US" sz="2400" b="1" dirty="0">
+              <a:solidFill>
+                <a:srgbClr val="FF0000"/>
+              </a:solidFill>
+            </a:endParaRPr>
+          </a:p>
+        </p:txBody>
+      </p:sp>
+      <p:sp>
+        <p:nvSpPr>
+          <p:cNvPr id="27" name="テキスト ボックス 26"/>
+          <p:cNvSpPr txBox="1"/>
+          <p:nvPr/>
+        </p:nvSpPr>
+        <p:spPr>
+          <a:xfrm>
+            <a:off x="8604734" y="1951890"/>
+            <a:ext cx="1793630" cy="461665"/>
+          </a:xfrm>
+          <a:prstGeom prst="rect">
+            <a:avLst/>
+          </a:prstGeom>
+          <a:noFill/>
+        </p:spPr>
+        <p:txBody>
+          <a:bodyPr wrap="square" rtlCol="0">
+            <a:spAutoFit/>
+          </a:bodyPr>
+          <a:lstStyle/>
+          <a:p>
+            <a:pPr algn="ctr"/>
+            <a:r>
+              <a:rPr lang="ja-JP" altLang="en-US" sz="2400" b="1" dirty="0" smtClean="0">
+                <a:ln w="9525">
+                  <a:solidFill>
+                    <a:schemeClr val="tx2">
+                      <a:lumMod val="20000"/>
+                      <a:lumOff val="80000"/>
+                    </a:schemeClr>
+                  </a:solidFill>
+                  <a:prstDash val="solid"/>
+                </a:ln>
+                <a:solidFill>
+                  <a:schemeClr val="accent2">
+                    <a:lumMod val="75000"/>
+                  </a:schemeClr>
+                </a:solidFill>
+                <a:effectLst>
+                  <a:outerShdw blurRad="12700" dist="38100" dir="2700000" algn="tl" rotWithShape="0">
+                    <a:schemeClr val="bg1">
+                      <a:lumMod val="50000"/>
+                    </a:schemeClr>
+                  </a:outerShdw>
+                </a:effectLst>
+              </a:rPr>
+              <a:t>３位</a:t>
+            </a:r>
+            <a:r>
+              <a:rPr kumimoji="1" lang="ja-JP" altLang="en-US" sz="2400" b="1" dirty="0" smtClean="0"/>
+              <a:t>の</a:t>
+            </a:r>
+            <a:r>
+              <a:rPr kumimoji="1" lang="ja-JP" altLang="en-US" sz="2400" b="1" dirty="0" smtClean="0">
+                <a:solidFill>
+                  <a:srgbClr val="FF0000"/>
+                </a:solidFill>
+              </a:rPr>
+              <a:t>点数</a:t>
+            </a:r>
+            <a:endParaRPr kumimoji="1" lang="ja-JP" altLang="en-US" sz="2400" b="1" dirty="0">
+              <a:solidFill>
+                <a:srgbClr val="FF0000"/>
+              </a:solidFill>
+            </a:endParaRPr>
+          </a:p>
+        </p:txBody>
+      </p:sp>
+      <p:sp>
+        <p:nvSpPr>
+          <p:cNvPr id="11" name="正方形/長方形 10"/>
+          <p:cNvSpPr/>
+          <p:nvPr/>
+        </p:nvSpPr>
+        <p:spPr>
+          <a:xfrm rot="1124844">
+            <a:off x="4290646" y="2844598"/>
+            <a:ext cx="958362" cy="1820007"/>
+          </a:xfrm>
+          <a:prstGeom prst="rect">
+            <a:avLst/>
+          </a:prstGeom>
+          <a:solidFill>
+            <a:srgbClr val="FF0000"/>
+          </a:solidFill>
+        </p:spPr>
+        <p:style>
+          <a:lnRef idx="2">
+            <a:schemeClr val="accent1">
+              <a:shade val="50000"/>
+            </a:schemeClr>
+          </a:lnRef>
+          <a:fillRef idx="1">
+            <a:schemeClr val="accent1"/>
+          </a:fillRef>
+          <a:effectRef idx="0">
+            <a:schemeClr val="accent1"/>
+          </a:effectRef>
+          <a:fontRef idx="minor">
+            <a:schemeClr val="lt1"/>
+          </a:fontRef>
+        </p:style>
+        <p:txBody>
+          <a:bodyPr rtlCol="0" anchor="ctr"/>
+          <a:lstStyle/>
+          <a:p>
+            <a:pPr algn="ctr"/>
+            <a:endParaRPr kumimoji="1" lang="ja-JP" altLang="en-US"/>
+          </a:p>
+        </p:txBody>
+      </p:sp>
+      <p:sp>
+        <p:nvSpPr>
+          <p:cNvPr id="28" name="正方形/長方形 27"/>
+          <p:cNvSpPr/>
+          <p:nvPr/>
+        </p:nvSpPr>
+        <p:spPr>
+          <a:xfrm rot="1480039">
+            <a:off x="1914870" y="2817936"/>
+            <a:ext cx="958362" cy="1820007"/>
+          </a:xfrm>
+          <a:prstGeom prst="rect">
+            <a:avLst/>
+          </a:prstGeom>
+        </p:spPr>
+        <p:style>
+          <a:lnRef idx="2">
+            <a:schemeClr val="accent1">
+              <a:shade val="50000"/>
+            </a:schemeClr>
+          </a:lnRef>
+          <a:fillRef idx="1">
+            <a:schemeClr val="accent1"/>
+          </a:fillRef>
+          <a:effectRef idx="0">
+            <a:schemeClr val="accent1"/>
+          </a:effectRef>
+          <a:fontRef idx="minor">
+            <a:schemeClr val="lt1"/>
+          </a:fontRef>
+        </p:style>
+        <p:txBody>
+          <a:bodyPr rtlCol="0" anchor="ctr"/>
+          <a:lstStyle/>
+          <a:p>
+            <a:pPr algn="ctr"/>
+            <a:endParaRPr kumimoji="1" lang="ja-JP" altLang="en-US"/>
+          </a:p>
+        </p:txBody>
+      </p:sp>
+      <p:sp>
+        <p:nvSpPr>
+          <p:cNvPr id="29" name="正方形/長方形 28"/>
+          <p:cNvSpPr/>
+          <p:nvPr/>
+        </p:nvSpPr>
+        <p:spPr>
+          <a:xfrm rot="316070">
+            <a:off x="6697343" y="2789449"/>
+            <a:ext cx="958362" cy="1820007"/>
+          </a:xfrm>
+          <a:prstGeom prst="rect">
+            <a:avLst/>
+          </a:prstGeom>
+          <a:solidFill>
+            <a:srgbClr val="00B050"/>
+          </a:solidFill>
+        </p:spPr>
+        <p:style>
+          <a:lnRef idx="2">
+            <a:schemeClr val="accent1">
+              <a:shade val="50000"/>
+            </a:schemeClr>
+          </a:lnRef>
+          <a:fillRef idx="1">
+            <a:schemeClr val="accent1"/>
+          </a:fillRef>
+          <a:effectRef idx="0">
+            <a:schemeClr val="accent1"/>
+          </a:effectRef>
+          <a:fontRef idx="minor">
+            <a:schemeClr val="lt1"/>
+          </a:fontRef>
+        </p:style>
+        <p:txBody>
+          <a:bodyPr rtlCol="0" anchor="ctr"/>
+          <a:lstStyle/>
+          <a:p>
+            <a:pPr algn="ctr"/>
+            <a:endParaRPr kumimoji="1" lang="ja-JP" altLang="en-US"/>
+          </a:p>
+        </p:txBody>
+      </p:sp>
+      <p:sp>
+        <p:nvSpPr>
+          <p:cNvPr id="30" name="正方形/長方形 29"/>
+          <p:cNvSpPr/>
+          <p:nvPr/>
+        </p:nvSpPr>
+        <p:spPr>
+          <a:xfrm rot="321307">
+            <a:off x="8971861" y="2894132"/>
+            <a:ext cx="958362" cy="1820007"/>
+          </a:xfrm>
+          <a:prstGeom prst="rect">
+            <a:avLst/>
+          </a:prstGeom>
+          <a:solidFill>
+            <a:srgbClr val="FFFF00"/>
+          </a:solidFill>
+        </p:spPr>
+        <p:style>
+          <a:lnRef idx="2">
+            <a:schemeClr val="accent1">
+              <a:shade val="50000"/>
+            </a:schemeClr>
+          </a:lnRef>
+          <a:fillRef idx="1">
+            <a:schemeClr val="accent1"/>
+          </a:fillRef>
+          <a:effectRef idx="0">
+            <a:schemeClr val="accent1"/>
+          </a:effectRef>
+          <a:fontRef idx="minor">
+            <a:schemeClr val="lt1"/>
+          </a:fontRef>
+        </p:style>
+        <p:txBody>
+          <a:bodyPr rtlCol="0" anchor="ctr"/>
+          <a:lstStyle/>
+          <a:p>
+            <a:pPr algn="ctr"/>
+            <a:endParaRPr kumimoji="1" lang="ja-JP" altLang="en-US"/>
+          </a:p>
+        </p:txBody>
+      </p:sp>
+      <p:sp>
+        <p:nvSpPr>
+          <p:cNvPr id="13" name="テキスト ボックス 12"/>
+          <p:cNvSpPr txBox="1"/>
+          <p:nvPr/>
+        </p:nvSpPr>
+        <p:spPr>
+          <a:xfrm>
+            <a:off x="1960832" y="3523767"/>
+            <a:ext cx="963003" cy="523220"/>
+          </a:xfrm>
+          <a:prstGeom prst="rect">
+            <a:avLst/>
+          </a:prstGeom>
+          <a:noFill/>
+        </p:spPr>
+        <p:txBody>
+          <a:bodyPr wrap="square" rtlCol="0">
+            <a:spAutoFit/>
+          </a:bodyPr>
+          <a:lstStyle/>
+          <a:p>
+            <a:pPr algn="ctr"/>
+            <a:r>
+              <a:rPr kumimoji="1" lang="ja-JP" altLang="en-US" sz="2800" b="1" dirty="0" smtClean="0">
+                <a:solidFill>
+                  <a:schemeClr val="bg1"/>
+                </a:solidFill>
+              </a:rPr>
+              <a:t>１Ｐ</a:t>
+            </a:r>
+            <a:endParaRPr kumimoji="1" lang="ja-JP" altLang="en-US" sz="2800" b="1" dirty="0">
+              <a:solidFill>
+                <a:schemeClr val="bg1"/>
+              </a:solidFill>
+            </a:endParaRPr>
+          </a:p>
+        </p:txBody>
+      </p:sp>
+      <p:sp>
+        <p:nvSpPr>
+          <p:cNvPr id="32" name="テキスト ボックス 31"/>
+          <p:cNvSpPr txBox="1"/>
+          <p:nvPr/>
+        </p:nvSpPr>
+        <p:spPr>
+          <a:xfrm>
+            <a:off x="4309055" y="3492990"/>
+            <a:ext cx="963003" cy="523220"/>
+          </a:xfrm>
+          <a:prstGeom prst="rect">
+            <a:avLst/>
+          </a:prstGeom>
+          <a:noFill/>
+        </p:spPr>
+        <p:txBody>
+          <a:bodyPr wrap="square" rtlCol="0">
+            <a:spAutoFit/>
+          </a:bodyPr>
+          <a:lstStyle/>
+          <a:p>
+            <a:pPr algn="ctr"/>
+            <a:r>
+              <a:rPr kumimoji="1" lang="ja-JP" altLang="en-US" sz="2800" b="1" dirty="0" smtClean="0">
+                <a:solidFill>
+                  <a:schemeClr val="bg1"/>
+                </a:solidFill>
+              </a:rPr>
+              <a:t>２Ｐ</a:t>
+            </a:r>
+            <a:endParaRPr kumimoji="1" lang="ja-JP" altLang="en-US" sz="2800" b="1" dirty="0">
+              <a:solidFill>
+                <a:schemeClr val="bg1"/>
+              </a:solidFill>
+            </a:endParaRPr>
+          </a:p>
+        </p:txBody>
+      </p:sp>
+      <p:sp>
+        <p:nvSpPr>
+          <p:cNvPr id="33" name="テキスト ボックス 32"/>
+          <p:cNvSpPr txBox="1"/>
+          <p:nvPr/>
+        </p:nvSpPr>
+        <p:spPr>
+          <a:xfrm>
+            <a:off x="6743320" y="3437842"/>
+            <a:ext cx="963003" cy="523220"/>
+          </a:xfrm>
+          <a:prstGeom prst="rect">
+            <a:avLst/>
+          </a:prstGeom>
+          <a:noFill/>
+        </p:spPr>
+        <p:txBody>
+          <a:bodyPr wrap="square" rtlCol="0">
+            <a:spAutoFit/>
+          </a:bodyPr>
+          <a:lstStyle/>
+          <a:p>
+            <a:pPr algn="ctr"/>
+            <a:r>
+              <a:rPr kumimoji="1" lang="ja-JP" altLang="en-US" sz="2800" b="1" dirty="0" smtClean="0">
+                <a:solidFill>
+                  <a:schemeClr val="bg1"/>
+                </a:solidFill>
+              </a:rPr>
+              <a:t>３Ｐ</a:t>
+            </a:r>
+            <a:endParaRPr kumimoji="1" lang="ja-JP" altLang="en-US" sz="2800" b="1" dirty="0">
+              <a:solidFill>
+                <a:schemeClr val="bg1"/>
+              </a:solidFill>
+            </a:endParaRPr>
+          </a:p>
+        </p:txBody>
+      </p:sp>
+      <p:sp>
+        <p:nvSpPr>
+          <p:cNvPr id="34" name="テキスト ボックス 33"/>
+          <p:cNvSpPr txBox="1"/>
+          <p:nvPr/>
+        </p:nvSpPr>
+        <p:spPr>
+          <a:xfrm>
+            <a:off x="9022368" y="3475260"/>
+            <a:ext cx="963003" cy="523220"/>
+          </a:xfrm>
+          <a:prstGeom prst="rect">
+            <a:avLst/>
+          </a:prstGeom>
+          <a:noFill/>
+        </p:spPr>
+        <p:txBody>
+          <a:bodyPr wrap="square" rtlCol="0">
+            <a:spAutoFit/>
+          </a:bodyPr>
+          <a:lstStyle/>
+          <a:p>
+            <a:pPr algn="ctr"/>
+            <a:r>
+              <a:rPr kumimoji="1" lang="ja-JP" altLang="en-US" sz="2800" b="1" dirty="0" smtClean="0"/>
+              <a:t>４Ｐ</a:t>
+            </a:r>
+            <a:endParaRPr kumimoji="1" lang="ja-JP" altLang="en-US" sz="2800" b="1" dirty="0"/>
+          </a:p>
+        </p:txBody>
+      </p:sp>
+      <p:sp>
+        <p:nvSpPr>
+          <p:cNvPr id="35" name="テキスト ボックス 34"/>
+          <p:cNvSpPr txBox="1"/>
+          <p:nvPr/>
+        </p:nvSpPr>
+        <p:spPr>
+          <a:xfrm>
+            <a:off x="2697772" y="5832037"/>
+            <a:ext cx="7060223" cy="523220"/>
+          </a:xfrm>
+          <a:prstGeom prst="rect">
+            <a:avLst/>
+          </a:prstGeom>
+          <a:noFill/>
+        </p:spPr>
+        <p:txBody>
+          <a:bodyPr wrap="square" rtlCol="0">
+            <a:spAutoFit/>
+          </a:bodyPr>
+          <a:lstStyle/>
+          <a:p>
+            <a:pPr algn="ctr"/>
+            <a:r>
+              <a:rPr kumimoji="1" lang="ja-JP" altLang="en-US" sz="2800" b="1" dirty="0" smtClean="0"/>
+              <a:t>それぞれの</a:t>
+            </a:r>
+            <a:r>
+              <a:rPr kumimoji="1" lang="ja-JP" altLang="en-US" sz="2800" b="1" dirty="0" smtClean="0">
+                <a:solidFill>
+                  <a:srgbClr val="FF0000"/>
+                </a:solidFill>
+              </a:rPr>
+              <a:t>点数</a:t>
+            </a:r>
+            <a:r>
+              <a:rPr kumimoji="1" lang="ja-JP" altLang="en-US" sz="2800" b="1" dirty="0" smtClean="0"/>
+              <a:t>と順位のプレイヤーを出す</a:t>
+            </a:r>
+            <a:endParaRPr kumimoji="1" lang="ja-JP" altLang="en-US" sz="2800" b="1" dirty="0"/>
+          </a:p>
+        </p:txBody>
+      </p:sp>
+      <p:sp>
+        <p:nvSpPr>
+          <p:cNvPr id="2" name="角丸四角形吹き出し 1"/>
+          <p:cNvSpPr/>
+          <p:nvPr/>
+        </p:nvSpPr>
+        <p:spPr>
+          <a:xfrm>
+            <a:off x="9066148" y="216015"/>
+            <a:ext cx="2808554" cy="1283677"/>
+          </a:xfrm>
+          <a:prstGeom prst="wedgeRoundRectCallout">
+            <a:avLst/>
+          </a:prstGeom>
+          <a:solidFill>
+            <a:schemeClr val="bg1"/>
+          </a:solidFill>
+          <a:ln w="57150">
+            <a:solidFill>
+              <a:srgbClr val="002060"/>
+            </a:solidFill>
+          </a:ln>
+        </p:spPr>
+        <p:style>
+          <a:lnRef idx="2">
+            <a:schemeClr val="accent1">
+              <a:shade val="50000"/>
+            </a:schemeClr>
+          </a:lnRef>
+          <a:fillRef idx="1">
+            <a:schemeClr val="accent1"/>
+          </a:fillRef>
+          <a:effectRef idx="0">
+            <a:schemeClr val="accent1"/>
+          </a:effectRef>
+          <a:fontRef idx="minor">
+            <a:schemeClr val="lt1"/>
+          </a:fontRef>
+        </p:style>
+        <p:txBody>
+          <a:bodyPr rtlCol="0" anchor="ctr"/>
+          <a:lstStyle/>
+          <a:p>
+            <a:pPr algn="ctr"/>
+            <a:endParaRPr kumimoji="1" lang="ja-JP" altLang="en-US"/>
+          </a:p>
+        </p:txBody>
+      </p:sp>
+      <p:sp>
+        <p:nvSpPr>
+          <p:cNvPr id="31" name="テキスト ボックス 30"/>
+          <p:cNvSpPr txBox="1"/>
+          <p:nvPr/>
+        </p:nvSpPr>
+        <p:spPr>
+          <a:xfrm>
+            <a:off x="9224284" y="514304"/>
+            <a:ext cx="2381562" cy="830997"/>
+          </a:xfrm>
+          <a:prstGeom prst="rect">
+            <a:avLst/>
+          </a:prstGeom>
+          <a:noFill/>
+        </p:spPr>
+        <p:txBody>
+          <a:bodyPr wrap="square" rtlCol="0">
+            <a:spAutoFit/>
+          </a:bodyPr>
+          <a:lstStyle/>
+          <a:p>
+            <a:pPr algn="ctr"/>
+            <a:r>
+              <a:rPr lang="ja-JP" altLang="en-US" sz="2400" b="1" dirty="0" smtClean="0">
+                <a:ln w="9525">
+                  <a:solidFill>
+                    <a:schemeClr val="tx2">
+                      <a:lumMod val="20000"/>
+                      <a:lumOff val="80000"/>
+                    </a:schemeClr>
+                  </a:solidFill>
+                  <a:prstDash val="solid"/>
+                </a:ln>
+                <a:effectLst>
+                  <a:outerShdw blurRad="12700" dist="38100" dir="2700000" algn="tl" rotWithShape="0">
+                    <a:schemeClr val="bg1">
+                      <a:lumMod val="50000"/>
+                    </a:schemeClr>
+                  </a:outerShdw>
+                </a:effectLst>
+              </a:rPr>
+              <a:t>同じ順位の人がいる場合</a:t>
+            </a:r>
+            <a:endParaRPr kumimoji="1" lang="ja-JP" altLang="en-US" sz="2400" b="1" dirty="0"/>
           </a:p>
         </p:txBody>
       </p:sp>
     </p:spTree>
     <p:extLst>
       <p:ext uri="{BB962C8B-B14F-4D97-AF65-F5344CB8AC3E}">
-        <p14:creationId xmlns:p14="http://schemas.microsoft.com/office/powerpoint/2010/main" val="3616873287"/>
+        <p14:creationId xmlns:p14="http://schemas.microsoft.com/office/powerpoint/2010/main" val="1352856656"/>
       </p:ext>
     </p:extLst>
   </p:cSld>
@@ -14965,6 +15952,67 @@
       </p:grpSpPr>
       <p:sp>
         <p:nvSpPr>
+          <p:cNvPr id="2" name="タイトル 1"/>
+          <p:cNvSpPr>
+            <a:spLocks noGrp="1"/>
+          </p:cNvSpPr>
+          <p:nvPr>
+            <p:ph type="title"/>
+          </p:nvPr>
+        </p:nvSpPr>
+        <p:spPr>
+          <a:xfrm>
+            <a:off x="732692" y="2545617"/>
+            <a:ext cx="10515600" cy="1325563"/>
+          </a:xfrm>
+        </p:spPr>
+        <p:txBody>
+          <a:bodyPr>
+            <a:normAutofit/>
+          </a:bodyPr>
+          <a:lstStyle/>
+          <a:p>
+            <a:pPr algn="ctr"/>
+            <a:r>
+              <a:rPr kumimoji="1" lang="ja-JP" altLang="en-US" sz="7200" dirty="0" smtClean="0"/>
+              <a:t>メニュー画面</a:t>
+            </a:r>
+            <a:endParaRPr kumimoji="1" lang="ja-JP" altLang="en-US" sz="7200" dirty="0"/>
+          </a:p>
+        </p:txBody>
+      </p:sp>
+    </p:spTree>
+    <p:extLst>
+      <p:ext uri="{BB962C8B-B14F-4D97-AF65-F5344CB8AC3E}">
+        <p14:creationId xmlns:p14="http://schemas.microsoft.com/office/powerpoint/2010/main" val="3616873287"/>
+      </p:ext>
+    </p:extLst>
+  </p:cSld>
+  <p:clrMapOvr>
+    <a:masterClrMapping/>
+  </p:clrMapOvr>
+</p:sld>
+</file>
+
+<file path=ppt/slides/slide26.xml><?xml version="1.0" encoding="utf-8"?>
+<p:sld xmlns:a="http://schemas.openxmlformats.org/drawingml/2006/main" xmlns:r="http://schemas.openxmlformats.org/officeDocument/2006/relationships" xmlns:p="http://schemas.openxmlformats.org/presentationml/2006/main">
+  <p:cSld>
+    <p:spTree>
+      <p:nvGrpSpPr>
+        <p:cNvPr id="1" name=""/>
+        <p:cNvGrpSpPr/>
+        <p:nvPr/>
+      </p:nvGrpSpPr>
+      <p:grpSpPr>
+        <a:xfrm>
+          <a:off x="0" y="0"/>
+          <a:ext cx="0" cy="0"/>
+          <a:chOff x="0" y="0"/>
+          <a:chExt cx="0" cy="0"/>
+        </a:xfrm>
+      </p:grpSpPr>
+      <p:sp>
+        <p:nvSpPr>
           <p:cNvPr id="5" name="正方形/長方形 4"/>
           <p:cNvSpPr/>
           <p:nvPr/>
@@ -15299,7 +16347,7 @@
 </p:sld>
 </file>
 
-<file path=ppt/slides/slide26.xml><?xml version="1.0" encoding="utf-8"?>
+<file path=ppt/slides/slide27.xml><?xml version="1.0" encoding="utf-8"?>
 <p:sld xmlns:a="http://schemas.openxmlformats.org/drawingml/2006/main" xmlns:r="http://schemas.openxmlformats.org/officeDocument/2006/relationships" xmlns:p="http://schemas.openxmlformats.org/presentationml/2006/main" show="0">
   <p:cSld>
     <p:spTree>

--- a/卒業制作_風船わりゲーム（仮）.pptx
+++ b/卒業制作_風船わりゲーム（仮）.pptx
@@ -223,7 +223,7 @@
           <a:p>
             <a:fld id="{1CCC9455-7354-4C37-A185-6358437DC9AF}" type="datetimeFigureOut">
               <a:rPr kumimoji="1" lang="ja-JP" altLang="en-US" smtClean="0"/>
-              <a:t>2022/10/7</a:t>
+              <a:t>2022/10/11</a:t>
             </a:fld>
             <a:endParaRPr kumimoji="1" lang="ja-JP" altLang="en-US"/>
           </a:p>
@@ -567,6 +567,98 @@
           <a:bodyPr/>
           <a:lstStyle/>
           <a:p>
+            <a:r>
+              <a:rPr kumimoji="1" lang="ja-JP" altLang="en-US" dirty="0" smtClean="0"/>
+              <a:t>押されたら→</a:t>
+            </a:r>
+            <a:r>
+              <a:rPr kumimoji="1" lang="en-US" altLang="ja-JP" smtClean="0"/>
+              <a:t>STATE or A</a:t>
+            </a:r>
+            <a:endParaRPr kumimoji="1" lang="ja-JP" altLang="en-US"/>
+          </a:p>
+        </p:txBody>
+      </p:sp>
+      <p:sp>
+        <p:nvSpPr>
+          <p:cNvPr id="4" name="スライド番号プレースホルダー 3"/>
+          <p:cNvSpPr>
+            <a:spLocks noGrp="1"/>
+          </p:cNvSpPr>
+          <p:nvPr>
+            <p:ph type="sldNum" sz="quarter" idx="10"/>
+          </p:nvPr>
+        </p:nvSpPr>
+        <p:spPr/>
+        <p:txBody>
+          <a:bodyPr/>
+          <a:lstStyle/>
+          <a:p>
+            <a:fld id="{0CE132E9-7DC1-45B7-9235-E08A2307EA51}" type="slidenum">
+              <a:rPr kumimoji="1" lang="ja-JP" altLang="en-US" smtClean="0"/>
+              <a:t>4</a:t>
+            </a:fld>
+            <a:endParaRPr kumimoji="1" lang="ja-JP" altLang="en-US"/>
+          </a:p>
+        </p:txBody>
+      </p:sp>
+    </p:spTree>
+    <p:extLst>
+      <p:ext uri="{BB962C8B-B14F-4D97-AF65-F5344CB8AC3E}">
+        <p14:creationId xmlns:p14="http://schemas.microsoft.com/office/powerpoint/2010/main" val="3814320414"/>
+      </p:ext>
+    </p:extLst>
+  </p:cSld>
+  <p:clrMapOvr>
+    <a:masterClrMapping/>
+  </p:clrMapOvr>
+</p:notes>
+</file>
+
+<file path=ppt/notesSlides/notesSlide2.xml><?xml version="1.0" encoding="utf-8"?>
+<p:notes xmlns:a="http://schemas.openxmlformats.org/drawingml/2006/main" xmlns:r="http://schemas.openxmlformats.org/officeDocument/2006/relationships" xmlns:p="http://schemas.openxmlformats.org/presentationml/2006/main">
+  <p:cSld>
+    <p:spTree>
+      <p:nvGrpSpPr>
+        <p:cNvPr id="1" name=""/>
+        <p:cNvGrpSpPr/>
+        <p:nvPr/>
+      </p:nvGrpSpPr>
+      <p:grpSpPr>
+        <a:xfrm>
+          <a:off x="0" y="0"/>
+          <a:ext cx="0" cy="0"/>
+          <a:chOff x="0" y="0"/>
+          <a:chExt cx="0" cy="0"/>
+        </a:xfrm>
+      </p:grpSpPr>
+      <p:sp>
+        <p:nvSpPr>
+          <p:cNvPr id="2" name="スライド イメージ プレースホルダー 1"/>
+          <p:cNvSpPr>
+            <a:spLocks noGrp="1" noRot="1" noChangeAspect="1"/>
+          </p:cNvSpPr>
+          <p:nvPr>
+            <p:ph type="sldImg"/>
+          </p:nvPr>
+        </p:nvSpPr>
+        <p:spPr/>
+      </p:sp>
+      <p:sp>
+        <p:nvSpPr>
+          <p:cNvPr id="3" name="ノート プレースホルダー 2"/>
+          <p:cNvSpPr>
+            <a:spLocks noGrp="1"/>
+          </p:cNvSpPr>
+          <p:nvPr>
+            <p:ph type="body" idx="1"/>
+          </p:nvPr>
+        </p:nvSpPr>
+        <p:spPr/>
+        <p:txBody>
+          <a:bodyPr/>
+          <a:lstStyle/>
+          <a:p>
             <a:endParaRPr kumimoji="1" lang="ja-JP" altLang="en-US" dirty="0"/>
           </a:p>
         </p:txBody>
@@ -607,7 +699,7 @@
 </p:notes>
 </file>
 
-<file path=ppt/notesSlides/notesSlide2.xml><?xml version="1.0" encoding="utf-8"?>
+<file path=ppt/notesSlides/notesSlide3.xml><?xml version="1.0" encoding="utf-8"?>
 <p:notes xmlns:a="http://schemas.openxmlformats.org/drawingml/2006/main" xmlns:r="http://schemas.openxmlformats.org/officeDocument/2006/relationships" xmlns:p="http://schemas.openxmlformats.org/presentationml/2006/main">
   <p:cSld>
     <p:spTree>
@@ -822,7 +914,7 @@
           <a:p>
             <a:fld id="{CACB02CB-C9C4-4FCF-9953-72CF80A58512}" type="datetimeFigureOut">
               <a:rPr kumimoji="1" lang="ja-JP" altLang="en-US" smtClean="0"/>
-              <a:t>2022/10/7</a:t>
+              <a:t>2022/10/11</a:t>
             </a:fld>
             <a:endParaRPr kumimoji="1" lang="ja-JP" altLang="en-US"/>
           </a:p>
@@ -1024,7 +1116,7 @@
           <a:p>
             <a:fld id="{CACB02CB-C9C4-4FCF-9953-72CF80A58512}" type="datetimeFigureOut">
               <a:rPr kumimoji="1" lang="ja-JP" altLang="en-US" smtClean="0"/>
-              <a:t>2022/10/7</a:t>
+              <a:t>2022/10/11</a:t>
             </a:fld>
             <a:endParaRPr kumimoji="1" lang="ja-JP" altLang="en-US"/>
           </a:p>
@@ -1236,7 +1328,7 @@
           <a:p>
             <a:fld id="{CACB02CB-C9C4-4FCF-9953-72CF80A58512}" type="datetimeFigureOut">
               <a:rPr kumimoji="1" lang="ja-JP" altLang="en-US" smtClean="0"/>
-              <a:t>2022/10/7</a:t>
+              <a:t>2022/10/11</a:t>
             </a:fld>
             <a:endParaRPr kumimoji="1" lang="ja-JP" altLang="en-US"/>
           </a:p>
@@ -1438,7 +1530,7 @@
           <a:p>
             <a:fld id="{CACB02CB-C9C4-4FCF-9953-72CF80A58512}" type="datetimeFigureOut">
               <a:rPr kumimoji="1" lang="ja-JP" altLang="en-US" smtClean="0"/>
-              <a:t>2022/10/7</a:t>
+              <a:t>2022/10/11</a:t>
             </a:fld>
             <a:endParaRPr kumimoji="1" lang="ja-JP" altLang="en-US"/>
           </a:p>
@@ -1684,7 +1776,7 @@
           <a:p>
             <a:fld id="{CACB02CB-C9C4-4FCF-9953-72CF80A58512}" type="datetimeFigureOut">
               <a:rPr kumimoji="1" lang="ja-JP" altLang="en-US" smtClean="0"/>
-              <a:t>2022/10/7</a:t>
+              <a:t>2022/10/11</a:t>
             </a:fld>
             <a:endParaRPr kumimoji="1" lang="ja-JP" altLang="en-US"/>
           </a:p>
@@ -1980,7 +2072,7 @@
           <a:p>
             <a:fld id="{CACB02CB-C9C4-4FCF-9953-72CF80A58512}" type="datetimeFigureOut">
               <a:rPr kumimoji="1" lang="ja-JP" altLang="en-US" smtClean="0"/>
-              <a:t>2022/10/7</a:t>
+              <a:t>2022/10/11</a:t>
             </a:fld>
             <a:endParaRPr kumimoji="1" lang="ja-JP" altLang="en-US"/>
           </a:p>
@@ -2411,7 +2503,7 @@
           <a:p>
             <a:fld id="{CACB02CB-C9C4-4FCF-9953-72CF80A58512}" type="datetimeFigureOut">
               <a:rPr kumimoji="1" lang="ja-JP" altLang="en-US" smtClean="0"/>
-              <a:t>2022/10/7</a:t>
+              <a:t>2022/10/11</a:t>
             </a:fld>
             <a:endParaRPr kumimoji="1" lang="ja-JP" altLang="en-US"/>
           </a:p>
@@ -2529,7 +2621,7 @@
           <a:p>
             <a:fld id="{CACB02CB-C9C4-4FCF-9953-72CF80A58512}" type="datetimeFigureOut">
               <a:rPr kumimoji="1" lang="ja-JP" altLang="en-US" smtClean="0"/>
-              <a:t>2022/10/7</a:t>
+              <a:t>2022/10/11</a:t>
             </a:fld>
             <a:endParaRPr kumimoji="1" lang="ja-JP" altLang="en-US"/>
           </a:p>
@@ -2624,7 +2716,7 @@
           <a:p>
             <a:fld id="{CACB02CB-C9C4-4FCF-9953-72CF80A58512}" type="datetimeFigureOut">
               <a:rPr kumimoji="1" lang="ja-JP" altLang="en-US" smtClean="0"/>
-              <a:t>2022/10/7</a:t>
+              <a:t>2022/10/11</a:t>
             </a:fld>
             <a:endParaRPr kumimoji="1" lang="ja-JP" altLang="en-US"/>
           </a:p>
@@ -2933,7 +3025,7 @@
           <a:p>
             <a:fld id="{CACB02CB-C9C4-4FCF-9953-72CF80A58512}" type="datetimeFigureOut">
               <a:rPr kumimoji="1" lang="ja-JP" altLang="en-US" smtClean="0"/>
-              <a:t>2022/10/7</a:t>
+              <a:t>2022/10/11</a:t>
             </a:fld>
             <a:endParaRPr kumimoji="1" lang="ja-JP" altLang="en-US"/>
           </a:p>
@@ -3186,7 +3278,7 @@
           <a:p>
             <a:fld id="{CACB02CB-C9C4-4FCF-9953-72CF80A58512}" type="datetimeFigureOut">
               <a:rPr kumimoji="1" lang="ja-JP" altLang="en-US" smtClean="0"/>
-              <a:t>2022/10/7</a:t>
+              <a:t>2022/10/11</a:t>
             </a:fld>
             <a:endParaRPr kumimoji="1" lang="ja-JP" altLang="en-US"/>
           </a:p>
@@ -3431,7 +3523,7 @@
           <a:p>
             <a:fld id="{CACB02CB-C9C4-4FCF-9953-72CF80A58512}" type="datetimeFigureOut">
               <a:rPr kumimoji="1" lang="ja-JP" altLang="en-US" smtClean="0"/>
-              <a:t>2022/10/7</a:t>
+              <a:t>2022/10/11</a:t>
             </a:fld>
             <a:endParaRPr kumimoji="1" lang="ja-JP" altLang="en-US"/>
           </a:p>
@@ -19339,16 +19431,122 @@
       </p:sp>
       <p:sp>
         <p:nvSpPr>
-          <p:cNvPr id="11" name="右矢印 10"/>
+          <p:cNvPr id="13" name="正方形/長方形 12"/>
           <p:cNvSpPr/>
           <p:nvPr/>
         </p:nvSpPr>
         <p:spPr>
           <a:xfrm>
-            <a:off x="5574323" y="3334535"/>
-            <a:ext cx="1635370" cy="1160584"/>
-          </a:xfrm>
-          <a:prstGeom prst="rightArrow">
+            <a:off x="4794360" y="652465"/>
+            <a:ext cx="3057247" cy="584775"/>
+          </a:xfrm>
+          <a:prstGeom prst="rect">
+            <a:avLst/>
+          </a:prstGeom>
+        </p:spPr>
+        <p:txBody>
+          <a:bodyPr wrap="none">
+            <a:spAutoFit/>
+          </a:bodyPr>
+          <a:lstStyle/>
+          <a:p>
+            <a:r>
+              <a:rPr lang="ja-JP" altLang="en-US" sz="3200" b="1" dirty="0"/>
+              <a:t>チュートリアル</a:t>
+            </a:r>
+          </a:p>
+        </p:txBody>
+      </p:sp>
+      <p:sp>
+        <p:nvSpPr>
+          <p:cNvPr id="6" name="円形吹き出し 5"/>
+          <p:cNvSpPr/>
+          <p:nvPr/>
+        </p:nvSpPr>
+        <p:spPr>
+          <a:xfrm rot="10508658">
+            <a:off x="4740768" y="4719582"/>
+            <a:ext cx="2549931" cy="1829738"/>
+          </a:xfrm>
+          <a:prstGeom prst="wedgeEllipseCallout">
+            <a:avLst/>
+          </a:prstGeom>
+          <a:noFill/>
+          <a:ln w="57150" cap="flat" cmpd="sng" algn="ctr">
+            <a:solidFill>
+              <a:srgbClr val="FF0000"/>
+            </a:solidFill>
+            <a:prstDash val="solid"/>
+            <a:round/>
+            <a:headEnd type="none" w="med" len="med"/>
+            <a:tailEnd type="none" w="med" len="med"/>
+          </a:ln>
+        </p:spPr>
+        <p:style>
+          <a:lnRef idx="0">
+            <a:scrgbClr r="0" g="0" b="0"/>
+          </a:lnRef>
+          <a:fillRef idx="0">
+            <a:scrgbClr r="0" g="0" b="0"/>
+          </a:fillRef>
+          <a:effectRef idx="0">
+            <a:scrgbClr r="0" g="0" b="0"/>
+          </a:effectRef>
+          <a:fontRef idx="minor">
+            <a:schemeClr val="dk1"/>
+          </a:fontRef>
+        </p:style>
+        <p:txBody>
+          <a:bodyPr rtlCol="0" anchor="ctr"/>
+          <a:lstStyle/>
+          <a:p>
+            <a:pPr algn="ctr"/>
+            <a:endParaRPr kumimoji="1" lang="ja-JP" altLang="en-US"/>
+          </a:p>
+        </p:txBody>
+      </p:sp>
+      <p:sp>
+        <p:nvSpPr>
+          <p:cNvPr id="7" name="テキスト ボックス 6"/>
+          <p:cNvSpPr txBox="1"/>
+          <p:nvPr/>
+        </p:nvSpPr>
+        <p:spPr>
+          <a:xfrm>
+            <a:off x="4948229" y="5219452"/>
+            <a:ext cx="1984512" cy="954107"/>
+          </a:xfrm>
+          <a:prstGeom prst="rect">
+            <a:avLst/>
+          </a:prstGeom>
+          <a:noFill/>
+        </p:spPr>
+        <p:txBody>
+          <a:bodyPr wrap="square" rtlCol="0">
+            <a:spAutoFit/>
+          </a:bodyPr>
+          <a:lstStyle/>
+          <a:p>
+            <a:r>
+              <a:rPr kumimoji="1" lang="ja-JP" altLang="en-US" sz="2800" dirty="0" smtClean="0"/>
+              <a:t>任意で遷移する</a:t>
+            </a:r>
+            <a:endParaRPr kumimoji="1" lang="ja-JP" altLang="en-US" sz="2800" dirty="0"/>
+          </a:p>
+        </p:txBody>
+      </p:sp>
+      <p:sp>
+        <p:nvSpPr>
+          <p:cNvPr id="2" name="左右矢印 1"/>
+          <p:cNvSpPr/>
+          <p:nvPr/>
+        </p:nvSpPr>
+        <p:spPr>
+          <a:xfrm>
+            <a:off x="5242854" y="3365307"/>
+            <a:ext cx="1976582" cy="1160584"/>
+          </a:xfrm>
+          <a:prstGeom prst="leftRightArrow">
             <a:avLst/>
           </a:prstGeom>
         </p:spPr>
@@ -19374,112 +19572,6 @@
           <a:p>
             <a:pPr algn="ctr"/>
             <a:endParaRPr kumimoji="1" lang="ja-JP" altLang="en-US"/>
-          </a:p>
-        </p:txBody>
-      </p:sp>
-      <p:sp>
-        <p:nvSpPr>
-          <p:cNvPr id="13" name="正方形/長方形 12"/>
-          <p:cNvSpPr/>
-          <p:nvPr/>
-        </p:nvSpPr>
-        <p:spPr>
-          <a:xfrm>
-            <a:off x="4794360" y="652465"/>
-            <a:ext cx="3057247" cy="584775"/>
-          </a:xfrm>
-          <a:prstGeom prst="rect">
-            <a:avLst/>
-          </a:prstGeom>
-        </p:spPr>
-        <p:txBody>
-          <a:bodyPr wrap="none">
-            <a:spAutoFit/>
-          </a:bodyPr>
-          <a:lstStyle/>
-          <a:p>
-            <a:r>
-              <a:rPr lang="ja-JP" altLang="en-US" sz="3200" b="1" dirty="0"/>
-              <a:t>チュートリアル</a:t>
-            </a:r>
-          </a:p>
-        </p:txBody>
-      </p:sp>
-      <p:sp>
-        <p:nvSpPr>
-          <p:cNvPr id="6" name="円形吹き出し 5"/>
-          <p:cNvSpPr/>
-          <p:nvPr/>
-        </p:nvSpPr>
-        <p:spPr>
-          <a:xfrm rot="10508658">
-            <a:off x="4740768" y="4719582"/>
-            <a:ext cx="2549931" cy="1829738"/>
-          </a:xfrm>
-          <a:prstGeom prst="wedgeEllipseCallout">
-            <a:avLst/>
-          </a:prstGeom>
-          <a:noFill/>
-          <a:ln w="57150" cap="flat" cmpd="sng" algn="ctr">
-            <a:solidFill>
-              <a:srgbClr val="FF0000"/>
-            </a:solidFill>
-            <a:prstDash val="solid"/>
-            <a:round/>
-            <a:headEnd type="none" w="med" len="med"/>
-            <a:tailEnd type="none" w="med" len="med"/>
-          </a:ln>
-        </p:spPr>
-        <p:style>
-          <a:lnRef idx="0">
-            <a:scrgbClr r="0" g="0" b="0"/>
-          </a:lnRef>
-          <a:fillRef idx="0">
-            <a:scrgbClr r="0" g="0" b="0"/>
-          </a:fillRef>
-          <a:effectRef idx="0">
-            <a:scrgbClr r="0" g="0" b="0"/>
-          </a:effectRef>
-          <a:fontRef idx="minor">
-            <a:schemeClr val="dk1"/>
-          </a:fontRef>
-        </p:style>
-        <p:txBody>
-          <a:bodyPr rtlCol="0" anchor="ctr"/>
-          <a:lstStyle/>
-          <a:p>
-            <a:pPr algn="ctr"/>
-            <a:endParaRPr kumimoji="1" lang="ja-JP" altLang="en-US"/>
-          </a:p>
-        </p:txBody>
-      </p:sp>
-      <p:sp>
-        <p:nvSpPr>
-          <p:cNvPr id="7" name="テキスト ボックス 6"/>
-          <p:cNvSpPr txBox="1"/>
-          <p:nvPr/>
-        </p:nvSpPr>
-        <p:spPr>
-          <a:xfrm>
-            <a:off x="4948229" y="5219452"/>
-            <a:ext cx="1984512" cy="954107"/>
-          </a:xfrm>
-          <a:prstGeom prst="rect">
-            <a:avLst/>
-          </a:prstGeom>
-          <a:noFill/>
-        </p:spPr>
-        <p:txBody>
-          <a:bodyPr wrap="square" rtlCol="0">
-            <a:spAutoFit/>
-          </a:bodyPr>
-          <a:lstStyle/>
-          <a:p>
-            <a:r>
-              <a:rPr kumimoji="1" lang="ja-JP" altLang="en-US" sz="2800" dirty="0" smtClean="0"/>
-              <a:t>任意で遷移する</a:t>
-            </a:r>
-            <a:endParaRPr kumimoji="1" lang="ja-JP" altLang="en-US" sz="2800" dirty="0"/>
           </a:p>
         </p:txBody>
       </p:sp>

--- a/卒業制作_風船わりゲーム（仮）.pptx
+++ b/卒業制作_風船わりゲーム（仮）.pptx
@@ -5,7 +5,7 @@
     <p:sldMasterId id="2147483648" r:id="rId1"/>
   </p:sldMasterIdLst>
   <p:notesMasterIdLst>
-    <p:notesMasterId r:id="rId29"/>
+    <p:notesMasterId r:id="rId30"/>
   </p:notesMasterIdLst>
   <p:sldIdLst>
     <p:sldId id="256" r:id="rId2"/>
@@ -23,18 +23,19 @@
     <p:sldId id="278" r:id="rId14"/>
     <p:sldId id="275" r:id="rId15"/>
     <p:sldId id="274" r:id="rId16"/>
-    <p:sldId id="276" r:id="rId17"/>
-    <p:sldId id="281" r:id="rId18"/>
-    <p:sldId id="285" r:id="rId19"/>
-    <p:sldId id="279" r:id="rId20"/>
-    <p:sldId id="284" r:id="rId21"/>
-    <p:sldId id="280" r:id="rId22"/>
-    <p:sldId id="270" r:id="rId23"/>
-    <p:sldId id="268" r:id="rId24"/>
-    <p:sldId id="269" r:id="rId25"/>
-    <p:sldId id="272" r:id="rId26"/>
-    <p:sldId id="273" r:id="rId27"/>
-    <p:sldId id="283" r:id="rId28"/>
+    <p:sldId id="286" r:id="rId17"/>
+    <p:sldId id="276" r:id="rId18"/>
+    <p:sldId id="281" r:id="rId19"/>
+    <p:sldId id="285" r:id="rId20"/>
+    <p:sldId id="279" r:id="rId21"/>
+    <p:sldId id="284" r:id="rId22"/>
+    <p:sldId id="280" r:id="rId23"/>
+    <p:sldId id="270" r:id="rId24"/>
+    <p:sldId id="268" r:id="rId25"/>
+    <p:sldId id="269" r:id="rId26"/>
+    <p:sldId id="272" r:id="rId27"/>
+    <p:sldId id="273" r:id="rId28"/>
+    <p:sldId id="283" r:id="rId29"/>
   </p:sldIdLst>
   <p:sldSz cx="12192000" cy="6858000"/>
   <p:notesSz cx="6858000" cy="9144000"/>
@@ -223,7 +224,7 @@
           <a:p>
             <a:fld id="{1CCC9455-7354-4C37-A185-6358437DC9AF}" type="datetimeFigureOut">
               <a:rPr kumimoji="1" lang="ja-JP" altLang="en-US" smtClean="0"/>
-              <a:t>2022/10/11</a:t>
+              <a:t>2022/10/13</a:t>
             </a:fld>
             <a:endParaRPr kumimoji="1" lang="ja-JP" altLang="en-US"/>
           </a:p>
@@ -680,7 +681,7 @@
           <a:p>
             <a:fld id="{0CE132E9-7DC1-45B7-9235-E08A2307EA51}" type="slidenum">
               <a:rPr kumimoji="1" lang="ja-JP" altLang="en-US" smtClean="0"/>
-              <a:t>17</a:t>
+              <a:t>18</a:t>
             </a:fld>
             <a:endParaRPr kumimoji="1" lang="ja-JP" altLang="en-US"/>
           </a:p>
@@ -764,7 +765,7 @@
           <a:p>
             <a:fld id="{0CE132E9-7DC1-45B7-9235-E08A2307EA51}" type="slidenum">
               <a:rPr kumimoji="1" lang="ja-JP" altLang="en-US" smtClean="0"/>
-              <a:t>18</a:t>
+              <a:t>19</a:t>
             </a:fld>
             <a:endParaRPr kumimoji="1" lang="ja-JP" altLang="en-US"/>
           </a:p>
@@ -914,7 +915,7 @@
           <a:p>
             <a:fld id="{CACB02CB-C9C4-4FCF-9953-72CF80A58512}" type="datetimeFigureOut">
               <a:rPr kumimoji="1" lang="ja-JP" altLang="en-US" smtClean="0"/>
-              <a:t>2022/10/11</a:t>
+              <a:t>2022/10/13</a:t>
             </a:fld>
             <a:endParaRPr kumimoji="1" lang="ja-JP" altLang="en-US"/>
           </a:p>
@@ -1116,7 +1117,7 @@
           <a:p>
             <a:fld id="{CACB02CB-C9C4-4FCF-9953-72CF80A58512}" type="datetimeFigureOut">
               <a:rPr kumimoji="1" lang="ja-JP" altLang="en-US" smtClean="0"/>
-              <a:t>2022/10/11</a:t>
+              <a:t>2022/10/13</a:t>
             </a:fld>
             <a:endParaRPr kumimoji="1" lang="ja-JP" altLang="en-US"/>
           </a:p>
@@ -1328,7 +1329,7 @@
           <a:p>
             <a:fld id="{CACB02CB-C9C4-4FCF-9953-72CF80A58512}" type="datetimeFigureOut">
               <a:rPr kumimoji="1" lang="ja-JP" altLang="en-US" smtClean="0"/>
-              <a:t>2022/10/11</a:t>
+              <a:t>2022/10/13</a:t>
             </a:fld>
             <a:endParaRPr kumimoji="1" lang="ja-JP" altLang="en-US"/>
           </a:p>
@@ -1530,7 +1531,7 @@
           <a:p>
             <a:fld id="{CACB02CB-C9C4-4FCF-9953-72CF80A58512}" type="datetimeFigureOut">
               <a:rPr kumimoji="1" lang="ja-JP" altLang="en-US" smtClean="0"/>
-              <a:t>2022/10/11</a:t>
+              <a:t>2022/10/13</a:t>
             </a:fld>
             <a:endParaRPr kumimoji="1" lang="ja-JP" altLang="en-US"/>
           </a:p>
@@ -1776,7 +1777,7 @@
           <a:p>
             <a:fld id="{CACB02CB-C9C4-4FCF-9953-72CF80A58512}" type="datetimeFigureOut">
               <a:rPr kumimoji="1" lang="ja-JP" altLang="en-US" smtClean="0"/>
-              <a:t>2022/10/11</a:t>
+              <a:t>2022/10/13</a:t>
             </a:fld>
             <a:endParaRPr kumimoji="1" lang="ja-JP" altLang="en-US"/>
           </a:p>
@@ -2072,7 +2073,7 @@
           <a:p>
             <a:fld id="{CACB02CB-C9C4-4FCF-9953-72CF80A58512}" type="datetimeFigureOut">
               <a:rPr kumimoji="1" lang="ja-JP" altLang="en-US" smtClean="0"/>
-              <a:t>2022/10/11</a:t>
+              <a:t>2022/10/13</a:t>
             </a:fld>
             <a:endParaRPr kumimoji="1" lang="ja-JP" altLang="en-US"/>
           </a:p>
@@ -2503,7 +2504,7 @@
           <a:p>
             <a:fld id="{CACB02CB-C9C4-4FCF-9953-72CF80A58512}" type="datetimeFigureOut">
               <a:rPr kumimoji="1" lang="ja-JP" altLang="en-US" smtClean="0"/>
-              <a:t>2022/10/11</a:t>
+              <a:t>2022/10/13</a:t>
             </a:fld>
             <a:endParaRPr kumimoji="1" lang="ja-JP" altLang="en-US"/>
           </a:p>
@@ -2621,7 +2622,7 @@
           <a:p>
             <a:fld id="{CACB02CB-C9C4-4FCF-9953-72CF80A58512}" type="datetimeFigureOut">
               <a:rPr kumimoji="1" lang="ja-JP" altLang="en-US" smtClean="0"/>
-              <a:t>2022/10/11</a:t>
+              <a:t>2022/10/13</a:t>
             </a:fld>
             <a:endParaRPr kumimoji="1" lang="ja-JP" altLang="en-US"/>
           </a:p>
@@ -2716,7 +2717,7 @@
           <a:p>
             <a:fld id="{CACB02CB-C9C4-4FCF-9953-72CF80A58512}" type="datetimeFigureOut">
               <a:rPr kumimoji="1" lang="ja-JP" altLang="en-US" smtClean="0"/>
-              <a:t>2022/10/11</a:t>
+              <a:t>2022/10/13</a:t>
             </a:fld>
             <a:endParaRPr kumimoji="1" lang="ja-JP" altLang="en-US"/>
           </a:p>
@@ -3025,7 +3026,7 @@
           <a:p>
             <a:fld id="{CACB02CB-C9C4-4FCF-9953-72CF80A58512}" type="datetimeFigureOut">
               <a:rPr kumimoji="1" lang="ja-JP" altLang="en-US" smtClean="0"/>
-              <a:t>2022/10/11</a:t>
+              <a:t>2022/10/13</a:t>
             </a:fld>
             <a:endParaRPr kumimoji="1" lang="ja-JP" altLang="en-US"/>
           </a:p>
@@ -3278,7 +3279,7 @@
           <a:p>
             <a:fld id="{CACB02CB-C9C4-4FCF-9953-72CF80A58512}" type="datetimeFigureOut">
               <a:rPr kumimoji="1" lang="ja-JP" altLang="en-US" smtClean="0"/>
-              <a:t>2022/10/11</a:t>
+              <a:t>2022/10/13</a:t>
             </a:fld>
             <a:endParaRPr kumimoji="1" lang="ja-JP" altLang="en-US"/>
           </a:p>
@@ -3523,7 +3524,7 @@
           <a:p>
             <a:fld id="{CACB02CB-C9C4-4FCF-9953-72CF80A58512}" type="datetimeFigureOut">
               <a:rPr kumimoji="1" lang="ja-JP" altLang="en-US" smtClean="0"/>
-              <a:t>2022/10/11</a:t>
+              <a:t>2022/10/13</a:t>
             </a:fld>
             <a:endParaRPr kumimoji="1" lang="ja-JP" altLang="en-US"/>
           </a:p>
@@ -8990,41 +8991,41 @@
       </p:grpSpPr>
       <p:sp>
         <p:nvSpPr>
-          <p:cNvPr id="9" name="フローチャート: 処理 8"/>
+          <p:cNvPr id="28" name="円形吹き出し 27"/>
           <p:cNvSpPr/>
           <p:nvPr/>
         </p:nvSpPr>
         <p:spPr>
-          <a:xfrm>
-            <a:off x="1865718" y="1386225"/>
-            <a:ext cx="3295368" cy="2623067"/>
-          </a:xfrm>
-          <a:prstGeom prst="flowChartProcess">
-            <a:avLst/>
-          </a:prstGeom>
-          <a:noFill/>
-          <a:ln w="57150" cap="flat" cmpd="sng" algn="ctr">
+          <a:xfrm rot="3192685">
+            <a:off x="2077388" y="3186611"/>
+            <a:ext cx="1128063" cy="1110453"/>
+          </a:xfrm>
+          <a:prstGeom prst="wedgeEllipseCallout">
+            <a:avLst>
+              <a:gd name="adj1" fmla="val -26231"/>
+              <a:gd name="adj2" fmla="val 56152"/>
+            </a:avLst>
+          </a:prstGeom>
+          <a:ln w="28575">
             <a:solidFill>
-              <a:schemeClr val="dk1"/>
+              <a:schemeClr val="accent5"/>
             </a:solidFill>
-            <a:prstDash val="solid"/>
-            <a:round/>
-            <a:headEnd type="none" w="med" len="med"/>
-            <a:tailEnd type="none" w="med" len="med"/>
           </a:ln>
         </p:spPr>
         <p:style>
-          <a:lnRef idx="0">
-            <a:scrgbClr r="0" g="0" b="0"/>
+          <a:lnRef idx="2">
+            <a:schemeClr val="accent1">
+              <a:shade val="50000"/>
+            </a:schemeClr>
           </a:lnRef>
-          <a:fillRef idx="0">
-            <a:scrgbClr r="0" g="0" b="0"/>
+          <a:fillRef idx="1">
+            <a:schemeClr val="accent1"/>
           </a:fillRef>
           <a:effectRef idx="0">
-            <a:scrgbClr r="0" g="0" b="0"/>
+            <a:schemeClr val="accent1"/>
           </a:effectRef>
           <a:fontRef idx="minor">
-            <a:schemeClr val="dk1"/>
+            <a:schemeClr val="lt1"/>
           </a:fontRef>
         </p:style>
         <p:txBody>
@@ -9038,98 +9039,13 @@
       </p:sp>
       <p:sp>
         <p:nvSpPr>
-          <p:cNvPr id="4" name="楕円 3"/>
+          <p:cNvPr id="4" name="正方形/長方形 3"/>
           <p:cNvSpPr/>
           <p:nvPr/>
         </p:nvSpPr>
         <p:spPr>
-          <a:xfrm>
-            <a:off x="3420208" y="1538654"/>
-            <a:ext cx="1037492" cy="931984"/>
-          </a:xfrm>
-          <a:prstGeom prst="ellipse">
-            <a:avLst/>
-          </a:prstGeom>
-          <a:solidFill>
-            <a:srgbClr val="FF3399"/>
-          </a:solidFill>
-          <a:ln>
-            <a:solidFill>
-              <a:srgbClr val="FF3399"/>
-            </a:solidFill>
-          </a:ln>
-        </p:spPr>
-        <p:style>
-          <a:lnRef idx="2">
-            <a:schemeClr val="accent2"/>
-          </a:lnRef>
-          <a:fillRef idx="1">
-            <a:schemeClr val="lt1"/>
-          </a:fillRef>
-          <a:effectRef idx="0">
-            <a:schemeClr val="accent2"/>
-          </a:effectRef>
-          <a:fontRef idx="minor">
-            <a:schemeClr val="dk1"/>
-          </a:fontRef>
-        </p:style>
-        <p:txBody>
-          <a:bodyPr rtlCol="0" anchor="ctr"/>
-          <a:lstStyle/>
-          <a:p>
-            <a:pPr algn="ctr"/>
-            <a:endParaRPr kumimoji="1" lang="ja-JP" altLang="en-US"/>
-          </a:p>
-        </p:txBody>
-      </p:sp>
-      <p:sp>
-        <p:nvSpPr>
-          <p:cNvPr id="5" name="テキスト ボックス 4"/>
-          <p:cNvSpPr txBox="1"/>
-          <p:nvPr/>
-        </p:nvSpPr>
-        <p:spPr>
-          <a:xfrm>
-            <a:off x="3527715" y="1804546"/>
-            <a:ext cx="808893" cy="369332"/>
-          </a:xfrm>
-          <a:prstGeom prst="rect">
-            <a:avLst/>
-          </a:prstGeom>
-          <a:noFill/>
-        </p:spPr>
-        <p:txBody>
-          <a:bodyPr wrap="square" rtlCol="0">
-            <a:spAutoFit/>
-          </a:bodyPr>
-          <a:lstStyle/>
-          <a:p>
-            <a:pPr algn="ctr"/>
-            <a:r>
-              <a:rPr kumimoji="1" lang="ja-JP" altLang="en-US" b="1" dirty="0" smtClean="0">
-                <a:solidFill>
-                  <a:schemeClr val="bg2"/>
-                </a:solidFill>
-              </a:rPr>
-              <a:t>風船</a:t>
-            </a:r>
-            <a:endParaRPr kumimoji="1" lang="ja-JP" altLang="en-US" b="1" dirty="0">
-              <a:solidFill>
-                <a:schemeClr val="bg2"/>
-              </a:solidFill>
-            </a:endParaRPr>
-          </a:p>
-        </p:txBody>
-      </p:sp>
-      <p:sp>
-        <p:nvSpPr>
-          <p:cNvPr id="6" name="正方形/長方形 5"/>
-          <p:cNvSpPr/>
-          <p:nvPr/>
-        </p:nvSpPr>
-        <p:spPr>
           <a:xfrm rot="16200000">
-            <a:off x="2669004" y="2534901"/>
+            <a:off x="763977" y="3664490"/>
             <a:ext cx="1295395" cy="762424"/>
           </a:xfrm>
           <a:prstGeom prst="rect">
@@ -9162,13 +9078,13 @@
       </p:sp>
       <p:sp>
         <p:nvSpPr>
-          <p:cNvPr id="7" name="テキスト ボックス 6"/>
+          <p:cNvPr id="5" name="テキスト ボックス 4"/>
           <p:cNvSpPr txBox="1"/>
           <p:nvPr/>
         </p:nvSpPr>
         <p:spPr>
           <a:xfrm>
-            <a:off x="3023569" y="2731447"/>
+            <a:off x="1118542" y="3861036"/>
             <a:ext cx="586263" cy="369332"/>
           </a:xfrm>
           <a:prstGeom prst="rect">
@@ -9193,19 +9109,22 @@
       </p:sp>
       <p:sp>
         <p:nvSpPr>
-          <p:cNvPr id="10" name="テキスト ボックス 9"/>
+          <p:cNvPr id="6" name="テキスト ボックス 5"/>
           <p:cNvSpPr txBox="1"/>
           <p:nvPr/>
         </p:nvSpPr>
         <p:spPr>
           <a:xfrm>
-            <a:off x="5486399" y="1494692"/>
-            <a:ext cx="3886200" cy="369332"/>
+            <a:off x="2255500" y="3500985"/>
+            <a:ext cx="808893" cy="461665"/>
           </a:xfrm>
           <a:prstGeom prst="rect">
             <a:avLst/>
           </a:prstGeom>
           <a:noFill/>
+          <a:ln>
+            <a:noFill/>
+          </a:ln>
         </p:spPr>
         <p:txBody>
           <a:bodyPr wrap="square" rtlCol="0">
@@ -9213,29 +9132,53 @@
           </a:bodyPr>
           <a:lstStyle/>
           <a:p>
-            <a:r>
-              <a:rPr kumimoji="1" lang="ja-JP" altLang="en-US" dirty="0" smtClean="0"/>
-              <a:t>車が風船に当たったら割れる</a:t>
-            </a:r>
-            <a:endParaRPr kumimoji="1" lang="ja-JP" altLang="en-US" dirty="0"/>
-          </a:p>
-        </p:txBody>
-      </p:sp>
-      <p:sp>
-        <p:nvSpPr>
-          <p:cNvPr id="11" name="テキスト ボックス 10"/>
+            <a:pPr algn="ctr"/>
+            <a:r>
+              <a:rPr kumimoji="1" lang="en-US" altLang="ja-JP" sz="2400" b="1" dirty="0" smtClean="0">
+                <a:ln w="19050">
+                  <a:solidFill>
+                    <a:schemeClr val="bg1"/>
+                  </a:solidFill>
+                </a:ln>
+                <a:solidFill>
+                  <a:srgbClr val="00B0F0"/>
+                </a:solidFill>
+              </a:rPr>
+              <a:t>1P</a:t>
+            </a:r>
+            <a:endParaRPr kumimoji="1" lang="ja-JP" altLang="en-US" sz="2400" b="1" dirty="0">
+              <a:ln w="19050">
+                <a:solidFill>
+                  <a:schemeClr val="bg1"/>
+                </a:solidFill>
+              </a:ln>
+              <a:solidFill>
+                <a:srgbClr val="00B0F0"/>
+              </a:solidFill>
+            </a:endParaRPr>
+          </a:p>
+        </p:txBody>
+      </p:sp>
+      <p:sp>
+        <p:nvSpPr>
+          <p:cNvPr id="8" name="テキスト ボックス 7"/>
           <p:cNvSpPr txBox="1"/>
           <p:nvPr/>
         </p:nvSpPr>
         <p:spPr>
           <a:xfrm>
-            <a:off x="7429499" y="4151716"/>
-            <a:ext cx="1632438" cy="461665"/>
+            <a:off x="224205" y="364803"/>
+            <a:ext cx="2676013" cy="523220"/>
           </a:xfrm>
           <a:prstGeom prst="rect">
             <a:avLst/>
           </a:prstGeom>
           <a:noFill/>
+          <a:ln w="19050">
+            <a:solidFill>
+              <a:schemeClr val="tx1"/>
+            </a:solidFill>
+          </a:ln>
         </p:spPr>
         <p:txBody>
           <a:bodyPr wrap="square" rtlCol="0">
@@ -9243,224 +9186,848 @@
           </a:bodyPr>
           <a:lstStyle/>
           <a:p>
-            <a:r>
-              <a:rPr kumimoji="1" lang="en-US" altLang="ja-JP" sz="2400" b="1" dirty="0" smtClean="0">
-                <a:ln w="9525">
+            <a:pPr algn="ctr"/>
+            <a:r>
+              <a:rPr kumimoji="1" lang="ja-JP" altLang="en-US" sz="2800" dirty="0" smtClean="0"/>
+              <a:t>はじまったとき</a:t>
+            </a:r>
+            <a:endParaRPr kumimoji="1" lang="ja-JP" altLang="en-US" sz="2800" dirty="0"/>
+          </a:p>
+        </p:txBody>
+      </p:sp>
+      <p:sp>
+        <p:nvSpPr>
+          <p:cNvPr id="13" name="正方形/長方形 12"/>
+          <p:cNvSpPr/>
+          <p:nvPr/>
+        </p:nvSpPr>
+        <p:spPr>
+          <a:xfrm rot="16200000">
+            <a:off x="3348606" y="3849155"/>
+            <a:ext cx="1295395" cy="762424"/>
+          </a:xfrm>
+          <a:prstGeom prst="rect">
+            <a:avLst/>
+          </a:prstGeom>
+          <a:ln w="38100"/>
+        </p:spPr>
+        <p:style>
+          <a:lnRef idx="2">
+            <a:schemeClr val="accent5"/>
+          </a:lnRef>
+          <a:fillRef idx="1">
+            <a:schemeClr val="lt1"/>
+          </a:fillRef>
+          <a:effectRef idx="0">
+            <a:schemeClr val="accent5"/>
+          </a:effectRef>
+          <a:fontRef idx="minor">
+            <a:schemeClr val="dk1"/>
+          </a:fontRef>
+        </p:style>
+        <p:txBody>
+          <a:bodyPr rtlCol="0" anchor="ctr"/>
+          <a:lstStyle/>
+          <a:p>
+            <a:pPr algn="ctr"/>
+            <a:endParaRPr kumimoji="1" lang="ja-JP" altLang="en-US"/>
+          </a:p>
+        </p:txBody>
+      </p:sp>
+      <p:sp>
+        <p:nvSpPr>
+          <p:cNvPr id="14" name="正方形/長方形 13"/>
+          <p:cNvSpPr/>
+          <p:nvPr/>
+        </p:nvSpPr>
+        <p:spPr>
+          <a:xfrm rot="16200000">
+            <a:off x="3348607" y="3849155"/>
+            <a:ext cx="1295395" cy="762424"/>
+          </a:xfrm>
+          <a:prstGeom prst="rect">
+            <a:avLst/>
+          </a:prstGeom>
+          <a:ln w="38100"/>
+        </p:spPr>
+        <p:style>
+          <a:lnRef idx="2">
+            <a:schemeClr val="accent5"/>
+          </a:lnRef>
+          <a:fillRef idx="1">
+            <a:schemeClr val="lt1"/>
+          </a:fillRef>
+          <a:effectRef idx="0">
+            <a:schemeClr val="accent5"/>
+          </a:effectRef>
+          <a:fontRef idx="minor">
+            <a:schemeClr val="dk1"/>
+          </a:fontRef>
+        </p:style>
+        <p:txBody>
+          <a:bodyPr rtlCol="0" anchor="ctr"/>
+          <a:lstStyle/>
+          <a:p>
+            <a:pPr algn="ctr"/>
+            <a:endParaRPr kumimoji="1" lang="ja-JP" altLang="en-US"/>
+          </a:p>
+        </p:txBody>
+      </p:sp>
+      <p:sp>
+        <p:nvSpPr>
+          <p:cNvPr id="15" name="テキスト ボックス 14"/>
+          <p:cNvSpPr txBox="1"/>
+          <p:nvPr/>
+        </p:nvSpPr>
+        <p:spPr>
+          <a:xfrm>
+            <a:off x="3703171" y="4036880"/>
+            <a:ext cx="586263" cy="369332"/>
+          </a:xfrm>
+          <a:prstGeom prst="rect">
+            <a:avLst/>
+          </a:prstGeom>
+          <a:noFill/>
+        </p:spPr>
+        <p:txBody>
+          <a:bodyPr wrap="square" rtlCol="0">
+            <a:spAutoFit/>
+          </a:bodyPr>
+          <a:lstStyle/>
+          <a:p>
+            <a:pPr algn="ctr"/>
+            <a:r>
+              <a:rPr kumimoji="1" lang="ja-JP" altLang="en-US" b="1" dirty="0" smtClean="0"/>
+              <a:t>車</a:t>
+            </a:r>
+            <a:endParaRPr kumimoji="1" lang="ja-JP" altLang="en-US" b="1" dirty="0"/>
+          </a:p>
+        </p:txBody>
+      </p:sp>
+      <p:sp>
+        <p:nvSpPr>
+          <p:cNvPr id="16" name="正方形/長方形 15"/>
+          <p:cNvSpPr/>
+          <p:nvPr/>
+        </p:nvSpPr>
+        <p:spPr>
+          <a:xfrm rot="16200000">
+            <a:off x="6391074" y="3793867"/>
+            <a:ext cx="1295395" cy="762424"/>
+          </a:xfrm>
+          <a:prstGeom prst="rect">
+            <a:avLst/>
+          </a:prstGeom>
+          <a:ln w="38100"/>
+        </p:spPr>
+        <p:style>
+          <a:lnRef idx="2">
+            <a:schemeClr val="accent5"/>
+          </a:lnRef>
+          <a:fillRef idx="1">
+            <a:schemeClr val="lt1"/>
+          </a:fillRef>
+          <a:effectRef idx="0">
+            <a:schemeClr val="accent5"/>
+          </a:effectRef>
+          <a:fontRef idx="minor">
+            <a:schemeClr val="dk1"/>
+          </a:fontRef>
+        </p:style>
+        <p:txBody>
+          <a:bodyPr rtlCol="0" anchor="ctr"/>
+          <a:lstStyle/>
+          <a:p>
+            <a:pPr algn="ctr"/>
+            <a:endParaRPr kumimoji="1" lang="ja-JP" altLang="en-US"/>
+          </a:p>
+        </p:txBody>
+      </p:sp>
+      <p:sp>
+        <p:nvSpPr>
+          <p:cNvPr id="17" name="正方形/長方形 16"/>
+          <p:cNvSpPr/>
+          <p:nvPr/>
+        </p:nvSpPr>
+        <p:spPr>
+          <a:xfrm rot="16200000">
+            <a:off x="6391075" y="3793867"/>
+            <a:ext cx="1295395" cy="762424"/>
+          </a:xfrm>
+          <a:prstGeom prst="rect">
+            <a:avLst/>
+          </a:prstGeom>
+          <a:ln w="38100"/>
+        </p:spPr>
+        <p:style>
+          <a:lnRef idx="2">
+            <a:schemeClr val="accent5"/>
+          </a:lnRef>
+          <a:fillRef idx="1">
+            <a:schemeClr val="lt1"/>
+          </a:fillRef>
+          <a:effectRef idx="0">
+            <a:schemeClr val="accent5"/>
+          </a:effectRef>
+          <a:fontRef idx="minor">
+            <a:schemeClr val="dk1"/>
+          </a:fontRef>
+        </p:style>
+        <p:txBody>
+          <a:bodyPr rtlCol="0" anchor="ctr"/>
+          <a:lstStyle/>
+          <a:p>
+            <a:pPr algn="ctr"/>
+            <a:endParaRPr kumimoji="1" lang="ja-JP" altLang="en-US"/>
+          </a:p>
+        </p:txBody>
+      </p:sp>
+      <p:sp>
+        <p:nvSpPr>
+          <p:cNvPr id="18" name="テキスト ボックス 17"/>
+          <p:cNvSpPr txBox="1"/>
+          <p:nvPr/>
+        </p:nvSpPr>
+        <p:spPr>
+          <a:xfrm>
+            <a:off x="6745639" y="3981592"/>
+            <a:ext cx="586263" cy="369332"/>
+          </a:xfrm>
+          <a:prstGeom prst="rect">
+            <a:avLst/>
+          </a:prstGeom>
+          <a:noFill/>
+        </p:spPr>
+        <p:txBody>
+          <a:bodyPr wrap="square" rtlCol="0">
+            <a:spAutoFit/>
+          </a:bodyPr>
+          <a:lstStyle/>
+          <a:p>
+            <a:pPr algn="ctr"/>
+            <a:r>
+              <a:rPr kumimoji="1" lang="ja-JP" altLang="en-US" b="1" dirty="0" smtClean="0"/>
+              <a:t>車</a:t>
+            </a:r>
+            <a:endParaRPr kumimoji="1" lang="ja-JP" altLang="en-US" b="1" dirty="0"/>
+          </a:p>
+        </p:txBody>
+      </p:sp>
+      <p:sp>
+        <p:nvSpPr>
+          <p:cNvPr id="19" name="正方形/長方形 18"/>
+          <p:cNvSpPr/>
+          <p:nvPr/>
+        </p:nvSpPr>
+        <p:spPr>
+          <a:xfrm rot="16200000">
+            <a:off x="8608364" y="3793867"/>
+            <a:ext cx="1295395" cy="762424"/>
+          </a:xfrm>
+          <a:prstGeom prst="rect">
+            <a:avLst/>
+          </a:prstGeom>
+          <a:ln w="38100"/>
+        </p:spPr>
+        <p:style>
+          <a:lnRef idx="2">
+            <a:schemeClr val="accent5"/>
+          </a:lnRef>
+          <a:fillRef idx="1">
+            <a:schemeClr val="lt1"/>
+          </a:fillRef>
+          <a:effectRef idx="0">
+            <a:schemeClr val="accent5"/>
+          </a:effectRef>
+          <a:fontRef idx="minor">
+            <a:schemeClr val="dk1"/>
+          </a:fontRef>
+        </p:style>
+        <p:txBody>
+          <a:bodyPr rtlCol="0" anchor="ctr"/>
+          <a:lstStyle/>
+          <a:p>
+            <a:pPr algn="ctr"/>
+            <a:endParaRPr kumimoji="1" lang="ja-JP" altLang="en-US"/>
+          </a:p>
+        </p:txBody>
+      </p:sp>
+      <p:sp>
+        <p:nvSpPr>
+          <p:cNvPr id="25" name="円形吹き出し 24"/>
+          <p:cNvSpPr/>
+          <p:nvPr/>
+        </p:nvSpPr>
+        <p:spPr>
+          <a:xfrm rot="3192685">
+            <a:off x="4637863" y="3186610"/>
+            <a:ext cx="1128063" cy="1110453"/>
+          </a:xfrm>
+          <a:prstGeom prst="wedgeEllipseCallout">
+            <a:avLst>
+              <a:gd name="adj1" fmla="val -26231"/>
+              <a:gd name="adj2" fmla="val 56152"/>
+            </a:avLst>
+          </a:prstGeom>
+          <a:solidFill>
+            <a:srgbClr val="FF0000"/>
+          </a:solidFill>
+          <a:ln w="28575">
+            <a:solidFill>
+              <a:srgbClr val="C00000"/>
+            </a:solidFill>
+          </a:ln>
+        </p:spPr>
+        <p:style>
+          <a:lnRef idx="2">
+            <a:schemeClr val="accent1">
+              <a:shade val="50000"/>
+            </a:schemeClr>
+          </a:lnRef>
+          <a:fillRef idx="1">
+            <a:schemeClr val="accent1"/>
+          </a:fillRef>
+          <a:effectRef idx="0">
+            <a:schemeClr val="accent1"/>
+          </a:effectRef>
+          <a:fontRef idx="minor">
+            <a:schemeClr val="lt1"/>
+          </a:fontRef>
+        </p:style>
+        <p:txBody>
+          <a:bodyPr rtlCol="0" anchor="ctr"/>
+          <a:lstStyle/>
+          <a:p>
+            <a:pPr algn="ctr"/>
+            <a:endParaRPr kumimoji="1" lang="ja-JP" altLang="en-US"/>
+          </a:p>
+        </p:txBody>
+      </p:sp>
+      <p:sp>
+        <p:nvSpPr>
+          <p:cNvPr id="20" name="テキスト ボックス 19"/>
+          <p:cNvSpPr txBox="1"/>
+          <p:nvPr/>
+        </p:nvSpPr>
+        <p:spPr>
+          <a:xfrm>
+            <a:off x="8962928" y="3981592"/>
+            <a:ext cx="586263" cy="369332"/>
+          </a:xfrm>
+          <a:prstGeom prst="rect">
+            <a:avLst/>
+          </a:prstGeom>
+          <a:noFill/>
+        </p:spPr>
+        <p:txBody>
+          <a:bodyPr wrap="square" rtlCol="0">
+            <a:spAutoFit/>
+          </a:bodyPr>
+          <a:lstStyle/>
+          <a:p>
+            <a:pPr algn="ctr"/>
+            <a:r>
+              <a:rPr kumimoji="1" lang="ja-JP" altLang="en-US" b="1" dirty="0" smtClean="0"/>
+              <a:t>車</a:t>
+            </a:r>
+            <a:endParaRPr kumimoji="1" lang="ja-JP" altLang="en-US" b="1" dirty="0"/>
+          </a:p>
+        </p:txBody>
+      </p:sp>
+      <p:sp>
+        <p:nvSpPr>
+          <p:cNvPr id="22" name="テキスト ボックス 21"/>
+          <p:cNvSpPr txBox="1"/>
+          <p:nvPr/>
+        </p:nvSpPr>
+        <p:spPr>
+          <a:xfrm>
+            <a:off x="4801941" y="3527655"/>
+            <a:ext cx="808893" cy="461665"/>
+          </a:xfrm>
+          <a:prstGeom prst="rect">
+            <a:avLst/>
+          </a:prstGeom>
+          <a:noFill/>
+        </p:spPr>
+        <p:txBody>
+          <a:bodyPr wrap="square" rtlCol="0">
+            <a:spAutoFit/>
+          </a:bodyPr>
+          <a:lstStyle/>
+          <a:p>
+            <a:pPr algn="ctr"/>
+            <a:r>
+              <a:rPr lang="en-US" altLang="ja-JP" sz="2400" b="1" dirty="0">
+                <a:ln w="19050">
                   <a:solidFill>
-                    <a:schemeClr val="tx1"/>
+                    <a:schemeClr val="bg1"/>
                   </a:solidFill>
-                  <a:prstDash val="solid"/>
-                </a:ln>
-                <a:solidFill>
-                  <a:srgbClr val="7030A0"/>
-                </a:solidFill>
-                <a:effectLst>
-                  <a:outerShdw blurRad="12700" dist="38100" dir="2700000" algn="tl" rotWithShape="0">
-                    <a:schemeClr val="bg1">
-                      <a:lumMod val="50000"/>
-                    </a:schemeClr>
-                  </a:outerShdw>
-                </a:effectLst>
-              </a:rPr>
-              <a:t>NP</a:t>
-            </a:r>
-            <a:r>
-              <a:rPr kumimoji="1" lang="ja-JP" altLang="en-US" sz="2400" b="1" dirty="0" smtClean="0">
-                <a:ln w="9525">
-                  <a:solidFill>
-                    <a:schemeClr val="tx1"/>
-                  </a:solidFill>
-                  <a:prstDash val="solid"/>
-                </a:ln>
-                <a:effectLst>
-                  <a:outerShdw blurRad="12700" dist="38100" dir="2700000" algn="tl" rotWithShape="0">
-                    <a:schemeClr val="bg1">
-                      <a:lumMod val="50000"/>
-                    </a:schemeClr>
-                  </a:outerShdw>
-                </a:effectLst>
-              </a:rPr>
-              <a:t>の</a:t>
-            </a:r>
-            <a:r>
-              <a:rPr kumimoji="1" lang="ja-JP" altLang="en-US" sz="2400" b="1" dirty="0" smtClean="0">
-                <a:ln w="9525">
-                  <a:solidFill>
-                    <a:srgbClr val="FF0000"/>
-                  </a:solidFill>
-                  <a:prstDash val="solid"/>
                 </a:ln>
                 <a:solidFill>
                   <a:srgbClr val="FF0000"/>
                 </a:solidFill>
-                <a:effectLst>
-                  <a:outerShdw blurRad="12700" dist="38100" dir="2700000" algn="tl" rotWithShape="0">
-                    <a:schemeClr val="bg1">
-                      <a:lumMod val="50000"/>
-                    </a:schemeClr>
-                  </a:outerShdw>
-                </a:effectLst>
               </a:rPr>
-              <a:t>点数</a:t>
-            </a:r>
-            <a:endParaRPr kumimoji="1" lang="ja-JP" altLang="en-US" sz="2400" b="1" dirty="0">
-              <a:ln w="9525">
+              <a:t>2</a:t>
+            </a:r>
+            <a:r>
+              <a:rPr kumimoji="1" lang="en-US" altLang="ja-JP" sz="2400" b="1" dirty="0" smtClean="0">
+                <a:ln w="19050">
+                  <a:solidFill>
+                    <a:schemeClr val="bg1"/>
+                  </a:solidFill>
+                </a:ln>
                 <a:solidFill>
                   <a:srgbClr val="FF0000"/>
                 </a:solidFill>
-                <a:prstDash val="solid"/>
+              </a:rPr>
+              <a:t>P</a:t>
+            </a:r>
+            <a:endParaRPr kumimoji="1" lang="ja-JP" altLang="en-US" sz="2400" b="1" dirty="0">
+              <a:ln w="19050">
+                <a:solidFill>
+                  <a:schemeClr val="bg1"/>
+                </a:solidFill>
               </a:ln>
               <a:solidFill>
                 <a:srgbClr val="FF0000"/>
               </a:solidFill>
-              <a:effectLst>
-                <a:outerShdw blurRad="12700" dist="38100" dir="2700000" algn="tl" rotWithShape="0">
-                  <a:schemeClr val="bg1">
-                    <a:lumMod val="50000"/>
-                  </a:schemeClr>
-                </a:outerShdw>
-              </a:effectLst>
             </a:endParaRPr>
           </a:p>
         </p:txBody>
       </p:sp>
       <p:sp>
         <p:nvSpPr>
-          <p:cNvPr id="12" name="右矢印 11"/>
+          <p:cNvPr id="29" name="円形吹き出し 28"/>
           <p:cNvSpPr/>
           <p:nvPr/>
         </p:nvSpPr>
         <p:spPr>
-          <a:xfrm rot="1566627">
-            <a:off x="5408776" y="3562454"/>
-            <a:ext cx="1644161" cy="858611"/>
-          </a:xfrm>
-          <a:prstGeom prst="rightArrow">
+          <a:xfrm rot="3192685">
+            <a:off x="7638381" y="3176591"/>
+            <a:ext cx="1128063" cy="1110453"/>
+          </a:xfrm>
+          <a:prstGeom prst="wedgeEllipseCallout">
             <a:avLst>
-              <a:gd name="adj1" fmla="val 50000"/>
-              <a:gd name="adj2" fmla="val 78819"/>
+              <a:gd name="adj1" fmla="val -26231"/>
+              <a:gd name="adj2" fmla="val 56152"/>
             </a:avLst>
           </a:prstGeom>
+          <a:solidFill>
+            <a:srgbClr val="92D050"/>
+          </a:solidFill>
+          <a:ln w="28575">
+            <a:solidFill>
+              <a:srgbClr val="00B050"/>
+            </a:solidFill>
+          </a:ln>
         </p:spPr>
         <p:style>
           <a:lnRef idx="2">
-            <a:schemeClr val="dk1">
+            <a:schemeClr val="accent1">
               <a:shade val="50000"/>
             </a:schemeClr>
           </a:lnRef>
           <a:fillRef idx="1">
+            <a:schemeClr val="accent1"/>
+          </a:fillRef>
+          <a:effectRef idx="0">
+            <a:schemeClr val="accent1"/>
+          </a:effectRef>
+          <a:fontRef idx="minor">
+            <a:schemeClr val="lt1"/>
+          </a:fontRef>
+        </p:style>
+        <p:txBody>
+          <a:bodyPr rtlCol="0" anchor="ctr"/>
+          <a:lstStyle/>
+          <a:p>
+            <a:pPr algn="ctr"/>
+            <a:endParaRPr kumimoji="1" lang="ja-JP" altLang="en-US"/>
+          </a:p>
+        </p:txBody>
+      </p:sp>
+      <p:sp>
+        <p:nvSpPr>
+          <p:cNvPr id="30" name="円形吹き出し 29"/>
+          <p:cNvSpPr/>
+          <p:nvPr/>
+        </p:nvSpPr>
+        <p:spPr>
+          <a:xfrm rot="3192685">
+            <a:off x="9910522" y="3186610"/>
+            <a:ext cx="1128063" cy="1110453"/>
+          </a:xfrm>
+          <a:prstGeom prst="wedgeEllipseCallout">
+            <a:avLst>
+              <a:gd name="adj1" fmla="val -26231"/>
+              <a:gd name="adj2" fmla="val 56152"/>
+            </a:avLst>
+          </a:prstGeom>
+          <a:solidFill>
+            <a:schemeClr val="accent4"/>
+          </a:solidFill>
+          <a:ln w="28575">
+            <a:solidFill>
+              <a:schemeClr val="accent2"/>
+            </a:solidFill>
+          </a:ln>
+        </p:spPr>
+        <p:style>
+          <a:lnRef idx="2">
+            <a:schemeClr val="accent1">
+              <a:shade val="50000"/>
+            </a:schemeClr>
+          </a:lnRef>
+          <a:fillRef idx="1">
+            <a:schemeClr val="accent1"/>
+          </a:fillRef>
+          <a:effectRef idx="0">
+            <a:schemeClr val="accent1"/>
+          </a:effectRef>
+          <a:fontRef idx="minor">
+            <a:schemeClr val="lt1"/>
+          </a:fontRef>
+        </p:style>
+        <p:txBody>
+          <a:bodyPr rtlCol="0" anchor="ctr"/>
+          <a:lstStyle/>
+          <a:p>
+            <a:pPr algn="ctr"/>
+            <a:endParaRPr kumimoji="1" lang="ja-JP" altLang="en-US"/>
+          </a:p>
+        </p:txBody>
+      </p:sp>
+      <p:sp>
+        <p:nvSpPr>
+          <p:cNvPr id="24" name="テキスト ボックス 23"/>
+          <p:cNvSpPr txBox="1"/>
+          <p:nvPr/>
+        </p:nvSpPr>
+        <p:spPr>
+          <a:xfrm>
+            <a:off x="10072005" y="3527655"/>
+            <a:ext cx="808893" cy="461665"/>
+          </a:xfrm>
+          <a:prstGeom prst="rect">
+            <a:avLst/>
+          </a:prstGeom>
+          <a:noFill/>
+        </p:spPr>
+        <p:txBody>
+          <a:bodyPr wrap="square" rtlCol="0">
+            <a:spAutoFit/>
+          </a:bodyPr>
+          <a:lstStyle/>
+          <a:p>
+            <a:pPr algn="ctr"/>
+            <a:r>
+              <a:rPr lang="en-US" altLang="ja-JP" sz="2400" b="1" dirty="0">
+                <a:ln w="19050">
+                  <a:solidFill>
+                    <a:schemeClr val="bg1"/>
+                  </a:solidFill>
+                </a:ln>
+                <a:solidFill>
+                  <a:schemeClr val="accent2"/>
+                </a:solidFill>
+              </a:rPr>
+              <a:t>4</a:t>
+            </a:r>
+            <a:r>
+              <a:rPr kumimoji="1" lang="en-US" altLang="ja-JP" sz="2400" b="1" dirty="0" smtClean="0">
+                <a:ln w="19050">
+                  <a:solidFill>
+                    <a:schemeClr val="bg1"/>
+                  </a:solidFill>
+                </a:ln>
+                <a:solidFill>
+                  <a:schemeClr val="accent2"/>
+                </a:solidFill>
+              </a:rPr>
+              <a:t>P</a:t>
+            </a:r>
+            <a:endParaRPr kumimoji="1" lang="ja-JP" altLang="en-US" sz="2400" b="1" dirty="0">
+              <a:ln w="19050">
+                <a:solidFill>
+                  <a:schemeClr val="bg1"/>
+                </a:solidFill>
+              </a:ln>
+              <a:solidFill>
+                <a:schemeClr val="accent2"/>
+              </a:solidFill>
+            </a:endParaRPr>
+          </a:p>
+        </p:txBody>
+      </p:sp>
+      <p:sp>
+        <p:nvSpPr>
+          <p:cNvPr id="23" name="テキスト ボックス 22"/>
+          <p:cNvSpPr txBox="1"/>
+          <p:nvPr/>
+        </p:nvSpPr>
+        <p:spPr>
+          <a:xfrm>
+            <a:off x="7807252" y="3519927"/>
+            <a:ext cx="808893" cy="461665"/>
+          </a:xfrm>
+          <a:prstGeom prst="rect">
+            <a:avLst/>
+          </a:prstGeom>
+          <a:noFill/>
+        </p:spPr>
+        <p:txBody>
+          <a:bodyPr wrap="square" rtlCol="0">
+            <a:spAutoFit/>
+          </a:bodyPr>
+          <a:lstStyle/>
+          <a:p>
+            <a:pPr algn="ctr"/>
+            <a:r>
+              <a:rPr lang="en-US" altLang="ja-JP" sz="2400" b="1" dirty="0">
+                <a:ln w="19050">
+                  <a:solidFill>
+                    <a:schemeClr val="bg1"/>
+                  </a:solidFill>
+                </a:ln>
+                <a:solidFill>
+                  <a:srgbClr val="00B050"/>
+                </a:solidFill>
+              </a:rPr>
+              <a:t>3</a:t>
+            </a:r>
+            <a:r>
+              <a:rPr kumimoji="1" lang="en-US" altLang="ja-JP" sz="2400" b="1" dirty="0" smtClean="0">
+                <a:ln w="19050">
+                  <a:solidFill>
+                    <a:schemeClr val="bg1"/>
+                  </a:solidFill>
+                </a:ln>
+                <a:solidFill>
+                  <a:srgbClr val="00B050"/>
+                </a:solidFill>
+              </a:rPr>
+              <a:t>P</a:t>
+            </a:r>
+            <a:endParaRPr kumimoji="1" lang="ja-JP" altLang="en-US" sz="2400" b="1" dirty="0">
+              <a:ln w="19050">
+                <a:solidFill>
+                  <a:schemeClr val="bg1"/>
+                </a:solidFill>
+              </a:ln>
+              <a:solidFill>
+                <a:srgbClr val="00B050"/>
+              </a:solidFill>
+            </a:endParaRPr>
+          </a:p>
+        </p:txBody>
+      </p:sp>
+      <p:sp>
+        <p:nvSpPr>
+          <p:cNvPr id="31" name="テキスト ボックス 30"/>
+          <p:cNvSpPr txBox="1"/>
+          <p:nvPr/>
+        </p:nvSpPr>
+        <p:spPr>
+          <a:xfrm>
+            <a:off x="4305046" y="1161031"/>
+            <a:ext cx="3031150" cy="923330"/>
+          </a:xfrm>
+          <a:prstGeom prst="rect">
+            <a:avLst/>
+          </a:prstGeom>
+          <a:solidFill>
+            <a:schemeClr val="bg1"/>
+          </a:solidFill>
+          <a:ln w="19050">
+            <a:solidFill>
+              <a:schemeClr val="tx1"/>
+            </a:solidFill>
+          </a:ln>
+        </p:spPr>
+        <p:txBody>
+          <a:bodyPr wrap="square" rtlCol="0">
+            <a:spAutoFit/>
+          </a:bodyPr>
+          <a:lstStyle/>
+          <a:p>
+            <a:pPr algn="ctr"/>
+            <a:r>
+              <a:rPr kumimoji="1" lang="ja-JP" altLang="en-US" dirty="0" smtClean="0"/>
+              <a:t>分かりやすい</a:t>
+            </a:r>
+            <a:r>
+              <a:rPr lang="en-US" altLang="ja-JP" dirty="0" smtClean="0"/>
+              <a:t>UI</a:t>
+            </a:r>
+            <a:r>
+              <a:rPr lang="ja-JP" altLang="en-US" dirty="0" smtClean="0"/>
+              <a:t>を出して</a:t>
+            </a:r>
+            <a:endParaRPr lang="en-US" altLang="ja-JP" dirty="0" smtClean="0"/>
+          </a:p>
+          <a:p>
+            <a:pPr algn="ctr"/>
+            <a:r>
+              <a:rPr lang="ja-JP" altLang="en-US" dirty="0" smtClean="0"/>
+              <a:t>それぞれのプレイヤーを</a:t>
+            </a:r>
+            <a:endParaRPr lang="en-US" altLang="ja-JP" dirty="0" smtClean="0"/>
+          </a:p>
+          <a:p>
+            <a:pPr algn="ctr"/>
+            <a:r>
+              <a:rPr kumimoji="1" lang="ja-JP" altLang="en-US" dirty="0" smtClean="0"/>
+              <a:t>識別しやすくする</a:t>
+            </a:r>
+            <a:endParaRPr kumimoji="1" lang="ja-JP" altLang="en-US" dirty="0"/>
+          </a:p>
+        </p:txBody>
+      </p:sp>
+      <p:cxnSp>
+        <p:nvCxnSpPr>
+          <p:cNvPr id="32" name="直線矢印コネクタ 31"/>
+          <p:cNvCxnSpPr>
+            <a:endCxn id="28" idx="0"/>
+          </p:cNvCxnSpPr>
+          <p:nvPr/>
+        </p:nvCxnSpPr>
+        <p:spPr>
+          <a:xfrm flipH="1">
+            <a:off x="3086073" y="2084361"/>
+            <a:ext cx="1218974" cy="1324972"/>
+          </a:xfrm>
+          <a:prstGeom prst="straightConnector1">
+            <a:avLst/>
+          </a:prstGeom>
+          <a:ln w="38100">
+            <a:tailEnd type="triangle"/>
+          </a:ln>
+        </p:spPr>
+        <p:style>
+          <a:lnRef idx="1">
+            <a:schemeClr val="dk1"/>
+          </a:lnRef>
+          <a:fillRef idx="0">
             <a:schemeClr val="dk1"/>
           </a:fillRef>
           <a:effectRef idx="0">
             <a:schemeClr val="dk1"/>
           </a:effectRef>
           <a:fontRef idx="minor">
-            <a:schemeClr val="lt1"/>
+            <a:schemeClr val="tx1"/>
           </a:fontRef>
         </p:style>
-        <p:txBody>
-          <a:bodyPr rtlCol="0" anchor="ctr"/>
-          <a:lstStyle/>
-          <a:p>
-            <a:pPr algn="ctr"/>
-            <a:endParaRPr kumimoji="1" lang="ja-JP" altLang="en-US"/>
-          </a:p>
-        </p:txBody>
-      </p:sp>
-      <p:sp>
-        <p:nvSpPr>
-          <p:cNvPr id="13" name="円形吹き出し 12"/>
-          <p:cNvSpPr/>
-          <p:nvPr/>
-        </p:nvSpPr>
-        <p:spPr>
-          <a:xfrm rot="10800000">
-            <a:off x="2935489" y="4739053"/>
-            <a:ext cx="4625739" cy="1820008"/>
-          </a:xfrm>
-          <a:prstGeom prst="wedgeEllipseCallout">
-            <a:avLst/>
-          </a:prstGeom>
-          <a:noFill/>
-          <a:ln w="28575" cap="flat" cmpd="sng" algn="ctr">
-            <a:solidFill>
-              <a:schemeClr val="accent2"/>
-            </a:solidFill>
-            <a:prstDash val="solid"/>
-            <a:round/>
-            <a:headEnd type="none" w="med" len="med"/>
-            <a:tailEnd type="none" w="med" len="med"/>
+      </p:cxnSp>
+      <p:cxnSp>
+        <p:nvCxnSpPr>
+          <p:cNvPr id="35" name="直線矢印コネクタ 34"/>
+          <p:cNvCxnSpPr>
+            <a:endCxn id="25" idx="1"/>
+          </p:cNvCxnSpPr>
+          <p:nvPr/>
+        </p:nvCxnSpPr>
+        <p:spPr>
+          <a:xfrm flipH="1">
+            <a:off x="5277467" y="2084361"/>
+            <a:ext cx="24206" cy="1102955"/>
+          </a:xfrm>
+          <a:prstGeom prst="straightConnector1">
+            <a:avLst/>
+          </a:prstGeom>
+          <a:ln w="38100">
+            <a:tailEnd type="triangle"/>
           </a:ln>
         </p:spPr>
         <p:style>
-          <a:lnRef idx="0">
-            <a:scrgbClr r="0" g="0" b="0"/>
+          <a:lnRef idx="1">
+            <a:schemeClr val="dk1"/>
           </a:lnRef>
           <a:fillRef idx="0">
-            <a:scrgbClr r="0" g="0" b="0"/>
+            <a:schemeClr val="dk1"/>
           </a:fillRef>
           <a:effectRef idx="0">
-            <a:scrgbClr r="0" g="0" b="0"/>
+            <a:schemeClr val="dk1"/>
           </a:effectRef>
           <a:fontRef idx="minor">
-            <a:schemeClr val="accent2"/>
+            <a:schemeClr val="tx1"/>
           </a:fontRef>
         </p:style>
-        <p:txBody>
-          <a:bodyPr rtlCol="0" anchor="ctr"/>
-          <a:lstStyle/>
-          <a:p>
-            <a:pPr algn="ctr"/>
-            <a:endParaRPr kumimoji="1" lang="ja-JP" altLang="en-US"/>
-          </a:p>
-        </p:txBody>
-      </p:sp>
-      <p:sp>
-        <p:nvSpPr>
-          <p:cNvPr id="16" name="テキスト ボックス 15"/>
-          <p:cNvSpPr txBox="1"/>
-          <p:nvPr/>
-        </p:nvSpPr>
-        <p:spPr>
-          <a:xfrm>
-            <a:off x="3697914" y="5325891"/>
-            <a:ext cx="3235569" cy="646331"/>
-          </a:xfrm>
-          <a:prstGeom prst="rect">
-            <a:avLst/>
-          </a:prstGeom>
-          <a:noFill/>
-        </p:spPr>
-        <p:txBody>
-          <a:bodyPr wrap="square" rtlCol="0">
-            <a:spAutoFit/>
-          </a:bodyPr>
-          <a:lstStyle/>
-          <a:p>
-            <a:r>
-              <a:rPr kumimoji="1" lang="ja-JP" altLang="en-US" dirty="0" smtClean="0"/>
-              <a:t>当たったプレイヤーの</a:t>
-            </a:r>
-            <a:r>
-              <a:rPr kumimoji="1" lang="ja-JP" altLang="en-US" dirty="0" smtClean="0">
-                <a:solidFill>
-                  <a:srgbClr val="FF0000"/>
-                </a:solidFill>
-              </a:rPr>
-              <a:t>点数</a:t>
-            </a:r>
-            <a:r>
-              <a:rPr kumimoji="1" lang="ja-JP" altLang="en-US" dirty="0" smtClean="0"/>
-              <a:t>を１加算をする</a:t>
-            </a:r>
-            <a:endParaRPr kumimoji="1" lang="ja-JP" altLang="en-US" dirty="0"/>
-          </a:p>
-        </p:txBody>
-      </p:sp>
+      </p:cxnSp>
+      <p:cxnSp>
+        <p:nvCxnSpPr>
+          <p:cNvPr id="42" name="直線矢印コネクタ 41"/>
+          <p:cNvCxnSpPr>
+            <a:endCxn id="29" idx="2"/>
+          </p:cNvCxnSpPr>
+          <p:nvPr/>
+        </p:nvCxnSpPr>
+        <p:spPr>
+          <a:xfrm>
+            <a:off x="6956747" y="2084361"/>
+            <a:ext cx="907887" cy="1195752"/>
+          </a:xfrm>
+          <a:prstGeom prst="straightConnector1">
+            <a:avLst/>
+          </a:prstGeom>
+          <a:ln w="38100">
+            <a:tailEnd type="triangle"/>
+          </a:ln>
+        </p:spPr>
+        <p:style>
+          <a:lnRef idx="1">
+            <a:schemeClr val="dk1"/>
+          </a:lnRef>
+          <a:fillRef idx="0">
+            <a:schemeClr val="dk1"/>
+          </a:fillRef>
+          <a:effectRef idx="0">
+            <a:schemeClr val="dk1"/>
+          </a:effectRef>
+          <a:fontRef idx="minor">
+            <a:schemeClr val="tx1"/>
+          </a:fontRef>
+        </p:style>
+      </p:cxnSp>
+      <p:cxnSp>
+        <p:nvCxnSpPr>
+          <p:cNvPr id="45" name="直線矢印コネクタ 44"/>
+          <p:cNvCxnSpPr>
+            <a:endCxn id="30" idx="1"/>
+          </p:cNvCxnSpPr>
+          <p:nvPr/>
+        </p:nvCxnSpPr>
+        <p:spPr>
+          <a:xfrm>
+            <a:off x="7331902" y="1837093"/>
+            <a:ext cx="3218224" cy="1350223"/>
+          </a:xfrm>
+          <a:prstGeom prst="straightConnector1">
+            <a:avLst/>
+          </a:prstGeom>
+          <a:ln w="38100">
+            <a:tailEnd type="triangle"/>
+          </a:ln>
+        </p:spPr>
+        <p:style>
+          <a:lnRef idx="1">
+            <a:schemeClr val="dk1"/>
+          </a:lnRef>
+          <a:fillRef idx="0">
+            <a:schemeClr val="dk1"/>
+          </a:fillRef>
+          <a:effectRef idx="0">
+            <a:schemeClr val="dk1"/>
+          </a:effectRef>
+          <a:fontRef idx="minor">
+            <a:schemeClr val="tx1"/>
+          </a:fontRef>
+        </p:style>
+      </p:cxnSp>
     </p:spTree>
     <p:extLst>
       <p:ext uri="{BB962C8B-B14F-4D97-AF65-F5344CB8AC3E}">
-        <p14:creationId xmlns:p14="http://schemas.microsoft.com/office/powerpoint/2010/main" val="2283433629"/>
+        <p14:creationId xmlns:p14="http://schemas.microsoft.com/office/powerpoint/2010/main" val="2138176607"/>
       </p:ext>
     </p:extLst>
   </p:cSld>
@@ -9489,60 +10056,22 @@
       </p:grpSpPr>
       <p:sp>
         <p:nvSpPr>
-          <p:cNvPr id="4" name="テキスト ボックス 3"/>
-          <p:cNvSpPr txBox="1"/>
-          <p:nvPr/>
-        </p:nvSpPr>
-        <p:spPr>
-          <a:xfrm>
-            <a:off x="224205" y="364803"/>
-            <a:ext cx="2417885" cy="523220"/>
-          </a:xfrm>
-          <a:prstGeom prst="rect">
-            <a:avLst/>
-          </a:prstGeom>
-          <a:solidFill>
-            <a:schemeClr val="bg1"/>
-          </a:solidFill>
-          <a:ln w="19050">
+          <p:cNvPr id="9" name="フローチャート: 処理 8"/>
+          <p:cNvSpPr/>
+          <p:nvPr/>
+        </p:nvSpPr>
+        <p:spPr>
+          <a:xfrm>
+            <a:off x="1865718" y="1386225"/>
+            <a:ext cx="3295368" cy="2623067"/>
+          </a:xfrm>
+          <a:prstGeom prst="flowChartProcess">
+            <a:avLst/>
+          </a:prstGeom>
+          <a:noFill/>
+          <a:ln w="57150" cap="flat" cmpd="sng" algn="ctr">
             <a:solidFill>
-              <a:schemeClr val="tx1"/>
-            </a:solidFill>
-          </a:ln>
-        </p:spPr>
-        <p:txBody>
-          <a:bodyPr wrap="square" rtlCol="0">
-            <a:spAutoFit/>
-          </a:bodyPr>
-          <a:lstStyle/>
-          <a:p>
-            <a:pPr algn="ctr"/>
-            <a:r>
-              <a:rPr kumimoji="1" lang="ja-JP" altLang="en-US" sz="2800" b="1" dirty="0" smtClean="0"/>
-              <a:t>アイテム</a:t>
-            </a:r>
-            <a:endParaRPr kumimoji="1" lang="ja-JP" altLang="en-US" sz="2800" b="1" dirty="0"/>
-          </a:p>
-        </p:txBody>
-      </p:sp>
-      <p:sp>
-        <p:nvSpPr>
-          <p:cNvPr id="6" name="楕円 5"/>
-          <p:cNvSpPr/>
-          <p:nvPr/>
-        </p:nvSpPr>
-        <p:spPr>
-          <a:xfrm>
-            <a:off x="2290619" y="1186979"/>
-            <a:ext cx="2115127" cy="1394691"/>
-          </a:xfrm>
-          <a:prstGeom prst="ellipse">
-            <a:avLst/>
-          </a:prstGeom>
-          <a:noFill/>
-          <a:ln w="38100" cap="flat" cmpd="sng" algn="ctr">
-            <a:solidFill>
-              <a:srgbClr val="FF0000"/>
+              <a:schemeClr val="dk1"/>
             </a:solidFill>
             <a:prstDash val="solid"/>
             <a:round/>
@@ -9575,14 +10104,60 @@
       </p:sp>
       <p:sp>
         <p:nvSpPr>
-          <p:cNvPr id="7" name="テキスト ボックス 6"/>
+          <p:cNvPr id="4" name="楕円 3"/>
+          <p:cNvSpPr/>
+          <p:nvPr/>
+        </p:nvSpPr>
+        <p:spPr>
+          <a:xfrm>
+            <a:off x="3420208" y="1538654"/>
+            <a:ext cx="1037492" cy="931984"/>
+          </a:xfrm>
+          <a:prstGeom prst="ellipse">
+            <a:avLst/>
+          </a:prstGeom>
+          <a:solidFill>
+            <a:srgbClr val="FF3399"/>
+          </a:solidFill>
+          <a:ln>
+            <a:solidFill>
+              <a:srgbClr val="FF3399"/>
+            </a:solidFill>
+          </a:ln>
+        </p:spPr>
+        <p:style>
+          <a:lnRef idx="2">
+            <a:schemeClr val="accent2"/>
+          </a:lnRef>
+          <a:fillRef idx="1">
+            <a:schemeClr val="lt1"/>
+          </a:fillRef>
+          <a:effectRef idx="0">
+            <a:schemeClr val="accent2"/>
+          </a:effectRef>
+          <a:fontRef idx="minor">
+            <a:schemeClr val="dk1"/>
+          </a:fontRef>
+        </p:style>
+        <p:txBody>
+          <a:bodyPr rtlCol="0" anchor="ctr"/>
+          <a:lstStyle/>
+          <a:p>
+            <a:pPr algn="ctr"/>
+            <a:endParaRPr kumimoji="1" lang="ja-JP" altLang="en-US"/>
+          </a:p>
+        </p:txBody>
+      </p:sp>
+      <p:sp>
+        <p:nvSpPr>
+          <p:cNvPr id="5" name="テキスト ボックス 4"/>
           <p:cNvSpPr txBox="1"/>
           <p:nvPr/>
         </p:nvSpPr>
         <p:spPr>
           <a:xfrm>
-            <a:off x="2609272" y="1561160"/>
-            <a:ext cx="1653309" cy="646331"/>
+            <a:off x="3527715" y="1804546"/>
+            <a:ext cx="808893" cy="369332"/>
           </a:xfrm>
           <a:prstGeom prst="rect">
             <a:avLst/>
@@ -9595,9 +10170,118 @@
           </a:bodyPr>
           <a:lstStyle/>
           <a:p>
+            <a:pPr algn="ctr"/>
+            <a:r>
+              <a:rPr kumimoji="1" lang="ja-JP" altLang="en-US" b="1" dirty="0" smtClean="0">
+                <a:solidFill>
+                  <a:schemeClr val="bg2"/>
+                </a:solidFill>
+              </a:rPr>
+              <a:t>風船</a:t>
+            </a:r>
+            <a:endParaRPr kumimoji="1" lang="ja-JP" altLang="en-US" b="1" dirty="0">
+              <a:solidFill>
+                <a:schemeClr val="bg2"/>
+              </a:solidFill>
+            </a:endParaRPr>
+          </a:p>
+        </p:txBody>
+      </p:sp>
+      <p:sp>
+        <p:nvSpPr>
+          <p:cNvPr id="6" name="正方形/長方形 5"/>
+          <p:cNvSpPr/>
+          <p:nvPr/>
+        </p:nvSpPr>
+        <p:spPr>
+          <a:xfrm rot="16200000">
+            <a:off x="2669004" y="2534901"/>
+            <a:ext cx="1295395" cy="762424"/>
+          </a:xfrm>
+          <a:prstGeom prst="rect">
+            <a:avLst/>
+          </a:prstGeom>
+          <a:ln w="38100"/>
+        </p:spPr>
+        <p:style>
+          <a:lnRef idx="2">
+            <a:schemeClr val="accent5"/>
+          </a:lnRef>
+          <a:fillRef idx="1">
+            <a:schemeClr val="lt1"/>
+          </a:fillRef>
+          <a:effectRef idx="0">
+            <a:schemeClr val="accent5"/>
+          </a:effectRef>
+          <a:fontRef idx="minor">
+            <a:schemeClr val="dk1"/>
+          </a:fontRef>
+        </p:style>
+        <p:txBody>
+          <a:bodyPr rtlCol="0" anchor="ctr"/>
+          <a:lstStyle/>
+          <a:p>
+            <a:pPr algn="ctr"/>
+            <a:endParaRPr kumimoji="1" lang="ja-JP" altLang="en-US"/>
+          </a:p>
+        </p:txBody>
+      </p:sp>
+      <p:sp>
+        <p:nvSpPr>
+          <p:cNvPr id="7" name="テキスト ボックス 6"/>
+          <p:cNvSpPr txBox="1"/>
+          <p:nvPr/>
+        </p:nvSpPr>
+        <p:spPr>
+          <a:xfrm>
+            <a:off x="3023569" y="2731447"/>
+            <a:ext cx="586263" cy="369332"/>
+          </a:xfrm>
+          <a:prstGeom prst="rect">
+            <a:avLst/>
+          </a:prstGeom>
+          <a:noFill/>
+        </p:spPr>
+        <p:txBody>
+          <a:bodyPr wrap="square" rtlCol="0">
+            <a:spAutoFit/>
+          </a:bodyPr>
+          <a:lstStyle/>
+          <a:p>
+            <a:pPr algn="ctr"/>
+            <a:r>
+              <a:rPr kumimoji="1" lang="ja-JP" altLang="en-US" b="1" dirty="0" smtClean="0"/>
+              <a:t>車</a:t>
+            </a:r>
+            <a:endParaRPr kumimoji="1" lang="ja-JP" altLang="en-US" b="1" dirty="0"/>
+          </a:p>
+        </p:txBody>
+      </p:sp>
+      <p:sp>
+        <p:nvSpPr>
+          <p:cNvPr id="10" name="テキスト ボックス 9"/>
+          <p:cNvSpPr txBox="1"/>
+          <p:nvPr/>
+        </p:nvSpPr>
+        <p:spPr>
+          <a:xfrm>
+            <a:off x="5486399" y="1494692"/>
+            <a:ext cx="3886200" cy="369332"/>
+          </a:xfrm>
+          <a:prstGeom prst="rect">
+            <a:avLst/>
+          </a:prstGeom>
+          <a:noFill/>
+        </p:spPr>
+        <p:txBody>
+          <a:bodyPr wrap="square" rtlCol="0">
+            <a:spAutoFit/>
+          </a:bodyPr>
+          <a:lstStyle/>
+          <a:p>
             <a:r>
               <a:rPr kumimoji="1" lang="ja-JP" altLang="en-US" dirty="0" smtClean="0"/>
-              <a:t>攻撃できる用アイテム</a:t>
+              <a:t>車が風船に当たったら割れる</a:t>
             </a:r>
             <a:endParaRPr kumimoji="1" lang="ja-JP" altLang="en-US" dirty="0"/>
           </a:p>
@@ -9605,24 +10289,168 @@
       </p:sp>
       <p:sp>
         <p:nvSpPr>
-          <p:cNvPr id="8" name="楕円 7"/>
+          <p:cNvPr id="11" name="テキスト ボックス 10"/>
+          <p:cNvSpPr txBox="1"/>
+          <p:nvPr/>
+        </p:nvSpPr>
+        <p:spPr>
+          <a:xfrm>
+            <a:off x="7429499" y="4151716"/>
+            <a:ext cx="1632438" cy="461665"/>
+          </a:xfrm>
+          <a:prstGeom prst="rect">
+            <a:avLst/>
+          </a:prstGeom>
+          <a:noFill/>
+        </p:spPr>
+        <p:txBody>
+          <a:bodyPr wrap="square" rtlCol="0">
+            <a:spAutoFit/>
+          </a:bodyPr>
+          <a:lstStyle/>
+          <a:p>
+            <a:r>
+              <a:rPr kumimoji="1" lang="en-US" altLang="ja-JP" sz="2400" b="1" dirty="0" smtClean="0">
+                <a:ln w="9525">
+                  <a:solidFill>
+                    <a:schemeClr val="tx1"/>
+                  </a:solidFill>
+                  <a:prstDash val="solid"/>
+                </a:ln>
+                <a:solidFill>
+                  <a:srgbClr val="7030A0"/>
+                </a:solidFill>
+                <a:effectLst>
+                  <a:outerShdw blurRad="12700" dist="38100" dir="2700000" algn="tl" rotWithShape="0">
+                    <a:schemeClr val="bg1">
+                      <a:lumMod val="50000"/>
+                    </a:schemeClr>
+                  </a:outerShdw>
+                </a:effectLst>
+              </a:rPr>
+              <a:t>NP</a:t>
+            </a:r>
+            <a:r>
+              <a:rPr kumimoji="1" lang="ja-JP" altLang="en-US" sz="2400" b="1" dirty="0" smtClean="0">
+                <a:ln w="9525">
+                  <a:solidFill>
+                    <a:schemeClr val="tx1"/>
+                  </a:solidFill>
+                  <a:prstDash val="solid"/>
+                </a:ln>
+                <a:effectLst>
+                  <a:outerShdw blurRad="12700" dist="38100" dir="2700000" algn="tl" rotWithShape="0">
+                    <a:schemeClr val="bg1">
+                      <a:lumMod val="50000"/>
+                    </a:schemeClr>
+                  </a:outerShdw>
+                </a:effectLst>
+              </a:rPr>
+              <a:t>の</a:t>
+            </a:r>
+            <a:r>
+              <a:rPr kumimoji="1" lang="ja-JP" altLang="en-US" sz="2400" b="1" dirty="0" smtClean="0">
+                <a:ln w="9525">
+                  <a:solidFill>
+                    <a:srgbClr val="FF0000"/>
+                  </a:solidFill>
+                  <a:prstDash val="solid"/>
+                </a:ln>
+                <a:solidFill>
+                  <a:srgbClr val="FF0000"/>
+                </a:solidFill>
+                <a:effectLst>
+                  <a:outerShdw blurRad="12700" dist="38100" dir="2700000" algn="tl" rotWithShape="0">
+                    <a:schemeClr val="bg1">
+                      <a:lumMod val="50000"/>
+                    </a:schemeClr>
+                  </a:outerShdw>
+                </a:effectLst>
+              </a:rPr>
+              <a:t>点数</a:t>
+            </a:r>
+            <a:endParaRPr kumimoji="1" lang="ja-JP" altLang="en-US" sz="2400" b="1" dirty="0">
+              <a:ln w="9525">
+                <a:solidFill>
+                  <a:srgbClr val="FF0000"/>
+                </a:solidFill>
+                <a:prstDash val="solid"/>
+              </a:ln>
+              <a:solidFill>
+                <a:srgbClr val="FF0000"/>
+              </a:solidFill>
+              <a:effectLst>
+                <a:outerShdw blurRad="12700" dist="38100" dir="2700000" algn="tl" rotWithShape="0">
+                  <a:schemeClr val="bg1">
+                    <a:lumMod val="50000"/>
+                  </a:schemeClr>
+                </a:outerShdw>
+              </a:effectLst>
+            </a:endParaRPr>
+          </a:p>
+        </p:txBody>
+      </p:sp>
+      <p:sp>
+        <p:nvSpPr>
+          <p:cNvPr id="12" name="右矢印 11"/>
           <p:cNvSpPr/>
           <p:nvPr/>
         </p:nvSpPr>
         <p:spPr>
-          <a:xfrm>
-            <a:off x="2290619" y="4193415"/>
-            <a:ext cx="2115127" cy="1394691"/>
-          </a:xfrm>
-          <a:prstGeom prst="ellipse">
+          <a:xfrm rot="1566627">
+            <a:off x="5408776" y="3562454"/>
+            <a:ext cx="1644161" cy="858611"/>
+          </a:xfrm>
+          <a:prstGeom prst="rightArrow">
+            <a:avLst>
+              <a:gd name="adj1" fmla="val 50000"/>
+              <a:gd name="adj2" fmla="val 78819"/>
+            </a:avLst>
+          </a:prstGeom>
+        </p:spPr>
+        <p:style>
+          <a:lnRef idx="2">
+            <a:schemeClr val="dk1">
+              <a:shade val="50000"/>
+            </a:schemeClr>
+          </a:lnRef>
+          <a:fillRef idx="1">
+            <a:schemeClr val="dk1"/>
+          </a:fillRef>
+          <a:effectRef idx="0">
+            <a:schemeClr val="dk1"/>
+          </a:effectRef>
+          <a:fontRef idx="minor">
+            <a:schemeClr val="lt1"/>
+          </a:fontRef>
+        </p:style>
+        <p:txBody>
+          <a:bodyPr rtlCol="0" anchor="ctr"/>
+          <a:lstStyle/>
+          <a:p>
+            <a:pPr algn="ctr"/>
+            <a:endParaRPr kumimoji="1" lang="ja-JP" altLang="en-US"/>
+          </a:p>
+        </p:txBody>
+      </p:sp>
+      <p:sp>
+        <p:nvSpPr>
+          <p:cNvPr id="13" name="円形吹き出し 12"/>
+          <p:cNvSpPr/>
+          <p:nvPr/>
+        </p:nvSpPr>
+        <p:spPr>
+          <a:xfrm rot="10800000">
+            <a:off x="2935489" y="4739053"/>
+            <a:ext cx="4625739" cy="1820008"/>
+          </a:xfrm>
+          <a:prstGeom prst="wedgeEllipseCallout">
             <a:avLst/>
           </a:prstGeom>
           <a:noFill/>
-          <a:ln w="38100" cap="flat" cmpd="sng" algn="ctr">
+          <a:ln w="28575" cap="flat" cmpd="sng" algn="ctr">
             <a:solidFill>
-              <a:schemeClr val="accent4">
-                <a:lumMod val="75000"/>
-              </a:schemeClr>
+              <a:schemeClr val="accent2"/>
             </a:solidFill>
             <a:prstDash val="solid"/>
             <a:round/>
@@ -9641,7 +10469,7 @@
             <a:scrgbClr r="0" g="0" b="0"/>
           </a:effectRef>
           <a:fontRef idx="minor">
-            <a:schemeClr val="dk1"/>
+            <a:schemeClr val="accent2"/>
           </a:fontRef>
         </p:style>
         <p:txBody>
@@ -9655,14 +10483,14 @@
       </p:sp>
       <p:sp>
         <p:nvSpPr>
-          <p:cNvPr id="9" name="テキスト ボックス 8"/>
+          <p:cNvPr id="16" name="テキスト ボックス 15"/>
           <p:cNvSpPr txBox="1"/>
           <p:nvPr/>
         </p:nvSpPr>
         <p:spPr>
           <a:xfrm>
-            <a:off x="2798618" y="4567594"/>
-            <a:ext cx="1099128" cy="646331"/>
+            <a:off x="3697914" y="5325891"/>
+            <a:ext cx="3235569" cy="646331"/>
           </a:xfrm>
           <a:prstGeom prst="rect">
             <a:avLst/>
@@ -9677,82 +10505,19 @@
           <a:p>
             <a:r>
               <a:rPr kumimoji="1" lang="ja-JP" altLang="en-US" dirty="0" smtClean="0"/>
-              <a:t>妨害用</a:t>
-            </a:r>
-            <a:endParaRPr kumimoji="1" lang="en-US" altLang="ja-JP" dirty="0" smtClean="0"/>
-          </a:p>
-          <a:p>
+              <a:t>当たったプレイヤーの</a:t>
+            </a:r>
+            <a:r>
+              <a:rPr kumimoji="1" lang="ja-JP" altLang="en-US" dirty="0" smtClean="0">
+                <a:solidFill>
+                  <a:srgbClr val="FF0000"/>
+                </a:solidFill>
+              </a:rPr>
+              <a:t>点数</a:t>
+            </a:r>
             <a:r>
               <a:rPr kumimoji="1" lang="ja-JP" altLang="en-US" dirty="0" smtClean="0"/>
-              <a:t>アイテム</a:t>
-            </a:r>
-            <a:endParaRPr kumimoji="1" lang="ja-JP" altLang="en-US" dirty="0"/>
-          </a:p>
-        </p:txBody>
-      </p:sp>
-      <p:sp>
-        <p:nvSpPr>
-          <p:cNvPr id="11" name="テキスト ボックス 10"/>
-          <p:cNvSpPr txBox="1"/>
-          <p:nvPr/>
-        </p:nvSpPr>
-        <p:spPr>
-          <a:xfrm>
-            <a:off x="5052291" y="4706093"/>
-            <a:ext cx="4765964" cy="369332"/>
-          </a:xfrm>
-          <a:prstGeom prst="rect">
-            <a:avLst/>
-          </a:prstGeom>
-          <a:noFill/>
-        </p:spPr>
-        <p:txBody>
-          <a:bodyPr wrap="square" rtlCol="0">
-            <a:spAutoFit/>
-          </a:bodyPr>
-          <a:lstStyle/>
-          <a:p>
-            <a:r>
-              <a:rPr kumimoji="1" lang="ja-JP" altLang="en-US" dirty="0" smtClean="0"/>
-              <a:t>あたったプレイヤーを一定時間動かなくする</a:t>
-            </a:r>
-            <a:endParaRPr kumimoji="1" lang="ja-JP" altLang="en-US" dirty="0"/>
-          </a:p>
-        </p:txBody>
-      </p:sp>
-      <p:sp>
-        <p:nvSpPr>
-          <p:cNvPr id="12" name="テキスト ボックス 11"/>
-          <p:cNvSpPr txBox="1"/>
-          <p:nvPr/>
-        </p:nvSpPr>
-        <p:spPr>
-          <a:xfrm>
-            <a:off x="5052291" y="1699658"/>
-            <a:ext cx="4544291" cy="369332"/>
-          </a:xfrm>
-          <a:prstGeom prst="rect">
-            <a:avLst/>
-          </a:prstGeom>
-          <a:noFill/>
-        </p:spPr>
-        <p:txBody>
-          <a:bodyPr wrap="square" rtlCol="0">
-            <a:spAutoFit/>
-          </a:bodyPr>
-          <a:lstStyle/>
-          <a:p>
-            <a:r>
-              <a:rPr kumimoji="1" lang="ja-JP" altLang="en-US" dirty="0" smtClean="0"/>
-              <a:t>あたったプレイヤーの点数を</a:t>
-            </a:r>
-            <a:r>
-              <a:rPr kumimoji="1" lang="en-US" altLang="ja-JP" dirty="0" smtClean="0"/>
-              <a:t>2</a:t>
-            </a:r>
-            <a:r>
-              <a:rPr kumimoji="1" lang="ja-JP" altLang="en-US" dirty="0" smtClean="0"/>
-              <a:t>点減らす</a:t>
+              <a:t>を１加算をする</a:t>
             </a:r>
             <a:endParaRPr kumimoji="1" lang="ja-JP" altLang="en-US" dirty="0"/>
           </a:p>
@@ -9761,7 +10526,7 @@
     </p:spTree>
     <p:extLst>
       <p:ext uri="{BB962C8B-B14F-4D97-AF65-F5344CB8AC3E}">
-        <p14:creationId xmlns:p14="http://schemas.microsoft.com/office/powerpoint/2010/main" val="1338408746"/>
+        <p14:creationId xmlns:p14="http://schemas.microsoft.com/office/powerpoint/2010/main" val="2283433629"/>
       </p:ext>
     </p:extLst>
   </p:cSld>
@@ -9828,27 +10593,22 @@
       </p:sp>
       <p:sp>
         <p:nvSpPr>
-          <p:cNvPr id="2" name="正方形/長方形 1"/>
+          <p:cNvPr id="6" name="楕円 5"/>
           <p:cNvSpPr/>
           <p:nvPr/>
         </p:nvSpPr>
         <p:spPr>
           <a:xfrm>
-            <a:off x="2733966" y="1690256"/>
-            <a:ext cx="1948872" cy="1727199"/>
-          </a:xfrm>
-          <a:prstGeom prst="rect">
-            <a:avLst/>
-          </a:prstGeom>
-          <a:solidFill>
-            <a:schemeClr val="accent1">
-              <a:lumMod val="40000"/>
-              <a:lumOff val="60000"/>
-            </a:schemeClr>
-          </a:solidFill>
+            <a:off x="2290619" y="1186979"/>
+            <a:ext cx="2115127" cy="1394691"/>
+          </a:xfrm>
+          <a:prstGeom prst="ellipse">
+            <a:avLst/>
+          </a:prstGeom>
+          <a:noFill/>
           <a:ln w="38100" cap="flat" cmpd="sng" algn="ctr">
             <a:solidFill>
-              <a:schemeClr val="accent2"/>
+              <a:srgbClr val="FF0000"/>
             </a:solidFill>
             <a:prstDash val="solid"/>
             <a:round/>
@@ -9881,22 +10641,54 @@
       </p:sp>
       <p:sp>
         <p:nvSpPr>
-          <p:cNvPr id="10" name="フローチャート: 処理 9"/>
+          <p:cNvPr id="7" name="テキスト ボックス 6"/>
+          <p:cNvSpPr txBox="1"/>
+          <p:nvPr/>
+        </p:nvSpPr>
+        <p:spPr>
+          <a:xfrm>
+            <a:off x="2609272" y="1561160"/>
+            <a:ext cx="1653309" cy="646331"/>
+          </a:xfrm>
+          <a:prstGeom prst="rect">
+            <a:avLst/>
+          </a:prstGeom>
+          <a:noFill/>
+        </p:spPr>
+        <p:txBody>
+          <a:bodyPr wrap="square" rtlCol="0">
+            <a:spAutoFit/>
+          </a:bodyPr>
+          <a:lstStyle/>
+          <a:p>
+            <a:r>
+              <a:rPr kumimoji="1" lang="ja-JP" altLang="en-US" dirty="0" smtClean="0"/>
+              <a:t>攻撃できる用アイテム</a:t>
+            </a:r>
+            <a:endParaRPr kumimoji="1" lang="ja-JP" altLang="en-US" dirty="0"/>
+          </a:p>
+        </p:txBody>
+      </p:sp>
+      <p:sp>
+        <p:nvSpPr>
+          <p:cNvPr id="8" name="楕円 7"/>
           <p:cNvSpPr/>
           <p:nvPr/>
         </p:nvSpPr>
         <p:spPr>
           <a:xfrm>
-            <a:off x="1865718" y="1386226"/>
-            <a:ext cx="3362064" cy="3259666"/>
-          </a:xfrm>
-          <a:prstGeom prst="flowChartProcess">
+            <a:off x="2290619" y="4193415"/>
+            <a:ext cx="2115127" cy="1394691"/>
+          </a:xfrm>
+          <a:prstGeom prst="ellipse">
             <a:avLst/>
           </a:prstGeom>
           <a:noFill/>
-          <a:ln w="57150" cap="flat" cmpd="sng" algn="ctr">
+          <a:ln w="38100" cap="flat" cmpd="sng" algn="ctr">
             <a:solidFill>
-              <a:schemeClr val="dk1"/>
+              <a:schemeClr val="accent4">
+                <a:lumMod val="75000"/>
+              </a:schemeClr>
             </a:solidFill>
             <a:prstDash val="solid"/>
             <a:round/>
@@ -9929,14 +10721,14 @@
       </p:sp>
       <p:sp>
         <p:nvSpPr>
-          <p:cNvPr id="3" name="テキスト ボックス 2"/>
+          <p:cNvPr id="9" name="テキスト ボックス 8"/>
           <p:cNvSpPr txBox="1"/>
           <p:nvPr/>
         </p:nvSpPr>
         <p:spPr>
           <a:xfrm>
-            <a:off x="3126511" y="2230689"/>
-            <a:ext cx="1163782" cy="646331"/>
+            <a:off x="2798618" y="4567594"/>
+            <a:ext cx="1099128" cy="646331"/>
           </a:xfrm>
           <a:prstGeom prst="rect">
             <a:avLst/>
@@ -9950,62 +10742,30 @@
           <a:lstStyle/>
           <a:p>
             <a:r>
-              <a:rPr kumimoji="1" lang="ja-JP" altLang="en-US" b="1" dirty="0" smtClean="0"/>
-              <a:t>アイテムボックス</a:t>
-            </a:r>
-            <a:endParaRPr kumimoji="1" lang="ja-JP" altLang="en-US" b="1" dirty="0"/>
-          </a:p>
-        </p:txBody>
-      </p:sp>
-      <p:sp>
-        <p:nvSpPr>
-          <p:cNvPr id="13" name="正方形/長方形 12"/>
-          <p:cNvSpPr/>
-          <p:nvPr/>
-        </p:nvSpPr>
-        <p:spPr>
-          <a:xfrm rot="16200000">
-            <a:off x="1865441" y="3403122"/>
-            <a:ext cx="1295395" cy="762424"/>
-          </a:xfrm>
-          <a:prstGeom prst="rect">
-            <a:avLst/>
-          </a:prstGeom>
-          <a:ln w="38100"/>
-        </p:spPr>
-        <p:style>
-          <a:lnRef idx="2">
-            <a:schemeClr val="accent5"/>
-          </a:lnRef>
-          <a:fillRef idx="1">
-            <a:schemeClr val="lt1"/>
-          </a:fillRef>
-          <a:effectRef idx="0">
-            <a:schemeClr val="accent5"/>
-          </a:effectRef>
-          <a:fontRef idx="minor">
-            <a:schemeClr val="dk1"/>
-          </a:fontRef>
-        </p:style>
-        <p:txBody>
-          <a:bodyPr rtlCol="0" anchor="ctr"/>
-          <a:lstStyle/>
-          <a:p>
-            <a:pPr algn="ctr"/>
-            <a:endParaRPr kumimoji="1" lang="ja-JP" altLang="en-US"/>
-          </a:p>
-        </p:txBody>
-      </p:sp>
-      <p:sp>
-        <p:nvSpPr>
-          <p:cNvPr id="14" name="テキスト ボックス 13"/>
+              <a:rPr kumimoji="1" lang="ja-JP" altLang="en-US" dirty="0" smtClean="0"/>
+              <a:t>妨害用</a:t>
+            </a:r>
+            <a:endParaRPr kumimoji="1" lang="en-US" altLang="ja-JP" dirty="0" smtClean="0"/>
+          </a:p>
+          <a:p>
+            <a:r>
+              <a:rPr kumimoji="1" lang="ja-JP" altLang="en-US" dirty="0" smtClean="0"/>
+              <a:t>アイテム</a:t>
+            </a:r>
+            <a:endParaRPr kumimoji="1" lang="ja-JP" altLang="en-US" dirty="0"/>
+          </a:p>
+        </p:txBody>
+      </p:sp>
+      <p:sp>
+        <p:nvSpPr>
+          <p:cNvPr id="11" name="テキスト ボックス 10"/>
           <p:cNvSpPr txBox="1"/>
           <p:nvPr/>
         </p:nvSpPr>
         <p:spPr>
           <a:xfrm>
-            <a:off x="2220006" y="3599668"/>
-            <a:ext cx="586263" cy="369332"/>
+            <a:off x="5052291" y="4706093"/>
+            <a:ext cx="4765964" cy="369332"/>
           </a:xfrm>
           <a:prstGeom prst="rect">
             <a:avLst/>
@@ -10018,25 +10778,24 @@
           </a:bodyPr>
           <a:lstStyle/>
           <a:p>
-            <a:pPr algn="ctr"/>
-            <a:r>
-              <a:rPr kumimoji="1" lang="ja-JP" altLang="en-US" b="1" dirty="0" smtClean="0"/>
-              <a:t>車</a:t>
-            </a:r>
-            <a:endParaRPr kumimoji="1" lang="ja-JP" altLang="en-US" b="1" dirty="0"/>
-          </a:p>
-        </p:txBody>
-      </p:sp>
-      <p:sp>
-        <p:nvSpPr>
-          <p:cNvPr id="15" name="テキスト ボックス 14"/>
+            <a:r>
+              <a:rPr kumimoji="1" lang="ja-JP" altLang="en-US" dirty="0" smtClean="0"/>
+              <a:t>あたったプレイヤーを一定時間動かなくする</a:t>
+            </a:r>
+            <a:endParaRPr kumimoji="1" lang="ja-JP" altLang="en-US" dirty="0"/>
+          </a:p>
+        </p:txBody>
+      </p:sp>
+      <p:sp>
+        <p:nvSpPr>
+          <p:cNvPr id="12" name="テキスト ボックス 11"/>
           <p:cNvSpPr txBox="1"/>
           <p:nvPr/>
         </p:nvSpPr>
         <p:spPr>
           <a:xfrm>
-            <a:off x="6096030" y="1386225"/>
-            <a:ext cx="3886200" cy="646331"/>
+            <a:off x="5052291" y="1699658"/>
+            <a:ext cx="4544291" cy="369332"/>
           </a:xfrm>
           <a:prstGeom prst="rect">
             <a:avLst/>
@@ -10051,379 +10810,15 @@
           <a:p>
             <a:r>
               <a:rPr kumimoji="1" lang="ja-JP" altLang="en-US" dirty="0" smtClean="0"/>
-              <a:t>車が</a:t>
-            </a:r>
-            <a:r>
-              <a:rPr lang="ja-JP" altLang="en-US" b="1" dirty="0" smtClean="0"/>
-              <a:t>アイテムボックス</a:t>
+              <a:t>あたったプレイヤーの点数を</a:t>
+            </a:r>
+            <a:r>
+              <a:rPr kumimoji="1" lang="en-US" altLang="ja-JP" dirty="0" smtClean="0"/>
+              <a:t>2</a:t>
             </a:r>
             <a:r>
               <a:rPr kumimoji="1" lang="ja-JP" altLang="en-US" dirty="0" smtClean="0"/>
-              <a:t>に当たったら割れる</a:t>
-            </a:r>
-            <a:endParaRPr kumimoji="1" lang="ja-JP" altLang="en-US" dirty="0"/>
-          </a:p>
-        </p:txBody>
-      </p:sp>
-      <p:sp>
-        <p:nvSpPr>
-          <p:cNvPr id="16" name="右矢印 15"/>
-          <p:cNvSpPr/>
-          <p:nvPr/>
-        </p:nvSpPr>
-        <p:spPr>
-          <a:xfrm rot="1566627">
-            <a:off x="4839826" y="3967496"/>
-            <a:ext cx="1644161" cy="858611"/>
-          </a:xfrm>
-          <a:prstGeom prst="rightArrow">
-            <a:avLst>
-              <a:gd name="adj1" fmla="val 50000"/>
-              <a:gd name="adj2" fmla="val 78819"/>
-            </a:avLst>
-          </a:prstGeom>
-        </p:spPr>
-        <p:style>
-          <a:lnRef idx="2">
-            <a:schemeClr val="dk1">
-              <a:shade val="50000"/>
-            </a:schemeClr>
-          </a:lnRef>
-          <a:fillRef idx="1">
-            <a:schemeClr val="dk1"/>
-          </a:fillRef>
-          <a:effectRef idx="0">
-            <a:schemeClr val="dk1"/>
-          </a:effectRef>
-          <a:fontRef idx="minor">
-            <a:schemeClr val="lt1"/>
-          </a:fontRef>
-        </p:style>
-        <p:txBody>
-          <a:bodyPr rtlCol="0" anchor="ctr"/>
-          <a:lstStyle/>
-          <a:p>
-            <a:pPr algn="ctr"/>
-            <a:endParaRPr kumimoji="1" lang="ja-JP" altLang="en-US"/>
-          </a:p>
-        </p:txBody>
-      </p:sp>
-      <p:sp>
-        <p:nvSpPr>
-          <p:cNvPr id="17" name="テキスト ボックス 16"/>
-          <p:cNvSpPr txBox="1"/>
-          <p:nvPr/>
-        </p:nvSpPr>
-        <p:spPr>
-          <a:xfrm>
-            <a:off x="6798081" y="4404324"/>
-            <a:ext cx="4562645" cy="830997"/>
-          </a:xfrm>
-          <a:prstGeom prst="rect">
-            <a:avLst/>
-          </a:prstGeom>
-          <a:noFill/>
-        </p:spPr>
-        <p:txBody>
-          <a:bodyPr wrap="square" rtlCol="0">
-            <a:spAutoFit/>
-          </a:bodyPr>
-          <a:lstStyle/>
-          <a:p>
-            <a:r>
-              <a:rPr kumimoji="1" lang="en-US" altLang="ja-JP" sz="2400" b="1" dirty="0" smtClean="0">
-                <a:ln w="9525">
-                  <a:solidFill>
-                    <a:schemeClr val="tx1"/>
-                  </a:solidFill>
-                  <a:prstDash val="solid"/>
-                </a:ln>
-                <a:solidFill>
-                  <a:srgbClr val="7030A0"/>
-                </a:solidFill>
-                <a:effectLst>
-                  <a:outerShdw blurRad="12700" dist="38100" dir="2700000" algn="tl" rotWithShape="0">
-                    <a:schemeClr val="bg1">
-                      <a:lumMod val="50000"/>
-                    </a:schemeClr>
-                  </a:outerShdw>
-                </a:effectLst>
-              </a:rPr>
-              <a:t>NP</a:t>
-            </a:r>
-            <a:r>
-              <a:rPr kumimoji="1" lang="ja-JP" altLang="en-US" sz="2400" b="1" dirty="0" smtClean="0">
-                <a:ln w="9525">
-                  <a:solidFill>
-                    <a:schemeClr val="tx1"/>
-                  </a:solidFill>
-                  <a:prstDash val="solid"/>
-                </a:ln>
-                <a:effectLst>
-                  <a:outerShdw blurRad="12700" dist="38100" dir="2700000" algn="tl" rotWithShape="0">
-                    <a:schemeClr val="bg1">
-                      <a:lumMod val="50000"/>
-                    </a:schemeClr>
-                  </a:outerShdw>
-                </a:effectLst>
-              </a:rPr>
-              <a:t>の</a:t>
-            </a:r>
-            <a:r>
-              <a:rPr lang="ja-JP" altLang="en-US" sz="2400" b="1" dirty="0" smtClean="0">
-                <a:ln w="9525">
-                  <a:solidFill>
-                    <a:schemeClr val="tx1"/>
-                  </a:solidFill>
-                  <a:prstDash val="solid"/>
-                </a:ln>
-                <a:solidFill>
-                  <a:srgbClr val="FF0000"/>
-                </a:solidFill>
-                <a:effectLst>
-                  <a:outerShdw blurRad="12700" dist="38100" dir="2700000" algn="tl" rotWithShape="0">
-                    <a:schemeClr val="bg1">
-                      <a:lumMod val="50000"/>
-                    </a:schemeClr>
-                  </a:outerShdw>
-                </a:effectLst>
-              </a:rPr>
-              <a:t>アイテム欄</a:t>
-            </a:r>
-            <a:r>
-              <a:rPr lang="ja-JP" altLang="en-US" sz="2400" b="1" dirty="0" smtClean="0">
-                <a:ln w="9525">
-                  <a:solidFill>
-                    <a:schemeClr val="tx1"/>
-                  </a:solidFill>
-                  <a:prstDash val="solid"/>
-                </a:ln>
-                <a:effectLst>
-                  <a:outerShdw blurRad="12700" dist="38100" dir="2700000" algn="tl" rotWithShape="0">
-                    <a:schemeClr val="bg1">
-                      <a:lumMod val="50000"/>
-                    </a:schemeClr>
-                  </a:outerShdw>
-                </a:effectLst>
-              </a:rPr>
-              <a:t>に</a:t>
-            </a:r>
-            <a:endParaRPr lang="en-US" altLang="ja-JP" sz="2400" b="1" dirty="0" smtClean="0">
-              <a:ln w="9525">
-                <a:solidFill>
-                  <a:schemeClr val="tx1"/>
-                </a:solidFill>
-                <a:prstDash val="solid"/>
-              </a:ln>
-              <a:effectLst>
-                <a:outerShdw blurRad="12700" dist="38100" dir="2700000" algn="tl" rotWithShape="0">
-                  <a:schemeClr val="bg1">
-                    <a:lumMod val="50000"/>
-                  </a:schemeClr>
-                </a:outerShdw>
-              </a:effectLst>
-            </a:endParaRPr>
-          </a:p>
-          <a:p>
-            <a:r>
-              <a:rPr lang="ja-JP" altLang="en-US" sz="2400" b="1" dirty="0" smtClean="0">
-                <a:ln w="9525">
-                  <a:solidFill>
-                    <a:schemeClr val="tx1"/>
-                  </a:solidFill>
-                  <a:prstDash val="solid"/>
-                </a:ln>
-                <a:effectLst>
-                  <a:outerShdw blurRad="12700" dist="38100" dir="2700000" algn="tl" rotWithShape="0">
-                    <a:schemeClr val="bg1">
-                      <a:lumMod val="50000"/>
-                    </a:schemeClr>
-                  </a:outerShdw>
-                </a:effectLst>
-              </a:rPr>
-              <a:t>生成された</a:t>
-            </a:r>
-            <a:r>
-              <a:rPr lang="ja-JP" altLang="en-US" sz="2400" b="1" dirty="0" smtClean="0">
-                <a:ln w="9525">
-                  <a:solidFill>
-                    <a:schemeClr val="tx1"/>
-                  </a:solidFill>
-                  <a:prstDash val="solid"/>
-                </a:ln>
-                <a:solidFill>
-                  <a:schemeClr val="accent2"/>
-                </a:solidFill>
-                <a:effectLst>
-                  <a:outerShdw blurRad="12700" dist="38100" dir="2700000" algn="tl" rotWithShape="0">
-                    <a:schemeClr val="bg1">
-                      <a:lumMod val="50000"/>
-                    </a:schemeClr>
-                  </a:outerShdw>
-                </a:effectLst>
-              </a:rPr>
-              <a:t>アイテム</a:t>
-            </a:r>
-            <a:r>
-              <a:rPr lang="ja-JP" altLang="en-US" sz="2400" b="1" dirty="0" smtClean="0">
-                <a:ln w="9525">
-                  <a:solidFill>
-                    <a:schemeClr val="tx1"/>
-                  </a:solidFill>
-                  <a:prstDash val="solid"/>
-                </a:ln>
-                <a:effectLst>
-                  <a:outerShdw blurRad="12700" dist="38100" dir="2700000" algn="tl" rotWithShape="0">
-                    <a:schemeClr val="bg1">
-                      <a:lumMod val="50000"/>
-                    </a:schemeClr>
-                  </a:outerShdw>
-                </a:effectLst>
-              </a:rPr>
-              <a:t>を追加する</a:t>
-            </a:r>
-            <a:endParaRPr kumimoji="1" lang="ja-JP" altLang="en-US" sz="2400" b="1" dirty="0">
-              <a:ln w="9525">
-                <a:solidFill>
-                  <a:srgbClr val="FF0000"/>
-                </a:solidFill>
-                <a:prstDash val="solid"/>
-              </a:ln>
-              <a:solidFill>
-                <a:srgbClr val="FF0000"/>
-              </a:solidFill>
-              <a:effectLst>
-                <a:outerShdw blurRad="12700" dist="38100" dir="2700000" algn="tl" rotWithShape="0">
-                  <a:schemeClr val="bg1">
-                    <a:lumMod val="50000"/>
-                  </a:schemeClr>
-                </a:outerShdw>
-              </a:effectLst>
-            </a:endParaRPr>
-          </a:p>
-        </p:txBody>
-      </p:sp>
-      <p:sp>
-        <p:nvSpPr>
-          <p:cNvPr id="18" name="円形吹き出し 17"/>
-          <p:cNvSpPr/>
-          <p:nvPr/>
-        </p:nvSpPr>
-        <p:spPr>
-          <a:xfrm rot="10800000">
-            <a:off x="2806267" y="5089165"/>
-            <a:ext cx="4625739" cy="1440944"/>
-          </a:xfrm>
-          <a:prstGeom prst="wedgeEllipseCallout">
-            <a:avLst/>
-          </a:prstGeom>
-          <a:noFill/>
-          <a:ln w="28575" cap="flat" cmpd="sng" algn="ctr">
-            <a:solidFill>
-              <a:schemeClr val="accent2"/>
-            </a:solidFill>
-            <a:prstDash val="solid"/>
-            <a:round/>
-            <a:headEnd type="none" w="med" len="med"/>
-            <a:tailEnd type="none" w="med" len="med"/>
-          </a:ln>
-        </p:spPr>
-        <p:style>
-          <a:lnRef idx="0">
-            <a:scrgbClr r="0" g="0" b="0"/>
-          </a:lnRef>
-          <a:fillRef idx="0">
-            <a:scrgbClr r="0" g="0" b="0"/>
-          </a:fillRef>
-          <a:effectRef idx="0">
-            <a:scrgbClr r="0" g="0" b="0"/>
-          </a:effectRef>
-          <a:fontRef idx="minor">
-            <a:schemeClr val="accent2"/>
-          </a:fontRef>
-        </p:style>
-        <p:txBody>
-          <a:bodyPr rtlCol="0" anchor="ctr"/>
-          <a:lstStyle/>
-          <a:p>
-            <a:pPr algn="ctr"/>
-            <a:endParaRPr kumimoji="1" lang="ja-JP" altLang="en-US"/>
-          </a:p>
-        </p:txBody>
-      </p:sp>
-      <p:sp>
-        <p:nvSpPr>
-          <p:cNvPr id="19" name="テキスト ボックス 18"/>
-          <p:cNvSpPr txBox="1"/>
-          <p:nvPr/>
-        </p:nvSpPr>
-        <p:spPr>
-          <a:xfrm>
-            <a:off x="3322201" y="5412427"/>
-            <a:ext cx="3811161" cy="923330"/>
-          </a:xfrm>
-          <a:prstGeom prst="rect">
-            <a:avLst/>
-          </a:prstGeom>
-          <a:noFill/>
-        </p:spPr>
-        <p:txBody>
-          <a:bodyPr wrap="square" rtlCol="0">
-            <a:spAutoFit/>
-          </a:bodyPr>
-          <a:lstStyle/>
-          <a:p>
-            <a:r>
-              <a:rPr kumimoji="1" lang="ja-JP" altLang="en-US" dirty="0" smtClean="0"/>
-              <a:t>当たったプレイヤーの</a:t>
-            </a:r>
-            <a:r>
-              <a:rPr kumimoji="1" lang="ja-JP" altLang="en-US" dirty="0" smtClean="0">
-                <a:solidFill>
-                  <a:srgbClr val="FF0000"/>
-                </a:solidFill>
-              </a:rPr>
-              <a:t>アイテム</a:t>
-            </a:r>
-            <a:r>
-              <a:rPr lang="ja-JP" altLang="en-US" dirty="0">
-                <a:solidFill>
-                  <a:srgbClr val="FF0000"/>
-                </a:solidFill>
-              </a:rPr>
-              <a:t>欄</a:t>
-            </a:r>
-            <a:r>
-              <a:rPr lang="ja-JP" altLang="en-US" dirty="0" smtClean="0"/>
-              <a:t>に</a:t>
-            </a:r>
-            <a:r>
-              <a:rPr lang="ja-JP" altLang="en-US" dirty="0" smtClean="0">
-                <a:solidFill>
-                  <a:srgbClr val="00B050"/>
-                </a:solidFill>
-              </a:rPr>
-              <a:t>ランダム</a:t>
-            </a:r>
-            <a:r>
-              <a:rPr lang="ja-JP" altLang="en-US" dirty="0" smtClean="0"/>
-              <a:t>で生成した</a:t>
-            </a:r>
-            <a:r>
-              <a:rPr lang="ja-JP" altLang="en-US" dirty="0" smtClean="0">
-                <a:solidFill>
-                  <a:srgbClr val="FFC000"/>
-                </a:solidFill>
-              </a:rPr>
-              <a:t>アイテム</a:t>
-            </a:r>
-            <a:r>
-              <a:rPr lang="ja-JP" altLang="en-US" dirty="0" smtClean="0"/>
-              <a:t>を追加</a:t>
-            </a:r>
-            <a:r>
-              <a:rPr kumimoji="1" lang="ja-JP" altLang="en-US" dirty="0" smtClean="0"/>
-              <a:t>する</a:t>
+              <a:t>点減らす</a:t>
             </a:r>
             <a:endParaRPr kumimoji="1" lang="ja-JP" altLang="en-US" dirty="0"/>
           </a:p>
@@ -10432,7 +10827,7 @@
     </p:spTree>
     <p:extLst>
       <p:ext uri="{BB962C8B-B14F-4D97-AF65-F5344CB8AC3E}">
-        <p14:creationId xmlns:p14="http://schemas.microsoft.com/office/powerpoint/2010/main" val="1088521708"/>
+        <p14:creationId xmlns:p14="http://schemas.microsoft.com/office/powerpoint/2010/main" val="1338408746"/>
       </p:ext>
     </p:extLst>
   </p:cSld>
@@ -10461,99 +10856,26 @@
       </p:grpSpPr>
       <p:sp>
         <p:nvSpPr>
-          <p:cNvPr id="4" name="正方形/長方形 3"/>
-          <p:cNvSpPr/>
-          <p:nvPr/>
-        </p:nvSpPr>
-        <p:spPr>
-          <a:xfrm>
-            <a:off x="970087" y="901211"/>
-            <a:ext cx="10635760" cy="5653454"/>
-          </a:xfrm>
-          <a:prstGeom prst="rect">
-            <a:avLst/>
-          </a:prstGeom>
-          <a:noFill/>
-          <a:ln w="38100"/>
-        </p:spPr>
-        <p:style>
-          <a:lnRef idx="2">
-            <a:schemeClr val="dk1"/>
-          </a:lnRef>
-          <a:fillRef idx="1">
-            <a:schemeClr val="lt1"/>
-          </a:fillRef>
-          <a:effectRef idx="0">
-            <a:schemeClr val="dk1"/>
-          </a:effectRef>
-          <a:fontRef idx="minor">
-            <a:schemeClr val="dk1"/>
-          </a:fontRef>
-        </p:style>
-        <p:txBody>
-          <a:bodyPr rtlCol="0" anchor="ctr"/>
-          <a:lstStyle/>
-          <a:p>
-            <a:pPr algn="ctr"/>
-            <a:endParaRPr kumimoji="1" lang="ja-JP" altLang="en-US"/>
-          </a:p>
-        </p:txBody>
-      </p:sp>
-      <p:sp>
-        <p:nvSpPr>
-          <p:cNvPr id="5" name="片側の 2 つの角を切り取った四角形 4"/>
-          <p:cNvSpPr/>
-          <p:nvPr/>
-        </p:nvSpPr>
-        <p:spPr>
-          <a:xfrm>
-            <a:off x="905607" y="575896"/>
-            <a:ext cx="2963008" cy="650630"/>
-          </a:xfrm>
-          <a:prstGeom prst="snip2SameRect">
-            <a:avLst/>
-          </a:prstGeom>
-        </p:spPr>
-        <p:style>
-          <a:lnRef idx="2">
-            <a:schemeClr val="accent2">
-              <a:shade val="50000"/>
-            </a:schemeClr>
-          </a:lnRef>
-          <a:fillRef idx="1">
-            <a:schemeClr val="accent2"/>
-          </a:fillRef>
-          <a:effectRef idx="0">
-            <a:schemeClr val="accent2"/>
-          </a:effectRef>
-          <a:fontRef idx="minor">
-            <a:schemeClr val="lt1"/>
-          </a:fontRef>
-        </p:style>
-        <p:txBody>
-          <a:bodyPr rtlCol="0" anchor="ctr"/>
-          <a:lstStyle/>
-          <a:p>
-            <a:pPr algn="ctr"/>
-            <a:endParaRPr kumimoji="1" lang="ja-JP" altLang="en-US"/>
-          </a:p>
-        </p:txBody>
-      </p:sp>
-      <p:sp>
-        <p:nvSpPr>
-          <p:cNvPr id="6" name="テキスト ボックス 5"/>
+          <p:cNvPr id="4" name="テキスト ボックス 3"/>
           <p:cNvSpPr txBox="1"/>
           <p:nvPr/>
         </p:nvSpPr>
         <p:spPr>
           <a:xfrm>
-            <a:off x="1005256" y="685876"/>
-            <a:ext cx="2634759" cy="523220"/>
-          </a:xfrm>
-          <a:prstGeom prst="rect">
-            <a:avLst/>
-          </a:prstGeom>
-          <a:noFill/>
+            <a:off x="224205" y="364803"/>
+            <a:ext cx="2417885" cy="523220"/>
+          </a:xfrm>
+          <a:prstGeom prst="rect">
+            <a:avLst/>
+          </a:prstGeom>
+          <a:solidFill>
+            <a:schemeClr val="bg1"/>
+          </a:solidFill>
+          <a:ln w="19050">
+            <a:solidFill>
+              <a:schemeClr val="tx1"/>
+            </a:solidFill>
+          </a:ln>
         </p:spPr>
         <p:txBody>
           <a:bodyPr wrap="square" rtlCol="0">
@@ -10563,108 +10885,36 @@
           <a:p>
             <a:pPr algn="ctr"/>
             <a:r>
-              <a:rPr kumimoji="1" lang="ja-JP" altLang="en-US" sz="2800" b="1" dirty="0" smtClean="0">
-                <a:solidFill>
-                  <a:schemeClr val="bg2"/>
-                </a:solidFill>
-              </a:rPr>
-              <a:t>１つの場合</a:t>
-            </a:r>
-            <a:endParaRPr kumimoji="1" lang="ja-JP" altLang="en-US" sz="2800" b="1" dirty="0">
-              <a:solidFill>
-                <a:schemeClr val="bg2"/>
-              </a:solidFill>
-            </a:endParaRPr>
-          </a:p>
-        </p:txBody>
-      </p:sp>
-      <p:sp>
-        <p:nvSpPr>
-          <p:cNvPr id="7" name="正方形/長方形 6"/>
+              <a:rPr kumimoji="1" lang="ja-JP" altLang="en-US" sz="2800" b="1" dirty="0" smtClean="0"/>
+              <a:t>アイテム</a:t>
+            </a:r>
+            <a:endParaRPr kumimoji="1" lang="ja-JP" altLang="en-US" sz="2800" b="1" dirty="0"/>
+          </a:p>
+        </p:txBody>
+      </p:sp>
+      <p:sp>
+        <p:nvSpPr>
+          <p:cNvPr id="2" name="正方形/長方形 1"/>
           <p:cNvSpPr/>
           <p:nvPr/>
         </p:nvSpPr>
         <p:spPr>
           <a:xfrm>
-            <a:off x="4554414" y="480564"/>
-            <a:ext cx="3622432" cy="699047"/>
-          </a:xfrm>
-          <a:prstGeom prst="rect">
-            <a:avLst/>
-          </a:prstGeom>
-        </p:spPr>
-        <p:style>
-          <a:lnRef idx="2">
-            <a:schemeClr val="dk1"/>
-          </a:lnRef>
-          <a:fillRef idx="1">
-            <a:schemeClr val="lt1"/>
-          </a:fillRef>
-          <a:effectRef idx="0">
-            <a:schemeClr val="dk1"/>
-          </a:effectRef>
-          <a:fontRef idx="minor">
-            <a:schemeClr val="dk1"/>
-          </a:fontRef>
-        </p:style>
-        <p:txBody>
-          <a:bodyPr rtlCol="0" anchor="ctr"/>
-          <a:lstStyle/>
-          <a:p>
-            <a:pPr algn="ctr"/>
-            <a:endParaRPr kumimoji="1" lang="ja-JP" altLang="en-US"/>
-          </a:p>
-        </p:txBody>
-      </p:sp>
-      <p:sp>
-        <p:nvSpPr>
-          <p:cNvPr id="9" name="テキスト ボックス 8"/>
-          <p:cNvSpPr txBox="1"/>
-          <p:nvPr/>
-        </p:nvSpPr>
-        <p:spPr>
-          <a:xfrm>
-            <a:off x="4503128" y="625618"/>
-            <a:ext cx="3569677" cy="523220"/>
-          </a:xfrm>
-          <a:prstGeom prst="rect">
-            <a:avLst/>
-          </a:prstGeom>
-          <a:noFill/>
-        </p:spPr>
-        <p:txBody>
-          <a:bodyPr wrap="square" rtlCol="0">
-            <a:spAutoFit/>
-          </a:bodyPr>
-          <a:lstStyle/>
-          <a:p>
-            <a:pPr algn="ctr"/>
-            <a:r>
-              <a:rPr lang="ja-JP" altLang="en-US" sz="2800" b="1" dirty="0" smtClean="0"/>
-              <a:t>ゲーム画面</a:t>
-            </a:r>
-            <a:endParaRPr kumimoji="1" lang="ja-JP" altLang="en-US" sz="2800" b="1" dirty="0"/>
-          </a:p>
-        </p:txBody>
-      </p:sp>
-      <p:sp>
-        <p:nvSpPr>
-          <p:cNvPr id="12" name="フローチャート: 処理 11"/>
-          <p:cNvSpPr/>
-          <p:nvPr/>
-        </p:nvSpPr>
-        <p:spPr>
-          <a:xfrm>
-            <a:off x="4503128" y="1504926"/>
-            <a:ext cx="3050931" cy="852854"/>
-          </a:xfrm>
-          <a:prstGeom prst="flowChartProcess">
-            <a:avLst/>
-          </a:prstGeom>
-          <a:noFill/>
+            <a:off x="2733966" y="1690256"/>
+            <a:ext cx="1948872" cy="1727199"/>
+          </a:xfrm>
+          <a:prstGeom prst="rect">
+            <a:avLst/>
+          </a:prstGeom>
+          <a:solidFill>
+            <a:schemeClr val="accent1">
+              <a:lumMod val="40000"/>
+              <a:lumOff val="60000"/>
+            </a:schemeClr>
+          </a:solidFill>
           <a:ln w="38100" cap="flat" cmpd="sng" algn="ctr">
             <a:solidFill>
-              <a:schemeClr val="dk1"/>
+              <a:schemeClr val="accent2"/>
             </a:solidFill>
             <a:prstDash val="solid"/>
             <a:round/>
@@ -10697,22 +10947,22 @@
       </p:sp>
       <p:sp>
         <p:nvSpPr>
-          <p:cNvPr id="13" name="フローチャート: 処理 12"/>
+          <p:cNvPr id="10" name="フローチャート: 処理 9"/>
           <p:cNvSpPr/>
           <p:nvPr/>
         </p:nvSpPr>
         <p:spPr>
           <a:xfrm>
-            <a:off x="1789234" y="5323719"/>
-            <a:ext cx="1727689" cy="866066"/>
+            <a:off x="1865718" y="1386226"/>
+            <a:ext cx="3362064" cy="3259666"/>
           </a:xfrm>
           <a:prstGeom prst="flowChartProcess">
             <a:avLst/>
           </a:prstGeom>
           <a:noFill/>
-          <a:ln w="28575" cap="flat" cmpd="sng" algn="ctr">
+          <a:ln w="57150" cap="flat" cmpd="sng" algn="ctr">
             <a:solidFill>
-              <a:schemeClr val="accent1"/>
+              <a:schemeClr val="dk1"/>
             </a:solidFill>
             <a:prstDash val="solid"/>
             <a:round/>
@@ -10731,7 +10981,7 @@
             <a:scrgbClr r="0" g="0" b="0"/>
           </a:effectRef>
           <a:fontRef idx="minor">
-            <a:schemeClr val="accent1"/>
+            <a:schemeClr val="dk1"/>
           </a:fontRef>
         </p:style>
         <p:txBody>
@@ -10739,160 +10989,20 @@
           <a:lstStyle/>
           <a:p>
             <a:pPr algn="ctr"/>
-            <a:endParaRPr kumimoji="1" lang="ja-JP" altLang="en-US" b="1" dirty="0"/>
-          </a:p>
-        </p:txBody>
-      </p:sp>
-      <p:sp>
-        <p:nvSpPr>
-          <p:cNvPr id="14" name="フローチャート: 処理 13"/>
-          <p:cNvSpPr/>
-          <p:nvPr/>
-        </p:nvSpPr>
-        <p:spPr>
-          <a:xfrm>
-            <a:off x="4336070" y="5323719"/>
-            <a:ext cx="1727689" cy="866066"/>
-          </a:xfrm>
-          <a:prstGeom prst="flowChartProcess">
-            <a:avLst/>
-          </a:prstGeom>
-          <a:noFill/>
-          <a:ln w="38100">
-            <a:solidFill>
-              <a:srgbClr val="FF0000"/>
-            </a:solidFill>
-          </a:ln>
-        </p:spPr>
-        <p:style>
-          <a:lnRef idx="2">
-            <a:schemeClr val="accent1">
-              <a:shade val="50000"/>
-            </a:schemeClr>
-          </a:lnRef>
-          <a:fillRef idx="1">
-            <a:schemeClr val="accent1"/>
-          </a:fillRef>
-          <a:effectRef idx="0">
-            <a:schemeClr val="accent1"/>
-          </a:effectRef>
-          <a:fontRef idx="minor">
-            <a:schemeClr val="lt1"/>
-          </a:fontRef>
-        </p:style>
-        <p:txBody>
-          <a:bodyPr rtlCol="0" anchor="ctr"/>
-          <a:lstStyle/>
-          <a:p>
-            <a:pPr algn="ctr"/>
-            <a:endParaRPr kumimoji="1" lang="ja-JP" altLang="en-US" b="1" dirty="0"/>
-          </a:p>
-        </p:txBody>
-      </p:sp>
-      <p:sp>
-        <p:nvSpPr>
-          <p:cNvPr id="15" name="フローチャート: 処理 14"/>
-          <p:cNvSpPr/>
-          <p:nvPr/>
-        </p:nvSpPr>
-        <p:spPr>
-          <a:xfrm>
-            <a:off x="6882906" y="5312324"/>
-            <a:ext cx="1727689" cy="866066"/>
-          </a:xfrm>
-          <a:prstGeom prst="flowChartProcess">
-            <a:avLst/>
-          </a:prstGeom>
-          <a:noFill/>
-          <a:ln w="38100" cap="flat" cmpd="sng" algn="ctr">
-            <a:solidFill>
-              <a:schemeClr val="accent6"/>
-            </a:solidFill>
-            <a:prstDash val="solid"/>
-            <a:round/>
-            <a:headEnd type="none" w="med" len="med"/>
-            <a:tailEnd type="none" w="med" len="med"/>
-          </a:ln>
-        </p:spPr>
-        <p:style>
-          <a:lnRef idx="0">
-            <a:scrgbClr r="0" g="0" b="0"/>
-          </a:lnRef>
-          <a:fillRef idx="0">
-            <a:scrgbClr r="0" g="0" b="0"/>
-          </a:fillRef>
-          <a:effectRef idx="0">
-            <a:scrgbClr r="0" g="0" b="0"/>
-          </a:effectRef>
-          <a:fontRef idx="minor">
-            <a:schemeClr val="accent6"/>
-          </a:fontRef>
-        </p:style>
-        <p:txBody>
-          <a:bodyPr rtlCol="0" anchor="ctr"/>
-          <a:lstStyle/>
-          <a:p>
-            <a:pPr algn="ctr"/>
-            <a:endParaRPr kumimoji="1" lang="ja-JP" altLang="en-US" b="1" dirty="0"/>
-          </a:p>
-        </p:txBody>
-      </p:sp>
-      <p:sp>
-        <p:nvSpPr>
-          <p:cNvPr id="16" name="フローチャート: 処理 15"/>
-          <p:cNvSpPr/>
-          <p:nvPr/>
-        </p:nvSpPr>
-        <p:spPr>
-          <a:xfrm>
-            <a:off x="9107365" y="5323719"/>
-            <a:ext cx="1727689" cy="866066"/>
-          </a:xfrm>
-          <a:prstGeom prst="flowChartProcess">
-            <a:avLst/>
-          </a:prstGeom>
-          <a:noFill/>
-          <a:ln w="38100">
-            <a:solidFill>
-              <a:schemeClr val="accent4"/>
-            </a:solidFill>
-          </a:ln>
-        </p:spPr>
-        <p:style>
-          <a:lnRef idx="2">
-            <a:schemeClr val="accent1">
-              <a:shade val="50000"/>
-            </a:schemeClr>
-          </a:lnRef>
-          <a:fillRef idx="1">
-            <a:schemeClr val="accent1"/>
-          </a:fillRef>
-          <a:effectRef idx="0">
-            <a:schemeClr val="accent1"/>
-          </a:effectRef>
-          <a:fontRef idx="minor">
-            <a:schemeClr val="lt1"/>
-          </a:fontRef>
-        </p:style>
-        <p:txBody>
-          <a:bodyPr rtlCol="0" anchor="ctr"/>
-          <a:lstStyle/>
-          <a:p>
-            <a:pPr algn="ctr"/>
-            <a:endParaRPr kumimoji="1" lang="ja-JP" altLang="en-US" b="1" dirty="0"/>
-          </a:p>
-        </p:txBody>
-      </p:sp>
-      <p:sp>
-        <p:nvSpPr>
-          <p:cNvPr id="17" name="テキスト ボックス 16"/>
+            <a:endParaRPr kumimoji="1" lang="ja-JP" altLang="en-US"/>
+          </a:p>
+        </p:txBody>
+      </p:sp>
+      <p:sp>
+        <p:nvSpPr>
+          <p:cNvPr id="3" name="テキスト ボックス 2"/>
           <p:cNvSpPr txBox="1"/>
           <p:nvPr/>
         </p:nvSpPr>
         <p:spPr>
           <a:xfrm>
-            <a:off x="5476137" y="1746687"/>
-            <a:ext cx="1406769" cy="369332"/>
+            <a:off x="3126511" y="2230689"/>
+            <a:ext cx="1163782" cy="646331"/>
           </a:xfrm>
           <a:prstGeom prst="rect">
             <a:avLst/>
@@ -10905,50 +11015,42 @@
           </a:bodyPr>
           <a:lstStyle/>
           <a:p>
-            <a:pPr algn="ctr"/>
-            <a:r>
-              <a:rPr kumimoji="1" lang="ja-JP" altLang="en-US" dirty="0" smtClean="0"/>
-              <a:t>タイマー</a:t>
-            </a:r>
-            <a:endParaRPr kumimoji="1" lang="ja-JP" altLang="en-US" dirty="0"/>
-          </a:p>
-        </p:txBody>
-      </p:sp>
-      <p:sp>
-        <p:nvSpPr>
-          <p:cNvPr id="18" name="楕円 17"/>
+            <a:r>
+              <a:rPr kumimoji="1" lang="ja-JP" altLang="en-US" b="1" dirty="0" smtClean="0"/>
+              <a:t>アイテムボックス</a:t>
+            </a:r>
+            <a:endParaRPr kumimoji="1" lang="ja-JP" altLang="en-US" b="1" dirty="0"/>
+          </a:p>
+        </p:txBody>
+      </p:sp>
+      <p:sp>
+        <p:nvSpPr>
+          <p:cNvPr id="13" name="正方形/長方形 12"/>
           <p:cNvSpPr/>
           <p:nvPr/>
         </p:nvSpPr>
         <p:spPr>
-          <a:xfrm>
-            <a:off x="4744907" y="1600258"/>
-            <a:ext cx="731230" cy="629276"/>
-          </a:xfrm>
-          <a:prstGeom prst="ellipse">
-            <a:avLst/>
-          </a:prstGeom>
-          <a:noFill/>
-          <a:ln w="57150">
-            <a:solidFill>
-              <a:schemeClr val="tx1"/>
-            </a:solidFill>
-          </a:ln>
+          <a:xfrm rot="16200000">
+            <a:off x="1865441" y="3403122"/>
+            <a:ext cx="1295395" cy="762424"/>
+          </a:xfrm>
+          <a:prstGeom prst="rect">
+            <a:avLst/>
+          </a:prstGeom>
+          <a:ln w="38100"/>
         </p:spPr>
         <p:style>
           <a:lnRef idx="2">
-            <a:schemeClr val="accent1">
-              <a:shade val="50000"/>
-            </a:schemeClr>
+            <a:schemeClr val="accent5"/>
           </a:lnRef>
           <a:fillRef idx="1">
-            <a:schemeClr val="accent1"/>
+            <a:schemeClr val="lt1"/>
           </a:fillRef>
           <a:effectRef idx="0">
-            <a:schemeClr val="accent1"/>
+            <a:schemeClr val="accent5"/>
           </a:effectRef>
           <a:fontRef idx="minor">
-            <a:schemeClr val="lt1"/>
+            <a:schemeClr val="dk1"/>
           </a:fontRef>
         </p:style>
         <p:txBody>
@@ -10962,17 +11064,89 @@
       </p:sp>
       <p:sp>
         <p:nvSpPr>
-          <p:cNvPr id="19" name="正方形/長方形 18"/>
+          <p:cNvPr id="14" name="テキスト ボックス 13"/>
+          <p:cNvSpPr txBox="1"/>
+          <p:nvPr/>
+        </p:nvSpPr>
+        <p:spPr>
+          <a:xfrm>
+            <a:off x="2220006" y="3599668"/>
+            <a:ext cx="586263" cy="369332"/>
+          </a:xfrm>
+          <a:prstGeom prst="rect">
+            <a:avLst/>
+          </a:prstGeom>
+          <a:noFill/>
+        </p:spPr>
+        <p:txBody>
+          <a:bodyPr wrap="square" rtlCol="0">
+            <a:spAutoFit/>
+          </a:bodyPr>
+          <a:lstStyle/>
+          <a:p>
+            <a:pPr algn="ctr"/>
+            <a:r>
+              <a:rPr kumimoji="1" lang="ja-JP" altLang="en-US" b="1" dirty="0" smtClean="0"/>
+              <a:t>車</a:t>
+            </a:r>
+            <a:endParaRPr kumimoji="1" lang="ja-JP" altLang="en-US" b="1" dirty="0"/>
+          </a:p>
+        </p:txBody>
+      </p:sp>
+      <p:sp>
+        <p:nvSpPr>
+          <p:cNvPr id="15" name="テキスト ボックス 14"/>
+          <p:cNvSpPr txBox="1"/>
+          <p:nvPr/>
+        </p:nvSpPr>
+        <p:spPr>
+          <a:xfrm>
+            <a:off x="6096030" y="1386225"/>
+            <a:ext cx="3886200" cy="646331"/>
+          </a:xfrm>
+          <a:prstGeom prst="rect">
+            <a:avLst/>
+          </a:prstGeom>
+          <a:noFill/>
+        </p:spPr>
+        <p:txBody>
+          <a:bodyPr wrap="square" rtlCol="0">
+            <a:spAutoFit/>
+          </a:bodyPr>
+          <a:lstStyle/>
+          <a:p>
+            <a:r>
+              <a:rPr kumimoji="1" lang="ja-JP" altLang="en-US" dirty="0" smtClean="0"/>
+              <a:t>車が</a:t>
+            </a:r>
+            <a:r>
+              <a:rPr lang="ja-JP" altLang="en-US" b="1" dirty="0" smtClean="0"/>
+              <a:t>アイテムボックス</a:t>
+            </a:r>
+            <a:r>
+              <a:rPr kumimoji="1" lang="ja-JP" altLang="en-US" dirty="0" smtClean="0"/>
+              <a:t>に当たったら割れる</a:t>
+            </a:r>
+            <a:endParaRPr kumimoji="1" lang="ja-JP" altLang="en-US" dirty="0"/>
+          </a:p>
+        </p:txBody>
+      </p:sp>
+      <p:sp>
+        <p:nvSpPr>
+          <p:cNvPr id="16" name="右矢印 15"/>
           <p:cNvSpPr/>
           <p:nvPr/>
         </p:nvSpPr>
         <p:spPr>
-          <a:xfrm rot="5400000">
-            <a:off x="4961966" y="1707304"/>
-            <a:ext cx="243259" cy="78766"/>
-          </a:xfrm>
-          <a:prstGeom prst="rect">
-            <a:avLst/>
+          <a:xfrm rot="1566627">
+            <a:off x="4839826" y="3967496"/>
+            <a:ext cx="1644161" cy="858611"/>
+          </a:xfrm>
+          <a:prstGeom prst="rightArrow">
+            <a:avLst>
+              <a:gd name="adj1" fmla="val 50000"/>
+              <a:gd name="adj2" fmla="val 78819"/>
+            </a:avLst>
           </a:prstGeom>
         </p:spPr>
         <p:style>
@@ -11002,54 +11176,14 @@
       </p:sp>
       <p:sp>
         <p:nvSpPr>
-          <p:cNvPr id="20" name="正方形/長方形 19"/>
-          <p:cNvSpPr/>
-          <p:nvPr/>
-        </p:nvSpPr>
-        <p:spPr>
-          <a:xfrm rot="10800000">
-            <a:off x="5122978" y="1868317"/>
-            <a:ext cx="320918" cy="78594"/>
-          </a:xfrm>
-          <a:prstGeom prst="rect">
-            <a:avLst/>
-          </a:prstGeom>
-        </p:spPr>
-        <p:style>
-          <a:lnRef idx="2">
-            <a:schemeClr val="dk1">
-              <a:shade val="50000"/>
-            </a:schemeClr>
-          </a:lnRef>
-          <a:fillRef idx="1">
-            <a:schemeClr val="dk1"/>
-          </a:fillRef>
-          <a:effectRef idx="0">
-            <a:schemeClr val="dk1"/>
-          </a:effectRef>
-          <a:fontRef idx="minor">
-            <a:schemeClr val="lt1"/>
-          </a:fontRef>
-        </p:style>
-        <p:txBody>
-          <a:bodyPr rtlCol="0" anchor="ctr"/>
-          <a:lstStyle/>
-          <a:p>
-            <a:pPr algn="ctr"/>
-            <a:endParaRPr kumimoji="1" lang="ja-JP" altLang="en-US"/>
-          </a:p>
-        </p:txBody>
-      </p:sp>
-      <p:sp>
-        <p:nvSpPr>
-          <p:cNvPr id="21" name="テキスト ボックス 20"/>
+          <p:cNvPr id="17" name="テキスト ボックス 16"/>
           <p:cNvSpPr txBox="1"/>
           <p:nvPr/>
         </p:nvSpPr>
         <p:spPr>
           <a:xfrm>
-            <a:off x="1836859" y="5525919"/>
-            <a:ext cx="1632438" cy="461665"/>
+            <a:off x="6798081" y="4404324"/>
+            <a:ext cx="4562645" cy="830997"/>
           </a:xfrm>
           <a:prstGeom prst="rect">
             <a:avLst/>
@@ -11063,7 +11197,7 @@
           <a:lstStyle/>
           <a:p>
             <a:r>
-              <a:rPr kumimoji="1" lang="ja-JP" altLang="en-US" sz="2400" b="1" dirty="0" smtClean="0">
+              <a:rPr kumimoji="1" lang="en-US" altLang="ja-JP" sz="2400" b="1" dirty="0" smtClean="0">
                 <a:ln w="9525">
                   <a:solidFill>
                     <a:schemeClr val="tx1"/>
@@ -11071,7 +11205,7 @@
                   <a:prstDash val="solid"/>
                 </a:ln>
                 <a:solidFill>
-                  <a:srgbClr val="00B0F0"/>
+                  <a:srgbClr val="7030A0"/>
                 </a:solidFill>
                 <a:effectLst>
                   <a:outerShdw blurRad="12700" dist="38100" dir="2700000" algn="tl" rotWithShape="0">
@@ -11081,28 +11215,7 @@
                   </a:outerShdw>
                 </a:effectLst>
               </a:rPr>
-              <a:t>１</a:t>
-            </a:r>
-            <a:r>
-              <a:rPr kumimoji="1" lang="en-US" altLang="ja-JP" sz="2400" b="1" dirty="0" smtClean="0">
-                <a:ln w="9525">
-                  <a:solidFill>
-                    <a:schemeClr val="tx1"/>
-                  </a:solidFill>
-                  <a:prstDash val="solid"/>
-                </a:ln>
-                <a:solidFill>
-                  <a:srgbClr val="00B0F0"/>
-                </a:solidFill>
-                <a:effectLst>
-                  <a:outerShdw blurRad="12700" dist="38100" dir="2700000" algn="tl" rotWithShape="0">
-                    <a:schemeClr val="bg1">
-                      <a:lumMod val="50000"/>
-                    </a:schemeClr>
-                  </a:outerShdw>
-                </a:effectLst>
-              </a:rPr>
-              <a:t>P</a:t>
+              <a:t>NP</a:t>
             </a:r>
             <a:r>
               <a:rPr kumimoji="1" lang="ja-JP" altLang="en-US" sz="2400" b="1" dirty="0" smtClean="0">
@@ -11123,10 +11236,10 @@
               <a:t>の</a:t>
             </a:r>
             <a:r>
-              <a:rPr kumimoji="1" lang="ja-JP" altLang="en-US" sz="2400" b="1" dirty="0" smtClean="0">
+              <a:rPr lang="ja-JP" altLang="en-US" sz="2400" b="1" dirty="0" smtClean="0">
                 <a:ln w="9525">
                   <a:solidFill>
-                    <a:srgbClr val="FF0000"/>
+                    <a:schemeClr val="tx1"/>
                   </a:solidFill>
                   <a:prstDash val="solid"/>
                 </a:ln>
@@ -11141,7 +11254,99 @@
                   </a:outerShdw>
                 </a:effectLst>
               </a:rPr>
-              <a:t>点数</a:t>
+              <a:t>アイテム欄</a:t>
+            </a:r>
+            <a:r>
+              <a:rPr lang="ja-JP" altLang="en-US" sz="2400" b="1" dirty="0" smtClean="0">
+                <a:ln w="9525">
+                  <a:solidFill>
+                    <a:schemeClr val="tx1"/>
+                  </a:solidFill>
+                  <a:prstDash val="solid"/>
+                </a:ln>
+                <a:effectLst>
+                  <a:outerShdw blurRad="12700" dist="38100" dir="2700000" algn="tl" rotWithShape="0">
+                    <a:schemeClr val="bg1">
+                      <a:lumMod val="50000"/>
+                    </a:schemeClr>
+                  </a:outerShdw>
+                </a:effectLst>
+              </a:rPr>
+              <a:t>に</a:t>
+            </a:r>
+            <a:endParaRPr lang="en-US" altLang="ja-JP" sz="2400" b="1" dirty="0" smtClean="0">
+              <a:ln w="9525">
+                <a:solidFill>
+                  <a:schemeClr val="tx1"/>
+                </a:solidFill>
+                <a:prstDash val="solid"/>
+              </a:ln>
+              <a:effectLst>
+                <a:outerShdw blurRad="12700" dist="38100" dir="2700000" algn="tl" rotWithShape="0">
+                  <a:schemeClr val="bg1">
+                    <a:lumMod val="50000"/>
+                  </a:schemeClr>
+                </a:outerShdw>
+              </a:effectLst>
+            </a:endParaRPr>
+          </a:p>
+          <a:p>
+            <a:r>
+              <a:rPr lang="ja-JP" altLang="en-US" sz="2400" b="1" dirty="0" smtClean="0">
+                <a:ln w="9525">
+                  <a:solidFill>
+                    <a:schemeClr val="tx1"/>
+                  </a:solidFill>
+                  <a:prstDash val="solid"/>
+                </a:ln>
+                <a:effectLst>
+                  <a:outerShdw blurRad="12700" dist="38100" dir="2700000" algn="tl" rotWithShape="0">
+                    <a:schemeClr val="bg1">
+                      <a:lumMod val="50000"/>
+                    </a:schemeClr>
+                  </a:outerShdw>
+                </a:effectLst>
+              </a:rPr>
+              <a:t>生成された</a:t>
+            </a:r>
+            <a:r>
+              <a:rPr lang="ja-JP" altLang="en-US" sz="2400" b="1" dirty="0" smtClean="0">
+                <a:ln w="9525">
+                  <a:solidFill>
+                    <a:schemeClr val="tx1"/>
+                  </a:solidFill>
+                  <a:prstDash val="solid"/>
+                </a:ln>
+                <a:solidFill>
+                  <a:schemeClr val="accent2"/>
+                </a:solidFill>
+                <a:effectLst>
+                  <a:outerShdw blurRad="12700" dist="38100" dir="2700000" algn="tl" rotWithShape="0">
+                    <a:schemeClr val="bg1">
+                      <a:lumMod val="50000"/>
+                    </a:schemeClr>
+                  </a:outerShdw>
+                </a:effectLst>
+              </a:rPr>
+              <a:t>アイテム</a:t>
+            </a:r>
+            <a:r>
+              <a:rPr lang="ja-JP" altLang="en-US" sz="2400" b="1" dirty="0" smtClean="0">
+                <a:ln w="9525">
+                  <a:solidFill>
+                    <a:schemeClr val="tx1"/>
+                  </a:solidFill>
+                  <a:prstDash val="solid"/>
+                </a:ln>
+                <a:effectLst>
+                  <a:outerShdw blurRad="12700" dist="38100" dir="2700000" algn="tl" rotWithShape="0">
+                    <a:schemeClr val="bg1">
+                      <a:lumMod val="50000"/>
+                    </a:schemeClr>
+                  </a:outerShdw>
+                </a:effectLst>
+              </a:rPr>
+              <a:t>を追加する</a:t>
             </a:r>
             <a:endParaRPr kumimoji="1" lang="ja-JP" altLang="en-US" sz="2400" b="1" dirty="0">
               <a:ln w="9525">
@@ -11166,396 +11371,22 @@
       </p:sp>
       <p:sp>
         <p:nvSpPr>
-          <p:cNvPr id="23" name="テキスト ボックス 22"/>
-          <p:cNvSpPr txBox="1"/>
-          <p:nvPr/>
-        </p:nvSpPr>
-        <p:spPr>
-          <a:xfrm>
-            <a:off x="4383695" y="5525919"/>
-            <a:ext cx="1632438" cy="461665"/>
-          </a:xfrm>
-          <a:prstGeom prst="rect">
+          <p:cNvPr id="18" name="円形吹き出し 17"/>
+          <p:cNvSpPr/>
+          <p:nvPr/>
+        </p:nvSpPr>
+        <p:spPr>
+          <a:xfrm rot="10800000">
+            <a:off x="2806267" y="5089165"/>
+            <a:ext cx="4625739" cy="1440944"/>
+          </a:xfrm>
+          <a:prstGeom prst="wedgeEllipseCallout">
             <a:avLst/>
           </a:prstGeom>
           <a:noFill/>
-        </p:spPr>
-        <p:txBody>
-          <a:bodyPr wrap="square" rtlCol="0">
-            <a:spAutoFit/>
-          </a:bodyPr>
-          <a:lstStyle/>
-          <a:p>
-            <a:r>
-              <a:rPr kumimoji="1" lang="ja-JP" altLang="en-US" sz="2400" b="1" dirty="0" smtClean="0">
-                <a:ln w="9525">
-                  <a:solidFill>
-                    <a:schemeClr val="tx1"/>
-                  </a:solidFill>
-                  <a:prstDash val="solid"/>
-                </a:ln>
-                <a:solidFill>
-                  <a:srgbClr val="FF0000"/>
-                </a:solidFill>
-                <a:effectLst>
-                  <a:outerShdw blurRad="12700" dist="38100" dir="2700000" algn="tl" rotWithShape="0">
-                    <a:schemeClr val="bg1">
-                      <a:lumMod val="50000"/>
-                    </a:schemeClr>
-                  </a:outerShdw>
-                </a:effectLst>
-              </a:rPr>
-              <a:t>２</a:t>
-            </a:r>
-            <a:r>
-              <a:rPr kumimoji="1" lang="en-US" altLang="ja-JP" sz="2400" b="1" dirty="0" smtClean="0">
-                <a:ln w="9525">
-                  <a:solidFill>
-                    <a:schemeClr val="tx1"/>
-                  </a:solidFill>
-                  <a:prstDash val="solid"/>
-                </a:ln>
-                <a:solidFill>
-                  <a:srgbClr val="FF0000"/>
-                </a:solidFill>
-                <a:effectLst>
-                  <a:outerShdw blurRad="12700" dist="38100" dir="2700000" algn="tl" rotWithShape="0">
-                    <a:schemeClr val="bg1">
-                      <a:lumMod val="50000"/>
-                    </a:schemeClr>
-                  </a:outerShdw>
-                </a:effectLst>
-              </a:rPr>
-              <a:t>P</a:t>
-            </a:r>
-            <a:r>
-              <a:rPr kumimoji="1" lang="ja-JP" altLang="en-US" sz="2400" b="1" dirty="0" smtClean="0">
-                <a:ln w="9525">
-                  <a:solidFill>
-                    <a:schemeClr val="tx1"/>
-                  </a:solidFill>
-                  <a:prstDash val="solid"/>
-                </a:ln>
-                <a:effectLst>
-                  <a:outerShdw blurRad="12700" dist="38100" dir="2700000" algn="tl" rotWithShape="0">
-                    <a:schemeClr val="bg1">
-                      <a:lumMod val="50000"/>
-                    </a:schemeClr>
-                  </a:outerShdw>
-                </a:effectLst>
-              </a:rPr>
-              <a:t>の</a:t>
-            </a:r>
-            <a:r>
-              <a:rPr kumimoji="1" lang="ja-JP" altLang="en-US" sz="2400" b="1" dirty="0" smtClean="0">
-                <a:ln w="9525">
-                  <a:solidFill>
-                    <a:srgbClr val="FF0000"/>
-                  </a:solidFill>
-                  <a:prstDash val="solid"/>
-                </a:ln>
-                <a:solidFill>
-                  <a:srgbClr val="FF0000"/>
-                </a:solidFill>
-                <a:effectLst>
-                  <a:outerShdw blurRad="12700" dist="38100" dir="2700000" algn="tl" rotWithShape="0">
-                    <a:schemeClr val="bg1">
-                      <a:lumMod val="50000"/>
-                    </a:schemeClr>
-                  </a:outerShdw>
-                </a:effectLst>
-              </a:rPr>
-              <a:t>点数</a:t>
-            </a:r>
-            <a:endParaRPr kumimoji="1" lang="ja-JP" altLang="en-US" sz="2400" b="1" dirty="0">
-              <a:ln w="9525">
-                <a:solidFill>
-                  <a:srgbClr val="FF0000"/>
-                </a:solidFill>
-                <a:prstDash val="solid"/>
-              </a:ln>
-              <a:solidFill>
-                <a:srgbClr val="FF0000"/>
-              </a:solidFill>
-              <a:effectLst>
-                <a:outerShdw blurRad="12700" dist="38100" dir="2700000" algn="tl" rotWithShape="0">
-                  <a:schemeClr val="bg1">
-                    <a:lumMod val="50000"/>
-                  </a:schemeClr>
-                </a:outerShdw>
-              </a:effectLst>
-            </a:endParaRPr>
-          </a:p>
-        </p:txBody>
-      </p:sp>
-      <p:sp>
-        <p:nvSpPr>
-          <p:cNvPr id="24" name="テキスト ボックス 23"/>
-          <p:cNvSpPr txBox="1"/>
-          <p:nvPr/>
-        </p:nvSpPr>
-        <p:spPr>
-          <a:xfrm>
-            <a:off x="6920271" y="5514524"/>
-            <a:ext cx="1632438" cy="461665"/>
-          </a:xfrm>
-          <a:prstGeom prst="rect">
-            <a:avLst/>
-          </a:prstGeom>
-          <a:noFill/>
-        </p:spPr>
-        <p:txBody>
-          <a:bodyPr wrap="square" rtlCol="0">
-            <a:spAutoFit/>
-          </a:bodyPr>
-          <a:lstStyle/>
-          <a:p>
-            <a:r>
-              <a:rPr kumimoji="1" lang="ja-JP" altLang="en-US" sz="2400" b="1" dirty="0" smtClean="0">
-                <a:ln w="9525">
-                  <a:solidFill>
-                    <a:schemeClr val="tx1"/>
-                  </a:solidFill>
-                  <a:prstDash val="solid"/>
-                </a:ln>
-                <a:solidFill>
-                  <a:srgbClr val="00B050"/>
-                </a:solidFill>
-                <a:effectLst>
-                  <a:outerShdw blurRad="12700" dist="38100" dir="2700000" algn="tl" rotWithShape="0">
-                    <a:schemeClr val="bg1">
-                      <a:lumMod val="50000"/>
-                    </a:schemeClr>
-                  </a:outerShdw>
-                </a:effectLst>
-              </a:rPr>
-              <a:t>３</a:t>
-            </a:r>
-            <a:r>
-              <a:rPr kumimoji="1" lang="en-US" altLang="ja-JP" sz="2400" b="1" dirty="0" smtClean="0">
-                <a:ln w="9525">
-                  <a:solidFill>
-                    <a:schemeClr val="tx1"/>
-                  </a:solidFill>
-                  <a:prstDash val="solid"/>
-                </a:ln>
-                <a:solidFill>
-                  <a:srgbClr val="00B050"/>
-                </a:solidFill>
-                <a:effectLst>
-                  <a:outerShdw blurRad="12700" dist="38100" dir="2700000" algn="tl" rotWithShape="0">
-                    <a:schemeClr val="bg1">
-                      <a:lumMod val="50000"/>
-                    </a:schemeClr>
-                  </a:outerShdw>
-                </a:effectLst>
-              </a:rPr>
-              <a:t>P</a:t>
-            </a:r>
-            <a:r>
-              <a:rPr kumimoji="1" lang="ja-JP" altLang="en-US" sz="2400" b="1" dirty="0" smtClean="0">
-                <a:ln w="9525">
-                  <a:solidFill>
-                    <a:schemeClr val="tx1"/>
-                  </a:solidFill>
-                  <a:prstDash val="solid"/>
-                </a:ln>
-                <a:effectLst>
-                  <a:outerShdw blurRad="12700" dist="38100" dir="2700000" algn="tl" rotWithShape="0">
-                    <a:schemeClr val="bg1">
-                      <a:lumMod val="50000"/>
-                    </a:schemeClr>
-                  </a:outerShdw>
-                </a:effectLst>
-              </a:rPr>
-              <a:t>の</a:t>
-            </a:r>
-            <a:r>
-              <a:rPr kumimoji="1" lang="ja-JP" altLang="en-US" sz="2400" b="1" dirty="0" smtClean="0">
-                <a:ln w="9525">
-                  <a:solidFill>
-                    <a:srgbClr val="FF0000"/>
-                  </a:solidFill>
-                  <a:prstDash val="solid"/>
-                </a:ln>
-                <a:solidFill>
-                  <a:srgbClr val="FF0000"/>
-                </a:solidFill>
-                <a:effectLst>
-                  <a:outerShdw blurRad="12700" dist="38100" dir="2700000" algn="tl" rotWithShape="0">
-                    <a:schemeClr val="bg1">
-                      <a:lumMod val="50000"/>
-                    </a:schemeClr>
-                  </a:outerShdw>
-                </a:effectLst>
-              </a:rPr>
-              <a:t>点数</a:t>
-            </a:r>
-            <a:endParaRPr kumimoji="1" lang="ja-JP" altLang="en-US" sz="2400" b="1" dirty="0">
-              <a:ln w="9525">
-                <a:solidFill>
-                  <a:srgbClr val="FF0000"/>
-                </a:solidFill>
-                <a:prstDash val="solid"/>
-              </a:ln>
-              <a:solidFill>
-                <a:srgbClr val="FF0000"/>
-              </a:solidFill>
-              <a:effectLst>
-                <a:outerShdw blurRad="12700" dist="38100" dir="2700000" algn="tl" rotWithShape="0">
-                  <a:schemeClr val="bg1">
-                    <a:lumMod val="50000"/>
-                  </a:schemeClr>
-                </a:outerShdw>
-              </a:effectLst>
-            </a:endParaRPr>
-          </a:p>
-        </p:txBody>
-      </p:sp>
-      <p:sp>
-        <p:nvSpPr>
-          <p:cNvPr id="26" name="テキスト ボックス 25"/>
-          <p:cNvSpPr txBox="1"/>
-          <p:nvPr/>
-        </p:nvSpPr>
-        <p:spPr>
-          <a:xfrm>
-            <a:off x="9170376" y="5525919"/>
-            <a:ext cx="1632438" cy="461665"/>
-          </a:xfrm>
-          <a:prstGeom prst="rect">
-            <a:avLst/>
-          </a:prstGeom>
-          <a:noFill/>
-        </p:spPr>
-        <p:txBody>
-          <a:bodyPr wrap="square" rtlCol="0">
-            <a:spAutoFit/>
-          </a:bodyPr>
-          <a:lstStyle/>
-          <a:p>
-            <a:r>
-              <a:rPr kumimoji="1" lang="ja-JP" altLang="en-US" sz="2400" b="1" dirty="0" smtClean="0">
-                <a:ln w="9525">
-                  <a:solidFill>
-                    <a:schemeClr val="tx1"/>
-                  </a:solidFill>
-                  <a:prstDash val="solid"/>
-                </a:ln>
-                <a:solidFill>
-                  <a:srgbClr val="FFFF00"/>
-                </a:solidFill>
-                <a:effectLst>
-                  <a:outerShdw blurRad="12700" dist="38100" dir="2700000" algn="tl" rotWithShape="0">
-                    <a:schemeClr val="bg1">
-                      <a:lumMod val="50000"/>
-                    </a:schemeClr>
-                  </a:outerShdw>
-                </a:effectLst>
-              </a:rPr>
-              <a:t>４</a:t>
-            </a:r>
-            <a:r>
-              <a:rPr kumimoji="1" lang="en-US" altLang="ja-JP" sz="2400" b="1" dirty="0" smtClean="0">
-                <a:ln w="9525">
-                  <a:solidFill>
-                    <a:schemeClr val="tx1"/>
-                  </a:solidFill>
-                  <a:prstDash val="solid"/>
-                </a:ln>
-                <a:solidFill>
-                  <a:srgbClr val="FFFF00"/>
-                </a:solidFill>
-                <a:effectLst>
-                  <a:outerShdw blurRad="12700" dist="38100" dir="2700000" algn="tl" rotWithShape="0">
-                    <a:schemeClr val="bg1">
-                      <a:lumMod val="50000"/>
-                    </a:schemeClr>
-                  </a:outerShdw>
-                </a:effectLst>
-              </a:rPr>
-              <a:t>P</a:t>
-            </a:r>
-            <a:r>
-              <a:rPr kumimoji="1" lang="ja-JP" altLang="en-US" sz="2400" b="1" dirty="0" smtClean="0">
-                <a:ln w="9525">
-                  <a:solidFill>
-                    <a:schemeClr val="tx1"/>
-                  </a:solidFill>
-                  <a:prstDash val="solid"/>
-                </a:ln>
-                <a:effectLst>
-                  <a:outerShdw blurRad="12700" dist="38100" dir="2700000" algn="tl" rotWithShape="0">
-                    <a:schemeClr val="bg1">
-                      <a:lumMod val="50000"/>
-                    </a:schemeClr>
-                  </a:outerShdw>
-                </a:effectLst>
-              </a:rPr>
-              <a:t>の</a:t>
-            </a:r>
-            <a:r>
-              <a:rPr kumimoji="1" lang="ja-JP" altLang="en-US" sz="2400" b="1" dirty="0" smtClean="0">
-                <a:ln w="9525">
-                  <a:solidFill>
-                    <a:srgbClr val="FF0000"/>
-                  </a:solidFill>
-                  <a:prstDash val="solid"/>
-                </a:ln>
-                <a:solidFill>
-                  <a:srgbClr val="FF0000"/>
-                </a:solidFill>
-                <a:effectLst>
-                  <a:outerShdw blurRad="12700" dist="38100" dir="2700000" algn="tl" rotWithShape="0">
-                    <a:schemeClr val="bg1">
-                      <a:lumMod val="50000"/>
-                    </a:schemeClr>
-                  </a:outerShdw>
-                </a:effectLst>
-              </a:rPr>
-              <a:t>点数</a:t>
-            </a:r>
-            <a:endParaRPr kumimoji="1" lang="ja-JP" altLang="en-US" sz="2400" b="1" dirty="0">
-              <a:ln w="9525">
-                <a:solidFill>
-                  <a:srgbClr val="FF0000"/>
-                </a:solidFill>
-                <a:prstDash val="solid"/>
-              </a:ln>
-              <a:solidFill>
-                <a:srgbClr val="FF0000"/>
-              </a:solidFill>
-              <a:effectLst>
-                <a:outerShdw blurRad="12700" dist="38100" dir="2700000" algn="tl" rotWithShape="0">
-                  <a:schemeClr val="bg1">
-                    <a:lumMod val="50000"/>
-                  </a:schemeClr>
-                </a:outerShdw>
-              </a:effectLst>
-            </a:endParaRPr>
-          </a:p>
-        </p:txBody>
-      </p:sp>
-      <p:sp>
-        <p:nvSpPr>
-          <p:cNvPr id="27" name="円形吹き出し 26"/>
-          <p:cNvSpPr/>
-          <p:nvPr/>
-        </p:nvSpPr>
-        <p:spPr>
-          <a:xfrm rot="1596153">
-            <a:off x="9257494" y="401886"/>
-            <a:ext cx="2898528" cy="1493900"/>
-          </a:xfrm>
-          <a:prstGeom prst="wedgeEllipseCallout">
-            <a:avLst/>
-          </a:prstGeom>
-          <a:solidFill>
-            <a:schemeClr val="bg1"/>
-          </a:solidFill>
-          <a:ln w="38100" cap="flat" cmpd="sng" algn="ctr">
+          <a:ln w="28575" cap="flat" cmpd="sng" algn="ctr">
             <a:solidFill>
-              <a:srgbClr val="FF0000"/>
+              <a:schemeClr val="accent2"/>
             </a:solidFill>
             <a:prstDash val="solid"/>
             <a:round/>
@@ -11574,7 +11405,7 @@
             <a:scrgbClr r="0" g="0" b="0"/>
           </a:effectRef>
           <a:fontRef idx="minor">
-            <a:schemeClr val="dk1"/>
+            <a:schemeClr val="accent2"/>
           </a:fontRef>
         </p:style>
         <p:txBody>
@@ -11588,21 +11419,19 @@
       </p:sp>
       <p:sp>
         <p:nvSpPr>
-          <p:cNvPr id="28" name="テキスト ボックス 27"/>
+          <p:cNvPr id="19" name="テキスト ボックス 18"/>
           <p:cNvSpPr txBox="1"/>
           <p:nvPr/>
         </p:nvSpPr>
         <p:spPr>
           <a:xfrm>
-            <a:off x="10082928" y="979550"/>
-            <a:ext cx="1512277" cy="461665"/>
-          </a:xfrm>
-          <a:prstGeom prst="rect">
-            <a:avLst/>
-          </a:prstGeom>
-          <a:solidFill>
-            <a:schemeClr val="bg1"/>
-          </a:solidFill>
+            <a:off x="3322201" y="5412427"/>
+            <a:ext cx="3811161" cy="923330"/>
+          </a:xfrm>
+          <a:prstGeom prst="rect">
+            <a:avLst/>
+          </a:prstGeom>
+          <a:noFill/>
         </p:spPr>
         <p:txBody>
           <a:bodyPr wrap="square" rtlCol="0">
@@ -11611,99 +11440,65 @@
           <a:lstStyle/>
           <a:p>
             <a:r>
-              <a:rPr kumimoji="1" lang="en-US" altLang="ja-JP" sz="2400" b="1" dirty="0" smtClean="0"/>
-              <a:t>UI</a:t>
-            </a:r>
-            <a:r>
-              <a:rPr kumimoji="1" lang="ja-JP" altLang="en-US" sz="2400" b="1" dirty="0" smtClean="0"/>
-              <a:t>の構成</a:t>
-            </a:r>
-            <a:endParaRPr kumimoji="1" lang="ja-JP" altLang="en-US" sz="2400" b="1" dirty="0"/>
-          </a:p>
-        </p:txBody>
-      </p:sp>
-      <p:sp>
-        <p:nvSpPr>
-          <p:cNvPr id="30" name="楕円 29"/>
-          <p:cNvSpPr/>
-          <p:nvPr/>
-        </p:nvSpPr>
-        <p:spPr>
-          <a:xfrm>
-            <a:off x="4626867" y="3185247"/>
-            <a:ext cx="2778531" cy="1051264"/>
-          </a:xfrm>
-          <a:prstGeom prst="ellipse">
-            <a:avLst/>
-          </a:prstGeom>
-          <a:noFill/>
-          <a:ln w="57150" cap="flat" cmpd="sng" algn="ctr">
-            <a:solidFill>
-              <a:srgbClr val="7030A0"/>
-            </a:solidFill>
-            <a:prstDash val="solid"/>
-            <a:round/>
-            <a:headEnd type="none" w="med" len="med"/>
-            <a:tailEnd type="none" w="med" len="med"/>
-          </a:ln>
-        </p:spPr>
-        <p:style>
-          <a:lnRef idx="0">
-            <a:scrgbClr r="0" g="0" b="0"/>
-          </a:lnRef>
-          <a:fillRef idx="0">
-            <a:scrgbClr r="0" g="0" b="0"/>
-          </a:fillRef>
-          <a:effectRef idx="0">
-            <a:scrgbClr r="0" g="0" b="0"/>
-          </a:effectRef>
-          <a:fontRef idx="minor">
-            <a:schemeClr val="accent5"/>
-          </a:fontRef>
-        </p:style>
-        <p:txBody>
-          <a:bodyPr rtlCol="0" anchor="ctr"/>
-          <a:lstStyle/>
-          <a:p>
-            <a:pPr algn="ctr"/>
-            <a:endParaRPr kumimoji="1" lang="ja-JP" altLang="en-US"/>
-          </a:p>
-        </p:txBody>
-      </p:sp>
-      <p:sp>
-        <p:nvSpPr>
-          <p:cNvPr id="31" name="テキスト ボックス 30"/>
-          <p:cNvSpPr txBox="1"/>
-          <p:nvPr/>
-        </p:nvSpPr>
-        <p:spPr>
-          <a:xfrm>
-            <a:off x="4639403" y="3503666"/>
-            <a:ext cx="2753458" cy="369332"/>
-          </a:xfrm>
-          <a:prstGeom prst="rect">
-            <a:avLst/>
-          </a:prstGeom>
-          <a:noFill/>
-        </p:spPr>
-        <p:txBody>
-          <a:bodyPr wrap="square" rtlCol="0">
-            <a:spAutoFit/>
-          </a:bodyPr>
-          <a:lstStyle/>
-          <a:p>
-            <a:r>
-              <a:rPr kumimoji="1" lang="ja-JP" altLang="en-US" b="1" u="sng" dirty="0" smtClean="0"/>
-              <a:t>タイマーが０になったら</a:t>
-            </a:r>
-            <a:endParaRPr kumimoji="1" lang="ja-JP" altLang="en-US" b="1" u="sng" dirty="0"/>
+              <a:rPr kumimoji="1" lang="ja-JP" altLang="en-US" dirty="0" smtClean="0"/>
+              <a:t>当たったプレイヤーの</a:t>
+            </a:r>
+            <a:r>
+              <a:rPr kumimoji="1" lang="ja-JP" altLang="en-US" dirty="0" smtClean="0">
+                <a:solidFill>
+                  <a:srgbClr val="FF0000"/>
+                </a:solidFill>
+              </a:rPr>
+              <a:t>アイテム</a:t>
+            </a:r>
+            <a:r>
+              <a:rPr lang="ja-JP" altLang="en-US" dirty="0">
+                <a:solidFill>
+                  <a:srgbClr val="FF0000"/>
+                </a:solidFill>
+              </a:rPr>
+              <a:t>欄</a:t>
+            </a:r>
+            <a:r>
+              <a:rPr lang="ja-JP" altLang="en-US" dirty="0" smtClean="0"/>
+              <a:t>に</a:t>
+            </a:r>
+            <a:r>
+              <a:rPr lang="ja-JP" altLang="en-US" dirty="0" smtClean="0">
+                <a:solidFill>
+                  <a:srgbClr val="00B050"/>
+                </a:solidFill>
+              </a:rPr>
+              <a:t>ランダム</a:t>
+            </a:r>
+            <a:r>
+              <a:rPr lang="ja-JP" altLang="en-US" dirty="0" smtClean="0"/>
+              <a:t>で生成した</a:t>
+            </a:r>
+            <a:r>
+              <a:rPr lang="ja-JP" altLang="en-US" dirty="0" smtClean="0">
+                <a:solidFill>
+                  <a:srgbClr val="FFC000"/>
+                </a:solidFill>
+              </a:rPr>
+              <a:t>アイテム</a:t>
+            </a:r>
+            <a:r>
+              <a:rPr lang="ja-JP" altLang="en-US" dirty="0" smtClean="0"/>
+              <a:t>を追加</a:t>
+            </a:r>
+            <a:r>
+              <a:rPr kumimoji="1" lang="ja-JP" altLang="en-US" dirty="0" smtClean="0"/>
+              <a:t>する</a:t>
+            </a:r>
+            <a:endParaRPr kumimoji="1" lang="ja-JP" altLang="en-US" dirty="0"/>
           </a:p>
         </p:txBody>
       </p:sp>
     </p:spTree>
     <p:extLst>
       <p:ext uri="{BB962C8B-B14F-4D97-AF65-F5344CB8AC3E}">
-        <p14:creationId xmlns:p14="http://schemas.microsoft.com/office/powerpoint/2010/main" val="656129118"/>
+        <p14:creationId xmlns:p14="http://schemas.microsoft.com/office/powerpoint/2010/main" val="1088521708"/>
       </p:ext>
     </p:extLst>
   </p:cSld>
@@ -12663,14 +12458,14 @@
       </p:grpSpPr>
       <p:sp>
         <p:nvSpPr>
-          <p:cNvPr id="7" name="正方形/長方形 6"/>
+          <p:cNvPr id="4" name="正方形/長方形 3"/>
           <p:cNvSpPr/>
           <p:nvPr/>
         </p:nvSpPr>
         <p:spPr>
           <a:xfrm>
-            <a:off x="817185" y="942109"/>
-            <a:ext cx="10155615" cy="5409363"/>
+            <a:off x="970087" y="901211"/>
+            <a:ext cx="10635760" cy="5653454"/>
           </a:xfrm>
           <a:prstGeom prst="rect">
             <a:avLst/>
@@ -12703,205 +12498,478 @@
       </p:sp>
       <p:sp>
         <p:nvSpPr>
-          <p:cNvPr id="2" name="正方形/長方形 1"/>
+          <p:cNvPr id="5" name="片側の 2 つの角を切り取った四角形 4"/>
           <p:cNvSpPr/>
           <p:nvPr/>
         </p:nvSpPr>
         <p:spPr>
           <a:xfrm>
-            <a:off x="651778" y="568448"/>
-            <a:ext cx="5570756" cy="523220"/>
-          </a:xfrm>
-          <a:prstGeom prst="rect">
-            <a:avLst/>
-          </a:prstGeom>
-          <a:solidFill>
-            <a:schemeClr val="bg1"/>
-          </a:solidFill>
-          <a:ln w="19050">
+            <a:off x="905607" y="575896"/>
+            <a:ext cx="2963008" cy="650630"/>
+          </a:xfrm>
+          <a:prstGeom prst="snip2SameRect">
+            <a:avLst/>
+          </a:prstGeom>
+        </p:spPr>
+        <p:style>
+          <a:lnRef idx="2">
+            <a:schemeClr val="accent2">
+              <a:shade val="50000"/>
+            </a:schemeClr>
+          </a:lnRef>
+          <a:fillRef idx="1">
+            <a:schemeClr val="accent2"/>
+          </a:fillRef>
+          <a:effectRef idx="0">
+            <a:schemeClr val="accent2"/>
+          </a:effectRef>
+          <a:fontRef idx="minor">
+            <a:schemeClr val="lt1"/>
+          </a:fontRef>
+        </p:style>
+        <p:txBody>
+          <a:bodyPr rtlCol="0" anchor="ctr"/>
+          <a:lstStyle/>
+          <a:p>
+            <a:pPr algn="ctr"/>
+            <a:endParaRPr kumimoji="1" lang="ja-JP" altLang="en-US"/>
+          </a:p>
+        </p:txBody>
+      </p:sp>
+      <p:sp>
+        <p:nvSpPr>
+          <p:cNvPr id="6" name="テキスト ボックス 5"/>
+          <p:cNvSpPr txBox="1"/>
+          <p:nvPr/>
+        </p:nvSpPr>
+        <p:spPr>
+          <a:xfrm>
+            <a:off x="1005256" y="685876"/>
+            <a:ext cx="2634759" cy="523220"/>
+          </a:xfrm>
+          <a:prstGeom prst="rect">
+            <a:avLst/>
+          </a:prstGeom>
+          <a:noFill/>
+        </p:spPr>
+        <p:txBody>
+          <a:bodyPr wrap="square" rtlCol="0">
+            <a:spAutoFit/>
+          </a:bodyPr>
+          <a:lstStyle/>
+          <a:p>
+            <a:pPr algn="ctr"/>
+            <a:r>
+              <a:rPr kumimoji="1" lang="ja-JP" altLang="en-US" sz="2800" b="1" dirty="0" smtClean="0">
+                <a:solidFill>
+                  <a:schemeClr val="bg2"/>
+                </a:solidFill>
+              </a:rPr>
+              <a:t>１つの場合</a:t>
+            </a:r>
+            <a:endParaRPr kumimoji="1" lang="ja-JP" altLang="en-US" sz="2800" b="1" dirty="0">
+              <a:solidFill>
+                <a:schemeClr val="bg2"/>
+              </a:solidFill>
+            </a:endParaRPr>
+          </a:p>
+        </p:txBody>
+      </p:sp>
+      <p:sp>
+        <p:nvSpPr>
+          <p:cNvPr id="7" name="正方形/長方形 6"/>
+          <p:cNvSpPr/>
+          <p:nvPr/>
+        </p:nvSpPr>
+        <p:spPr>
+          <a:xfrm>
+            <a:off x="4554414" y="480564"/>
+            <a:ext cx="3622432" cy="699047"/>
+          </a:xfrm>
+          <a:prstGeom prst="rect">
+            <a:avLst/>
+          </a:prstGeom>
+        </p:spPr>
+        <p:style>
+          <a:lnRef idx="2">
+            <a:schemeClr val="dk1"/>
+          </a:lnRef>
+          <a:fillRef idx="1">
+            <a:schemeClr val="lt1"/>
+          </a:fillRef>
+          <a:effectRef idx="0">
+            <a:schemeClr val="dk1"/>
+          </a:effectRef>
+          <a:fontRef idx="minor">
+            <a:schemeClr val="dk1"/>
+          </a:fontRef>
+        </p:style>
+        <p:txBody>
+          <a:bodyPr rtlCol="0" anchor="ctr"/>
+          <a:lstStyle/>
+          <a:p>
+            <a:pPr algn="ctr"/>
+            <a:endParaRPr kumimoji="1" lang="ja-JP" altLang="en-US"/>
+          </a:p>
+        </p:txBody>
+      </p:sp>
+      <p:sp>
+        <p:nvSpPr>
+          <p:cNvPr id="9" name="テキスト ボックス 8"/>
+          <p:cNvSpPr txBox="1"/>
+          <p:nvPr/>
+        </p:nvSpPr>
+        <p:spPr>
+          <a:xfrm>
+            <a:off x="4503128" y="625618"/>
+            <a:ext cx="3569677" cy="523220"/>
+          </a:xfrm>
+          <a:prstGeom prst="rect">
+            <a:avLst/>
+          </a:prstGeom>
+          <a:noFill/>
+        </p:spPr>
+        <p:txBody>
+          <a:bodyPr wrap="square" rtlCol="0">
+            <a:spAutoFit/>
+          </a:bodyPr>
+          <a:lstStyle/>
+          <a:p>
+            <a:pPr algn="ctr"/>
+            <a:r>
+              <a:rPr lang="ja-JP" altLang="en-US" sz="2800" b="1" dirty="0" smtClean="0"/>
+              <a:t>ゲーム画面</a:t>
+            </a:r>
+            <a:endParaRPr kumimoji="1" lang="ja-JP" altLang="en-US" sz="2800" b="1" dirty="0"/>
+          </a:p>
+        </p:txBody>
+      </p:sp>
+      <p:sp>
+        <p:nvSpPr>
+          <p:cNvPr id="12" name="フローチャート: 処理 11"/>
+          <p:cNvSpPr/>
+          <p:nvPr/>
+        </p:nvSpPr>
+        <p:spPr>
+          <a:xfrm>
+            <a:off x="4503128" y="1504926"/>
+            <a:ext cx="3050931" cy="852854"/>
+          </a:xfrm>
+          <a:prstGeom prst="flowChartProcess">
+            <a:avLst/>
+          </a:prstGeom>
+          <a:noFill/>
+          <a:ln w="38100" cap="flat" cmpd="sng" algn="ctr">
+            <a:solidFill>
+              <a:schemeClr val="dk1"/>
+            </a:solidFill>
+            <a:prstDash val="solid"/>
+            <a:round/>
+            <a:headEnd type="none" w="med" len="med"/>
+            <a:tailEnd type="none" w="med" len="med"/>
+          </a:ln>
+        </p:spPr>
+        <p:style>
+          <a:lnRef idx="0">
+            <a:scrgbClr r="0" g="0" b="0"/>
+          </a:lnRef>
+          <a:fillRef idx="0">
+            <a:scrgbClr r="0" g="0" b="0"/>
+          </a:fillRef>
+          <a:effectRef idx="0">
+            <a:scrgbClr r="0" g="0" b="0"/>
+          </a:effectRef>
+          <a:fontRef idx="minor">
+            <a:schemeClr val="dk1"/>
+          </a:fontRef>
+        </p:style>
+        <p:txBody>
+          <a:bodyPr rtlCol="0" anchor="ctr"/>
+          <a:lstStyle/>
+          <a:p>
+            <a:pPr algn="ctr"/>
+            <a:endParaRPr kumimoji="1" lang="ja-JP" altLang="en-US"/>
+          </a:p>
+        </p:txBody>
+      </p:sp>
+      <p:sp>
+        <p:nvSpPr>
+          <p:cNvPr id="13" name="フローチャート: 処理 12"/>
+          <p:cNvSpPr/>
+          <p:nvPr/>
+        </p:nvSpPr>
+        <p:spPr>
+          <a:xfrm>
+            <a:off x="1789234" y="5323719"/>
+            <a:ext cx="1727689" cy="866066"/>
+          </a:xfrm>
+          <a:prstGeom prst="flowChartProcess">
+            <a:avLst/>
+          </a:prstGeom>
+          <a:noFill/>
+          <a:ln w="28575" cap="flat" cmpd="sng" algn="ctr">
+            <a:solidFill>
+              <a:schemeClr val="accent1"/>
+            </a:solidFill>
+            <a:prstDash val="solid"/>
+            <a:round/>
+            <a:headEnd type="none" w="med" len="med"/>
+            <a:tailEnd type="none" w="med" len="med"/>
+          </a:ln>
+        </p:spPr>
+        <p:style>
+          <a:lnRef idx="0">
+            <a:scrgbClr r="0" g="0" b="0"/>
+          </a:lnRef>
+          <a:fillRef idx="0">
+            <a:scrgbClr r="0" g="0" b="0"/>
+          </a:fillRef>
+          <a:effectRef idx="0">
+            <a:scrgbClr r="0" g="0" b="0"/>
+          </a:effectRef>
+          <a:fontRef idx="minor">
+            <a:schemeClr val="accent1"/>
+          </a:fontRef>
+        </p:style>
+        <p:txBody>
+          <a:bodyPr rtlCol="0" anchor="ctr"/>
+          <a:lstStyle/>
+          <a:p>
+            <a:pPr algn="ctr"/>
+            <a:endParaRPr kumimoji="1" lang="ja-JP" altLang="en-US" b="1" dirty="0"/>
+          </a:p>
+        </p:txBody>
+      </p:sp>
+      <p:sp>
+        <p:nvSpPr>
+          <p:cNvPr id="14" name="フローチャート: 処理 13"/>
+          <p:cNvSpPr/>
+          <p:nvPr/>
+        </p:nvSpPr>
+        <p:spPr>
+          <a:xfrm>
+            <a:off x="4336070" y="5323719"/>
+            <a:ext cx="1727689" cy="866066"/>
+          </a:xfrm>
+          <a:prstGeom prst="flowChartProcess">
+            <a:avLst/>
+          </a:prstGeom>
+          <a:noFill/>
+          <a:ln w="38100">
+            <a:solidFill>
+              <a:srgbClr val="FF0000"/>
+            </a:solidFill>
+          </a:ln>
+        </p:spPr>
+        <p:style>
+          <a:lnRef idx="2">
+            <a:schemeClr val="accent1">
+              <a:shade val="50000"/>
+            </a:schemeClr>
+          </a:lnRef>
+          <a:fillRef idx="1">
+            <a:schemeClr val="accent1"/>
+          </a:fillRef>
+          <a:effectRef idx="0">
+            <a:schemeClr val="accent1"/>
+          </a:effectRef>
+          <a:fontRef idx="minor">
+            <a:schemeClr val="lt1"/>
+          </a:fontRef>
+        </p:style>
+        <p:txBody>
+          <a:bodyPr rtlCol="0" anchor="ctr"/>
+          <a:lstStyle/>
+          <a:p>
+            <a:pPr algn="ctr"/>
+            <a:endParaRPr kumimoji="1" lang="ja-JP" altLang="en-US" b="1" dirty="0"/>
+          </a:p>
+        </p:txBody>
+      </p:sp>
+      <p:sp>
+        <p:nvSpPr>
+          <p:cNvPr id="15" name="フローチャート: 処理 14"/>
+          <p:cNvSpPr/>
+          <p:nvPr/>
+        </p:nvSpPr>
+        <p:spPr>
+          <a:xfrm>
+            <a:off x="6882906" y="5312324"/>
+            <a:ext cx="1727689" cy="866066"/>
+          </a:xfrm>
+          <a:prstGeom prst="flowChartProcess">
+            <a:avLst/>
+          </a:prstGeom>
+          <a:noFill/>
+          <a:ln w="38100" cap="flat" cmpd="sng" algn="ctr">
+            <a:solidFill>
+              <a:schemeClr val="accent6"/>
+            </a:solidFill>
+            <a:prstDash val="solid"/>
+            <a:round/>
+            <a:headEnd type="none" w="med" len="med"/>
+            <a:tailEnd type="none" w="med" len="med"/>
+          </a:ln>
+        </p:spPr>
+        <p:style>
+          <a:lnRef idx="0">
+            <a:scrgbClr r="0" g="0" b="0"/>
+          </a:lnRef>
+          <a:fillRef idx="0">
+            <a:scrgbClr r="0" g="0" b="0"/>
+          </a:fillRef>
+          <a:effectRef idx="0">
+            <a:scrgbClr r="0" g="0" b="0"/>
+          </a:effectRef>
+          <a:fontRef idx="minor">
+            <a:schemeClr val="accent6"/>
+          </a:fontRef>
+        </p:style>
+        <p:txBody>
+          <a:bodyPr rtlCol="0" anchor="ctr"/>
+          <a:lstStyle/>
+          <a:p>
+            <a:pPr algn="ctr"/>
+            <a:endParaRPr kumimoji="1" lang="ja-JP" altLang="en-US" b="1" dirty="0"/>
+          </a:p>
+        </p:txBody>
+      </p:sp>
+      <p:sp>
+        <p:nvSpPr>
+          <p:cNvPr id="16" name="フローチャート: 処理 15"/>
+          <p:cNvSpPr/>
+          <p:nvPr/>
+        </p:nvSpPr>
+        <p:spPr>
+          <a:xfrm>
+            <a:off x="9107365" y="5323719"/>
+            <a:ext cx="1727689" cy="866066"/>
+          </a:xfrm>
+          <a:prstGeom prst="flowChartProcess">
+            <a:avLst/>
+          </a:prstGeom>
+          <a:noFill/>
+          <a:ln w="38100">
+            <a:solidFill>
+              <a:schemeClr val="accent4"/>
+            </a:solidFill>
+          </a:ln>
+        </p:spPr>
+        <p:style>
+          <a:lnRef idx="2">
+            <a:schemeClr val="accent1">
+              <a:shade val="50000"/>
+            </a:schemeClr>
+          </a:lnRef>
+          <a:fillRef idx="1">
+            <a:schemeClr val="accent1"/>
+          </a:fillRef>
+          <a:effectRef idx="0">
+            <a:schemeClr val="accent1"/>
+          </a:effectRef>
+          <a:fontRef idx="minor">
+            <a:schemeClr val="lt1"/>
+          </a:fontRef>
+        </p:style>
+        <p:txBody>
+          <a:bodyPr rtlCol="0" anchor="ctr"/>
+          <a:lstStyle/>
+          <a:p>
+            <a:pPr algn="ctr"/>
+            <a:endParaRPr kumimoji="1" lang="ja-JP" altLang="en-US" b="1" dirty="0"/>
+          </a:p>
+        </p:txBody>
+      </p:sp>
+      <p:sp>
+        <p:nvSpPr>
+          <p:cNvPr id="17" name="テキスト ボックス 16"/>
+          <p:cNvSpPr txBox="1"/>
+          <p:nvPr/>
+        </p:nvSpPr>
+        <p:spPr>
+          <a:xfrm>
+            <a:off x="5476137" y="1746687"/>
+            <a:ext cx="1406769" cy="369332"/>
+          </a:xfrm>
+          <a:prstGeom prst="rect">
+            <a:avLst/>
+          </a:prstGeom>
+          <a:noFill/>
+        </p:spPr>
+        <p:txBody>
+          <a:bodyPr wrap="square" rtlCol="0">
+            <a:spAutoFit/>
+          </a:bodyPr>
+          <a:lstStyle/>
+          <a:p>
+            <a:pPr algn="ctr"/>
+            <a:r>
+              <a:rPr kumimoji="1" lang="ja-JP" altLang="en-US" dirty="0" smtClean="0"/>
+              <a:t>タイマー</a:t>
+            </a:r>
+            <a:endParaRPr kumimoji="1" lang="ja-JP" altLang="en-US" dirty="0"/>
+          </a:p>
+        </p:txBody>
+      </p:sp>
+      <p:sp>
+        <p:nvSpPr>
+          <p:cNvPr id="18" name="楕円 17"/>
+          <p:cNvSpPr/>
+          <p:nvPr/>
+        </p:nvSpPr>
+        <p:spPr>
+          <a:xfrm>
+            <a:off x="4744907" y="1600258"/>
+            <a:ext cx="731230" cy="629276"/>
+          </a:xfrm>
+          <a:prstGeom prst="ellipse">
+            <a:avLst/>
+          </a:prstGeom>
+          <a:noFill/>
+          <a:ln w="57150">
             <a:solidFill>
               <a:schemeClr val="tx1"/>
             </a:solidFill>
           </a:ln>
         </p:spPr>
-        <p:txBody>
-          <a:bodyPr wrap="none">
-            <a:spAutoFit/>
-          </a:bodyPr>
-          <a:lstStyle/>
-          <a:p>
-            <a:r>
-              <a:rPr lang="ja-JP" altLang="en-US" sz="2800" b="1" dirty="0"/>
-              <a:t>タイマー</a:t>
-            </a:r>
-            <a:r>
-              <a:rPr lang="ja-JP" altLang="en-US" sz="2800" b="1" dirty="0" smtClean="0"/>
-              <a:t>が１０以下になった場合</a:t>
-            </a:r>
-            <a:endParaRPr lang="ja-JP" altLang="en-US" sz="2800" b="1" dirty="0"/>
-          </a:p>
-        </p:txBody>
-      </p:sp>
-      <p:sp>
-        <p:nvSpPr>
-          <p:cNvPr id="3" name="テキスト ボックス 2"/>
-          <p:cNvSpPr txBox="1"/>
-          <p:nvPr/>
-        </p:nvSpPr>
-        <p:spPr>
-          <a:xfrm>
-            <a:off x="990482" y="1662263"/>
-            <a:ext cx="4154834" cy="523220"/>
-          </a:xfrm>
-          <a:prstGeom prst="rect">
-            <a:avLst/>
-          </a:prstGeom>
-          <a:noFill/>
-        </p:spPr>
-        <p:txBody>
-          <a:bodyPr wrap="square" rtlCol="0">
-            <a:spAutoFit/>
-          </a:bodyPr>
-          <a:lstStyle/>
-          <a:p>
-            <a:r>
-              <a:rPr lang="ja-JP" altLang="en-US" dirty="0" smtClean="0"/>
-              <a:t>・</a:t>
-            </a:r>
-            <a:r>
-              <a:rPr lang="ja-JP" altLang="en-US" sz="2800" b="1" dirty="0" smtClean="0">
-                <a:solidFill>
-                  <a:srgbClr val="FF0000"/>
-                </a:solidFill>
-              </a:rPr>
-              <a:t>赤色</a:t>
-            </a:r>
-            <a:r>
-              <a:rPr lang="ja-JP" altLang="en-US" sz="2800" b="1" dirty="0" smtClean="0"/>
-              <a:t>にする</a:t>
-            </a:r>
-            <a:endParaRPr lang="en-US" altLang="ja-JP" sz="2800" b="1" dirty="0" smtClean="0"/>
-          </a:p>
-        </p:txBody>
-      </p:sp>
-      <p:sp>
-        <p:nvSpPr>
-          <p:cNvPr id="8" name="テキスト ボックス 7"/>
-          <p:cNvSpPr txBox="1"/>
-          <p:nvPr/>
-        </p:nvSpPr>
-        <p:spPr>
-          <a:xfrm>
-            <a:off x="990481" y="2420610"/>
-            <a:ext cx="9335773" cy="892552"/>
-          </a:xfrm>
-          <a:prstGeom prst="rect">
-            <a:avLst/>
-          </a:prstGeom>
-          <a:noFill/>
-        </p:spPr>
-        <p:txBody>
-          <a:bodyPr wrap="square" rtlCol="0">
-            <a:spAutoFit/>
-          </a:bodyPr>
-          <a:lstStyle/>
-          <a:p>
-            <a:r>
-              <a:rPr lang="ja-JP" altLang="en-US" sz="2400" dirty="0" smtClean="0"/>
-              <a:t>・</a:t>
-            </a:r>
-            <a:r>
-              <a:rPr lang="en-US" altLang="ja-JP" sz="2400" b="1" dirty="0"/>
-              <a:t> </a:t>
-            </a:r>
-            <a:r>
-              <a:rPr lang="en-US" altLang="ja-JP" sz="2400" b="1" dirty="0" smtClean="0"/>
-              <a:t>UI</a:t>
-            </a:r>
-            <a:r>
-              <a:rPr lang="ja-JP" altLang="en-US" sz="2400" b="1" dirty="0" smtClean="0"/>
-              <a:t>と数値を拡大させるもとに戻す（</a:t>
-            </a:r>
-            <a:r>
-              <a:rPr lang="ja-JP" altLang="en-US" sz="2800" b="1" dirty="0" smtClean="0"/>
-              <a:t>タイマーが</a:t>
-            </a:r>
-            <a:r>
-              <a:rPr lang="ja-JP" altLang="en-US" sz="2400" b="1" dirty="0" smtClean="0"/>
-              <a:t>０になるまで繰り返す</a:t>
-            </a:r>
-            <a:r>
-              <a:rPr lang="ja-JP" altLang="en-US" sz="2200" b="1" dirty="0" smtClean="0"/>
-              <a:t>）</a:t>
-            </a:r>
-            <a:endParaRPr lang="en-US" altLang="ja-JP" sz="2200" b="1" dirty="0" smtClean="0"/>
-          </a:p>
-        </p:txBody>
-      </p:sp>
-      <p:pic>
-        <p:nvPicPr>
-          <p:cNvPr id="10" name="図 9"/>
-          <p:cNvPicPr>
-            <a:picLocks noChangeAspect="1"/>
-          </p:cNvPicPr>
-          <p:nvPr/>
-        </p:nvPicPr>
-        <p:blipFill>
-          <a:blip r:embed="rId2"/>
-          <a:stretch>
-            <a:fillRect/>
-          </a:stretch>
-        </p:blipFill>
-        <p:spPr>
-          <a:xfrm>
-            <a:off x="1092081" y="3554631"/>
-            <a:ext cx="2454682" cy="999755"/>
-          </a:xfrm>
-          <a:prstGeom prst="rect">
-            <a:avLst/>
-          </a:prstGeom>
-        </p:spPr>
-      </p:pic>
-      <p:pic>
-        <p:nvPicPr>
-          <p:cNvPr id="11" name="図 10"/>
-          <p:cNvPicPr>
-            <a:picLocks noChangeAspect="1"/>
-          </p:cNvPicPr>
-          <p:nvPr/>
-        </p:nvPicPr>
-        <p:blipFill>
-          <a:blip r:embed="rId3"/>
-          <a:stretch>
-            <a:fillRect/>
-          </a:stretch>
-        </p:blipFill>
-        <p:spPr>
-          <a:xfrm>
-            <a:off x="4620142" y="3663984"/>
-            <a:ext cx="2076450" cy="781050"/>
-          </a:xfrm>
-          <a:prstGeom prst="rect">
-            <a:avLst/>
-          </a:prstGeom>
-        </p:spPr>
-      </p:pic>
-      <p:sp>
-        <p:nvSpPr>
-          <p:cNvPr id="12" name="右矢印 11"/>
+        <p:style>
+          <a:lnRef idx="2">
+            <a:schemeClr val="accent1">
+              <a:shade val="50000"/>
+            </a:schemeClr>
+          </a:lnRef>
+          <a:fillRef idx="1">
+            <a:schemeClr val="accent1"/>
+          </a:fillRef>
+          <a:effectRef idx="0">
+            <a:schemeClr val="accent1"/>
+          </a:effectRef>
+          <a:fontRef idx="minor">
+            <a:schemeClr val="lt1"/>
+          </a:fontRef>
+        </p:style>
+        <p:txBody>
+          <a:bodyPr rtlCol="0" anchor="ctr"/>
+          <a:lstStyle/>
+          <a:p>
+            <a:pPr algn="ctr"/>
+            <a:endParaRPr kumimoji="1" lang="ja-JP" altLang="en-US"/>
+          </a:p>
+        </p:txBody>
+      </p:sp>
+      <p:sp>
+        <p:nvSpPr>
+          <p:cNvPr id="19" name="正方形/長方形 18"/>
           <p:cNvSpPr/>
           <p:nvPr/>
         </p:nvSpPr>
         <p:spPr>
-          <a:xfrm>
-            <a:off x="3712170" y="3851308"/>
-            <a:ext cx="727482" cy="406400"/>
-          </a:xfrm>
-          <a:prstGeom prst="rightArrow">
-            <a:avLst>
-              <a:gd name="adj1" fmla="val 50000"/>
-              <a:gd name="adj2" fmla="val 72727"/>
-            </a:avLst>
+          <a:xfrm rot="5400000">
+            <a:off x="4961966" y="1707304"/>
+            <a:ext cx="243259" cy="78766"/>
+          </a:xfrm>
+          <a:prstGeom prst="rect">
+            <a:avLst/>
           </a:prstGeom>
         </p:spPr>
         <p:style>
@@ -12931,14 +12999,54 @@
       </p:sp>
       <p:sp>
         <p:nvSpPr>
-          <p:cNvPr id="13" name="テキスト ボックス 12"/>
+          <p:cNvPr id="20" name="正方形/長方形 19"/>
+          <p:cNvSpPr/>
+          <p:nvPr/>
+        </p:nvSpPr>
+        <p:spPr>
+          <a:xfrm rot="10800000">
+            <a:off x="5122978" y="1868317"/>
+            <a:ext cx="320918" cy="78594"/>
+          </a:xfrm>
+          <a:prstGeom prst="rect">
+            <a:avLst/>
+          </a:prstGeom>
+        </p:spPr>
+        <p:style>
+          <a:lnRef idx="2">
+            <a:schemeClr val="dk1">
+              <a:shade val="50000"/>
+            </a:schemeClr>
+          </a:lnRef>
+          <a:fillRef idx="1">
+            <a:schemeClr val="dk1"/>
+          </a:fillRef>
+          <a:effectRef idx="0">
+            <a:schemeClr val="dk1"/>
+          </a:effectRef>
+          <a:fontRef idx="minor">
+            <a:schemeClr val="lt1"/>
+          </a:fontRef>
+        </p:style>
+        <p:txBody>
+          <a:bodyPr rtlCol="0" anchor="ctr"/>
+          <a:lstStyle/>
+          <a:p>
+            <a:pPr algn="ctr"/>
+            <a:endParaRPr kumimoji="1" lang="ja-JP" altLang="en-US"/>
+          </a:p>
+        </p:txBody>
+      </p:sp>
+      <p:sp>
+        <p:nvSpPr>
+          <p:cNvPr id="21" name="テキスト ボックス 20"/>
           <p:cNvSpPr txBox="1"/>
           <p:nvPr/>
         </p:nvSpPr>
         <p:spPr>
           <a:xfrm>
-            <a:off x="1036662" y="4642104"/>
-            <a:ext cx="2620089" cy="400110"/>
+            <a:off x="1836859" y="5525919"/>
+            <a:ext cx="1632438" cy="461665"/>
           </a:xfrm>
           <a:prstGeom prst="rect">
             <a:avLst/>
@@ -12951,25 +13059,118 @@
           </a:bodyPr>
           <a:lstStyle/>
           <a:p>
-            <a:pPr algn="ctr"/>
-            <a:r>
-              <a:rPr kumimoji="1" lang="ja-JP" altLang="en-US" sz="2000" dirty="0" smtClean="0"/>
-              <a:t>大きくなっている図</a:t>
-            </a:r>
-            <a:endParaRPr kumimoji="1" lang="ja-JP" altLang="en-US" sz="2000" dirty="0"/>
-          </a:p>
-        </p:txBody>
-      </p:sp>
-      <p:sp>
-        <p:nvSpPr>
-          <p:cNvPr id="14" name="テキスト ボックス 13"/>
+            <a:r>
+              <a:rPr kumimoji="1" lang="ja-JP" altLang="en-US" sz="2400" b="1" dirty="0" smtClean="0">
+                <a:ln w="9525">
+                  <a:solidFill>
+                    <a:schemeClr val="tx1"/>
+                  </a:solidFill>
+                  <a:prstDash val="solid"/>
+                </a:ln>
+                <a:solidFill>
+                  <a:srgbClr val="00B0F0"/>
+                </a:solidFill>
+                <a:effectLst>
+                  <a:outerShdw blurRad="12700" dist="38100" dir="2700000" algn="tl" rotWithShape="0">
+                    <a:schemeClr val="bg1">
+                      <a:lumMod val="50000"/>
+                    </a:schemeClr>
+                  </a:outerShdw>
+                </a:effectLst>
+              </a:rPr>
+              <a:t>１</a:t>
+            </a:r>
+            <a:r>
+              <a:rPr kumimoji="1" lang="en-US" altLang="ja-JP" sz="2400" b="1" dirty="0" smtClean="0">
+                <a:ln w="9525">
+                  <a:solidFill>
+                    <a:schemeClr val="tx1"/>
+                  </a:solidFill>
+                  <a:prstDash val="solid"/>
+                </a:ln>
+                <a:solidFill>
+                  <a:srgbClr val="00B0F0"/>
+                </a:solidFill>
+                <a:effectLst>
+                  <a:outerShdw blurRad="12700" dist="38100" dir="2700000" algn="tl" rotWithShape="0">
+                    <a:schemeClr val="bg1">
+                      <a:lumMod val="50000"/>
+                    </a:schemeClr>
+                  </a:outerShdw>
+                </a:effectLst>
+              </a:rPr>
+              <a:t>P</a:t>
+            </a:r>
+            <a:r>
+              <a:rPr kumimoji="1" lang="ja-JP" altLang="en-US" sz="2400" b="1" dirty="0" smtClean="0">
+                <a:ln w="9525">
+                  <a:solidFill>
+                    <a:schemeClr val="tx1"/>
+                  </a:solidFill>
+                  <a:prstDash val="solid"/>
+                </a:ln>
+                <a:effectLst>
+                  <a:outerShdw blurRad="12700" dist="38100" dir="2700000" algn="tl" rotWithShape="0">
+                    <a:schemeClr val="bg1">
+                      <a:lumMod val="50000"/>
+                    </a:schemeClr>
+                  </a:outerShdw>
+                </a:effectLst>
+              </a:rPr>
+              <a:t>の</a:t>
+            </a:r>
+            <a:r>
+              <a:rPr kumimoji="1" lang="ja-JP" altLang="en-US" sz="2400" b="1" dirty="0" smtClean="0">
+                <a:ln w="9525">
+                  <a:solidFill>
+                    <a:srgbClr val="FF0000"/>
+                  </a:solidFill>
+                  <a:prstDash val="solid"/>
+                </a:ln>
+                <a:solidFill>
+                  <a:srgbClr val="FF0000"/>
+                </a:solidFill>
+                <a:effectLst>
+                  <a:outerShdw blurRad="12700" dist="38100" dir="2700000" algn="tl" rotWithShape="0">
+                    <a:schemeClr val="bg1">
+                      <a:lumMod val="50000"/>
+                    </a:schemeClr>
+                  </a:outerShdw>
+                </a:effectLst>
+              </a:rPr>
+              <a:t>点数</a:t>
+            </a:r>
+            <a:endParaRPr kumimoji="1" lang="ja-JP" altLang="en-US" sz="2400" b="1" dirty="0">
+              <a:ln w="9525">
+                <a:solidFill>
+                  <a:srgbClr val="FF0000"/>
+                </a:solidFill>
+                <a:prstDash val="solid"/>
+              </a:ln>
+              <a:solidFill>
+                <a:srgbClr val="FF0000"/>
+              </a:solidFill>
+              <a:effectLst>
+                <a:outerShdw blurRad="12700" dist="38100" dir="2700000" algn="tl" rotWithShape="0">
+                  <a:schemeClr val="bg1">
+                    <a:lumMod val="50000"/>
+                  </a:schemeClr>
+                </a:outerShdw>
+              </a:effectLst>
+            </a:endParaRPr>
+          </a:p>
+        </p:txBody>
+      </p:sp>
+      <p:sp>
+        <p:nvSpPr>
+          <p:cNvPr id="23" name="テキスト ボックス 22"/>
           <p:cNvSpPr txBox="1"/>
           <p:nvPr/>
         </p:nvSpPr>
         <p:spPr>
           <a:xfrm>
-            <a:off x="4431026" y="4518122"/>
-            <a:ext cx="2454682" cy="369332"/>
+            <a:off x="4383695" y="5525919"/>
+            <a:ext cx="1632438" cy="461665"/>
           </a:xfrm>
           <a:prstGeom prst="rect">
             <a:avLst/>
@@ -12982,19 +13183,524 @@
           </a:bodyPr>
           <a:lstStyle/>
           <a:p>
-            <a:pPr algn="ctr"/>
-            <a:r>
-              <a:rPr kumimoji="1" lang="ja-JP" altLang="en-US" dirty="0" smtClean="0"/>
-              <a:t>小さくなっている図</a:t>
-            </a:r>
-            <a:endParaRPr kumimoji="1" lang="ja-JP" altLang="en-US" dirty="0"/>
+            <a:r>
+              <a:rPr kumimoji="1" lang="ja-JP" altLang="en-US" sz="2400" b="1" dirty="0" smtClean="0">
+                <a:ln w="9525">
+                  <a:solidFill>
+                    <a:schemeClr val="tx1"/>
+                  </a:solidFill>
+                  <a:prstDash val="solid"/>
+                </a:ln>
+                <a:solidFill>
+                  <a:srgbClr val="FF0000"/>
+                </a:solidFill>
+                <a:effectLst>
+                  <a:outerShdw blurRad="12700" dist="38100" dir="2700000" algn="tl" rotWithShape="0">
+                    <a:schemeClr val="bg1">
+                      <a:lumMod val="50000"/>
+                    </a:schemeClr>
+                  </a:outerShdw>
+                </a:effectLst>
+              </a:rPr>
+              <a:t>２</a:t>
+            </a:r>
+            <a:r>
+              <a:rPr kumimoji="1" lang="en-US" altLang="ja-JP" sz="2400" b="1" dirty="0" smtClean="0">
+                <a:ln w="9525">
+                  <a:solidFill>
+                    <a:schemeClr val="tx1"/>
+                  </a:solidFill>
+                  <a:prstDash val="solid"/>
+                </a:ln>
+                <a:solidFill>
+                  <a:srgbClr val="FF0000"/>
+                </a:solidFill>
+                <a:effectLst>
+                  <a:outerShdw blurRad="12700" dist="38100" dir="2700000" algn="tl" rotWithShape="0">
+                    <a:schemeClr val="bg1">
+                      <a:lumMod val="50000"/>
+                    </a:schemeClr>
+                  </a:outerShdw>
+                </a:effectLst>
+              </a:rPr>
+              <a:t>P</a:t>
+            </a:r>
+            <a:r>
+              <a:rPr kumimoji="1" lang="ja-JP" altLang="en-US" sz="2400" b="1" dirty="0" smtClean="0">
+                <a:ln w="9525">
+                  <a:solidFill>
+                    <a:schemeClr val="tx1"/>
+                  </a:solidFill>
+                  <a:prstDash val="solid"/>
+                </a:ln>
+                <a:effectLst>
+                  <a:outerShdw blurRad="12700" dist="38100" dir="2700000" algn="tl" rotWithShape="0">
+                    <a:schemeClr val="bg1">
+                      <a:lumMod val="50000"/>
+                    </a:schemeClr>
+                  </a:outerShdw>
+                </a:effectLst>
+              </a:rPr>
+              <a:t>の</a:t>
+            </a:r>
+            <a:r>
+              <a:rPr kumimoji="1" lang="ja-JP" altLang="en-US" sz="2400" b="1" dirty="0" smtClean="0">
+                <a:ln w="9525">
+                  <a:solidFill>
+                    <a:srgbClr val="FF0000"/>
+                  </a:solidFill>
+                  <a:prstDash val="solid"/>
+                </a:ln>
+                <a:solidFill>
+                  <a:srgbClr val="FF0000"/>
+                </a:solidFill>
+                <a:effectLst>
+                  <a:outerShdw blurRad="12700" dist="38100" dir="2700000" algn="tl" rotWithShape="0">
+                    <a:schemeClr val="bg1">
+                      <a:lumMod val="50000"/>
+                    </a:schemeClr>
+                  </a:outerShdw>
+                </a:effectLst>
+              </a:rPr>
+              <a:t>点数</a:t>
+            </a:r>
+            <a:endParaRPr kumimoji="1" lang="ja-JP" altLang="en-US" sz="2400" b="1" dirty="0">
+              <a:ln w="9525">
+                <a:solidFill>
+                  <a:srgbClr val="FF0000"/>
+                </a:solidFill>
+                <a:prstDash val="solid"/>
+              </a:ln>
+              <a:solidFill>
+                <a:srgbClr val="FF0000"/>
+              </a:solidFill>
+              <a:effectLst>
+                <a:outerShdw blurRad="12700" dist="38100" dir="2700000" algn="tl" rotWithShape="0">
+                  <a:schemeClr val="bg1">
+                    <a:lumMod val="50000"/>
+                  </a:schemeClr>
+                </a:outerShdw>
+              </a:effectLst>
+            </a:endParaRPr>
+          </a:p>
+        </p:txBody>
+      </p:sp>
+      <p:sp>
+        <p:nvSpPr>
+          <p:cNvPr id="24" name="テキスト ボックス 23"/>
+          <p:cNvSpPr txBox="1"/>
+          <p:nvPr/>
+        </p:nvSpPr>
+        <p:spPr>
+          <a:xfrm>
+            <a:off x="6920271" y="5514524"/>
+            <a:ext cx="1632438" cy="461665"/>
+          </a:xfrm>
+          <a:prstGeom prst="rect">
+            <a:avLst/>
+          </a:prstGeom>
+          <a:noFill/>
+        </p:spPr>
+        <p:txBody>
+          <a:bodyPr wrap="square" rtlCol="0">
+            <a:spAutoFit/>
+          </a:bodyPr>
+          <a:lstStyle/>
+          <a:p>
+            <a:r>
+              <a:rPr kumimoji="1" lang="ja-JP" altLang="en-US" sz="2400" b="1" dirty="0" smtClean="0">
+                <a:ln w="9525">
+                  <a:solidFill>
+                    <a:schemeClr val="tx1"/>
+                  </a:solidFill>
+                  <a:prstDash val="solid"/>
+                </a:ln>
+                <a:solidFill>
+                  <a:srgbClr val="00B050"/>
+                </a:solidFill>
+                <a:effectLst>
+                  <a:outerShdw blurRad="12700" dist="38100" dir="2700000" algn="tl" rotWithShape="0">
+                    <a:schemeClr val="bg1">
+                      <a:lumMod val="50000"/>
+                    </a:schemeClr>
+                  </a:outerShdw>
+                </a:effectLst>
+              </a:rPr>
+              <a:t>３</a:t>
+            </a:r>
+            <a:r>
+              <a:rPr kumimoji="1" lang="en-US" altLang="ja-JP" sz="2400" b="1" dirty="0" smtClean="0">
+                <a:ln w="9525">
+                  <a:solidFill>
+                    <a:schemeClr val="tx1"/>
+                  </a:solidFill>
+                  <a:prstDash val="solid"/>
+                </a:ln>
+                <a:solidFill>
+                  <a:srgbClr val="00B050"/>
+                </a:solidFill>
+                <a:effectLst>
+                  <a:outerShdw blurRad="12700" dist="38100" dir="2700000" algn="tl" rotWithShape="0">
+                    <a:schemeClr val="bg1">
+                      <a:lumMod val="50000"/>
+                    </a:schemeClr>
+                  </a:outerShdw>
+                </a:effectLst>
+              </a:rPr>
+              <a:t>P</a:t>
+            </a:r>
+            <a:r>
+              <a:rPr kumimoji="1" lang="ja-JP" altLang="en-US" sz="2400" b="1" dirty="0" smtClean="0">
+                <a:ln w="9525">
+                  <a:solidFill>
+                    <a:schemeClr val="tx1"/>
+                  </a:solidFill>
+                  <a:prstDash val="solid"/>
+                </a:ln>
+                <a:effectLst>
+                  <a:outerShdw blurRad="12700" dist="38100" dir="2700000" algn="tl" rotWithShape="0">
+                    <a:schemeClr val="bg1">
+                      <a:lumMod val="50000"/>
+                    </a:schemeClr>
+                  </a:outerShdw>
+                </a:effectLst>
+              </a:rPr>
+              <a:t>の</a:t>
+            </a:r>
+            <a:r>
+              <a:rPr kumimoji="1" lang="ja-JP" altLang="en-US" sz="2400" b="1" dirty="0" smtClean="0">
+                <a:ln w="9525">
+                  <a:solidFill>
+                    <a:srgbClr val="FF0000"/>
+                  </a:solidFill>
+                  <a:prstDash val="solid"/>
+                </a:ln>
+                <a:solidFill>
+                  <a:srgbClr val="FF0000"/>
+                </a:solidFill>
+                <a:effectLst>
+                  <a:outerShdw blurRad="12700" dist="38100" dir="2700000" algn="tl" rotWithShape="0">
+                    <a:schemeClr val="bg1">
+                      <a:lumMod val="50000"/>
+                    </a:schemeClr>
+                  </a:outerShdw>
+                </a:effectLst>
+              </a:rPr>
+              <a:t>点数</a:t>
+            </a:r>
+            <a:endParaRPr kumimoji="1" lang="ja-JP" altLang="en-US" sz="2400" b="1" dirty="0">
+              <a:ln w="9525">
+                <a:solidFill>
+                  <a:srgbClr val="FF0000"/>
+                </a:solidFill>
+                <a:prstDash val="solid"/>
+              </a:ln>
+              <a:solidFill>
+                <a:srgbClr val="FF0000"/>
+              </a:solidFill>
+              <a:effectLst>
+                <a:outerShdw blurRad="12700" dist="38100" dir="2700000" algn="tl" rotWithShape="0">
+                  <a:schemeClr val="bg1">
+                    <a:lumMod val="50000"/>
+                  </a:schemeClr>
+                </a:outerShdw>
+              </a:effectLst>
+            </a:endParaRPr>
+          </a:p>
+        </p:txBody>
+      </p:sp>
+      <p:sp>
+        <p:nvSpPr>
+          <p:cNvPr id="26" name="テキスト ボックス 25"/>
+          <p:cNvSpPr txBox="1"/>
+          <p:nvPr/>
+        </p:nvSpPr>
+        <p:spPr>
+          <a:xfrm>
+            <a:off x="9170376" y="5525919"/>
+            <a:ext cx="1632438" cy="461665"/>
+          </a:xfrm>
+          <a:prstGeom prst="rect">
+            <a:avLst/>
+          </a:prstGeom>
+          <a:noFill/>
+        </p:spPr>
+        <p:txBody>
+          <a:bodyPr wrap="square" rtlCol="0">
+            <a:spAutoFit/>
+          </a:bodyPr>
+          <a:lstStyle/>
+          <a:p>
+            <a:r>
+              <a:rPr kumimoji="1" lang="ja-JP" altLang="en-US" sz="2400" b="1" dirty="0" smtClean="0">
+                <a:ln w="9525">
+                  <a:solidFill>
+                    <a:schemeClr val="tx1"/>
+                  </a:solidFill>
+                  <a:prstDash val="solid"/>
+                </a:ln>
+                <a:solidFill>
+                  <a:srgbClr val="FFFF00"/>
+                </a:solidFill>
+                <a:effectLst>
+                  <a:outerShdw blurRad="12700" dist="38100" dir="2700000" algn="tl" rotWithShape="0">
+                    <a:schemeClr val="bg1">
+                      <a:lumMod val="50000"/>
+                    </a:schemeClr>
+                  </a:outerShdw>
+                </a:effectLst>
+              </a:rPr>
+              <a:t>４</a:t>
+            </a:r>
+            <a:r>
+              <a:rPr kumimoji="1" lang="en-US" altLang="ja-JP" sz="2400" b="1" dirty="0" smtClean="0">
+                <a:ln w="9525">
+                  <a:solidFill>
+                    <a:schemeClr val="tx1"/>
+                  </a:solidFill>
+                  <a:prstDash val="solid"/>
+                </a:ln>
+                <a:solidFill>
+                  <a:srgbClr val="FFFF00"/>
+                </a:solidFill>
+                <a:effectLst>
+                  <a:outerShdw blurRad="12700" dist="38100" dir="2700000" algn="tl" rotWithShape="0">
+                    <a:schemeClr val="bg1">
+                      <a:lumMod val="50000"/>
+                    </a:schemeClr>
+                  </a:outerShdw>
+                </a:effectLst>
+              </a:rPr>
+              <a:t>P</a:t>
+            </a:r>
+            <a:r>
+              <a:rPr kumimoji="1" lang="ja-JP" altLang="en-US" sz="2400" b="1" dirty="0" smtClean="0">
+                <a:ln w="9525">
+                  <a:solidFill>
+                    <a:schemeClr val="tx1"/>
+                  </a:solidFill>
+                  <a:prstDash val="solid"/>
+                </a:ln>
+                <a:effectLst>
+                  <a:outerShdw blurRad="12700" dist="38100" dir="2700000" algn="tl" rotWithShape="0">
+                    <a:schemeClr val="bg1">
+                      <a:lumMod val="50000"/>
+                    </a:schemeClr>
+                  </a:outerShdw>
+                </a:effectLst>
+              </a:rPr>
+              <a:t>の</a:t>
+            </a:r>
+            <a:r>
+              <a:rPr kumimoji="1" lang="ja-JP" altLang="en-US" sz="2400" b="1" dirty="0" smtClean="0">
+                <a:ln w="9525">
+                  <a:solidFill>
+                    <a:srgbClr val="FF0000"/>
+                  </a:solidFill>
+                  <a:prstDash val="solid"/>
+                </a:ln>
+                <a:solidFill>
+                  <a:srgbClr val="FF0000"/>
+                </a:solidFill>
+                <a:effectLst>
+                  <a:outerShdw blurRad="12700" dist="38100" dir="2700000" algn="tl" rotWithShape="0">
+                    <a:schemeClr val="bg1">
+                      <a:lumMod val="50000"/>
+                    </a:schemeClr>
+                  </a:outerShdw>
+                </a:effectLst>
+              </a:rPr>
+              <a:t>点数</a:t>
+            </a:r>
+            <a:endParaRPr kumimoji="1" lang="ja-JP" altLang="en-US" sz="2400" b="1" dirty="0">
+              <a:ln w="9525">
+                <a:solidFill>
+                  <a:srgbClr val="FF0000"/>
+                </a:solidFill>
+                <a:prstDash val="solid"/>
+              </a:ln>
+              <a:solidFill>
+                <a:srgbClr val="FF0000"/>
+              </a:solidFill>
+              <a:effectLst>
+                <a:outerShdw blurRad="12700" dist="38100" dir="2700000" algn="tl" rotWithShape="0">
+                  <a:schemeClr val="bg1">
+                    <a:lumMod val="50000"/>
+                  </a:schemeClr>
+                </a:outerShdw>
+              </a:effectLst>
+            </a:endParaRPr>
+          </a:p>
+        </p:txBody>
+      </p:sp>
+      <p:sp>
+        <p:nvSpPr>
+          <p:cNvPr id="27" name="円形吹き出し 26"/>
+          <p:cNvSpPr/>
+          <p:nvPr/>
+        </p:nvSpPr>
+        <p:spPr>
+          <a:xfrm rot="1596153">
+            <a:off x="9257494" y="401886"/>
+            <a:ext cx="2898528" cy="1493900"/>
+          </a:xfrm>
+          <a:prstGeom prst="wedgeEllipseCallout">
+            <a:avLst/>
+          </a:prstGeom>
+          <a:solidFill>
+            <a:schemeClr val="bg1"/>
+          </a:solidFill>
+          <a:ln w="38100" cap="flat" cmpd="sng" algn="ctr">
+            <a:solidFill>
+              <a:srgbClr val="FF0000"/>
+            </a:solidFill>
+            <a:prstDash val="solid"/>
+            <a:round/>
+            <a:headEnd type="none" w="med" len="med"/>
+            <a:tailEnd type="none" w="med" len="med"/>
+          </a:ln>
+        </p:spPr>
+        <p:style>
+          <a:lnRef idx="0">
+            <a:scrgbClr r="0" g="0" b="0"/>
+          </a:lnRef>
+          <a:fillRef idx="0">
+            <a:scrgbClr r="0" g="0" b="0"/>
+          </a:fillRef>
+          <a:effectRef idx="0">
+            <a:scrgbClr r="0" g="0" b="0"/>
+          </a:effectRef>
+          <a:fontRef idx="minor">
+            <a:schemeClr val="dk1"/>
+          </a:fontRef>
+        </p:style>
+        <p:txBody>
+          <a:bodyPr rtlCol="0" anchor="ctr"/>
+          <a:lstStyle/>
+          <a:p>
+            <a:pPr algn="ctr"/>
+            <a:endParaRPr kumimoji="1" lang="ja-JP" altLang="en-US"/>
+          </a:p>
+        </p:txBody>
+      </p:sp>
+      <p:sp>
+        <p:nvSpPr>
+          <p:cNvPr id="28" name="テキスト ボックス 27"/>
+          <p:cNvSpPr txBox="1"/>
+          <p:nvPr/>
+        </p:nvSpPr>
+        <p:spPr>
+          <a:xfrm>
+            <a:off x="10082928" y="979550"/>
+            <a:ext cx="1512277" cy="461665"/>
+          </a:xfrm>
+          <a:prstGeom prst="rect">
+            <a:avLst/>
+          </a:prstGeom>
+          <a:solidFill>
+            <a:schemeClr val="bg1"/>
+          </a:solidFill>
+        </p:spPr>
+        <p:txBody>
+          <a:bodyPr wrap="square" rtlCol="0">
+            <a:spAutoFit/>
+          </a:bodyPr>
+          <a:lstStyle/>
+          <a:p>
+            <a:r>
+              <a:rPr kumimoji="1" lang="en-US" altLang="ja-JP" sz="2400" b="1" dirty="0" smtClean="0"/>
+              <a:t>UI</a:t>
+            </a:r>
+            <a:r>
+              <a:rPr kumimoji="1" lang="ja-JP" altLang="en-US" sz="2400" b="1" dirty="0" smtClean="0"/>
+              <a:t>の構成</a:t>
+            </a:r>
+            <a:endParaRPr kumimoji="1" lang="ja-JP" altLang="en-US" sz="2400" b="1" dirty="0"/>
+          </a:p>
+        </p:txBody>
+      </p:sp>
+      <p:sp>
+        <p:nvSpPr>
+          <p:cNvPr id="30" name="楕円 29"/>
+          <p:cNvSpPr/>
+          <p:nvPr/>
+        </p:nvSpPr>
+        <p:spPr>
+          <a:xfrm>
+            <a:off x="4626867" y="3185247"/>
+            <a:ext cx="2778531" cy="1051264"/>
+          </a:xfrm>
+          <a:prstGeom prst="ellipse">
+            <a:avLst/>
+          </a:prstGeom>
+          <a:noFill/>
+          <a:ln w="57150" cap="flat" cmpd="sng" algn="ctr">
+            <a:solidFill>
+              <a:srgbClr val="7030A0"/>
+            </a:solidFill>
+            <a:prstDash val="solid"/>
+            <a:round/>
+            <a:headEnd type="none" w="med" len="med"/>
+            <a:tailEnd type="none" w="med" len="med"/>
+          </a:ln>
+        </p:spPr>
+        <p:style>
+          <a:lnRef idx="0">
+            <a:scrgbClr r="0" g="0" b="0"/>
+          </a:lnRef>
+          <a:fillRef idx="0">
+            <a:scrgbClr r="0" g="0" b="0"/>
+          </a:fillRef>
+          <a:effectRef idx="0">
+            <a:scrgbClr r="0" g="0" b="0"/>
+          </a:effectRef>
+          <a:fontRef idx="minor">
+            <a:schemeClr val="accent5"/>
+          </a:fontRef>
+        </p:style>
+        <p:txBody>
+          <a:bodyPr rtlCol="0" anchor="ctr"/>
+          <a:lstStyle/>
+          <a:p>
+            <a:pPr algn="ctr"/>
+            <a:endParaRPr kumimoji="1" lang="ja-JP" altLang="en-US"/>
+          </a:p>
+        </p:txBody>
+      </p:sp>
+      <p:sp>
+        <p:nvSpPr>
+          <p:cNvPr id="31" name="テキスト ボックス 30"/>
+          <p:cNvSpPr txBox="1"/>
+          <p:nvPr/>
+        </p:nvSpPr>
+        <p:spPr>
+          <a:xfrm>
+            <a:off x="4639403" y="3503666"/>
+            <a:ext cx="2753458" cy="369332"/>
+          </a:xfrm>
+          <a:prstGeom prst="rect">
+            <a:avLst/>
+          </a:prstGeom>
+          <a:noFill/>
+        </p:spPr>
+        <p:txBody>
+          <a:bodyPr wrap="square" rtlCol="0">
+            <a:spAutoFit/>
+          </a:bodyPr>
+          <a:lstStyle/>
+          <a:p>
+            <a:r>
+              <a:rPr kumimoji="1" lang="ja-JP" altLang="en-US" b="1" u="sng" dirty="0" smtClean="0"/>
+              <a:t>タイマーが０になったら</a:t>
+            </a:r>
+            <a:endParaRPr kumimoji="1" lang="ja-JP" altLang="en-US" b="1" u="sng" dirty="0"/>
           </a:p>
         </p:txBody>
       </p:sp>
     </p:spTree>
     <p:extLst>
       <p:ext uri="{BB962C8B-B14F-4D97-AF65-F5344CB8AC3E}">
-        <p14:creationId xmlns:p14="http://schemas.microsoft.com/office/powerpoint/2010/main" val="3651198302"/>
+        <p14:creationId xmlns:p14="http://schemas.microsoft.com/office/powerpoint/2010/main" val="656129118"/>
       </p:ext>
     </p:extLst>
   </p:cSld>
@@ -13023,85 +13729,6 @@
       </p:grpSpPr>
       <p:sp>
         <p:nvSpPr>
-          <p:cNvPr id="4" name="楕円 3"/>
-          <p:cNvSpPr/>
-          <p:nvPr/>
-        </p:nvSpPr>
-        <p:spPr>
-          <a:xfrm>
-            <a:off x="7415590" y="2896435"/>
-            <a:ext cx="2778531" cy="1060173"/>
-          </a:xfrm>
-          <a:prstGeom prst="ellipse">
-            <a:avLst/>
-          </a:prstGeom>
-          <a:solidFill>
-            <a:schemeClr val="bg1"/>
-          </a:solidFill>
-          <a:ln w="57150" cap="flat" cmpd="sng" algn="ctr">
-            <a:solidFill>
-              <a:srgbClr val="7030A0"/>
-            </a:solidFill>
-            <a:prstDash val="solid"/>
-            <a:round/>
-            <a:headEnd type="none" w="med" len="med"/>
-            <a:tailEnd type="none" w="med" len="med"/>
-          </a:ln>
-        </p:spPr>
-        <p:style>
-          <a:lnRef idx="0">
-            <a:scrgbClr r="0" g="0" b="0"/>
-          </a:lnRef>
-          <a:fillRef idx="0">
-            <a:scrgbClr r="0" g="0" b="0"/>
-          </a:fillRef>
-          <a:effectRef idx="0">
-            <a:scrgbClr r="0" g="0" b="0"/>
-          </a:effectRef>
-          <a:fontRef idx="minor">
-            <a:schemeClr val="accent5"/>
-          </a:fontRef>
-        </p:style>
-        <p:txBody>
-          <a:bodyPr rtlCol="0" anchor="ctr"/>
-          <a:lstStyle/>
-          <a:p>
-            <a:pPr algn="ctr"/>
-            <a:endParaRPr kumimoji="1" lang="ja-JP" altLang="en-US"/>
-          </a:p>
-        </p:txBody>
-      </p:sp>
-      <p:sp>
-        <p:nvSpPr>
-          <p:cNvPr id="5" name="テキスト ボックス 4"/>
-          <p:cNvSpPr txBox="1"/>
-          <p:nvPr/>
-        </p:nvSpPr>
-        <p:spPr>
-          <a:xfrm>
-            <a:off x="7495522" y="3241855"/>
-            <a:ext cx="2784149" cy="369332"/>
-          </a:xfrm>
-          <a:prstGeom prst="rect">
-            <a:avLst/>
-          </a:prstGeom>
-          <a:noFill/>
-        </p:spPr>
-        <p:txBody>
-          <a:bodyPr wrap="square" rtlCol="0">
-            <a:spAutoFit/>
-          </a:bodyPr>
-          <a:lstStyle/>
-          <a:p>
-            <a:r>
-              <a:rPr lang="ja-JP" altLang="en-US" b="1" u="sng" dirty="0"/>
-              <a:t>タイマーが０になったら</a:t>
-            </a:r>
-          </a:p>
-        </p:txBody>
-      </p:sp>
-      <p:sp>
-        <p:nvSpPr>
           <p:cNvPr id="7" name="正方形/長方形 6"/>
           <p:cNvSpPr/>
           <p:nvPr/>
@@ -13142,51 +13769,6 @@
       </p:sp>
       <p:sp>
         <p:nvSpPr>
-          <p:cNvPr id="9" name="円形吹き出し 8"/>
-          <p:cNvSpPr/>
-          <p:nvPr/>
-        </p:nvSpPr>
-        <p:spPr>
-          <a:xfrm rot="5400000">
-            <a:off x="9535598" y="2656361"/>
-            <a:ext cx="2385196" cy="858663"/>
-          </a:xfrm>
-          <a:prstGeom prst="wedgeEllipseCallout">
-            <a:avLst>
-              <a:gd name="adj1" fmla="val 6274"/>
-              <a:gd name="adj2" fmla="val 63081"/>
-            </a:avLst>
-          </a:prstGeom>
-          <a:ln w="38100">
-            <a:headEnd type="none" w="med" len="med"/>
-            <a:tailEnd type="none" w="med" len="med"/>
-          </a:ln>
-        </p:spPr>
-        <p:style>
-          <a:lnRef idx="2">
-            <a:schemeClr val="accent2"/>
-          </a:lnRef>
-          <a:fillRef idx="1">
-            <a:schemeClr val="lt1"/>
-          </a:fillRef>
-          <a:effectRef idx="0">
-            <a:schemeClr val="accent2"/>
-          </a:effectRef>
-          <a:fontRef idx="minor">
-            <a:schemeClr val="dk1"/>
-          </a:fontRef>
-        </p:style>
-        <p:txBody>
-          <a:bodyPr rtlCol="0" anchor="ctr"/>
-          <a:lstStyle/>
-          <a:p>
-            <a:pPr algn="ctr"/>
-            <a:endParaRPr kumimoji="1" lang="ja-JP" altLang="en-US"/>
-          </a:p>
-        </p:txBody>
-      </p:sp>
-      <p:sp>
-        <p:nvSpPr>
           <p:cNvPr id="2" name="正方形/長方形 1"/>
           <p:cNvSpPr/>
           <p:nvPr/>
@@ -13194,7 +13776,7 @@
         <p:spPr>
           <a:xfrm>
             <a:off x="651778" y="568448"/>
-            <a:ext cx="4493538" cy="523220"/>
+            <a:ext cx="5570756" cy="523220"/>
           </a:xfrm>
           <a:prstGeom prst="rect">
             <a:avLst/>
@@ -13216,11 +13798,11 @@
           <a:p>
             <a:r>
               <a:rPr lang="ja-JP" altLang="en-US" sz="2800" b="1" dirty="0"/>
-              <a:t>タイマーが０に</a:t>
+              <a:t>タイマー</a:t>
             </a:r>
             <a:r>
               <a:rPr lang="ja-JP" altLang="en-US" sz="2800" b="1" dirty="0" smtClean="0"/>
-              <a:t>なった場合</a:t>
+              <a:t>が１０以下になった場合</a:t>
             </a:r>
             <a:endParaRPr lang="ja-JP" altLang="en-US" sz="2800" b="1" dirty="0"/>
           </a:p>
@@ -13228,24 +13810,19 @@
       </p:sp>
       <p:sp>
         <p:nvSpPr>
-          <p:cNvPr id="16" name="テキスト ボックス 15"/>
+          <p:cNvPr id="3" name="テキスト ボックス 2"/>
           <p:cNvSpPr txBox="1"/>
           <p:nvPr/>
         </p:nvSpPr>
         <p:spPr>
           <a:xfrm>
-            <a:off x="7070851" y="1729723"/>
-            <a:ext cx="3310822" cy="461665"/>
+            <a:off x="990482" y="1662263"/>
+            <a:ext cx="4154834" cy="523220"/>
           </a:xfrm>
           <a:prstGeom prst="rect">
             <a:avLst/>
           </a:prstGeom>
           <a:noFill/>
-          <a:ln>
-            <a:solidFill>
-              <a:schemeClr val="tx1"/>
-            </a:solidFill>
-          </a:ln>
         </p:spPr>
         <p:txBody>
           <a:bodyPr wrap="square" rtlCol="0">
@@ -13253,37 +13830,36 @@
           </a:bodyPr>
           <a:lstStyle/>
           <a:p>
-            <a:pPr algn="ctr"/>
-            <a:r>
-              <a:rPr lang="ja-JP" altLang="en-US" sz="2400" b="1" dirty="0" smtClean="0"/>
-              <a:t>フィニッシュ</a:t>
-            </a:r>
-            <a:r>
-              <a:rPr kumimoji="1" lang="ja-JP" altLang="en-US" sz="2400" b="1" dirty="0" smtClean="0"/>
-              <a:t>の</a:t>
-            </a:r>
-            <a:r>
-              <a:rPr kumimoji="1" lang="en-US" altLang="ja-JP" sz="2400" b="1" dirty="0" smtClean="0"/>
-              <a:t>UI</a:t>
-            </a:r>
-            <a:r>
-              <a:rPr kumimoji="1" lang="ja-JP" altLang="en-US" sz="2400" b="1" dirty="0" smtClean="0"/>
-              <a:t>出す</a:t>
-            </a:r>
-            <a:endParaRPr kumimoji="1" lang="ja-JP" altLang="en-US" sz="2400" b="1" dirty="0"/>
-          </a:p>
-        </p:txBody>
-      </p:sp>
-      <p:sp>
-        <p:nvSpPr>
-          <p:cNvPr id="3" name="テキスト ボックス 2"/>
+            <a:r>
+              <a:rPr lang="ja-JP" altLang="en-US" dirty="0" smtClean="0"/>
+              <a:t>・</a:t>
+            </a:r>
+            <a:r>
+              <a:rPr lang="ja-JP" altLang="en-US" sz="2800" b="1" dirty="0" smtClean="0">
+                <a:solidFill>
+                  <a:srgbClr val="FF0000"/>
+                </a:solidFill>
+              </a:rPr>
+              <a:t>赤色</a:t>
+            </a:r>
+            <a:r>
+              <a:rPr lang="ja-JP" altLang="en-US" sz="2800" b="1" dirty="0" smtClean="0"/>
+              <a:t>にする</a:t>
+            </a:r>
+            <a:endParaRPr lang="en-US" altLang="ja-JP" sz="2800" b="1" dirty="0" smtClean="0"/>
+          </a:p>
+        </p:txBody>
+      </p:sp>
+      <p:sp>
+        <p:nvSpPr>
+          <p:cNvPr id="8" name="テキスト ボックス 7"/>
           <p:cNvSpPr txBox="1"/>
           <p:nvPr/>
         </p:nvSpPr>
         <p:spPr>
           <a:xfrm>
-            <a:off x="990482" y="1662263"/>
-            <a:ext cx="4154834" cy="461665"/>
+            <a:off x="990481" y="2420610"/>
+            <a:ext cx="9335773" cy="892552"/>
           </a:xfrm>
           <a:prstGeom prst="rect">
             <a:avLst/>
@@ -13297,130 +13873,94 @@
           <a:lstStyle/>
           <a:p>
             <a:r>
-              <a:rPr lang="ja-JP" altLang="en-US" dirty="0" smtClean="0"/>
+              <a:rPr lang="ja-JP" altLang="en-US" sz="2400" dirty="0" smtClean="0"/>
               <a:t>・</a:t>
             </a:r>
             <a:r>
+              <a:rPr lang="en-US" altLang="ja-JP" sz="2400" b="1" dirty="0"/>
+              <a:t> </a:t>
+            </a:r>
+            <a:r>
+              <a:rPr lang="en-US" altLang="ja-JP" sz="2400" b="1" dirty="0" smtClean="0"/>
+              <a:t>UI</a:t>
+            </a:r>
+            <a:r>
               <a:rPr lang="ja-JP" altLang="en-US" sz="2400" b="1" dirty="0" smtClean="0"/>
-              <a:t>プレイヤーを動かなくする</a:t>
-            </a:r>
-            <a:endParaRPr lang="en-US" altLang="ja-JP" sz="2400" b="1" dirty="0" smtClean="0"/>
-          </a:p>
-        </p:txBody>
-      </p:sp>
-      <p:sp>
-        <p:nvSpPr>
-          <p:cNvPr id="8" name="下矢印 7"/>
+              <a:t>と数値を拡大させるもとに戻す（</a:t>
+            </a:r>
+            <a:r>
+              <a:rPr lang="ja-JP" altLang="en-US" sz="2800" b="1" dirty="0" smtClean="0"/>
+              <a:t>タイマーが</a:t>
+            </a:r>
+            <a:r>
+              <a:rPr lang="ja-JP" altLang="en-US" sz="2400" b="1" dirty="0" smtClean="0"/>
+              <a:t>０になるまで繰り返す</a:t>
+            </a:r>
+            <a:r>
+              <a:rPr lang="ja-JP" altLang="en-US" sz="2200" b="1" dirty="0" smtClean="0"/>
+              <a:t>）</a:t>
+            </a:r>
+            <a:endParaRPr lang="en-US" altLang="ja-JP" sz="2200" b="1" dirty="0" smtClean="0"/>
+          </a:p>
+        </p:txBody>
+      </p:sp>
+      <p:pic>
+        <p:nvPicPr>
+          <p:cNvPr id="10" name="図 9"/>
+          <p:cNvPicPr>
+            <a:picLocks noChangeAspect="1"/>
+          </p:cNvPicPr>
+          <p:nvPr/>
+        </p:nvPicPr>
+        <p:blipFill>
+          <a:blip r:embed="rId2"/>
+          <a:stretch>
+            <a:fillRect/>
+          </a:stretch>
+        </p:blipFill>
+        <p:spPr>
+          <a:xfrm>
+            <a:off x="1092081" y="3554631"/>
+            <a:ext cx="2454682" cy="999755"/>
+          </a:xfrm>
+          <a:prstGeom prst="rect">
+            <a:avLst/>
+          </a:prstGeom>
+        </p:spPr>
+      </p:pic>
+      <p:pic>
+        <p:nvPicPr>
+          <p:cNvPr id="11" name="図 10"/>
+          <p:cNvPicPr>
+            <a:picLocks noChangeAspect="1"/>
+          </p:cNvPicPr>
+          <p:nvPr/>
+        </p:nvPicPr>
+        <p:blipFill>
+          <a:blip r:embed="rId3"/>
+          <a:stretch>
+            <a:fillRect/>
+          </a:stretch>
+        </p:blipFill>
+        <p:spPr>
+          <a:xfrm>
+            <a:off x="4620142" y="3663984"/>
+            <a:ext cx="2076450" cy="781050"/>
+          </a:xfrm>
+          <a:prstGeom prst="rect">
+            <a:avLst/>
+          </a:prstGeom>
+        </p:spPr>
+      </p:pic>
+      <p:sp>
+        <p:nvSpPr>
+          <p:cNvPr id="12" name="右矢印 11"/>
           <p:cNvSpPr/>
           <p:nvPr/>
         </p:nvSpPr>
         <p:spPr>
-          <a:xfrm rot="10800000">
-            <a:off x="8393835" y="2210351"/>
-            <a:ext cx="674255" cy="781709"/>
-          </a:xfrm>
-          <a:prstGeom prst="downArrow">
-            <a:avLst/>
-          </a:prstGeom>
-        </p:spPr>
-        <p:style>
-          <a:lnRef idx="2">
-            <a:schemeClr val="accent1">
-              <a:shade val="50000"/>
-            </a:schemeClr>
-          </a:lnRef>
-          <a:fillRef idx="1">
-            <a:schemeClr val="accent1"/>
-          </a:fillRef>
-          <a:effectRef idx="0">
-            <a:schemeClr val="accent1"/>
-          </a:effectRef>
-          <a:fontRef idx="minor">
-            <a:schemeClr val="lt1"/>
-          </a:fontRef>
-        </p:style>
-        <p:txBody>
-          <a:bodyPr rtlCol="0" anchor="ctr"/>
-          <a:lstStyle/>
-          <a:p>
-            <a:pPr algn="ctr"/>
-            <a:endParaRPr kumimoji="1" lang="ja-JP" altLang="en-US"/>
-          </a:p>
-        </p:txBody>
-      </p:sp>
-      <p:sp>
-        <p:nvSpPr>
-          <p:cNvPr id="10" name="テキスト ボックス 9"/>
-          <p:cNvSpPr txBox="1"/>
-          <p:nvPr/>
-        </p:nvSpPr>
-        <p:spPr>
-          <a:xfrm>
-            <a:off x="10530328" y="2284242"/>
-            <a:ext cx="461665" cy="1746257"/>
-          </a:xfrm>
-          <a:prstGeom prst="rect">
-            <a:avLst/>
-          </a:prstGeom>
-          <a:noFill/>
-        </p:spPr>
-        <p:txBody>
-          <a:bodyPr vert="eaVert" wrap="square" rtlCol="0">
-            <a:spAutoFit/>
-          </a:bodyPr>
-          <a:lstStyle/>
-          <a:p>
-            <a:r>
-              <a:rPr lang="ja-JP" altLang="en-US" dirty="0" smtClean="0"/>
-              <a:t>があるところに</a:t>
-            </a:r>
-            <a:endParaRPr kumimoji="1" lang="ja-JP" altLang="en-US" dirty="0"/>
-          </a:p>
-        </p:txBody>
-      </p:sp>
-      <p:sp>
-        <p:nvSpPr>
-          <p:cNvPr id="13" name="テキスト ボックス 12"/>
-          <p:cNvSpPr txBox="1"/>
-          <p:nvPr/>
-        </p:nvSpPr>
-        <p:spPr>
-          <a:xfrm>
-            <a:off x="990482" y="3184603"/>
-            <a:ext cx="4154834" cy="461665"/>
-          </a:xfrm>
-          <a:prstGeom prst="rect">
-            <a:avLst/>
-          </a:prstGeom>
-          <a:noFill/>
-        </p:spPr>
-        <p:txBody>
-          <a:bodyPr wrap="square" rtlCol="0">
-            <a:spAutoFit/>
-          </a:bodyPr>
-          <a:lstStyle/>
-          <a:p>
-            <a:r>
-              <a:rPr lang="ja-JP" altLang="en-US" dirty="0" smtClean="0"/>
-              <a:t>・</a:t>
-            </a:r>
-            <a:r>
-              <a:rPr lang="ja-JP" altLang="en-US" sz="2400" b="1" dirty="0" smtClean="0"/>
-              <a:t>タイマーを０以下にしない</a:t>
-            </a:r>
-            <a:endParaRPr lang="en-US" altLang="ja-JP" sz="2400" b="1" dirty="0" smtClean="0"/>
-          </a:p>
-        </p:txBody>
-      </p:sp>
-      <p:sp>
-        <p:nvSpPr>
-          <p:cNvPr id="6" name="右矢印 5"/>
-          <p:cNvSpPr/>
-          <p:nvPr/>
-        </p:nvSpPr>
-        <p:spPr>
-          <a:xfrm>
-            <a:off x="990482" y="2241070"/>
+          <a:xfrm>
+            <a:off x="3712170" y="3851308"/>
             <a:ext cx="727482" cy="406400"/>
           </a:xfrm>
           <a:prstGeom prst="rightArrow">
@@ -13457,14 +13997,14 @@
       </p:sp>
       <p:sp>
         <p:nvSpPr>
-          <p:cNvPr id="11" name="テキスト ボックス 10"/>
+          <p:cNvPr id="13" name="テキスト ボックス 12"/>
           <p:cNvSpPr txBox="1"/>
           <p:nvPr/>
         </p:nvSpPr>
         <p:spPr>
           <a:xfrm>
-            <a:off x="1717964" y="2271037"/>
-            <a:ext cx="3602182" cy="461665"/>
+            <a:off x="1036662" y="4642104"/>
+            <a:ext cx="2620089" cy="400110"/>
           </a:xfrm>
           <a:prstGeom prst="rect">
             <a:avLst/>
@@ -13477,18 +14017,50 @@
           </a:bodyPr>
           <a:lstStyle/>
           <a:p>
-            <a:r>
-              <a:rPr kumimoji="1" lang="ja-JP" altLang="en-US" sz="2400" b="1" dirty="0" smtClean="0"/>
-              <a:t>操作をできなくする</a:t>
-            </a:r>
-            <a:endParaRPr kumimoji="1" lang="ja-JP" altLang="en-US" sz="2400" b="1" dirty="0"/>
+            <a:pPr algn="ctr"/>
+            <a:r>
+              <a:rPr kumimoji="1" lang="ja-JP" altLang="en-US" sz="2000" dirty="0" smtClean="0"/>
+              <a:t>大きくなっている図</a:t>
+            </a:r>
+            <a:endParaRPr kumimoji="1" lang="ja-JP" altLang="en-US" sz="2000" dirty="0"/>
+          </a:p>
+        </p:txBody>
+      </p:sp>
+      <p:sp>
+        <p:nvSpPr>
+          <p:cNvPr id="14" name="テキスト ボックス 13"/>
+          <p:cNvSpPr txBox="1"/>
+          <p:nvPr/>
+        </p:nvSpPr>
+        <p:spPr>
+          <a:xfrm>
+            <a:off x="4431026" y="4518122"/>
+            <a:ext cx="2454682" cy="369332"/>
+          </a:xfrm>
+          <a:prstGeom prst="rect">
+            <a:avLst/>
+          </a:prstGeom>
+          <a:noFill/>
+        </p:spPr>
+        <p:txBody>
+          <a:bodyPr wrap="square" rtlCol="0">
+            <a:spAutoFit/>
+          </a:bodyPr>
+          <a:lstStyle/>
+          <a:p>
+            <a:pPr algn="ctr"/>
+            <a:r>
+              <a:rPr kumimoji="1" lang="ja-JP" altLang="en-US" dirty="0" smtClean="0"/>
+              <a:t>小さくなっている図</a:t>
+            </a:r>
+            <a:endParaRPr kumimoji="1" lang="ja-JP" altLang="en-US" dirty="0"/>
           </a:p>
         </p:txBody>
       </p:sp>
     </p:spTree>
     <p:extLst>
       <p:ext uri="{BB962C8B-B14F-4D97-AF65-F5344CB8AC3E}">
-        <p14:creationId xmlns:p14="http://schemas.microsoft.com/office/powerpoint/2010/main" val="365879860"/>
+        <p14:creationId xmlns:p14="http://schemas.microsoft.com/office/powerpoint/2010/main" val="3651198302"/>
       </p:ext>
     </p:extLst>
   </p:cSld>
@@ -13517,39 +14089,472 @@
       </p:grpSpPr>
       <p:sp>
         <p:nvSpPr>
-          <p:cNvPr id="2" name="タイトル 1"/>
-          <p:cNvSpPr>
-            <a:spLocks noGrp="1"/>
-          </p:cNvSpPr>
-          <p:nvPr>
-            <p:ph type="title"/>
-          </p:nvPr>
-        </p:nvSpPr>
-        <p:spPr>
-          <a:xfrm>
-            <a:off x="732692" y="2545617"/>
-            <a:ext cx="10515600" cy="1325563"/>
-          </a:xfrm>
-        </p:spPr>
-        <p:txBody>
-          <a:bodyPr>
-            <a:normAutofit/>
+          <p:cNvPr id="4" name="楕円 3"/>
+          <p:cNvSpPr/>
+          <p:nvPr/>
+        </p:nvSpPr>
+        <p:spPr>
+          <a:xfrm>
+            <a:off x="7415590" y="2896435"/>
+            <a:ext cx="2778531" cy="1060173"/>
+          </a:xfrm>
+          <a:prstGeom prst="ellipse">
+            <a:avLst/>
+          </a:prstGeom>
+          <a:solidFill>
+            <a:schemeClr val="bg1"/>
+          </a:solidFill>
+          <a:ln w="57150" cap="flat" cmpd="sng" algn="ctr">
+            <a:solidFill>
+              <a:srgbClr val="7030A0"/>
+            </a:solidFill>
+            <a:prstDash val="solid"/>
+            <a:round/>
+            <a:headEnd type="none" w="med" len="med"/>
+            <a:tailEnd type="none" w="med" len="med"/>
+          </a:ln>
+        </p:spPr>
+        <p:style>
+          <a:lnRef idx="0">
+            <a:scrgbClr r="0" g="0" b="0"/>
+          </a:lnRef>
+          <a:fillRef idx="0">
+            <a:scrgbClr r="0" g="0" b="0"/>
+          </a:fillRef>
+          <a:effectRef idx="0">
+            <a:scrgbClr r="0" g="0" b="0"/>
+          </a:effectRef>
+          <a:fontRef idx="minor">
+            <a:schemeClr val="accent5"/>
+          </a:fontRef>
+        </p:style>
+        <p:txBody>
+          <a:bodyPr rtlCol="0" anchor="ctr"/>
+          <a:lstStyle/>
+          <a:p>
+            <a:pPr algn="ctr"/>
+            <a:endParaRPr kumimoji="1" lang="ja-JP" altLang="en-US"/>
+          </a:p>
+        </p:txBody>
+      </p:sp>
+      <p:sp>
+        <p:nvSpPr>
+          <p:cNvPr id="5" name="テキスト ボックス 4"/>
+          <p:cNvSpPr txBox="1"/>
+          <p:nvPr/>
+        </p:nvSpPr>
+        <p:spPr>
+          <a:xfrm>
+            <a:off x="7495522" y="3241855"/>
+            <a:ext cx="2784149" cy="369332"/>
+          </a:xfrm>
+          <a:prstGeom prst="rect">
+            <a:avLst/>
+          </a:prstGeom>
+          <a:noFill/>
+        </p:spPr>
+        <p:txBody>
+          <a:bodyPr wrap="square" rtlCol="0">
+            <a:spAutoFit/>
           </a:bodyPr>
           <a:lstStyle/>
           <a:p>
-            <a:pPr algn="ctr"/>
-            <a:r>
-              <a:rPr kumimoji="1" lang="ja-JP" altLang="en-US" sz="7200" dirty="0" smtClean="0"/>
-              <a:t>リザルト画面</a:t>
-            </a:r>
-            <a:endParaRPr kumimoji="1" lang="ja-JP" altLang="en-US" sz="7200" dirty="0"/>
+            <a:r>
+              <a:rPr lang="ja-JP" altLang="en-US" b="1" u="sng" dirty="0"/>
+              <a:t>タイマーが０になったら</a:t>
+            </a:r>
+          </a:p>
+        </p:txBody>
+      </p:sp>
+      <p:sp>
+        <p:nvSpPr>
+          <p:cNvPr id="7" name="正方形/長方形 6"/>
+          <p:cNvSpPr/>
+          <p:nvPr/>
+        </p:nvSpPr>
+        <p:spPr>
+          <a:xfrm>
+            <a:off x="817185" y="942109"/>
+            <a:ext cx="10155615" cy="5409363"/>
+          </a:xfrm>
+          <a:prstGeom prst="rect">
+            <a:avLst/>
+          </a:prstGeom>
+          <a:noFill/>
+          <a:ln w="38100"/>
+        </p:spPr>
+        <p:style>
+          <a:lnRef idx="2">
+            <a:schemeClr val="dk1"/>
+          </a:lnRef>
+          <a:fillRef idx="1">
+            <a:schemeClr val="lt1"/>
+          </a:fillRef>
+          <a:effectRef idx="0">
+            <a:schemeClr val="dk1"/>
+          </a:effectRef>
+          <a:fontRef idx="minor">
+            <a:schemeClr val="dk1"/>
+          </a:fontRef>
+        </p:style>
+        <p:txBody>
+          <a:bodyPr rtlCol="0" anchor="ctr"/>
+          <a:lstStyle/>
+          <a:p>
+            <a:pPr algn="ctr"/>
+            <a:endParaRPr kumimoji="1" lang="ja-JP" altLang="en-US"/>
+          </a:p>
+        </p:txBody>
+      </p:sp>
+      <p:sp>
+        <p:nvSpPr>
+          <p:cNvPr id="9" name="円形吹き出し 8"/>
+          <p:cNvSpPr/>
+          <p:nvPr/>
+        </p:nvSpPr>
+        <p:spPr>
+          <a:xfrm rot="5400000">
+            <a:off x="9535598" y="2656361"/>
+            <a:ext cx="2385196" cy="858663"/>
+          </a:xfrm>
+          <a:prstGeom prst="wedgeEllipseCallout">
+            <a:avLst>
+              <a:gd name="adj1" fmla="val 6274"/>
+              <a:gd name="adj2" fmla="val 63081"/>
+            </a:avLst>
+          </a:prstGeom>
+          <a:ln w="38100">
+            <a:headEnd type="none" w="med" len="med"/>
+            <a:tailEnd type="none" w="med" len="med"/>
+          </a:ln>
+        </p:spPr>
+        <p:style>
+          <a:lnRef idx="2">
+            <a:schemeClr val="accent2"/>
+          </a:lnRef>
+          <a:fillRef idx="1">
+            <a:schemeClr val="lt1"/>
+          </a:fillRef>
+          <a:effectRef idx="0">
+            <a:schemeClr val="accent2"/>
+          </a:effectRef>
+          <a:fontRef idx="minor">
+            <a:schemeClr val="dk1"/>
+          </a:fontRef>
+        </p:style>
+        <p:txBody>
+          <a:bodyPr rtlCol="0" anchor="ctr"/>
+          <a:lstStyle/>
+          <a:p>
+            <a:pPr algn="ctr"/>
+            <a:endParaRPr kumimoji="1" lang="ja-JP" altLang="en-US"/>
+          </a:p>
+        </p:txBody>
+      </p:sp>
+      <p:sp>
+        <p:nvSpPr>
+          <p:cNvPr id="2" name="正方形/長方形 1"/>
+          <p:cNvSpPr/>
+          <p:nvPr/>
+        </p:nvSpPr>
+        <p:spPr>
+          <a:xfrm>
+            <a:off x="651778" y="568448"/>
+            <a:ext cx="4493538" cy="523220"/>
+          </a:xfrm>
+          <a:prstGeom prst="rect">
+            <a:avLst/>
+          </a:prstGeom>
+          <a:solidFill>
+            <a:schemeClr val="bg1"/>
+          </a:solidFill>
+          <a:ln w="19050">
+            <a:solidFill>
+              <a:schemeClr val="tx1"/>
+            </a:solidFill>
+          </a:ln>
+        </p:spPr>
+        <p:txBody>
+          <a:bodyPr wrap="none">
+            <a:spAutoFit/>
+          </a:bodyPr>
+          <a:lstStyle/>
+          <a:p>
+            <a:r>
+              <a:rPr lang="ja-JP" altLang="en-US" sz="2800" b="1" dirty="0"/>
+              <a:t>タイマーが０に</a:t>
+            </a:r>
+            <a:r>
+              <a:rPr lang="ja-JP" altLang="en-US" sz="2800" b="1" dirty="0" smtClean="0"/>
+              <a:t>なった場合</a:t>
+            </a:r>
+            <a:endParaRPr lang="ja-JP" altLang="en-US" sz="2800" b="1" dirty="0"/>
+          </a:p>
+        </p:txBody>
+      </p:sp>
+      <p:sp>
+        <p:nvSpPr>
+          <p:cNvPr id="16" name="テキスト ボックス 15"/>
+          <p:cNvSpPr txBox="1"/>
+          <p:nvPr/>
+        </p:nvSpPr>
+        <p:spPr>
+          <a:xfrm>
+            <a:off x="7070851" y="1729723"/>
+            <a:ext cx="3310822" cy="461665"/>
+          </a:xfrm>
+          <a:prstGeom prst="rect">
+            <a:avLst/>
+          </a:prstGeom>
+          <a:noFill/>
+          <a:ln>
+            <a:solidFill>
+              <a:schemeClr val="tx1"/>
+            </a:solidFill>
+          </a:ln>
+        </p:spPr>
+        <p:txBody>
+          <a:bodyPr wrap="square" rtlCol="0">
+            <a:spAutoFit/>
+          </a:bodyPr>
+          <a:lstStyle/>
+          <a:p>
+            <a:pPr algn="ctr"/>
+            <a:r>
+              <a:rPr lang="ja-JP" altLang="en-US" sz="2400" b="1" dirty="0" smtClean="0"/>
+              <a:t>フィニッシュ</a:t>
+            </a:r>
+            <a:r>
+              <a:rPr kumimoji="1" lang="ja-JP" altLang="en-US" sz="2400" b="1" dirty="0" smtClean="0"/>
+              <a:t>の</a:t>
+            </a:r>
+            <a:r>
+              <a:rPr kumimoji="1" lang="en-US" altLang="ja-JP" sz="2400" b="1" dirty="0" smtClean="0"/>
+              <a:t>UI</a:t>
+            </a:r>
+            <a:r>
+              <a:rPr kumimoji="1" lang="ja-JP" altLang="en-US" sz="2400" b="1" dirty="0" smtClean="0"/>
+              <a:t>出す</a:t>
+            </a:r>
+            <a:endParaRPr kumimoji="1" lang="ja-JP" altLang="en-US" sz="2400" b="1" dirty="0"/>
+          </a:p>
+        </p:txBody>
+      </p:sp>
+      <p:sp>
+        <p:nvSpPr>
+          <p:cNvPr id="3" name="テキスト ボックス 2"/>
+          <p:cNvSpPr txBox="1"/>
+          <p:nvPr/>
+        </p:nvSpPr>
+        <p:spPr>
+          <a:xfrm>
+            <a:off x="990482" y="1662263"/>
+            <a:ext cx="4154834" cy="461665"/>
+          </a:xfrm>
+          <a:prstGeom prst="rect">
+            <a:avLst/>
+          </a:prstGeom>
+          <a:noFill/>
+        </p:spPr>
+        <p:txBody>
+          <a:bodyPr wrap="square" rtlCol="0">
+            <a:spAutoFit/>
+          </a:bodyPr>
+          <a:lstStyle/>
+          <a:p>
+            <a:r>
+              <a:rPr lang="ja-JP" altLang="en-US" dirty="0" smtClean="0"/>
+              <a:t>・</a:t>
+            </a:r>
+            <a:r>
+              <a:rPr lang="ja-JP" altLang="en-US" sz="2400" b="1" dirty="0" smtClean="0"/>
+              <a:t>プレイヤーを動かなくする</a:t>
+            </a:r>
+            <a:endParaRPr lang="en-US" altLang="ja-JP" sz="2400" b="1" dirty="0" smtClean="0"/>
+          </a:p>
+        </p:txBody>
+      </p:sp>
+      <p:sp>
+        <p:nvSpPr>
+          <p:cNvPr id="8" name="下矢印 7"/>
+          <p:cNvSpPr/>
+          <p:nvPr/>
+        </p:nvSpPr>
+        <p:spPr>
+          <a:xfrm rot="10800000">
+            <a:off x="8393835" y="2210351"/>
+            <a:ext cx="674255" cy="781709"/>
+          </a:xfrm>
+          <a:prstGeom prst="downArrow">
+            <a:avLst/>
+          </a:prstGeom>
+        </p:spPr>
+        <p:style>
+          <a:lnRef idx="2">
+            <a:schemeClr val="accent1">
+              <a:shade val="50000"/>
+            </a:schemeClr>
+          </a:lnRef>
+          <a:fillRef idx="1">
+            <a:schemeClr val="accent1"/>
+          </a:fillRef>
+          <a:effectRef idx="0">
+            <a:schemeClr val="accent1"/>
+          </a:effectRef>
+          <a:fontRef idx="minor">
+            <a:schemeClr val="lt1"/>
+          </a:fontRef>
+        </p:style>
+        <p:txBody>
+          <a:bodyPr rtlCol="0" anchor="ctr"/>
+          <a:lstStyle/>
+          <a:p>
+            <a:pPr algn="ctr"/>
+            <a:endParaRPr kumimoji="1" lang="ja-JP" altLang="en-US"/>
+          </a:p>
+        </p:txBody>
+      </p:sp>
+      <p:sp>
+        <p:nvSpPr>
+          <p:cNvPr id="10" name="テキスト ボックス 9"/>
+          <p:cNvSpPr txBox="1"/>
+          <p:nvPr/>
+        </p:nvSpPr>
+        <p:spPr>
+          <a:xfrm>
+            <a:off x="10530328" y="2284242"/>
+            <a:ext cx="461665" cy="1746257"/>
+          </a:xfrm>
+          <a:prstGeom prst="rect">
+            <a:avLst/>
+          </a:prstGeom>
+          <a:noFill/>
+        </p:spPr>
+        <p:txBody>
+          <a:bodyPr vert="eaVert" wrap="square" rtlCol="0">
+            <a:spAutoFit/>
+          </a:bodyPr>
+          <a:lstStyle/>
+          <a:p>
+            <a:r>
+              <a:rPr lang="ja-JP" altLang="en-US" dirty="0" smtClean="0"/>
+              <a:t>があるところに</a:t>
+            </a:r>
+            <a:endParaRPr kumimoji="1" lang="ja-JP" altLang="en-US" dirty="0"/>
+          </a:p>
+        </p:txBody>
+      </p:sp>
+      <p:sp>
+        <p:nvSpPr>
+          <p:cNvPr id="13" name="テキスト ボックス 12"/>
+          <p:cNvSpPr txBox="1"/>
+          <p:nvPr/>
+        </p:nvSpPr>
+        <p:spPr>
+          <a:xfrm>
+            <a:off x="990482" y="3184603"/>
+            <a:ext cx="4154834" cy="461665"/>
+          </a:xfrm>
+          <a:prstGeom prst="rect">
+            <a:avLst/>
+          </a:prstGeom>
+          <a:noFill/>
+        </p:spPr>
+        <p:txBody>
+          <a:bodyPr wrap="square" rtlCol="0">
+            <a:spAutoFit/>
+          </a:bodyPr>
+          <a:lstStyle/>
+          <a:p>
+            <a:r>
+              <a:rPr lang="ja-JP" altLang="en-US" dirty="0" smtClean="0"/>
+              <a:t>・</a:t>
+            </a:r>
+            <a:r>
+              <a:rPr lang="ja-JP" altLang="en-US" sz="2400" b="1" dirty="0" smtClean="0"/>
+              <a:t>タイマーを０以下にしない</a:t>
+            </a:r>
+            <a:endParaRPr lang="en-US" altLang="ja-JP" sz="2400" b="1" dirty="0" smtClean="0"/>
+          </a:p>
+        </p:txBody>
+      </p:sp>
+      <p:sp>
+        <p:nvSpPr>
+          <p:cNvPr id="6" name="右矢印 5"/>
+          <p:cNvSpPr/>
+          <p:nvPr/>
+        </p:nvSpPr>
+        <p:spPr>
+          <a:xfrm>
+            <a:off x="990482" y="2241070"/>
+            <a:ext cx="727482" cy="406400"/>
+          </a:xfrm>
+          <a:prstGeom prst="rightArrow">
+            <a:avLst>
+              <a:gd name="adj1" fmla="val 50000"/>
+              <a:gd name="adj2" fmla="val 72727"/>
+            </a:avLst>
+          </a:prstGeom>
+        </p:spPr>
+        <p:style>
+          <a:lnRef idx="2">
+            <a:schemeClr val="dk1">
+              <a:shade val="50000"/>
+            </a:schemeClr>
+          </a:lnRef>
+          <a:fillRef idx="1">
+            <a:schemeClr val="dk1"/>
+          </a:fillRef>
+          <a:effectRef idx="0">
+            <a:schemeClr val="dk1"/>
+          </a:effectRef>
+          <a:fontRef idx="minor">
+            <a:schemeClr val="lt1"/>
+          </a:fontRef>
+        </p:style>
+        <p:txBody>
+          <a:bodyPr rtlCol="0" anchor="ctr"/>
+          <a:lstStyle/>
+          <a:p>
+            <a:pPr algn="ctr"/>
+            <a:endParaRPr kumimoji="1" lang="ja-JP" altLang="en-US"/>
+          </a:p>
+        </p:txBody>
+      </p:sp>
+      <p:sp>
+        <p:nvSpPr>
+          <p:cNvPr id="11" name="テキスト ボックス 10"/>
+          <p:cNvSpPr txBox="1"/>
+          <p:nvPr/>
+        </p:nvSpPr>
+        <p:spPr>
+          <a:xfrm>
+            <a:off x="1717964" y="2271037"/>
+            <a:ext cx="3602182" cy="461665"/>
+          </a:xfrm>
+          <a:prstGeom prst="rect">
+            <a:avLst/>
+          </a:prstGeom>
+          <a:noFill/>
+        </p:spPr>
+        <p:txBody>
+          <a:bodyPr wrap="square" rtlCol="0">
+            <a:spAutoFit/>
+          </a:bodyPr>
+          <a:lstStyle/>
+          <a:p>
+            <a:r>
+              <a:rPr kumimoji="1" lang="ja-JP" altLang="en-US" sz="2400" b="1" dirty="0" smtClean="0"/>
+              <a:t>操作をできなくする</a:t>
+            </a:r>
+            <a:endParaRPr kumimoji="1" lang="ja-JP" altLang="en-US" sz="2400" b="1" dirty="0"/>
           </a:p>
         </p:txBody>
       </p:sp>
     </p:spTree>
     <p:extLst>
       <p:ext uri="{BB962C8B-B14F-4D97-AF65-F5344CB8AC3E}">
-        <p14:creationId xmlns:p14="http://schemas.microsoft.com/office/powerpoint/2010/main" val="2744418924"/>
+        <p14:creationId xmlns:p14="http://schemas.microsoft.com/office/powerpoint/2010/main" val="365879860"/>
       </p:ext>
     </p:extLst>
   </p:cSld>
@@ -13578,1202 +14583,39 @@
       </p:grpSpPr>
       <p:sp>
         <p:nvSpPr>
-          <p:cNvPr id="5" name="正方形/長方形 4"/>
-          <p:cNvSpPr/>
-          <p:nvPr/>
-        </p:nvSpPr>
-        <p:spPr>
-          <a:xfrm>
-            <a:off x="650631" y="901211"/>
-            <a:ext cx="10955215" cy="5653454"/>
-          </a:xfrm>
-          <a:prstGeom prst="rect">
-            <a:avLst/>
-          </a:prstGeom>
-          <a:noFill/>
-          <a:ln w="38100" cap="flat" cmpd="sng" algn="ctr">
-            <a:solidFill>
-              <a:schemeClr val="dk1"/>
-            </a:solidFill>
-            <a:prstDash val="solid"/>
-            <a:round/>
-            <a:headEnd type="none" w="med" len="med"/>
-            <a:tailEnd type="none" w="med" len="med"/>
-          </a:ln>
-        </p:spPr>
-        <p:style>
-          <a:lnRef idx="0">
-            <a:scrgbClr r="0" g="0" b="0"/>
-          </a:lnRef>
-          <a:fillRef idx="0">
-            <a:scrgbClr r="0" g="0" b="0"/>
-          </a:fillRef>
-          <a:effectRef idx="0">
-            <a:scrgbClr r="0" g="0" b="0"/>
-          </a:effectRef>
-          <a:fontRef idx="minor">
-            <a:schemeClr val="dk1"/>
-          </a:fontRef>
-        </p:style>
-        <p:txBody>
-          <a:bodyPr rtlCol="0" anchor="ctr"/>
-          <a:lstStyle/>
-          <a:p>
-            <a:pPr algn="ctr"/>
-            <a:endParaRPr kumimoji="1" lang="ja-JP" altLang="en-US"/>
-          </a:p>
-        </p:txBody>
-      </p:sp>
-      <p:sp>
-        <p:nvSpPr>
-          <p:cNvPr id="18" name="片側の 2 つの角を切り取った四角形 17"/>
-          <p:cNvSpPr/>
-          <p:nvPr/>
-        </p:nvSpPr>
-        <p:spPr>
-          <a:xfrm>
-            <a:off x="919487" y="575896"/>
-            <a:ext cx="2949128" cy="650630"/>
-          </a:xfrm>
-          <a:prstGeom prst="snip2SameRect">
-            <a:avLst/>
-          </a:prstGeom>
-        </p:spPr>
-        <p:style>
-          <a:lnRef idx="2">
-            <a:schemeClr val="accent2">
-              <a:shade val="50000"/>
-            </a:schemeClr>
-          </a:lnRef>
-          <a:fillRef idx="1">
-            <a:schemeClr val="accent2"/>
-          </a:fillRef>
-          <a:effectRef idx="0">
-            <a:schemeClr val="accent2"/>
-          </a:effectRef>
-          <a:fontRef idx="minor">
-            <a:schemeClr val="lt1"/>
-          </a:fontRef>
-        </p:style>
-        <p:txBody>
-          <a:bodyPr rtlCol="0" anchor="ctr"/>
-          <a:lstStyle/>
-          <a:p>
-            <a:pPr algn="ctr"/>
-            <a:endParaRPr kumimoji="1" lang="ja-JP" altLang="en-US"/>
-          </a:p>
-        </p:txBody>
-      </p:sp>
-      <p:sp>
-        <p:nvSpPr>
-          <p:cNvPr id="19" name="テキスト ボックス 18"/>
-          <p:cNvSpPr txBox="1"/>
-          <p:nvPr/>
-        </p:nvSpPr>
-        <p:spPr>
-          <a:xfrm>
-            <a:off x="1017598" y="685876"/>
-            <a:ext cx="2622417" cy="523220"/>
-          </a:xfrm>
-          <a:prstGeom prst="rect">
-            <a:avLst/>
-          </a:prstGeom>
-          <a:noFill/>
-        </p:spPr>
-        <p:txBody>
-          <a:bodyPr wrap="square" rtlCol="0">
-            <a:spAutoFit/>
+          <p:cNvPr id="2" name="タイトル 1"/>
+          <p:cNvSpPr>
+            <a:spLocks noGrp="1"/>
+          </p:cNvSpPr>
+          <p:nvPr>
+            <p:ph type="title"/>
+          </p:nvPr>
+        </p:nvSpPr>
+        <p:spPr>
+          <a:xfrm>
+            <a:off x="732692" y="2545617"/>
+            <a:ext cx="10515600" cy="1325563"/>
+          </a:xfrm>
+        </p:spPr>
+        <p:txBody>
+          <a:bodyPr>
+            <a:normAutofit/>
           </a:bodyPr>
           <a:lstStyle/>
           <a:p>
             <a:pPr algn="ctr"/>
             <a:r>
-              <a:rPr kumimoji="1" lang="ja-JP" altLang="en-US" sz="2800" b="1" dirty="0" smtClean="0">
-                <a:solidFill>
-                  <a:schemeClr val="bg2"/>
-                </a:solidFill>
-              </a:rPr>
-              <a:t>１つの場合</a:t>
-            </a:r>
-            <a:endParaRPr kumimoji="1" lang="ja-JP" altLang="en-US" sz="2800" b="1" dirty="0">
-              <a:solidFill>
-                <a:schemeClr val="bg2"/>
-              </a:solidFill>
-            </a:endParaRPr>
-          </a:p>
-        </p:txBody>
-      </p:sp>
-      <p:sp>
-        <p:nvSpPr>
-          <p:cNvPr id="22" name="正方形/長方形 21"/>
-          <p:cNvSpPr/>
-          <p:nvPr/>
-        </p:nvSpPr>
-        <p:spPr>
-          <a:xfrm>
-            <a:off x="4571382" y="480564"/>
-            <a:ext cx="3605463" cy="699047"/>
-          </a:xfrm>
-          <a:prstGeom prst="rect">
-            <a:avLst/>
-          </a:prstGeom>
-        </p:spPr>
-        <p:style>
-          <a:lnRef idx="2">
-            <a:schemeClr val="dk1"/>
-          </a:lnRef>
-          <a:fillRef idx="1">
-            <a:schemeClr val="lt1"/>
-          </a:fillRef>
-          <a:effectRef idx="0">
-            <a:schemeClr val="dk1"/>
-          </a:effectRef>
-          <a:fontRef idx="minor">
-            <a:schemeClr val="dk1"/>
-          </a:fontRef>
-        </p:style>
-        <p:txBody>
-          <a:bodyPr rtlCol="0" anchor="ctr"/>
-          <a:lstStyle/>
-          <a:p>
-            <a:pPr algn="ctr"/>
-            <a:endParaRPr kumimoji="1" lang="ja-JP" altLang="en-US"/>
-          </a:p>
-        </p:txBody>
-      </p:sp>
-      <p:sp>
-        <p:nvSpPr>
-          <p:cNvPr id="23" name="正方形/長方形 22"/>
-          <p:cNvSpPr/>
-          <p:nvPr/>
-        </p:nvSpPr>
-        <p:spPr>
-          <a:xfrm>
-            <a:off x="5102751" y="565467"/>
-            <a:ext cx="2634479" cy="584775"/>
-          </a:xfrm>
-          <a:prstGeom prst="rect">
-            <a:avLst/>
-          </a:prstGeom>
-        </p:spPr>
-        <p:txBody>
-          <a:bodyPr wrap="square">
-            <a:spAutoFit/>
-          </a:bodyPr>
-          <a:lstStyle/>
-          <a:p>
-            <a:r>
-              <a:rPr lang="ja-JP" altLang="en-US" sz="3200" b="1" dirty="0" smtClean="0"/>
+              <a:rPr kumimoji="1" lang="ja-JP" altLang="en-US" sz="7200" dirty="0" smtClean="0"/>
               <a:t>リザルト画面</a:t>
             </a:r>
-            <a:endParaRPr lang="ja-JP" altLang="en-US" sz="3200" b="1" dirty="0"/>
-          </a:p>
-        </p:txBody>
-      </p:sp>
-      <p:sp>
-        <p:nvSpPr>
-          <p:cNvPr id="3" name="テキスト ボックス 2"/>
-          <p:cNvSpPr txBox="1"/>
-          <p:nvPr/>
-        </p:nvSpPr>
-        <p:spPr>
-          <a:xfrm>
-            <a:off x="1635370" y="5046785"/>
-            <a:ext cx="1802422" cy="707886"/>
-          </a:xfrm>
-          <a:prstGeom prst="rect">
-            <a:avLst/>
-          </a:prstGeom>
-          <a:noFill/>
-        </p:spPr>
-        <p:txBody>
-          <a:bodyPr wrap="square" rtlCol="0">
-            <a:spAutoFit/>
-          </a:bodyPr>
-          <a:lstStyle/>
-          <a:p>
-            <a:pPr algn="ctr"/>
-            <a:r>
-              <a:rPr kumimoji="1" lang="ja-JP" altLang="en-US" sz="4000" b="1" dirty="0" smtClean="0">
-                <a:ln w="9525">
-                  <a:solidFill>
-                    <a:schemeClr val="bg1"/>
-                  </a:solidFill>
-                  <a:prstDash val="solid"/>
-                </a:ln>
-                <a:solidFill>
-                  <a:srgbClr val="C3C361"/>
-                </a:solidFill>
-                <a:effectLst>
-                  <a:outerShdw blurRad="12700" dist="38100" dir="2700000" algn="tl" rotWithShape="0">
-                    <a:schemeClr val="bg1">
-                      <a:lumMod val="50000"/>
-                    </a:schemeClr>
-                  </a:outerShdw>
-                </a:effectLst>
-              </a:rPr>
-              <a:t>１</a:t>
-            </a:r>
-            <a:r>
-              <a:rPr lang="ja-JP" altLang="en-US" sz="4000" b="1" dirty="0">
-                <a:ln w="9525">
-                  <a:solidFill>
-                    <a:schemeClr val="bg1"/>
-                  </a:solidFill>
-                  <a:prstDash val="solid"/>
-                </a:ln>
-                <a:solidFill>
-                  <a:srgbClr val="C3C361"/>
-                </a:solidFill>
-                <a:effectLst>
-                  <a:outerShdw blurRad="12700" dist="38100" dir="2700000" algn="tl" rotWithShape="0">
-                    <a:schemeClr val="bg1">
-                      <a:lumMod val="50000"/>
-                    </a:schemeClr>
-                  </a:outerShdw>
-                </a:effectLst>
-              </a:rPr>
-              <a:t>位</a:t>
-            </a:r>
-            <a:endParaRPr kumimoji="1" lang="ja-JP" altLang="en-US" sz="4000" b="1" dirty="0">
-              <a:ln w="9525">
-                <a:solidFill>
-                  <a:schemeClr val="bg1"/>
-                </a:solidFill>
-                <a:prstDash val="solid"/>
-              </a:ln>
-              <a:solidFill>
-                <a:srgbClr val="C3C361"/>
-              </a:solidFill>
-              <a:effectLst>
-                <a:outerShdw blurRad="12700" dist="38100" dir="2700000" algn="tl" rotWithShape="0">
-                  <a:schemeClr val="bg1">
-                    <a:lumMod val="50000"/>
-                  </a:schemeClr>
-                </a:outerShdw>
-              </a:effectLst>
-            </a:endParaRPr>
-          </a:p>
-        </p:txBody>
-      </p:sp>
-      <p:sp>
-        <p:nvSpPr>
-          <p:cNvPr id="20" name="テキスト ボックス 19"/>
-          <p:cNvSpPr txBox="1"/>
-          <p:nvPr/>
-        </p:nvSpPr>
-        <p:spPr>
-          <a:xfrm>
-            <a:off x="3868615" y="5046785"/>
-            <a:ext cx="1802422" cy="707886"/>
-          </a:xfrm>
-          <a:prstGeom prst="rect">
-            <a:avLst/>
-          </a:prstGeom>
-          <a:noFill/>
-        </p:spPr>
-        <p:txBody>
-          <a:bodyPr wrap="square" rtlCol="0">
-            <a:spAutoFit/>
-          </a:bodyPr>
-          <a:lstStyle/>
-          <a:p>
-            <a:pPr algn="ctr"/>
-            <a:r>
-              <a:rPr kumimoji="1" lang="ja-JP" altLang="en-US" sz="4000" b="1" dirty="0" smtClean="0">
-                <a:ln w="9525">
-                  <a:solidFill>
-                    <a:schemeClr val="tx1">
-                      <a:lumMod val="50000"/>
-                      <a:lumOff val="50000"/>
-                    </a:schemeClr>
-                  </a:solidFill>
-                  <a:prstDash val="solid"/>
-                </a:ln>
-                <a:solidFill>
-                  <a:schemeClr val="bg2">
-                    <a:lumMod val="75000"/>
-                  </a:schemeClr>
-                </a:solidFill>
-                <a:effectLst>
-                  <a:outerShdw blurRad="12700" dist="38100" dir="2700000" algn="tl" rotWithShape="0">
-                    <a:schemeClr val="bg1">
-                      <a:lumMod val="50000"/>
-                    </a:schemeClr>
-                  </a:outerShdw>
-                </a:effectLst>
-              </a:rPr>
-              <a:t>２</a:t>
-            </a:r>
-            <a:r>
-              <a:rPr lang="ja-JP" altLang="en-US" sz="4000" b="1" dirty="0" smtClean="0">
-                <a:ln w="9525">
-                  <a:solidFill>
-                    <a:schemeClr val="tx1">
-                      <a:lumMod val="50000"/>
-                      <a:lumOff val="50000"/>
-                    </a:schemeClr>
-                  </a:solidFill>
-                  <a:prstDash val="solid"/>
-                </a:ln>
-                <a:solidFill>
-                  <a:schemeClr val="bg2">
-                    <a:lumMod val="75000"/>
-                  </a:schemeClr>
-                </a:solidFill>
-                <a:effectLst>
-                  <a:outerShdw blurRad="12700" dist="38100" dir="2700000" algn="tl" rotWithShape="0">
-                    <a:schemeClr val="bg1">
-                      <a:lumMod val="50000"/>
-                    </a:schemeClr>
-                  </a:outerShdw>
-                </a:effectLst>
-              </a:rPr>
-              <a:t>位</a:t>
-            </a:r>
-            <a:endParaRPr kumimoji="1" lang="ja-JP" altLang="en-US" sz="4000" b="1" dirty="0">
-              <a:ln w="9525">
-                <a:solidFill>
-                  <a:schemeClr val="tx1">
-                    <a:lumMod val="50000"/>
-                    <a:lumOff val="50000"/>
-                  </a:schemeClr>
-                </a:solidFill>
-                <a:prstDash val="solid"/>
-              </a:ln>
-              <a:solidFill>
-                <a:schemeClr val="bg2">
-                  <a:lumMod val="75000"/>
-                </a:schemeClr>
-              </a:solidFill>
-              <a:effectLst>
-                <a:outerShdw blurRad="12700" dist="38100" dir="2700000" algn="tl" rotWithShape="0">
-                  <a:schemeClr val="bg1">
-                    <a:lumMod val="50000"/>
-                  </a:schemeClr>
-                </a:outerShdw>
-              </a:effectLst>
-            </a:endParaRPr>
-          </a:p>
-        </p:txBody>
-      </p:sp>
-      <p:sp>
-        <p:nvSpPr>
-          <p:cNvPr id="21" name="テキスト ボックス 20"/>
-          <p:cNvSpPr txBox="1"/>
-          <p:nvPr/>
-        </p:nvSpPr>
-        <p:spPr>
-          <a:xfrm>
-            <a:off x="6227884" y="5046785"/>
-            <a:ext cx="1802422" cy="707886"/>
-          </a:xfrm>
-          <a:prstGeom prst="rect">
-            <a:avLst/>
-          </a:prstGeom>
-          <a:noFill/>
-        </p:spPr>
-        <p:txBody>
-          <a:bodyPr wrap="square" rtlCol="0">
-            <a:spAutoFit/>
-          </a:bodyPr>
-          <a:lstStyle/>
-          <a:p>
-            <a:pPr algn="ctr"/>
-            <a:r>
-              <a:rPr kumimoji="1" lang="ja-JP" altLang="en-US" sz="4000" b="1" dirty="0" smtClean="0">
-                <a:ln w="9525">
-                  <a:solidFill>
-                    <a:schemeClr val="tx2">
-                      <a:lumMod val="20000"/>
-                      <a:lumOff val="80000"/>
-                    </a:schemeClr>
-                  </a:solidFill>
-                  <a:prstDash val="solid"/>
-                </a:ln>
-                <a:solidFill>
-                  <a:schemeClr val="accent2">
-                    <a:lumMod val="75000"/>
-                  </a:schemeClr>
-                </a:solidFill>
-                <a:effectLst>
-                  <a:outerShdw blurRad="12700" dist="38100" dir="2700000" algn="tl" rotWithShape="0">
-                    <a:schemeClr val="bg1">
-                      <a:lumMod val="50000"/>
-                    </a:schemeClr>
-                  </a:outerShdw>
-                </a:effectLst>
-              </a:rPr>
-              <a:t>３</a:t>
-            </a:r>
-            <a:r>
-              <a:rPr lang="ja-JP" altLang="en-US" sz="4000" b="1" dirty="0" smtClean="0">
-                <a:ln w="9525">
-                  <a:solidFill>
-                    <a:schemeClr val="tx2">
-                      <a:lumMod val="20000"/>
-                      <a:lumOff val="80000"/>
-                    </a:schemeClr>
-                  </a:solidFill>
-                  <a:prstDash val="solid"/>
-                </a:ln>
-                <a:solidFill>
-                  <a:schemeClr val="accent2">
-                    <a:lumMod val="75000"/>
-                  </a:schemeClr>
-                </a:solidFill>
-                <a:effectLst>
-                  <a:outerShdw blurRad="12700" dist="38100" dir="2700000" algn="tl" rotWithShape="0">
-                    <a:schemeClr val="bg1">
-                      <a:lumMod val="50000"/>
-                    </a:schemeClr>
-                  </a:outerShdw>
-                </a:effectLst>
-              </a:rPr>
-              <a:t>位</a:t>
-            </a:r>
-            <a:endParaRPr kumimoji="1" lang="ja-JP" altLang="en-US" sz="4000" b="1" dirty="0">
-              <a:ln w="9525">
-                <a:solidFill>
-                  <a:schemeClr val="tx2">
-                    <a:lumMod val="20000"/>
-                    <a:lumOff val="80000"/>
-                  </a:schemeClr>
-                </a:solidFill>
-                <a:prstDash val="solid"/>
-              </a:ln>
-              <a:solidFill>
-                <a:schemeClr val="accent2">
-                  <a:lumMod val="75000"/>
-                </a:schemeClr>
-              </a:solidFill>
-              <a:effectLst>
-                <a:outerShdw blurRad="12700" dist="38100" dir="2700000" algn="tl" rotWithShape="0">
-                  <a:schemeClr val="bg1">
-                    <a:lumMod val="50000"/>
-                  </a:schemeClr>
-                </a:outerShdw>
-              </a:effectLst>
-            </a:endParaRPr>
-          </a:p>
-        </p:txBody>
-      </p:sp>
-      <p:sp>
-        <p:nvSpPr>
-          <p:cNvPr id="24" name="テキスト ボックス 23"/>
-          <p:cNvSpPr txBox="1"/>
-          <p:nvPr/>
-        </p:nvSpPr>
-        <p:spPr>
-          <a:xfrm>
-            <a:off x="8508022" y="5046785"/>
-            <a:ext cx="1802422" cy="707886"/>
-          </a:xfrm>
-          <a:prstGeom prst="rect">
-            <a:avLst/>
-          </a:prstGeom>
-          <a:noFill/>
-        </p:spPr>
-        <p:txBody>
-          <a:bodyPr wrap="square" rtlCol="0">
-            <a:spAutoFit/>
-          </a:bodyPr>
-          <a:lstStyle/>
-          <a:p>
-            <a:pPr algn="ctr"/>
-            <a:r>
-              <a:rPr kumimoji="1" lang="ja-JP" altLang="en-US" sz="4000" b="1" dirty="0" smtClean="0">
-                <a:ln w="9525">
-                  <a:solidFill>
-                    <a:srgbClr val="0070C0"/>
-                  </a:solidFill>
-                  <a:prstDash val="solid"/>
-                </a:ln>
-                <a:solidFill>
-                  <a:srgbClr val="9231A5"/>
-                </a:solidFill>
-                <a:effectLst>
-                  <a:outerShdw blurRad="12700" dist="38100" dir="2700000" algn="tl" rotWithShape="0">
-                    <a:schemeClr val="bg1">
-                      <a:lumMod val="50000"/>
-                    </a:schemeClr>
-                  </a:outerShdw>
-                </a:effectLst>
-              </a:rPr>
-              <a:t>４</a:t>
-            </a:r>
-            <a:r>
-              <a:rPr lang="ja-JP" altLang="en-US" sz="4000" b="1" dirty="0" smtClean="0">
-                <a:ln w="9525">
-                  <a:solidFill>
-                    <a:srgbClr val="0070C0"/>
-                  </a:solidFill>
-                  <a:prstDash val="solid"/>
-                </a:ln>
-                <a:solidFill>
-                  <a:srgbClr val="9231A5"/>
-                </a:solidFill>
-                <a:effectLst>
-                  <a:outerShdw blurRad="12700" dist="38100" dir="2700000" algn="tl" rotWithShape="0">
-                    <a:schemeClr val="bg1">
-                      <a:lumMod val="50000"/>
-                    </a:schemeClr>
-                  </a:outerShdw>
-                </a:effectLst>
-              </a:rPr>
-              <a:t>位</a:t>
-            </a:r>
-            <a:endParaRPr kumimoji="1" lang="ja-JP" altLang="en-US" sz="4000" b="1" dirty="0">
-              <a:ln w="9525">
-                <a:solidFill>
-                  <a:srgbClr val="0070C0"/>
-                </a:solidFill>
-                <a:prstDash val="solid"/>
-              </a:ln>
-              <a:solidFill>
-                <a:srgbClr val="9231A5"/>
-              </a:solidFill>
-              <a:effectLst>
-                <a:outerShdw blurRad="12700" dist="38100" dir="2700000" algn="tl" rotWithShape="0">
-                  <a:schemeClr val="bg1">
-                    <a:lumMod val="50000"/>
-                  </a:schemeClr>
-                </a:outerShdw>
-              </a:effectLst>
-            </a:endParaRPr>
-          </a:p>
-        </p:txBody>
-      </p:sp>
-      <p:sp>
-        <p:nvSpPr>
-          <p:cNvPr id="10" name="テキスト ボックス 9"/>
-          <p:cNvSpPr txBox="1"/>
-          <p:nvPr/>
-        </p:nvSpPr>
-        <p:spPr>
-          <a:xfrm>
-            <a:off x="1644162" y="1951891"/>
-            <a:ext cx="1793630" cy="461665"/>
-          </a:xfrm>
-          <a:prstGeom prst="rect">
-            <a:avLst/>
-          </a:prstGeom>
-          <a:noFill/>
-        </p:spPr>
-        <p:txBody>
-          <a:bodyPr wrap="square" rtlCol="0">
-            <a:spAutoFit/>
-          </a:bodyPr>
-          <a:lstStyle/>
-          <a:p>
-            <a:pPr algn="ctr"/>
-            <a:r>
-              <a:rPr lang="ja-JP" altLang="en-US" sz="2400" b="1" dirty="0" smtClean="0">
-                <a:ln w="9525">
-                  <a:solidFill>
-                    <a:schemeClr val="bg1"/>
-                  </a:solidFill>
-                  <a:prstDash val="solid"/>
-                </a:ln>
-                <a:solidFill>
-                  <a:srgbClr val="C3C361"/>
-                </a:solidFill>
-                <a:effectLst>
-                  <a:outerShdw blurRad="12700" dist="38100" dir="2700000" algn="tl" rotWithShape="0">
-                    <a:schemeClr val="bg1">
-                      <a:lumMod val="50000"/>
-                    </a:schemeClr>
-                  </a:outerShdw>
-                </a:effectLst>
-              </a:rPr>
-              <a:t>１位</a:t>
-            </a:r>
-            <a:r>
-              <a:rPr kumimoji="1" lang="ja-JP" altLang="en-US" sz="2400" b="1" dirty="0" smtClean="0"/>
-              <a:t>の</a:t>
-            </a:r>
-            <a:r>
-              <a:rPr kumimoji="1" lang="ja-JP" altLang="en-US" sz="2400" b="1" dirty="0" smtClean="0">
-                <a:solidFill>
-                  <a:srgbClr val="FF0000"/>
-                </a:solidFill>
-              </a:rPr>
-              <a:t>点数</a:t>
-            </a:r>
-            <a:endParaRPr kumimoji="1" lang="ja-JP" altLang="en-US" sz="2400" b="1" dirty="0">
-              <a:solidFill>
-                <a:srgbClr val="FF0000"/>
-              </a:solidFill>
-            </a:endParaRPr>
-          </a:p>
-        </p:txBody>
-      </p:sp>
-      <p:sp>
-        <p:nvSpPr>
-          <p:cNvPr id="25" name="テキスト ボックス 24"/>
-          <p:cNvSpPr txBox="1"/>
-          <p:nvPr/>
-        </p:nvSpPr>
-        <p:spPr>
-          <a:xfrm>
-            <a:off x="3877407" y="1951891"/>
-            <a:ext cx="1793630" cy="461665"/>
-          </a:xfrm>
-          <a:prstGeom prst="rect">
-            <a:avLst/>
-          </a:prstGeom>
-          <a:noFill/>
-        </p:spPr>
-        <p:txBody>
-          <a:bodyPr wrap="square" rtlCol="0">
-            <a:spAutoFit/>
-          </a:bodyPr>
-          <a:lstStyle/>
-          <a:p>
-            <a:pPr algn="ctr"/>
-            <a:r>
-              <a:rPr lang="ja-JP" altLang="en-US" sz="2400" b="1" dirty="0" smtClean="0">
-                <a:ln w="9525">
-                  <a:solidFill>
-                    <a:schemeClr val="tx1">
-                      <a:lumMod val="50000"/>
-                      <a:lumOff val="50000"/>
-                    </a:schemeClr>
-                  </a:solidFill>
-                  <a:prstDash val="solid"/>
-                </a:ln>
-                <a:solidFill>
-                  <a:schemeClr val="bg2">
-                    <a:lumMod val="75000"/>
-                  </a:schemeClr>
-                </a:solidFill>
-                <a:effectLst>
-                  <a:outerShdw blurRad="12700" dist="38100" dir="2700000" algn="tl" rotWithShape="0">
-                    <a:schemeClr val="bg1">
-                      <a:lumMod val="50000"/>
-                    </a:schemeClr>
-                  </a:outerShdw>
-                </a:effectLst>
-              </a:rPr>
-              <a:t>２位</a:t>
-            </a:r>
-            <a:r>
-              <a:rPr kumimoji="1" lang="ja-JP" altLang="en-US" sz="2400" b="1" dirty="0" smtClean="0"/>
-              <a:t>の</a:t>
-            </a:r>
-            <a:r>
-              <a:rPr kumimoji="1" lang="ja-JP" altLang="en-US" sz="2400" b="1" dirty="0" smtClean="0">
-                <a:solidFill>
-                  <a:srgbClr val="FF0000"/>
-                </a:solidFill>
-              </a:rPr>
-              <a:t>点数</a:t>
-            </a:r>
-            <a:endParaRPr kumimoji="1" lang="ja-JP" altLang="en-US" sz="2400" b="1" dirty="0">
-              <a:solidFill>
-                <a:srgbClr val="FF0000"/>
-              </a:solidFill>
-            </a:endParaRPr>
-          </a:p>
-        </p:txBody>
-      </p:sp>
-      <p:sp>
-        <p:nvSpPr>
-          <p:cNvPr id="26" name="テキスト ボックス 25"/>
-          <p:cNvSpPr txBox="1"/>
-          <p:nvPr/>
-        </p:nvSpPr>
-        <p:spPr>
-          <a:xfrm>
-            <a:off x="6371489" y="1951890"/>
-            <a:ext cx="1793630" cy="461665"/>
-          </a:xfrm>
-          <a:prstGeom prst="rect">
-            <a:avLst/>
-          </a:prstGeom>
-          <a:noFill/>
-        </p:spPr>
-        <p:txBody>
-          <a:bodyPr wrap="square" rtlCol="0">
-            <a:spAutoFit/>
-          </a:bodyPr>
-          <a:lstStyle/>
-          <a:p>
-            <a:pPr algn="ctr"/>
-            <a:r>
-              <a:rPr lang="ja-JP" altLang="en-US" sz="2400" b="1" dirty="0" smtClean="0">
-                <a:ln w="9525">
-                  <a:solidFill>
-                    <a:schemeClr val="tx2">
-                      <a:lumMod val="20000"/>
-                      <a:lumOff val="80000"/>
-                    </a:schemeClr>
-                  </a:solidFill>
-                  <a:prstDash val="solid"/>
-                </a:ln>
-                <a:solidFill>
-                  <a:schemeClr val="accent2">
-                    <a:lumMod val="75000"/>
-                  </a:schemeClr>
-                </a:solidFill>
-                <a:effectLst>
-                  <a:outerShdw blurRad="12700" dist="38100" dir="2700000" algn="tl" rotWithShape="0">
-                    <a:schemeClr val="bg1">
-                      <a:lumMod val="50000"/>
-                    </a:schemeClr>
-                  </a:outerShdw>
-                </a:effectLst>
-              </a:rPr>
-              <a:t>３位</a:t>
-            </a:r>
-            <a:r>
-              <a:rPr kumimoji="1" lang="ja-JP" altLang="en-US" sz="2400" b="1" dirty="0" smtClean="0"/>
-              <a:t>の</a:t>
-            </a:r>
-            <a:r>
-              <a:rPr kumimoji="1" lang="ja-JP" altLang="en-US" sz="2400" b="1" dirty="0" smtClean="0">
-                <a:solidFill>
-                  <a:srgbClr val="FF0000"/>
-                </a:solidFill>
-              </a:rPr>
-              <a:t>点数</a:t>
-            </a:r>
-            <a:endParaRPr kumimoji="1" lang="ja-JP" altLang="en-US" sz="2400" b="1" dirty="0">
-              <a:solidFill>
-                <a:srgbClr val="FF0000"/>
-              </a:solidFill>
-            </a:endParaRPr>
-          </a:p>
-        </p:txBody>
-      </p:sp>
-      <p:sp>
-        <p:nvSpPr>
-          <p:cNvPr id="27" name="テキスト ボックス 26"/>
-          <p:cNvSpPr txBox="1"/>
-          <p:nvPr/>
-        </p:nvSpPr>
-        <p:spPr>
-          <a:xfrm>
-            <a:off x="8604734" y="1951890"/>
-            <a:ext cx="1793630" cy="461665"/>
-          </a:xfrm>
-          <a:prstGeom prst="rect">
-            <a:avLst/>
-          </a:prstGeom>
-          <a:noFill/>
-        </p:spPr>
-        <p:txBody>
-          <a:bodyPr wrap="square" rtlCol="0">
-            <a:spAutoFit/>
-          </a:bodyPr>
-          <a:lstStyle/>
-          <a:p>
-            <a:pPr algn="ctr"/>
-            <a:r>
-              <a:rPr lang="ja-JP" altLang="en-US" sz="2400" b="1" dirty="0" smtClean="0">
-                <a:ln w="9525">
-                  <a:solidFill>
-                    <a:srgbClr val="0070C0"/>
-                  </a:solidFill>
-                  <a:prstDash val="solid"/>
-                </a:ln>
-                <a:solidFill>
-                  <a:srgbClr val="9231A5"/>
-                </a:solidFill>
-                <a:effectLst>
-                  <a:outerShdw blurRad="12700" dist="38100" dir="2700000" algn="tl" rotWithShape="0">
-                    <a:schemeClr val="bg1">
-                      <a:lumMod val="50000"/>
-                    </a:schemeClr>
-                  </a:outerShdw>
-                </a:effectLst>
-              </a:rPr>
-              <a:t>４位</a:t>
-            </a:r>
-            <a:r>
-              <a:rPr kumimoji="1" lang="ja-JP" altLang="en-US" sz="2400" b="1" dirty="0" smtClean="0"/>
-              <a:t>の</a:t>
-            </a:r>
-            <a:r>
-              <a:rPr kumimoji="1" lang="ja-JP" altLang="en-US" sz="2400" b="1" dirty="0" smtClean="0">
-                <a:solidFill>
-                  <a:srgbClr val="FF0000"/>
-                </a:solidFill>
-              </a:rPr>
-              <a:t>点数</a:t>
-            </a:r>
-            <a:endParaRPr kumimoji="1" lang="ja-JP" altLang="en-US" sz="2400" b="1" dirty="0">
-              <a:solidFill>
-                <a:srgbClr val="FF0000"/>
-              </a:solidFill>
-            </a:endParaRPr>
-          </a:p>
-        </p:txBody>
-      </p:sp>
-      <p:sp>
-        <p:nvSpPr>
-          <p:cNvPr id="11" name="正方形/長方形 10"/>
-          <p:cNvSpPr/>
-          <p:nvPr/>
-        </p:nvSpPr>
-        <p:spPr>
-          <a:xfrm rot="1124844">
-            <a:off x="4290646" y="2844598"/>
-            <a:ext cx="958362" cy="1820007"/>
-          </a:xfrm>
-          <a:prstGeom prst="rect">
-            <a:avLst/>
-          </a:prstGeom>
-          <a:solidFill>
-            <a:srgbClr val="FF0000"/>
-          </a:solidFill>
-        </p:spPr>
-        <p:style>
-          <a:lnRef idx="2">
-            <a:schemeClr val="accent1">
-              <a:shade val="50000"/>
-            </a:schemeClr>
-          </a:lnRef>
-          <a:fillRef idx="1">
-            <a:schemeClr val="accent1"/>
-          </a:fillRef>
-          <a:effectRef idx="0">
-            <a:schemeClr val="accent1"/>
-          </a:effectRef>
-          <a:fontRef idx="minor">
-            <a:schemeClr val="lt1"/>
-          </a:fontRef>
-        </p:style>
-        <p:txBody>
-          <a:bodyPr rtlCol="0" anchor="ctr"/>
-          <a:lstStyle/>
-          <a:p>
-            <a:pPr algn="ctr"/>
-            <a:endParaRPr kumimoji="1" lang="ja-JP" altLang="en-US"/>
-          </a:p>
-        </p:txBody>
-      </p:sp>
-      <p:sp>
-        <p:nvSpPr>
-          <p:cNvPr id="28" name="正方形/長方形 27"/>
-          <p:cNvSpPr/>
-          <p:nvPr/>
-        </p:nvSpPr>
-        <p:spPr>
-          <a:xfrm rot="1480039">
-            <a:off x="1914870" y="2817936"/>
-            <a:ext cx="958362" cy="1820007"/>
-          </a:xfrm>
-          <a:prstGeom prst="rect">
-            <a:avLst/>
-          </a:prstGeom>
-        </p:spPr>
-        <p:style>
-          <a:lnRef idx="2">
-            <a:schemeClr val="accent1">
-              <a:shade val="50000"/>
-            </a:schemeClr>
-          </a:lnRef>
-          <a:fillRef idx="1">
-            <a:schemeClr val="accent1"/>
-          </a:fillRef>
-          <a:effectRef idx="0">
-            <a:schemeClr val="accent1"/>
-          </a:effectRef>
-          <a:fontRef idx="minor">
-            <a:schemeClr val="lt1"/>
-          </a:fontRef>
-        </p:style>
-        <p:txBody>
-          <a:bodyPr rtlCol="0" anchor="ctr"/>
-          <a:lstStyle/>
-          <a:p>
-            <a:pPr algn="ctr"/>
-            <a:endParaRPr kumimoji="1" lang="ja-JP" altLang="en-US"/>
-          </a:p>
-        </p:txBody>
-      </p:sp>
-      <p:sp>
-        <p:nvSpPr>
-          <p:cNvPr id="29" name="正方形/長方形 28"/>
-          <p:cNvSpPr/>
-          <p:nvPr/>
-        </p:nvSpPr>
-        <p:spPr>
-          <a:xfrm rot="316070">
-            <a:off x="6697343" y="2789449"/>
-            <a:ext cx="958362" cy="1820007"/>
-          </a:xfrm>
-          <a:prstGeom prst="rect">
-            <a:avLst/>
-          </a:prstGeom>
-          <a:solidFill>
-            <a:srgbClr val="00B050"/>
-          </a:solidFill>
-        </p:spPr>
-        <p:style>
-          <a:lnRef idx="2">
-            <a:schemeClr val="accent1">
-              <a:shade val="50000"/>
-            </a:schemeClr>
-          </a:lnRef>
-          <a:fillRef idx="1">
-            <a:schemeClr val="accent1"/>
-          </a:fillRef>
-          <a:effectRef idx="0">
-            <a:schemeClr val="accent1"/>
-          </a:effectRef>
-          <a:fontRef idx="minor">
-            <a:schemeClr val="lt1"/>
-          </a:fontRef>
-        </p:style>
-        <p:txBody>
-          <a:bodyPr rtlCol="0" anchor="ctr"/>
-          <a:lstStyle/>
-          <a:p>
-            <a:pPr algn="ctr"/>
-            <a:endParaRPr kumimoji="1" lang="ja-JP" altLang="en-US"/>
-          </a:p>
-        </p:txBody>
-      </p:sp>
-      <p:sp>
-        <p:nvSpPr>
-          <p:cNvPr id="30" name="正方形/長方形 29"/>
-          <p:cNvSpPr/>
-          <p:nvPr/>
-        </p:nvSpPr>
-        <p:spPr>
-          <a:xfrm>
-            <a:off x="9022368" y="2844597"/>
-            <a:ext cx="958362" cy="1820007"/>
-          </a:xfrm>
-          <a:prstGeom prst="rect">
-            <a:avLst/>
-          </a:prstGeom>
-          <a:solidFill>
-            <a:srgbClr val="FFFF00"/>
-          </a:solidFill>
-        </p:spPr>
-        <p:style>
-          <a:lnRef idx="2">
-            <a:schemeClr val="accent1">
-              <a:shade val="50000"/>
-            </a:schemeClr>
-          </a:lnRef>
-          <a:fillRef idx="1">
-            <a:schemeClr val="accent1"/>
-          </a:fillRef>
-          <a:effectRef idx="0">
-            <a:schemeClr val="accent1"/>
-          </a:effectRef>
-          <a:fontRef idx="minor">
-            <a:schemeClr val="lt1"/>
-          </a:fontRef>
-        </p:style>
-        <p:txBody>
-          <a:bodyPr rtlCol="0" anchor="ctr"/>
-          <a:lstStyle/>
-          <a:p>
-            <a:pPr algn="ctr"/>
-            <a:endParaRPr kumimoji="1" lang="ja-JP" altLang="en-US"/>
-          </a:p>
-        </p:txBody>
-      </p:sp>
-      <p:sp>
-        <p:nvSpPr>
-          <p:cNvPr id="13" name="テキスト ボックス 12"/>
-          <p:cNvSpPr txBox="1"/>
-          <p:nvPr/>
-        </p:nvSpPr>
-        <p:spPr>
-          <a:xfrm>
-            <a:off x="1960832" y="3523767"/>
-            <a:ext cx="963003" cy="523220"/>
-          </a:xfrm>
-          <a:prstGeom prst="rect">
-            <a:avLst/>
-          </a:prstGeom>
-          <a:noFill/>
-        </p:spPr>
-        <p:txBody>
-          <a:bodyPr wrap="square" rtlCol="0">
-            <a:spAutoFit/>
-          </a:bodyPr>
-          <a:lstStyle/>
-          <a:p>
-            <a:pPr algn="ctr"/>
-            <a:r>
-              <a:rPr kumimoji="1" lang="ja-JP" altLang="en-US" sz="2800" b="1" dirty="0" smtClean="0">
-                <a:solidFill>
-                  <a:schemeClr val="bg1"/>
-                </a:solidFill>
-              </a:rPr>
-              <a:t>１Ｐ</a:t>
-            </a:r>
-            <a:endParaRPr kumimoji="1" lang="ja-JP" altLang="en-US" sz="2800" b="1" dirty="0">
-              <a:solidFill>
-                <a:schemeClr val="bg1"/>
-              </a:solidFill>
-            </a:endParaRPr>
-          </a:p>
-        </p:txBody>
-      </p:sp>
-      <p:sp>
-        <p:nvSpPr>
-          <p:cNvPr id="32" name="テキスト ボックス 31"/>
-          <p:cNvSpPr txBox="1"/>
-          <p:nvPr/>
-        </p:nvSpPr>
-        <p:spPr>
-          <a:xfrm>
-            <a:off x="4309055" y="3492990"/>
-            <a:ext cx="963003" cy="523220"/>
-          </a:xfrm>
-          <a:prstGeom prst="rect">
-            <a:avLst/>
-          </a:prstGeom>
-          <a:noFill/>
-        </p:spPr>
-        <p:txBody>
-          <a:bodyPr wrap="square" rtlCol="0">
-            <a:spAutoFit/>
-          </a:bodyPr>
-          <a:lstStyle/>
-          <a:p>
-            <a:pPr algn="ctr"/>
-            <a:r>
-              <a:rPr kumimoji="1" lang="ja-JP" altLang="en-US" sz="2800" b="1" dirty="0" smtClean="0">
-                <a:solidFill>
-                  <a:schemeClr val="bg1"/>
-                </a:solidFill>
-              </a:rPr>
-              <a:t>２Ｐ</a:t>
-            </a:r>
-            <a:endParaRPr kumimoji="1" lang="ja-JP" altLang="en-US" sz="2800" b="1" dirty="0">
-              <a:solidFill>
-                <a:schemeClr val="bg1"/>
-              </a:solidFill>
-            </a:endParaRPr>
-          </a:p>
-        </p:txBody>
-      </p:sp>
-      <p:sp>
-        <p:nvSpPr>
-          <p:cNvPr id="33" name="テキスト ボックス 32"/>
-          <p:cNvSpPr txBox="1"/>
-          <p:nvPr/>
-        </p:nvSpPr>
-        <p:spPr>
-          <a:xfrm>
-            <a:off x="6743320" y="3437842"/>
-            <a:ext cx="963003" cy="523220"/>
-          </a:xfrm>
-          <a:prstGeom prst="rect">
-            <a:avLst/>
-          </a:prstGeom>
-          <a:noFill/>
-        </p:spPr>
-        <p:txBody>
-          <a:bodyPr wrap="square" rtlCol="0">
-            <a:spAutoFit/>
-          </a:bodyPr>
-          <a:lstStyle/>
-          <a:p>
-            <a:pPr algn="ctr"/>
-            <a:r>
-              <a:rPr kumimoji="1" lang="ja-JP" altLang="en-US" sz="2800" b="1" dirty="0" smtClean="0">
-                <a:solidFill>
-                  <a:schemeClr val="bg1"/>
-                </a:solidFill>
-              </a:rPr>
-              <a:t>３Ｐ</a:t>
-            </a:r>
-            <a:endParaRPr kumimoji="1" lang="ja-JP" altLang="en-US" sz="2800" b="1" dirty="0">
-              <a:solidFill>
-                <a:schemeClr val="bg1"/>
-              </a:solidFill>
-            </a:endParaRPr>
-          </a:p>
-        </p:txBody>
-      </p:sp>
-      <p:sp>
-        <p:nvSpPr>
-          <p:cNvPr id="34" name="テキスト ボックス 33"/>
-          <p:cNvSpPr txBox="1"/>
-          <p:nvPr/>
-        </p:nvSpPr>
-        <p:spPr>
-          <a:xfrm>
-            <a:off x="9022368" y="3475260"/>
-            <a:ext cx="963003" cy="523220"/>
-          </a:xfrm>
-          <a:prstGeom prst="rect">
-            <a:avLst/>
-          </a:prstGeom>
-          <a:noFill/>
-        </p:spPr>
-        <p:txBody>
-          <a:bodyPr wrap="square" rtlCol="0">
-            <a:spAutoFit/>
-          </a:bodyPr>
-          <a:lstStyle/>
-          <a:p>
-            <a:pPr algn="ctr"/>
-            <a:r>
-              <a:rPr kumimoji="1" lang="ja-JP" altLang="en-US" sz="2800" b="1" dirty="0" smtClean="0"/>
-              <a:t>４Ｐ</a:t>
-            </a:r>
-            <a:endParaRPr kumimoji="1" lang="ja-JP" altLang="en-US" sz="2800" b="1" dirty="0"/>
-          </a:p>
-        </p:txBody>
-      </p:sp>
-      <p:sp>
-        <p:nvSpPr>
-          <p:cNvPr id="35" name="テキスト ボックス 34"/>
-          <p:cNvSpPr txBox="1"/>
-          <p:nvPr/>
-        </p:nvSpPr>
-        <p:spPr>
-          <a:xfrm>
-            <a:off x="2697772" y="5832037"/>
-            <a:ext cx="7060223" cy="523220"/>
-          </a:xfrm>
-          <a:prstGeom prst="rect">
-            <a:avLst/>
-          </a:prstGeom>
-          <a:noFill/>
-        </p:spPr>
-        <p:txBody>
-          <a:bodyPr wrap="square" rtlCol="0">
-            <a:spAutoFit/>
-          </a:bodyPr>
-          <a:lstStyle/>
-          <a:p>
-            <a:pPr algn="ctr"/>
-            <a:r>
-              <a:rPr kumimoji="1" lang="ja-JP" altLang="en-US" sz="2800" b="1" dirty="0" smtClean="0"/>
-              <a:t>それぞれの</a:t>
-            </a:r>
-            <a:r>
-              <a:rPr kumimoji="1" lang="ja-JP" altLang="en-US" sz="2800" b="1" dirty="0" smtClean="0">
-                <a:solidFill>
-                  <a:srgbClr val="FF0000"/>
-                </a:solidFill>
-              </a:rPr>
-              <a:t>点数</a:t>
-            </a:r>
-            <a:r>
-              <a:rPr kumimoji="1" lang="ja-JP" altLang="en-US" sz="2800" b="1" dirty="0" smtClean="0"/>
-              <a:t>と順位のプレイヤーを出す</a:t>
-            </a:r>
-            <a:endParaRPr kumimoji="1" lang="ja-JP" altLang="en-US" sz="2800" b="1" dirty="0"/>
+            <a:endParaRPr kumimoji="1" lang="ja-JP" altLang="en-US" sz="7200" dirty="0"/>
           </a:p>
         </p:txBody>
       </p:sp>
     </p:spTree>
     <p:extLst>
       <p:ext uri="{BB962C8B-B14F-4D97-AF65-F5344CB8AC3E}">
-        <p14:creationId xmlns:p14="http://schemas.microsoft.com/office/powerpoint/2010/main" val="4217526710"/>
+        <p14:creationId xmlns:p14="http://schemas.microsoft.com/office/powerpoint/2010/main" val="2744418924"/>
       </p:ext>
     </p:extLst>
   </p:cSld>
@@ -15205,7 +15047,7 @@
           <a:p>
             <a:pPr algn="ctr"/>
             <a:r>
-              <a:rPr lang="ja-JP" altLang="en-US" sz="4000" b="1" dirty="0">
+              <a:rPr kumimoji="1" lang="ja-JP" altLang="en-US" sz="4000" b="1" dirty="0" smtClean="0">
                 <a:ln w="9525">
                   <a:solidFill>
                     <a:schemeClr val="tx2">
@@ -15228,36 +15070,10 @@
                   </a:outerShdw>
                 </a:effectLst>
               </a:rPr>
-              <a:t>３位</a:t>
-            </a:r>
-          </a:p>
-        </p:txBody>
-      </p:sp>
-      <p:sp>
-        <p:nvSpPr>
-          <p:cNvPr id="24" name="テキスト ボックス 23"/>
-          <p:cNvSpPr txBox="1"/>
-          <p:nvPr/>
-        </p:nvSpPr>
-        <p:spPr>
-          <a:xfrm>
-            <a:off x="8508022" y="5046785"/>
-            <a:ext cx="1802422" cy="707886"/>
-          </a:xfrm>
-          <a:prstGeom prst="rect">
-            <a:avLst/>
-          </a:prstGeom>
-          <a:noFill/>
-        </p:spPr>
-        <p:txBody>
-          <a:bodyPr wrap="square" rtlCol="0">
-            <a:spAutoFit/>
-          </a:bodyPr>
-          <a:lstStyle/>
-          <a:p>
-            <a:pPr algn="ctr"/>
-            <a:r>
-              <a:rPr lang="ja-JP" altLang="en-US" sz="4000" b="1" dirty="0">
+              <a:t>３</a:t>
+            </a:r>
+            <a:r>
+              <a:rPr lang="ja-JP" altLang="en-US" sz="4000" b="1" dirty="0" smtClean="0">
                 <a:ln w="9525">
                   <a:solidFill>
                     <a:schemeClr val="tx2">
@@ -15280,8 +15096,117 @@
                   </a:outerShdw>
                 </a:effectLst>
               </a:rPr>
-              <a:t>３位</a:t>
-            </a:r>
+              <a:t>位</a:t>
+            </a:r>
+            <a:endParaRPr kumimoji="1" lang="ja-JP" altLang="en-US" sz="4000" b="1" dirty="0">
+              <a:ln w="9525">
+                <a:solidFill>
+                  <a:schemeClr val="tx2">
+                    <a:lumMod val="20000"/>
+                    <a:lumOff val="80000"/>
+                  </a:schemeClr>
+                </a:solidFill>
+                <a:prstDash val="solid"/>
+              </a:ln>
+              <a:solidFill>
+                <a:schemeClr val="accent2">
+                  <a:lumMod val="75000"/>
+                </a:schemeClr>
+              </a:solidFill>
+              <a:effectLst>
+                <a:outerShdw blurRad="12700" dist="38100" dir="2700000" algn="tl" rotWithShape="0">
+                  <a:schemeClr val="bg1">
+                    <a:lumMod val="50000"/>
+                  </a:schemeClr>
+                </a:outerShdw>
+              </a:effectLst>
+            </a:endParaRPr>
+          </a:p>
+        </p:txBody>
+      </p:sp>
+      <p:sp>
+        <p:nvSpPr>
+          <p:cNvPr id="24" name="テキスト ボックス 23"/>
+          <p:cNvSpPr txBox="1"/>
+          <p:nvPr/>
+        </p:nvSpPr>
+        <p:spPr>
+          <a:xfrm>
+            <a:off x="8508022" y="5046785"/>
+            <a:ext cx="1802422" cy="707886"/>
+          </a:xfrm>
+          <a:prstGeom prst="rect">
+            <a:avLst/>
+          </a:prstGeom>
+          <a:noFill/>
+        </p:spPr>
+        <p:txBody>
+          <a:bodyPr wrap="square" rtlCol="0">
+            <a:spAutoFit/>
+          </a:bodyPr>
+          <a:lstStyle/>
+          <a:p>
+            <a:pPr algn="ctr"/>
+            <a:r>
+              <a:rPr kumimoji="1" lang="ja-JP" altLang="en-US" sz="4000" b="1" dirty="0" smtClean="0">
+                <a:ln w="9525">
+                  <a:solidFill>
+                    <a:srgbClr val="0070C0"/>
+                  </a:solidFill>
+                  <a:prstDash val="solid"/>
+                </a:ln>
+                <a:solidFill>
+                  <a:srgbClr val="9231A5"/>
+                </a:solidFill>
+                <a:effectLst>
+                  <a:outerShdw blurRad="12700" dist="38100" dir="2700000" algn="tl" rotWithShape="0">
+                    <a:schemeClr val="bg1">
+                      <a:lumMod val="50000"/>
+                    </a:schemeClr>
+                  </a:outerShdw>
+                </a:effectLst>
+              </a:rPr>
+              <a:t>４</a:t>
+            </a:r>
+            <a:r>
+              <a:rPr lang="ja-JP" altLang="en-US" sz="4000" b="1" dirty="0" smtClean="0">
+                <a:ln w="9525">
+                  <a:solidFill>
+                    <a:srgbClr val="0070C0"/>
+                  </a:solidFill>
+                  <a:prstDash val="solid"/>
+                </a:ln>
+                <a:solidFill>
+                  <a:srgbClr val="9231A5"/>
+                </a:solidFill>
+                <a:effectLst>
+                  <a:outerShdw blurRad="12700" dist="38100" dir="2700000" algn="tl" rotWithShape="0">
+                    <a:schemeClr val="bg1">
+                      <a:lumMod val="50000"/>
+                    </a:schemeClr>
+                  </a:outerShdw>
+                </a:effectLst>
+              </a:rPr>
+              <a:t>位</a:t>
+            </a:r>
+            <a:endParaRPr kumimoji="1" lang="ja-JP" altLang="en-US" sz="4000" b="1" dirty="0">
+              <a:ln w="9525">
+                <a:solidFill>
+                  <a:srgbClr val="0070C0"/>
+                </a:solidFill>
+                <a:prstDash val="solid"/>
+              </a:ln>
+              <a:solidFill>
+                <a:srgbClr val="9231A5"/>
+              </a:solidFill>
+              <a:effectLst>
+                <a:outerShdw blurRad="12700" dist="38100" dir="2700000" algn="tl" rotWithShape="0">
+                  <a:schemeClr val="bg1">
+                    <a:lumMod val="50000"/>
+                  </a:schemeClr>
+                </a:outerShdw>
+              </a:effectLst>
+            </a:endParaRPr>
           </a:p>
         </p:txBody>
       </p:sp>
@@ -15514,17 +15439,12 @@
               <a:rPr lang="ja-JP" altLang="en-US" sz="2400" b="1" dirty="0" smtClean="0">
                 <a:ln w="9525">
                   <a:solidFill>
-                    <a:schemeClr val="tx2">
-                      <a:lumMod val="20000"/>
-                      <a:lumOff val="80000"/>
-                    </a:schemeClr>
+                    <a:srgbClr val="0070C0"/>
                   </a:solidFill>
                   <a:prstDash val="solid"/>
                 </a:ln>
                 <a:solidFill>
-                  <a:schemeClr val="accent2">
-                    <a:lumMod val="75000"/>
-                  </a:schemeClr>
+                  <a:srgbClr val="9231A5"/>
                 </a:solidFill>
                 <a:effectLst>
                   <a:outerShdw blurRad="12700" dist="38100" dir="2700000" algn="tl" rotWithShape="0">
@@ -15534,7 +15454,7 @@
                   </a:outerShdw>
                 </a:effectLst>
               </a:rPr>
-              <a:t>３位</a:t>
+              <a:t>４位</a:t>
             </a:r>
             <a:r>
               <a:rPr kumimoji="1" lang="ja-JP" altLang="en-US" sz="2400" b="1" dirty="0" smtClean="0"/>
@@ -15689,8 +15609,8 @@
           <p:nvPr/>
         </p:nvSpPr>
         <p:spPr>
-          <a:xfrm rot="321307">
-            <a:off x="8971861" y="2894132"/>
+          <a:xfrm>
+            <a:off x="9022368" y="2844597"/>
             <a:ext cx="958362" cy="1820007"/>
           </a:xfrm>
           <a:prstGeom prst="rect">
@@ -15916,106 +15836,10 @@
           </a:p>
         </p:txBody>
       </p:sp>
-      <p:sp>
-        <p:nvSpPr>
-          <p:cNvPr id="2" name="角丸四角形吹き出し 1"/>
-          <p:cNvSpPr/>
-          <p:nvPr/>
-        </p:nvSpPr>
-        <p:spPr>
-          <a:xfrm>
-            <a:off x="9066148" y="216015"/>
-            <a:ext cx="2808554" cy="1283677"/>
-          </a:xfrm>
-          <a:prstGeom prst="wedgeRoundRectCallout">
-            <a:avLst/>
-          </a:prstGeom>
-          <a:solidFill>
-            <a:schemeClr val="bg1"/>
-          </a:solidFill>
-          <a:ln w="57150">
-            <a:solidFill>
-              <a:srgbClr val="002060"/>
-            </a:solidFill>
-          </a:ln>
-        </p:spPr>
-        <p:style>
-          <a:lnRef idx="2">
-            <a:schemeClr val="accent1">
-              <a:shade val="50000"/>
-            </a:schemeClr>
-          </a:lnRef>
-          <a:fillRef idx="1">
-            <a:schemeClr val="accent1"/>
-          </a:fillRef>
-          <a:effectRef idx="0">
-            <a:schemeClr val="accent1"/>
-          </a:effectRef>
-          <a:fontRef idx="minor">
-            <a:schemeClr val="lt1"/>
-          </a:fontRef>
-        </p:style>
-        <p:txBody>
-          <a:bodyPr rtlCol="0" anchor="ctr"/>
-          <a:lstStyle/>
-          <a:p>
-            <a:pPr algn="ctr"/>
-            <a:endParaRPr kumimoji="1" lang="ja-JP" altLang="en-US"/>
-          </a:p>
-        </p:txBody>
-      </p:sp>
-      <p:sp>
-        <p:nvSpPr>
-          <p:cNvPr id="31" name="テキスト ボックス 30"/>
-          <p:cNvSpPr txBox="1"/>
-          <p:nvPr/>
-        </p:nvSpPr>
-        <p:spPr>
-          <a:xfrm>
-            <a:off x="9224284" y="514304"/>
-            <a:ext cx="2381562" cy="830997"/>
-          </a:xfrm>
-          <a:prstGeom prst="rect">
-            <a:avLst/>
-          </a:prstGeom>
-          <a:noFill/>
-        </p:spPr>
-        <p:txBody>
-          <a:bodyPr wrap="square" rtlCol="0">
-            <a:spAutoFit/>
-          </a:bodyPr>
-          <a:lstStyle/>
-          <a:p>
-            <a:pPr algn="ctr"/>
-            <a:r>
-              <a:rPr lang="ja-JP" altLang="en-US" sz="2400" b="1" dirty="0" smtClean="0">
-                <a:ln w="9525">
-                  <a:solidFill>
-                    <a:schemeClr val="tx2">
-                      <a:lumMod val="20000"/>
-                      <a:lumOff val="80000"/>
-                    </a:schemeClr>
-                  </a:solidFill>
-                  <a:prstDash val="solid"/>
-                </a:ln>
-                <a:effectLst>
-                  <a:outerShdw blurRad="12700" dist="38100" dir="2700000" algn="tl" rotWithShape="0">
-                    <a:schemeClr val="bg1">
-                      <a:lumMod val="50000"/>
-                    </a:schemeClr>
-                  </a:outerShdw>
-                </a:effectLst>
-              </a:rPr>
-              <a:t>同じ順位の人がいる場合</a:t>
-            </a:r>
-            <a:endParaRPr kumimoji="1" lang="ja-JP" altLang="en-US" sz="2400" b="1" dirty="0"/>
-          </a:p>
-        </p:txBody>
-      </p:sp>
     </p:spTree>
     <p:extLst>
       <p:ext uri="{BB962C8B-B14F-4D97-AF65-F5344CB8AC3E}">
-        <p14:creationId xmlns:p14="http://schemas.microsoft.com/office/powerpoint/2010/main" val="1352856656"/>
+        <p14:creationId xmlns:p14="http://schemas.microsoft.com/office/powerpoint/2010/main" val="4217526710"/>
       </p:ext>
     </p:extLst>
   </p:cSld>
@@ -16044,39 +15868,1220 @@
       </p:grpSpPr>
       <p:sp>
         <p:nvSpPr>
-          <p:cNvPr id="2" name="タイトル 1"/>
-          <p:cNvSpPr>
-            <a:spLocks noGrp="1"/>
-          </p:cNvSpPr>
-          <p:nvPr>
-            <p:ph type="title"/>
-          </p:nvPr>
-        </p:nvSpPr>
-        <p:spPr>
-          <a:xfrm>
-            <a:off x="732692" y="2545617"/>
-            <a:ext cx="10515600" cy="1325563"/>
-          </a:xfrm>
-        </p:spPr>
-        <p:txBody>
-          <a:bodyPr>
-            <a:normAutofit/>
+          <p:cNvPr id="5" name="正方形/長方形 4"/>
+          <p:cNvSpPr/>
+          <p:nvPr/>
+        </p:nvSpPr>
+        <p:spPr>
+          <a:xfrm>
+            <a:off x="650631" y="901211"/>
+            <a:ext cx="10955215" cy="5653454"/>
+          </a:xfrm>
+          <a:prstGeom prst="rect">
+            <a:avLst/>
+          </a:prstGeom>
+          <a:noFill/>
+          <a:ln w="38100" cap="flat" cmpd="sng" algn="ctr">
+            <a:solidFill>
+              <a:schemeClr val="dk1"/>
+            </a:solidFill>
+            <a:prstDash val="solid"/>
+            <a:round/>
+            <a:headEnd type="none" w="med" len="med"/>
+            <a:tailEnd type="none" w="med" len="med"/>
+          </a:ln>
+        </p:spPr>
+        <p:style>
+          <a:lnRef idx="0">
+            <a:scrgbClr r="0" g="0" b="0"/>
+          </a:lnRef>
+          <a:fillRef idx="0">
+            <a:scrgbClr r="0" g="0" b="0"/>
+          </a:fillRef>
+          <a:effectRef idx="0">
+            <a:scrgbClr r="0" g="0" b="0"/>
+          </a:effectRef>
+          <a:fontRef idx="minor">
+            <a:schemeClr val="dk1"/>
+          </a:fontRef>
+        </p:style>
+        <p:txBody>
+          <a:bodyPr rtlCol="0" anchor="ctr"/>
+          <a:lstStyle/>
+          <a:p>
+            <a:pPr algn="ctr"/>
+            <a:endParaRPr kumimoji="1" lang="ja-JP" altLang="en-US"/>
+          </a:p>
+        </p:txBody>
+      </p:sp>
+      <p:sp>
+        <p:nvSpPr>
+          <p:cNvPr id="18" name="片側の 2 つの角を切り取った四角形 17"/>
+          <p:cNvSpPr/>
+          <p:nvPr/>
+        </p:nvSpPr>
+        <p:spPr>
+          <a:xfrm>
+            <a:off x="919487" y="575896"/>
+            <a:ext cx="2949128" cy="650630"/>
+          </a:xfrm>
+          <a:prstGeom prst="snip2SameRect">
+            <a:avLst/>
+          </a:prstGeom>
+        </p:spPr>
+        <p:style>
+          <a:lnRef idx="2">
+            <a:schemeClr val="accent2">
+              <a:shade val="50000"/>
+            </a:schemeClr>
+          </a:lnRef>
+          <a:fillRef idx="1">
+            <a:schemeClr val="accent2"/>
+          </a:fillRef>
+          <a:effectRef idx="0">
+            <a:schemeClr val="accent2"/>
+          </a:effectRef>
+          <a:fontRef idx="minor">
+            <a:schemeClr val="lt1"/>
+          </a:fontRef>
+        </p:style>
+        <p:txBody>
+          <a:bodyPr rtlCol="0" anchor="ctr"/>
+          <a:lstStyle/>
+          <a:p>
+            <a:pPr algn="ctr"/>
+            <a:endParaRPr kumimoji="1" lang="ja-JP" altLang="en-US"/>
+          </a:p>
+        </p:txBody>
+      </p:sp>
+      <p:sp>
+        <p:nvSpPr>
+          <p:cNvPr id="19" name="テキスト ボックス 18"/>
+          <p:cNvSpPr txBox="1"/>
+          <p:nvPr/>
+        </p:nvSpPr>
+        <p:spPr>
+          <a:xfrm>
+            <a:off x="1017598" y="685876"/>
+            <a:ext cx="2622417" cy="523220"/>
+          </a:xfrm>
+          <a:prstGeom prst="rect">
+            <a:avLst/>
+          </a:prstGeom>
+          <a:noFill/>
+        </p:spPr>
+        <p:txBody>
+          <a:bodyPr wrap="square" rtlCol="0">
+            <a:spAutoFit/>
           </a:bodyPr>
           <a:lstStyle/>
           <a:p>
             <a:pPr algn="ctr"/>
             <a:r>
-              <a:rPr kumimoji="1" lang="ja-JP" altLang="en-US" sz="7200" dirty="0" smtClean="0"/>
-              <a:t>メニュー画面</a:t>
-            </a:r>
-            <a:endParaRPr kumimoji="1" lang="ja-JP" altLang="en-US" sz="7200" dirty="0"/>
+              <a:rPr kumimoji="1" lang="ja-JP" altLang="en-US" sz="2800" b="1" dirty="0" smtClean="0">
+                <a:solidFill>
+                  <a:schemeClr val="bg2"/>
+                </a:solidFill>
+              </a:rPr>
+              <a:t>１つの場合</a:t>
+            </a:r>
+            <a:endParaRPr kumimoji="1" lang="ja-JP" altLang="en-US" sz="2800" b="1" dirty="0">
+              <a:solidFill>
+                <a:schemeClr val="bg2"/>
+              </a:solidFill>
+            </a:endParaRPr>
+          </a:p>
+        </p:txBody>
+      </p:sp>
+      <p:sp>
+        <p:nvSpPr>
+          <p:cNvPr id="22" name="正方形/長方形 21"/>
+          <p:cNvSpPr/>
+          <p:nvPr/>
+        </p:nvSpPr>
+        <p:spPr>
+          <a:xfrm>
+            <a:off x="4571382" y="480564"/>
+            <a:ext cx="3605463" cy="699047"/>
+          </a:xfrm>
+          <a:prstGeom prst="rect">
+            <a:avLst/>
+          </a:prstGeom>
+        </p:spPr>
+        <p:style>
+          <a:lnRef idx="2">
+            <a:schemeClr val="dk1"/>
+          </a:lnRef>
+          <a:fillRef idx="1">
+            <a:schemeClr val="lt1"/>
+          </a:fillRef>
+          <a:effectRef idx="0">
+            <a:schemeClr val="dk1"/>
+          </a:effectRef>
+          <a:fontRef idx="minor">
+            <a:schemeClr val="dk1"/>
+          </a:fontRef>
+        </p:style>
+        <p:txBody>
+          <a:bodyPr rtlCol="0" anchor="ctr"/>
+          <a:lstStyle/>
+          <a:p>
+            <a:pPr algn="ctr"/>
+            <a:endParaRPr kumimoji="1" lang="ja-JP" altLang="en-US"/>
+          </a:p>
+        </p:txBody>
+      </p:sp>
+      <p:sp>
+        <p:nvSpPr>
+          <p:cNvPr id="23" name="正方形/長方形 22"/>
+          <p:cNvSpPr/>
+          <p:nvPr/>
+        </p:nvSpPr>
+        <p:spPr>
+          <a:xfrm>
+            <a:off x="5102751" y="565467"/>
+            <a:ext cx="2634479" cy="584775"/>
+          </a:xfrm>
+          <a:prstGeom prst="rect">
+            <a:avLst/>
+          </a:prstGeom>
+        </p:spPr>
+        <p:txBody>
+          <a:bodyPr wrap="square">
+            <a:spAutoFit/>
+          </a:bodyPr>
+          <a:lstStyle/>
+          <a:p>
+            <a:r>
+              <a:rPr lang="ja-JP" altLang="en-US" sz="3200" b="1" dirty="0" smtClean="0"/>
+              <a:t>リザルト画面</a:t>
+            </a:r>
+            <a:endParaRPr lang="ja-JP" altLang="en-US" sz="3200" b="1" dirty="0"/>
+          </a:p>
+        </p:txBody>
+      </p:sp>
+      <p:sp>
+        <p:nvSpPr>
+          <p:cNvPr id="3" name="テキスト ボックス 2"/>
+          <p:cNvSpPr txBox="1"/>
+          <p:nvPr/>
+        </p:nvSpPr>
+        <p:spPr>
+          <a:xfrm>
+            <a:off x="1635370" y="5046785"/>
+            <a:ext cx="1802422" cy="707886"/>
+          </a:xfrm>
+          <a:prstGeom prst="rect">
+            <a:avLst/>
+          </a:prstGeom>
+          <a:noFill/>
+        </p:spPr>
+        <p:txBody>
+          <a:bodyPr wrap="square" rtlCol="0">
+            <a:spAutoFit/>
+          </a:bodyPr>
+          <a:lstStyle/>
+          <a:p>
+            <a:pPr algn="ctr"/>
+            <a:r>
+              <a:rPr kumimoji="1" lang="ja-JP" altLang="en-US" sz="4000" b="1" dirty="0" smtClean="0">
+                <a:ln w="9525">
+                  <a:solidFill>
+                    <a:schemeClr val="bg1"/>
+                  </a:solidFill>
+                  <a:prstDash val="solid"/>
+                </a:ln>
+                <a:solidFill>
+                  <a:srgbClr val="C3C361"/>
+                </a:solidFill>
+                <a:effectLst>
+                  <a:outerShdw blurRad="12700" dist="38100" dir="2700000" algn="tl" rotWithShape="0">
+                    <a:schemeClr val="bg1">
+                      <a:lumMod val="50000"/>
+                    </a:schemeClr>
+                  </a:outerShdw>
+                </a:effectLst>
+              </a:rPr>
+              <a:t>１</a:t>
+            </a:r>
+            <a:r>
+              <a:rPr lang="ja-JP" altLang="en-US" sz="4000" b="1" dirty="0">
+                <a:ln w="9525">
+                  <a:solidFill>
+                    <a:schemeClr val="bg1"/>
+                  </a:solidFill>
+                  <a:prstDash val="solid"/>
+                </a:ln>
+                <a:solidFill>
+                  <a:srgbClr val="C3C361"/>
+                </a:solidFill>
+                <a:effectLst>
+                  <a:outerShdw blurRad="12700" dist="38100" dir="2700000" algn="tl" rotWithShape="0">
+                    <a:schemeClr val="bg1">
+                      <a:lumMod val="50000"/>
+                    </a:schemeClr>
+                  </a:outerShdw>
+                </a:effectLst>
+              </a:rPr>
+              <a:t>位</a:t>
+            </a:r>
+            <a:endParaRPr kumimoji="1" lang="ja-JP" altLang="en-US" sz="4000" b="1" dirty="0">
+              <a:ln w="9525">
+                <a:solidFill>
+                  <a:schemeClr val="bg1"/>
+                </a:solidFill>
+                <a:prstDash val="solid"/>
+              </a:ln>
+              <a:solidFill>
+                <a:srgbClr val="C3C361"/>
+              </a:solidFill>
+              <a:effectLst>
+                <a:outerShdw blurRad="12700" dist="38100" dir="2700000" algn="tl" rotWithShape="0">
+                  <a:schemeClr val="bg1">
+                    <a:lumMod val="50000"/>
+                  </a:schemeClr>
+                </a:outerShdw>
+              </a:effectLst>
+            </a:endParaRPr>
+          </a:p>
+        </p:txBody>
+      </p:sp>
+      <p:sp>
+        <p:nvSpPr>
+          <p:cNvPr id="20" name="テキスト ボックス 19"/>
+          <p:cNvSpPr txBox="1"/>
+          <p:nvPr/>
+        </p:nvSpPr>
+        <p:spPr>
+          <a:xfrm>
+            <a:off x="3868615" y="5046785"/>
+            <a:ext cx="1802422" cy="707886"/>
+          </a:xfrm>
+          <a:prstGeom prst="rect">
+            <a:avLst/>
+          </a:prstGeom>
+          <a:noFill/>
+        </p:spPr>
+        <p:txBody>
+          <a:bodyPr wrap="square" rtlCol="0">
+            <a:spAutoFit/>
+          </a:bodyPr>
+          <a:lstStyle/>
+          <a:p>
+            <a:pPr algn="ctr"/>
+            <a:r>
+              <a:rPr kumimoji="1" lang="ja-JP" altLang="en-US" sz="4000" b="1" dirty="0" smtClean="0">
+                <a:ln w="9525">
+                  <a:solidFill>
+                    <a:schemeClr val="tx1">
+                      <a:lumMod val="50000"/>
+                      <a:lumOff val="50000"/>
+                    </a:schemeClr>
+                  </a:solidFill>
+                  <a:prstDash val="solid"/>
+                </a:ln>
+                <a:solidFill>
+                  <a:schemeClr val="bg2">
+                    <a:lumMod val="75000"/>
+                  </a:schemeClr>
+                </a:solidFill>
+                <a:effectLst>
+                  <a:outerShdw blurRad="12700" dist="38100" dir="2700000" algn="tl" rotWithShape="0">
+                    <a:schemeClr val="bg1">
+                      <a:lumMod val="50000"/>
+                    </a:schemeClr>
+                  </a:outerShdw>
+                </a:effectLst>
+              </a:rPr>
+              <a:t>２</a:t>
+            </a:r>
+            <a:r>
+              <a:rPr lang="ja-JP" altLang="en-US" sz="4000" b="1" dirty="0" smtClean="0">
+                <a:ln w="9525">
+                  <a:solidFill>
+                    <a:schemeClr val="tx1">
+                      <a:lumMod val="50000"/>
+                      <a:lumOff val="50000"/>
+                    </a:schemeClr>
+                  </a:solidFill>
+                  <a:prstDash val="solid"/>
+                </a:ln>
+                <a:solidFill>
+                  <a:schemeClr val="bg2">
+                    <a:lumMod val="75000"/>
+                  </a:schemeClr>
+                </a:solidFill>
+                <a:effectLst>
+                  <a:outerShdw blurRad="12700" dist="38100" dir="2700000" algn="tl" rotWithShape="0">
+                    <a:schemeClr val="bg1">
+                      <a:lumMod val="50000"/>
+                    </a:schemeClr>
+                  </a:outerShdw>
+                </a:effectLst>
+              </a:rPr>
+              <a:t>位</a:t>
+            </a:r>
+            <a:endParaRPr kumimoji="1" lang="ja-JP" altLang="en-US" sz="4000" b="1" dirty="0">
+              <a:ln w="9525">
+                <a:solidFill>
+                  <a:schemeClr val="tx1">
+                    <a:lumMod val="50000"/>
+                    <a:lumOff val="50000"/>
+                  </a:schemeClr>
+                </a:solidFill>
+                <a:prstDash val="solid"/>
+              </a:ln>
+              <a:solidFill>
+                <a:schemeClr val="bg2">
+                  <a:lumMod val="75000"/>
+                </a:schemeClr>
+              </a:solidFill>
+              <a:effectLst>
+                <a:outerShdw blurRad="12700" dist="38100" dir="2700000" algn="tl" rotWithShape="0">
+                  <a:schemeClr val="bg1">
+                    <a:lumMod val="50000"/>
+                  </a:schemeClr>
+                </a:outerShdw>
+              </a:effectLst>
+            </a:endParaRPr>
+          </a:p>
+        </p:txBody>
+      </p:sp>
+      <p:sp>
+        <p:nvSpPr>
+          <p:cNvPr id="21" name="テキスト ボックス 20"/>
+          <p:cNvSpPr txBox="1"/>
+          <p:nvPr/>
+        </p:nvSpPr>
+        <p:spPr>
+          <a:xfrm>
+            <a:off x="6227884" y="5046785"/>
+            <a:ext cx="1802422" cy="707886"/>
+          </a:xfrm>
+          <a:prstGeom prst="rect">
+            <a:avLst/>
+          </a:prstGeom>
+          <a:noFill/>
+        </p:spPr>
+        <p:txBody>
+          <a:bodyPr wrap="square" rtlCol="0">
+            <a:spAutoFit/>
+          </a:bodyPr>
+          <a:lstStyle/>
+          <a:p>
+            <a:pPr algn="ctr"/>
+            <a:r>
+              <a:rPr lang="ja-JP" altLang="en-US" sz="4000" b="1" dirty="0">
+                <a:ln w="9525">
+                  <a:solidFill>
+                    <a:schemeClr val="tx2">
+                      <a:lumMod val="20000"/>
+                      <a:lumOff val="80000"/>
+                    </a:schemeClr>
+                  </a:solidFill>
+                  <a:prstDash val="solid"/>
+                </a:ln>
+                <a:solidFill>
+                  <a:schemeClr val="accent2">
+                    <a:lumMod val="75000"/>
+                  </a:schemeClr>
+                </a:solidFill>
+                <a:effectLst>
+                  <a:outerShdw blurRad="12700" dist="38100" dir="2700000" algn="tl" rotWithShape="0">
+                    <a:schemeClr val="bg1">
+                      <a:lumMod val="50000"/>
+                    </a:schemeClr>
+                  </a:outerShdw>
+                </a:effectLst>
+              </a:rPr>
+              <a:t>３位</a:t>
+            </a:r>
+          </a:p>
+        </p:txBody>
+      </p:sp>
+      <p:sp>
+        <p:nvSpPr>
+          <p:cNvPr id="24" name="テキスト ボックス 23"/>
+          <p:cNvSpPr txBox="1"/>
+          <p:nvPr/>
+        </p:nvSpPr>
+        <p:spPr>
+          <a:xfrm>
+            <a:off x="8508022" y="5046785"/>
+            <a:ext cx="1802422" cy="707886"/>
+          </a:xfrm>
+          <a:prstGeom prst="rect">
+            <a:avLst/>
+          </a:prstGeom>
+          <a:noFill/>
+        </p:spPr>
+        <p:txBody>
+          <a:bodyPr wrap="square" rtlCol="0">
+            <a:spAutoFit/>
+          </a:bodyPr>
+          <a:lstStyle/>
+          <a:p>
+            <a:pPr algn="ctr"/>
+            <a:r>
+              <a:rPr lang="ja-JP" altLang="en-US" sz="4000" b="1" dirty="0">
+                <a:ln w="9525">
+                  <a:solidFill>
+                    <a:schemeClr val="tx2">
+                      <a:lumMod val="20000"/>
+                      <a:lumOff val="80000"/>
+                    </a:schemeClr>
+                  </a:solidFill>
+                  <a:prstDash val="solid"/>
+                </a:ln>
+                <a:solidFill>
+                  <a:schemeClr val="accent2">
+                    <a:lumMod val="75000"/>
+                  </a:schemeClr>
+                </a:solidFill>
+                <a:effectLst>
+                  <a:outerShdw blurRad="12700" dist="38100" dir="2700000" algn="tl" rotWithShape="0">
+                    <a:schemeClr val="bg1">
+                      <a:lumMod val="50000"/>
+                    </a:schemeClr>
+                  </a:outerShdw>
+                </a:effectLst>
+              </a:rPr>
+              <a:t>３位</a:t>
+            </a:r>
+          </a:p>
+        </p:txBody>
+      </p:sp>
+      <p:sp>
+        <p:nvSpPr>
+          <p:cNvPr id="10" name="テキスト ボックス 9"/>
+          <p:cNvSpPr txBox="1"/>
+          <p:nvPr/>
+        </p:nvSpPr>
+        <p:spPr>
+          <a:xfrm>
+            <a:off x="1644162" y="1951891"/>
+            <a:ext cx="1793630" cy="461665"/>
+          </a:xfrm>
+          <a:prstGeom prst="rect">
+            <a:avLst/>
+          </a:prstGeom>
+          <a:noFill/>
+        </p:spPr>
+        <p:txBody>
+          <a:bodyPr wrap="square" rtlCol="0">
+            <a:spAutoFit/>
+          </a:bodyPr>
+          <a:lstStyle/>
+          <a:p>
+            <a:pPr algn="ctr"/>
+            <a:r>
+              <a:rPr lang="ja-JP" altLang="en-US" sz="2400" b="1" dirty="0" smtClean="0">
+                <a:ln w="9525">
+                  <a:solidFill>
+                    <a:schemeClr val="bg1"/>
+                  </a:solidFill>
+                  <a:prstDash val="solid"/>
+                </a:ln>
+                <a:solidFill>
+                  <a:srgbClr val="C3C361"/>
+                </a:solidFill>
+                <a:effectLst>
+                  <a:outerShdw blurRad="12700" dist="38100" dir="2700000" algn="tl" rotWithShape="0">
+                    <a:schemeClr val="bg1">
+                      <a:lumMod val="50000"/>
+                    </a:schemeClr>
+                  </a:outerShdw>
+                </a:effectLst>
+              </a:rPr>
+              <a:t>１位</a:t>
+            </a:r>
+            <a:r>
+              <a:rPr kumimoji="1" lang="ja-JP" altLang="en-US" sz="2400" b="1" dirty="0" smtClean="0"/>
+              <a:t>の</a:t>
+            </a:r>
+            <a:r>
+              <a:rPr kumimoji="1" lang="ja-JP" altLang="en-US" sz="2400" b="1" dirty="0" smtClean="0">
+                <a:solidFill>
+                  <a:srgbClr val="FF0000"/>
+                </a:solidFill>
+              </a:rPr>
+              <a:t>点数</a:t>
+            </a:r>
+            <a:endParaRPr kumimoji="1" lang="ja-JP" altLang="en-US" sz="2400" b="1" dirty="0">
+              <a:solidFill>
+                <a:srgbClr val="FF0000"/>
+              </a:solidFill>
+            </a:endParaRPr>
+          </a:p>
+        </p:txBody>
+      </p:sp>
+      <p:sp>
+        <p:nvSpPr>
+          <p:cNvPr id="25" name="テキスト ボックス 24"/>
+          <p:cNvSpPr txBox="1"/>
+          <p:nvPr/>
+        </p:nvSpPr>
+        <p:spPr>
+          <a:xfrm>
+            <a:off x="3877407" y="1951891"/>
+            <a:ext cx="1793630" cy="461665"/>
+          </a:xfrm>
+          <a:prstGeom prst="rect">
+            <a:avLst/>
+          </a:prstGeom>
+          <a:noFill/>
+        </p:spPr>
+        <p:txBody>
+          <a:bodyPr wrap="square" rtlCol="0">
+            <a:spAutoFit/>
+          </a:bodyPr>
+          <a:lstStyle/>
+          <a:p>
+            <a:pPr algn="ctr"/>
+            <a:r>
+              <a:rPr lang="ja-JP" altLang="en-US" sz="2400" b="1" dirty="0" smtClean="0">
+                <a:ln w="9525">
+                  <a:solidFill>
+                    <a:schemeClr val="tx1">
+                      <a:lumMod val="50000"/>
+                      <a:lumOff val="50000"/>
+                    </a:schemeClr>
+                  </a:solidFill>
+                  <a:prstDash val="solid"/>
+                </a:ln>
+                <a:solidFill>
+                  <a:schemeClr val="bg2">
+                    <a:lumMod val="75000"/>
+                  </a:schemeClr>
+                </a:solidFill>
+                <a:effectLst>
+                  <a:outerShdw blurRad="12700" dist="38100" dir="2700000" algn="tl" rotWithShape="0">
+                    <a:schemeClr val="bg1">
+                      <a:lumMod val="50000"/>
+                    </a:schemeClr>
+                  </a:outerShdw>
+                </a:effectLst>
+              </a:rPr>
+              <a:t>２位</a:t>
+            </a:r>
+            <a:r>
+              <a:rPr kumimoji="1" lang="ja-JP" altLang="en-US" sz="2400" b="1" dirty="0" smtClean="0"/>
+              <a:t>の</a:t>
+            </a:r>
+            <a:r>
+              <a:rPr kumimoji="1" lang="ja-JP" altLang="en-US" sz="2400" b="1" dirty="0" smtClean="0">
+                <a:solidFill>
+                  <a:srgbClr val="FF0000"/>
+                </a:solidFill>
+              </a:rPr>
+              <a:t>点数</a:t>
+            </a:r>
+            <a:endParaRPr kumimoji="1" lang="ja-JP" altLang="en-US" sz="2400" b="1" dirty="0">
+              <a:solidFill>
+                <a:srgbClr val="FF0000"/>
+              </a:solidFill>
+            </a:endParaRPr>
+          </a:p>
+        </p:txBody>
+      </p:sp>
+      <p:sp>
+        <p:nvSpPr>
+          <p:cNvPr id="26" name="テキスト ボックス 25"/>
+          <p:cNvSpPr txBox="1"/>
+          <p:nvPr/>
+        </p:nvSpPr>
+        <p:spPr>
+          <a:xfrm>
+            <a:off x="6371489" y="1951890"/>
+            <a:ext cx="1793630" cy="461665"/>
+          </a:xfrm>
+          <a:prstGeom prst="rect">
+            <a:avLst/>
+          </a:prstGeom>
+          <a:noFill/>
+        </p:spPr>
+        <p:txBody>
+          <a:bodyPr wrap="square" rtlCol="0">
+            <a:spAutoFit/>
+          </a:bodyPr>
+          <a:lstStyle/>
+          <a:p>
+            <a:pPr algn="ctr"/>
+            <a:r>
+              <a:rPr lang="ja-JP" altLang="en-US" sz="2400" b="1" dirty="0" smtClean="0">
+                <a:ln w="9525">
+                  <a:solidFill>
+                    <a:schemeClr val="tx2">
+                      <a:lumMod val="20000"/>
+                      <a:lumOff val="80000"/>
+                    </a:schemeClr>
+                  </a:solidFill>
+                  <a:prstDash val="solid"/>
+                </a:ln>
+                <a:solidFill>
+                  <a:schemeClr val="accent2">
+                    <a:lumMod val="75000"/>
+                  </a:schemeClr>
+                </a:solidFill>
+                <a:effectLst>
+                  <a:outerShdw blurRad="12700" dist="38100" dir="2700000" algn="tl" rotWithShape="0">
+                    <a:schemeClr val="bg1">
+                      <a:lumMod val="50000"/>
+                    </a:schemeClr>
+                  </a:outerShdw>
+                </a:effectLst>
+              </a:rPr>
+              <a:t>３位</a:t>
+            </a:r>
+            <a:r>
+              <a:rPr kumimoji="1" lang="ja-JP" altLang="en-US" sz="2400" b="1" dirty="0" smtClean="0"/>
+              <a:t>の</a:t>
+            </a:r>
+            <a:r>
+              <a:rPr kumimoji="1" lang="ja-JP" altLang="en-US" sz="2400" b="1" dirty="0" smtClean="0">
+                <a:solidFill>
+                  <a:srgbClr val="FF0000"/>
+                </a:solidFill>
+              </a:rPr>
+              <a:t>点数</a:t>
+            </a:r>
+            <a:endParaRPr kumimoji="1" lang="ja-JP" altLang="en-US" sz="2400" b="1" dirty="0">
+              <a:solidFill>
+                <a:srgbClr val="FF0000"/>
+              </a:solidFill>
+            </a:endParaRPr>
+          </a:p>
+        </p:txBody>
+      </p:sp>
+      <p:sp>
+        <p:nvSpPr>
+          <p:cNvPr id="27" name="テキスト ボックス 26"/>
+          <p:cNvSpPr txBox="1"/>
+          <p:nvPr/>
+        </p:nvSpPr>
+        <p:spPr>
+          <a:xfrm>
+            <a:off x="8604734" y="1951890"/>
+            <a:ext cx="1793630" cy="461665"/>
+          </a:xfrm>
+          <a:prstGeom prst="rect">
+            <a:avLst/>
+          </a:prstGeom>
+          <a:noFill/>
+        </p:spPr>
+        <p:txBody>
+          <a:bodyPr wrap="square" rtlCol="0">
+            <a:spAutoFit/>
+          </a:bodyPr>
+          <a:lstStyle/>
+          <a:p>
+            <a:pPr algn="ctr"/>
+            <a:r>
+              <a:rPr lang="ja-JP" altLang="en-US" sz="2400" b="1" dirty="0" smtClean="0">
+                <a:ln w="9525">
+                  <a:solidFill>
+                    <a:schemeClr val="tx2">
+                      <a:lumMod val="20000"/>
+                      <a:lumOff val="80000"/>
+                    </a:schemeClr>
+                  </a:solidFill>
+                  <a:prstDash val="solid"/>
+                </a:ln>
+                <a:solidFill>
+                  <a:schemeClr val="accent2">
+                    <a:lumMod val="75000"/>
+                  </a:schemeClr>
+                </a:solidFill>
+                <a:effectLst>
+                  <a:outerShdw blurRad="12700" dist="38100" dir="2700000" algn="tl" rotWithShape="0">
+                    <a:schemeClr val="bg1">
+                      <a:lumMod val="50000"/>
+                    </a:schemeClr>
+                  </a:outerShdw>
+                </a:effectLst>
+              </a:rPr>
+              <a:t>３位</a:t>
+            </a:r>
+            <a:r>
+              <a:rPr kumimoji="1" lang="ja-JP" altLang="en-US" sz="2400" b="1" dirty="0" smtClean="0"/>
+              <a:t>の</a:t>
+            </a:r>
+            <a:r>
+              <a:rPr kumimoji="1" lang="ja-JP" altLang="en-US" sz="2400" b="1" dirty="0" smtClean="0">
+                <a:solidFill>
+                  <a:srgbClr val="FF0000"/>
+                </a:solidFill>
+              </a:rPr>
+              <a:t>点数</a:t>
+            </a:r>
+            <a:endParaRPr kumimoji="1" lang="ja-JP" altLang="en-US" sz="2400" b="1" dirty="0">
+              <a:solidFill>
+                <a:srgbClr val="FF0000"/>
+              </a:solidFill>
+            </a:endParaRPr>
+          </a:p>
+        </p:txBody>
+      </p:sp>
+      <p:sp>
+        <p:nvSpPr>
+          <p:cNvPr id="11" name="正方形/長方形 10"/>
+          <p:cNvSpPr/>
+          <p:nvPr/>
+        </p:nvSpPr>
+        <p:spPr>
+          <a:xfrm rot="1124844">
+            <a:off x="4290646" y="2844598"/>
+            <a:ext cx="958362" cy="1820007"/>
+          </a:xfrm>
+          <a:prstGeom prst="rect">
+            <a:avLst/>
+          </a:prstGeom>
+          <a:solidFill>
+            <a:srgbClr val="FF0000"/>
+          </a:solidFill>
+        </p:spPr>
+        <p:style>
+          <a:lnRef idx="2">
+            <a:schemeClr val="accent1">
+              <a:shade val="50000"/>
+            </a:schemeClr>
+          </a:lnRef>
+          <a:fillRef idx="1">
+            <a:schemeClr val="accent1"/>
+          </a:fillRef>
+          <a:effectRef idx="0">
+            <a:schemeClr val="accent1"/>
+          </a:effectRef>
+          <a:fontRef idx="minor">
+            <a:schemeClr val="lt1"/>
+          </a:fontRef>
+        </p:style>
+        <p:txBody>
+          <a:bodyPr rtlCol="0" anchor="ctr"/>
+          <a:lstStyle/>
+          <a:p>
+            <a:pPr algn="ctr"/>
+            <a:endParaRPr kumimoji="1" lang="ja-JP" altLang="en-US"/>
+          </a:p>
+        </p:txBody>
+      </p:sp>
+      <p:sp>
+        <p:nvSpPr>
+          <p:cNvPr id="28" name="正方形/長方形 27"/>
+          <p:cNvSpPr/>
+          <p:nvPr/>
+        </p:nvSpPr>
+        <p:spPr>
+          <a:xfrm rot="1480039">
+            <a:off x="1914870" y="2817936"/>
+            <a:ext cx="958362" cy="1820007"/>
+          </a:xfrm>
+          <a:prstGeom prst="rect">
+            <a:avLst/>
+          </a:prstGeom>
+        </p:spPr>
+        <p:style>
+          <a:lnRef idx="2">
+            <a:schemeClr val="accent1">
+              <a:shade val="50000"/>
+            </a:schemeClr>
+          </a:lnRef>
+          <a:fillRef idx="1">
+            <a:schemeClr val="accent1"/>
+          </a:fillRef>
+          <a:effectRef idx="0">
+            <a:schemeClr val="accent1"/>
+          </a:effectRef>
+          <a:fontRef idx="minor">
+            <a:schemeClr val="lt1"/>
+          </a:fontRef>
+        </p:style>
+        <p:txBody>
+          <a:bodyPr rtlCol="0" anchor="ctr"/>
+          <a:lstStyle/>
+          <a:p>
+            <a:pPr algn="ctr"/>
+            <a:endParaRPr kumimoji="1" lang="ja-JP" altLang="en-US"/>
+          </a:p>
+        </p:txBody>
+      </p:sp>
+      <p:sp>
+        <p:nvSpPr>
+          <p:cNvPr id="29" name="正方形/長方形 28"/>
+          <p:cNvSpPr/>
+          <p:nvPr/>
+        </p:nvSpPr>
+        <p:spPr>
+          <a:xfrm rot="316070">
+            <a:off x="6697343" y="2789449"/>
+            <a:ext cx="958362" cy="1820007"/>
+          </a:xfrm>
+          <a:prstGeom prst="rect">
+            <a:avLst/>
+          </a:prstGeom>
+          <a:solidFill>
+            <a:srgbClr val="00B050"/>
+          </a:solidFill>
+        </p:spPr>
+        <p:style>
+          <a:lnRef idx="2">
+            <a:schemeClr val="accent1">
+              <a:shade val="50000"/>
+            </a:schemeClr>
+          </a:lnRef>
+          <a:fillRef idx="1">
+            <a:schemeClr val="accent1"/>
+          </a:fillRef>
+          <a:effectRef idx="0">
+            <a:schemeClr val="accent1"/>
+          </a:effectRef>
+          <a:fontRef idx="minor">
+            <a:schemeClr val="lt1"/>
+          </a:fontRef>
+        </p:style>
+        <p:txBody>
+          <a:bodyPr rtlCol="0" anchor="ctr"/>
+          <a:lstStyle/>
+          <a:p>
+            <a:pPr algn="ctr"/>
+            <a:endParaRPr kumimoji="1" lang="ja-JP" altLang="en-US"/>
+          </a:p>
+        </p:txBody>
+      </p:sp>
+      <p:sp>
+        <p:nvSpPr>
+          <p:cNvPr id="30" name="正方形/長方形 29"/>
+          <p:cNvSpPr/>
+          <p:nvPr/>
+        </p:nvSpPr>
+        <p:spPr>
+          <a:xfrm rot="321307">
+            <a:off x="8971861" y="2894132"/>
+            <a:ext cx="958362" cy="1820007"/>
+          </a:xfrm>
+          <a:prstGeom prst="rect">
+            <a:avLst/>
+          </a:prstGeom>
+          <a:solidFill>
+            <a:srgbClr val="FFFF00"/>
+          </a:solidFill>
+        </p:spPr>
+        <p:style>
+          <a:lnRef idx="2">
+            <a:schemeClr val="accent1">
+              <a:shade val="50000"/>
+            </a:schemeClr>
+          </a:lnRef>
+          <a:fillRef idx="1">
+            <a:schemeClr val="accent1"/>
+          </a:fillRef>
+          <a:effectRef idx="0">
+            <a:schemeClr val="accent1"/>
+          </a:effectRef>
+          <a:fontRef idx="minor">
+            <a:schemeClr val="lt1"/>
+          </a:fontRef>
+        </p:style>
+        <p:txBody>
+          <a:bodyPr rtlCol="0" anchor="ctr"/>
+          <a:lstStyle/>
+          <a:p>
+            <a:pPr algn="ctr"/>
+            <a:endParaRPr kumimoji="1" lang="ja-JP" altLang="en-US"/>
+          </a:p>
+        </p:txBody>
+      </p:sp>
+      <p:sp>
+        <p:nvSpPr>
+          <p:cNvPr id="13" name="テキスト ボックス 12"/>
+          <p:cNvSpPr txBox="1"/>
+          <p:nvPr/>
+        </p:nvSpPr>
+        <p:spPr>
+          <a:xfrm>
+            <a:off x="1960832" y="3523767"/>
+            <a:ext cx="963003" cy="523220"/>
+          </a:xfrm>
+          <a:prstGeom prst="rect">
+            <a:avLst/>
+          </a:prstGeom>
+          <a:noFill/>
+        </p:spPr>
+        <p:txBody>
+          <a:bodyPr wrap="square" rtlCol="0">
+            <a:spAutoFit/>
+          </a:bodyPr>
+          <a:lstStyle/>
+          <a:p>
+            <a:pPr algn="ctr"/>
+            <a:r>
+              <a:rPr kumimoji="1" lang="ja-JP" altLang="en-US" sz="2800" b="1" dirty="0" smtClean="0">
+                <a:solidFill>
+                  <a:schemeClr val="bg1"/>
+                </a:solidFill>
+              </a:rPr>
+              <a:t>１Ｐ</a:t>
+            </a:r>
+            <a:endParaRPr kumimoji="1" lang="ja-JP" altLang="en-US" sz="2800" b="1" dirty="0">
+              <a:solidFill>
+                <a:schemeClr val="bg1"/>
+              </a:solidFill>
+            </a:endParaRPr>
+          </a:p>
+        </p:txBody>
+      </p:sp>
+      <p:sp>
+        <p:nvSpPr>
+          <p:cNvPr id="32" name="テキスト ボックス 31"/>
+          <p:cNvSpPr txBox="1"/>
+          <p:nvPr/>
+        </p:nvSpPr>
+        <p:spPr>
+          <a:xfrm>
+            <a:off x="4309055" y="3492990"/>
+            <a:ext cx="963003" cy="523220"/>
+          </a:xfrm>
+          <a:prstGeom prst="rect">
+            <a:avLst/>
+          </a:prstGeom>
+          <a:noFill/>
+        </p:spPr>
+        <p:txBody>
+          <a:bodyPr wrap="square" rtlCol="0">
+            <a:spAutoFit/>
+          </a:bodyPr>
+          <a:lstStyle/>
+          <a:p>
+            <a:pPr algn="ctr"/>
+            <a:r>
+              <a:rPr kumimoji="1" lang="ja-JP" altLang="en-US" sz="2800" b="1" dirty="0" smtClean="0">
+                <a:solidFill>
+                  <a:schemeClr val="bg1"/>
+                </a:solidFill>
+              </a:rPr>
+              <a:t>２Ｐ</a:t>
+            </a:r>
+            <a:endParaRPr kumimoji="1" lang="ja-JP" altLang="en-US" sz="2800" b="1" dirty="0">
+              <a:solidFill>
+                <a:schemeClr val="bg1"/>
+              </a:solidFill>
+            </a:endParaRPr>
+          </a:p>
+        </p:txBody>
+      </p:sp>
+      <p:sp>
+        <p:nvSpPr>
+          <p:cNvPr id="33" name="テキスト ボックス 32"/>
+          <p:cNvSpPr txBox="1"/>
+          <p:nvPr/>
+        </p:nvSpPr>
+        <p:spPr>
+          <a:xfrm>
+            <a:off x="6743320" y="3437842"/>
+            <a:ext cx="963003" cy="523220"/>
+          </a:xfrm>
+          <a:prstGeom prst="rect">
+            <a:avLst/>
+          </a:prstGeom>
+          <a:noFill/>
+        </p:spPr>
+        <p:txBody>
+          <a:bodyPr wrap="square" rtlCol="0">
+            <a:spAutoFit/>
+          </a:bodyPr>
+          <a:lstStyle/>
+          <a:p>
+            <a:pPr algn="ctr"/>
+            <a:r>
+              <a:rPr kumimoji="1" lang="ja-JP" altLang="en-US" sz="2800" b="1" dirty="0" smtClean="0">
+                <a:solidFill>
+                  <a:schemeClr val="bg1"/>
+                </a:solidFill>
+              </a:rPr>
+              <a:t>３Ｐ</a:t>
+            </a:r>
+            <a:endParaRPr kumimoji="1" lang="ja-JP" altLang="en-US" sz="2800" b="1" dirty="0">
+              <a:solidFill>
+                <a:schemeClr val="bg1"/>
+              </a:solidFill>
+            </a:endParaRPr>
+          </a:p>
+        </p:txBody>
+      </p:sp>
+      <p:sp>
+        <p:nvSpPr>
+          <p:cNvPr id="34" name="テキスト ボックス 33"/>
+          <p:cNvSpPr txBox="1"/>
+          <p:nvPr/>
+        </p:nvSpPr>
+        <p:spPr>
+          <a:xfrm>
+            <a:off x="9022368" y="3475260"/>
+            <a:ext cx="963003" cy="523220"/>
+          </a:xfrm>
+          <a:prstGeom prst="rect">
+            <a:avLst/>
+          </a:prstGeom>
+          <a:noFill/>
+        </p:spPr>
+        <p:txBody>
+          <a:bodyPr wrap="square" rtlCol="0">
+            <a:spAutoFit/>
+          </a:bodyPr>
+          <a:lstStyle/>
+          <a:p>
+            <a:pPr algn="ctr"/>
+            <a:r>
+              <a:rPr kumimoji="1" lang="ja-JP" altLang="en-US" sz="2800" b="1" dirty="0" smtClean="0"/>
+              <a:t>４Ｐ</a:t>
+            </a:r>
+            <a:endParaRPr kumimoji="1" lang="ja-JP" altLang="en-US" sz="2800" b="1" dirty="0"/>
+          </a:p>
+        </p:txBody>
+      </p:sp>
+      <p:sp>
+        <p:nvSpPr>
+          <p:cNvPr id="35" name="テキスト ボックス 34"/>
+          <p:cNvSpPr txBox="1"/>
+          <p:nvPr/>
+        </p:nvSpPr>
+        <p:spPr>
+          <a:xfrm>
+            <a:off x="2697772" y="5832037"/>
+            <a:ext cx="7060223" cy="523220"/>
+          </a:xfrm>
+          <a:prstGeom prst="rect">
+            <a:avLst/>
+          </a:prstGeom>
+          <a:noFill/>
+        </p:spPr>
+        <p:txBody>
+          <a:bodyPr wrap="square" rtlCol="0">
+            <a:spAutoFit/>
+          </a:bodyPr>
+          <a:lstStyle/>
+          <a:p>
+            <a:pPr algn="ctr"/>
+            <a:r>
+              <a:rPr kumimoji="1" lang="ja-JP" altLang="en-US" sz="2800" b="1" dirty="0" smtClean="0"/>
+              <a:t>それぞれの</a:t>
+            </a:r>
+            <a:r>
+              <a:rPr kumimoji="1" lang="ja-JP" altLang="en-US" sz="2800" b="1" dirty="0" smtClean="0">
+                <a:solidFill>
+                  <a:srgbClr val="FF0000"/>
+                </a:solidFill>
+              </a:rPr>
+              <a:t>点数</a:t>
+            </a:r>
+            <a:r>
+              <a:rPr kumimoji="1" lang="ja-JP" altLang="en-US" sz="2800" b="1" dirty="0" smtClean="0"/>
+              <a:t>と順位のプレイヤーを出す</a:t>
+            </a:r>
+            <a:endParaRPr kumimoji="1" lang="ja-JP" altLang="en-US" sz="2800" b="1" dirty="0"/>
+          </a:p>
+        </p:txBody>
+      </p:sp>
+      <p:sp>
+        <p:nvSpPr>
+          <p:cNvPr id="2" name="角丸四角形吹き出し 1"/>
+          <p:cNvSpPr/>
+          <p:nvPr/>
+        </p:nvSpPr>
+        <p:spPr>
+          <a:xfrm>
+            <a:off x="9066148" y="216015"/>
+            <a:ext cx="2808554" cy="1283677"/>
+          </a:xfrm>
+          <a:prstGeom prst="wedgeRoundRectCallout">
+            <a:avLst/>
+          </a:prstGeom>
+          <a:solidFill>
+            <a:schemeClr val="bg1"/>
+          </a:solidFill>
+          <a:ln w="57150">
+            <a:solidFill>
+              <a:srgbClr val="002060"/>
+            </a:solidFill>
+          </a:ln>
+        </p:spPr>
+        <p:style>
+          <a:lnRef idx="2">
+            <a:schemeClr val="accent1">
+              <a:shade val="50000"/>
+            </a:schemeClr>
+          </a:lnRef>
+          <a:fillRef idx="1">
+            <a:schemeClr val="accent1"/>
+          </a:fillRef>
+          <a:effectRef idx="0">
+            <a:schemeClr val="accent1"/>
+          </a:effectRef>
+          <a:fontRef idx="minor">
+            <a:schemeClr val="lt1"/>
+          </a:fontRef>
+        </p:style>
+        <p:txBody>
+          <a:bodyPr rtlCol="0" anchor="ctr"/>
+          <a:lstStyle/>
+          <a:p>
+            <a:pPr algn="ctr"/>
+            <a:endParaRPr kumimoji="1" lang="ja-JP" altLang="en-US"/>
+          </a:p>
+        </p:txBody>
+      </p:sp>
+      <p:sp>
+        <p:nvSpPr>
+          <p:cNvPr id="31" name="テキスト ボックス 30"/>
+          <p:cNvSpPr txBox="1"/>
+          <p:nvPr/>
+        </p:nvSpPr>
+        <p:spPr>
+          <a:xfrm>
+            <a:off x="9224284" y="514304"/>
+            <a:ext cx="2381562" cy="830997"/>
+          </a:xfrm>
+          <a:prstGeom prst="rect">
+            <a:avLst/>
+          </a:prstGeom>
+          <a:noFill/>
+        </p:spPr>
+        <p:txBody>
+          <a:bodyPr wrap="square" rtlCol="0">
+            <a:spAutoFit/>
+          </a:bodyPr>
+          <a:lstStyle/>
+          <a:p>
+            <a:pPr algn="ctr"/>
+            <a:r>
+              <a:rPr lang="ja-JP" altLang="en-US" sz="2400" b="1" dirty="0" smtClean="0">
+                <a:ln w="9525">
+                  <a:solidFill>
+                    <a:schemeClr val="tx2">
+                      <a:lumMod val="20000"/>
+                      <a:lumOff val="80000"/>
+                    </a:schemeClr>
+                  </a:solidFill>
+                  <a:prstDash val="solid"/>
+                </a:ln>
+                <a:effectLst>
+                  <a:outerShdw blurRad="12700" dist="38100" dir="2700000" algn="tl" rotWithShape="0">
+                    <a:schemeClr val="bg1">
+                      <a:lumMod val="50000"/>
+                    </a:schemeClr>
+                  </a:outerShdw>
+                </a:effectLst>
+              </a:rPr>
+              <a:t>同じ順位の人がいる場合</a:t>
+            </a:r>
+            <a:endParaRPr kumimoji="1" lang="ja-JP" altLang="en-US" sz="2400" b="1" dirty="0"/>
           </a:p>
         </p:txBody>
       </p:sp>
     </p:spTree>
     <p:extLst>
       <p:ext uri="{BB962C8B-B14F-4D97-AF65-F5344CB8AC3E}">
-        <p14:creationId xmlns:p14="http://schemas.microsoft.com/office/powerpoint/2010/main" val="3616873287"/>
+        <p14:creationId xmlns:p14="http://schemas.microsoft.com/office/powerpoint/2010/main" val="1352856656"/>
       </p:ext>
     </p:extLst>
   </p:cSld>
@@ -16105,6 +17110,67 @@
       </p:grpSpPr>
       <p:sp>
         <p:nvSpPr>
+          <p:cNvPr id="2" name="タイトル 1"/>
+          <p:cNvSpPr>
+            <a:spLocks noGrp="1"/>
+          </p:cNvSpPr>
+          <p:nvPr>
+            <p:ph type="title"/>
+          </p:nvPr>
+        </p:nvSpPr>
+        <p:spPr>
+          <a:xfrm>
+            <a:off x="732692" y="2545617"/>
+            <a:ext cx="10515600" cy="1325563"/>
+          </a:xfrm>
+        </p:spPr>
+        <p:txBody>
+          <a:bodyPr>
+            <a:normAutofit/>
+          </a:bodyPr>
+          <a:lstStyle/>
+          <a:p>
+            <a:pPr algn="ctr"/>
+            <a:r>
+              <a:rPr kumimoji="1" lang="ja-JP" altLang="en-US" sz="7200" dirty="0" smtClean="0"/>
+              <a:t>メニュー画面</a:t>
+            </a:r>
+            <a:endParaRPr kumimoji="1" lang="ja-JP" altLang="en-US" sz="7200" dirty="0"/>
+          </a:p>
+        </p:txBody>
+      </p:sp>
+    </p:spTree>
+    <p:extLst>
+      <p:ext uri="{BB962C8B-B14F-4D97-AF65-F5344CB8AC3E}">
+        <p14:creationId xmlns:p14="http://schemas.microsoft.com/office/powerpoint/2010/main" val="3616873287"/>
+      </p:ext>
+    </p:extLst>
+  </p:cSld>
+  <p:clrMapOvr>
+    <a:masterClrMapping/>
+  </p:clrMapOvr>
+</p:sld>
+</file>
+
+<file path=ppt/slides/slide27.xml><?xml version="1.0" encoding="utf-8"?>
+<p:sld xmlns:a="http://schemas.openxmlformats.org/drawingml/2006/main" xmlns:r="http://schemas.openxmlformats.org/officeDocument/2006/relationships" xmlns:p="http://schemas.openxmlformats.org/presentationml/2006/main">
+  <p:cSld>
+    <p:spTree>
+      <p:nvGrpSpPr>
+        <p:cNvPr id="1" name=""/>
+        <p:cNvGrpSpPr/>
+        <p:nvPr/>
+      </p:nvGrpSpPr>
+      <p:grpSpPr>
+        <a:xfrm>
+          <a:off x="0" y="0"/>
+          <a:ext cx="0" cy="0"/>
+          <a:chOff x="0" y="0"/>
+          <a:chExt cx="0" cy="0"/>
+        </a:xfrm>
+      </p:grpSpPr>
+      <p:sp>
+        <p:nvSpPr>
           <p:cNvPr id="5" name="正方形/長方形 4"/>
           <p:cNvSpPr/>
           <p:nvPr/>
@@ -16439,7 +17505,7 @@
 </p:sld>
 </file>
 
-<file path=ppt/slides/slide27.xml><?xml version="1.0" encoding="utf-8"?>
+<file path=ppt/slides/slide28.xml><?xml version="1.0" encoding="utf-8"?>
 <p:sld xmlns:a="http://schemas.openxmlformats.org/drawingml/2006/main" xmlns:r="http://schemas.openxmlformats.org/officeDocument/2006/relationships" xmlns:p="http://schemas.openxmlformats.org/presentationml/2006/main" show="0">
   <p:cSld>
     <p:spTree>

--- a/卒業制作_風船わりゲーム（仮）.pptx
+++ b/卒業制作_風船わりゲーム（仮）.pptx
@@ -7531,7 +7531,7 @@
         </p:nvSpPr>
         <p:spPr>
           <a:xfrm>
-            <a:off x="1929356" y="0"/>
+            <a:off x="1873938" y="-1"/>
             <a:ext cx="7600651" cy="1432978"/>
           </a:xfrm>
           <a:prstGeom prst="flowChartManualOperation">
@@ -7571,7 +7571,7 @@
         </p:nvSpPr>
         <p:spPr>
           <a:xfrm rot="16200000">
-            <a:off x="-748727" y="2653891"/>
+            <a:off x="-804145" y="2653890"/>
             <a:ext cx="6922309" cy="1485904"/>
           </a:xfrm>
           <a:prstGeom prst="flowChartManualOperation">
@@ -7611,7 +7611,7 @@
         </p:nvSpPr>
         <p:spPr>
           <a:xfrm rot="5400000">
-            <a:off x="5325901" y="2653896"/>
+            <a:off x="5270483" y="2653895"/>
             <a:ext cx="6922311" cy="1485900"/>
           </a:xfrm>
           <a:prstGeom prst="flowChartManualOperation">
@@ -7697,7 +7697,7 @@
         </p:nvSpPr>
         <p:spPr>
           <a:xfrm>
-            <a:off x="4824776" y="3082910"/>
+            <a:off x="4713940" y="3167388"/>
             <a:ext cx="2139385" cy="523220"/>
           </a:xfrm>
           <a:prstGeom prst="rect">
@@ -7733,7 +7733,7 @@
         </p:nvSpPr>
         <p:spPr>
           <a:xfrm rot="10800000">
-            <a:off x="1969476" y="5425020"/>
+            <a:off x="1914058" y="5425019"/>
             <a:ext cx="7600651" cy="1432978"/>
           </a:xfrm>
           <a:prstGeom prst="flowChartManualOperation">
@@ -7773,7 +7773,7 @@
         </p:nvSpPr>
         <p:spPr>
           <a:xfrm rot="1540385">
-            <a:off x="9482362" y="934630"/>
+            <a:off x="9426944" y="934629"/>
             <a:ext cx="2173055" cy="1186962"/>
           </a:xfrm>
           <a:prstGeom prst="wedgeEllipseCallout">
@@ -7821,7 +7821,7 @@
         </p:nvSpPr>
         <p:spPr>
           <a:xfrm>
-            <a:off x="9770986" y="1343445"/>
+            <a:off x="9715568" y="1343444"/>
             <a:ext cx="1595806" cy="369332"/>
           </a:xfrm>
           <a:prstGeom prst="rect">

--- a/卒業制作_風船わりゲーム（仮）.pptx
+++ b/卒業制作_風船わりゲーム（仮）.pptx
@@ -5,7 +5,7 @@
     <p:sldMasterId id="2147483648" r:id="rId1"/>
   </p:sldMasterIdLst>
   <p:notesMasterIdLst>
-    <p:notesMasterId r:id="rId30"/>
+    <p:notesMasterId r:id="rId32"/>
   </p:notesMasterIdLst>
   <p:sldIdLst>
     <p:sldId id="256" r:id="rId2"/>
@@ -36,6 +36,8 @@
     <p:sldId id="272" r:id="rId27"/>
     <p:sldId id="273" r:id="rId28"/>
     <p:sldId id="283" r:id="rId29"/>
+    <p:sldId id="287" r:id="rId30"/>
+    <p:sldId id="288" r:id="rId31"/>
   </p:sldIdLst>
   <p:sldSz cx="12192000" cy="6858000"/>
   <p:notesSz cx="6858000" cy="9144000"/>
@@ -224,7 +226,7 @@
           <a:p>
             <a:fld id="{1CCC9455-7354-4C37-A185-6358437DC9AF}" type="datetimeFigureOut">
               <a:rPr kumimoji="1" lang="ja-JP" altLang="en-US" smtClean="0"/>
-              <a:t>2022/10/13</a:t>
+              <a:t>2022/10/14</a:t>
             </a:fld>
             <a:endParaRPr kumimoji="1" lang="ja-JP" altLang="en-US"/>
           </a:p>
@@ -915,7 +917,7 @@
           <a:p>
             <a:fld id="{CACB02CB-C9C4-4FCF-9953-72CF80A58512}" type="datetimeFigureOut">
               <a:rPr kumimoji="1" lang="ja-JP" altLang="en-US" smtClean="0"/>
-              <a:t>2022/10/13</a:t>
+              <a:t>2022/10/14</a:t>
             </a:fld>
             <a:endParaRPr kumimoji="1" lang="ja-JP" altLang="en-US"/>
           </a:p>
@@ -1117,7 +1119,7 @@
           <a:p>
             <a:fld id="{CACB02CB-C9C4-4FCF-9953-72CF80A58512}" type="datetimeFigureOut">
               <a:rPr kumimoji="1" lang="ja-JP" altLang="en-US" smtClean="0"/>
-              <a:t>2022/10/13</a:t>
+              <a:t>2022/10/14</a:t>
             </a:fld>
             <a:endParaRPr kumimoji="1" lang="ja-JP" altLang="en-US"/>
           </a:p>
@@ -1329,7 +1331,7 @@
           <a:p>
             <a:fld id="{CACB02CB-C9C4-4FCF-9953-72CF80A58512}" type="datetimeFigureOut">
               <a:rPr kumimoji="1" lang="ja-JP" altLang="en-US" smtClean="0"/>
-              <a:t>2022/10/13</a:t>
+              <a:t>2022/10/14</a:t>
             </a:fld>
             <a:endParaRPr kumimoji="1" lang="ja-JP" altLang="en-US"/>
           </a:p>
@@ -1531,7 +1533,7 @@
           <a:p>
             <a:fld id="{CACB02CB-C9C4-4FCF-9953-72CF80A58512}" type="datetimeFigureOut">
               <a:rPr kumimoji="1" lang="ja-JP" altLang="en-US" smtClean="0"/>
-              <a:t>2022/10/13</a:t>
+              <a:t>2022/10/14</a:t>
             </a:fld>
             <a:endParaRPr kumimoji="1" lang="ja-JP" altLang="en-US"/>
           </a:p>
@@ -1777,7 +1779,7 @@
           <a:p>
             <a:fld id="{CACB02CB-C9C4-4FCF-9953-72CF80A58512}" type="datetimeFigureOut">
               <a:rPr kumimoji="1" lang="ja-JP" altLang="en-US" smtClean="0"/>
-              <a:t>2022/10/13</a:t>
+              <a:t>2022/10/14</a:t>
             </a:fld>
             <a:endParaRPr kumimoji="1" lang="ja-JP" altLang="en-US"/>
           </a:p>
@@ -2073,7 +2075,7 @@
           <a:p>
             <a:fld id="{CACB02CB-C9C4-4FCF-9953-72CF80A58512}" type="datetimeFigureOut">
               <a:rPr kumimoji="1" lang="ja-JP" altLang="en-US" smtClean="0"/>
-              <a:t>2022/10/13</a:t>
+              <a:t>2022/10/14</a:t>
             </a:fld>
             <a:endParaRPr kumimoji="1" lang="ja-JP" altLang="en-US"/>
           </a:p>
@@ -2504,7 +2506,7 @@
           <a:p>
             <a:fld id="{CACB02CB-C9C4-4FCF-9953-72CF80A58512}" type="datetimeFigureOut">
               <a:rPr kumimoji="1" lang="ja-JP" altLang="en-US" smtClean="0"/>
-              <a:t>2022/10/13</a:t>
+              <a:t>2022/10/14</a:t>
             </a:fld>
             <a:endParaRPr kumimoji="1" lang="ja-JP" altLang="en-US"/>
           </a:p>
@@ -2622,7 +2624,7 @@
           <a:p>
             <a:fld id="{CACB02CB-C9C4-4FCF-9953-72CF80A58512}" type="datetimeFigureOut">
               <a:rPr kumimoji="1" lang="ja-JP" altLang="en-US" smtClean="0"/>
-              <a:t>2022/10/13</a:t>
+              <a:t>2022/10/14</a:t>
             </a:fld>
             <a:endParaRPr kumimoji="1" lang="ja-JP" altLang="en-US"/>
           </a:p>
@@ -2717,7 +2719,7 @@
           <a:p>
             <a:fld id="{CACB02CB-C9C4-4FCF-9953-72CF80A58512}" type="datetimeFigureOut">
               <a:rPr kumimoji="1" lang="ja-JP" altLang="en-US" smtClean="0"/>
-              <a:t>2022/10/13</a:t>
+              <a:t>2022/10/14</a:t>
             </a:fld>
             <a:endParaRPr kumimoji="1" lang="ja-JP" altLang="en-US"/>
           </a:p>
@@ -3026,7 +3028,7 @@
           <a:p>
             <a:fld id="{CACB02CB-C9C4-4FCF-9953-72CF80A58512}" type="datetimeFigureOut">
               <a:rPr kumimoji="1" lang="ja-JP" altLang="en-US" smtClean="0"/>
-              <a:t>2022/10/13</a:t>
+              <a:t>2022/10/14</a:t>
             </a:fld>
             <a:endParaRPr kumimoji="1" lang="ja-JP" altLang="en-US"/>
           </a:p>
@@ -3279,7 +3281,7 @@
           <a:p>
             <a:fld id="{CACB02CB-C9C4-4FCF-9953-72CF80A58512}" type="datetimeFigureOut">
               <a:rPr kumimoji="1" lang="ja-JP" altLang="en-US" smtClean="0"/>
-              <a:t>2022/10/13</a:t>
+              <a:t>2022/10/14</a:t>
             </a:fld>
             <a:endParaRPr kumimoji="1" lang="ja-JP" altLang="en-US"/>
           </a:p>
@@ -3524,7 +3526,7 @@
           <a:p>
             <a:fld id="{CACB02CB-C9C4-4FCF-9953-72CF80A58512}" type="datetimeFigureOut">
               <a:rPr kumimoji="1" lang="ja-JP" altLang="en-US" smtClean="0"/>
-              <a:t>2022/10/13</a:t>
+              <a:t>2022/10/14</a:t>
             </a:fld>
             <a:endParaRPr kumimoji="1" lang="ja-JP" altLang="en-US"/>
           </a:p>
@@ -12436,6 +12438,13 @@
   <p:clrMapOvr>
     <a:masterClrMapping/>
   </p:clrMapOvr>
+  <p:timing>
+    <p:tnLst>
+      <p:par>
+        <p:cTn id="1" dur="indefinite" restart="never" nodeType="tmRoot"/>
+      </p:par>
+    </p:tnLst>
+  </p:timing>
 </p:sld>
 </file>
 
@@ -17270,10 +17279,10 @@
           <a:p>
             <a:pPr algn="ctr"/>
             <a:r>
-              <a:rPr kumimoji="1" lang="ja-JP" altLang="en-US" sz="5400" dirty="0" smtClean="0"/>
+              <a:rPr kumimoji="1" lang="ja-JP" altLang="en-US" sz="5400" b="1" dirty="0" smtClean="0"/>
               <a:t>もう一度遊ぶ</a:t>
             </a:r>
-            <a:endParaRPr kumimoji="1" lang="ja-JP" altLang="en-US" sz="5400" dirty="0"/>
+            <a:endParaRPr kumimoji="1" lang="ja-JP" altLang="en-US" sz="5400" b="1" dirty="0"/>
           </a:p>
         </p:txBody>
       </p:sp>
@@ -17485,13 +17494,92 @@
           <a:p>
             <a:pPr algn="ctr"/>
             <a:r>
-              <a:rPr kumimoji="1" lang="ja-JP" altLang="en-US" sz="4000" dirty="0" smtClean="0"/>
+              <a:rPr kumimoji="1" lang="ja-JP" altLang="en-US" sz="4000" b="1" dirty="0" smtClean="0"/>
               <a:t>タイトルへ</a:t>
             </a:r>
-            <a:endParaRPr kumimoji="1" lang="ja-JP" altLang="en-US" sz="4000" dirty="0"/>
-          </a:p>
-        </p:txBody>
-      </p:sp>
+            <a:endParaRPr kumimoji="1" lang="ja-JP" altLang="en-US" sz="4000" b="1" dirty="0"/>
+          </a:p>
+        </p:txBody>
+      </p:sp>
+      <p:sp>
+        <p:nvSpPr>
+          <p:cNvPr id="2" name="テキスト ボックス 1"/>
+          <p:cNvSpPr txBox="1"/>
+          <p:nvPr/>
+        </p:nvSpPr>
+        <p:spPr>
+          <a:xfrm>
+            <a:off x="488283" y="3877991"/>
+            <a:ext cx="2801669" cy="923330"/>
+          </a:xfrm>
+          <a:prstGeom prst="rect">
+            <a:avLst/>
+          </a:prstGeom>
+          <a:solidFill>
+            <a:schemeClr val="bg1"/>
+          </a:solidFill>
+          <a:ln w="28575">
+            <a:solidFill>
+              <a:schemeClr val="tx1"/>
+            </a:solidFill>
+          </a:ln>
+        </p:spPr>
+        <p:txBody>
+          <a:bodyPr wrap="square" rtlCol="0">
+            <a:spAutoFit/>
+          </a:bodyPr>
+          <a:lstStyle/>
+          <a:p>
+            <a:r>
+              <a:rPr kumimoji="1" lang="ja-JP" altLang="en-US" dirty="0" smtClean="0"/>
+              <a:t>もう一度遊ぶの</a:t>
+            </a:r>
+            <a:endParaRPr kumimoji="1" lang="en-US" altLang="ja-JP" dirty="0" smtClean="0"/>
+          </a:p>
+          <a:p>
+            <a:r>
+              <a:rPr kumimoji="1" lang="ja-JP" altLang="en-US" dirty="0" smtClean="0"/>
+              <a:t>大きさをタイトルへより大きくする</a:t>
+            </a:r>
+            <a:endParaRPr kumimoji="1" lang="ja-JP" altLang="en-US" dirty="0"/>
+          </a:p>
+        </p:txBody>
+      </p:sp>
+      <p:cxnSp>
+        <p:nvCxnSpPr>
+          <p:cNvPr id="4" name="直線矢印コネクタ 3"/>
+          <p:cNvCxnSpPr>
+            <a:stCxn id="2" idx="3"/>
+          </p:cNvCxnSpPr>
+          <p:nvPr/>
+        </p:nvCxnSpPr>
+        <p:spPr>
+          <a:xfrm flipV="1">
+            <a:off x="3289952" y="3522812"/>
+            <a:ext cx="3123840" cy="816844"/>
+          </a:xfrm>
+          <a:prstGeom prst="straightConnector1">
+            <a:avLst/>
+          </a:prstGeom>
+          <a:ln w="38100">
+            <a:tailEnd type="triangle"/>
+          </a:ln>
+        </p:spPr>
+        <p:style>
+          <a:lnRef idx="3">
+            <a:schemeClr val="dk1"/>
+          </a:lnRef>
+          <a:fillRef idx="0">
+            <a:schemeClr val="dk1"/>
+          </a:fillRef>
+          <a:effectRef idx="2">
+            <a:schemeClr val="dk1"/>
+          </a:effectRef>
+          <a:fontRef idx="minor">
+            <a:schemeClr val="tx1"/>
+          </a:fontRef>
+        </p:style>
+      </p:cxnSp>
     </p:spTree>
     <p:extLst>
       <p:ext uri="{BB962C8B-B14F-4D97-AF65-F5344CB8AC3E}">
@@ -17623,10 +17711,10 @@
           <a:p>
             <a:pPr algn="ctr"/>
             <a:r>
-              <a:rPr kumimoji="1" lang="ja-JP" altLang="en-US" sz="4800" dirty="0" smtClean="0"/>
+              <a:rPr kumimoji="1" lang="ja-JP" altLang="en-US" sz="4800" b="1" dirty="0" smtClean="0"/>
               <a:t>もう一度遊ぶ</a:t>
             </a:r>
-            <a:endParaRPr kumimoji="1" lang="ja-JP" altLang="en-US" sz="4800" dirty="0"/>
+            <a:endParaRPr kumimoji="1" lang="ja-JP" altLang="en-US" sz="4800" b="1" dirty="0"/>
           </a:p>
         </p:txBody>
       </p:sp>
@@ -17759,10 +17847,10 @@
           <a:p>
             <a:pPr algn="ctr"/>
             <a:r>
-              <a:rPr kumimoji="1" lang="ja-JP" altLang="en-US" sz="4000" dirty="0" smtClean="0"/>
+              <a:rPr kumimoji="1" lang="ja-JP" altLang="en-US" sz="4000" b="1" dirty="0" smtClean="0"/>
               <a:t>タイトルへ</a:t>
             </a:r>
-            <a:endParaRPr kumimoji="1" lang="ja-JP" altLang="en-US" sz="4000" dirty="0"/>
+            <a:endParaRPr kumimoji="1" lang="ja-JP" altLang="en-US" sz="4000" b="1" dirty="0"/>
           </a:p>
         </p:txBody>
       </p:sp>
@@ -17907,17 +17995,214 @@
           <a:p>
             <a:pPr algn="ctr"/>
             <a:r>
-              <a:rPr lang="ja-JP" altLang="en-US" sz="4000" dirty="0"/>
+              <a:rPr lang="ja-JP" altLang="en-US" sz="4000" b="1" dirty="0"/>
               <a:t>選択画面</a:t>
             </a:r>
             <a:r>
-              <a:rPr kumimoji="1" lang="ja-JP" altLang="en-US" sz="4000" dirty="0" smtClean="0"/>
+              <a:rPr kumimoji="1" lang="ja-JP" altLang="en-US" sz="4000" b="1" dirty="0" smtClean="0"/>
               <a:t>へ</a:t>
             </a:r>
-            <a:endParaRPr kumimoji="1" lang="ja-JP" altLang="en-US" sz="4000" dirty="0"/>
-          </a:p>
-        </p:txBody>
-      </p:sp>
+            <a:endParaRPr kumimoji="1" lang="ja-JP" altLang="en-US" sz="4000" b="1" dirty="0"/>
+          </a:p>
+        </p:txBody>
+      </p:sp>
+      <p:sp>
+        <p:nvSpPr>
+          <p:cNvPr id="15" name="テキスト ボックス 14"/>
+          <p:cNvSpPr txBox="1"/>
+          <p:nvPr/>
+        </p:nvSpPr>
+        <p:spPr>
+          <a:xfrm>
+            <a:off x="1" y="3031164"/>
+            <a:ext cx="3630604" cy="1200329"/>
+          </a:xfrm>
+          <a:prstGeom prst="rect">
+            <a:avLst/>
+          </a:prstGeom>
+          <a:solidFill>
+            <a:schemeClr val="bg1"/>
+          </a:solidFill>
+          <a:ln w="28575">
+            <a:solidFill>
+              <a:schemeClr val="tx1"/>
+            </a:solidFill>
+          </a:ln>
+        </p:spPr>
+        <p:txBody>
+          <a:bodyPr wrap="square" rtlCol="0">
+            <a:spAutoFit/>
+          </a:bodyPr>
+          <a:lstStyle/>
+          <a:p>
+            <a:r>
+              <a:rPr kumimoji="1" lang="ja-JP" altLang="en-US" dirty="0" smtClean="0"/>
+              <a:t>もう一度遊ぶの</a:t>
+            </a:r>
+            <a:endParaRPr kumimoji="1" lang="en-US" altLang="ja-JP" dirty="0" smtClean="0"/>
+          </a:p>
+          <a:p>
+            <a:r>
+              <a:rPr kumimoji="1" lang="ja-JP" altLang="en-US" dirty="0" smtClean="0"/>
+              <a:t>大きさを</a:t>
+            </a:r>
+            <a:endParaRPr kumimoji="1" lang="en-US" altLang="ja-JP" dirty="0" smtClean="0"/>
+          </a:p>
+          <a:p>
+            <a:r>
+              <a:rPr kumimoji="1" lang="ja-JP" altLang="en-US" dirty="0" smtClean="0"/>
+              <a:t>「タイトルへ」や「選択画面へ」より大きくする</a:t>
+            </a:r>
+            <a:endParaRPr kumimoji="1" lang="ja-JP" altLang="en-US" dirty="0"/>
+          </a:p>
+        </p:txBody>
+      </p:sp>
+      <p:cxnSp>
+        <p:nvCxnSpPr>
+          <p:cNvPr id="16" name="直線矢印コネクタ 15"/>
+          <p:cNvCxnSpPr>
+            <a:stCxn id="15" idx="3"/>
+            <a:endCxn id="6" idx="2"/>
+          </p:cNvCxnSpPr>
+          <p:nvPr/>
+        </p:nvCxnSpPr>
+        <p:spPr>
+          <a:xfrm flipV="1">
+            <a:off x="3630605" y="3031164"/>
+            <a:ext cx="2680497" cy="600165"/>
+          </a:xfrm>
+          <a:prstGeom prst="straightConnector1">
+            <a:avLst/>
+          </a:prstGeom>
+          <a:ln w="38100">
+            <a:tailEnd type="triangle"/>
+          </a:ln>
+        </p:spPr>
+        <p:style>
+          <a:lnRef idx="3">
+            <a:schemeClr val="dk1"/>
+          </a:lnRef>
+          <a:fillRef idx="0">
+            <a:schemeClr val="dk1"/>
+          </a:fillRef>
+          <a:effectRef idx="2">
+            <a:schemeClr val="dk1"/>
+          </a:effectRef>
+          <a:fontRef idx="minor">
+            <a:schemeClr val="tx1"/>
+          </a:fontRef>
+        </p:style>
+      </p:cxnSp>
+      <p:sp>
+        <p:nvSpPr>
+          <p:cNvPr id="24" name="テキスト ボックス 23"/>
+          <p:cNvSpPr txBox="1"/>
+          <p:nvPr/>
+        </p:nvSpPr>
+        <p:spPr>
+          <a:xfrm>
+            <a:off x="9914274" y="4296861"/>
+            <a:ext cx="2342382" cy="369332"/>
+          </a:xfrm>
+          <a:prstGeom prst="rect">
+            <a:avLst/>
+          </a:prstGeom>
+          <a:solidFill>
+            <a:schemeClr val="bg1"/>
+          </a:solidFill>
+          <a:ln w="28575">
+            <a:solidFill>
+              <a:schemeClr val="tx1"/>
+            </a:solidFill>
+          </a:ln>
+        </p:spPr>
+        <p:txBody>
+          <a:bodyPr wrap="square" rtlCol="0">
+            <a:spAutoFit/>
+          </a:bodyPr>
+          <a:lstStyle/>
+          <a:p>
+            <a:pPr algn="ctr"/>
+            <a:r>
+              <a:rPr kumimoji="1" lang="ja-JP" altLang="en-US" dirty="0" smtClean="0"/>
+              <a:t>大きさを同じにする</a:t>
+            </a:r>
+            <a:endParaRPr kumimoji="1" lang="ja-JP" altLang="en-US" dirty="0"/>
+          </a:p>
+        </p:txBody>
+      </p:sp>
+      <p:cxnSp>
+        <p:nvCxnSpPr>
+          <p:cNvPr id="25" name="直線矢印コネクタ 24"/>
+          <p:cNvCxnSpPr>
+            <a:stCxn id="24" idx="1"/>
+            <a:endCxn id="13" idx="3"/>
+          </p:cNvCxnSpPr>
+          <p:nvPr/>
+        </p:nvCxnSpPr>
+        <p:spPr>
+          <a:xfrm flipH="1" flipV="1">
+            <a:off x="8176846" y="4049690"/>
+            <a:ext cx="1737428" cy="431837"/>
+          </a:xfrm>
+          <a:prstGeom prst="straightConnector1">
+            <a:avLst/>
+          </a:prstGeom>
+          <a:ln w="38100">
+            <a:tailEnd type="triangle"/>
+          </a:ln>
+        </p:spPr>
+        <p:style>
+          <a:lnRef idx="3">
+            <a:schemeClr val="dk1"/>
+          </a:lnRef>
+          <a:fillRef idx="0">
+            <a:schemeClr val="dk1"/>
+          </a:fillRef>
+          <a:effectRef idx="2">
+            <a:schemeClr val="dk1"/>
+          </a:effectRef>
+          <a:fontRef idx="minor">
+            <a:schemeClr val="tx1"/>
+          </a:fontRef>
+        </p:style>
+      </p:cxnSp>
+      <p:cxnSp>
+        <p:nvCxnSpPr>
+          <p:cNvPr id="26" name="直線矢印コネクタ 25"/>
+          <p:cNvCxnSpPr>
+            <a:stCxn id="24" idx="1"/>
+            <a:endCxn id="20" idx="3"/>
+          </p:cNvCxnSpPr>
+          <p:nvPr/>
+        </p:nvCxnSpPr>
+        <p:spPr>
+          <a:xfrm flipH="1">
+            <a:off x="8176846" y="4481527"/>
+            <a:ext cx="1737428" cy="1151925"/>
+          </a:xfrm>
+          <a:prstGeom prst="straightConnector1">
+            <a:avLst/>
+          </a:prstGeom>
+          <a:ln w="38100">
+            <a:tailEnd type="triangle"/>
+          </a:ln>
+        </p:spPr>
+        <p:style>
+          <a:lnRef idx="3">
+            <a:schemeClr val="dk1"/>
+          </a:lnRef>
+          <a:fillRef idx="0">
+            <a:schemeClr val="dk1"/>
+          </a:fillRef>
+          <a:effectRef idx="2">
+            <a:schemeClr val="dk1"/>
+          </a:effectRef>
+          <a:fontRef idx="minor">
+            <a:schemeClr val="tx1"/>
+          </a:fontRef>
+        </p:style>
+      </p:cxnSp>
     </p:spTree>
     <p:extLst>
       <p:ext uri="{BB962C8B-B14F-4D97-AF65-F5344CB8AC3E}">
@@ -17939,6 +18224,71 @@
 </p:sld>
 </file>
 
+<file path=ppt/slides/slide29.xml><?xml version="1.0" encoding="utf-8"?>
+<p:sld xmlns:a="http://schemas.openxmlformats.org/drawingml/2006/main" xmlns:r="http://schemas.openxmlformats.org/officeDocument/2006/relationships" xmlns:p="http://schemas.openxmlformats.org/presentationml/2006/main">
+  <p:cSld>
+    <p:spTree>
+      <p:nvGrpSpPr>
+        <p:cNvPr id="1" name=""/>
+        <p:cNvGrpSpPr/>
+        <p:nvPr/>
+      </p:nvGrpSpPr>
+      <p:grpSpPr>
+        <a:xfrm>
+          <a:off x="0" y="0"/>
+          <a:ext cx="0" cy="0"/>
+          <a:chOff x="0" y="0"/>
+          <a:chExt cx="0" cy="0"/>
+        </a:xfrm>
+      </p:grpSpPr>
+      <p:sp>
+        <p:nvSpPr>
+          <p:cNvPr id="2" name="タイトル 1"/>
+          <p:cNvSpPr>
+            <a:spLocks noGrp="1"/>
+          </p:cNvSpPr>
+          <p:nvPr>
+            <p:ph type="title"/>
+          </p:nvPr>
+        </p:nvSpPr>
+        <p:spPr>
+          <a:xfrm>
+            <a:off x="732692" y="2545617"/>
+            <a:ext cx="10515600" cy="1325563"/>
+          </a:xfrm>
+        </p:spPr>
+        <p:txBody>
+          <a:bodyPr>
+            <a:normAutofit/>
+          </a:bodyPr>
+          <a:lstStyle/>
+          <a:p>
+            <a:pPr algn="ctr"/>
+            <a:r>
+              <a:rPr kumimoji="1" lang="ja-JP" altLang="en-US" sz="7200" smtClean="0"/>
+              <a:t>ポーズメニュー</a:t>
+            </a:r>
+            <a:r>
+              <a:rPr kumimoji="1" lang="ja-JP" altLang="en-US" sz="7200" dirty="0" smtClean="0"/>
+              <a:t>画面</a:t>
+            </a:r>
+            <a:endParaRPr kumimoji="1" lang="ja-JP" altLang="en-US" sz="7200" dirty="0"/>
+          </a:p>
+        </p:txBody>
+      </p:sp>
+    </p:spTree>
+    <p:extLst>
+      <p:ext uri="{BB962C8B-B14F-4D97-AF65-F5344CB8AC3E}">
+        <p14:creationId xmlns:p14="http://schemas.microsoft.com/office/powerpoint/2010/main" val="4184165434"/>
+      </p:ext>
+    </p:extLst>
+  </p:cSld>
+  <p:clrMapOvr>
+    <a:masterClrMapping/>
+  </p:clrMapOvr>
+</p:sld>
+</file>
+
 <file path=ppt/slides/slide3.xml><?xml version="1.0" encoding="utf-8"?>
 <p:sld xmlns:a="http://schemas.openxmlformats.org/drawingml/2006/main" xmlns:r="http://schemas.openxmlformats.org/officeDocument/2006/relationships" xmlns:p="http://schemas.openxmlformats.org/presentationml/2006/main">
   <p:cSld>
@@ -17997,6 +18347,1048 @@
   <p:clrMapOvr>
     <a:masterClrMapping/>
   </p:clrMapOvr>
+</p:sld>
+</file>
+
+<file path=ppt/slides/slide30.xml><?xml version="1.0" encoding="utf-8"?>
+<p:sld xmlns:a="http://schemas.openxmlformats.org/drawingml/2006/main" xmlns:r="http://schemas.openxmlformats.org/officeDocument/2006/relationships" xmlns:p="http://schemas.openxmlformats.org/presentationml/2006/main">
+  <p:cSld>
+    <p:spTree>
+      <p:nvGrpSpPr>
+        <p:cNvPr id="1" name=""/>
+        <p:cNvGrpSpPr/>
+        <p:nvPr/>
+      </p:nvGrpSpPr>
+      <p:grpSpPr>
+        <a:xfrm>
+          <a:off x="0" y="0"/>
+          <a:ext cx="0" cy="0"/>
+          <a:chOff x="0" y="0"/>
+          <a:chExt cx="0" cy="0"/>
+        </a:xfrm>
+      </p:grpSpPr>
+      <p:sp>
+        <p:nvSpPr>
+          <p:cNvPr id="5" name="正方形/長方形 4"/>
+          <p:cNvSpPr/>
+          <p:nvPr/>
+        </p:nvSpPr>
+        <p:spPr>
+          <a:xfrm>
+            <a:off x="970087" y="901211"/>
+            <a:ext cx="10635760" cy="5869044"/>
+          </a:xfrm>
+          <a:prstGeom prst="rect">
+            <a:avLst/>
+          </a:prstGeom>
+          <a:solidFill>
+            <a:schemeClr val="bg1">
+              <a:lumMod val="95000"/>
+            </a:schemeClr>
+          </a:solidFill>
+          <a:ln w="38100"/>
+        </p:spPr>
+        <p:style>
+          <a:lnRef idx="2">
+            <a:schemeClr val="dk1"/>
+          </a:lnRef>
+          <a:fillRef idx="1">
+            <a:schemeClr val="lt1"/>
+          </a:fillRef>
+          <a:effectRef idx="0">
+            <a:schemeClr val="dk1"/>
+          </a:effectRef>
+          <a:fontRef idx="minor">
+            <a:schemeClr val="dk1"/>
+          </a:fontRef>
+        </p:style>
+        <p:txBody>
+          <a:bodyPr rtlCol="0" anchor="ctr"/>
+          <a:lstStyle/>
+          <a:p>
+            <a:pPr algn="ctr"/>
+            <a:endParaRPr kumimoji="1" lang="ja-JP" altLang="en-US"/>
+          </a:p>
+        </p:txBody>
+      </p:sp>
+      <p:sp>
+        <p:nvSpPr>
+          <p:cNvPr id="6" name="角丸四角形 5"/>
+          <p:cNvSpPr/>
+          <p:nvPr/>
+        </p:nvSpPr>
+        <p:spPr>
+          <a:xfrm>
+            <a:off x="4490525" y="2498546"/>
+            <a:ext cx="3707863" cy="1215082"/>
+          </a:xfrm>
+          <a:prstGeom prst="roundRect">
+            <a:avLst/>
+          </a:prstGeom>
+        </p:spPr>
+        <p:style>
+          <a:lnRef idx="1">
+            <a:schemeClr val="accent2"/>
+          </a:lnRef>
+          <a:fillRef idx="2">
+            <a:schemeClr val="accent2"/>
+          </a:fillRef>
+          <a:effectRef idx="1">
+            <a:schemeClr val="accent2"/>
+          </a:effectRef>
+          <a:fontRef idx="minor">
+            <a:schemeClr val="dk1"/>
+          </a:fontRef>
+        </p:style>
+        <p:txBody>
+          <a:bodyPr rtlCol="0" anchor="ctr"/>
+          <a:lstStyle/>
+          <a:p>
+            <a:pPr algn="ctr"/>
+            <a:endParaRPr kumimoji="1" lang="ja-JP" altLang="en-US"/>
+          </a:p>
+        </p:txBody>
+      </p:sp>
+      <p:sp>
+        <p:nvSpPr>
+          <p:cNvPr id="7" name="テキスト ボックス 6"/>
+          <p:cNvSpPr txBox="1"/>
+          <p:nvPr/>
+        </p:nvSpPr>
+        <p:spPr>
+          <a:xfrm>
+            <a:off x="4839309" y="2746691"/>
+            <a:ext cx="3010293" cy="707886"/>
+          </a:xfrm>
+          <a:prstGeom prst="rect">
+            <a:avLst/>
+          </a:prstGeom>
+          <a:noFill/>
+        </p:spPr>
+        <p:txBody>
+          <a:bodyPr wrap="square" rtlCol="0">
+            <a:spAutoFit/>
+          </a:bodyPr>
+          <a:lstStyle/>
+          <a:p>
+            <a:pPr algn="ctr"/>
+            <a:r>
+              <a:rPr kumimoji="1" lang="ja-JP" altLang="en-US" sz="4000" b="1" dirty="0" smtClean="0"/>
+              <a:t>つづける</a:t>
+            </a:r>
+            <a:endParaRPr kumimoji="1" lang="ja-JP" altLang="en-US" sz="4000" b="1" dirty="0"/>
+          </a:p>
+        </p:txBody>
+      </p:sp>
+      <p:sp>
+        <p:nvSpPr>
+          <p:cNvPr id="18" name="片側の 2 つの角を切り取った四角形 17"/>
+          <p:cNvSpPr/>
+          <p:nvPr/>
+        </p:nvSpPr>
+        <p:spPr>
+          <a:xfrm>
+            <a:off x="905607" y="575896"/>
+            <a:ext cx="2963008" cy="650630"/>
+          </a:xfrm>
+          <a:prstGeom prst="snip2SameRect">
+            <a:avLst/>
+          </a:prstGeom>
+        </p:spPr>
+        <p:style>
+          <a:lnRef idx="2">
+            <a:schemeClr val="accent2">
+              <a:shade val="50000"/>
+            </a:schemeClr>
+          </a:lnRef>
+          <a:fillRef idx="1">
+            <a:schemeClr val="accent2"/>
+          </a:fillRef>
+          <a:effectRef idx="0">
+            <a:schemeClr val="accent2"/>
+          </a:effectRef>
+          <a:fontRef idx="minor">
+            <a:schemeClr val="lt1"/>
+          </a:fontRef>
+        </p:style>
+        <p:txBody>
+          <a:bodyPr rtlCol="0" anchor="ctr"/>
+          <a:lstStyle/>
+          <a:p>
+            <a:pPr algn="ctr"/>
+            <a:endParaRPr kumimoji="1" lang="ja-JP" altLang="en-US"/>
+          </a:p>
+        </p:txBody>
+      </p:sp>
+      <p:sp>
+        <p:nvSpPr>
+          <p:cNvPr id="19" name="テキスト ボックス 18"/>
+          <p:cNvSpPr txBox="1"/>
+          <p:nvPr/>
+        </p:nvSpPr>
+        <p:spPr>
+          <a:xfrm>
+            <a:off x="1005256" y="685876"/>
+            <a:ext cx="2634759" cy="523220"/>
+          </a:xfrm>
+          <a:prstGeom prst="rect">
+            <a:avLst/>
+          </a:prstGeom>
+          <a:noFill/>
+        </p:spPr>
+        <p:txBody>
+          <a:bodyPr wrap="square" rtlCol="0">
+            <a:spAutoFit/>
+          </a:bodyPr>
+          <a:lstStyle/>
+          <a:p>
+            <a:pPr algn="ctr"/>
+            <a:r>
+              <a:rPr kumimoji="1" lang="ja-JP" altLang="en-US" sz="2800" b="1" dirty="0" smtClean="0">
+                <a:solidFill>
+                  <a:schemeClr val="bg2"/>
+                </a:solidFill>
+              </a:rPr>
+              <a:t>１つの場合</a:t>
+            </a:r>
+            <a:endParaRPr kumimoji="1" lang="ja-JP" altLang="en-US" sz="2800" b="1" dirty="0">
+              <a:solidFill>
+                <a:schemeClr val="bg2"/>
+              </a:solidFill>
+            </a:endParaRPr>
+          </a:p>
+        </p:txBody>
+      </p:sp>
+      <p:sp>
+        <p:nvSpPr>
+          <p:cNvPr id="22" name="正方形/長方形 21"/>
+          <p:cNvSpPr/>
+          <p:nvPr/>
+        </p:nvSpPr>
+        <p:spPr>
+          <a:xfrm>
+            <a:off x="4490525" y="480562"/>
+            <a:ext cx="3750208" cy="699047"/>
+          </a:xfrm>
+          <a:prstGeom prst="rect">
+            <a:avLst/>
+          </a:prstGeom>
+        </p:spPr>
+        <p:style>
+          <a:lnRef idx="2">
+            <a:schemeClr val="dk1"/>
+          </a:lnRef>
+          <a:fillRef idx="1">
+            <a:schemeClr val="lt1"/>
+          </a:fillRef>
+          <a:effectRef idx="0">
+            <a:schemeClr val="dk1"/>
+          </a:effectRef>
+          <a:fontRef idx="minor">
+            <a:schemeClr val="dk1"/>
+          </a:fontRef>
+        </p:style>
+        <p:txBody>
+          <a:bodyPr rtlCol="0" anchor="ctr"/>
+          <a:lstStyle/>
+          <a:p>
+            <a:pPr algn="ctr"/>
+            <a:endParaRPr kumimoji="1" lang="ja-JP" altLang="en-US"/>
+          </a:p>
+        </p:txBody>
+      </p:sp>
+      <p:sp>
+        <p:nvSpPr>
+          <p:cNvPr id="23" name="正方形/長方形 22"/>
+          <p:cNvSpPr/>
+          <p:nvPr/>
+        </p:nvSpPr>
+        <p:spPr>
+          <a:xfrm>
+            <a:off x="4426637" y="537699"/>
+            <a:ext cx="3877985" cy="584775"/>
+          </a:xfrm>
+          <a:prstGeom prst="rect">
+            <a:avLst/>
+          </a:prstGeom>
+        </p:spPr>
+        <p:txBody>
+          <a:bodyPr wrap="none">
+            <a:spAutoFit/>
+          </a:bodyPr>
+          <a:lstStyle/>
+          <a:p>
+            <a:r>
+              <a:rPr lang="ja-JP" altLang="en-US" sz="3200" b="1" dirty="0" smtClean="0"/>
+              <a:t>ポーズメニュー画面</a:t>
+            </a:r>
+            <a:endParaRPr lang="ja-JP" altLang="en-US" sz="3200" b="1" dirty="0"/>
+          </a:p>
+        </p:txBody>
+      </p:sp>
+      <p:sp>
+        <p:nvSpPr>
+          <p:cNvPr id="20" name="角丸四角形 19"/>
+          <p:cNvSpPr/>
+          <p:nvPr/>
+        </p:nvSpPr>
+        <p:spPr>
+          <a:xfrm>
+            <a:off x="4490525" y="5475776"/>
+            <a:ext cx="3707863" cy="1087454"/>
+          </a:xfrm>
+          <a:prstGeom prst="roundRect">
+            <a:avLst/>
+          </a:prstGeom>
+        </p:spPr>
+        <p:style>
+          <a:lnRef idx="1">
+            <a:schemeClr val="accent2"/>
+          </a:lnRef>
+          <a:fillRef idx="2">
+            <a:schemeClr val="accent2"/>
+          </a:fillRef>
+          <a:effectRef idx="1">
+            <a:schemeClr val="accent2"/>
+          </a:effectRef>
+          <a:fontRef idx="minor">
+            <a:schemeClr val="dk1"/>
+          </a:fontRef>
+        </p:style>
+        <p:txBody>
+          <a:bodyPr rtlCol="0" anchor="ctr"/>
+          <a:lstStyle/>
+          <a:p>
+            <a:pPr algn="ctr"/>
+            <a:endParaRPr kumimoji="1" lang="ja-JP" altLang="en-US"/>
+          </a:p>
+        </p:txBody>
+      </p:sp>
+      <p:sp>
+        <p:nvSpPr>
+          <p:cNvPr id="21" name="テキスト ボックス 20"/>
+          <p:cNvSpPr txBox="1"/>
+          <p:nvPr/>
+        </p:nvSpPr>
+        <p:spPr>
+          <a:xfrm>
+            <a:off x="4795322" y="5665560"/>
+            <a:ext cx="3098270" cy="707886"/>
+          </a:xfrm>
+          <a:prstGeom prst="rect">
+            <a:avLst/>
+          </a:prstGeom>
+          <a:noFill/>
+        </p:spPr>
+        <p:txBody>
+          <a:bodyPr wrap="square" rtlCol="0">
+            <a:spAutoFit/>
+          </a:bodyPr>
+          <a:lstStyle/>
+          <a:p>
+            <a:pPr algn="ctr"/>
+            <a:r>
+              <a:rPr kumimoji="1" lang="ja-JP" altLang="en-US" sz="4000" b="1" dirty="0" smtClean="0"/>
+              <a:t>タイトルへ</a:t>
+            </a:r>
+            <a:endParaRPr kumimoji="1" lang="ja-JP" altLang="en-US" sz="4000" b="1" dirty="0"/>
+          </a:p>
+        </p:txBody>
+      </p:sp>
+      <p:sp>
+        <p:nvSpPr>
+          <p:cNvPr id="11" name="角丸四角形 10"/>
+          <p:cNvSpPr/>
+          <p:nvPr/>
+        </p:nvSpPr>
+        <p:spPr>
+          <a:xfrm>
+            <a:off x="4490525" y="3987161"/>
+            <a:ext cx="3707863" cy="1215082"/>
+          </a:xfrm>
+          <a:prstGeom prst="roundRect">
+            <a:avLst/>
+          </a:prstGeom>
+        </p:spPr>
+        <p:style>
+          <a:lnRef idx="1">
+            <a:schemeClr val="accent2"/>
+          </a:lnRef>
+          <a:fillRef idx="2">
+            <a:schemeClr val="accent2"/>
+          </a:fillRef>
+          <a:effectRef idx="1">
+            <a:schemeClr val="accent2"/>
+          </a:effectRef>
+          <a:fontRef idx="minor">
+            <a:schemeClr val="dk1"/>
+          </a:fontRef>
+        </p:style>
+        <p:txBody>
+          <a:bodyPr rtlCol="0" anchor="ctr"/>
+          <a:lstStyle/>
+          <a:p>
+            <a:pPr algn="ctr"/>
+            <a:endParaRPr kumimoji="1" lang="ja-JP" altLang="en-US"/>
+          </a:p>
+        </p:txBody>
+      </p:sp>
+      <p:sp>
+        <p:nvSpPr>
+          <p:cNvPr id="12" name="テキスト ボックス 11"/>
+          <p:cNvSpPr txBox="1"/>
+          <p:nvPr/>
+        </p:nvSpPr>
+        <p:spPr>
+          <a:xfrm>
+            <a:off x="4839309" y="4235306"/>
+            <a:ext cx="3010293" cy="707886"/>
+          </a:xfrm>
+          <a:prstGeom prst="rect">
+            <a:avLst/>
+          </a:prstGeom>
+          <a:noFill/>
+        </p:spPr>
+        <p:txBody>
+          <a:bodyPr wrap="square" rtlCol="0">
+            <a:spAutoFit/>
+          </a:bodyPr>
+          <a:lstStyle/>
+          <a:p>
+            <a:pPr algn="ctr"/>
+            <a:r>
+              <a:rPr kumimoji="1" lang="ja-JP" altLang="en-US" sz="4000" b="1" dirty="0" smtClean="0"/>
+              <a:t>やり直す</a:t>
+            </a:r>
+            <a:endParaRPr kumimoji="1" lang="ja-JP" altLang="en-US" sz="4000" b="1" dirty="0"/>
+          </a:p>
+        </p:txBody>
+      </p:sp>
+      <p:sp>
+        <p:nvSpPr>
+          <p:cNvPr id="2" name="テキスト ボックス 1"/>
+          <p:cNvSpPr txBox="1"/>
+          <p:nvPr/>
+        </p:nvSpPr>
+        <p:spPr>
+          <a:xfrm>
+            <a:off x="1124319" y="4035251"/>
+            <a:ext cx="2346924" cy="400110"/>
+          </a:xfrm>
+          <a:prstGeom prst="rect">
+            <a:avLst/>
+          </a:prstGeom>
+          <a:solidFill>
+            <a:schemeClr val="bg1"/>
+          </a:solidFill>
+          <a:ln w="19050">
+            <a:solidFill>
+              <a:schemeClr val="tx1"/>
+            </a:solidFill>
+          </a:ln>
+        </p:spPr>
+        <p:txBody>
+          <a:bodyPr wrap="square" rtlCol="0">
+            <a:spAutoFit/>
+          </a:bodyPr>
+          <a:lstStyle/>
+          <a:p>
+            <a:pPr algn="ctr"/>
+            <a:r>
+              <a:rPr kumimoji="1" lang="ja-JP" altLang="en-US" sz="2000" dirty="0" smtClean="0"/>
+              <a:t>グレーの半透明</a:t>
+            </a:r>
+            <a:endParaRPr kumimoji="1" lang="ja-JP" altLang="en-US" sz="2000" dirty="0"/>
+          </a:p>
+        </p:txBody>
+      </p:sp>
+      <p:sp>
+        <p:nvSpPr>
+          <p:cNvPr id="3" name="正方形/長方形 2"/>
+          <p:cNvSpPr/>
+          <p:nvPr/>
+        </p:nvSpPr>
+        <p:spPr>
+          <a:xfrm>
+            <a:off x="1074420" y="1312258"/>
+            <a:ext cx="10430008" cy="1052251"/>
+          </a:xfrm>
+          <a:prstGeom prst="rect">
+            <a:avLst/>
+          </a:prstGeom>
+          <a:gradFill flip="none" rotWithShape="1">
+            <a:gsLst>
+              <a:gs pos="0">
+                <a:schemeClr val="accent2">
+                  <a:lumMod val="110000"/>
+                  <a:satMod val="105000"/>
+                  <a:tint val="67000"/>
+                  <a:alpha val="54000"/>
+                </a:schemeClr>
+              </a:gs>
+              <a:gs pos="50000">
+                <a:schemeClr val="accent2">
+                  <a:satMod val="103000"/>
+                  <a:tint val="73000"/>
+                  <a:lumMod val="72000"/>
+                  <a:lumOff val="28000"/>
+                </a:schemeClr>
+              </a:gs>
+              <a:gs pos="100000">
+                <a:schemeClr val="accent2">
+                  <a:lumMod val="105000"/>
+                  <a:satMod val="109000"/>
+                  <a:tint val="81000"/>
+                </a:schemeClr>
+              </a:gs>
+            </a:gsLst>
+            <a:path path="circle">
+              <a:fillToRect l="50000" t="50000" r="50000" b="50000"/>
+            </a:path>
+            <a:tileRect/>
+          </a:gradFill>
+        </p:spPr>
+        <p:style>
+          <a:lnRef idx="1">
+            <a:schemeClr val="accent2"/>
+          </a:lnRef>
+          <a:fillRef idx="2">
+            <a:schemeClr val="accent2"/>
+          </a:fillRef>
+          <a:effectRef idx="1">
+            <a:schemeClr val="accent2"/>
+          </a:effectRef>
+          <a:fontRef idx="minor">
+            <a:schemeClr val="dk1"/>
+          </a:fontRef>
+        </p:style>
+        <p:txBody>
+          <a:bodyPr rtlCol="0" anchor="ctr"/>
+          <a:lstStyle/>
+          <a:p>
+            <a:pPr algn="ctr"/>
+            <a:endParaRPr kumimoji="1" lang="ja-JP" altLang="en-US"/>
+          </a:p>
+        </p:txBody>
+      </p:sp>
+      <p:sp>
+        <p:nvSpPr>
+          <p:cNvPr id="4" name="テキスト ボックス 3"/>
+          <p:cNvSpPr txBox="1"/>
+          <p:nvPr/>
+        </p:nvSpPr>
+        <p:spPr>
+          <a:xfrm>
+            <a:off x="5032891" y="1427193"/>
+            <a:ext cx="2623127" cy="923330"/>
+          </a:xfrm>
+          <a:prstGeom prst="rect">
+            <a:avLst/>
+          </a:prstGeom>
+          <a:noFill/>
+        </p:spPr>
+        <p:txBody>
+          <a:bodyPr wrap="square" rtlCol="0">
+            <a:spAutoFit/>
+          </a:bodyPr>
+          <a:lstStyle/>
+          <a:p>
+            <a:pPr algn="ctr"/>
+            <a:r>
+              <a:rPr kumimoji="1" lang="ja-JP" altLang="en-US" sz="5400" b="1" dirty="0" smtClean="0">
+                <a:ln w="19050">
+                  <a:solidFill>
+                    <a:schemeClr val="bg1"/>
+                  </a:solidFill>
+                  <a:prstDash val="solid"/>
+                </a:ln>
+                <a:solidFill>
+                  <a:schemeClr val="accent5"/>
+                </a:solidFill>
+                <a:effectLst>
+                  <a:outerShdw blurRad="12700" dist="38100" dir="2700000" algn="tl" rotWithShape="0">
+                    <a:schemeClr val="accent5">
+                      <a:lumMod val="60000"/>
+                      <a:lumOff val="40000"/>
+                    </a:schemeClr>
+                  </a:outerShdw>
+                </a:effectLst>
+              </a:rPr>
+              <a:t>ポーズ</a:t>
+            </a:r>
+            <a:endParaRPr kumimoji="1" lang="ja-JP" altLang="en-US" sz="5400" b="1" dirty="0">
+              <a:ln w="19050">
+                <a:solidFill>
+                  <a:schemeClr val="bg1"/>
+                </a:solidFill>
+                <a:prstDash val="solid"/>
+              </a:ln>
+              <a:solidFill>
+                <a:schemeClr val="accent5"/>
+              </a:solidFill>
+              <a:effectLst>
+                <a:outerShdw blurRad="12700" dist="38100" dir="2700000" algn="tl" rotWithShape="0">
+                  <a:schemeClr val="accent5">
+                    <a:lumMod val="60000"/>
+                    <a:lumOff val="40000"/>
+                  </a:schemeClr>
+                </a:outerShdw>
+              </a:effectLst>
+            </a:endParaRPr>
+          </a:p>
+        </p:txBody>
+      </p:sp>
+      <p:sp>
+        <p:nvSpPr>
+          <p:cNvPr id="16" name="テキスト ボックス 15"/>
+          <p:cNvSpPr txBox="1"/>
+          <p:nvPr/>
+        </p:nvSpPr>
+        <p:spPr>
+          <a:xfrm>
+            <a:off x="9914274" y="4296861"/>
+            <a:ext cx="1865966" cy="646331"/>
+          </a:xfrm>
+          <a:prstGeom prst="rect">
+            <a:avLst/>
+          </a:prstGeom>
+          <a:solidFill>
+            <a:schemeClr val="bg1"/>
+          </a:solidFill>
+          <a:ln w="28575">
+            <a:solidFill>
+              <a:schemeClr val="tx1"/>
+            </a:solidFill>
+          </a:ln>
+        </p:spPr>
+        <p:txBody>
+          <a:bodyPr wrap="square" rtlCol="0">
+            <a:spAutoFit/>
+          </a:bodyPr>
+          <a:lstStyle/>
+          <a:p>
+            <a:r>
+              <a:rPr kumimoji="1" lang="ja-JP" altLang="en-US" dirty="0" smtClean="0"/>
+              <a:t>全ての大きさを</a:t>
+            </a:r>
+            <a:endParaRPr kumimoji="1" lang="en-US" altLang="ja-JP" dirty="0" smtClean="0"/>
+          </a:p>
+          <a:p>
+            <a:r>
+              <a:rPr kumimoji="1" lang="ja-JP" altLang="en-US" dirty="0" smtClean="0"/>
+              <a:t>同じにする</a:t>
+            </a:r>
+            <a:endParaRPr kumimoji="1" lang="ja-JP" altLang="en-US" dirty="0"/>
+          </a:p>
+        </p:txBody>
+      </p:sp>
+      <p:cxnSp>
+        <p:nvCxnSpPr>
+          <p:cNvPr id="17" name="直線矢印コネクタ 16"/>
+          <p:cNvCxnSpPr>
+            <a:stCxn id="16" idx="1"/>
+            <a:endCxn id="6" idx="3"/>
+          </p:cNvCxnSpPr>
+          <p:nvPr/>
+        </p:nvCxnSpPr>
+        <p:spPr>
+          <a:xfrm flipH="1" flipV="1">
+            <a:off x="8198388" y="3106087"/>
+            <a:ext cx="1715886" cy="1513940"/>
+          </a:xfrm>
+          <a:prstGeom prst="straightConnector1">
+            <a:avLst/>
+          </a:prstGeom>
+          <a:ln w="38100">
+            <a:tailEnd type="triangle"/>
+          </a:ln>
+        </p:spPr>
+        <p:style>
+          <a:lnRef idx="3">
+            <a:schemeClr val="dk1"/>
+          </a:lnRef>
+          <a:fillRef idx="0">
+            <a:schemeClr val="dk1"/>
+          </a:fillRef>
+          <a:effectRef idx="2">
+            <a:schemeClr val="dk1"/>
+          </a:effectRef>
+          <a:fontRef idx="minor">
+            <a:schemeClr val="tx1"/>
+          </a:fontRef>
+        </p:style>
+      </p:cxnSp>
+      <p:cxnSp>
+        <p:nvCxnSpPr>
+          <p:cNvPr id="24" name="直線矢印コネクタ 23"/>
+          <p:cNvCxnSpPr>
+            <a:stCxn id="16" idx="1"/>
+            <a:endCxn id="11" idx="3"/>
+          </p:cNvCxnSpPr>
+          <p:nvPr/>
+        </p:nvCxnSpPr>
+        <p:spPr>
+          <a:xfrm flipH="1" flipV="1">
+            <a:off x="8198388" y="4594702"/>
+            <a:ext cx="1715886" cy="25325"/>
+          </a:xfrm>
+          <a:prstGeom prst="straightConnector1">
+            <a:avLst/>
+          </a:prstGeom>
+          <a:ln w="38100">
+            <a:tailEnd type="triangle"/>
+          </a:ln>
+        </p:spPr>
+        <p:style>
+          <a:lnRef idx="3">
+            <a:schemeClr val="dk1"/>
+          </a:lnRef>
+          <a:fillRef idx="0">
+            <a:schemeClr val="dk1"/>
+          </a:fillRef>
+          <a:effectRef idx="2">
+            <a:schemeClr val="dk1"/>
+          </a:effectRef>
+          <a:fontRef idx="minor">
+            <a:schemeClr val="tx1"/>
+          </a:fontRef>
+        </p:style>
+      </p:cxnSp>
+      <p:cxnSp>
+        <p:nvCxnSpPr>
+          <p:cNvPr id="29" name="直線矢印コネクタ 28"/>
+          <p:cNvCxnSpPr>
+            <a:stCxn id="16" idx="1"/>
+            <a:endCxn id="20" idx="3"/>
+          </p:cNvCxnSpPr>
+          <p:nvPr/>
+        </p:nvCxnSpPr>
+        <p:spPr>
+          <a:xfrm flipH="1">
+            <a:off x="8198388" y="4620027"/>
+            <a:ext cx="1715886" cy="1399476"/>
+          </a:xfrm>
+          <a:prstGeom prst="straightConnector1">
+            <a:avLst/>
+          </a:prstGeom>
+          <a:ln w="38100">
+            <a:tailEnd type="triangle"/>
+          </a:ln>
+        </p:spPr>
+        <p:style>
+          <a:lnRef idx="3">
+            <a:schemeClr val="dk1"/>
+          </a:lnRef>
+          <a:fillRef idx="0">
+            <a:schemeClr val="dk1"/>
+          </a:fillRef>
+          <a:effectRef idx="2">
+            <a:schemeClr val="dk1"/>
+          </a:effectRef>
+          <a:fontRef idx="minor">
+            <a:schemeClr val="tx1"/>
+          </a:fontRef>
+        </p:style>
+      </p:cxnSp>
+      <p:sp>
+        <p:nvSpPr>
+          <p:cNvPr id="34" name="テキスト ボックス 33"/>
+          <p:cNvSpPr txBox="1"/>
+          <p:nvPr/>
+        </p:nvSpPr>
+        <p:spPr>
+          <a:xfrm>
+            <a:off x="9339591" y="2451312"/>
+            <a:ext cx="2192895" cy="369332"/>
+          </a:xfrm>
+          <a:prstGeom prst="rect">
+            <a:avLst/>
+          </a:prstGeom>
+          <a:noFill/>
+          <a:ln>
+            <a:solidFill>
+              <a:srgbClr val="00B0F0"/>
+            </a:solidFill>
+          </a:ln>
+        </p:spPr>
+        <p:txBody>
+          <a:bodyPr wrap="square" rtlCol="0">
+            <a:spAutoFit/>
+          </a:bodyPr>
+          <a:lstStyle/>
+          <a:p>
+            <a:pPr algn="ctr"/>
+            <a:r>
+              <a:rPr kumimoji="1" lang="ja-JP" altLang="en-US" dirty="0" smtClean="0">
+                <a:effectLst>
+                  <a:outerShdw blurRad="38100" dist="38100" dir="2700000" algn="tl">
+                    <a:srgbClr val="000000">
+                      <a:alpha val="43137"/>
+                    </a:srgbClr>
+                  </a:outerShdw>
+                </a:effectLst>
+              </a:rPr>
+              <a:t>何</a:t>
+            </a:r>
+            <a:r>
+              <a:rPr kumimoji="1" lang="en-US" altLang="ja-JP" dirty="0" smtClean="0">
+                <a:effectLst>
+                  <a:outerShdw blurRad="38100" dist="38100" dir="2700000" algn="tl">
+                    <a:srgbClr val="000000">
+                      <a:alpha val="43137"/>
+                    </a:srgbClr>
+                  </a:outerShdw>
+                </a:effectLst>
+              </a:rPr>
+              <a:t>P</a:t>
+            </a:r>
+            <a:r>
+              <a:rPr kumimoji="1" lang="ja-JP" altLang="en-US" dirty="0" smtClean="0">
+                <a:effectLst>
+                  <a:outerShdw blurRad="38100" dist="38100" dir="2700000" algn="tl">
+                    <a:srgbClr val="000000">
+                      <a:alpha val="43137"/>
+                    </a:srgbClr>
+                  </a:outerShdw>
+                </a:effectLst>
+              </a:rPr>
+              <a:t>がポーズしたか</a:t>
+            </a:r>
+            <a:endParaRPr kumimoji="1" lang="ja-JP" altLang="en-US" dirty="0">
+              <a:effectLst>
+                <a:outerShdw blurRad="38100" dist="38100" dir="2700000" algn="tl">
+                  <a:srgbClr val="000000">
+                    <a:alpha val="43137"/>
+                  </a:srgbClr>
+                </a:outerShdw>
+              </a:effectLst>
+            </a:endParaRPr>
+          </a:p>
+        </p:txBody>
+      </p:sp>
+      <p:sp>
+        <p:nvSpPr>
+          <p:cNvPr id="35" name="正方形/長方形 34"/>
+          <p:cNvSpPr/>
+          <p:nvPr/>
+        </p:nvSpPr>
+        <p:spPr>
+          <a:xfrm>
+            <a:off x="1072963" y="1308045"/>
+            <a:ext cx="10430008" cy="86900"/>
+          </a:xfrm>
+          <a:prstGeom prst="rect">
+            <a:avLst/>
+          </a:prstGeom>
+          <a:solidFill>
+            <a:schemeClr val="accent2"/>
+          </a:solidFill>
+        </p:spPr>
+        <p:style>
+          <a:lnRef idx="1">
+            <a:schemeClr val="accent2"/>
+          </a:lnRef>
+          <a:fillRef idx="2">
+            <a:schemeClr val="accent2"/>
+          </a:fillRef>
+          <a:effectRef idx="1">
+            <a:schemeClr val="accent2"/>
+          </a:effectRef>
+          <a:fontRef idx="minor">
+            <a:schemeClr val="dk1"/>
+          </a:fontRef>
+        </p:style>
+        <p:txBody>
+          <a:bodyPr rtlCol="0" anchor="ctr"/>
+          <a:lstStyle/>
+          <a:p>
+            <a:pPr algn="ctr"/>
+            <a:endParaRPr kumimoji="1" lang="ja-JP" altLang="en-US"/>
+          </a:p>
+        </p:txBody>
+      </p:sp>
+      <p:sp>
+        <p:nvSpPr>
+          <p:cNvPr id="36" name="正方形/長方形 35"/>
+          <p:cNvSpPr/>
+          <p:nvPr/>
+        </p:nvSpPr>
+        <p:spPr>
+          <a:xfrm>
+            <a:off x="1072963" y="2263623"/>
+            <a:ext cx="10430008" cy="86900"/>
+          </a:xfrm>
+          <a:prstGeom prst="rect">
+            <a:avLst/>
+          </a:prstGeom>
+          <a:solidFill>
+            <a:schemeClr val="accent2"/>
+          </a:solidFill>
+        </p:spPr>
+        <p:style>
+          <a:lnRef idx="1">
+            <a:schemeClr val="accent2"/>
+          </a:lnRef>
+          <a:fillRef idx="2">
+            <a:schemeClr val="accent2"/>
+          </a:fillRef>
+          <a:effectRef idx="1">
+            <a:schemeClr val="accent2"/>
+          </a:effectRef>
+          <a:fontRef idx="minor">
+            <a:schemeClr val="dk1"/>
+          </a:fontRef>
+        </p:style>
+        <p:txBody>
+          <a:bodyPr rtlCol="0" anchor="ctr"/>
+          <a:lstStyle/>
+          <a:p>
+            <a:pPr algn="ctr"/>
+            <a:endParaRPr kumimoji="1" lang="ja-JP" altLang="en-US"/>
+          </a:p>
+        </p:txBody>
+      </p:sp>
+      <p:sp>
+        <p:nvSpPr>
+          <p:cNvPr id="38" name="楕円 37"/>
+          <p:cNvSpPr/>
+          <p:nvPr/>
+        </p:nvSpPr>
+        <p:spPr>
+          <a:xfrm>
+            <a:off x="10491421" y="1671654"/>
+            <a:ext cx="769790" cy="606398"/>
+          </a:xfrm>
+          <a:prstGeom prst="ellipse">
+            <a:avLst/>
+          </a:prstGeom>
+        </p:spPr>
+        <p:style>
+          <a:lnRef idx="2">
+            <a:schemeClr val="accent1">
+              <a:shade val="50000"/>
+            </a:schemeClr>
+          </a:lnRef>
+          <a:fillRef idx="1">
+            <a:schemeClr val="accent1"/>
+          </a:fillRef>
+          <a:effectRef idx="0">
+            <a:schemeClr val="accent1"/>
+          </a:effectRef>
+          <a:fontRef idx="minor">
+            <a:schemeClr val="lt1"/>
+          </a:fontRef>
+        </p:style>
+        <p:txBody>
+          <a:bodyPr rtlCol="0" anchor="ctr"/>
+          <a:lstStyle/>
+          <a:p>
+            <a:pPr algn="ctr"/>
+            <a:endParaRPr kumimoji="1" lang="ja-JP" altLang="en-US"/>
+          </a:p>
+        </p:txBody>
+      </p:sp>
+      <p:sp>
+        <p:nvSpPr>
+          <p:cNvPr id="37" name="テキスト ボックス 36"/>
+          <p:cNvSpPr txBox="1"/>
+          <p:nvPr/>
+        </p:nvSpPr>
+        <p:spPr>
+          <a:xfrm>
+            <a:off x="10558973" y="1758457"/>
+            <a:ext cx="973513" cy="461665"/>
+          </a:xfrm>
+          <a:prstGeom prst="rect">
+            <a:avLst/>
+          </a:prstGeom>
+          <a:noFill/>
+        </p:spPr>
+        <p:txBody>
+          <a:bodyPr wrap="square" rtlCol="0">
+            <a:spAutoFit/>
+          </a:bodyPr>
+          <a:lstStyle/>
+          <a:p>
+            <a:r>
+              <a:rPr kumimoji="1" lang="en-US" altLang="ja-JP" sz="2400" b="1" dirty="0" smtClean="0">
+                <a:ln>
+                  <a:solidFill>
+                    <a:schemeClr val="bg1"/>
+                  </a:solidFill>
+                </a:ln>
+                <a:solidFill>
+                  <a:srgbClr val="7030A0"/>
+                </a:solidFill>
+              </a:rPr>
+              <a:t>NP</a:t>
+            </a:r>
+            <a:endParaRPr kumimoji="1" lang="ja-JP" altLang="en-US" sz="2400" b="1" dirty="0">
+              <a:ln>
+                <a:solidFill>
+                  <a:schemeClr val="bg1"/>
+                </a:solidFill>
+              </a:ln>
+              <a:solidFill>
+                <a:srgbClr val="7030A0"/>
+              </a:solidFill>
+            </a:endParaRPr>
+          </a:p>
+        </p:txBody>
+      </p:sp>
+      <p:cxnSp>
+        <p:nvCxnSpPr>
+          <p:cNvPr id="39" name="直線矢印コネクタ 38"/>
+          <p:cNvCxnSpPr>
+            <a:stCxn id="34" idx="0"/>
+            <a:endCxn id="38" idx="3"/>
+          </p:cNvCxnSpPr>
+          <p:nvPr/>
+        </p:nvCxnSpPr>
+        <p:spPr>
+          <a:xfrm flipV="1">
+            <a:off x="10436039" y="2189247"/>
+            <a:ext cx="168115" cy="262065"/>
+          </a:xfrm>
+          <a:prstGeom prst="straightConnector1">
+            <a:avLst/>
+          </a:prstGeom>
+          <a:ln w="38100">
+            <a:tailEnd type="triangle"/>
+          </a:ln>
+        </p:spPr>
+        <p:style>
+          <a:lnRef idx="3">
+            <a:schemeClr val="dk1"/>
+          </a:lnRef>
+          <a:fillRef idx="0">
+            <a:schemeClr val="dk1"/>
+          </a:fillRef>
+          <a:effectRef idx="2">
+            <a:schemeClr val="dk1"/>
+          </a:effectRef>
+          <a:fontRef idx="minor">
+            <a:schemeClr val="tx1"/>
+          </a:fontRef>
+        </p:style>
+      </p:cxnSp>
+    </p:spTree>
+    <p:extLst>
+      <p:ext uri="{BB962C8B-B14F-4D97-AF65-F5344CB8AC3E}">
+        <p14:creationId xmlns:p14="http://schemas.microsoft.com/office/powerpoint/2010/main" val="4228794863"/>
+      </p:ext>
+    </p:extLst>
+  </p:cSld>
+  <p:clrMapOvr>
+    <a:masterClrMapping/>
+  </p:clrMapOvr>
+  <p:timing>
+    <p:tnLst>
+      <p:par>
+        <p:cTn id="1" dur="indefinite" restart="never" nodeType="tmRoot"/>
+      </p:par>
+    </p:tnLst>
+  </p:timing>
 </p:sld>
 </file>
 

--- a/卒業制作_風船わりゲーム（仮）.pptx
+++ b/卒業制作_風船わりゲーム（仮）.pptx
@@ -11535,7 +11535,7 @@
         </p:nvSpPr>
         <p:spPr>
           <a:xfrm>
-            <a:off x="5777343" y="2088574"/>
+            <a:off x="5019961" y="2143991"/>
             <a:ext cx="1874982" cy="551872"/>
           </a:xfrm>
           <a:prstGeom prst="flowChartProcess">
@@ -11577,7 +11577,7 @@
         </p:nvSpPr>
         <p:spPr>
           <a:xfrm>
-            <a:off x="5777342" y="1303483"/>
+            <a:off x="5019960" y="1358900"/>
             <a:ext cx="1874983" cy="574963"/>
           </a:xfrm>
           <a:prstGeom prst="flowChartProcess">
@@ -11619,7 +11619,7 @@
         </p:nvSpPr>
         <p:spPr>
           <a:xfrm>
-            <a:off x="5777341" y="2976419"/>
+            <a:off x="5019959" y="3031836"/>
             <a:ext cx="1874983" cy="574963"/>
           </a:xfrm>
           <a:prstGeom prst="flowChartProcess">
@@ -11661,7 +11661,7 @@
         </p:nvSpPr>
         <p:spPr>
           <a:xfrm>
-            <a:off x="5777341" y="3878122"/>
+            <a:off x="5019959" y="3933539"/>
             <a:ext cx="1874984" cy="574963"/>
           </a:xfrm>
           <a:prstGeom prst="flowChartProcess">
@@ -11703,7 +11703,7 @@
         </p:nvSpPr>
         <p:spPr>
           <a:xfrm>
-            <a:off x="5290126" y="4717479"/>
+            <a:off x="4532744" y="4772896"/>
             <a:ext cx="2856348" cy="965200"/>
           </a:xfrm>
           <a:prstGeom prst="flowChartDecision">
@@ -11748,7 +11748,7 @@
         </p:nvCxnSpPr>
         <p:spPr>
           <a:xfrm rot="10800000" flipH="1">
-            <a:off x="5290125" y="3253451"/>
+            <a:off x="4532743" y="3308868"/>
             <a:ext cx="464129" cy="1946629"/>
           </a:xfrm>
           <a:prstGeom prst="bentConnector3">
@@ -11786,7 +11786,7 @@
         </p:nvCxnSpPr>
         <p:spPr>
           <a:xfrm>
-            <a:off x="6714834" y="1878446"/>
+            <a:off x="5957452" y="1933863"/>
             <a:ext cx="0" cy="210128"/>
           </a:xfrm>
           <a:prstGeom prst="straightConnector1">
@@ -11819,7 +11819,7 @@
         </p:nvSpPr>
         <p:spPr>
           <a:xfrm>
-            <a:off x="5691902" y="360217"/>
+            <a:off x="4934520" y="415634"/>
             <a:ext cx="2045860" cy="637312"/>
           </a:xfrm>
           <a:prstGeom prst="flowChartAlternateProcess">
@@ -11861,7 +11861,7 @@
         </p:nvSpPr>
         <p:spPr>
           <a:xfrm>
-            <a:off x="5691902" y="5973625"/>
+            <a:off x="4934520" y="6029042"/>
             <a:ext cx="2045860" cy="637312"/>
           </a:xfrm>
           <a:prstGeom prst="flowChartAlternateProcess">
@@ -11906,7 +11906,7 @@
         </p:nvCxnSpPr>
         <p:spPr>
           <a:xfrm rot="10800000" flipH="1">
-            <a:off x="5290126" y="1590965"/>
+            <a:off x="4532744" y="1646382"/>
             <a:ext cx="487216" cy="3609114"/>
           </a:xfrm>
           <a:prstGeom prst="bentConnector3">
@@ -11944,7 +11944,7 @@
         </p:nvCxnSpPr>
         <p:spPr>
           <a:xfrm flipH="1">
-            <a:off x="6714833" y="2640446"/>
+            <a:off x="5957451" y="2695863"/>
             <a:ext cx="1" cy="335973"/>
           </a:xfrm>
           <a:prstGeom prst="straightConnector1">
@@ -11980,7 +11980,7 @@
         </p:nvCxnSpPr>
         <p:spPr>
           <a:xfrm>
-            <a:off x="6714833" y="3551382"/>
+            <a:off x="5957451" y="3606799"/>
             <a:ext cx="0" cy="326740"/>
           </a:xfrm>
           <a:prstGeom prst="straightConnector1">
@@ -12016,7 +12016,7 @@
         </p:nvCxnSpPr>
         <p:spPr>
           <a:xfrm>
-            <a:off x="6714833" y="4453085"/>
+            <a:off x="5957451" y="4508502"/>
             <a:ext cx="3467" cy="264394"/>
           </a:xfrm>
           <a:prstGeom prst="straightConnector1">
@@ -12052,7 +12052,7 @@
         </p:nvCxnSpPr>
         <p:spPr>
           <a:xfrm>
-            <a:off x="6714832" y="997529"/>
+            <a:off x="5957450" y="1052946"/>
             <a:ext cx="2" cy="305954"/>
           </a:xfrm>
           <a:prstGeom prst="straightConnector1">
@@ -12088,7 +12088,7 @@
         </p:nvCxnSpPr>
         <p:spPr>
           <a:xfrm flipH="1">
-            <a:off x="6714832" y="5682679"/>
+            <a:off x="5957450" y="5738096"/>
             <a:ext cx="3468" cy="290946"/>
           </a:xfrm>
           <a:prstGeom prst="straightConnector1">
@@ -12157,7 +12157,7 @@
         </p:nvSpPr>
         <p:spPr>
           <a:xfrm>
-            <a:off x="6012873" y="461818"/>
+            <a:off x="5255491" y="517235"/>
             <a:ext cx="1376218" cy="369332"/>
           </a:xfrm>
           <a:prstGeom prst="rect">
@@ -12188,7 +12188,7 @@
         </p:nvSpPr>
         <p:spPr>
           <a:xfrm>
-            <a:off x="6012873" y="1397744"/>
+            <a:off x="5255491" y="1453161"/>
             <a:ext cx="1376218" cy="369332"/>
           </a:xfrm>
           <a:prstGeom prst="rect">
@@ -12219,7 +12219,7 @@
         </p:nvSpPr>
         <p:spPr>
           <a:xfrm>
-            <a:off x="5754255" y="2205307"/>
+            <a:off x="4996873" y="2260724"/>
             <a:ext cx="1893454" cy="369332"/>
           </a:xfrm>
           <a:prstGeom prst="rect">
@@ -12250,7 +12250,7 @@
         </p:nvSpPr>
         <p:spPr>
           <a:xfrm>
-            <a:off x="5754255" y="3068784"/>
+            <a:off x="4996873" y="3124201"/>
             <a:ext cx="1893454" cy="369332"/>
           </a:xfrm>
           <a:prstGeom prst="rect">
@@ -12281,7 +12281,7 @@
         </p:nvSpPr>
         <p:spPr>
           <a:xfrm>
-            <a:off x="5844308" y="3984402"/>
+            <a:off x="5086926" y="4039819"/>
             <a:ext cx="1711037" cy="369332"/>
           </a:xfrm>
           <a:prstGeom prst="rect">
@@ -12312,8 +12312,8 @@
         </p:nvSpPr>
         <p:spPr>
           <a:xfrm>
-            <a:off x="5754255" y="4960055"/>
-            <a:ext cx="1711037" cy="369332"/>
+            <a:off x="5351308" y="5070830"/>
+            <a:ext cx="1224978" cy="369332"/>
           </a:xfrm>
           <a:prstGeom prst="rect">
             <a:avLst/>
@@ -12343,7 +12343,7 @@
         </p:nvSpPr>
         <p:spPr>
           <a:xfrm>
-            <a:off x="3328552" y="4083753"/>
+            <a:off x="2571170" y="4139170"/>
             <a:ext cx="1711037" cy="369332"/>
           </a:xfrm>
           <a:prstGeom prst="rect">
@@ -12374,7 +12374,7 @@
         </p:nvSpPr>
         <p:spPr>
           <a:xfrm>
-            <a:off x="3348173" y="2049320"/>
+            <a:off x="2590791" y="2104737"/>
             <a:ext cx="1711037" cy="369332"/>
           </a:xfrm>
           <a:prstGeom prst="rect">
@@ -12405,7 +12405,7 @@
         </p:nvSpPr>
         <p:spPr>
           <a:xfrm>
-            <a:off x="6026723" y="6101326"/>
+            <a:off x="5269341" y="6156743"/>
             <a:ext cx="1376218" cy="369332"/>
           </a:xfrm>
           <a:prstGeom prst="rect">
@@ -12425,6 +12425,286 @@
               <a:t>終了</a:t>
             </a:r>
             <a:endParaRPr kumimoji="1" lang="ja-JP" altLang="en-US" dirty="0"/>
+          </a:p>
+        </p:txBody>
+      </p:sp>
+      <p:sp>
+        <p:nvSpPr>
+          <p:cNvPr id="27" name="フローチャート: 判断 26"/>
+          <p:cNvSpPr/>
+          <p:nvPr/>
+        </p:nvSpPr>
+        <p:spPr>
+          <a:xfrm>
+            <a:off x="9053945" y="2826268"/>
+            <a:ext cx="2856348" cy="965200"/>
+          </a:xfrm>
+          <a:prstGeom prst="flowChartDecision">
+            <a:avLst/>
+          </a:prstGeom>
+          <a:noFill/>
+          <a:ln w="38100"/>
+        </p:spPr>
+        <p:style>
+          <a:lnRef idx="2">
+            <a:schemeClr val="accent1">
+              <a:shade val="50000"/>
+            </a:schemeClr>
+          </a:lnRef>
+          <a:fillRef idx="1">
+            <a:schemeClr val="accent1"/>
+          </a:fillRef>
+          <a:effectRef idx="0">
+            <a:schemeClr val="accent1"/>
+          </a:effectRef>
+          <a:fontRef idx="minor">
+            <a:schemeClr val="lt1"/>
+          </a:fontRef>
+        </p:style>
+        <p:txBody>
+          <a:bodyPr rtlCol="0" anchor="ctr"/>
+          <a:lstStyle/>
+          <a:p>
+            <a:pPr algn="ctr"/>
+            <a:endParaRPr kumimoji="1" lang="ja-JP" altLang="en-US"/>
+          </a:p>
+        </p:txBody>
+      </p:sp>
+      <p:sp>
+        <p:nvSpPr>
+          <p:cNvPr id="28" name="テキスト ボックス 27"/>
+          <p:cNvSpPr txBox="1"/>
+          <p:nvPr/>
+        </p:nvSpPr>
+        <p:spPr>
+          <a:xfrm>
+            <a:off x="9872509" y="3124202"/>
+            <a:ext cx="1224978" cy="369332"/>
+          </a:xfrm>
+          <a:prstGeom prst="rect">
+            <a:avLst/>
+          </a:prstGeom>
+          <a:noFill/>
+        </p:spPr>
+        <p:txBody>
+          <a:bodyPr wrap="square" rtlCol="0">
+            <a:spAutoFit/>
+          </a:bodyPr>
+          <a:lstStyle/>
+          <a:p>
+            <a:pPr algn="ctr"/>
+            <a:r>
+              <a:rPr kumimoji="1" lang="ja-JP" altLang="en-US" dirty="0" smtClean="0"/>
+              <a:t>ポーズ</a:t>
+            </a:r>
+            <a:endParaRPr kumimoji="1" lang="en-US" altLang="ja-JP" dirty="0" smtClean="0"/>
+          </a:p>
+        </p:txBody>
+      </p:sp>
+      <p:sp>
+        <p:nvSpPr>
+          <p:cNvPr id="40" name="テキスト ボックス 39"/>
+          <p:cNvSpPr txBox="1"/>
+          <p:nvPr/>
+        </p:nvSpPr>
+        <p:spPr>
+          <a:xfrm>
+            <a:off x="7338293" y="2754869"/>
+            <a:ext cx="1711037" cy="369332"/>
+          </a:xfrm>
+          <a:prstGeom prst="rect">
+            <a:avLst/>
+          </a:prstGeom>
+          <a:noFill/>
+        </p:spPr>
+        <p:txBody>
+          <a:bodyPr wrap="square" rtlCol="0">
+            <a:spAutoFit/>
+          </a:bodyPr>
+          <a:lstStyle/>
+          <a:p>
+            <a:pPr algn="ctr"/>
+            <a:r>
+              <a:rPr kumimoji="1" lang="ja-JP" altLang="en-US" dirty="0" smtClean="0"/>
+              <a:t>ポーズへ</a:t>
+            </a:r>
+            <a:endParaRPr kumimoji="1" lang="en-US" altLang="ja-JP" dirty="0" smtClean="0"/>
+          </a:p>
+        </p:txBody>
+      </p:sp>
+      <p:cxnSp>
+        <p:nvCxnSpPr>
+          <p:cNvPr id="19" name="直線矢印コネクタ 18"/>
+          <p:cNvCxnSpPr>
+            <a:endCxn id="27" idx="1"/>
+          </p:cNvCxnSpPr>
+          <p:nvPr/>
+        </p:nvCxnSpPr>
+        <p:spPr>
+          <a:xfrm>
+            <a:off x="6894942" y="3162241"/>
+            <a:ext cx="2159003" cy="146627"/>
+          </a:xfrm>
+          <a:prstGeom prst="straightConnector1">
+            <a:avLst/>
+          </a:prstGeom>
+          <a:ln w="38100">
+            <a:tailEnd type="triangle"/>
+          </a:ln>
+        </p:spPr>
+        <p:style>
+          <a:lnRef idx="1">
+            <a:schemeClr val="accent1"/>
+          </a:lnRef>
+          <a:fillRef idx="0">
+            <a:schemeClr val="accent1"/>
+          </a:fillRef>
+          <a:effectRef idx="0">
+            <a:schemeClr val="accent1"/>
+          </a:effectRef>
+          <a:fontRef idx="minor">
+            <a:schemeClr val="tx1"/>
+          </a:fontRef>
+        </p:style>
+      </p:cxnSp>
+      <p:cxnSp>
+        <p:nvCxnSpPr>
+          <p:cNvPr id="44" name="直線矢印コネクタ 43"/>
+          <p:cNvCxnSpPr>
+            <a:stCxn id="27" idx="1"/>
+          </p:cNvCxnSpPr>
+          <p:nvPr/>
+        </p:nvCxnSpPr>
+        <p:spPr>
+          <a:xfrm flipH="1">
+            <a:off x="6890327" y="3308868"/>
+            <a:ext cx="2163618" cy="205568"/>
+          </a:xfrm>
+          <a:prstGeom prst="straightConnector1">
+            <a:avLst/>
+          </a:prstGeom>
+          <a:ln w="38100">
+            <a:tailEnd type="triangle"/>
+          </a:ln>
+        </p:spPr>
+        <p:style>
+          <a:lnRef idx="1">
+            <a:schemeClr val="accent1"/>
+          </a:lnRef>
+          <a:fillRef idx="0">
+            <a:schemeClr val="accent1"/>
+          </a:fillRef>
+          <a:effectRef idx="0">
+            <a:schemeClr val="accent1"/>
+          </a:effectRef>
+          <a:fontRef idx="minor">
+            <a:schemeClr val="tx1"/>
+          </a:fontRef>
+        </p:style>
+      </p:cxnSp>
+      <p:sp>
+        <p:nvSpPr>
+          <p:cNvPr id="48" name="テキスト ボックス 47"/>
+          <p:cNvSpPr txBox="1"/>
+          <p:nvPr/>
+        </p:nvSpPr>
+        <p:spPr>
+          <a:xfrm>
+            <a:off x="6855693" y="3501857"/>
+            <a:ext cx="2288308" cy="369332"/>
+          </a:xfrm>
+          <a:prstGeom prst="rect">
+            <a:avLst/>
+          </a:prstGeom>
+          <a:noFill/>
+        </p:spPr>
+        <p:txBody>
+          <a:bodyPr wrap="square" rtlCol="0">
+            <a:spAutoFit/>
+          </a:bodyPr>
+          <a:lstStyle/>
+          <a:p>
+            <a:pPr algn="ctr"/>
+            <a:r>
+              <a:rPr kumimoji="1" lang="ja-JP" altLang="en-US" dirty="0" smtClean="0"/>
+              <a:t>やり直す</a:t>
+            </a:r>
+            <a:r>
+              <a:rPr kumimoji="1" lang="en-US" altLang="ja-JP" dirty="0" smtClean="0"/>
+              <a:t>or</a:t>
+            </a:r>
+            <a:r>
+              <a:rPr lang="ja-JP" altLang="en-US" dirty="0"/>
+              <a:t>つづける</a:t>
+            </a:r>
+            <a:endParaRPr kumimoji="1" lang="en-US" altLang="ja-JP" dirty="0" smtClean="0"/>
+          </a:p>
+        </p:txBody>
+      </p:sp>
+      <p:cxnSp>
+        <p:nvCxnSpPr>
+          <p:cNvPr id="49" name="カギ線コネクタ 48"/>
+          <p:cNvCxnSpPr>
+            <a:stCxn id="27" idx="0"/>
+            <a:endCxn id="7" idx="3"/>
+          </p:cNvCxnSpPr>
+          <p:nvPr/>
+        </p:nvCxnSpPr>
+        <p:spPr>
+          <a:xfrm rot="16200000" flipV="1">
+            <a:off x="8098588" y="442737"/>
+            <a:ext cx="1179886" cy="3587176"/>
+          </a:xfrm>
+          <a:prstGeom prst="bentConnector2">
+            <a:avLst/>
+          </a:prstGeom>
+          <a:ln w="38100">
+            <a:tailEnd type="triangle"/>
+          </a:ln>
+        </p:spPr>
+        <p:style>
+          <a:lnRef idx="1">
+            <a:schemeClr val="accent1"/>
+          </a:lnRef>
+          <a:fillRef idx="0">
+            <a:schemeClr val="accent1"/>
+          </a:fillRef>
+          <a:effectRef idx="0">
+            <a:schemeClr val="accent1"/>
+          </a:effectRef>
+          <a:fontRef idx="minor">
+            <a:schemeClr val="tx1"/>
+          </a:fontRef>
+        </p:style>
+      </p:cxnSp>
+      <p:sp>
+        <p:nvSpPr>
+          <p:cNvPr id="52" name="テキスト ボックス 51"/>
+          <p:cNvSpPr txBox="1"/>
+          <p:nvPr/>
+        </p:nvSpPr>
+        <p:spPr>
+          <a:xfrm>
+            <a:off x="8442027" y="1249798"/>
+            <a:ext cx="1711037" cy="369332"/>
+          </a:xfrm>
+          <a:prstGeom prst="rect">
+            <a:avLst/>
+          </a:prstGeom>
+          <a:noFill/>
+        </p:spPr>
+        <p:txBody>
+          <a:bodyPr wrap="square" rtlCol="0">
+            <a:spAutoFit/>
+          </a:bodyPr>
+          <a:lstStyle/>
+          <a:p>
+            <a:pPr algn="ctr"/>
+            <a:r>
+              <a:rPr kumimoji="1" lang="ja-JP" altLang="en-US" dirty="0" smtClean="0"/>
+              <a:t>タイトルへ</a:t>
+            </a:r>
+            <a:endParaRPr kumimoji="1" lang="en-US" altLang="ja-JP" dirty="0" smtClean="0"/>
           </a:p>
         </p:txBody>
       </p:sp>

--- a/卒業制作_風船わりゲーム（仮）.pptx
+++ b/卒業制作_風船わりゲーム（仮）.pptx
@@ -7170,8 +7170,8 @@
         </p:nvSpPr>
         <p:spPr>
           <a:xfrm>
-            <a:off x="1491106" y="2782738"/>
-            <a:ext cx="996390" cy="369332"/>
+            <a:off x="1459523" y="2745271"/>
+            <a:ext cx="996390" cy="523220"/>
           </a:xfrm>
           <a:prstGeom prst="rect">
             <a:avLst/>
@@ -7186,10 +7186,10 @@
           <a:p>
             <a:pPr algn="ctr"/>
             <a:r>
-              <a:rPr kumimoji="1" lang="ja-JP" altLang="en-US" dirty="0" smtClean="0"/>
+              <a:rPr kumimoji="1" lang="ja-JP" altLang="en-US" sz="2800" b="1" dirty="0" smtClean="0"/>
               <a:t>３</a:t>
             </a:r>
-            <a:endParaRPr kumimoji="1" lang="ja-JP" altLang="en-US" dirty="0"/>
+            <a:endParaRPr kumimoji="1" lang="ja-JP" altLang="en-US" sz="2800" b="1" dirty="0"/>
           </a:p>
         </p:txBody>
       </p:sp>
@@ -7201,8 +7201,8 @@
         </p:nvSpPr>
         <p:spPr>
           <a:xfrm>
-            <a:off x="3574089" y="2782738"/>
-            <a:ext cx="996390" cy="369332"/>
+            <a:off x="3549195" y="2705793"/>
+            <a:ext cx="996390" cy="523220"/>
           </a:xfrm>
           <a:prstGeom prst="rect">
             <a:avLst/>
@@ -7217,10 +7217,10 @@
           <a:p>
             <a:pPr algn="ctr"/>
             <a:r>
-              <a:rPr kumimoji="1" lang="ja-JP" altLang="en-US" dirty="0" smtClean="0"/>
+              <a:rPr kumimoji="1" lang="ja-JP" altLang="en-US" sz="2800" b="1" dirty="0" smtClean="0"/>
               <a:t>２</a:t>
             </a:r>
-            <a:endParaRPr kumimoji="1" lang="ja-JP" altLang="en-US" dirty="0"/>
+            <a:endParaRPr kumimoji="1" lang="ja-JP" altLang="en-US" sz="2800" b="1" dirty="0"/>
           </a:p>
         </p:txBody>
       </p:sp>
@@ -7232,8 +7232,8 @@
         </p:nvSpPr>
         <p:spPr>
           <a:xfrm>
-            <a:off x="5423442" y="2782738"/>
-            <a:ext cx="996390" cy="369332"/>
+            <a:off x="5424537" y="2745271"/>
+            <a:ext cx="996390" cy="523220"/>
           </a:xfrm>
           <a:prstGeom prst="rect">
             <a:avLst/>
@@ -7248,10 +7248,10 @@
           <a:p>
             <a:pPr algn="ctr"/>
             <a:r>
-              <a:rPr kumimoji="1" lang="ja-JP" altLang="en-US" dirty="0" smtClean="0"/>
+              <a:rPr kumimoji="1" lang="ja-JP" altLang="en-US" sz="2800" b="1" dirty="0" smtClean="0"/>
               <a:t>１</a:t>
             </a:r>
-            <a:endParaRPr kumimoji="1" lang="ja-JP" altLang="en-US" dirty="0"/>
+            <a:endParaRPr kumimoji="1" lang="ja-JP" altLang="en-US" sz="2800" b="1" dirty="0"/>
           </a:p>
         </p:txBody>
       </p:sp>
@@ -10267,7 +10267,7 @@
         </p:nvSpPr>
         <p:spPr>
           <a:xfrm>
-            <a:off x="5486399" y="1494692"/>
+            <a:off x="5486399" y="2513291"/>
             <a:ext cx="3886200" cy="369332"/>
           </a:xfrm>
           <a:prstGeom prst="rect">
@@ -10491,8 +10491,8 @@
         </p:nvSpPr>
         <p:spPr>
           <a:xfrm>
-            <a:off x="3697914" y="5325891"/>
-            <a:ext cx="3235569" cy="646331"/>
+            <a:off x="3697915" y="5325891"/>
+            <a:ext cx="2961504" cy="646331"/>
           </a:xfrm>
           <a:prstGeom prst="rect">
             <a:avLst/>
@@ -10507,7 +10507,19 @@
           <a:p>
             <a:r>
               <a:rPr kumimoji="1" lang="ja-JP" altLang="en-US" dirty="0" smtClean="0"/>
-              <a:t>当たったプレイヤーの</a:t>
+              <a:t>当</a:t>
+            </a:r>
+            <a:r>
+              <a:rPr lang="ja-JP" altLang="en-US" dirty="0"/>
+              <a:t>て</a:t>
+            </a:r>
+            <a:r>
+              <a:rPr kumimoji="1" lang="ja-JP" altLang="en-US" dirty="0" smtClean="0"/>
+              <a:t>た</a:t>
+            </a:r>
+            <a:r>
+              <a:rPr kumimoji="1" lang="ja-JP" altLang="en-US" dirty="0" smtClean="0"/>
+              <a:t>プレイヤーの</a:t>
             </a:r>
             <a:r>
               <a:rPr kumimoji="1" lang="ja-JP" altLang="en-US" dirty="0" smtClean="0">
@@ -10519,7 +10531,18 @@
             </a:r>
             <a:r>
               <a:rPr kumimoji="1" lang="ja-JP" altLang="en-US" dirty="0" smtClean="0"/>
-              <a:t>を１加算をする</a:t>
+              <a:t>を</a:t>
+            </a:r>
+            <a:endParaRPr kumimoji="1" lang="en-US" altLang="ja-JP" dirty="0" smtClean="0"/>
+          </a:p>
+          <a:p>
+            <a:r>
+              <a:rPr kumimoji="1" lang="ja-JP" altLang="en-US" dirty="0" smtClean="0"/>
+              <a:t>１</a:t>
+            </a:r>
+            <a:r>
+              <a:rPr kumimoji="1" lang="ja-JP" altLang="en-US" dirty="0" smtClean="0"/>
+              <a:t>加算をする</a:t>
             </a:r>
             <a:endParaRPr kumimoji="1" lang="ja-JP" altLang="en-US" dirty="0"/>
           </a:p>
@@ -10535,6 +10558,13 @@
   <p:clrMapOvr>
     <a:masterClrMapping/>
   </p:clrMapOvr>
+  <p:timing>
+    <p:tnLst>
+      <p:par>
+        <p:cTn id="1" dur="indefinite" restart="never" nodeType="tmRoot"/>
+      </p:par>
+    </p:tnLst>
+  </p:timing>
 </p:sld>
 </file>
 
@@ -13916,7 +13946,7 @@
         </p:nvSpPr>
         <p:spPr>
           <a:xfrm>
-            <a:off x="4626867" y="3185247"/>
+            <a:off x="4639327" y="2767397"/>
             <a:ext cx="2778531" cy="1051264"/>
           </a:xfrm>
           <a:prstGeom prst="ellipse">
@@ -13964,7 +13994,7 @@
         </p:nvSpPr>
         <p:spPr>
           <a:xfrm>
-            <a:off x="4639403" y="3503666"/>
+            <a:off x="4651863" y="3085816"/>
             <a:ext cx="2753458" cy="369332"/>
           </a:xfrm>
           <a:prstGeom prst="rect">
@@ -13980,9 +14010,109 @@
           <a:p>
             <a:r>
               <a:rPr kumimoji="1" lang="ja-JP" altLang="en-US" b="1" u="sng" dirty="0" smtClean="0"/>
-              <a:t>タイマーが０になったら</a:t>
+              <a:t>タイマーが</a:t>
+            </a:r>
+            <a:r>
+              <a:rPr kumimoji="1" lang="ja-JP" altLang="en-US" b="1" u="sng" dirty="0" smtClean="0">
+                <a:solidFill>
+                  <a:srgbClr val="FF0000"/>
+                </a:solidFill>
+              </a:rPr>
+              <a:t>０</a:t>
+            </a:r>
+            <a:r>
+              <a:rPr kumimoji="1" lang="ja-JP" altLang="en-US" b="1" u="sng" dirty="0" smtClean="0"/>
+              <a:t>になったら</a:t>
             </a:r>
             <a:endParaRPr kumimoji="1" lang="ja-JP" altLang="en-US" b="1" u="sng" dirty="0"/>
+          </a:p>
+        </p:txBody>
+      </p:sp>
+      <p:sp>
+        <p:nvSpPr>
+          <p:cNvPr id="25" name="下矢印 24"/>
+          <p:cNvSpPr/>
+          <p:nvPr/>
+        </p:nvSpPr>
+        <p:spPr>
+          <a:xfrm>
+            <a:off x="5717606" y="3546764"/>
+            <a:ext cx="597054" cy="692544"/>
+          </a:xfrm>
+          <a:prstGeom prst="downArrow">
+            <a:avLst/>
+          </a:prstGeom>
+        </p:spPr>
+        <p:style>
+          <a:lnRef idx="2">
+            <a:schemeClr val="accent1">
+              <a:shade val="50000"/>
+            </a:schemeClr>
+          </a:lnRef>
+          <a:fillRef idx="1">
+            <a:schemeClr val="accent1"/>
+          </a:fillRef>
+          <a:effectRef idx="0">
+            <a:schemeClr val="accent1"/>
+          </a:effectRef>
+          <a:fontRef idx="minor">
+            <a:schemeClr val="lt1"/>
+          </a:fontRef>
+        </p:style>
+        <p:txBody>
+          <a:bodyPr rtlCol="0" anchor="ctr"/>
+          <a:lstStyle/>
+          <a:p>
+            <a:pPr algn="ctr"/>
+            <a:endParaRPr kumimoji="1" lang="ja-JP" altLang="en-US"/>
+          </a:p>
+        </p:txBody>
+      </p:sp>
+      <p:sp>
+        <p:nvSpPr>
+          <p:cNvPr id="29" name="テキスト ボックス 28"/>
+          <p:cNvSpPr txBox="1"/>
+          <p:nvPr/>
+        </p:nvSpPr>
+        <p:spPr>
+          <a:xfrm>
+            <a:off x="4336070" y="4256735"/>
+            <a:ext cx="3310822" cy="461665"/>
+          </a:xfrm>
+          <a:prstGeom prst="rect">
+            <a:avLst/>
+          </a:prstGeom>
+          <a:noFill/>
+          <a:ln>
+            <a:solidFill>
+              <a:schemeClr val="tx1"/>
+            </a:solidFill>
+          </a:ln>
+        </p:spPr>
+        <p:txBody>
+          <a:bodyPr wrap="square" rtlCol="0">
+            <a:spAutoFit/>
+          </a:bodyPr>
+          <a:lstStyle/>
+          <a:p>
+            <a:pPr algn="ctr"/>
+            <a:r>
+              <a:rPr lang="ja-JP" altLang="en-US" sz="2400" b="1" dirty="0" smtClean="0"/>
+              <a:t>フィニッシュ</a:t>
+            </a:r>
+            <a:r>
+              <a:rPr kumimoji="1" lang="ja-JP" altLang="en-US" sz="2400" b="1" dirty="0" smtClean="0"/>
+              <a:t>の</a:t>
+            </a:r>
+            <a:r>
+              <a:rPr kumimoji="1" lang="en-US" altLang="ja-JP" sz="2400" b="1" dirty="0" smtClean="0"/>
+              <a:t>UI</a:t>
+            </a:r>
+            <a:r>
+              <a:rPr kumimoji="1" lang="ja-JP" altLang="en-US" sz="2400" b="1" dirty="0" smtClean="0"/>
+              <a:t>出す</a:t>
+            </a:r>
+            <a:endParaRPr kumimoji="1" lang="ja-JP" altLang="en-US" sz="2400" b="1" dirty="0"/>
           </a:p>
         </p:txBody>
       </p:sp>
@@ -14378,85 +14508,6 @@
       </p:grpSpPr>
       <p:sp>
         <p:nvSpPr>
-          <p:cNvPr id="4" name="楕円 3"/>
-          <p:cNvSpPr/>
-          <p:nvPr/>
-        </p:nvSpPr>
-        <p:spPr>
-          <a:xfrm>
-            <a:off x="7415590" y="2896435"/>
-            <a:ext cx="2778531" cy="1060173"/>
-          </a:xfrm>
-          <a:prstGeom prst="ellipse">
-            <a:avLst/>
-          </a:prstGeom>
-          <a:solidFill>
-            <a:schemeClr val="bg1"/>
-          </a:solidFill>
-          <a:ln w="57150" cap="flat" cmpd="sng" algn="ctr">
-            <a:solidFill>
-              <a:srgbClr val="7030A0"/>
-            </a:solidFill>
-            <a:prstDash val="solid"/>
-            <a:round/>
-            <a:headEnd type="none" w="med" len="med"/>
-            <a:tailEnd type="none" w="med" len="med"/>
-          </a:ln>
-        </p:spPr>
-        <p:style>
-          <a:lnRef idx="0">
-            <a:scrgbClr r="0" g="0" b="0"/>
-          </a:lnRef>
-          <a:fillRef idx="0">
-            <a:scrgbClr r="0" g="0" b="0"/>
-          </a:fillRef>
-          <a:effectRef idx="0">
-            <a:scrgbClr r="0" g="0" b="0"/>
-          </a:effectRef>
-          <a:fontRef idx="minor">
-            <a:schemeClr val="accent5"/>
-          </a:fontRef>
-        </p:style>
-        <p:txBody>
-          <a:bodyPr rtlCol="0" anchor="ctr"/>
-          <a:lstStyle/>
-          <a:p>
-            <a:pPr algn="ctr"/>
-            <a:endParaRPr kumimoji="1" lang="ja-JP" altLang="en-US"/>
-          </a:p>
-        </p:txBody>
-      </p:sp>
-      <p:sp>
-        <p:nvSpPr>
-          <p:cNvPr id="5" name="テキスト ボックス 4"/>
-          <p:cNvSpPr txBox="1"/>
-          <p:nvPr/>
-        </p:nvSpPr>
-        <p:spPr>
-          <a:xfrm>
-            <a:off x="7495522" y="3241855"/>
-            <a:ext cx="2784149" cy="369332"/>
-          </a:xfrm>
-          <a:prstGeom prst="rect">
-            <a:avLst/>
-          </a:prstGeom>
-          <a:noFill/>
-        </p:spPr>
-        <p:txBody>
-          <a:bodyPr wrap="square" rtlCol="0">
-            <a:spAutoFit/>
-          </a:bodyPr>
-          <a:lstStyle/>
-          <a:p>
-            <a:r>
-              <a:rPr lang="ja-JP" altLang="en-US" b="1" u="sng" dirty="0"/>
-              <a:t>タイマーが０になったら</a:t>
-            </a:r>
-          </a:p>
-        </p:txBody>
-      </p:sp>
-      <p:sp>
-        <p:nvSpPr>
           <p:cNvPr id="7" name="正方形/長方形 6"/>
           <p:cNvSpPr/>
           <p:nvPr/>
@@ -14497,51 +14548,6 @@
       </p:sp>
       <p:sp>
         <p:nvSpPr>
-          <p:cNvPr id="9" name="円形吹き出し 8"/>
-          <p:cNvSpPr/>
-          <p:nvPr/>
-        </p:nvSpPr>
-        <p:spPr>
-          <a:xfrm rot="5400000">
-            <a:off x="9535598" y="2656361"/>
-            <a:ext cx="2385196" cy="858663"/>
-          </a:xfrm>
-          <a:prstGeom prst="wedgeEllipseCallout">
-            <a:avLst>
-              <a:gd name="adj1" fmla="val 6274"/>
-              <a:gd name="adj2" fmla="val 63081"/>
-            </a:avLst>
-          </a:prstGeom>
-          <a:ln w="38100">
-            <a:headEnd type="none" w="med" len="med"/>
-            <a:tailEnd type="none" w="med" len="med"/>
-          </a:ln>
-        </p:spPr>
-        <p:style>
-          <a:lnRef idx="2">
-            <a:schemeClr val="accent2"/>
-          </a:lnRef>
-          <a:fillRef idx="1">
-            <a:schemeClr val="lt1"/>
-          </a:fillRef>
-          <a:effectRef idx="0">
-            <a:schemeClr val="accent2"/>
-          </a:effectRef>
-          <a:fontRef idx="minor">
-            <a:schemeClr val="dk1"/>
-          </a:fontRef>
-        </p:style>
-        <p:txBody>
-          <a:bodyPr rtlCol="0" anchor="ctr"/>
-          <a:lstStyle/>
-          <a:p>
-            <a:pPr algn="ctr"/>
-            <a:endParaRPr kumimoji="1" lang="ja-JP" altLang="en-US"/>
-          </a:p>
-        </p:txBody>
-      </p:sp>
-      <p:sp>
-        <p:nvSpPr>
           <p:cNvPr id="2" name="正方形/長方形 1"/>
           <p:cNvSpPr/>
           <p:nvPr/>
@@ -14583,24 +14589,19 @@
       </p:sp>
       <p:sp>
         <p:nvSpPr>
-          <p:cNvPr id="16" name="テキスト ボックス 15"/>
+          <p:cNvPr id="3" name="テキスト ボックス 2"/>
           <p:cNvSpPr txBox="1"/>
           <p:nvPr/>
         </p:nvSpPr>
         <p:spPr>
           <a:xfrm>
-            <a:off x="7070851" y="1729723"/>
-            <a:ext cx="3310822" cy="461665"/>
+            <a:off x="990482" y="1662263"/>
+            <a:ext cx="4154834" cy="461665"/>
           </a:xfrm>
           <a:prstGeom prst="rect">
             <a:avLst/>
           </a:prstGeom>
           <a:noFill/>
-          <a:ln>
-            <a:solidFill>
-              <a:schemeClr val="tx1"/>
-            </a:solidFill>
-          </a:ln>
         </p:spPr>
         <p:txBody>
           <a:bodyPr wrap="square" rtlCol="0">
@@ -14608,49 +14609,6 @@
           </a:bodyPr>
           <a:lstStyle/>
           <a:p>
-            <a:pPr algn="ctr"/>
-            <a:r>
-              <a:rPr lang="ja-JP" altLang="en-US" sz="2400" b="1" dirty="0" smtClean="0"/>
-              <a:t>フィニッシュ</a:t>
-            </a:r>
-            <a:r>
-              <a:rPr kumimoji="1" lang="ja-JP" altLang="en-US" sz="2400" b="1" dirty="0" smtClean="0"/>
-              <a:t>の</a:t>
-            </a:r>
-            <a:r>
-              <a:rPr kumimoji="1" lang="en-US" altLang="ja-JP" sz="2400" b="1" dirty="0" smtClean="0"/>
-              <a:t>UI</a:t>
-            </a:r>
-            <a:r>
-              <a:rPr kumimoji="1" lang="ja-JP" altLang="en-US" sz="2400" b="1" dirty="0" smtClean="0"/>
-              <a:t>出す</a:t>
-            </a:r>
-            <a:endParaRPr kumimoji="1" lang="ja-JP" altLang="en-US" sz="2400" b="1" dirty="0"/>
-          </a:p>
-        </p:txBody>
-      </p:sp>
-      <p:sp>
-        <p:nvSpPr>
-          <p:cNvPr id="3" name="テキスト ボックス 2"/>
-          <p:cNvSpPr txBox="1"/>
-          <p:nvPr/>
-        </p:nvSpPr>
-        <p:spPr>
-          <a:xfrm>
-            <a:off x="990482" y="1662263"/>
-            <a:ext cx="4154834" cy="461665"/>
-          </a:xfrm>
-          <a:prstGeom prst="rect">
-            <a:avLst/>
-          </a:prstGeom>
-          <a:noFill/>
-        </p:spPr>
-        <p:txBody>
-          <a:bodyPr wrap="square" rtlCol="0">
-            <a:spAutoFit/>
-          </a:bodyPr>
-          <a:lstStyle/>
-          <a:p>
             <a:r>
               <a:rPr lang="ja-JP" altLang="en-US" dirty="0" smtClean="0"/>
               <a:t>・</a:t>
@@ -14660,76 +14618,6 @@
               <a:t>プレイヤーを動かなくする</a:t>
             </a:r>
             <a:endParaRPr lang="en-US" altLang="ja-JP" sz="2400" b="1" dirty="0" smtClean="0"/>
-          </a:p>
-        </p:txBody>
-      </p:sp>
-      <p:sp>
-        <p:nvSpPr>
-          <p:cNvPr id="8" name="下矢印 7"/>
-          <p:cNvSpPr/>
-          <p:nvPr/>
-        </p:nvSpPr>
-        <p:spPr>
-          <a:xfrm rot="10800000">
-            <a:off x="8393835" y="2210351"/>
-            <a:ext cx="674255" cy="781709"/>
-          </a:xfrm>
-          <a:prstGeom prst="downArrow">
-            <a:avLst/>
-          </a:prstGeom>
-        </p:spPr>
-        <p:style>
-          <a:lnRef idx="2">
-            <a:schemeClr val="accent1">
-              <a:shade val="50000"/>
-            </a:schemeClr>
-          </a:lnRef>
-          <a:fillRef idx="1">
-            <a:schemeClr val="accent1"/>
-          </a:fillRef>
-          <a:effectRef idx="0">
-            <a:schemeClr val="accent1"/>
-          </a:effectRef>
-          <a:fontRef idx="minor">
-            <a:schemeClr val="lt1"/>
-          </a:fontRef>
-        </p:style>
-        <p:txBody>
-          <a:bodyPr rtlCol="0" anchor="ctr"/>
-          <a:lstStyle/>
-          <a:p>
-            <a:pPr algn="ctr"/>
-            <a:endParaRPr kumimoji="1" lang="ja-JP" altLang="en-US"/>
-          </a:p>
-        </p:txBody>
-      </p:sp>
-      <p:sp>
-        <p:nvSpPr>
-          <p:cNvPr id="10" name="テキスト ボックス 9"/>
-          <p:cNvSpPr txBox="1"/>
-          <p:nvPr/>
-        </p:nvSpPr>
-        <p:spPr>
-          <a:xfrm>
-            <a:off x="10530328" y="2284242"/>
-            <a:ext cx="461665" cy="1746257"/>
-          </a:xfrm>
-          <a:prstGeom prst="rect">
-            <a:avLst/>
-          </a:prstGeom>
-          <a:noFill/>
-        </p:spPr>
-        <p:txBody>
-          <a:bodyPr vert="eaVert" wrap="square" rtlCol="0">
-            <a:spAutoFit/>
-          </a:bodyPr>
-          <a:lstStyle/>
-          <a:p>
-            <a:r>
-              <a:rPr lang="ja-JP" altLang="en-US" dirty="0" smtClean="0"/>
-              <a:t>があるところに</a:t>
-            </a:r>
-            <a:endParaRPr kumimoji="1" lang="ja-JP" altLang="en-US" dirty="0"/>
           </a:p>
         </p:txBody>
       </p:sp>
@@ -14837,6 +14725,79 @@
               <a:t>操作をできなくする</a:t>
             </a:r>
             <a:endParaRPr kumimoji="1" lang="ja-JP" altLang="en-US" sz="2400" b="1" dirty="0"/>
+          </a:p>
+        </p:txBody>
+      </p:sp>
+      <p:sp>
+        <p:nvSpPr>
+          <p:cNvPr id="12" name="テキスト ボックス 11"/>
+          <p:cNvSpPr txBox="1"/>
+          <p:nvPr/>
+        </p:nvSpPr>
+        <p:spPr>
+          <a:xfrm>
+            <a:off x="990482" y="4098169"/>
+            <a:ext cx="4830618" cy="461665"/>
+          </a:xfrm>
+          <a:prstGeom prst="rect">
+            <a:avLst/>
+          </a:prstGeom>
+          <a:noFill/>
+        </p:spPr>
+        <p:txBody>
+          <a:bodyPr wrap="square" rtlCol="0">
+            <a:spAutoFit/>
+          </a:bodyPr>
+          <a:lstStyle/>
+          <a:p>
+            <a:r>
+              <a:rPr lang="ja-JP" altLang="en-US" b="1" dirty="0"/>
+              <a:t>・</a:t>
+            </a:r>
+            <a:r>
+              <a:rPr lang="ja-JP" altLang="en-US" sz="2400" b="1" dirty="0" smtClean="0"/>
+              <a:t>妨害するアイテムなどは動ける</a:t>
+            </a:r>
+            <a:endParaRPr kumimoji="1" lang="ja-JP" altLang="en-US" sz="2400" b="1" dirty="0"/>
+          </a:p>
+        </p:txBody>
+      </p:sp>
+      <p:sp>
+        <p:nvSpPr>
+          <p:cNvPr id="14" name="テキスト ボックス 13"/>
+          <p:cNvSpPr txBox="1"/>
+          <p:nvPr/>
+        </p:nvSpPr>
+        <p:spPr>
+          <a:xfrm>
+            <a:off x="1354223" y="4479637"/>
+            <a:ext cx="3819897" cy="369332"/>
+          </a:xfrm>
+          <a:prstGeom prst="rect">
+            <a:avLst/>
+          </a:prstGeom>
+          <a:noFill/>
+        </p:spPr>
+        <p:txBody>
+          <a:bodyPr wrap="square" rtlCol="0">
+            <a:spAutoFit/>
+          </a:bodyPr>
+          <a:lstStyle/>
+          <a:p>
+            <a:pPr algn="ctr"/>
+            <a:r>
+              <a:rPr lang="en-US" altLang="ja-JP" dirty="0" smtClean="0"/>
+              <a:t>(</a:t>
+            </a:r>
+            <a:r>
+              <a:rPr lang="ja-JP" altLang="en-US" dirty="0" smtClean="0"/>
+              <a:t>スプラトゥーンみたいな感じに</a:t>
+            </a:r>
+            <a:r>
+              <a:rPr lang="en-US" altLang="ja-JP" dirty="0" smtClean="0"/>
+              <a:t>)</a:t>
+            </a:r>
+            <a:endParaRPr kumimoji="1" lang="ja-JP" altLang="en-US" dirty="0"/>
           </a:p>
         </p:txBody>
       </p:sp>
